--- a/Modelling/MyPAM Modelling.pptx
+++ b/Modelling/MyPAM Modelling.pptx
@@ -7,6 +7,10 @@
   <p:sldIdLst>
     <p:sldId id="256" r:id="rId2"/>
     <p:sldId id="257" r:id="rId3"/>
+    <p:sldId id="258" r:id="rId4"/>
+    <p:sldId id="259" r:id="rId5"/>
+    <p:sldId id="260" r:id="rId6"/>
+    <p:sldId id="261" r:id="rId7"/>
   </p:sldIdLst>
   <p:sldSz cx="12192000" cy="6858000"/>
   <p:notesSz cx="6858000" cy="9144000"/>
@@ -105,6 +109,11 @@
       </a:defRPr>
     </a:lvl9pPr>
   </p:defaultTextStyle>
+  <p:extLst>
+    <p:ext uri="{EFAFB233-063F-42B5-8137-9DF3F51BA10A}">
+      <p15:sldGuideLst xmlns:p15="http://schemas.microsoft.com/office/powerpoint/2012/main"/>
+    </p:ext>
+  </p:extLst>
 </p:presentation>
 </file>
 
@@ -257,7 +266,7 @@
           <a:p>
             <a:fld id="{4DCC3765-A771-4BBA-8135-6F2E689117A7}" type="datetimeFigureOut">
               <a:rPr lang="en-GB" smtClean="0"/>
-              <a:t>15/10/2018</a:t>
+              <a:t>16/10/2018</a:t>
             </a:fld>
             <a:endParaRPr lang="en-GB"/>
           </a:p>
@@ -457,7 +466,7 @@
           <a:p>
             <a:fld id="{4DCC3765-A771-4BBA-8135-6F2E689117A7}" type="datetimeFigureOut">
               <a:rPr lang="en-GB" smtClean="0"/>
-              <a:t>15/10/2018</a:t>
+              <a:t>16/10/2018</a:t>
             </a:fld>
             <a:endParaRPr lang="en-GB"/>
           </a:p>
@@ -667,7 +676,7 @@
           <a:p>
             <a:fld id="{4DCC3765-A771-4BBA-8135-6F2E689117A7}" type="datetimeFigureOut">
               <a:rPr lang="en-GB" smtClean="0"/>
-              <a:t>15/10/2018</a:t>
+              <a:t>16/10/2018</a:t>
             </a:fld>
             <a:endParaRPr lang="en-GB"/>
           </a:p>
@@ -867,7 +876,7 @@
           <a:p>
             <a:fld id="{4DCC3765-A771-4BBA-8135-6F2E689117A7}" type="datetimeFigureOut">
               <a:rPr lang="en-GB" smtClean="0"/>
-              <a:t>15/10/2018</a:t>
+              <a:t>16/10/2018</a:t>
             </a:fld>
             <a:endParaRPr lang="en-GB"/>
           </a:p>
@@ -1143,7 +1152,7 @@
           <a:p>
             <a:fld id="{4DCC3765-A771-4BBA-8135-6F2E689117A7}" type="datetimeFigureOut">
               <a:rPr lang="en-GB" smtClean="0"/>
-              <a:t>15/10/2018</a:t>
+              <a:t>16/10/2018</a:t>
             </a:fld>
             <a:endParaRPr lang="en-GB"/>
           </a:p>
@@ -1411,7 +1420,7 @@
           <a:p>
             <a:fld id="{4DCC3765-A771-4BBA-8135-6F2E689117A7}" type="datetimeFigureOut">
               <a:rPr lang="en-GB" smtClean="0"/>
-              <a:t>15/10/2018</a:t>
+              <a:t>16/10/2018</a:t>
             </a:fld>
             <a:endParaRPr lang="en-GB"/>
           </a:p>
@@ -1826,7 +1835,7 @@
           <a:p>
             <a:fld id="{4DCC3765-A771-4BBA-8135-6F2E689117A7}" type="datetimeFigureOut">
               <a:rPr lang="en-GB" smtClean="0"/>
-              <a:t>15/10/2018</a:t>
+              <a:t>16/10/2018</a:t>
             </a:fld>
             <a:endParaRPr lang="en-GB"/>
           </a:p>
@@ -1968,7 +1977,7 @@
           <a:p>
             <a:fld id="{4DCC3765-A771-4BBA-8135-6F2E689117A7}" type="datetimeFigureOut">
               <a:rPr lang="en-GB" smtClean="0"/>
-              <a:t>15/10/2018</a:t>
+              <a:t>16/10/2018</a:t>
             </a:fld>
             <a:endParaRPr lang="en-GB"/>
           </a:p>
@@ -2081,7 +2090,7 @@
           <a:p>
             <a:fld id="{4DCC3765-A771-4BBA-8135-6F2E689117A7}" type="datetimeFigureOut">
               <a:rPr lang="en-GB" smtClean="0"/>
-              <a:t>15/10/2018</a:t>
+              <a:t>16/10/2018</a:t>
             </a:fld>
             <a:endParaRPr lang="en-GB"/>
           </a:p>
@@ -2394,7 +2403,7 @@
           <a:p>
             <a:fld id="{4DCC3765-A771-4BBA-8135-6F2E689117A7}" type="datetimeFigureOut">
               <a:rPr lang="en-GB" smtClean="0"/>
-              <a:t>15/10/2018</a:t>
+              <a:t>16/10/2018</a:t>
             </a:fld>
             <a:endParaRPr lang="en-GB"/>
           </a:p>
@@ -2683,7 +2692,7 @@
           <a:p>
             <a:fld id="{4DCC3765-A771-4BBA-8135-6F2E689117A7}" type="datetimeFigureOut">
               <a:rPr lang="en-GB" smtClean="0"/>
-              <a:t>15/10/2018</a:t>
+              <a:t>16/10/2018</a:t>
             </a:fld>
             <a:endParaRPr lang="en-GB"/>
           </a:p>
@@ -2926,7 +2935,7 @@
           <a:p>
             <a:fld id="{4DCC3765-A771-4BBA-8135-6F2E689117A7}" type="datetimeFigureOut">
               <a:rPr lang="en-GB" smtClean="0"/>
-              <a:t>15/10/2018</a:t>
+              <a:t>16/10/2018</a:t>
             </a:fld>
             <a:endParaRPr lang="en-GB"/>
           </a:p>
@@ -4701,10 +4710,18 @@
           <a:lstStyle/>
           <a:p>
             <a:r>
-              <a:rPr lang="el-GR" dirty="0"/>
+              <a:rPr lang="el-GR" dirty="0">
+                <a:solidFill>
+                  <a:srgbClr val="FF0000"/>
+                </a:solidFill>
+              </a:rPr>
               <a:t>α</a:t>
             </a:r>
-            <a:endParaRPr lang="en-GB" dirty="0"/>
+            <a:endParaRPr lang="en-GB" dirty="0">
+              <a:solidFill>
+                <a:srgbClr val="FF0000"/>
+              </a:solidFill>
+            </a:endParaRPr>
           </a:p>
         </p:txBody>
       </p:sp>
@@ -4737,10 +4754,18 @@
           <a:lstStyle/>
           <a:p>
             <a:r>
-              <a:rPr lang="el-GR" dirty="0"/>
+              <a:rPr lang="el-GR" dirty="0">
+                <a:solidFill>
+                  <a:srgbClr val="FF0000"/>
+                </a:solidFill>
+              </a:rPr>
               <a:t>β</a:t>
             </a:r>
-            <a:endParaRPr lang="en-GB" dirty="0"/>
+            <a:endParaRPr lang="en-GB" dirty="0">
+              <a:solidFill>
+                <a:srgbClr val="FF0000"/>
+              </a:solidFill>
+            </a:endParaRPr>
           </a:p>
         </p:txBody>
       </p:sp>
@@ -4787,10 +4812,8238 @@
           </a:p>
         </p:txBody>
       </p:sp>
+      <p:sp>
+        <p:nvSpPr>
+          <p:cNvPr id="18" name="TextBox 17">
+            <a:extLst>
+              <a:ext uri="{FF2B5EF4-FFF2-40B4-BE49-F238E27FC236}">
+                <a16:creationId xmlns:a16="http://schemas.microsoft.com/office/drawing/2014/main" id="{BD2614ED-14A3-4A01-BAF4-495ACB6939C5}"/>
+              </a:ext>
+            </a:extLst>
+          </p:cNvPr>
+          <p:cNvSpPr txBox="1"/>
+          <p:nvPr/>
+        </p:nvSpPr>
+        <p:spPr>
+          <a:xfrm>
+            <a:off x="4252220" y="3749125"/>
+            <a:ext cx="360996" cy="369332"/>
+          </a:xfrm>
+          <a:prstGeom prst="rect">
+            <a:avLst/>
+          </a:prstGeom>
+          <a:noFill/>
+        </p:spPr>
+        <p:txBody>
+          <a:bodyPr wrap="none" rtlCol="0">
+            <a:spAutoFit/>
+          </a:bodyPr>
+          <a:lstStyle/>
+          <a:p>
+            <a:r>
+              <a:rPr lang="en-GB" dirty="0"/>
+              <a:t>L</a:t>
+            </a:r>
+            <a:r>
+              <a:rPr lang="en-GB" baseline="-25000" dirty="0"/>
+              <a:t>0</a:t>
+            </a:r>
+          </a:p>
+        </p:txBody>
+      </p:sp>
+      <p:sp>
+        <p:nvSpPr>
+          <p:cNvPr id="21" name="TextBox 20">
+            <a:extLst>
+              <a:ext uri="{FF2B5EF4-FFF2-40B4-BE49-F238E27FC236}">
+                <a16:creationId xmlns:a16="http://schemas.microsoft.com/office/drawing/2014/main" id="{09119E5C-C7CE-4B2E-AB52-74A791370F14}"/>
+              </a:ext>
+            </a:extLst>
+          </p:cNvPr>
+          <p:cNvSpPr txBox="1"/>
+          <p:nvPr/>
+        </p:nvSpPr>
+        <p:spPr>
+          <a:xfrm>
+            <a:off x="5915448" y="2148185"/>
+            <a:ext cx="360996" cy="369332"/>
+          </a:xfrm>
+          <a:prstGeom prst="rect">
+            <a:avLst/>
+          </a:prstGeom>
+          <a:noFill/>
+        </p:spPr>
+        <p:txBody>
+          <a:bodyPr wrap="none" rtlCol="0">
+            <a:spAutoFit/>
+          </a:bodyPr>
+          <a:lstStyle/>
+          <a:p>
+            <a:r>
+              <a:rPr lang="en-GB" dirty="0"/>
+              <a:t>L</a:t>
+            </a:r>
+            <a:r>
+              <a:rPr lang="en-GB" baseline="-25000" dirty="0"/>
+              <a:t>1</a:t>
+            </a:r>
+          </a:p>
+        </p:txBody>
+      </p:sp>
+      <p:sp>
+        <p:nvSpPr>
+          <p:cNvPr id="22" name="Arc 21">
+            <a:extLst>
+              <a:ext uri="{FF2B5EF4-FFF2-40B4-BE49-F238E27FC236}">
+                <a16:creationId xmlns:a16="http://schemas.microsoft.com/office/drawing/2014/main" id="{8EF92233-F071-46C1-BCBE-BC224C75C53E}"/>
+              </a:ext>
+            </a:extLst>
+          </p:cNvPr>
+          <p:cNvSpPr/>
+          <p:nvPr/>
+        </p:nvSpPr>
+        <p:spPr>
+          <a:xfrm>
+            <a:off x="3599783" y="3973363"/>
+            <a:ext cx="546587" cy="714600"/>
+          </a:xfrm>
+          <a:prstGeom prst="arc">
+            <a:avLst>
+              <a:gd name="adj1" fmla="val 16840510"/>
+              <a:gd name="adj2" fmla="val 1870606"/>
+            </a:avLst>
+          </a:prstGeom>
+          <a:ln w="28575">
+            <a:solidFill>
+              <a:schemeClr val="accent1">
+                <a:lumMod val="50000"/>
+              </a:schemeClr>
+            </a:solidFill>
+          </a:ln>
+        </p:spPr>
+        <p:style>
+          <a:lnRef idx="1">
+            <a:schemeClr val="accent1"/>
+          </a:lnRef>
+          <a:fillRef idx="0">
+            <a:schemeClr val="accent1"/>
+          </a:fillRef>
+          <a:effectRef idx="0">
+            <a:schemeClr val="accent1"/>
+          </a:effectRef>
+          <a:fontRef idx="minor">
+            <a:schemeClr val="tx1"/>
+          </a:fontRef>
+        </p:style>
+        <p:txBody>
+          <a:bodyPr rtlCol="0" anchor="ctr"/>
+          <a:lstStyle/>
+          <a:p>
+            <a:pPr algn="ctr"/>
+            <a:endParaRPr lang="en-GB"/>
+          </a:p>
+        </p:txBody>
+      </p:sp>
+      <p:sp>
+        <p:nvSpPr>
+          <p:cNvPr id="23" name="TextBox 22">
+            <a:extLst>
+              <a:ext uri="{FF2B5EF4-FFF2-40B4-BE49-F238E27FC236}">
+                <a16:creationId xmlns:a16="http://schemas.microsoft.com/office/drawing/2014/main" id="{8AE74AB1-5AC2-4B9D-B017-E30AAC4075A6}"/>
+              </a:ext>
+            </a:extLst>
+          </p:cNvPr>
+          <p:cNvSpPr txBox="1"/>
+          <p:nvPr/>
+        </p:nvSpPr>
+        <p:spPr>
+          <a:xfrm>
+            <a:off x="3821938" y="4078683"/>
+            <a:ext cx="386644" cy="369332"/>
+          </a:xfrm>
+          <a:prstGeom prst="rect">
+            <a:avLst/>
+          </a:prstGeom>
+          <a:noFill/>
+        </p:spPr>
+        <p:txBody>
+          <a:bodyPr wrap="none" rtlCol="0">
+            <a:spAutoFit/>
+          </a:bodyPr>
+          <a:lstStyle/>
+          <a:p>
+            <a:r>
+              <a:rPr lang="el-GR" dirty="0">
+                <a:solidFill>
+                  <a:schemeClr val="accent1">
+                    <a:lumMod val="50000"/>
+                  </a:schemeClr>
+                </a:solidFill>
+              </a:rPr>
+              <a:t>θ</a:t>
+            </a:r>
+            <a:r>
+              <a:rPr lang="en-GB" baseline="-25000" dirty="0">
+                <a:solidFill>
+                  <a:schemeClr val="accent1">
+                    <a:lumMod val="50000"/>
+                  </a:schemeClr>
+                </a:solidFill>
+              </a:rPr>
+              <a:t>0</a:t>
+            </a:r>
+          </a:p>
+        </p:txBody>
+      </p:sp>
     </p:spTree>
     <p:extLst>
       <p:ext uri="{BB962C8B-B14F-4D97-AF65-F5344CB8AC3E}">
         <p14:creationId xmlns:p14="http://schemas.microsoft.com/office/powerpoint/2010/main" val="755492241"/>
+      </p:ext>
+    </p:extLst>
+  </p:cSld>
+  <p:clrMapOvr>
+    <a:masterClrMapping/>
+  </p:clrMapOvr>
+</p:sld>
+</file>
+
+<file path=ppt/slides/slide3.xml><?xml version="1.0" encoding="utf-8"?>
+<p:sld xmlns:a="http://schemas.openxmlformats.org/drawingml/2006/main" xmlns:r="http://schemas.openxmlformats.org/officeDocument/2006/relationships" xmlns:p="http://schemas.openxmlformats.org/presentationml/2006/main">
+  <p:cSld>
+    <p:spTree>
+      <p:nvGrpSpPr>
+        <p:cNvPr id="1" name=""/>
+        <p:cNvGrpSpPr/>
+        <p:nvPr/>
+      </p:nvGrpSpPr>
+      <p:grpSpPr>
+        <a:xfrm>
+          <a:off x="0" y="0"/>
+          <a:ext cx="0" cy="0"/>
+          <a:chOff x="0" y="0"/>
+          <a:chExt cx="0" cy="0"/>
+        </a:xfrm>
+      </p:grpSpPr>
+      <p:sp>
+        <p:nvSpPr>
+          <p:cNvPr id="10" name="Oval 9">
+            <a:extLst>
+              <a:ext uri="{FF2B5EF4-FFF2-40B4-BE49-F238E27FC236}">
+                <a16:creationId xmlns:a16="http://schemas.microsoft.com/office/drawing/2014/main" id="{4A3F44C4-BF3B-4424-A9FA-96BCE40FB3FD}"/>
+              </a:ext>
+            </a:extLst>
+          </p:cNvPr>
+          <p:cNvSpPr/>
+          <p:nvPr/>
+        </p:nvSpPr>
+        <p:spPr>
+          <a:xfrm>
+            <a:off x="3094384" y="4366596"/>
+            <a:ext cx="145771" cy="145763"/>
+          </a:xfrm>
+          <a:prstGeom prst="ellipse">
+            <a:avLst/>
+          </a:prstGeom>
+          <a:solidFill>
+            <a:schemeClr val="tx1"/>
+          </a:solidFill>
+          <a:ln>
+            <a:solidFill>
+              <a:schemeClr val="tx1"/>
+            </a:solidFill>
+          </a:ln>
+        </p:spPr>
+        <p:style>
+          <a:lnRef idx="2">
+            <a:schemeClr val="accent1">
+              <a:shade val="50000"/>
+            </a:schemeClr>
+          </a:lnRef>
+          <a:fillRef idx="1">
+            <a:schemeClr val="accent1"/>
+          </a:fillRef>
+          <a:effectRef idx="0">
+            <a:schemeClr val="accent1"/>
+          </a:effectRef>
+          <a:fontRef idx="minor">
+            <a:schemeClr val="lt1"/>
+          </a:fontRef>
+        </p:style>
+        <p:txBody>
+          <a:bodyPr rtlCol="0" anchor="ctr"/>
+          <a:lstStyle/>
+          <a:p>
+            <a:pPr algn="ctr"/>
+            <a:endParaRPr lang="en-GB"/>
+          </a:p>
+        </p:txBody>
+      </p:sp>
+      <p:sp>
+        <p:nvSpPr>
+          <p:cNvPr id="11" name="Oval 10">
+            <a:extLst>
+              <a:ext uri="{FF2B5EF4-FFF2-40B4-BE49-F238E27FC236}">
+                <a16:creationId xmlns:a16="http://schemas.microsoft.com/office/drawing/2014/main" id="{F50CBDA4-8CFC-48DB-B372-63858825F71E}"/>
+              </a:ext>
+            </a:extLst>
+          </p:cNvPr>
+          <p:cNvSpPr/>
+          <p:nvPr/>
+        </p:nvSpPr>
+        <p:spPr>
+          <a:xfrm>
+            <a:off x="5409722" y="2983218"/>
+            <a:ext cx="145771" cy="145763"/>
+          </a:xfrm>
+          <a:prstGeom prst="ellipse">
+            <a:avLst/>
+          </a:prstGeom>
+          <a:solidFill>
+            <a:schemeClr val="tx1"/>
+          </a:solidFill>
+          <a:ln>
+            <a:solidFill>
+              <a:schemeClr val="tx1"/>
+            </a:solidFill>
+          </a:ln>
+        </p:spPr>
+        <p:style>
+          <a:lnRef idx="2">
+            <a:schemeClr val="accent1">
+              <a:shade val="50000"/>
+            </a:schemeClr>
+          </a:lnRef>
+          <a:fillRef idx="1">
+            <a:schemeClr val="accent1"/>
+          </a:fillRef>
+          <a:effectRef idx="0">
+            <a:schemeClr val="accent1"/>
+          </a:effectRef>
+          <a:fontRef idx="minor">
+            <a:schemeClr val="lt1"/>
+          </a:fontRef>
+        </p:style>
+        <p:txBody>
+          <a:bodyPr rtlCol="0" anchor="ctr"/>
+          <a:lstStyle/>
+          <a:p>
+            <a:pPr algn="ctr"/>
+            <a:endParaRPr lang="en-GB"/>
+          </a:p>
+        </p:txBody>
+      </p:sp>
+      <p:sp>
+        <p:nvSpPr>
+          <p:cNvPr id="12" name="Oval 11">
+            <a:extLst>
+              <a:ext uri="{FF2B5EF4-FFF2-40B4-BE49-F238E27FC236}">
+                <a16:creationId xmlns:a16="http://schemas.microsoft.com/office/drawing/2014/main" id="{61EA6961-AD48-4262-B5E4-5C37E8B56A1F}"/>
+              </a:ext>
+            </a:extLst>
+          </p:cNvPr>
+          <p:cNvSpPr/>
+          <p:nvPr/>
+        </p:nvSpPr>
+        <p:spPr>
+          <a:xfrm>
+            <a:off x="6446268" y="1106556"/>
+            <a:ext cx="145771" cy="145763"/>
+          </a:xfrm>
+          <a:prstGeom prst="ellipse">
+            <a:avLst/>
+          </a:prstGeom>
+          <a:solidFill>
+            <a:schemeClr val="tx1"/>
+          </a:solidFill>
+          <a:ln>
+            <a:solidFill>
+              <a:schemeClr val="tx1"/>
+            </a:solidFill>
+          </a:ln>
+        </p:spPr>
+        <p:style>
+          <a:lnRef idx="2">
+            <a:schemeClr val="accent1">
+              <a:shade val="50000"/>
+            </a:schemeClr>
+          </a:lnRef>
+          <a:fillRef idx="1">
+            <a:schemeClr val="accent1"/>
+          </a:fillRef>
+          <a:effectRef idx="0">
+            <a:schemeClr val="accent1"/>
+          </a:effectRef>
+          <a:fontRef idx="minor">
+            <a:schemeClr val="lt1"/>
+          </a:fontRef>
+        </p:style>
+        <p:txBody>
+          <a:bodyPr rtlCol="0" anchor="ctr"/>
+          <a:lstStyle/>
+          <a:p>
+            <a:pPr algn="ctr"/>
+            <a:endParaRPr lang="en-GB"/>
+          </a:p>
+        </p:txBody>
+      </p:sp>
+      <p:cxnSp>
+        <p:nvCxnSpPr>
+          <p:cNvPr id="14" name="Straight Connector 13">
+            <a:extLst>
+              <a:ext uri="{FF2B5EF4-FFF2-40B4-BE49-F238E27FC236}">
+                <a16:creationId xmlns:a16="http://schemas.microsoft.com/office/drawing/2014/main" id="{5DAA3CF6-51F1-4FE9-9590-7296F1090AD0}"/>
+              </a:ext>
+            </a:extLst>
+          </p:cNvPr>
+          <p:cNvCxnSpPr>
+            <a:cxnSpLocks/>
+            <a:stCxn id="10" idx="3"/>
+            <a:endCxn id="11" idx="3"/>
+          </p:cNvCxnSpPr>
+          <p:nvPr/>
+        </p:nvCxnSpPr>
+        <p:spPr>
+          <a:xfrm flipV="1">
+            <a:off x="3115732" y="3107635"/>
+            <a:ext cx="2315338" cy="1383378"/>
+          </a:xfrm>
+          <a:prstGeom prst="line">
+            <a:avLst/>
+          </a:prstGeom>
+          <a:ln w="57150">
+            <a:solidFill>
+              <a:schemeClr val="tx1"/>
+            </a:solidFill>
+          </a:ln>
+        </p:spPr>
+        <p:style>
+          <a:lnRef idx="1">
+            <a:schemeClr val="accent1"/>
+          </a:lnRef>
+          <a:fillRef idx="0">
+            <a:schemeClr val="accent1"/>
+          </a:fillRef>
+          <a:effectRef idx="0">
+            <a:schemeClr val="accent1"/>
+          </a:effectRef>
+          <a:fontRef idx="minor">
+            <a:schemeClr val="tx1"/>
+          </a:fontRef>
+        </p:style>
+      </p:cxnSp>
+      <p:cxnSp>
+        <p:nvCxnSpPr>
+          <p:cNvPr id="20" name="Straight Connector 19">
+            <a:extLst>
+              <a:ext uri="{FF2B5EF4-FFF2-40B4-BE49-F238E27FC236}">
+                <a16:creationId xmlns:a16="http://schemas.microsoft.com/office/drawing/2014/main" id="{E691F24A-4B2E-400E-AD78-B98416C6E6A1}"/>
+              </a:ext>
+            </a:extLst>
+          </p:cNvPr>
+          <p:cNvCxnSpPr>
+            <a:cxnSpLocks/>
+            <a:stCxn id="11" idx="7"/>
+            <a:endCxn id="12" idx="3"/>
+          </p:cNvCxnSpPr>
+          <p:nvPr/>
+        </p:nvCxnSpPr>
+        <p:spPr>
+          <a:xfrm flipV="1">
+            <a:off x="5534145" y="1230973"/>
+            <a:ext cx="933471" cy="1773591"/>
+          </a:xfrm>
+          <a:prstGeom prst="line">
+            <a:avLst/>
+          </a:prstGeom>
+          <a:ln w="57150">
+            <a:solidFill>
+              <a:schemeClr val="tx1"/>
+            </a:solidFill>
+          </a:ln>
+        </p:spPr>
+        <p:style>
+          <a:lnRef idx="1">
+            <a:schemeClr val="accent1"/>
+          </a:lnRef>
+          <a:fillRef idx="0">
+            <a:schemeClr val="accent1"/>
+          </a:fillRef>
+          <a:effectRef idx="0">
+            <a:schemeClr val="accent1"/>
+          </a:effectRef>
+          <a:fontRef idx="minor">
+            <a:schemeClr val="tx1"/>
+          </a:fontRef>
+        </p:style>
+      </p:cxnSp>
+      <p:sp>
+        <p:nvSpPr>
+          <p:cNvPr id="40" name="TextBox 39">
+            <a:extLst>
+              <a:ext uri="{FF2B5EF4-FFF2-40B4-BE49-F238E27FC236}">
+                <a16:creationId xmlns:a16="http://schemas.microsoft.com/office/drawing/2014/main" id="{90F08974-80C7-489E-9608-3D18414FF9E1}"/>
+              </a:ext>
+            </a:extLst>
+          </p:cNvPr>
+          <p:cNvSpPr txBox="1"/>
+          <p:nvPr/>
+        </p:nvSpPr>
+        <p:spPr>
+          <a:xfrm>
+            <a:off x="6435346" y="728687"/>
+            <a:ext cx="744114" cy="369332"/>
+          </a:xfrm>
+          <a:prstGeom prst="rect">
+            <a:avLst/>
+          </a:prstGeom>
+          <a:noFill/>
+        </p:spPr>
+        <p:txBody>
+          <a:bodyPr wrap="none" rtlCol="0">
+            <a:spAutoFit/>
+          </a:bodyPr>
+          <a:lstStyle/>
+          <a:p>
+            <a:r>
+              <a:rPr lang="en-GB" dirty="0"/>
+              <a:t>(x</a:t>
+            </a:r>
+            <a:r>
+              <a:rPr lang="en-GB" baseline="-25000" dirty="0"/>
+              <a:t>2</a:t>
+            </a:r>
+            <a:r>
+              <a:rPr lang="en-GB" dirty="0"/>
+              <a:t>,y</a:t>
+            </a:r>
+            <a:r>
+              <a:rPr lang="en-GB" baseline="-25000" dirty="0"/>
+              <a:t>2</a:t>
+            </a:r>
+            <a:r>
+              <a:rPr lang="en-GB" dirty="0"/>
+              <a:t>)</a:t>
+            </a:r>
+          </a:p>
+        </p:txBody>
+      </p:sp>
+      <p:cxnSp>
+        <p:nvCxnSpPr>
+          <p:cNvPr id="3" name="Straight Connector 2">
+            <a:extLst>
+              <a:ext uri="{FF2B5EF4-FFF2-40B4-BE49-F238E27FC236}">
+                <a16:creationId xmlns:a16="http://schemas.microsoft.com/office/drawing/2014/main" id="{03CD6EA6-9434-4757-9BC4-F51D085C05FD}"/>
+              </a:ext>
+            </a:extLst>
+          </p:cNvPr>
+          <p:cNvCxnSpPr>
+            <a:cxnSpLocks/>
+            <a:stCxn id="10" idx="0"/>
+            <a:endCxn id="12" idx="2"/>
+          </p:cNvCxnSpPr>
+          <p:nvPr/>
+        </p:nvCxnSpPr>
+        <p:spPr>
+          <a:xfrm flipV="1">
+            <a:off x="3167270" y="1179438"/>
+            <a:ext cx="3278998" cy="3187158"/>
+          </a:xfrm>
+          <a:prstGeom prst="line">
+            <a:avLst/>
+          </a:prstGeom>
+          <a:ln w="28575"/>
+        </p:spPr>
+        <p:style>
+          <a:lnRef idx="1">
+            <a:schemeClr val="accent1"/>
+          </a:lnRef>
+          <a:fillRef idx="0">
+            <a:schemeClr val="accent1"/>
+          </a:fillRef>
+          <a:effectRef idx="0">
+            <a:schemeClr val="accent1"/>
+          </a:effectRef>
+          <a:fontRef idx="minor">
+            <a:schemeClr val="tx1"/>
+          </a:fontRef>
+        </p:style>
+      </p:cxnSp>
+      <p:cxnSp>
+        <p:nvCxnSpPr>
+          <p:cNvPr id="15" name="Straight Connector 14">
+            <a:extLst>
+              <a:ext uri="{FF2B5EF4-FFF2-40B4-BE49-F238E27FC236}">
+                <a16:creationId xmlns:a16="http://schemas.microsoft.com/office/drawing/2014/main" id="{054ADF55-0BDD-45FA-80F4-78CCF75955AB}"/>
+              </a:ext>
+            </a:extLst>
+          </p:cNvPr>
+          <p:cNvCxnSpPr>
+            <a:cxnSpLocks/>
+          </p:cNvCxnSpPr>
+          <p:nvPr/>
+        </p:nvCxnSpPr>
+        <p:spPr>
+          <a:xfrm>
+            <a:off x="3167269" y="4491013"/>
+            <a:ext cx="3268077" cy="0"/>
+          </a:xfrm>
+          <a:prstGeom prst="line">
+            <a:avLst/>
+          </a:prstGeom>
+          <a:ln>
+            <a:solidFill>
+              <a:srgbClr val="FF0000"/>
+            </a:solidFill>
+            <a:prstDash val="lgDash"/>
+          </a:ln>
+        </p:spPr>
+        <p:style>
+          <a:lnRef idx="1">
+            <a:schemeClr val="accent1"/>
+          </a:lnRef>
+          <a:fillRef idx="0">
+            <a:schemeClr val="accent1"/>
+          </a:fillRef>
+          <a:effectRef idx="0">
+            <a:schemeClr val="accent1"/>
+          </a:effectRef>
+          <a:fontRef idx="minor">
+            <a:schemeClr val="tx1"/>
+          </a:fontRef>
+        </p:style>
+      </p:cxnSp>
+      <p:sp>
+        <p:nvSpPr>
+          <p:cNvPr id="19" name="TextBox 18">
+            <a:extLst>
+              <a:ext uri="{FF2B5EF4-FFF2-40B4-BE49-F238E27FC236}">
+                <a16:creationId xmlns:a16="http://schemas.microsoft.com/office/drawing/2014/main" id="{00C9FFD7-46ED-4961-8799-CC6368E8C435}"/>
+              </a:ext>
+            </a:extLst>
+          </p:cNvPr>
+          <p:cNvSpPr txBox="1"/>
+          <p:nvPr/>
+        </p:nvSpPr>
+        <p:spPr>
+          <a:xfrm>
+            <a:off x="4628062" y="2332851"/>
+            <a:ext cx="349776" cy="461665"/>
+          </a:xfrm>
+          <a:prstGeom prst="rect">
+            <a:avLst/>
+          </a:prstGeom>
+          <a:noFill/>
+        </p:spPr>
+        <p:txBody>
+          <a:bodyPr wrap="none" rtlCol="0">
+            <a:spAutoFit/>
+          </a:bodyPr>
+          <a:lstStyle/>
+          <a:p>
+            <a:r>
+              <a:rPr lang="en-GB" sz="2400" dirty="0">
+                <a:solidFill>
+                  <a:schemeClr val="accent1">
+                    <a:lumMod val="75000"/>
+                  </a:schemeClr>
+                </a:solidFill>
+                <a:latin typeface="Cambria Math" panose="02040503050406030204" pitchFamily="18" charset="0"/>
+                <a:ea typeface="Cambria Math" panose="02040503050406030204" pitchFamily="18" charset="0"/>
+              </a:rPr>
+              <a:t>L</a:t>
+            </a:r>
+          </a:p>
+        </p:txBody>
+      </p:sp>
+      <p:sp>
+        <p:nvSpPr>
+          <p:cNvPr id="18" name="TextBox 17">
+            <a:extLst>
+              <a:ext uri="{FF2B5EF4-FFF2-40B4-BE49-F238E27FC236}">
+                <a16:creationId xmlns:a16="http://schemas.microsoft.com/office/drawing/2014/main" id="{BD2614ED-14A3-4A01-BAF4-495ACB6939C5}"/>
+              </a:ext>
+            </a:extLst>
+          </p:cNvPr>
+          <p:cNvSpPr txBox="1"/>
+          <p:nvPr/>
+        </p:nvSpPr>
+        <p:spPr>
+          <a:xfrm>
+            <a:off x="4252220" y="3749125"/>
+            <a:ext cx="360996" cy="369332"/>
+          </a:xfrm>
+          <a:prstGeom prst="rect">
+            <a:avLst/>
+          </a:prstGeom>
+          <a:noFill/>
+        </p:spPr>
+        <p:txBody>
+          <a:bodyPr wrap="none" rtlCol="0">
+            <a:spAutoFit/>
+          </a:bodyPr>
+          <a:lstStyle/>
+          <a:p>
+            <a:r>
+              <a:rPr lang="en-GB" dirty="0"/>
+              <a:t>L</a:t>
+            </a:r>
+            <a:r>
+              <a:rPr lang="en-GB" baseline="-25000" dirty="0"/>
+              <a:t>0</a:t>
+            </a:r>
+          </a:p>
+        </p:txBody>
+      </p:sp>
+      <p:sp>
+        <p:nvSpPr>
+          <p:cNvPr id="21" name="TextBox 20">
+            <a:extLst>
+              <a:ext uri="{FF2B5EF4-FFF2-40B4-BE49-F238E27FC236}">
+                <a16:creationId xmlns:a16="http://schemas.microsoft.com/office/drawing/2014/main" id="{09119E5C-C7CE-4B2E-AB52-74A791370F14}"/>
+              </a:ext>
+            </a:extLst>
+          </p:cNvPr>
+          <p:cNvSpPr txBox="1"/>
+          <p:nvPr/>
+        </p:nvSpPr>
+        <p:spPr>
+          <a:xfrm>
+            <a:off x="6085272" y="1822654"/>
+            <a:ext cx="360996" cy="369332"/>
+          </a:xfrm>
+          <a:prstGeom prst="rect">
+            <a:avLst/>
+          </a:prstGeom>
+          <a:noFill/>
+        </p:spPr>
+        <p:txBody>
+          <a:bodyPr wrap="none" rtlCol="0">
+            <a:spAutoFit/>
+          </a:bodyPr>
+          <a:lstStyle/>
+          <a:p>
+            <a:r>
+              <a:rPr lang="en-GB" dirty="0"/>
+              <a:t>L</a:t>
+            </a:r>
+            <a:r>
+              <a:rPr lang="en-GB" baseline="-25000" dirty="0"/>
+              <a:t>1</a:t>
+            </a:r>
+          </a:p>
+        </p:txBody>
+      </p:sp>
+      <p:cxnSp>
+        <p:nvCxnSpPr>
+          <p:cNvPr id="4" name="Straight Connector 3">
+            <a:extLst>
+              <a:ext uri="{FF2B5EF4-FFF2-40B4-BE49-F238E27FC236}">
+                <a16:creationId xmlns:a16="http://schemas.microsoft.com/office/drawing/2014/main" id="{09C8D0A3-144D-458D-924F-87E0D2ED43F5}"/>
+              </a:ext>
+            </a:extLst>
+          </p:cNvPr>
+          <p:cNvCxnSpPr>
+            <a:stCxn id="11" idx="3"/>
+          </p:cNvCxnSpPr>
+          <p:nvPr/>
+        </p:nvCxnSpPr>
+        <p:spPr>
+          <a:xfrm flipV="1">
+            <a:off x="5431070" y="1696278"/>
+            <a:ext cx="2188930" cy="1411357"/>
+          </a:xfrm>
+          <a:prstGeom prst="line">
+            <a:avLst/>
+          </a:prstGeom>
+          <a:ln>
+            <a:solidFill>
+              <a:srgbClr val="FF0000"/>
+            </a:solidFill>
+            <a:prstDash val="lgDash"/>
+          </a:ln>
+        </p:spPr>
+        <p:style>
+          <a:lnRef idx="1">
+            <a:schemeClr val="accent1"/>
+          </a:lnRef>
+          <a:fillRef idx="0">
+            <a:schemeClr val="accent1"/>
+          </a:fillRef>
+          <a:effectRef idx="0">
+            <a:schemeClr val="accent1"/>
+          </a:effectRef>
+          <a:fontRef idx="minor">
+            <a:schemeClr val="tx1"/>
+          </a:fontRef>
+        </p:style>
+      </p:cxnSp>
+      <p:sp>
+        <p:nvSpPr>
+          <p:cNvPr id="24" name="TextBox 23">
+            <a:extLst>
+              <a:ext uri="{FF2B5EF4-FFF2-40B4-BE49-F238E27FC236}">
+                <a16:creationId xmlns:a16="http://schemas.microsoft.com/office/drawing/2014/main" id="{C5568652-B890-4FAB-9CFF-285F73EB7880}"/>
+              </a:ext>
+            </a:extLst>
+          </p:cNvPr>
+          <p:cNvSpPr txBox="1"/>
+          <p:nvPr/>
+        </p:nvSpPr>
+        <p:spPr>
+          <a:xfrm>
+            <a:off x="5735991" y="2403685"/>
+            <a:ext cx="386644" cy="369332"/>
+          </a:xfrm>
+          <a:prstGeom prst="rect">
+            <a:avLst/>
+          </a:prstGeom>
+          <a:noFill/>
+        </p:spPr>
+        <p:txBody>
+          <a:bodyPr wrap="none" rtlCol="0">
+            <a:spAutoFit/>
+          </a:bodyPr>
+          <a:lstStyle/>
+          <a:p>
+            <a:r>
+              <a:rPr lang="el-GR" dirty="0">
+                <a:solidFill>
+                  <a:schemeClr val="accent1">
+                    <a:lumMod val="50000"/>
+                  </a:schemeClr>
+                </a:solidFill>
+              </a:rPr>
+              <a:t>θ</a:t>
+            </a:r>
+            <a:r>
+              <a:rPr lang="en-GB" baseline="-25000" dirty="0">
+                <a:solidFill>
+                  <a:schemeClr val="accent1">
+                    <a:lumMod val="50000"/>
+                  </a:schemeClr>
+                </a:solidFill>
+              </a:rPr>
+              <a:t>1</a:t>
+            </a:r>
+          </a:p>
+        </p:txBody>
+      </p:sp>
+      <p:sp>
+        <p:nvSpPr>
+          <p:cNvPr id="25" name="Arc 24">
+            <a:extLst>
+              <a:ext uri="{FF2B5EF4-FFF2-40B4-BE49-F238E27FC236}">
+                <a16:creationId xmlns:a16="http://schemas.microsoft.com/office/drawing/2014/main" id="{3311EBE1-40B4-4FF9-A2FC-079D1EEB1E7C}"/>
+              </a:ext>
+            </a:extLst>
+          </p:cNvPr>
+          <p:cNvSpPr/>
+          <p:nvPr/>
+        </p:nvSpPr>
+        <p:spPr>
+          <a:xfrm>
+            <a:off x="5391895" y="2254194"/>
+            <a:ext cx="982639" cy="968215"/>
+          </a:xfrm>
+          <a:prstGeom prst="arc">
+            <a:avLst>
+              <a:gd name="adj1" fmla="val 16840510"/>
+              <a:gd name="adj2" fmla="val 20283039"/>
+            </a:avLst>
+          </a:prstGeom>
+          <a:ln w="28575">
+            <a:solidFill>
+              <a:schemeClr val="accent1">
+                <a:lumMod val="50000"/>
+              </a:schemeClr>
+            </a:solidFill>
+          </a:ln>
+        </p:spPr>
+        <p:style>
+          <a:lnRef idx="1">
+            <a:schemeClr val="accent1"/>
+          </a:lnRef>
+          <a:fillRef idx="0">
+            <a:schemeClr val="accent1"/>
+          </a:fillRef>
+          <a:effectRef idx="0">
+            <a:schemeClr val="accent1"/>
+          </a:effectRef>
+          <a:fontRef idx="minor">
+            <a:schemeClr val="tx1"/>
+          </a:fontRef>
+        </p:style>
+        <p:txBody>
+          <a:bodyPr rtlCol="0" anchor="ctr"/>
+          <a:lstStyle/>
+          <a:p>
+            <a:pPr algn="ctr"/>
+            <a:endParaRPr lang="en-GB"/>
+          </a:p>
+        </p:txBody>
+      </p:sp>
+      <p:sp>
+        <p:nvSpPr>
+          <p:cNvPr id="7" name="Arc 6">
+            <a:extLst>
+              <a:ext uri="{FF2B5EF4-FFF2-40B4-BE49-F238E27FC236}">
+                <a16:creationId xmlns:a16="http://schemas.microsoft.com/office/drawing/2014/main" id="{B4280E24-56BB-4C91-B54B-BF660C5793B5}"/>
+              </a:ext>
+            </a:extLst>
+          </p:cNvPr>
+          <p:cNvSpPr/>
+          <p:nvPr/>
+        </p:nvSpPr>
+        <p:spPr>
+          <a:xfrm rot="10168907" flipV="1">
+            <a:off x="5018013" y="2402033"/>
+            <a:ext cx="1227451" cy="1463321"/>
+          </a:xfrm>
+          <a:prstGeom prst="arc">
+            <a:avLst>
+              <a:gd name="adj1" fmla="val 14716130"/>
+              <a:gd name="adj2" fmla="val 210681"/>
+            </a:avLst>
+          </a:prstGeom>
+          <a:ln>
+            <a:solidFill>
+              <a:srgbClr val="FF0000"/>
+            </a:solidFill>
+          </a:ln>
+        </p:spPr>
+        <p:style>
+          <a:lnRef idx="1">
+            <a:schemeClr val="accent1"/>
+          </a:lnRef>
+          <a:fillRef idx="0">
+            <a:schemeClr val="accent1"/>
+          </a:fillRef>
+          <a:effectRef idx="0">
+            <a:schemeClr val="accent1"/>
+          </a:effectRef>
+          <a:fontRef idx="minor">
+            <a:schemeClr val="tx1"/>
+          </a:fontRef>
+        </p:style>
+        <p:txBody>
+          <a:bodyPr rtlCol="0" anchor="ctr"/>
+          <a:lstStyle/>
+          <a:p>
+            <a:pPr algn="ctr"/>
+            <a:endParaRPr lang="en-GB"/>
+          </a:p>
+        </p:txBody>
+      </p:sp>
+      <p:sp>
+        <p:nvSpPr>
+          <p:cNvPr id="8" name="TextBox 7">
+            <a:extLst>
+              <a:ext uri="{FF2B5EF4-FFF2-40B4-BE49-F238E27FC236}">
+                <a16:creationId xmlns:a16="http://schemas.microsoft.com/office/drawing/2014/main" id="{106B6EC5-5901-4581-B974-FD35E7350D20}"/>
+              </a:ext>
+            </a:extLst>
+          </p:cNvPr>
+          <p:cNvSpPr txBox="1"/>
+          <p:nvPr/>
+        </p:nvSpPr>
+        <p:spPr>
+          <a:xfrm>
+            <a:off x="5205417" y="2595615"/>
+            <a:ext cx="264816" cy="369332"/>
+          </a:xfrm>
+          <a:prstGeom prst="rect">
+            <a:avLst/>
+          </a:prstGeom>
+          <a:noFill/>
+        </p:spPr>
+        <p:txBody>
+          <a:bodyPr wrap="none" rtlCol="0">
+            <a:spAutoFit/>
+          </a:bodyPr>
+          <a:lstStyle/>
+          <a:p>
+            <a:r>
+              <a:rPr lang="el-GR" dirty="0">
+                <a:solidFill>
+                  <a:srgbClr val="FF0000"/>
+                </a:solidFill>
+              </a:rPr>
+              <a:t>ζ</a:t>
+            </a:r>
+            <a:endParaRPr lang="en-GB" dirty="0">
+              <a:solidFill>
+                <a:srgbClr val="FF0000"/>
+              </a:solidFill>
+            </a:endParaRPr>
+          </a:p>
+        </p:txBody>
+      </p:sp>
+    </p:spTree>
+    <p:extLst>
+      <p:ext uri="{BB962C8B-B14F-4D97-AF65-F5344CB8AC3E}">
+        <p14:creationId xmlns:p14="http://schemas.microsoft.com/office/powerpoint/2010/main" val="2590451344"/>
+      </p:ext>
+    </p:extLst>
+  </p:cSld>
+  <p:clrMapOvr>
+    <a:masterClrMapping/>
+  </p:clrMapOvr>
+</p:sld>
+</file>
+
+<file path=ppt/slides/slide4.xml><?xml version="1.0" encoding="utf-8"?>
+<p:sld xmlns:a="http://schemas.openxmlformats.org/drawingml/2006/main" xmlns:r="http://schemas.openxmlformats.org/officeDocument/2006/relationships" xmlns:p="http://schemas.openxmlformats.org/presentationml/2006/main">
+  <p:cSld>
+    <p:spTree>
+      <p:nvGrpSpPr>
+        <p:cNvPr id="1" name=""/>
+        <p:cNvGrpSpPr/>
+        <p:nvPr/>
+      </p:nvGrpSpPr>
+      <p:grpSpPr>
+        <a:xfrm>
+          <a:off x="0" y="0"/>
+          <a:ext cx="0" cy="0"/>
+          <a:chOff x="0" y="0"/>
+          <a:chExt cx="0" cy="0"/>
+        </a:xfrm>
+      </p:grpSpPr>
+      <p:cxnSp>
+        <p:nvCxnSpPr>
+          <p:cNvPr id="120" name="Straight Connector 119">
+            <a:extLst>
+              <a:ext uri="{FF2B5EF4-FFF2-40B4-BE49-F238E27FC236}">
+                <a16:creationId xmlns:a16="http://schemas.microsoft.com/office/drawing/2014/main" id="{6A3070D9-35FD-4690-A103-576E571514B9}"/>
+              </a:ext>
+            </a:extLst>
+          </p:cNvPr>
+          <p:cNvCxnSpPr>
+            <a:cxnSpLocks/>
+          </p:cNvCxnSpPr>
+          <p:nvPr/>
+        </p:nvCxnSpPr>
+        <p:spPr>
+          <a:xfrm flipH="1" flipV="1">
+            <a:off x="9160669" y="789476"/>
+            <a:ext cx="1" cy="1361363"/>
+          </a:xfrm>
+          <a:prstGeom prst="line">
+            <a:avLst/>
+          </a:prstGeom>
+          <a:ln>
+            <a:prstDash val="lgDash"/>
+          </a:ln>
+        </p:spPr>
+        <p:style>
+          <a:lnRef idx="1">
+            <a:schemeClr val="accent1"/>
+          </a:lnRef>
+          <a:fillRef idx="0">
+            <a:schemeClr val="accent1"/>
+          </a:fillRef>
+          <a:effectRef idx="0">
+            <a:schemeClr val="accent1"/>
+          </a:effectRef>
+          <a:fontRef idx="minor">
+            <a:schemeClr val="tx1"/>
+          </a:fontRef>
+        </p:style>
+      </p:cxnSp>
+      <p:cxnSp>
+        <p:nvCxnSpPr>
+          <p:cNvPr id="121" name="Straight Connector 120">
+            <a:extLst>
+              <a:ext uri="{FF2B5EF4-FFF2-40B4-BE49-F238E27FC236}">
+                <a16:creationId xmlns:a16="http://schemas.microsoft.com/office/drawing/2014/main" id="{C297C10E-F09F-435E-A328-0E6FFBC3020A}"/>
+              </a:ext>
+            </a:extLst>
+          </p:cNvPr>
+          <p:cNvCxnSpPr>
+            <a:cxnSpLocks/>
+          </p:cNvCxnSpPr>
+          <p:nvPr/>
+        </p:nvCxnSpPr>
+        <p:spPr>
+          <a:xfrm flipV="1">
+            <a:off x="6115581" y="934587"/>
+            <a:ext cx="0" cy="2243160"/>
+          </a:xfrm>
+          <a:prstGeom prst="line">
+            <a:avLst/>
+          </a:prstGeom>
+          <a:ln>
+            <a:prstDash val="lgDash"/>
+          </a:ln>
+        </p:spPr>
+        <p:style>
+          <a:lnRef idx="1">
+            <a:schemeClr val="accent1"/>
+          </a:lnRef>
+          <a:fillRef idx="0">
+            <a:schemeClr val="accent1"/>
+          </a:fillRef>
+          <a:effectRef idx="0">
+            <a:schemeClr val="accent1"/>
+          </a:effectRef>
+          <a:fontRef idx="minor">
+            <a:schemeClr val="tx1"/>
+          </a:fontRef>
+        </p:style>
+      </p:cxnSp>
+      <p:grpSp>
+        <p:nvGrpSpPr>
+          <p:cNvPr id="94" name="Group 93">
+            <a:extLst>
+              <a:ext uri="{FF2B5EF4-FFF2-40B4-BE49-F238E27FC236}">
+                <a16:creationId xmlns:a16="http://schemas.microsoft.com/office/drawing/2014/main" id="{C1FCEB00-37D6-46D7-819B-59220DC72B27}"/>
+              </a:ext>
+            </a:extLst>
+          </p:cNvPr>
+          <p:cNvGrpSpPr/>
+          <p:nvPr/>
+        </p:nvGrpSpPr>
+        <p:grpSpPr>
+          <a:xfrm>
+            <a:off x="2461625" y="1147096"/>
+            <a:ext cx="7770799" cy="4286174"/>
+            <a:chOff x="2461625" y="1147096"/>
+            <a:chExt cx="7770799" cy="4286174"/>
+          </a:xfrm>
+        </p:grpSpPr>
+        <p:grpSp>
+          <p:nvGrpSpPr>
+            <p:cNvPr id="79" name="Group 78">
+              <a:extLst>
+                <a:ext uri="{FF2B5EF4-FFF2-40B4-BE49-F238E27FC236}">
+                  <a16:creationId xmlns:a16="http://schemas.microsoft.com/office/drawing/2014/main" id="{334C15DA-A42C-4EFE-A3FF-51ED04B9622C}"/>
+                </a:ext>
+              </a:extLst>
+            </p:cNvPr>
+            <p:cNvGrpSpPr/>
+            <p:nvPr/>
+          </p:nvGrpSpPr>
+          <p:grpSpPr>
+            <a:xfrm>
+              <a:off x="2786715" y="1147096"/>
+              <a:ext cx="7445709" cy="3940231"/>
+              <a:chOff x="2786715" y="1147096"/>
+              <a:chExt cx="7445709" cy="3940231"/>
+            </a:xfrm>
+          </p:grpSpPr>
+          <p:grpSp>
+            <p:nvGrpSpPr>
+              <p:cNvPr id="69" name="Group 68">
+                <a:extLst>
+                  <a:ext uri="{FF2B5EF4-FFF2-40B4-BE49-F238E27FC236}">
+                    <a16:creationId xmlns:a16="http://schemas.microsoft.com/office/drawing/2014/main" id="{99F694D1-CA34-42F0-81CD-31E18D504A75}"/>
+                  </a:ext>
+                </a:extLst>
+              </p:cNvPr>
+              <p:cNvGrpSpPr/>
+              <p:nvPr/>
+            </p:nvGrpSpPr>
+            <p:grpSpPr>
+              <a:xfrm>
+                <a:off x="2786715" y="1489787"/>
+                <a:ext cx="7086747" cy="3597540"/>
+                <a:chOff x="2786715" y="1489787"/>
+                <a:chExt cx="7086747" cy="3597540"/>
+              </a:xfrm>
+            </p:grpSpPr>
+            <p:grpSp>
+              <p:nvGrpSpPr>
+                <p:cNvPr id="48" name="Group 47">
+                  <a:extLst>
+                    <a:ext uri="{FF2B5EF4-FFF2-40B4-BE49-F238E27FC236}">
+                      <a16:creationId xmlns:a16="http://schemas.microsoft.com/office/drawing/2014/main" id="{BBA3BACC-9DAE-409F-A8C3-0C0A35317BC3}"/>
+                    </a:ext>
+                  </a:extLst>
+                </p:cNvPr>
+                <p:cNvGrpSpPr/>
+                <p:nvPr/>
+              </p:nvGrpSpPr>
+              <p:grpSpPr>
+                <a:xfrm>
+                  <a:off x="2786715" y="1770673"/>
+                  <a:ext cx="6618570" cy="3316654"/>
+                  <a:chOff x="2862470" y="1623094"/>
+                  <a:chExt cx="6618570" cy="3316654"/>
+                </a:xfrm>
+              </p:grpSpPr>
+              <p:cxnSp>
+                <p:nvCxnSpPr>
+                  <p:cNvPr id="32" name="Straight Connector 31">
+                    <a:extLst>
+                      <a:ext uri="{FF2B5EF4-FFF2-40B4-BE49-F238E27FC236}">
+                        <a16:creationId xmlns:a16="http://schemas.microsoft.com/office/drawing/2014/main" id="{1AF5DE03-2728-4A8C-9168-49FB54FD7378}"/>
+                      </a:ext>
+                    </a:extLst>
+                  </p:cNvPr>
+                  <p:cNvCxnSpPr>
+                    <a:cxnSpLocks/>
+                  </p:cNvCxnSpPr>
+                  <p:nvPr/>
+                </p:nvCxnSpPr>
+                <p:spPr>
+                  <a:xfrm flipV="1">
+                    <a:off x="3107635" y="3192709"/>
+                    <a:ext cx="0" cy="1351133"/>
+                  </a:xfrm>
+                  <a:prstGeom prst="line">
+                    <a:avLst/>
+                  </a:prstGeom>
+                  <a:ln w="28575">
+                    <a:solidFill>
+                      <a:schemeClr val="tx1"/>
+                    </a:solidFill>
+                  </a:ln>
+                </p:spPr>
+                <p:style>
+                  <a:lnRef idx="1">
+                    <a:schemeClr val="accent1"/>
+                  </a:lnRef>
+                  <a:fillRef idx="0">
+                    <a:schemeClr val="accent1"/>
+                  </a:fillRef>
+                  <a:effectRef idx="0">
+                    <a:schemeClr val="accent1"/>
+                  </a:effectRef>
+                  <a:fontRef idx="minor">
+                    <a:schemeClr val="tx1"/>
+                  </a:fontRef>
+                </p:style>
+              </p:cxnSp>
+              <p:cxnSp>
+                <p:nvCxnSpPr>
+                  <p:cNvPr id="34" name="Straight Connector 33">
+                    <a:extLst>
+                      <a:ext uri="{FF2B5EF4-FFF2-40B4-BE49-F238E27FC236}">
+                        <a16:creationId xmlns:a16="http://schemas.microsoft.com/office/drawing/2014/main" id="{B5E70DFB-9979-4923-9B20-C0C967DD3C77}"/>
+                      </a:ext>
+                    </a:extLst>
+                  </p:cNvPr>
+                  <p:cNvCxnSpPr>
+                    <a:cxnSpLocks/>
+                  </p:cNvCxnSpPr>
+                  <p:nvPr/>
+                </p:nvCxnSpPr>
+                <p:spPr>
+                  <a:xfrm>
+                    <a:off x="3107634" y="3192711"/>
+                    <a:ext cx="3111690" cy="1"/>
+                  </a:xfrm>
+                  <a:prstGeom prst="line">
+                    <a:avLst/>
+                  </a:prstGeom>
+                  <a:ln w="28575">
+                    <a:solidFill>
+                      <a:schemeClr val="tx1"/>
+                    </a:solidFill>
+                  </a:ln>
+                </p:spPr>
+                <p:style>
+                  <a:lnRef idx="1">
+                    <a:schemeClr val="accent1"/>
+                  </a:lnRef>
+                  <a:fillRef idx="0">
+                    <a:schemeClr val="accent1"/>
+                  </a:fillRef>
+                  <a:effectRef idx="0">
+                    <a:schemeClr val="accent1"/>
+                  </a:effectRef>
+                  <a:fontRef idx="minor">
+                    <a:schemeClr val="tx1"/>
+                  </a:fontRef>
+                </p:style>
+              </p:cxnSp>
+              <p:cxnSp>
+                <p:nvCxnSpPr>
+                  <p:cNvPr id="40" name="Straight Connector 39">
+                    <a:extLst>
+                      <a:ext uri="{FF2B5EF4-FFF2-40B4-BE49-F238E27FC236}">
+                        <a16:creationId xmlns:a16="http://schemas.microsoft.com/office/drawing/2014/main" id="{E923D7C4-6217-43A3-A57C-5C34FBE0B4D9}"/>
+                      </a:ext>
+                    </a:extLst>
+                  </p:cNvPr>
+                  <p:cNvCxnSpPr>
+                    <a:cxnSpLocks/>
+                  </p:cNvCxnSpPr>
+                  <p:nvPr/>
+                </p:nvCxnSpPr>
+                <p:spPr>
+                  <a:xfrm flipV="1">
+                    <a:off x="6206624" y="2019002"/>
+                    <a:ext cx="0" cy="1173709"/>
+                  </a:xfrm>
+                  <a:prstGeom prst="line">
+                    <a:avLst/>
+                  </a:prstGeom>
+                  <a:ln w="28575">
+                    <a:solidFill>
+                      <a:schemeClr val="tx1"/>
+                    </a:solidFill>
+                  </a:ln>
+                </p:spPr>
+                <p:style>
+                  <a:lnRef idx="1">
+                    <a:schemeClr val="accent1"/>
+                  </a:lnRef>
+                  <a:fillRef idx="0">
+                    <a:schemeClr val="accent1"/>
+                  </a:fillRef>
+                  <a:effectRef idx="0">
+                    <a:schemeClr val="accent1"/>
+                  </a:effectRef>
+                  <a:fontRef idx="minor">
+                    <a:schemeClr val="tx1"/>
+                  </a:fontRef>
+                </p:style>
+              </p:cxnSp>
+              <p:cxnSp>
+                <p:nvCxnSpPr>
+                  <p:cNvPr id="42" name="Straight Connector 41">
+                    <a:extLst>
+                      <a:ext uri="{FF2B5EF4-FFF2-40B4-BE49-F238E27FC236}">
+                        <a16:creationId xmlns:a16="http://schemas.microsoft.com/office/drawing/2014/main" id="{2B55035F-566A-44CA-BA55-177436F87416}"/>
+                      </a:ext>
+                    </a:extLst>
+                  </p:cNvPr>
+                  <p:cNvCxnSpPr>
+                    <a:cxnSpLocks/>
+                  </p:cNvCxnSpPr>
+                  <p:nvPr/>
+                </p:nvCxnSpPr>
+                <p:spPr>
+                  <a:xfrm flipH="1" flipV="1">
+                    <a:off x="6206624" y="2019002"/>
+                    <a:ext cx="3042504" cy="1"/>
+                  </a:xfrm>
+                  <a:prstGeom prst="line">
+                    <a:avLst/>
+                  </a:prstGeom>
+                  <a:ln w="28575">
+                    <a:solidFill>
+                      <a:schemeClr val="tx1"/>
+                    </a:solidFill>
+                  </a:ln>
+                </p:spPr>
+                <p:style>
+                  <a:lnRef idx="1">
+                    <a:schemeClr val="accent1"/>
+                  </a:lnRef>
+                  <a:fillRef idx="0">
+                    <a:schemeClr val="accent1"/>
+                  </a:fillRef>
+                  <a:effectRef idx="0">
+                    <a:schemeClr val="accent1"/>
+                  </a:effectRef>
+                  <a:fontRef idx="minor">
+                    <a:schemeClr val="tx1"/>
+                  </a:fontRef>
+                </p:style>
+              </p:cxnSp>
+              <p:grpSp>
+                <p:nvGrpSpPr>
+                  <p:cNvPr id="18" name="Group 17">
+                    <a:extLst>
+                      <a:ext uri="{FF2B5EF4-FFF2-40B4-BE49-F238E27FC236}">
+                        <a16:creationId xmlns:a16="http://schemas.microsoft.com/office/drawing/2014/main" id="{54592E5D-9F39-4F00-AA6E-70F75FC82874}"/>
+                      </a:ext>
+                    </a:extLst>
+                  </p:cNvPr>
+                  <p:cNvGrpSpPr/>
+                  <p:nvPr/>
+                </p:nvGrpSpPr>
+                <p:grpSpPr>
+                  <a:xfrm>
+                    <a:off x="2862470" y="4147930"/>
+                    <a:ext cx="477078" cy="791818"/>
+                    <a:chOff x="2862470" y="4147930"/>
+                    <a:chExt cx="477078" cy="791818"/>
+                  </a:xfrm>
+                </p:grpSpPr>
+                <p:grpSp>
+                  <p:nvGrpSpPr>
+                    <p:cNvPr id="7" name="Group 6">
+                      <a:extLst>
+                        <a:ext uri="{FF2B5EF4-FFF2-40B4-BE49-F238E27FC236}">
+                          <a16:creationId xmlns:a16="http://schemas.microsoft.com/office/drawing/2014/main" id="{CDE98865-DE70-4A94-89EA-7F75EF263A1C}"/>
+                        </a:ext>
+                      </a:extLst>
+                    </p:cNvPr>
+                    <p:cNvGrpSpPr/>
+                    <p:nvPr/>
+                  </p:nvGrpSpPr>
+                  <p:grpSpPr>
+                    <a:xfrm>
+                      <a:off x="2862470" y="4147930"/>
+                      <a:ext cx="477078" cy="791818"/>
+                      <a:chOff x="3578087" y="2690191"/>
+                      <a:chExt cx="477078" cy="791818"/>
+                    </a:xfrm>
+                  </p:grpSpPr>
+                  <p:sp>
+                    <p:nvSpPr>
+                      <p:cNvPr id="6" name="Oval 5">
+                        <a:extLst>
+                          <a:ext uri="{FF2B5EF4-FFF2-40B4-BE49-F238E27FC236}">
+                            <a16:creationId xmlns:a16="http://schemas.microsoft.com/office/drawing/2014/main" id="{7DA4A996-D943-460C-A5E2-D4D5BB6F14AE}"/>
+                          </a:ext>
+                        </a:extLst>
+                      </p:cNvPr>
+                      <p:cNvSpPr/>
+                      <p:nvPr/>
+                    </p:nvSpPr>
+                    <p:spPr>
+                      <a:xfrm>
+                        <a:off x="3591339" y="3375991"/>
+                        <a:ext cx="463826" cy="106018"/>
+                      </a:xfrm>
+                      <a:prstGeom prst="ellipse">
+                        <a:avLst/>
+                      </a:prstGeom>
+                      <a:solidFill>
+                        <a:schemeClr val="accent3"/>
+                      </a:solidFill>
+                      <a:ln>
+                        <a:solidFill>
+                          <a:schemeClr val="tx1"/>
+                        </a:solidFill>
+                      </a:ln>
+                    </p:spPr>
+                    <p:style>
+                      <a:lnRef idx="2">
+                        <a:schemeClr val="accent1">
+                          <a:shade val="50000"/>
+                        </a:schemeClr>
+                      </a:lnRef>
+                      <a:fillRef idx="1">
+                        <a:schemeClr val="accent1"/>
+                      </a:fillRef>
+                      <a:effectRef idx="0">
+                        <a:schemeClr val="accent1"/>
+                      </a:effectRef>
+                      <a:fontRef idx="minor">
+                        <a:schemeClr val="lt1"/>
+                      </a:fontRef>
+                    </p:style>
+                    <p:txBody>
+                      <a:bodyPr rtlCol="0" anchor="ctr"/>
+                      <a:lstStyle/>
+                      <a:p>
+                        <a:pPr algn="ctr"/>
+                        <a:endParaRPr lang="en-GB"/>
+                      </a:p>
+                    </p:txBody>
+                  </p:sp>
+                  <p:sp>
+                    <p:nvSpPr>
+                      <p:cNvPr id="4" name="Rectangle 3">
+                        <a:extLst>
+                          <a:ext uri="{FF2B5EF4-FFF2-40B4-BE49-F238E27FC236}">
+                            <a16:creationId xmlns:a16="http://schemas.microsoft.com/office/drawing/2014/main" id="{29225765-5751-4192-B0C6-2D2A2A6E10FC}"/>
+                          </a:ext>
+                        </a:extLst>
+                      </p:cNvPr>
+                      <p:cNvSpPr/>
+                      <p:nvPr/>
+                    </p:nvSpPr>
+                    <p:spPr>
+                      <a:xfrm>
+                        <a:off x="3578087" y="2743200"/>
+                        <a:ext cx="477078" cy="685800"/>
+                      </a:xfrm>
+                      <a:prstGeom prst="rect">
+                        <a:avLst/>
+                      </a:prstGeom>
+                      <a:solidFill>
+                        <a:schemeClr val="accent3"/>
+                      </a:solidFill>
+                      <a:ln>
+                        <a:solidFill>
+                          <a:schemeClr val="tx1"/>
+                        </a:solidFill>
+                      </a:ln>
+                    </p:spPr>
+                    <p:style>
+                      <a:lnRef idx="2">
+                        <a:schemeClr val="accent1">
+                          <a:shade val="50000"/>
+                        </a:schemeClr>
+                      </a:lnRef>
+                      <a:fillRef idx="1">
+                        <a:schemeClr val="accent1"/>
+                      </a:fillRef>
+                      <a:effectRef idx="0">
+                        <a:schemeClr val="accent1"/>
+                      </a:effectRef>
+                      <a:fontRef idx="minor">
+                        <a:schemeClr val="lt1"/>
+                      </a:fontRef>
+                    </p:style>
+                    <p:txBody>
+                      <a:bodyPr rtlCol="0" anchor="ctr"/>
+                      <a:lstStyle/>
+                      <a:p>
+                        <a:pPr algn="ctr"/>
+                        <a:endParaRPr lang="en-GB"/>
+                      </a:p>
+                    </p:txBody>
+                  </p:sp>
+                  <p:sp>
+                    <p:nvSpPr>
+                      <p:cNvPr id="5" name="Oval 4">
+                        <a:extLst>
+                          <a:ext uri="{FF2B5EF4-FFF2-40B4-BE49-F238E27FC236}">
+                            <a16:creationId xmlns:a16="http://schemas.microsoft.com/office/drawing/2014/main" id="{6F75A2FD-8F8D-400B-9353-B00EE90F5F8C}"/>
+                          </a:ext>
+                        </a:extLst>
+                      </p:cNvPr>
+                      <p:cNvSpPr/>
+                      <p:nvPr/>
+                    </p:nvSpPr>
+                    <p:spPr>
+                      <a:xfrm>
+                        <a:off x="3591339" y="2690191"/>
+                        <a:ext cx="463826" cy="106018"/>
+                      </a:xfrm>
+                      <a:prstGeom prst="ellipse">
+                        <a:avLst/>
+                      </a:prstGeom>
+                      <a:solidFill>
+                        <a:schemeClr val="accent3"/>
+                      </a:solidFill>
+                      <a:ln>
+                        <a:solidFill>
+                          <a:schemeClr val="tx1"/>
+                        </a:solidFill>
+                      </a:ln>
+                    </p:spPr>
+                    <p:style>
+                      <a:lnRef idx="2">
+                        <a:schemeClr val="accent1">
+                          <a:shade val="50000"/>
+                        </a:schemeClr>
+                      </a:lnRef>
+                      <a:fillRef idx="1">
+                        <a:schemeClr val="accent1"/>
+                      </a:fillRef>
+                      <a:effectRef idx="0">
+                        <a:schemeClr val="accent1"/>
+                      </a:effectRef>
+                      <a:fontRef idx="minor">
+                        <a:schemeClr val="lt1"/>
+                      </a:fontRef>
+                    </p:style>
+                    <p:txBody>
+                      <a:bodyPr rtlCol="0" anchor="ctr"/>
+                      <a:lstStyle/>
+                      <a:p>
+                        <a:pPr algn="ctr"/>
+                        <a:endParaRPr lang="en-GB"/>
+                      </a:p>
+                    </p:txBody>
+                  </p:sp>
+                </p:grpSp>
+                <p:cxnSp>
+                  <p:nvCxnSpPr>
+                    <p:cNvPr id="17" name="Straight Connector 16">
+                      <a:extLst>
+                        <a:ext uri="{FF2B5EF4-FFF2-40B4-BE49-F238E27FC236}">
+                          <a16:creationId xmlns:a16="http://schemas.microsoft.com/office/drawing/2014/main" id="{390A635A-CD01-4073-9B55-B7E899C98B3D}"/>
+                        </a:ext>
+                      </a:extLst>
+                    </p:cNvPr>
+                    <p:cNvCxnSpPr/>
+                    <p:nvPr/>
+                  </p:nvCxnSpPr>
+                  <p:spPr>
+                    <a:xfrm>
+                      <a:off x="2863022" y="4874039"/>
+                      <a:ext cx="463826" cy="0"/>
+                    </a:xfrm>
+                    <a:prstGeom prst="line">
+                      <a:avLst/>
+                    </a:prstGeom>
+                    <a:ln w="38100">
+                      <a:solidFill>
+                        <a:schemeClr val="accent3"/>
+                      </a:solidFill>
+                    </a:ln>
+                  </p:spPr>
+                  <p:style>
+                    <a:lnRef idx="1">
+                      <a:schemeClr val="accent1"/>
+                    </a:lnRef>
+                    <a:fillRef idx="0">
+                      <a:schemeClr val="accent1"/>
+                    </a:fillRef>
+                    <a:effectRef idx="0">
+                      <a:schemeClr val="accent1"/>
+                    </a:effectRef>
+                    <a:fontRef idx="minor">
+                      <a:schemeClr val="tx1"/>
+                    </a:fontRef>
+                  </p:style>
+                </p:cxnSp>
+              </p:grpSp>
+              <p:grpSp>
+                <p:nvGrpSpPr>
+                  <p:cNvPr id="19" name="Group 18">
+                    <a:extLst>
+                      <a:ext uri="{FF2B5EF4-FFF2-40B4-BE49-F238E27FC236}">
+                        <a16:creationId xmlns:a16="http://schemas.microsoft.com/office/drawing/2014/main" id="{A493BDF3-FE20-47CB-B23C-6045B857894A}"/>
+                      </a:ext>
+                    </a:extLst>
+                  </p:cNvPr>
+                  <p:cNvGrpSpPr/>
+                  <p:nvPr/>
+                </p:nvGrpSpPr>
+                <p:grpSpPr>
+                  <a:xfrm>
+                    <a:off x="5974159" y="2796802"/>
+                    <a:ext cx="477078" cy="791818"/>
+                    <a:chOff x="2862470" y="4147930"/>
+                    <a:chExt cx="477078" cy="791818"/>
+                  </a:xfrm>
+                </p:grpSpPr>
+                <p:grpSp>
+                  <p:nvGrpSpPr>
+                    <p:cNvPr id="20" name="Group 19">
+                      <a:extLst>
+                        <a:ext uri="{FF2B5EF4-FFF2-40B4-BE49-F238E27FC236}">
+                          <a16:creationId xmlns:a16="http://schemas.microsoft.com/office/drawing/2014/main" id="{C0819A0F-1AD1-4F39-BA4E-83944316A540}"/>
+                        </a:ext>
+                      </a:extLst>
+                    </p:cNvPr>
+                    <p:cNvGrpSpPr/>
+                    <p:nvPr/>
+                  </p:nvGrpSpPr>
+                  <p:grpSpPr>
+                    <a:xfrm>
+                      <a:off x="2862470" y="4147930"/>
+                      <a:ext cx="477078" cy="791818"/>
+                      <a:chOff x="3578087" y="2690191"/>
+                      <a:chExt cx="477078" cy="791818"/>
+                    </a:xfrm>
+                  </p:grpSpPr>
+                  <p:sp>
+                    <p:nvSpPr>
+                      <p:cNvPr id="22" name="Oval 21">
+                        <a:extLst>
+                          <a:ext uri="{FF2B5EF4-FFF2-40B4-BE49-F238E27FC236}">
+                            <a16:creationId xmlns:a16="http://schemas.microsoft.com/office/drawing/2014/main" id="{15E45BBA-EC64-4B97-9DF7-2D8EBE6A764C}"/>
+                          </a:ext>
+                        </a:extLst>
+                      </p:cNvPr>
+                      <p:cNvSpPr/>
+                      <p:nvPr/>
+                    </p:nvSpPr>
+                    <p:spPr>
+                      <a:xfrm>
+                        <a:off x="3591339" y="3375991"/>
+                        <a:ext cx="463826" cy="106018"/>
+                      </a:xfrm>
+                      <a:prstGeom prst="ellipse">
+                        <a:avLst/>
+                      </a:prstGeom>
+                      <a:solidFill>
+                        <a:schemeClr val="accent3"/>
+                      </a:solidFill>
+                      <a:ln>
+                        <a:solidFill>
+                          <a:schemeClr val="tx1"/>
+                        </a:solidFill>
+                      </a:ln>
+                    </p:spPr>
+                    <p:style>
+                      <a:lnRef idx="2">
+                        <a:schemeClr val="accent1">
+                          <a:shade val="50000"/>
+                        </a:schemeClr>
+                      </a:lnRef>
+                      <a:fillRef idx="1">
+                        <a:schemeClr val="accent1"/>
+                      </a:fillRef>
+                      <a:effectRef idx="0">
+                        <a:schemeClr val="accent1"/>
+                      </a:effectRef>
+                      <a:fontRef idx="minor">
+                        <a:schemeClr val="lt1"/>
+                      </a:fontRef>
+                    </p:style>
+                    <p:txBody>
+                      <a:bodyPr rtlCol="0" anchor="ctr"/>
+                      <a:lstStyle/>
+                      <a:p>
+                        <a:pPr algn="ctr"/>
+                        <a:endParaRPr lang="en-GB"/>
+                      </a:p>
+                    </p:txBody>
+                  </p:sp>
+                  <p:sp>
+                    <p:nvSpPr>
+                      <p:cNvPr id="23" name="Rectangle 22">
+                        <a:extLst>
+                          <a:ext uri="{FF2B5EF4-FFF2-40B4-BE49-F238E27FC236}">
+                            <a16:creationId xmlns:a16="http://schemas.microsoft.com/office/drawing/2014/main" id="{A15A2E44-E9D1-499A-984B-DD208AEA0A1F}"/>
+                          </a:ext>
+                        </a:extLst>
+                      </p:cNvPr>
+                      <p:cNvSpPr/>
+                      <p:nvPr/>
+                    </p:nvSpPr>
+                    <p:spPr>
+                      <a:xfrm>
+                        <a:off x="3578087" y="2743200"/>
+                        <a:ext cx="477078" cy="685800"/>
+                      </a:xfrm>
+                      <a:prstGeom prst="rect">
+                        <a:avLst/>
+                      </a:prstGeom>
+                      <a:solidFill>
+                        <a:schemeClr val="accent3"/>
+                      </a:solidFill>
+                      <a:ln>
+                        <a:solidFill>
+                          <a:schemeClr val="tx1"/>
+                        </a:solidFill>
+                      </a:ln>
+                    </p:spPr>
+                    <p:style>
+                      <a:lnRef idx="2">
+                        <a:schemeClr val="accent1">
+                          <a:shade val="50000"/>
+                        </a:schemeClr>
+                      </a:lnRef>
+                      <a:fillRef idx="1">
+                        <a:schemeClr val="accent1"/>
+                      </a:fillRef>
+                      <a:effectRef idx="0">
+                        <a:schemeClr val="accent1"/>
+                      </a:effectRef>
+                      <a:fontRef idx="minor">
+                        <a:schemeClr val="lt1"/>
+                      </a:fontRef>
+                    </p:style>
+                    <p:txBody>
+                      <a:bodyPr rtlCol="0" anchor="ctr"/>
+                      <a:lstStyle/>
+                      <a:p>
+                        <a:pPr algn="ctr"/>
+                        <a:endParaRPr lang="en-GB"/>
+                      </a:p>
+                    </p:txBody>
+                  </p:sp>
+                  <p:sp>
+                    <p:nvSpPr>
+                      <p:cNvPr id="24" name="Oval 23">
+                        <a:extLst>
+                          <a:ext uri="{FF2B5EF4-FFF2-40B4-BE49-F238E27FC236}">
+                            <a16:creationId xmlns:a16="http://schemas.microsoft.com/office/drawing/2014/main" id="{BB019E4D-428C-451F-BC60-DEBD9385312D}"/>
+                          </a:ext>
+                        </a:extLst>
+                      </p:cNvPr>
+                      <p:cNvSpPr/>
+                      <p:nvPr/>
+                    </p:nvSpPr>
+                    <p:spPr>
+                      <a:xfrm>
+                        <a:off x="3591339" y="2690191"/>
+                        <a:ext cx="463826" cy="106018"/>
+                      </a:xfrm>
+                      <a:prstGeom prst="ellipse">
+                        <a:avLst/>
+                      </a:prstGeom>
+                      <a:solidFill>
+                        <a:schemeClr val="accent3"/>
+                      </a:solidFill>
+                      <a:ln>
+                        <a:solidFill>
+                          <a:schemeClr val="tx1"/>
+                        </a:solidFill>
+                      </a:ln>
+                    </p:spPr>
+                    <p:style>
+                      <a:lnRef idx="2">
+                        <a:schemeClr val="accent1">
+                          <a:shade val="50000"/>
+                        </a:schemeClr>
+                      </a:lnRef>
+                      <a:fillRef idx="1">
+                        <a:schemeClr val="accent1"/>
+                      </a:fillRef>
+                      <a:effectRef idx="0">
+                        <a:schemeClr val="accent1"/>
+                      </a:effectRef>
+                      <a:fontRef idx="minor">
+                        <a:schemeClr val="lt1"/>
+                      </a:fontRef>
+                    </p:style>
+                    <p:txBody>
+                      <a:bodyPr rtlCol="0" anchor="ctr"/>
+                      <a:lstStyle/>
+                      <a:p>
+                        <a:pPr algn="ctr"/>
+                        <a:endParaRPr lang="en-GB"/>
+                      </a:p>
+                    </p:txBody>
+                  </p:sp>
+                </p:grpSp>
+                <p:cxnSp>
+                  <p:nvCxnSpPr>
+                    <p:cNvPr id="21" name="Straight Connector 20">
+                      <a:extLst>
+                        <a:ext uri="{FF2B5EF4-FFF2-40B4-BE49-F238E27FC236}">
+                          <a16:creationId xmlns:a16="http://schemas.microsoft.com/office/drawing/2014/main" id="{7E598EFE-DF1F-4EAB-BA08-C5A53215238B}"/>
+                        </a:ext>
+                      </a:extLst>
+                    </p:cNvPr>
+                    <p:cNvCxnSpPr/>
+                    <p:nvPr/>
+                  </p:nvCxnSpPr>
+                  <p:spPr>
+                    <a:xfrm>
+                      <a:off x="2863022" y="4874039"/>
+                      <a:ext cx="463826" cy="0"/>
+                    </a:xfrm>
+                    <a:prstGeom prst="line">
+                      <a:avLst/>
+                    </a:prstGeom>
+                    <a:ln w="38100">
+                      <a:solidFill>
+                        <a:schemeClr val="accent3"/>
+                      </a:solidFill>
+                    </a:ln>
+                  </p:spPr>
+                  <p:style>
+                    <a:lnRef idx="1">
+                      <a:schemeClr val="accent1"/>
+                    </a:lnRef>
+                    <a:fillRef idx="0">
+                      <a:schemeClr val="accent1"/>
+                    </a:fillRef>
+                    <a:effectRef idx="0">
+                      <a:schemeClr val="accent1"/>
+                    </a:effectRef>
+                    <a:fontRef idx="minor">
+                      <a:schemeClr val="tx1"/>
+                    </a:fontRef>
+                  </p:style>
+                </p:cxnSp>
+              </p:grpSp>
+              <p:grpSp>
+                <p:nvGrpSpPr>
+                  <p:cNvPr id="25" name="Group 24">
+                    <a:extLst>
+                      <a:ext uri="{FF2B5EF4-FFF2-40B4-BE49-F238E27FC236}">
+                        <a16:creationId xmlns:a16="http://schemas.microsoft.com/office/drawing/2014/main" id="{BB3B80D3-DF70-4486-8E5A-526530E7C270}"/>
+                      </a:ext>
+                    </a:extLst>
+                  </p:cNvPr>
+                  <p:cNvGrpSpPr/>
+                  <p:nvPr/>
+                </p:nvGrpSpPr>
+                <p:grpSpPr>
+                  <a:xfrm>
+                    <a:off x="9003962" y="1623094"/>
+                    <a:ext cx="477078" cy="791818"/>
+                    <a:chOff x="2862470" y="4147930"/>
+                    <a:chExt cx="477078" cy="791818"/>
+                  </a:xfrm>
+                </p:grpSpPr>
+                <p:grpSp>
+                  <p:nvGrpSpPr>
+                    <p:cNvPr id="26" name="Group 25">
+                      <a:extLst>
+                        <a:ext uri="{FF2B5EF4-FFF2-40B4-BE49-F238E27FC236}">
+                          <a16:creationId xmlns:a16="http://schemas.microsoft.com/office/drawing/2014/main" id="{7C2202EB-94D6-4E24-829D-4D0472BDD399}"/>
+                        </a:ext>
+                      </a:extLst>
+                    </p:cNvPr>
+                    <p:cNvGrpSpPr/>
+                    <p:nvPr/>
+                  </p:nvGrpSpPr>
+                  <p:grpSpPr>
+                    <a:xfrm>
+                      <a:off x="2862470" y="4147930"/>
+                      <a:ext cx="477078" cy="791818"/>
+                      <a:chOff x="3578087" y="2690191"/>
+                      <a:chExt cx="477078" cy="791818"/>
+                    </a:xfrm>
+                  </p:grpSpPr>
+                  <p:sp>
+                    <p:nvSpPr>
+                      <p:cNvPr id="28" name="Oval 27">
+                        <a:extLst>
+                          <a:ext uri="{FF2B5EF4-FFF2-40B4-BE49-F238E27FC236}">
+                            <a16:creationId xmlns:a16="http://schemas.microsoft.com/office/drawing/2014/main" id="{13528B7F-AA2F-41F7-8974-A580CE769772}"/>
+                          </a:ext>
+                        </a:extLst>
+                      </p:cNvPr>
+                      <p:cNvSpPr/>
+                      <p:nvPr/>
+                    </p:nvSpPr>
+                    <p:spPr>
+                      <a:xfrm>
+                        <a:off x="3591339" y="3375991"/>
+                        <a:ext cx="463826" cy="106018"/>
+                      </a:xfrm>
+                      <a:prstGeom prst="ellipse">
+                        <a:avLst/>
+                      </a:prstGeom>
+                      <a:solidFill>
+                        <a:schemeClr val="accent3"/>
+                      </a:solidFill>
+                      <a:ln>
+                        <a:solidFill>
+                          <a:schemeClr val="tx1"/>
+                        </a:solidFill>
+                      </a:ln>
+                    </p:spPr>
+                    <p:style>
+                      <a:lnRef idx="2">
+                        <a:schemeClr val="accent1">
+                          <a:shade val="50000"/>
+                        </a:schemeClr>
+                      </a:lnRef>
+                      <a:fillRef idx="1">
+                        <a:schemeClr val="accent1"/>
+                      </a:fillRef>
+                      <a:effectRef idx="0">
+                        <a:schemeClr val="accent1"/>
+                      </a:effectRef>
+                      <a:fontRef idx="minor">
+                        <a:schemeClr val="lt1"/>
+                      </a:fontRef>
+                    </p:style>
+                    <p:txBody>
+                      <a:bodyPr rtlCol="0" anchor="ctr"/>
+                      <a:lstStyle/>
+                      <a:p>
+                        <a:pPr algn="ctr"/>
+                        <a:endParaRPr lang="en-GB"/>
+                      </a:p>
+                    </p:txBody>
+                  </p:sp>
+                  <p:sp>
+                    <p:nvSpPr>
+                      <p:cNvPr id="29" name="Rectangle 28">
+                        <a:extLst>
+                          <a:ext uri="{FF2B5EF4-FFF2-40B4-BE49-F238E27FC236}">
+                            <a16:creationId xmlns:a16="http://schemas.microsoft.com/office/drawing/2014/main" id="{3D08E4DD-DBA1-4113-B000-573FDE580755}"/>
+                          </a:ext>
+                        </a:extLst>
+                      </p:cNvPr>
+                      <p:cNvSpPr/>
+                      <p:nvPr/>
+                    </p:nvSpPr>
+                    <p:spPr>
+                      <a:xfrm>
+                        <a:off x="3578087" y="2743200"/>
+                        <a:ext cx="477078" cy="685800"/>
+                      </a:xfrm>
+                      <a:prstGeom prst="rect">
+                        <a:avLst/>
+                      </a:prstGeom>
+                      <a:solidFill>
+                        <a:schemeClr val="accent3"/>
+                      </a:solidFill>
+                      <a:ln>
+                        <a:solidFill>
+                          <a:schemeClr val="tx1"/>
+                        </a:solidFill>
+                      </a:ln>
+                    </p:spPr>
+                    <p:style>
+                      <a:lnRef idx="2">
+                        <a:schemeClr val="accent1">
+                          <a:shade val="50000"/>
+                        </a:schemeClr>
+                      </a:lnRef>
+                      <a:fillRef idx="1">
+                        <a:schemeClr val="accent1"/>
+                      </a:fillRef>
+                      <a:effectRef idx="0">
+                        <a:schemeClr val="accent1"/>
+                      </a:effectRef>
+                      <a:fontRef idx="minor">
+                        <a:schemeClr val="lt1"/>
+                      </a:fontRef>
+                    </p:style>
+                    <p:txBody>
+                      <a:bodyPr rtlCol="0" anchor="ctr"/>
+                      <a:lstStyle/>
+                      <a:p>
+                        <a:pPr algn="ctr"/>
+                        <a:endParaRPr lang="en-GB"/>
+                      </a:p>
+                    </p:txBody>
+                  </p:sp>
+                  <p:sp>
+                    <p:nvSpPr>
+                      <p:cNvPr id="30" name="Oval 29">
+                        <a:extLst>
+                          <a:ext uri="{FF2B5EF4-FFF2-40B4-BE49-F238E27FC236}">
+                            <a16:creationId xmlns:a16="http://schemas.microsoft.com/office/drawing/2014/main" id="{3EDF98D0-AD3B-4BB9-B3E5-8E04CAE5CFBB}"/>
+                          </a:ext>
+                        </a:extLst>
+                      </p:cNvPr>
+                      <p:cNvSpPr/>
+                      <p:nvPr/>
+                    </p:nvSpPr>
+                    <p:spPr>
+                      <a:xfrm>
+                        <a:off x="3591339" y="2690191"/>
+                        <a:ext cx="463826" cy="106018"/>
+                      </a:xfrm>
+                      <a:prstGeom prst="ellipse">
+                        <a:avLst/>
+                      </a:prstGeom>
+                      <a:solidFill>
+                        <a:schemeClr val="accent3"/>
+                      </a:solidFill>
+                      <a:ln>
+                        <a:solidFill>
+                          <a:schemeClr val="tx1"/>
+                        </a:solidFill>
+                      </a:ln>
+                    </p:spPr>
+                    <p:style>
+                      <a:lnRef idx="2">
+                        <a:schemeClr val="accent1">
+                          <a:shade val="50000"/>
+                        </a:schemeClr>
+                      </a:lnRef>
+                      <a:fillRef idx="1">
+                        <a:schemeClr val="accent1"/>
+                      </a:fillRef>
+                      <a:effectRef idx="0">
+                        <a:schemeClr val="accent1"/>
+                      </a:effectRef>
+                      <a:fontRef idx="minor">
+                        <a:schemeClr val="lt1"/>
+                      </a:fontRef>
+                    </p:style>
+                    <p:txBody>
+                      <a:bodyPr rtlCol="0" anchor="ctr"/>
+                      <a:lstStyle/>
+                      <a:p>
+                        <a:pPr algn="ctr"/>
+                        <a:endParaRPr lang="en-GB"/>
+                      </a:p>
+                    </p:txBody>
+                  </p:sp>
+                </p:grpSp>
+                <p:cxnSp>
+                  <p:nvCxnSpPr>
+                    <p:cNvPr id="27" name="Straight Connector 26">
+                      <a:extLst>
+                        <a:ext uri="{FF2B5EF4-FFF2-40B4-BE49-F238E27FC236}">
+                          <a16:creationId xmlns:a16="http://schemas.microsoft.com/office/drawing/2014/main" id="{360FBC5F-8618-481A-9442-2F2EB1BF6122}"/>
+                        </a:ext>
+                      </a:extLst>
+                    </p:cNvPr>
+                    <p:cNvCxnSpPr/>
+                    <p:nvPr/>
+                  </p:nvCxnSpPr>
+                  <p:spPr>
+                    <a:xfrm>
+                      <a:off x="2863022" y="4874039"/>
+                      <a:ext cx="463826" cy="0"/>
+                    </a:xfrm>
+                    <a:prstGeom prst="line">
+                      <a:avLst/>
+                    </a:prstGeom>
+                    <a:ln w="38100">
+                      <a:solidFill>
+                        <a:schemeClr val="accent3"/>
+                      </a:solidFill>
+                    </a:ln>
+                  </p:spPr>
+                  <p:style>
+                    <a:lnRef idx="1">
+                      <a:schemeClr val="accent1"/>
+                    </a:lnRef>
+                    <a:fillRef idx="0">
+                      <a:schemeClr val="accent1"/>
+                    </a:fillRef>
+                    <a:effectRef idx="0">
+                      <a:schemeClr val="accent1"/>
+                    </a:effectRef>
+                    <a:fontRef idx="minor">
+                      <a:schemeClr val="tx1"/>
+                    </a:fontRef>
+                  </p:style>
+                </p:cxnSp>
+              </p:grpSp>
+            </p:grpSp>
+            <p:grpSp>
+              <p:nvGrpSpPr>
+                <p:cNvPr id="60" name="Group 59">
+                  <a:extLst>
+                    <a:ext uri="{FF2B5EF4-FFF2-40B4-BE49-F238E27FC236}">
+                      <a16:creationId xmlns:a16="http://schemas.microsoft.com/office/drawing/2014/main" id="{F8F0B74E-06DB-4C86-AE9A-604141C53ADF}"/>
+                    </a:ext>
+                  </a:extLst>
+                </p:cNvPr>
+                <p:cNvGrpSpPr/>
+                <p:nvPr/>
+              </p:nvGrpSpPr>
+              <p:grpSpPr>
+                <a:xfrm>
+                  <a:off x="3019180" y="4015854"/>
+                  <a:ext cx="712790" cy="675564"/>
+                  <a:chOff x="3019180" y="4015854"/>
+                  <a:chExt cx="712790" cy="675564"/>
+                </a:xfrm>
+              </p:grpSpPr>
+              <p:cxnSp>
+                <p:nvCxnSpPr>
+                  <p:cNvPr id="50" name="Straight Arrow Connector 49">
+                    <a:extLst>
+                      <a:ext uri="{FF2B5EF4-FFF2-40B4-BE49-F238E27FC236}">
+                        <a16:creationId xmlns:a16="http://schemas.microsoft.com/office/drawing/2014/main" id="{BE3C2014-0909-4BA0-9BC0-BC9A8A1CF9A4}"/>
+                      </a:ext>
+                    </a:extLst>
+                  </p:cNvPr>
+                  <p:cNvCxnSpPr>
+                    <a:cxnSpLocks/>
+                  </p:cNvCxnSpPr>
+                  <p:nvPr/>
+                </p:nvCxnSpPr>
+                <p:spPr>
+                  <a:xfrm>
+                    <a:off x="3031879" y="4676905"/>
+                    <a:ext cx="700091" cy="0"/>
+                  </a:xfrm>
+                  <a:prstGeom prst="straightConnector1">
+                    <a:avLst/>
+                  </a:prstGeom>
+                  <a:ln w="38100">
+                    <a:solidFill>
+                      <a:srgbClr val="FF0000"/>
+                    </a:solidFill>
+                    <a:tailEnd type="triangle"/>
+                  </a:ln>
+                </p:spPr>
+                <p:style>
+                  <a:lnRef idx="1">
+                    <a:schemeClr val="accent1"/>
+                  </a:lnRef>
+                  <a:fillRef idx="0">
+                    <a:schemeClr val="accent1"/>
+                  </a:fillRef>
+                  <a:effectRef idx="0">
+                    <a:schemeClr val="accent1"/>
+                  </a:effectRef>
+                  <a:fontRef idx="minor">
+                    <a:schemeClr val="tx1"/>
+                  </a:fontRef>
+                </p:style>
+              </p:cxnSp>
+              <p:cxnSp>
+                <p:nvCxnSpPr>
+                  <p:cNvPr id="55" name="Straight Arrow Connector 54">
+                    <a:extLst>
+                      <a:ext uri="{FF2B5EF4-FFF2-40B4-BE49-F238E27FC236}">
+                        <a16:creationId xmlns:a16="http://schemas.microsoft.com/office/drawing/2014/main" id="{BE0D5C80-5DF4-4BEB-AB42-54FA9A3B8D58}"/>
+                      </a:ext>
+                    </a:extLst>
+                  </p:cNvPr>
+                  <p:cNvCxnSpPr/>
+                  <p:nvPr/>
+                </p:nvCxnSpPr>
+                <p:spPr>
+                  <a:xfrm flipV="1">
+                    <a:off x="3019180" y="4015854"/>
+                    <a:ext cx="0" cy="675564"/>
+                  </a:xfrm>
+                  <a:prstGeom prst="straightConnector1">
+                    <a:avLst/>
+                  </a:prstGeom>
+                  <a:ln w="38100">
+                    <a:solidFill>
+                      <a:srgbClr val="FF0000"/>
+                    </a:solidFill>
+                    <a:tailEnd type="triangle"/>
+                  </a:ln>
+                </p:spPr>
+                <p:style>
+                  <a:lnRef idx="1">
+                    <a:schemeClr val="accent1"/>
+                  </a:lnRef>
+                  <a:fillRef idx="0">
+                    <a:schemeClr val="accent1"/>
+                  </a:fillRef>
+                  <a:effectRef idx="0">
+                    <a:schemeClr val="accent1"/>
+                  </a:effectRef>
+                  <a:fontRef idx="minor">
+                    <a:schemeClr val="tx1"/>
+                  </a:fontRef>
+                </p:style>
+              </p:cxnSp>
+              <p:cxnSp>
+                <p:nvCxnSpPr>
+                  <p:cNvPr id="57" name="Straight Arrow Connector 56">
+                    <a:extLst>
+                      <a:ext uri="{FF2B5EF4-FFF2-40B4-BE49-F238E27FC236}">
+                        <a16:creationId xmlns:a16="http://schemas.microsoft.com/office/drawing/2014/main" id="{D56DE692-7713-4D23-BA8A-A002A9C9C340}"/>
+                      </a:ext>
+                    </a:extLst>
+                  </p:cNvPr>
+                  <p:cNvCxnSpPr>
+                    <a:cxnSpLocks/>
+                  </p:cNvCxnSpPr>
+                  <p:nvPr/>
+                </p:nvCxnSpPr>
+                <p:spPr>
+                  <a:xfrm flipV="1">
+                    <a:off x="3019180" y="4318898"/>
+                    <a:ext cx="451126" cy="358007"/>
+                  </a:xfrm>
+                  <a:prstGeom prst="straightConnector1">
+                    <a:avLst/>
+                  </a:prstGeom>
+                  <a:ln w="38100">
+                    <a:solidFill>
+                      <a:srgbClr val="FF0000"/>
+                    </a:solidFill>
+                    <a:tailEnd type="triangle"/>
+                  </a:ln>
+                </p:spPr>
+                <p:style>
+                  <a:lnRef idx="1">
+                    <a:schemeClr val="accent1"/>
+                  </a:lnRef>
+                  <a:fillRef idx="0">
+                    <a:schemeClr val="accent1"/>
+                  </a:fillRef>
+                  <a:effectRef idx="0">
+                    <a:schemeClr val="accent1"/>
+                  </a:effectRef>
+                  <a:fontRef idx="minor">
+                    <a:schemeClr val="tx1"/>
+                  </a:fontRef>
+                </p:style>
+              </p:cxnSp>
+            </p:grpSp>
+            <p:grpSp>
+              <p:nvGrpSpPr>
+                <p:cNvPr id="61" name="Group 60">
+                  <a:extLst>
+                    <a:ext uri="{FF2B5EF4-FFF2-40B4-BE49-F238E27FC236}">
+                      <a16:creationId xmlns:a16="http://schemas.microsoft.com/office/drawing/2014/main" id="{AA6944EF-8529-4EA3-AD9F-45BE3B1CF158}"/>
+                    </a:ext>
+                  </a:extLst>
+                </p:cNvPr>
+                <p:cNvGrpSpPr/>
+                <p:nvPr/>
+              </p:nvGrpSpPr>
+              <p:grpSpPr>
+                <a:xfrm>
+                  <a:off x="6130869" y="2691231"/>
+                  <a:ext cx="712790" cy="675564"/>
+                  <a:chOff x="3019180" y="4015854"/>
+                  <a:chExt cx="712790" cy="675564"/>
+                </a:xfrm>
+              </p:grpSpPr>
+              <p:cxnSp>
+                <p:nvCxnSpPr>
+                  <p:cNvPr id="62" name="Straight Arrow Connector 61">
+                    <a:extLst>
+                      <a:ext uri="{FF2B5EF4-FFF2-40B4-BE49-F238E27FC236}">
+                        <a16:creationId xmlns:a16="http://schemas.microsoft.com/office/drawing/2014/main" id="{4FFAB26C-A070-4607-8775-0B4B29383D5C}"/>
+                      </a:ext>
+                    </a:extLst>
+                  </p:cNvPr>
+                  <p:cNvCxnSpPr>
+                    <a:cxnSpLocks/>
+                  </p:cNvCxnSpPr>
+                  <p:nvPr/>
+                </p:nvCxnSpPr>
+                <p:spPr>
+                  <a:xfrm>
+                    <a:off x="3031879" y="4676905"/>
+                    <a:ext cx="700091" cy="0"/>
+                  </a:xfrm>
+                  <a:prstGeom prst="straightConnector1">
+                    <a:avLst/>
+                  </a:prstGeom>
+                  <a:ln w="38100">
+                    <a:solidFill>
+                      <a:srgbClr val="FF0000"/>
+                    </a:solidFill>
+                    <a:tailEnd type="triangle"/>
+                  </a:ln>
+                </p:spPr>
+                <p:style>
+                  <a:lnRef idx="1">
+                    <a:schemeClr val="accent1"/>
+                  </a:lnRef>
+                  <a:fillRef idx="0">
+                    <a:schemeClr val="accent1"/>
+                  </a:fillRef>
+                  <a:effectRef idx="0">
+                    <a:schemeClr val="accent1"/>
+                  </a:effectRef>
+                  <a:fontRef idx="minor">
+                    <a:schemeClr val="tx1"/>
+                  </a:fontRef>
+                </p:style>
+              </p:cxnSp>
+              <p:cxnSp>
+                <p:nvCxnSpPr>
+                  <p:cNvPr id="63" name="Straight Arrow Connector 62">
+                    <a:extLst>
+                      <a:ext uri="{FF2B5EF4-FFF2-40B4-BE49-F238E27FC236}">
+                        <a16:creationId xmlns:a16="http://schemas.microsoft.com/office/drawing/2014/main" id="{BDB5C1D9-A1B7-4D5C-8E37-80BAEE627456}"/>
+                      </a:ext>
+                    </a:extLst>
+                  </p:cNvPr>
+                  <p:cNvCxnSpPr/>
+                  <p:nvPr/>
+                </p:nvCxnSpPr>
+                <p:spPr>
+                  <a:xfrm flipV="1">
+                    <a:off x="3019180" y="4015854"/>
+                    <a:ext cx="0" cy="675564"/>
+                  </a:xfrm>
+                  <a:prstGeom prst="straightConnector1">
+                    <a:avLst/>
+                  </a:prstGeom>
+                  <a:ln w="38100">
+                    <a:solidFill>
+                      <a:srgbClr val="FF0000"/>
+                    </a:solidFill>
+                    <a:tailEnd type="triangle"/>
+                  </a:ln>
+                </p:spPr>
+                <p:style>
+                  <a:lnRef idx="1">
+                    <a:schemeClr val="accent1"/>
+                  </a:lnRef>
+                  <a:fillRef idx="0">
+                    <a:schemeClr val="accent1"/>
+                  </a:fillRef>
+                  <a:effectRef idx="0">
+                    <a:schemeClr val="accent1"/>
+                  </a:effectRef>
+                  <a:fontRef idx="minor">
+                    <a:schemeClr val="tx1"/>
+                  </a:fontRef>
+                </p:style>
+              </p:cxnSp>
+              <p:cxnSp>
+                <p:nvCxnSpPr>
+                  <p:cNvPr id="64" name="Straight Arrow Connector 63">
+                    <a:extLst>
+                      <a:ext uri="{FF2B5EF4-FFF2-40B4-BE49-F238E27FC236}">
+                        <a16:creationId xmlns:a16="http://schemas.microsoft.com/office/drawing/2014/main" id="{AAFA68D6-8CCC-4985-A2F6-E4A2B1A769CE}"/>
+                      </a:ext>
+                    </a:extLst>
+                  </p:cNvPr>
+                  <p:cNvCxnSpPr>
+                    <a:cxnSpLocks/>
+                  </p:cNvCxnSpPr>
+                  <p:nvPr/>
+                </p:nvCxnSpPr>
+                <p:spPr>
+                  <a:xfrm flipV="1">
+                    <a:off x="3019180" y="4318898"/>
+                    <a:ext cx="451126" cy="358007"/>
+                  </a:xfrm>
+                  <a:prstGeom prst="straightConnector1">
+                    <a:avLst/>
+                  </a:prstGeom>
+                  <a:ln w="38100">
+                    <a:solidFill>
+                      <a:srgbClr val="FF0000"/>
+                    </a:solidFill>
+                    <a:tailEnd type="triangle"/>
+                  </a:ln>
+                </p:spPr>
+                <p:style>
+                  <a:lnRef idx="1">
+                    <a:schemeClr val="accent1"/>
+                  </a:lnRef>
+                  <a:fillRef idx="0">
+                    <a:schemeClr val="accent1"/>
+                  </a:fillRef>
+                  <a:effectRef idx="0">
+                    <a:schemeClr val="accent1"/>
+                  </a:effectRef>
+                  <a:fontRef idx="minor">
+                    <a:schemeClr val="tx1"/>
+                  </a:fontRef>
+                </p:style>
+              </p:cxnSp>
+            </p:grpSp>
+            <p:grpSp>
+              <p:nvGrpSpPr>
+                <p:cNvPr id="65" name="Group 64">
+                  <a:extLst>
+                    <a:ext uri="{FF2B5EF4-FFF2-40B4-BE49-F238E27FC236}">
+                      <a16:creationId xmlns:a16="http://schemas.microsoft.com/office/drawing/2014/main" id="{82A8E488-E69D-44BF-9C52-64B9F2F76ABE}"/>
+                    </a:ext>
+                  </a:extLst>
+                </p:cNvPr>
+                <p:cNvGrpSpPr/>
+                <p:nvPr/>
+              </p:nvGrpSpPr>
+              <p:grpSpPr>
+                <a:xfrm>
+                  <a:off x="9160672" y="1489787"/>
+                  <a:ext cx="712790" cy="675564"/>
+                  <a:chOff x="3019180" y="4015854"/>
+                  <a:chExt cx="712790" cy="675564"/>
+                </a:xfrm>
+              </p:grpSpPr>
+              <p:cxnSp>
+                <p:nvCxnSpPr>
+                  <p:cNvPr id="66" name="Straight Arrow Connector 65">
+                    <a:extLst>
+                      <a:ext uri="{FF2B5EF4-FFF2-40B4-BE49-F238E27FC236}">
+                        <a16:creationId xmlns:a16="http://schemas.microsoft.com/office/drawing/2014/main" id="{CE8CC6E6-86E8-429B-8076-0749A941DF01}"/>
+                      </a:ext>
+                    </a:extLst>
+                  </p:cNvPr>
+                  <p:cNvCxnSpPr>
+                    <a:cxnSpLocks/>
+                  </p:cNvCxnSpPr>
+                  <p:nvPr/>
+                </p:nvCxnSpPr>
+                <p:spPr>
+                  <a:xfrm>
+                    <a:off x="3031879" y="4676905"/>
+                    <a:ext cx="700091" cy="0"/>
+                  </a:xfrm>
+                  <a:prstGeom prst="straightConnector1">
+                    <a:avLst/>
+                  </a:prstGeom>
+                  <a:ln w="38100">
+                    <a:solidFill>
+                      <a:srgbClr val="FF0000"/>
+                    </a:solidFill>
+                    <a:tailEnd type="triangle"/>
+                  </a:ln>
+                </p:spPr>
+                <p:style>
+                  <a:lnRef idx="1">
+                    <a:schemeClr val="accent1"/>
+                  </a:lnRef>
+                  <a:fillRef idx="0">
+                    <a:schemeClr val="accent1"/>
+                  </a:fillRef>
+                  <a:effectRef idx="0">
+                    <a:schemeClr val="accent1"/>
+                  </a:effectRef>
+                  <a:fontRef idx="minor">
+                    <a:schemeClr val="tx1"/>
+                  </a:fontRef>
+                </p:style>
+              </p:cxnSp>
+              <p:cxnSp>
+                <p:nvCxnSpPr>
+                  <p:cNvPr id="67" name="Straight Arrow Connector 66">
+                    <a:extLst>
+                      <a:ext uri="{FF2B5EF4-FFF2-40B4-BE49-F238E27FC236}">
+                        <a16:creationId xmlns:a16="http://schemas.microsoft.com/office/drawing/2014/main" id="{0A1E228F-AFDB-4608-A6D6-5B6CCC094F75}"/>
+                      </a:ext>
+                    </a:extLst>
+                  </p:cNvPr>
+                  <p:cNvCxnSpPr/>
+                  <p:nvPr/>
+                </p:nvCxnSpPr>
+                <p:spPr>
+                  <a:xfrm flipV="1">
+                    <a:off x="3019180" y="4015854"/>
+                    <a:ext cx="0" cy="675564"/>
+                  </a:xfrm>
+                  <a:prstGeom prst="straightConnector1">
+                    <a:avLst/>
+                  </a:prstGeom>
+                  <a:ln w="38100">
+                    <a:solidFill>
+                      <a:srgbClr val="FF0000"/>
+                    </a:solidFill>
+                    <a:tailEnd type="triangle"/>
+                  </a:ln>
+                </p:spPr>
+                <p:style>
+                  <a:lnRef idx="1">
+                    <a:schemeClr val="accent1"/>
+                  </a:lnRef>
+                  <a:fillRef idx="0">
+                    <a:schemeClr val="accent1"/>
+                  </a:fillRef>
+                  <a:effectRef idx="0">
+                    <a:schemeClr val="accent1"/>
+                  </a:effectRef>
+                  <a:fontRef idx="minor">
+                    <a:schemeClr val="tx1"/>
+                  </a:fontRef>
+                </p:style>
+              </p:cxnSp>
+              <p:cxnSp>
+                <p:nvCxnSpPr>
+                  <p:cNvPr id="68" name="Straight Arrow Connector 67">
+                    <a:extLst>
+                      <a:ext uri="{FF2B5EF4-FFF2-40B4-BE49-F238E27FC236}">
+                        <a16:creationId xmlns:a16="http://schemas.microsoft.com/office/drawing/2014/main" id="{372E7C3E-9FA7-46EA-8076-195E695671CF}"/>
+                      </a:ext>
+                    </a:extLst>
+                  </p:cNvPr>
+                  <p:cNvCxnSpPr>
+                    <a:cxnSpLocks/>
+                  </p:cNvCxnSpPr>
+                  <p:nvPr/>
+                </p:nvCxnSpPr>
+                <p:spPr>
+                  <a:xfrm flipV="1">
+                    <a:off x="3019180" y="4318898"/>
+                    <a:ext cx="451126" cy="358007"/>
+                  </a:xfrm>
+                  <a:prstGeom prst="straightConnector1">
+                    <a:avLst/>
+                  </a:prstGeom>
+                  <a:ln w="38100">
+                    <a:solidFill>
+                      <a:srgbClr val="FF0000"/>
+                    </a:solidFill>
+                    <a:tailEnd type="triangle"/>
+                  </a:ln>
+                </p:spPr>
+                <p:style>
+                  <a:lnRef idx="1">
+                    <a:schemeClr val="accent1"/>
+                  </a:lnRef>
+                  <a:fillRef idx="0">
+                    <a:schemeClr val="accent1"/>
+                  </a:fillRef>
+                  <a:effectRef idx="0">
+                    <a:schemeClr val="accent1"/>
+                  </a:effectRef>
+                  <a:fontRef idx="minor">
+                    <a:schemeClr val="tx1"/>
+                  </a:fontRef>
+                </p:style>
+              </p:cxnSp>
+            </p:grpSp>
+          </p:grpSp>
+          <p:sp>
+            <p:nvSpPr>
+              <p:cNvPr id="70" name="TextBox 69">
+                <a:extLst>
+                  <a:ext uri="{FF2B5EF4-FFF2-40B4-BE49-F238E27FC236}">
+                    <a16:creationId xmlns:a16="http://schemas.microsoft.com/office/drawing/2014/main" id="{55BF32E5-9B1D-49AD-918F-096B0C44C0EA}"/>
+                  </a:ext>
+                </a:extLst>
+              </p:cNvPr>
+              <p:cNvSpPr txBox="1"/>
+              <p:nvPr/>
+            </p:nvSpPr>
+            <p:spPr>
+              <a:xfrm>
+                <a:off x="3666626" y="4492239"/>
+                <a:ext cx="362600" cy="369332"/>
+              </a:xfrm>
+              <a:prstGeom prst="rect">
+                <a:avLst/>
+              </a:prstGeom>
+              <a:noFill/>
+            </p:spPr>
+            <p:txBody>
+              <a:bodyPr wrap="none" rtlCol="0">
+                <a:spAutoFit/>
+              </a:bodyPr>
+              <a:lstStyle/>
+              <a:p>
+                <a:r>
+                  <a:rPr lang="en-GB" dirty="0">
+                    <a:solidFill>
+                      <a:srgbClr val="FF0000"/>
+                    </a:solidFill>
+                  </a:rPr>
+                  <a:t>x</a:t>
+                </a:r>
+                <a:r>
+                  <a:rPr lang="en-GB" baseline="-25000" dirty="0">
+                    <a:solidFill>
+                      <a:srgbClr val="FF0000"/>
+                    </a:solidFill>
+                  </a:rPr>
+                  <a:t>0</a:t>
+                </a:r>
+              </a:p>
+            </p:txBody>
+          </p:sp>
+          <p:sp>
+            <p:nvSpPr>
+              <p:cNvPr id="71" name="TextBox 70">
+                <a:extLst>
+                  <a:ext uri="{FF2B5EF4-FFF2-40B4-BE49-F238E27FC236}">
+                    <a16:creationId xmlns:a16="http://schemas.microsoft.com/office/drawing/2014/main" id="{301ADBF4-7FCF-41E2-8029-54EC82376568}"/>
+                  </a:ext>
+                </a:extLst>
+              </p:cNvPr>
+              <p:cNvSpPr txBox="1"/>
+              <p:nvPr/>
+            </p:nvSpPr>
+            <p:spPr>
+              <a:xfrm>
+                <a:off x="9869824" y="1966172"/>
+                <a:ext cx="362600" cy="369332"/>
+              </a:xfrm>
+              <a:prstGeom prst="rect">
+                <a:avLst/>
+              </a:prstGeom>
+              <a:noFill/>
+            </p:spPr>
+            <p:txBody>
+              <a:bodyPr wrap="none" rtlCol="0">
+                <a:spAutoFit/>
+              </a:bodyPr>
+              <a:lstStyle/>
+              <a:p>
+                <a:r>
+                  <a:rPr lang="en-GB" dirty="0">
+                    <a:solidFill>
+                      <a:srgbClr val="FF0000"/>
+                    </a:solidFill>
+                  </a:rPr>
+                  <a:t>x</a:t>
+                </a:r>
+                <a:r>
+                  <a:rPr lang="en-GB" baseline="-25000" dirty="0">
+                    <a:solidFill>
+                      <a:srgbClr val="FF0000"/>
+                    </a:solidFill>
+                  </a:rPr>
+                  <a:t>2</a:t>
+                </a:r>
+              </a:p>
+            </p:txBody>
+          </p:sp>
+          <p:sp>
+            <p:nvSpPr>
+              <p:cNvPr id="72" name="TextBox 71">
+                <a:extLst>
+                  <a:ext uri="{FF2B5EF4-FFF2-40B4-BE49-F238E27FC236}">
+                    <a16:creationId xmlns:a16="http://schemas.microsoft.com/office/drawing/2014/main" id="{0F430AA3-5E62-4C42-93D9-10F60780B46F}"/>
+                  </a:ext>
+                </a:extLst>
+              </p:cNvPr>
+              <p:cNvSpPr txBox="1"/>
+              <p:nvPr/>
+            </p:nvSpPr>
+            <p:spPr>
+              <a:xfrm>
+                <a:off x="6836383" y="3155622"/>
+                <a:ext cx="362600" cy="369332"/>
+              </a:xfrm>
+              <a:prstGeom prst="rect">
+                <a:avLst/>
+              </a:prstGeom>
+              <a:noFill/>
+            </p:spPr>
+            <p:txBody>
+              <a:bodyPr wrap="none" rtlCol="0">
+                <a:spAutoFit/>
+              </a:bodyPr>
+              <a:lstStyle/>
+              <a:p>
+                <a:r>
+                  <a:rPr lang="en-GB" dirty="0">
+                    <a:solidFill>
+                      <a:srgbClr val="FF0000"/>
+                    </a:solidFill>
+                  </a:rPr>
+                  <a:t>x</a:t>
+                </a:r>
+                <a:r>
+                  <a:rPr lang="en-GB" baseline="-25000" dirty="0">
+                    <a:solidFill>
+                      <a:srgbClr val="FF0000"/>
+                    </a:solidFill>
+                  </a:rPr>
+                  <a:t>1</a:t>
+                </a:r>
+              </a:p>
+            </p:txBody>
+          </p:sp>
+          <p:sp>
+            <p:nvSpPr>
+              <p:cNvPr id="73" name="TextBox 72">
+                <a:extLst>
+                  <a:ext uri="{FF2B5EF4-FFF2-40B4-BE49-F238E27FC236}">
+                    <a16:creationId xmlns:a16="http://schemas.microsoft.com/office/drawing/2014/main" id="{E0C94F4A-1F32-475D-A09C-85DACE1DAD57}"/>
+                  </a:ext>
+                </a:extLst>
+              </p:cNvPr>
+              <p:cNvSpPr txBox="1"/>
+              <p:nvPr/>
+            </p:nvSpPr>
+            <p:spPr>
+              <a:xfrm>
+                <a:off x="3019180" y="3744746"/>
+                <a:ext cx="367408" cy="369332"/>
+              </a:xfrm>
+              <a:prstGeom prst="rect">
+                <a:avLst/>
+              </a:prstGeom>
+              <a:noFill/>
+            </p:spPr>
+            <p:txBody>
+              <a:bodyPr wrap="none" rtlCol="0">
+                <a:spAutoFit/>
+              </a:bodyPr>
+              <a:lstStyle/>
+              <a:p>
+                <a:r>
+                  <a:rPr lang="en-GB" dirty="0">
+                    <a:solidFill>
+                      <a:srgbClr val="FF0000"/>
+                    </a:solidFill>
+                  </a:rPr>
+                  <a:t>z</a:t>
+                </a:r>
+                <a:r>
+                  <a:rPr lang="en-GB" baseline="-25000" dirty="0">
+                    <a:solidFill>
+                      <a:srgbClr val="FF0000"/>
+                    </a:solidFill>
+                  </a:rPr>
+                  <a:t>0</a:t>
+                </a:r>
+              </a:p>
+            </p:txBody>
+          </p:sp>
+          <p:sp>
+            <p:nvSpPr>
+              <p:cNvPr id="74" name="TextBox 73">
+                <a:extLst>
+                  <a:ext uri="{FF2B5EF4-FFF2-40B4-BE49-F238E27FC236}">
+                    <a16:creationId xmlns:a16="http://schemas.microsoft.com/office/drawing/2014/main" id="{B1C21A47-9C8A-4DFC-8AED-CDF08AF50105}"/>
+                  </a:ext>
+                </a:extLst>
+              </p:cNvPr>
+              <p:cNvSpPr txBox="1"/>
+              <p:nvPr/>
+            </p:nvSpPr>
+            <p:spPr>
+              <a:xfrm>
+                <a:off x="3444137" y="4031822"/>
+                <a:ext cx="367408" cy="369332"/>
+              </a:xfrm>
+              <a:prstGeom prst="rect">
+                <a:avLst/>
+              </a:prstGeom>
+              <a:noFill/>
+            </p:spPr>
+            <p:txBody>
+              <a:bodyPr wrap="none" rtlCol="0">
+                <a:spAutoFit/>
+              </a:bodyPr>
+              <a:lstStyle/>
+              <a:p>
+                <a:r>
+                  <a:rPr lang="en-GB" dirty="0">
+                    <a:solidFill>
+                      <a:srgbClr val="FF0000"/>
+                    </a:solidFill>
+                  </a:rPr>
+                  <a:t>y</a:t>
+                </a:r>
+                <a:r>
+                  <a:rPr lang="en-GB" baseline="-25000" dirty="0">
+                    <a:solidFill>
+                      <a:srgbClr val="FF0000"/>
+                    </a:solidFill>
+                  </a:rPr>
+                  <a:t>0</a:t>
+                </a:r>
+              </a:p>
+            </p:txBody>
+          </p:sp>
+          <p:sp>
+            <p:nvSpPr>
+              <p:cNvPr id="75" name="TextBox 74">
+                <a:extLst>
+                  <a:ext uri="{FF2B5EF4-FFF2-40B4-BE49-F238E27FC236}">
+                    <a16:creationId xmlns:a16="http://schemas.microsoft.com/office/drawing/2014/main" id="{5FA8F62B-8149-4393-9E3F-46B798EA7404}"/>
+                  </a:ext>
+                </a:extLst>
+              </p:cNvPr>
+              <p:cNvSpPr txBox="1"/>
+              <p:nvPr/>
+            </p:nvSpPr>
+            <p:spPr>
+              <a:xfrm>
+                <a:off x="6524736" y="2759715"/>
+                <a:ext cx="367408" cy="369332"/>
+              </a:xfrm>
+              <a:prstGeom prst="rect">
+                <a:avLst/>
+              </a:prstGeom>
+              <a:noFill/>
+            </p:spPr>
+            <p:txBody>
+              <a:bodyPr wrap="none" rtlCol="0">
+                <a:spAutoFit/>
+              </a:bodyPr>
+              <a:lstStyle/>
+              <a:p>
+                <a:r>
+                  <a:rPr lang="en-GB" dirty="0">
+                    <a:solidFill>
+                      <a:srgbClr val="FF0000"/>
+                    </a:solidFill>
+                  </a:rPr>
+                  <a:t>y</a:t>
+                </a:r>
+                <a:r>
+                  <a:rPr lang="en-GB" baseline="-25000" dirty="0">
+                    <a:solidFill>
+                      <a:srgbClr val="FF0000"/>
+                    </a:solidFill>
+                  </a:rPr>
+                  <a:t>1</a:t>
+                </a:r>
+              </a:p>
+            </p:txBody>
+          </p:sp>
+          <p:sp>
+            <p:nvSpPr>
+              <p:cNvPr id="76" name="TextBox 75">
+                <a:extLst>
+                  <a:ext uri="{FF2B5EF4-FFF2-40B4-BE49-F238E27FC236}">
+                    <a16:creationId xmlns:a16="http://schemas.microsoft.com/office/drawing/2014/main" id="{A3A20C52-D7E7-4AC5-BA76-BF0E3595D56F}"/>
+                  </a:ext>
+                </a:extLst>
+              </p:cNvPr>
+              <p:cNvSpPr txBox="1"/>
+              <p:nvPr/>
+            </p:nvSpPr>
+            <p:spPr>
+              <a:xfrm>
+                <a:off x="6126205" y="2408480"/>
+                <a:ext cx="367408" cy="369332"/>
+              </a:xfrm>
+              <a:prstGeom prst="rect">
+                <a:avLst/>
+              </a:prstGeom>
+              <a:noFill/>
+            </p:spPr>
+            <p:txBody>
+              <a:bodyPr wrap="none" rtlCol="0">
+                <a:spAutoFit/>
+              </a:bodyPr>
+              <a:lstStyle/>
+              <a:p>
+                <a:r>
+                  <a:rPr lang="en-GB" dirty="0">
+                    <a:solidFill>
+                      <a:srgbClr val="FF0000"/>
+                    </a:solidFill>
+                  </a:rPr>
+                  <a:t>z</a:t>
+                </a:r>
+                <a:r>
+                  <a:rPr lang="en-GB" baseline="-25000" dirty="0">
+                    <a:solidFill>
+                      <a:srgbClr val="FF0000"/>
+                    </a:solidFill>
+                  </a:rPr>
+                  <a:t>1</a:t>
+                </a:r>
+              </a:p>
+            </p:txBody>
+          </p:sp>
+          <p:sp>
+            <p:nvSpPr>
+              <p:cNvPr id="77" name="TextBox 76">
+                <a:extLst>
+                  <a:ext uri="{FF2B5EF4-FFF2-40B4-BE49-F238E27FC236}">
+                    <a16:creationId xmlns:a16="http://schemas.microsoft.com/office/drawing/2014/main" id="{08580445-7766-46EF-879F-AF232EA63783}"/>
+                  </a:ext>
+                </a:extLst>
+              </p:cNvPr>
+              <p:cNvSpPr txBox="1"/>
+              <p:nvPr/>
+            </p:nvSpPr>
+            <p:spPr>
+              <a:xfrm>
+                <a:off x="9559511" y="1528267"/>
+                <a:ext cx="367408" cy="369332"/>
+              </a:xfrm>
+              <a:prstGeom prst="rect">
+                <a:avLst/>
+              </a:prstGeom>
+              <a:noFill/>
+            </p:spPr>
+            <p:txBody>
+              <a:bodyPr wrap="none" rtlCol="0">
+                <a:spAutoFit/>
+              </a:bodyPr>
+              <a:lstStyle/>
+              <a:p>
+                <a:r>
+                  <a:rPr lang="en-GB" dirty="0">
+                    <a:solidFill>
+                      <a:srgbClr val="FF0000"/>
+                    </a:solidFill>
+                  </a:rPr>
+                  <a:t>y</a:t>
+                </a:r>
+                <a:r>
+                  <a:rPr lang="en-GB" baseline="-25000" dirty="0">
+                    <a:solidFill>
+                      <a:srgbClr val="FF0000"/>
+                    </a:solidFill>
+                  </a:rPr>
+                  <a:t>2</a:t>
+                </a:r>
+              </a:p>
+            </p:txBody>
+          </p:sp>
+          <p:sp>
+            <p:nvSpPr>
+              <p:cNvPr id="78" name="TextBox 77">
+                <a:extLst>
+                  <a:ext uri="{FF2B5EF4-FFF2-40B4-BE49-F238E27FC236}">
+                    <a16:creationId xmlns:a16="http://schemas.microsoft.com/office/drawing/2014/main" id="{B5336044-9519-4CE1-A70C-E3BD8C5906A9}"/>
+                  </a:ext>
+                </a:extLst>
+              </p:cNvPr>
+              <p:cNvSpPr txBox="1"/>
+              <p:nvPr/>
+            </p:nvSpPr>
+            <p:spPr>
+              <a:xfrm>
+                <a:off x="9152122" y="1147096"/>
+                <a:ext cx="367408" cy="369332"/>
+              </a:xfrm>
+              <a:prstGeom prst="rect">
+                <a:avLst/>
+              </a:prstGeom>
+              <a:noFill/>
+            </p:spPr>
+            <p:txBody>
+              <a:bodyPr wrap="none" rtlCol="0">
+                <a:spAutoFit/>
+              </a:bodyPr>
+              <a:lstStyle/>
+              <a:p>
+                <a:r>
+                  <a:rPr lang="en-GB" dirty="0">
+                    <a:solidFill>
+                      <a:srgbClr val="FF0000"/>
+                    </a:solidFill>
+                  </a:rPr>
+                  <a:t>z</a:t>
+                </a:r>
+                <a:r>
+                  <a:rPr lang="en-GB" baseline="-25000" dirty="0">
+                    <a:solidFill>
+                      <a:srgbClr val="FF0000"/>
+                    </a:solidFill>
+                  </a:rPr>
+                  <a:t>2</a:t>
+                </a:r>
+              </a:p>
+            </p:txBody>
+          </p:sp>
+        </p:grpSp>
+        <p:grpSp>
+          <p:nvGrpSpPr>
+            <p:cNvPr id="89" name="Group 88">
+              <a:extLst>
+                <a:ext uri="{FF2B5EF4-FFF2-40B4-BE49-F238E27FC236}">
+                  <a16:creationId xmlns:a16="http://schemas.microsoft.com/office/drawing/2014/main" id="{CA84C8BE-4DA6-4849-B0F1-D3A8E477A93E}"/>
+                </a:ext>
+              </a:extLst>
+            </p:cNvPr>
+            <p:cNvGrpSpPr/>
+            <p:nvPr/>
+          </p:nvGrpSpPr>
+          <p:grpSpPr>
+            <a:xfrm>
+              <a:off x="5635729" y="3390184"/>
+              <a:ext cx="644370" cy="542672"/>
+              <a:chOff x="5718412" y="4318898"/>
+              <a:chExt cx="644370" cy="542672"/>
+            </a:xfrm>
+          </p:grpSpPr>
+          <p:sp>
+            <p:nvSpPr>
+              <p:cNvPr id="80" name="Arc 79">
+                <a:extLst>
+                  <a:ext uri="{FF2B5EF4-FFF2-40B4-BE49-F238E27FC236}">
+                    <a16:creationId xmlns:a16="http://schemas.microsoft.com/office/drawing/2014/main" id="{C02D8CF1-B550-48B7-9DBE-0EA324CC1DC3}"/>
+                  </a:ext>
+                </a:extLst>
+              </p:cNvPr>
+              <p:cNvSpPr/>
+              <p:nvPr/>
+            </p:nvSpPr>
+            <p:spPr>
+              <a:xfrm rot="12944333">
+                <a:off x="5718412" y="4318898"/>
+                <a:ext cx="644370" cy="542672"/>
+              </a:xfrm>
+              <a:prstGeom prst="arc">
+                <a:avLst/>
+              </a:prstGeom>
+              <a:ln w="38100"/>
+            </p:spPr>
+            <p:style>
+              <a:lnRef idx="1">
+                <a:schemeClr val="accent1"/>
+              </a:lnRef>
+              <a:fillRef idx="0">
+                <a:schemeClr val="accent1"/>
+              </a:fillRef>
+              <a:effectRef idx="0">
+                <a:schemeClr val="accent1"/>
+              </a:effectRef>
+              <a:fontRef idx="minor">
+                <a:schemeClr val="tx1"/>
+              </a:fontRef>
+            </p:style>
+            <p:txBody>
+              <a:bodyPr rtlCol="0" anchor="ctr"/>
+              <a:lstStyle/>
+              <a:p>
+                <a:pPr algn="ctr"/>
+                <a:endParaRPr lang="en-GB"/>
+              </a:p>
+            </p:txBody>
+          </p:sp>
+          <p:cxnSp>
+            <p:nvCxnSpPr>
+              <p:cNvPr id="82" name="Straight Arrow Connector 81">
+                <a:extLst>
+                  <a:ext uri="{FF2B5EF4-FFF2-40B4-BE49-F238E27FC236}">
+                    <a16:creationId xmlns:a16="http://schemas.microsoft.com/office/drawing/2014/main" id="{C2B2390B-2EBC-4E1A-82B6-F81FCF195A19}"/>
+                  </a:ext>
+                </a:extLst>
+              </p:cNvPr>
+              <p:cNvCxnSpPr>
+                <a:cxnSpLocks/>
+                <a:stCxn id="80" idx="0"/>
+              </p:cNvCxnSpPr>
+              <p:nvPr/>
+            </p:nvCxnSpPr>
+            <p:spPr>
+              <a:xfrm>
+                <a:off x="5882112" y="4810474"/>
+                <a:ext cx="213888" cy="22205"/>
+              </a:xfrm>
+              <a:prstGeom prst="straightConnector1">
+                <a:avLst/>
+              </a:prstGeom>
+              <a:ln w="38100">
+                <a:tailEnd type="triangle"/>
+              </a:ln>
+            </p:spPr>
+            <p:style>
+              <a:lnRef idx="1">
+                <a:schemeClr val="accent1"/>
+              </a:lnRef>
+              <a:fillRef idx="0">
+                <a:schemeClr val="accent1"/>
+              </a:fillRef>
+              <a:effectRef idx="0">
+                <a:schemeClr val="accent1"/>
+              </a:effectRef>
+              <a:fontRef idx="minor">
+                <a:schemeClr val="tx1"/>
+              </a:fontRef>
+            </p:style>
+          </p:cxnSp>
+        </p:grpSp>
+        <p:sp>
+          <p:nvSpPr>
+            <p:cNvPr id="87" name="TextBox 86">
+              <a:extLst>
+                <a:ext uri="{FF2B5EF4-FFF2-40B4-BE49-F238E27FC236}">
+                  <a16:creationId xmlns:a16="http://schemas.microsoft.com/office/drawing/2014/main" id="{08AE7EFA-F42B-4E08-8DCF-769CF7B5FE77}"/>
+                </a:ext>
+              </a:extLst>
+            </p:cNvPr>
+            <p:cNvSpPr txBox="1"/>
+            <p:nvPr/>
+          </p:nvSpPr>
+          <p:spPr>
+            <a:xfrm>
+              <a:off x="5476289" y="3744746"/>
+              <a:ext cx="386644" cy="369332"/>
+            </a:xfrm>
+            <a:prstGeom prst="rect">
+              <a:avLst/>
+            </a:prstGeom>
+            <a:noFill/>
+          </p:spPr>
+          <p:txBody>
+            <a:bodyPr wrap="none" rtlCol="0">
+              <a:spAutoFit/>
+            </a:bodyPr>
+            <a:lstStyle/>
+            <a:p>
+              <a:r>
+                <a:rPr lang="el-GR" dirty="0">
+                  <a:solidFill>
+                    <a:schemeClr val="accent1">
+                      <a:lumMod val="50000"/>
+                    </a:schemeClr>
+                  </a:solidFill>
+                </a:rPr>
+                <a:t>θ</a:t>
+              </a:r>
+              <a:r>
+                <a:rPr lang="en-GB" baseline="-25000" dirty="0">
+                  <a:solidFill>
+                    <a:schemeClr val="accent1">
+                      <a:lumMod val="50000"/>
+                    </a:schemeClr>
+                  </a:solidFill>
+                </a:rPr>
+                <a:t>1</a:t>
+              </a:r>
+            </a:p>
+          </p:txBody>
+        </p:sp>
+        <p:grpSp>
+          <p:nvGrpSpPr>
+            <p:cNvPr id="90" name="Group 89">
+              <a:extLst>
+                <a:ext uri="{FF2B5EF4-FFF2-40B4-BE49-F238E27FC236}">
+                  <a16:creationId xmlns:a16="http://schemas.microsoft.com/office/drawing/2014/main" id="{E1F6AB0D-437A-40A6-A617-D3B22054A9DC}"/>
+                </a:ext>
+              </a:extLst>
+            </p:cNvPr>
+            <p:cNvGrpSpPr/>
+            <p:nvPr/>
+          </p:nvGrpSpPr>
+          <p:grpSpPr>
+            <a:xfrm>
+              <a:off x="2621065" y="4709376"/>
+              <a:ext cx="644370" cy="542672"/>
+              <a:chOff x="5718412" y="4318898"/>
+              <a:chExt cx="644370" cy="542672"/>
+            </a:xfrm>
+          </p:grpSpPr>
+          <p:sp>
+            <p:nvSpPr>
+              <p:cNvPr id="91" name="Arc 90">
+                <a:extLst>
+                  <a:ext uri="{FF2B5EF4-FFF2-40B4-BE49-F238E27FC236}">
+                    <a16:creationId xmlns:a16="http://schemas.microsoft.com/office/drawing/2014/main" id="{396DF617-D11F-4AEE-9213-C763FBF3F9C7}"/>
+                  </a:ext>
+                </a:extLst>
+              </p:cNvPr>
+              <p:cNvSpPr/>
+              <p:nvPr/>
+            </p:nvSpPr>
+            <p:spPr>
+              <a:xfrm rot="12944333">
+                <a:off x="5718412" y="4318898"/>
+                <a:ext cx="644370" cy="542672"/>
+              </a:xfrm>
+              <a:prstGeom prst="arc">
+                <a:avLst/>
+              </a:prstGeom>
+              <a:ln w="38100"/>
+            </p:spPr>
+            <p:style>
+              <a:lnRef idx="1">
+                <a:schemeClr val="accent1"/>
+              </a:lnRef>
+              <a:fillRef idx="0">
+                <a:schemeClr val="accent1"/>
+              </a:fillRef>
+              <a:effectRef idx="0">
+                <a:schemeClr val="accent1"/>
+              </a:effectRef>
+              <a:fontRef idx="minor">
+                <a:schemeClr val="tx1"/>
+              </a:fontRef>
+            </p:style>
+            <p:txBody>
+              <a:bodyPr rtlCol="0" anchor="ctr"/>
+              <a:lstStyle/>
+              <a:p>
+                <a:pPr algn="ctr"/>
+                <a:endParaRPr lang="en-GB"/>
+              </a:p>
+            </p:txBody>
+          </p:sp>
+          <p:cxnSp>
+            <p:nvCxnSpPr>
+              <p:cNvPr id="92" name="Straight Arrow Connector 91">
+                <a:extLst>
+                  <a:ext uri="{FF2B5EF4-FFF2-40B4-BE49-F238E27FC236}">
+                    <a16:creationId xmlns:a16="http://schemas.microsoft.com/office/drawing/2014/main" id="{28F60876-E184-4F47-BC2A-A900E8D30A9B}"/>
+                  </a:ext>
+                </a:extLst>
+              </p:cNvPr>
+              <p:cNvCxnSpPr>
+                <a:cxnSpLocks/>
+                <a:stCxn id="91" idx="0"/>
+              </p:cNvCxnSpPr>
+              <p:nvPr/>
+            </p:nvCxnSpPr>
+            <p:spPr>
+              <a:xfrm>
+                <a:off x="5882112" y="4810474"/>
+                <a:ext cx="213888" cy="22205"/>
+              </a:xfrm>
+              <a:prstGeom prst="straightConnector1">
+                <a:avLst/>
+              </a:prstGeom>
+              <a:ln w="38100">
+                <a:tailEnd type="triangle"/>
+              </a:ln>
+            </p:spPr>
+            <p:style>
+              <a:lnRef idx="1">
+                <a:schemeClr val="accent1"/>
+              </a:lnRef>
+              <a:fillRef idx="0">
+                <a:schemeClr val="accent1"/>
+              </a:fillRef>
+              <a:effectRef idx="0">
+                <a:schemeClr val="accent1"/>
+              </a:effectRef>
+              <a:fontRef idx="minor">
+                <a:schemeClr val="tx1"/>
+              </a:fontRef>
+            </p:style>
+          </p:cxnSp>
+        </p:grpSp>
+        <p:sp>
+          <p:nvSpPr>
+            <p:cNvPr id="93" name="TextBox 92">
+              <a:extLst>
+                <a:ext uri="{FF2B5EF4-FFF2-40B4-BE49-F238E27FC236}">
+                  <a16:creationId xmlns:a16="http://schemas.microsoft.com/office/drawing/2014/main" id="{43D928BF-B818-471F-944E-7EA8F036AD24}"/>
+                </a:ext>
+              </a:extLst>
+            </p:cNvPr>
+            <p:cNvSpPr txBox="1"/>
+            <p:nvPr/>
+          </p:nvSpPr>
+          <p:spPr>
+            <a:xfrm>
+              <a:off x="2461625" y="5063938"/>
+              <a:ext cx="386644" cy="369332"/>
+            </a:xfrm>
+            <a:prstGeom prst="rect">
+              <a:avLst/>
+            </a:prstGeom>
+            <a:noFill/>
+          </p:spPr>
+          <p:txBody>
+            <a:bodyPr wrap="none" rtlCol="0">
+              <a:spAutoFit/>
+            </a:bodyPr>
+            <a:lstStyle/>
+            <a:p>
+              <a:r>
+                <a:rPr lang="el-GR" dirty="0">
+                  <a:solidFill>
+                    <a:schemeClr val="accent1">
+                      <a:lumMod val="50000"/>
+                    </a:schemeClr>
+                  </a:solidFill>
+                </a:rPr>
+                <a:t>θ</a:t>
+              </a:r>
+              <a:r>
+                <a:rPr lang="en-GB" baseline="-25000" dirty="0">
+                  <a:solidFill>
+                    <a:schemeClr val="accent1">
+                      <a:lumMod val="50000"/>
+                    </a:schemeClr>
+                  </a:solidFill>
+                </a:rPr>
+                <a:t>0</a:t>
+              </a:r>
+            </a:p>
+          </p:txBody>
+        </p:sp>
+      </p:grpSp>
+      <p:cxnSp>
+        <p:nvCxnSpPr>
+          <p:cNvPr id="97" name="Straight Connector 96">
+            <a:extLst>
+              <a:ext uri="{FF2B5EF4-FFF2-40B4-BE49-F238E27FC236}">
+                <a16:creationId xmlns:a16="http://schemas.microsoft.com/office/drawing/2014/main" id="{9B6DF330-921B-4772-A2F1-C36ADEBB1DE6}"/>
+              </a:ext>
+            </a:extLst>
+          </p:cNvPr>
+          <p:cNvCxnSpPr>
+            <a:cxnSpLocks/>
+          </p:cNvCxnSpPr>
+          <p:nvPr/>
+        </p:nvCxnSpPr>
+        <p:spPr>
+          <a:xfrm flipH="1">
+            <a:off x="1815152" y="3340288"/>
+            <a:ext cx="1216728" cy="0"/>
+          </a:xfrm>
+          <a:prstGeom prst="line">
+            <a:avLst/>
+          </a:prstGeom>
+          <a:ln>
+            <a:prstDash val="lgDash"/>
+          </a:ln>
+        </p:spPr>
+        <p:style>
+          <a:lnRef idx="1">
+            <a:schemeClr val="accent1"/>
+          </a:lnRef>
+          <a:fillRef idx="0">
+            <a:schemeClr val="accent1"/>
+          </a:fillRef>
+          <a:effectRef idx="0">
+            <a:schemeClr val="accent1"/>
+          </a:effectRef>
+          <a:fontRef idx="minor">
+            <a:schemeClr val="tx1"/>
+          </a:fontRef>
+        </p:style>
+      </p:cxnSp>
+      <p:cxnSp>
+        <p:nvCxnSpPr>
+          <p:cNvPr id="109" name="Straight Connector 108">
+            <a:extLst>
+              <a:ext uri="{FF2B5EF4-FFF2-40B4-BE49-F238E27FC236}">
+                <a16:creationId xmlns:a16="http://schemas.microsoft.com/office/drawing/2014/main" id="{760EC4D9-3E68-43E7-AB3E-E86E6155DAA1}"/>
+              </a:ext>
+            </a:extLst>
+          </p:cNvPr>
+          <p:cNvCxnSpPr>
+            <a:cxnSpLocks/>
+          </p:cNvCxnSpPr>
+          <p:nvPr/>
+        </p:nvCxnSpPr>
+        <p:spPr>
+          <a:xfrm>
+            <a:off x="1815152" y="2150838"/>
+            <a:ext cx="4328416" cy="14513"/>
+          </a:xfrm>
+          <a:prstGeom prst="line">
+            <a:avLst/>
+          </a:prstGeom>
+          <a:ln>
+            <a:prstDash val="lgDash"/>
+          </a:ln>
+        </p:spPr>
+        <p:style>
+          <a:lnRef idx="1">
+            <a:schemeClr val="accent1"/>
+          </a:lnRef>
+          <a:fillRef idx="0">
+            <a:schemeClr val="accent1"/>
+          </a:fillRef>
+          <a:effectRef idx="0">
+            <a:schemeClr val="accent1"/>
+          </a:effectRef>
+          <a:fontRef idx="minor">
+            <a:schemeClr val="tx1"/>
+          </a:fontRef>
+        </p:style>
+      </p:cxnSp>
+      <p:cxnSp>
+        <p:nvCxnSpPr>
+          <p:cNvPr id="114" name="Straight Connector 113">
+            <a:extLst>
+              <a:ext uri="{FF2B5EF4-FFF2-40B4-BE49-F238E27FC236}">
+                <a16:creationId xmlns:a16="http://schemas.microsoft.com/office/drawing/2014/main" id="{05ADDF24-DCFC-428D-A9B5-8F7CA8E07320}"/>
+              </a:ext>
+            </a:extLst>
+          </p:cNvPr>
+          <p:cNvCxnSpPr>
+            <a:cxnSpLocks/>
+          </p:cNvCxnSpPr>
+          <p:nvPr/>
+        </p:nvCxnSpPr>
+        <p:spPr>
+          <a:xfrm flipH="1">
+            <a:off x="1726522" y="4676905"/>
+            <a:ext cx="1216728" cy="0"/>
+          </a:xfrm>
+          <a:prstGeom prst="line">
+            <a:avLst/>
+          </a:prstGeom>
+          <a:ln>
+            <a:prstDash val="lgDash"/>
+          </a:ln>
+        </p:spPr>
+        <p:style>
+          <a:lnRef idx="1">
+            <a:schemeClr val="accent1"/>
+          </a:lnRef>
+          <a:fillRef idx="0">
+            <a:schemeClr val="accent1"/>
+          </a:fillRef>
+          <a:effectRef idx="0">
+            <a:schemeClr val="accent1"/>
+          </a:effectRef>
+          <a:fontRef idx="minor">
+            <a:schemeClr val="tx1"/>
+          </a:fontRef>
+        </p:style>
+      </p:cxnSp>
+      <p:sp>
+        <p:nvSpPr>
+          <p:cNvPr id="115" name="TextBox 114">
+            <a:extLst>
+              <a:ext uri="{FF2B5EF4-FFF2-40B4-BE49-F238E27FC236}">
+                <a16:creationId xmlns:a16="http://schemas.microsoft.com/office/drawing/2014/main" id="{7DE3AA40-843A-40C5-A949-CC2EEB66E0C7}"/>
+              </a:ext>
+            </a:extLst>
+          </p:cNvPr>
+          <p:cNvSpPr txBox="1"/>
+          <p:nvPr/>
+        </p:nvSpPr>
+        <p:spPr>
+          <a:xfrm>
+            <a:off x="1726522" y="3881760"/>
+            <a:ext cx="373820" cy="369332"/>
+          </a:xfrm>
+          <a:prstGeom prst="rect">
+            <a:avLst/>
+          </a:prstGeom>
+          <a:noFill/>
+        </p:spPr>
+        <p:txBody>
+          <a:bodyPr wrap="none" rtlCol="0">
+            <a:spAutoFit/>
+          </a:bodyPr>
+          <a:lstStyle/>
+          <a:p>
+            <a:r>
+              <a:rPr lang="en-GB" dirty="0">
+                <a:solidFill>
+                  <a:schemeClr val="accent1"/>
+                </a:solidFill>
+              </a:rPr>
+              <a:t>a</a:t>
+            </a:r>
+            <a:r>
+              <a:rPr lang="en-GB" baseline="-25000" dirty="0">
+                <a:solidFill>
+                  <a:schemeClr val="accent1"/>
+                </a:solidFill>
+              </a:rPr>
+              <a:t>1</a:t>
+            </a:r>
+          </a:p>
+        </p:txBody>
+      </p:sp>
+      <p:sp>
+        <p:nvSpPr>
+          <p:cNvPr id="116" name="TextBox 115">
+            <a:extLst>
+              <a:ext uri="{FF2B5EF4-FFF2-40B4-BE49-F238E27FC236}">
+                <a16:creationId xmlns:a16="http://schemas.microsoft.com/office/drawing/2014/main" id="{B5E2DCEB-42AF-42CB-B5D1-2EC5BB5288B5}"/>
+              </a:ext>
+            </a:extLst>
+          </p:cNvPr>
+          <p:cNvSpPr txBox="1"/>
+          <p:nvPr/>
+        </p:nvSpPr>
+        <p:spPr>
+          <a:xfrm>
+            <a:off x="1726522" y="2613544"/>
+            <a:ext cx="373820" cy="369332"/>
+          </a:xfrm>
+          <a:prstGeom prst="rect">
+            <a:avLst/>
+          </a:prstGeom>
+          <a:noFill/>
+        </p:spPr>
+        <p:txBody>
+          <a:bodyPr wrap="none" rtlCol="0">
+            <a:spAutoFit/>
+          </a:bodyPr>
+          <a:lstStyle/>
+          <a:p>
+            <a:r>
+              <a:rPr lang="en-GB" dirty="0">
+                <a:solidFill>
+                  <a:schemeClr val="accent1"/>
+                </a:solidFill>
+              </a:rPr>
+              <a:t>a</a:t>
+            </a:r>
+            <a:r>
+              <a:rPr lang="en-GB" baseline="-25000" dirty="0">
+                <a:solidFill>
+                  <a:schemeClr val="accent1"/>
+                </a:solidFill>
+              </a:rPr>
+              <a:t>3</a:t>
+            </a:r>
+          </a:p>
+        </p:txBody>
+      </p:sp>
+      <p:cxnSp>
+        <p:nvCxnSpPr>
+          <p:cNvPr id="118" name="Straight Connector 117">
+            <a:extLst>
+              <a:ext uri="{FF2B5EF4-FFF2-40B4-BE49-F238E27FC236}">
+                <a16:creationId xmlns:a16="http://schemas.microsoft.com/office/drawing/2014/main" id="{212C01BB-CE94-47A8-B9B3-EAECAC177413}"/>
+              </a:ext>
+            </a:extLst>
+          </p:cNvPr>
+          <p:cNvCxnSpPr>
+            <a:cxnSpLocks/>
+          </p:cNvCxnSpPr>
+          <p:nvPr/>
+        </p:nvCxnSpPr>
+        <p:spPr>
+          <a:xfrm flipV="1">
+            <a:off x="3019180" y="955342"/>
+            <a:ext cx="0" cy="2243160"/>
+          </a:xfrm>
+          <a:prstGeom prst="line">
+            <a:avLst/>
+          </a:prstGeom>
+          <a:ln>
+            <a:prstDash val="lgDash"/>
+          </a:ln>
+        </p:spPr>
+        <p:style>
+          <a:lnRef idx="1">
+            <a:schemeClr val="accent1"/>
+          </a:lnRef>
+          <a:fillRef idx="0">
+            <a:schemeClr val="accent1"/>
+          </a:fillRef>
+          <a:effectRef idx="0">
+            <a:schemeClr val="accent1"/>
+          </a:effectRef>
+          <a:fontRef idx="minor">
+            <a:schemeClr val="tx1"/>
+          </a:fontRef>
+        </p:style>
+      </p:cxnSp>
+      <p:sp>
+        <p:nvSpPr>
+          <p:cNvPr id="128" name="TextBox 127">
+            <a:extLst>
+              <a:ext uri="{FF2B5EF4-FFF2-40B4-BE49-F238E27FC236}">
+                <a16:creationId xmlns:a16="http://schemas.microsoft.com/office/drawing/2014/main" id="{AC7F48E9-F14F-4795-B35B-3BFE4D13354D}"/>
+              </a:ext>
+            </a:extLst>
+          </p:cNvPr>
+          <p:cNvSpPr txBox="1"/>
+          <p:nvPr/>
+        </p:nvSpPr>
+        <p:spPr>
+          <a:xfrm>
+            <a:off x="4406128" y="807819"/>
+            <a:ext cx="373820" cy="369332"/>
+          </a:xfrm>
+          <a:prstGeom prst="rect">
+            <a:avLst/>
+          </a:prstGeom>
+          <a:noFill/>
+        </p:spPr>
+        <p:txBody>
+          <a:bodyPr wrap="none" rtlCol="0">
+            <a:spAutoFit/>
+          </a:bodyPr>
+          <a:lstStyle/>
+          <a:p>
+            <a:r>
+              <a:rPr lang="en-GB" dirty="0">
+                <a:solidFill>
+                  <a:schemeClr val="accent1"/>
+                </a:solidFill>
+              </a:rPr>
+              <a:t>a</a:t>
+            </a:r>
+            <a:r>
+              <a:rPr lang="en-GB" baseline="-25000" dirty="0">
+                <a:solidFill>
+                  <a:schemeClr val="accent1"/>
+                </a:solidFill>
+              </a:rPr>
+              <a:t>2</a:t>
+            </a:r>
+          </a:p>
+        </p:txBody>
+      </p:sp>
+      <p:sp>
+        <p:nvSpPr>
+          <p:cNvPr id="129" name="TextBox 128">
+            <a:extLst>
+              <a:ext uri="{FF2B5EF4-FFF2-40B4-BE49-F238E27FC236}">
+                <a16:creationId xmlns:a16="http://schemas.microsoft.com/office/drawing/2014/main" id="{9939040F-4C59-47D9-B339-5D85F1B54699}"/>
+              </a:ext>
+            </a:extLst>
+          </p:cNvPr>
+          <p:cNvSpPr txBox="1"/>
+          <p:nvPr/>
+        </p:nvSpPr>
+        <p:spPr>
+          <a:xfrm>
+            <a:off x="7636086" y="807819"/>
+            <a:ext cx="373820" cy="369332"/>
+          </a:xfrm>
+          <a:prstGeom prst="rect">
+            <a:avLst/>
+          </a:prstGeom>
+          <a:noFill/>
+        </p:spPr>
+        <p:txBody>
+          <a:bodyPr wrap="none" rtlCol="0">
+            <a:spAutoFit/>
+          </a:bodyPr>
+          <a:lstStyle/>
+          <a:p>
+            <a:r>
+              <a:rPr lang="en-GB" dirty="0">
+                <a:solidFill>
+                  <a:schemeClr val="accent1"/>
+                </a:solidFill>
+              </a:rPr>
+              <a:t>a</a:t>
+            </a:r>
+            <a:r>
+              <a:rPr lang="en-GB" baseline="-25000" dirty="0">
+                <a:solidFill>
+                  <a:schemeClr val="accent1"/>
+                </a:solidFill>
+              </a:rPr>
+              <a:t>4</a:t>
+            </a:r>
+          </a:p>
+        </p:txBody>
+      </p:sp>
+      <p:cxnSp>
+        <p:nvCxnSpPr>
+          <p:cNvPr id="131" name="Straight Arrow Connector 130">
+            <a:extLst>
+              <a:ext uri="{FF2B5EF4-FFF2-40B4-BE49-F238E27FC236}">
+                <a16:creationId xmlns:a16="http://schemas.microsoft.com/office/drawing/2014/main" id="{1E73F850-EF36-4D9F-AC7D-F6B65A89C465}"/>
+              </a:ext>
+            </a:extLst>
+          </p:cNvPr>
+          <p:cNvCxnSpPr>
+            <a:stCxn id="129" idx="3"/>
+          </p:cNvCxnSpPr>
+          <p:nvPr/>
+        </p:nvCxnSpPr>
+        <p:spPr>
+          <a:xfrm>
+            <a:off x="8009906" y="992485"/>
+            <a:ext cx="1150763" cy="0"/>
+          </a:xfrm>
+          <a:prstGeom prst="straightConnector1">
+            <a:avLst/>
+          </a:prstGeom>
+          <a:ln>
+            <a:tailEnd type="triangle"/>
+          </a:ln>
+        </p:spPr>
+        <p:style>
+          <a:lnRef idx="1">
+            <a:schemeClr val="accent1"/>
+          </a:lnRef>
+          <a:fillRef idx="0">
+            <a:schemeClr val="accent1"/>
+          </a:fillRef>
+          <a:effectRef idx="0">
+            <a:schemeClr val="accent1"/>
+          </a:effectRef>
+          <a:fontRef idx="minor">
+            <a:schemeClr val="tx1"/>
+          </a:fontRef>
+        </p:style>
+      </p:cxnSp>
+      <p:cxnSp>
+        <p:nvCxnSpPr>
+          <p:cNvPr id="133" name="Straight Arrow Connector 132">
+            <a:extLst>
+              <a:ext uri="{FF2B5EF4-FFF2-40B4-BE49-F238E27FC236}">
+                <a16:creationId xmlns:a16="http://schemas.microsoft.com/office/drawing/2014/main" id="{DCE06546-0887-4C91-92DB-3A1DE8438421}"/>
+              </a:ext>
+            </a:extLst>
+          </p:cNvPr>
+          <p:cNvCxnSpPr>
+            <a:cxnSpLocks/>
+            <a:stCxn id="129" idx="1"/>
+          </p:cNvCxnSpPr>
+          <p:nvPr/>
+        </p:nvCxnSpPr>
+        <p:spPr>
+          <a:xfrm flipH="1">
+            <a:off x="6126205" y="992485"/>
+            <a:ext cx="1509881" cy="0"/>
+          </a:xfrm>
+          <a:prstGeom prst="straightConnector1">
+            <a:avLst/>
+          </a:prstGeom>
+          <a:ln>
+            <a:tailEnd type="triangle"/>
+          </a:ln>
+        </p:spPr>
+        <p:style>
+          <a:lnRef idx="1">
+            <a:schemeClr val="accent1"/>
+          </a:lnRef>
+          <a:fillRef idx="0">
+            <a:schemeClr val="accent1"/>
+          </a:fillRef>
+          <a:effectRef idx="0">
+            <a:schemeClr val="accent1"/>
+          </a:effectRef>
+          <a:fontRef idx="minor">
+            <a:schemeClr val="tx1"/>
+          </a:fontRef>
+        </p:style>
+      </p:cxnSp>
+      <p:cxnSp>
+        <p:nvCxnSpPr>
+          <p:cNvPr id="136" name="Straight Arrow Connector 135">
+            <a:extLst>
+              <a:ext uri="{FF2B5EF4-FFF2-40B4-BE49-F238E27FC236}">
+                <a16:creationId xmlns:a16="http://schemas.microsoft.com/office/drawing/2014/main" id="{7978160E-8892-409D-ADA5-90AC85E4E9A4}"/>
+              </a:ext>
+            </a:extLst>
+          </p:cNvPr>
+          <p:cNvCxnSpPr>
+            <a:stCxn id="128" idx="3"/>
+          </p:cNvCxnSpPr>
+          <p:nvPr/>
+        </p:nvCxnSpPr>
+        <p:spPr>
+          <a:xfrm>
+            <a:off x="4779948" y="992485"/>
+            <a:ext cx="1316052" cy="0"/>
+          </a:xfrm>
+          <a:prstGeom prst="straightConnector1">
+            <a:avLst/>
+          </a:prstGeom>
+          <a:ln>
+            <a:tailEnd type="triangle"/>
+          </a:ln>
+        </p:spPr>
+        <p:style>
+          <a:lnRef idx="1">
+            <a:schemeClr val="accent1"/>
+          </a:lnRef>
+          <a:fillRef idx="0">
+            <a:schemeClr val="accent1"/>
+          </a:fillRef>
+          <a:effectRef idx="0">
+            <a:schemeClr val="accent1"/>
+          </a:effectRef>
+          <a:fontRef idx="minor">
+            <a:schemeClr val="tx1"/>
+          </a:fontRef>
+        </p:style>
+      </p:cxnSp>
+      <p:cxnSp>
+        <p:nvCxnSpPr>
+          <p:cNvPr id="138" name="Straight Arrow Connector 137">
+            <a:extLst>
+              <a:ext uri="{FF2B5EF4-FFF2-40B4-BE49-F238E27FC236}">
+                <a16:creationId xmlns:a16="http://schemas.microsoft.com/office/drawing/2014/main" id="{CD834299-C2A4-449D-9F71-BEF160DF4418}"/>
+              </a:ext>
+            </a:extLst>
+          </p:cNvPr>
+          <p:cNvCxnSpPr>
+            <a:stCxn id="128" idx="1"/>
+          </p:cNvCxnSpPr>
+          <p:nvPr/>
+        </p:nvCxnSpPr>
+        <p:spPr>
+          <a:xfrm flipH="1">
+            <a:off x="3031879" y="992485"/>
+            <a:ext cx="1374249" cy="0"/>
+          </a:xfrm>
+          <a:prstGeom prst="straightConnector1">
+            <a:avLst/>
+          </a:prstGeom>
+          <a:ln>
+            <a:tailEnd type="triangle"/>
+          </a:ln>
+        </p:spPr>
+        <p:style>
+          <a:lnRef idx="1">
+            <a:schemeClr val="accent1"/>
+          </a:lnRef>
+          <a:fillRef idx="0">
+            <a:schemeClr val="accent1"/>
+          </a:fillRef>
+          <a:effectRef idx="0">
+            <a:schemeClr val="accent1"/>
+          </a:effectRef>
+          <a:fontRef idx="minor">
+            <a:schemeClr val="tx1"/>
+          </a:fontRef>
+        </p:style>
+      </p:cxnSp>
+      <p:cxnSp>
+        <p:nvCxnSpPr>
+          <p:cNvPr id="140" name="Straight Arrow Connector 139">
+            <a:extLst>
+              <a:ext uri="{FF2B5EF4-FFF2-40B4-BE49-F238E27FC236}">
+                <a16:creationId xmlns:a16="http://schemas.microsoft.com/office/drawing/2014/main" id="{0A82B2C0-1438-4BE6-B4BA-46547EFA0D06}"/>
+              </a:ext>
+            </a:extLst>
+          </p:cNvPr>
+          <p:cNvCxnSpPr>
+            <a:stCxn id="116" idx="0"/>
+          </p:cNvCxnSpPr>
+          <p:nvPr/>
+        </p:nvCxnSpPr>
+        <p:spPr>
+          <a:xfrm flipV="1">
+            <a:off x="1913432" y="2165351"/>
+            <a:ext cx="0" cy="448193"/>
+          </a:xfrm>
+          <a:prstGeom prst="straightConnector1">
+            <a:avLst/>
+          </a:prstGeom>
+          <a:ln>
+            <a:tailEnd type="triangle"/>
+          </a:ln>
+        </p:spPr>
+        <p:style>
+          <a:lnRef idx="1">
+            <a:schemeClr val="accent1"/>
+          </a:lnRef>
+          <a:fillRef idx="0">
+            <a:schemeClr val="accent1"/>
+          </a:fillRef>
+          <a:effectRef idx="0">
+            <a:schemeClr val="accent1"/>
+          </a:effectRef>
+          <a:fontRef idx="minor">
+            <a:schemeClr val="tx1"/>
+          </a:fontRef>
+        </p:style>
+      </p:cxnSp>
+      <p:cxnSp>
+        <p:nvCxnSpPr>
+          <p:cNvPr id="142" name="Straight Arrow Connector 141">
+            <a:extLst>
+              <a:ext uri="{FF2B5EF4-FFF2-40B4-BE49-F238E27FC236}">
+                <a16:creationId xmlns:a16="http://schemas.microsoft.com/office/drawing/2014/main" id="{1996548B-DC4C-448C-B64E-3069006C62E9}"/>
+              </a:ext>
+            </a:extLst>
+          </p:cNvPr>
+          <p:cNvCxnSpPr>
+            <a:stCxn id="116" idx="2"/>
+          </p:cNvCxnSpPr>
+          <p:nvPr/>
+        </p:nvCxnSpPr>
+        <p:spPr>
+          <a:xfrm>
+            <a:off x="1913432" y="2982876"/>
+            <a:ext cx="0" cy="357412"/>
+          </a:xfrm>
+          <a:prstGeom prst="straightConnector1">
+            <a:avLst/>
+          </a:prstGeom>
+          <a:ln>
+            <a:tailEnd type="triangle"/>
+          </a:ln>
+        </p:spPr>
+        <p:style>
+          <a:lnRef idx="1">
+            <a:schemeClr val="accent1"/>
+          </a:lnRef>
+          <a:fillRef idx="0">
+            <a:schemeClr val="accent1"/>
+          </a:fillRef>
+          <a:effectRef idx="0">
+            <a:schemeClr val="accent1"/>
+          </a:effectRef>
+          <a:fontRef idx="minor">
+            <a:schemeClr val="tx1"/>
+          </a:fontRef>
+        </p:style>
+      </p:cxnSp>
+      <p:cxnSp>
+        <p:nvCxnSpPr>
+          <p:cNvPr id="144" name="Straight Arrow Connector 143">
+            <a:extLst>
+              <a:ext uri="{FF2B5EF4-FFF2-40B4-BE49-F238E27FC236}">
+                <a16:creationId xmlns:a16="http://schemas.microsoft.com/office/drawing/2014/main" id="{B086EA02-811D-4DAF-8662-8CC2F8F2245D}"/>
+              </a:ext>
+            </a:extLst>
+          </p:cNvPr>
+          <p:cNvCxnSpPr>
+            <a:stCxn id="115" idx="0"/>
+          </p:cNvCxnSpPr>
+          <p:nvPr/>
+        </p:nvCxnSpPr>
+        <p:spPr>
+          <a:xfrm flipV="1">
+            <a:off x="1913432" y="3366795"/>
+            <a:ext cx="0" cy="514965"/>
+          </a:xfrm>
+          <a:prstGeom prst="straightConnector1">
+            <a:avLst/>
+          </a:prstGeom>
+          <a:ln>
+            <a:tailEnd type="triangle"/>
+          </a:ln>
+        </p:spPr>
+        <p:style>
+          <a:lnRef idx="1">
+            <a:schemeClr val="accent1"/>
+          </a:lnRef>
+          <a:fillRef idx="0">
+            <a:schemeClr val="accent1"/>
+          </a:fillRef>
+          <a:effectRef idx="0">
+            <a:schemeClr val="accent1"/>
+          </a:effectRef>
+          <a:fontRef idx="minor">
+            <a:schemeClr val="tx1"/>
+          </a:fontRef>
+        </p:style>
+      </p:cxnSp>
+      <p:cxnSp>
+        <p:nvCxnSpPr>
+          <p:cNvPr id="146" name="Straight Arrow Connector 145">
+            <a:extLst>
+              <a:ext uri="{FF2B5EF4-FFF2-40B4-BE49-F238E27FC236}">
+                <a16:creationId xmlns:a16="http://schemas.microsoft.com/office/drawing/2014/main" id="{201334F7-A24F-451D-963F-64FAF344DEEA}"/>
+              </a:ext>
+            </a:extLst>
+          </p:cNvPr>
+          <p:cNvCxnSpPr>
+            <a:stCxn id="115" idx="2"/>
+          </p:cNvCxnSpPr>
+          <p:nvPr/>
+        </p:nvCxnSpPr>
+        <p:spPr>
+          <a:xfrm>
+            <a:off x="1913432" y="4251092"/>
+            <a:ext cx="0" cy="440326"/>
+          </a:xfrm>
+          <a:prstGeom prst="straightConnector1">
+            <a:avLst/>
+          </a:prstGeom>
+          <a:ln>
+            <a:tailEnd type="triangle"/>
+          </a:ln>
+        </p:spPr>
+        <p:style>
+          <a:lnRef idx="1">
+            <a:schemeClr val="accent1"/>
+          </a:lnRef>
+          <a:fillRef idx="0">
+            <a:schemeClr val="accent1"/>
+          </a:fillRef>
+          <a:effectRef idx="0">
+            <a:schemeClr val="accent1"/>
+          </a:effectRef>
+          <a:fontRef idx="minor">
+            <a:schemeClr val="tx1"/>
+          </a:fontRef>
+        </p:style>
+      </p:cxnSp>
+    </p:spTree>
+    <p:extLst>
+      <p:ext uri="{BB962C8B-B14F-4D97-AF65-F5344CB8AC3E}">
+        <p14:creationId xmlns:p14="http://schemas.microsoft.com/office/powerpoint/2010/main" val="3301422905"/>
+      </p:ext>
+    </p:extLst>
+  </p:cSld>
+  <p:clrMapOvr>
+    <a:masterClrMapping/>
+  </p:clrMapOvr>
+</p:sld>
+</file>
+
+<file path=ppt/slides/slide5.xml><?xml version="1.0" encoding="utf-8"?>
+<p:sld xmlns:a="http://schemas.openxmlformats.org/drawingml/2006/main" xmlns:r="http://schemas.openxmlformats.org/officeDocument/2006/relationships" xmlns:p="http://schemas.openxmlformats.org/presentationml/2006/main">
+  <p:cSld>
+    <p:spTree>
+      <p:nvGrpSpPr>
+        <p:cNvPr id="1" name=""/>
+        <p:cNvGrpSpPr/>
+        <p:nvPr/>
+      </p:nvGrpSpPr>
+      <p:grpSpPr>
+        <a:xfrm>
+          <a:off x="0" y="0"/>
+          <a:ext cx="0" cy="0"/>
+          <a:chOff x="0" y="0"/>
+          <a:chExt cx="0" cy="0"/>
+        </a:xfrm>
+      </p:grpSpPr>
+      <p:sp>
+        <p:nvSpPr>
+          <p:cNvPr id="50" name="TextBox 49">
+            <a:extLst>
+              <a:ext uri="{FF2B5EF4-FFF2-40B4-BE49-F238E27FC236}">
+                <a16:creationId xmlns:a16="http://schemas.microsoft.com/office/drawing/2014/main" id="{1E892D52-E31E-4B70-B80D-590F236F40AC}"/>
+              </a:ext>
+            </a:extLst>
+          </p:cNvPr>
+          <p:cNvSpPr txBox="1"/>
+          <p:nvPr/>
+        </p:nvSpPr>
+        <p:spPr>
+          <a:xfrm>
+            <a:off x="5116623" y="4995847"/>
+            <a:ext cx="360996" cy="369332"/>
+          </a:xfrm>
+          <a:prstGeom prst="rect">
+            <a:avLst/>
+          </a:prstGeom>
+          <a:noFill/>
+        </p:spPr>
+        <p:txBody>
+          <a:bodyPr wrap="none" rtlCol="0">
+            <a:spAutoFit/>
+          </a:bodyPr>
+          <a:lstStyle/>
+          <a:p>
+            <a:r>
+              <a:rPr lang="en-GB" dirty="0"/>
+              <a:t>L</a:t>
+            </a:r>
+            <a:r>
+              <a:rPr lang="en-GB" baseline="-25000" dirty="0"/>
+              <a:t>0</a:t>
+            </a:r>
+          </a:p>
+        </p:txBody>
+      </p:sp>
+      <p:sp>
+        <p:nvSpPr>
+          <p:cNvPr id="51" name="TextBox 50">
+            <a:extLst>
+              <a:ext uri="{FF2B5EF4-FFF2-40B4-BE49-F238E27FC236}">
+                <a16:creationId xmlns:a16="http://schemas.microsoft.com/office/drawing/2014/main" id="{5EB65662-848A-45BD-966D-B76C10DF41B8}"/>
+              </a:ext>
+            </a:extLst>
+          </p:cNvPr>
+          <p:cNvSpPr txBox="1"/>
+          <p:nvPr/>
+        </p:nvSpPr>
+        <p:spPr>
+          <a:xfrm>
+            <a:off x="7613294" y="2444727"/>
+            <a:ext cx="360996" cy="369332"/>
+          </a:xfrm>
+          <a:prstGeom prst="rect">
+            <a:avLst/>
+          </a:prstGeom>
+          <a:noFill/>
+        </p:spPr>
+        <p:txBody>
+          <a:bodyPr wrap="none" rtlCol="0">
+            <a:spAutoFit/>
+          </a:bodyPr>
+          <a:lstStyle/>
+          <a:p>
+            <a:r>
+              <a:rPr lang="en-GB" dirty="0"/>
+              <a:t>L</a:t>
+            </a:r>
+            <a:r>
+              <a:rPr lang="en-GB" baseline="-25000" dirty="0"/>
+              <a:t>1</a:t>
+            </a:r>
+          </a:p>
+        </p:txBody>
+      </p:sp>
+      <p:sp>
+        <p:nvSpPr>
+          <p:cNvPr id="52" name="Arc 51">
+            <a:extLst>
+              <a:ext uri="{FF2B5EF4-FFF2-40B4-BE49-F238E27FC236}">
+                <a16:creationId xmlns:a16="http://schemas.microsoft.com/office/drawing/2014/main" id="{637BB9C5-E886-4F69-8248-A7AED4E2F166}"/>
+              </a:ext>
+            </a:extLst>
+          </p:cNvPr>
+          <p:cNvSpPr/>
+          <p:nvPr/>
+        </p:nvSpPr>
+        <p:spPr>
+          <a:xfrm>
+            <a:off x="4664754" y="3429001"/>
+            <a:ext cx="477083" cy="1951382"/>
+          </a:xfrm>
+          <a:prstGeom prst="arc">
+            <a:avLst>
+              <a:gd name="adj1" fmla="val 16044062"/>
+              <a:gd name="adj2" fmla="val 465274"/>
+            </a:avLst>
+          </a:prstGeom>
+          <a:ln>
+            <a:solidFill>
+              <a:srgbClr val="FF0000"/>
+            </a:solidFill>
+          </a:ln>
+        </p:spPr>
+        <p:style>
+          <a:lnRef idx="1">
+            <a:schemeClr val="accent1"/>
+          </a:lnRef>
+          <a:fillRef idx="0">
+            <a:schemeClr val="accent1"/>
+          </a:fillRef>
+          <a:effectRef idx="0">
+            <a:schemeClr val="accent1"/>
+          </a:effectRef>
+          <a:fontRef idx="minor">
+            <a:schemeClr val="tx1"/>
+          </a:fontRef>
+        </p:style>
+        <p:txBody>
+          <a:bodyPr rtlCol="0" anchor="ctr"/>
+          <a:lstStyle/>
+          <a:p>
+            <a:pPr algn="ctr"/>
+            <a:endParaRPr lang="en-GB"/>
+          </a:p>
+        </p:txBody>
+      </p:sp>
+      <p:grpSp>
+        <p:nvGrpSpPr>
+          <p:cNvPr id="73" name="Group 72">
+            <a:extLst>
+              <a:ext uri="{FF2B5EF4-FFF2-40B4-BE49-F238E27FC236}">
+                <a16:creationId xmlns:a16="http://schemas.microsoft.com/office/drawing/2014/main" id="{5EBA46E1-7344-4871-A07B-9152242DE124}"/>
+              </a:ext>
+            </a:extLst>
+          </p:cNvPr>
+          <p:cNvGrpSpPr/>
+          <p:nvPr/>
+        </p:nvGrpSpPr>
+        <p:grpSpPr>
+          <a:xfrm>
+            <a:off x="2982787" y="393280"/>
+            <a:ext cx="4557734" cy="4342648"/>
+            <a:chOff x="2982787" y="393280"/>
+            <a:chExt cx="4557734" cy="4342648"/>
+          </a:xfrm>
+        </p:grpSpPr>
+        <p:cxnSp>
+          <p:nvCxnSpPr>
+            <p:cNvPr id="68" name="Straight Arrow Connector 67">
+              <a:extLst>
+                <a:ext uri="{FF2B5EF4-FFF2-40B4-BE49-F238E27FC236}">
+                  <a16:creationId xmlns:a16="http://schemas.microsoft.com/office/drawing/2014/main" id="{CEE33FEA-8163-4993-A1A8-DD8D4EC47803}"/>
+                </a:ext>
+              </a:extLst>
+            </p:cNvPr>
+            <p:cNvCxnSpPr>
+              <a:cxnSpLocks/>
+            </p:cNvCxnSpPr>
+            <p:nvPr/>
+          </p:nvCxnSpPr>
+          <p:spPr>
+            <a:xfrm flipH="1" flipV="1">
+              <a:off x="6048641" y="921152"/>
+              <a:ext cx="418975" cy="244060"/>
+            </a:xfrm>
+            <a:prstGeom prst="straightConnector1">
+              <a:avLst/>
+            </a:prstGeom>
+            <a:ln w="38100">
+              <a:solidFill>
+                <a:srgbClr val="0070C0"/>
+              </a:solidFill>
+              <a:tailEnd type="triangle"/>
+            </a:ln>
+          </p:spPr>
+          <p:style>
+            <a:lnRef idx="1">
+              <a:schemeClr val="accent1"/>
+            </a:lnRef>
+            <a:fillRef idx="0">
+              <a:schemeClr val="accent1"/>
+            </a:fillRef>
+            <a:effectRef idx="0">
+              <a:schemeClr val="accent1"/>
+            </a:effectRef>
+            <a:fontRef idx="minor">
+              <a:schemeClr val="tx1"/>
+            </a:fontRef>
+          </p:style>
+        </p:cxnSp>
+        <p:cxnSp>
+          <p:nvCxnSpPr>
+            <p:cNvPr id="66" name="Straight Arrow Connector 65">
+              <a:extLst>
+                <a:ext uri="{FF2B5EF4-FFF2-40B4-BE49-F238E27FC236}">
+                  <a16:creationId xmlns:a16="http://schemas.microsoft.com/office/drawing/2014/main" id="{E1CE42AB-56E5-445B-93EA-B60E5D8BD076}"/>
+                </a:ext>
+              </a:extLst>
+            </p:cNvPr>
+            <p:cNvCxnSpPr>
+              <a:cxnSpLocks/>
+            </p:cNvCxnSpPr>
+            <p:nvPr/>
+          </p:nvCxnSpPr>
+          <p:spPr>
+            <a:xfrm flipV="1">
+              <a:off x="6519153" y="683635"/>
+              <a:ext cx="220081" cy="491980"/>
+            </a:xfrm>
+            <a:prstGeom prst="straightConnector1">
+              <a:avLst/>
+            </a:prstGeom>
+            <a:ln w="38100">
+              <a:solidFill>
+                <a:srgbClr val="0070C0"/>
+              </a:solidFill>
+              <a:tailEnd type="triangle"/>
+            </a:ln>
+          </p:spPr>
+          <p:style>
+            <a:lnRef idx="1">
+              <a:schemeClr val="accent1"/>
+            </a:lnRef>
+            <a:fillRef idx="0">
+              <a:schemeClr val="accent1"/>
+            </a:fillRef>
+            <a:effectRef idx="0">
+              <a:schemeClr val="accent1"/>
+            </a:effectRef>
+            <a:fontRef idx="minor">
+              <a:schemeClr val="tx1"/>
+            </a:fontRef>
+          </p:style>
+        </p:cxnSp>
+        <p:cxnSp>
+          <p:nvCxnSpPr>
+            <p:cNvPr id="59" name="Straight Connector 58">
+              <a:extLst>
+                <a:ext uri="{FF2B5EF4-FFF2-40B4-BE49-F238E27FC236}">
+                  <a16:creationId xmlns:a16="http://schemas.microsoft.com/office/drawing/2014/main" id="{B24D5581-2BD7-4C70-BAA7-E09D1D65330A}"/>
+                </a:ext>
+              </a:extLst>
+            </p:cNvPr>
+            <p:cNvCxnSpPr>
+              <a:cxnSpLocks/>
+              <a:stCxn id="45" idx="6"/>
+            </p:cNvCxnSpPr>
+            <p:nvPr/>
+          </p:nvCxnSpPr>
+          <p:spPr>
+            <a:xfrm>
+              <a:off x="3240155" y="4439478"/>
+              <a:ext cx="4300366" cy="0"/>
+            </a:xfrm>
+            <a:prstGeom prst="line">
+              <a:avLst/>
+            </a:prstGeom>
+            <a:ln>
+              <a:solidFill>
+                <a:srgbClr val="FF0000"/>
+              </a:solidFill>
+              <a:prstDash val="lgDash"/>
+            </a:ln>
+          </p:spPr>
+          <p:style>
+            <a:lnRef idx="1">
+              <a:schemeClr val="accent1"/>
+            </a:lnRef>
+            <a:fillRef idx="0">
+              <a:schemeClr val="accent1"/>
+            </a:fillRef>
+            <a:effectRef idx="0">
+              <a:schemeClr val="accent1"/>
+            </a:effectRef>
+            <a:fontRef idx="minor">
+              <a:schemeClr val="tx1"/>
+            </a:fontRef>
+          </p:style>
+        </p:cxnSp>
+        <p:cxnSp>
+          <p:nvCxnSpPr>
+            <p:cNvPr id="60" name="Straight Arrow Connector 59">
+              <a:extLst>
+                <a:ext uri="{FF2B5EF4-FFF2-40B4-BE49-F238E27FC236}">
+                  <a16:creationId xmlns:a16="http://schemas.microsoft.com/office/drawing/2014/main" id="{C79CB31D-C38B-4704-B4E4-91F66F5FD256}"/>
+                </a:ext>
+              </a:extLst>
+            </p:cNvPr>
+            <p:cNvCxnSpPr>
+              <a:cxnSpLocks/>
+            </p:cNvCxnSpPr>
+            <p:nvPr/>
+          </p:nvCxnSpPr>
+          <p:spPr>
+            <a:xfrm flipH="1" flipV="1">
+              <a:off x="5246934" y="2613681"/>
+              <a:ext cx="249656" cy="429591"/>
+            </a:xfrm>
+            <a:prstGeom prst="straightConnector1">
+              <a:avLst/>
+            </a:prstGeom>
+            <a:ln w="38100">
+              <a:solidFill>
+                <a:srgbClr val="0070C0"/>
+              </a:solidFill>
+              <a:tailEnd type="triangle"/>
+            </a:ln>
+          </p:spPr>
+          <p:style>
+            <a:lnRef idx="1">
+              <a:schemeClr val="accent1"/>
+            </a:lnRef>
+            <a:fillRef idx="0">
+              <a:schemeClr val="accent1"/>
+            </a:fillRef>
+            <a:effectRef idx="0">
+              <a:schemeClr val="accent1"/>
+            </a:effectRef>
+            <a:fontRef idx="minor">
+              <a:schemeClr val="tx1"/>
+            </a:fontRef>
+          </p:style>
+        </p:cxnSp>
+        <p:cxnSp>
+          <p:nvCxnSpPr>
+            <p:cNvPr id="36" name="Straight Arrow Connector 35">
+              <a:extLst>
+                <a:ext uri="{FF2B5EF4-FFF2-40B4-BE49-F238E27FC236}">
+                  <a16:creationId xmlns:a16="http://schemas.microsoft.com/office/drawing/2014/main" id="{D9C1C992-3E84-454D-B534-50816E43F20E}"/>
+                </a:ext>
+              </a:extLst>
+            </p:cNvPr>
+            <p:cNvCxnSpPr>
+              <a:cxnSpLocks/>
+            </p:cNvCxnSpPr>
+            <p:nvPr/>
+          </p:nvCxnSpPr>
+          <p:spPr>
+            <a:xfrm>
+              <a:off x="3193774" y="4439478"/>
+              <a:ext cx="427731" cy="0"/>
+            </a:xfrm>
+            <a:prstGeom prst="straightConnector1">
+              <a:avLst/>
+            </a:prstGeom>
+            <a:ln w="38100">
+              <a:solidFill>
+                <a:srgbClr val="0070C0"/>
+              </a:solidFill>
+              <a:tailEnd type="triangle"/>
+            </a:ln>
+          </p:spPr>
+          <p:style>
+            <a:lnRef idx="1">
+              <a:schemeClr val="accent1"/>
+            </a:lnRef>
+            <a:fillRef idx="0">
+              <a:schemeClr val="accent1"/>
+            </a:fillRef>
+            <a:effectRef idx="0">
+              <a:schemeClr val="accent1"/>
+            </a:effectRef>
+            <a:fontRef idx="minor">
+              <a:schemeClr val="tx1"/>
+            </a:fontRef>
+          </p:style>
+        </p:cxnSp>
+        <p:cxnSp>
+          <p:nvCxnSpPr>
+            <p:cNvPr id="42" name="Straight Arrow Connector 41">
+              <a:extLst>
+                <a:ext uri="{FF2B5EF4-FFF2-40B4-BE49-F238E27FC236}">
+                  <a16:creationId xmlns:a16="http://schemas.microsoft.com/office/drawing/2014/main" id="{ABB29D66-3ACC-4700-BE28-399D1E3AAA14}"/>
+                </a:ext>
+              </a:extLst>
+            </p:cNvPr>
+            <p:cNvCxnSpPr>
+              <a:cxnSpLocks/>
+            </p:cNvCxnSpPr>
+            <p:nvPr/>
+          </p:nvCxnSpPr>
+          <p:spPr>
+            <a:xfrm flipV="1">
+              <a:off x="3167270" y="4042611"/>
+              <a:ext cx="0" cy="396867"/>
+            </a:xfrm>
+            <a:prstGeom prst="straightConnector1">
+              <a:avLst/>
+            </a:prstGeom>
+            <a:ln w="38100">
+              <a:solidFill>
+                <a:srgbClr val="0070C0"/>
+              </a:solidFill>
+              <a:tailEnd type="triangle"/>
+            </a:ln>
+          </p:spPr>
+          <p:style>
+            <a:lnRef idx="1">
+              <a:schemeClr val="accent1"/>
+            </a:lnRef>
+            <a:fillRef idx="0">
+              <a:schemeClr val="accent1"/>
+            </a:fillRef>
+            <a:effectRef idx="0">
+              <a:schemeClr val="accent1"/>
+            </a:effectRef>
+            <a:fontRef idx="minor">
+              <a:schemeClr val="tx1"/>
+            </a:fontRef>
+          </p:style>
+        </p:cxnSp>
+        <p:sp>
+          <p:nvSpPr>
+            <p:cNvPr id="43" name="TextBox 42">
+              <a:extLst>
+                <a:ext uri="{FF2B5EF4-FFF2-40B4-BE49-F238E27FC236}">
+                  <a16:creationId xmlns:a16="http://schemas.microsoft.com/office/drawing/2014/main" id="{15D28F38-FCC7-451C-BCF3-001919384333}"/>
+                </a:ext>
+              </a:extLst>
+            </p:cNvPr>
+            <p:cNvSpPr txBox="1"/>
+            <p:nvPr/>
+          </p:nvSpPr>
+          <p:spPr>
+            <a:xfrm>
+              <a:off x="2982787" y="3692098"/>
+              <a:ext cx="367408" cy="369332"/>
+            </a:xfrm>
+            <a:prstGeom prst="rect">
+              <a:avLst/>
+            </a:prstGeom>
+            <a:noFill/>
+          </p:spPr>
+          <p:txBody>
+            <a:bodyPr wrap="none" rtlCol="0">
+              <a:spAutoFit/>
+            </a:bodyPr>
+            <a:lstStyle/>
+            <a:p>
+              <a:r>
+                <a:rPr lang="en-GB" dirty="0">
+                  <a:solidFill>
+                    <a:srgbClr val="0070C0"/>
+                  </a:solidFill>
+                </a:rPr>
+                <a:t>y</a:t>
+              </a:r>
+              <a:r>
+                <a:rPr lang="en-GB" baseline="-25000" dirty="0">
+                  <a:solidFill>
+                    <a:srgbClr val="0070C0"/>
+                  </a:solidFill>
+                </a:rPr>
+                <a:t>0</a:t>
+              </a:r>
+            </a:p>
+          </p:txBody>
+        </p:sp>
+        <p:sp>
+          <p:nvSpPr>
+            <p:cNvPr id="44" name="TextBox 43">
+              <a:extLst>
+                <a:ext uri="{FF2B5EF4-FFF2-40B4-BE49-F238E27FC236}">
+                  <a16:creationId xmlns:a16="http://schemas.microsoft.com/office/drawing/2014/main" id="{F495E7B9-3DAD-4BB5-BD67-C6FF4E7DDC83}"/>
+                </a:ext>
+              </a:extLst>
+            </p:cNvPr>
+            <p:cNvSpPr txBox="1"/>
+            <p:nvPr/>
+          </p:nvSpPr>
+          <p:spPr>
+            <a:xfrm>
+              <a:off x="3461460" y="4366596"/>
+              <a:ext cx="362600" cy="369332"/>
+            </a:xfrm>
+            <a:prstGeom prst="rect">
+              <a:avLst/>
+            </a:prstGeom>
+            <a:noFill/>
+          </p:spPr>
+          <p:txBody>
+            <a:bodyPr wrap="none" rtlCol="0">
+              <a:spAutoFit/>
+            </a:bodyPr>
+            <a:lstStyle/>
+            <a:p>
+              <a:r>
+                <a:rPr lang="en-GB" dirty="0">
+                  <a:solidFill>
+                    <a:srgbClr val="0070C0"/>
+                  </a:solidFill>
+                </a:rPr>
+                <a:t>x</a:t>
+              </a:r>
+              <a:r>
+                <a:rPr lang="en-GB" baseline="-25000" dirty="0">
+                  <a:solidFill>
+                    <a:srgbClr val="0070C0"/>
+                  </a:solidFill>
+                </a:rPr>
+                <a:t>0</a:t>
+              </a:r>
+            </a:p>
+          </p:txBody>
+        </p:sp>
+        <p:sp>
+          <p:nvSpPr>
+            <p:cNvPr id="45" name="Oval 44">
+              <a:extLst>
+                <a:ext uri="{FF2B5EF4-FFF2-40B4-BE49-F238E27FC236}">
+                  <a16:creationId xmlns:a16="http://schemas.microsoft.com/office/drawing/2014/main" id="{8353218E-4686-49CC-8C2A-63A6AA5BC87D}"/>
+                </a:ext>
+              </a:extLst>
+            </p:cNvPr>
+            <p:cNvSpPr/>
+            <p:nvPr/>
+          </p:nvSpPr>
+          <p:spPr>
+            <a:xfrm>
+              <a:off x="3094384" y="4366596"/>
+              <a:ext cx="145771" cy="145763"/>
+            </a:xfrm>
+            <a:prstGeom prst="ellipse">
+              <a:avLst/>
+            </a:prstGeom>
+            <a:solidFill>
+              <a:schemeClr val="tx1"/>
+            </a:solidFill>
+            <a:ln>
+              <a:solidFill>
+                <a:schemeClr val="tx1"/>
+              </a:solidFill>
+            </a:ln>
+          </p:spPr>
+          <p:style>
+            <a:lnRef idx="2">
+              <a:schemeClr val="accent1">
+                <a:shade val="50000"/>
+              </a:schemeClr>
+            </a:lnRef>
+            <a:fillRef idx="1">
+              <a:schemeClr val="accent1"/>
+            </a:fillRef>
+            <a:effectRef idx="0">
+              <a:schemeClr val="accent1"/>
+            </a:effectRef>
+            <a:fontRef idx="minor">
+              <a:schemeClr val="lt1"/>
+            </a:fontRef>
+          </p:style>
+          <p:txBody>
+            <a:bodyPr rtlCol="0" anchor="ctr"/>
+            <a:lstStyle/>
+            <a:p>
+              <a:pPr algn="ctr"/>
+              <a:endParaRPr lang="en-GB"/>
+            </a:p>
+          </p:txBody>
+        </p:sp>
+        <p:sp>
+          <p:nvSpPr>
+            <p:cNvPr id="46" name="Oval 45">
+              <a:extLst>
+                <a:ext uri="{FF2B5EF4-FFF2-40B4-BE49-F238E27FC236}">
+                  <a16:creationId xmlns:a16="http://schemas.microsoft.com/office/drawing/2014/main" id="{165B096C-1CC7-415E-BA57-EC8709F4DA32}"/>
+                </a:ext>
+              </a:extLst>
+            </p:cNvPr>
+            <p:cNvSpPr/>
+            <p:nvPr/>
+          </p:nvSpPr>
+          <p:spPr>
+            <a:xfrm>
+              <a:off x="5409722" y="2983218"/>
+              <a:ext cx="145771" cy="145763"/>
+            </a:xfrm>
+            <a:prstGeom prst="ellipse">
+              <a:avLst/>
+            </a:prstGeom>
+            <a:solidFill>
+              <a:schemeClr val="tx1"/>
+            </a:solidFill>
+            <a:ln>
+              <a:solidFill>
+                <a:schemeClr val="tx1"/>
+              </a:solidFill>
+            </a:ln>
+          </p:spPr>
+          <p:style>
+            <a:lnRef idx="2">
+              <a:schemeClr val="accent1">
+                <a:shade val="50000"/>
+              </a:schemeClr>
+            </a:lnRef>
+            <a:fillRef idx="1">
+              <a:schemeClr val="accent1"/>
+            </a:fillRef>
+            <a:effectRef idx="0">
+              <a:schemeClr val="accent1"/>
+            </a:effectRef>
+            <a:fontRef idx="minor">
+              <a:schemeClr val="lt1"/>
+            </a:fontRef>
+          </p:style>
+          <p:txBody>
+            <a:bodyPr rtlCol="0" anchor="ctr"/>
+            <a:lstStyle/>
+            <a:p>
+              <a:pPr algn="ctr"/>
+              <a:endParaRPr lang="en-GB"/>
+            </a:p>
+          </p:txBody>
+        </p:sp>
+        <p:sp>
+          <p:nvSpPr>
+            <p:cNvPr id="47" name="Oval 46">
+              <a:extLst>
+                <a:ext uri="{FF2B5EF4-FFF2-40B4-BE49-F238E27FC236}">
+                  <a16:creationId xmlns:a16="http://schemas.microsoft.com/office/drawing/2014/main" id="{AF260927-6028-4453-B769-E16A2C374A1F}"/>
+                </a:ext>
+              </a:extLst>
+            </p:cNvPr>
+            <p:cNvSpPr/>
+            <p:nvPr/>
+          </p:nvSpPr>
+          <p:spPr>
+            <a:xfrm>
+              <a:off x="6446268" y="1106556"/>
+              <a:ext cx="145771" cy="145763"/>
+            </a:xfrm>
+            <a:prstGeom prst="ellipse">
+              <a:avLst/>
+            </a:prstGeom>
+            <a:solidFill>
+              <a:schemeClr val="tx1"/>
+            </a:solidFill>
+            <a:ln>
+              <a:solidFill>
+                <a:schemeClr val="tx1"/>
+              </a:solidFill>
+            </a:ln>
+          </p:spPr>
+          <p:style>
+            <a:lnRef idx="2">
+              <a:schemeClr val="accent1">
+                <a:shade val="50000"/>
+              </a:schemeClr>
+            </a:lnRef>
+            <a:fillRef idx="1">
+              <a:schemeClr val="accent1"/>
+            </a:fillRef>
+            <a:effectRef idx="0">
+              <a:schemeClr val="accent1"/>
+            </a:effectRef>
+            <a:fontRef idx="minor">
+              <a:schemeClr val="lt1"/>
+            </a:fontRef>
+          </p:style>
+          <p:txBody>
+            <a:bodyPr rtlCol="0" anchor="ctr"/>
+            <a:lstStyle/>
+            <a:p>
+              <a:pPr algn="ctr"/>
+              <a:endParaRPr lang="en-GB"/>
+            </a:p>
+          </p:txBody>
+        </p:sp>
+        <p:cxnSp>
+          <p:nvCxnSpPr>
+            <p:cNvPr id="48" name="Straight Connector 47">
+              <a:extLst>
+                <a:ext uri="{FF2B5EF4-FFF2-40B4-BE49-F238E27FC236}">
+                  <a16:creationId xmlns:a16="http://schemas.microsoft.com/office/drawing/2014/main" id="{C087BC31-6F9B-4EF6-BEE7-DE82D2D6502A}"/>
+                </a:ext>
+              </a:extLst>
+            </p:cNvPr>
+            <p:cNvCxnSpPr>
+              <a:cxnSpLocks/>
+              <a:stCxn id="45" idx="3"/>
+              <a:endCxn id="46" idx="3"/>
+            </p:cNvCxnSpPr>
+            <p:nvPr/>
+          </p:nvCxnSpPr>
+          <p:spPr>
+            <a:xfrm flipV="1">
+              <a:off x="3115732" y="3107635"/>
+              <a:ext cx="2315338" cy="1383378"/>
+            </a:xfrm>
+            <a:prstGeom prst="line">
+              <a:avLst/>
+            </a:prstGeom>
+            <a:ln w="57150">
+              <a:solidFill>
+                <a:schemeClr val="tx1"/>
+              </a:solidFill>
+            </a:ln>
+          </p:spPr>
+          <p:style>
+            <a:lnRef idx="1">
+              <a:schemeClr val="accent1"/>
+            </a:lnRef>
+            <a:fillRef idx="0">
+              <a:schemeClr val="accent1"/>
+            </a:fillRef>
+            <a:effectRef idx="0">
+              <a:schemeClr val="accent1"/>
+            </a:effectRef>
+            <a:fontRef idx="minor">
+              <a:schemeClr val="tx1"/>
+            </a:fontRef>
+          </p:style>
+        </p:cxnSp>
+        <p:cxnSp>
+          <p:nvCxnSpPr>
+            <p:cNvPr id="49" name="Straight Connector 48">
+              <a:extLst>
+                <a:ext uri="{FF2B5EF4-FFF2-40B4-BE49-F238E27FC236}">
+                  <a16:creationId xmlns:a16="http://schemas.microsoft.com/office/drawing/2014/main" id="{A087AF90-3B22-463C-BC40-745D138C272F}"/>
+                </a:ext>
+              </a:extLst>
+            </p:cNvPr>
+            <p:cNvCxnSpPr>
+              <a:cxnSpLocks/>
+              <a:stCxn id="46" idx="7"/>
+              <a:endCxn id="47" idx="3"/>
+            </p:cNvCxnSpPr>
+            <p:nvPr/>
+          </p:nvCxnSpPr>
+          <p:spPr>
+            <a:xfrm flipV="1">
+              <a:off x="5534145" y="1230973"/>
+              <a:ext cx="933471" cy="1773591"/>
+            </a:xfrm>
+            <a:prstGeom prst="line">
+              <a:avLst/>
+            </a:prstGeom>
+            <a:ln w="57150">
+              <a:solidFill>
+                <a:schemeClr val="tx1"/>
+              </a:solidFill>
+            </a:ln>
+          </p:spPr>
+          <p:style>
+            <a:lnRef idx="1">
+              <a:schemeClr val="accent1"/>
+            </a:lnRef>
+            <a:fillRef idx="0">
+              <a:schemeClr val="accent1"/>
+            </a:fillRef>
+            <a:effectRef idx="0">
+              <a:schemeClr val="accent1"/>
+            </a:effectRef>
+            <a:fontRef idx="minor">
+              <a:schemeClr val="tx1"/>
+            </a:fontRef>
+          </p:style>
+        </p:cxnSp>
+        <p:cxnSp>
+          <p:nvCxnSpPr>
+            <p:cNvPr id="53" name="Straight Connector 52">
+              <a:extLst>
+                <a:ext uri="{FF2B5EF4-FFF2-40B4-BE49-F238E27FC236}">
+                  <a16:creationId xmlns:a16="http://schemas.microsoft.com/office/drawing/2014/main" id="{62ABE07D-72D3-4441-B97A-479BA2490977}"/>
+                </a:ext>
+              </a:extLst>
+            </p:cNvPr>
+            <p:cNvCxnSpPr>
+              <a:cxnSpLocks/>
+              <a:stCxn id="46" idx="6"/>
+            </p:cNvCxnSpPr>
+            <p:nvPr/>
+          </p:nvCxnSpPr>
+          <p:spPr>
+            <a:xfrm flipV="1">
+              <a:off x="5555493" y="1961324"/>
+              <a:ext cx="1759707" cy="1094776"/>
+            </a:xfrm>
+            <a:prstGeom prst="line">
+              <a:avLst/>
+            </a:prstGeom>
+            <a:ln>
+              <a:solidFill>
+                <a:srgbClr val="FF0000"/>
+              </a:solidFill>
+              <a:prstDash val="lgDash"/>
+            </a:ln>
+          </p:spPr>
+          <p:style>
+            <a:lnRef idx="1">
+              <a:schemeClr val="accent1"/>
+            </a:lnRef>
+            <a:fillRef idx="0">
+              <a:schemeClr val="accent1"/>
+            </a:fillRef>
+            <a:effectRef idx="0">
+              <a:schemeClr val="accent1"/>
+            </a:effectRef>
+            <a:fontRef idx="minor">
+              <a:schemeClr val="tx1"/>
+            </a:fontRef>
+          </p:style>
+        </p:cxnSp>
+        <p:sp>
+          <p:nvSpPr>
+            <p:cNvPr id="54" name="Arc 53">
+              <a:extLst>
+                <a:ext uri="{FF2B5EF4-FFF2-40B4-BE49-F238E27FC236}">
+                  <a16:creationId xmlns:a16="http://schemas.microsoft.com/office/drawing/2014/main" id="{6470FB53-8EFD-4C77-90D3-4773F111310F}"/>
+                </a:ext>
+              </a:extLst>
+            </p:cNvPr>
+            <p:cNvSpPr/>
+            <p:nvPr/>
+          </p:nvSpPr>
+          <p:spPr>
+            <a:xfrm>
+              <a:off x="5697519" y="1376736"/>
+              <a:ext cx="1458655" cy="1478243"/>
+            </a:xfrm>
+            <a:prstGeom prst="arc">
+              <a:avLst/>
+            </a:prstGeom>
+            <a:ln>
+              <a:solidFill>
+                <a:srgbClr val="FF0000"/>
+              </a:solidFill>
+            </a:ln>
+          </p:spPr>
+          <p:style>
+            <a:lnRef idx="1">
+              <a:schemeClr val="accent1"/>
+            </a:lnRef>
+            <a:fillRef idx="0">
+              <a:schemeClr val="accent1"/>
+            </a:fillRef>
+            <a:effectRef idx="0">
+              <a:schemeClr val="accent1"/>
+            </a:effectRef>
+            <a:fontRef idx="minor">
+              <a:schemeClr val="tx1"/>
+            </a:fontRef>
+          </p:style>
+          <p:txBody>
+            <a:bodyPr rtlCol="0" anchor="ctr"/>
+            <a:lstStyle/>
+            <a:p>
+              <a:pPr algn="ctr"/>
+              <a:endParaRPr lang="en-GB"/>
+            </a:p>
+          </p:txBody>
+        </p:sp>
+        <p:sp>
+          <p:nvSpPr>
+            <p:cNvPr id="55" name="TextBox 54">
+              <a:extLst>
+                <a:ext uri="{FF2B5EF4-FFF2-40B4-BE49-F238E27FC236}">
+                  <a16:creationId xmlns:a16="http://schemas.microsoft.com/office/drawing/2014/main" id="{6BFBA8D1-2E36-43BD-9F3C-6CD1D44A39E3}"/>
+                </a:ext>
+              </a:extLst>
+            </p:cNvPr>
+            <p:cNvSpPr txBox="1"/>
+            <p:nvPr/>
+          </p:nvSpPr>
+          <p:spPr>
+            <a:xfrm>
+              <a:off x="4722797" y="3882043"/>
+              <a:ext cx="386644" cy="369332"/>
+            </a:xfrm>
+            <a:prstGeom prst="rect">
+              <a:avLst/>
+            </a:prstGeom>
+            <a:noFill/>
+          </p:spPr>
+          <p:txBody>
+            <a:bodyPr wrap="none" rtlCol="0">
+              <a:spAutoFit/>
+            </a:bodyPr>
+            <a:lstStyle/>
+            <a:p>
+              <a:r>
+                <a:rPr lang="el-GR" dirty="0"/>
+                <a:t>θ</a:t>
+              </a:r>
+              <a:r>
+                <a:rPr lang="en-GB" baseline="-25000" dirty="0"/>
+                <a:t>0</a:t>
+              </a:r>
+            </a:p>
+          </p:txBody>
+        </p:sp>
+        <p:sp>
+          <p:nvSpPr>
+            <p:cNvPr id="56" name="TextBox 55">
+              <a:extLst>
+                <a:ext uri="{FF2B5EF4-FFF2-40B4-BE49-F238E27FC236}">
+                  <a16:creationId xmlns:a16="http://schemas.microsoft.com/office/drawing/2014/main" id="{6C1D1C44-88CF-4A55-8937-AD13E1721703}"/>
+                </a:ext>
+              </a:extLst>
+            </p:cNvPr>
+            <p:cNvSpPr txBox="1"/>
+            <p:nvPr/>
+          </p:nvSpPr>
+          <p:spPr>
+            <a:xfrm>
+              <a:off x="6609642" y="1545439"/>
+              <a:ext cx="386644" cy="369332"/>
+            </a:xfrm>
+            <a:prstGeom prst="rect">
+              <a:avLst/>
+            </a:prstGeom>
+            <a:noFill/>
+          </p:spPr>
+          <p:txBody>
+            <a:bodyPr wrap="none" rtlCol="0">
+              <a:spAutoFit/>
+            </a:bodyPr>
+            <a:lstStyle/>
+            <a:p>
+              <a:r>
+                <a:rPr lang="el-GR" dirty="0"/>
+                <a:t>θ</a:t>
+              </a:r>
+              <a:r>
+                <a:rPr lang="en-GB" baseline="-25000" dirty="0"/>
+                <a:t>1</a:t>
+              </a:r>
+            </a:p>
+          </p:txBody>
+        </p:sp>
+        <p:cxnSp>
+          <p:nvCxnSpPr>
+            <p:cNvPr id="61" name="Straight Arrow Connector 60">
+              <a:extLst>
+                <a:ext uri="{FF2B5EF4-FFF2-40B4-BE49-F238E27FC236}">
+                  <a16:creationId xmlns:a16="http://schemas.microsoft.com/office/drawing/2014/main" id="{A27AB482-61BD-4A87-806E-6D6DDE44A540}"/>
+                </a:ext>
+              </a:extLst>
+            </p:cNvPr>
+            <p:cNvCxnSpPr>
+              <a:cxnSpLocks/>
+            </p:cNvCxnSpPr>
+            <p:nvPr/>
+          </p:nvCxnSpPr>
+          <p:spPr>
+            <a:xfrm flipV="1">
+              <a:off x="5543240" y="2814059"/>
+              <a:ext cx="440163" cy="237059"/>
+            </a:xfrm>
+            <a:prstGeom prst="straightConnector1">
+              <a:avLst/>
+            </a:prstGeom>
+            <a:ln w="38100">
+              <a:solidFill>
+                <a:srgbClr val="0070C0"/>
+              </a:solidFill>
+              <a:tailEnd type="triangle"/>
+            </a:ln>
+          </p:spPr>
+          <p:style>
+            <a:lnRef idx="1">
+              <a:schemeClr val="accent1"/>
+            </a:lnRef>
+            <a:fillRef idx="0">
+              <a:schemeClr val="accent1"/>
+            </a:fillRef>
+            <a:effectRef idx="0">
+              <a:schemeClr val="accent1"/>
+            </a:effectRef>
+            <a:fontRef idx="minor">
+              <a:schemeClr val="tx1"/>
+            </a:fontRef>
+          </p:style>
+        </p:cxnSp>
+        <p:sp>
+          <p:nvSpPr>
+            <p:cNvPr id="64" name="TextBox 63">
+              <a:extLst>
+                <a:ext uri="{FF2B5EF4-FFF2-40B4-BE49-F238E27FC236}">
+                  <a16:creationId xmlns:a16="http://schemas.microsoft.com/office/drawing/2014/main" id="{929BAE0D-A63E-4BC0-8930-BA6BD4F9FEEC}"/>
+                </a:ext>
+              </a:extLst>
+            </p:cNvPr>
+            <p:cNvSpPr txBox="1"/>
+            <p:nvPr/>
+          </p:nvSpPr>
+          <p:spPr>
+            <a:xfrm>
+              <a:off x="4896669" y="2367980"/>
+              <a:ext cx="367408" cy="369332"/>
+            </a:xfrm>
+            <a:prstGeom prst="rect">
+              <a:avLst/>
+            </a:prstGeom>
+            <a:noFill/>
+          </p:spPr>
+          <p:txBody>
+            <a:bodyPr wrap="none" rtlCol="0">
+              <a:spAutoFit/>
+            </a:bodyPr>
+            <a:lstStyle/>
+            <a:p>
+              <a:r>
+                <a:rPr lang="en-GB" dirty="0">
+                  <a:solidFill>
+                    <a:srgbClr val="0070C0"/>
+                  </a:solidFill>
+                </a:rPr>
+                <a:t>y</a:t>
+              </a:r>
+              <a:r>
+                <a:rPr lang="en-GB" baseline="-25000" dirty="0">
+                  <a:solidFill>
+                    <a:srgbClr val="0070C0"/>
+                  </a:solidFill>
+                </a:rPr>
+                <a:t>1</a:t>
+              </a:r>
+            </a:p>
+          </p:txBody>
+        </p:sp>
+        <p:sp>
+          <p:nvSpPr>
+            <p:cNvPr id="65" name="TextBox 64">
+              <a:extLst>
+                <a:ext uri="{FF2B5EF4-FFF2-40B4-BE49-F238E27FC236}">
+                  <a16:creationId xmlns:a16="http://schemas.microsoft.com/office/drawing/2014/main" id="{09906AD3-192D-4E46-91B6-D8998234A98F}"/>
+                </a:ext>
+              </a:extLst>
+            </p:cNvPr>
+            <p:cNvSpPr txBox="1"/>
+            <p:nvPr/>
+          </p:nvSpPr>
+          <p:spPr>
+            <a:xfrm>
+              <a:off x="5931741" y="2751744"/>
+              <a:ext cx="367408" cy="369332"/>
+            </a:xfrm>
+            <a:prstGeom prst="rect">
+              <a:avLst/>
+            </a:prstGeom>
+            <a:noFill/>
+          </p:spPr>
+          <p:txBody>
+            <a:bodyPr wrap="none" rtlCol="0">
+              <a:spAutoFit/>
+            </a:bodyPr>
+            <a:lstStyle/>
+            <a:p>
+              <a:r>
+                <a:rPr lang="en-GB" dirty="0">
+                  <a:solidFill>
+                    <a:srgbClr val="0070C0"/>
+                  </a:solidFill>
+                </a:rPr>
+                <a:t>x</a:t>
+              </a:r>
+              <a:r>
+                <a:rPr lang="en-GB" baseline="-25000" dirty="0">
+                  <a:solidFill>
+                    <a:srgbClr val="0070C0"/>
+                  </a:solidFill>
+                </a:rPr>
+                <a:t>1</a:t>
+              </a:r>
+            </a:p>
+          </p:txBody>
+        </p:sp>
+        <p:sp>
+          <p:nvSpPr>
+            <p:cNvPr id="71" name="TextBox 70">
+              <a:extLst>
+                <a:ext uri="{FF2B5EF4-FFF2-40B4-BE49-F238E27FC236}">
+                  <a16:creationId xmlns:a16="http://schemas.microsoft.com/office/drawing/2014/main" id="{4F2CE8B6-EB83-4F41-A84E-175E6F3AB0AF}"/>
+                </a:ext>
+              </a:extLst>
+            </p:cNvPr>
+            <p:cNvSpPr txBox="1"/>
+            <p:nvPr/>
+          </p:nvSpPr>
+          <p:spPr>
+            <a:xfrm>
+              <a:off x="5739174" y="670725"/>
+              <a:ext cx="367408" cy="369332"/>
+            </a:xfrm>
+            <a:prstGeom prst="rect">
+              <a:avLst/>
+            </a:prstGeom>
+            <a:noFill/>
+          </p:spPr>
+          <p:txBody>
+            <a:bodyPr wrap="none" rtlCol="0">
+              <a:spAutoFit/>
+            </a:bodyPr>
+            <a:lstStyle/>
+            <a:p>
+              <a:r>
+                <a:rPr lang="en-GB" dirty="0">
+                  <a:solidFill>
+                    <a:srgbClr val="0070C0"/>
+                  </a:solidFill>
+                </a:rPr>
+                <a:t>y</a:t>
+              </a:r>
+              <a:r>
+                <a:rPr lang="en-GB" baseline="-25000" dirty="0">
+                  <a:solidFill>
+                    <a:srgbClr val="0070C0"/>
+                  </a:solidFill>
+                </a:rPr>
+                <a:t>2</a:t>
+              </a:r>
+            </a:p>
+          </p:txBody>
+        </p:sp>
+        <p:sp>
+          <p:nvSpPr>
+            <p:cNvPr id="72" name="TextBox 71">
+              <a:extLst>
+                <a:ext uri="{FF2B5EF4-FFF2-40B4-BE49-F238E27FC236}">
+                  <a16:creationId xmlns:a16="http://schemas.microsoft.com/office/drawing/2014/main" id="{3FB61CF0-96FD-4288-94C9-3095AE5C5FF6}"/>
+                </a:ext>
+              </a:extLst>
+            </p:cNvPr>
+            <p:cNvSpPr txBox="1"/>
+            <p:nvPr/>
+          </p:nvSpPr>
+          <p:spPr>
+            <a:xfrm>
+              <a:off x="6639644" y="393280"/>
+              <a:ext cx="367408" cy="369332"/>
+            </a:xfrm>
+            <a:prstGeom prst="rect">
+              <a:avLst/>
+            </a:prstGeom>
+            <a:noFill/>
+          </p:spPr>
+          <p:txBody>
+            <a:bodyPr wrap="none" rtlCol="0">
+              <a:spAutoFit/>
+            </a:bodyPr>
+            <a:lstStyle/>
+            <a:p>
+              <a:r>
+                <a:rPr lang="en-GB" dirty="0">
+                  <a:solidFill>
+                    <a:srgbClr val="0070C0"/>
+                  </a:solidFill>
+                </a:rPr>
+                <a:t>x</a:t>
+              </a:r>
+              <a:r>
+                <a:rPr lang="en-GB" baseline="-25000" dirty="0">
+                  <a:solidFill>
+                    <a:srgbClr val="0070C0"/>
+                  </a:solidFill>
+                </a:rPr>
+                <a:t>2</a:t>
+              </a:r>
+            </a:p>
+          </p:txBody>
+        </p:sp>
+      </p:grpSp>
+      <p:sp>
+        <p:nvSpPr>
+          <p:cNvPr id="75" name="Star: 5 Points 74">
+            <a:extLst>
+              <a:ext uri="{FF2B5EF4-FFF2-40B4-BE49-F238E27FC236}">
+                <a16:creationId xmlns:a16="http://schemas.microsoft.com/office/drawing/2014/main" id="{9B345F42-6679-4EDE-A5CD-A5060EFF3817}"/>
+              </a:ext>
+            </a:extLst>
+          </p:cNvPr>
+          <p:cNvSpPr/>
+          <p:nvPr/>
+        </p:nvSpPr>
+        <p:spPr>
+          <a:xfrm>
+            <a:off x="4145855" y="3617205"/>
+            <a:ext cx="326585" cy="259559"/>
+          </a:xfrm>
+          <a:prstGeom prst="star5">
+            <a:avLst/>
+          </a:prstGeom>
+          <a:solidFill>
+            <a:schemeClr val="accent6">
+              <a:lumMod val="60000"/>
+              <a:lumOff val="40000"/>
+            </a:schemeClr>
+          </a:solidFill>
+          <a:ln>
+            <a:solidFill>
+              <a:schemeClr val="tx1"/>
+            </a:solidFill>
+          </a:ln>
+        </p:spPr>
+        <p:style>
+          <a:lnRef idx="2">
+            <a:schemeClr val="accent1">
+              <a:shade val="50000"/>
+            </a:schemeClr>
+          </a:lnRef>
+          <a:fillRef idx="1">
+            <a:schemeClr val="accent1"/>
+          </a:fillRef>
+          <a:effectRef idx="0">
+            <a:schemeClr val="accent1"/>
+          </a:effectRef>
+          <a:fontRef idx="minor">
+            <a:schemeClr val="lt1"/>
+          </a:fontRef>
+        </p:style>
+        <p:txBody>
+          <a:bodyPr rtlCol="0" anchor="ctr"/>
+          <a:lstStyle/>
+          <a:p>
+            <a:pPr algn="ctr"/>
+            <a:endParaRPr lang="en-GB"/>
+          </a:p>
+        </p:txBody>
+      </p:sp>
+      <p:sp>
+        <p:nvSpPr>
+          <p:cNvPr id="76" name="Star: 5 Points 75">
+            <a:extLst>
+              <a:ext uri="{FF2B5EF4-FFF2-40B4-BE49-F238E27FC236}">
+                <a16:creationId xmlns:a16="http://schemas.microsoft.com/office/drawing/2014/main" id="{95DBDD7D-6CC8-48CE-BA92-B469CCB1236E}"/>
+              </a:ext>
+            </a:extLst>
+          </p:cNvPr>
+          <p:cNvSpPr/>
+          <p:nvPr/>
+        </p:nvSpPr>
+        <p:spPr>
+          <a:xfrm>
+            <a:off x="5307062" y="2932012"/>
+            <a:ext cx="326585" cy="259559"/>
+          </a:xfrm>
+          <a:prstGeom prst="star5">
+            <a:avLst/>
+          </a:prstGeom>
+          <a:solidFill>
+            <a:schemeClr val="accent6">
+              <a:lumMod val="60000"/>
+              <a:lumOff val="40000"/>
+            </a:schemeClr>
+          </a:solidFill>
+          <a:ln>
+            <a:solidFill>
+              <a:schemeClr val="tx1"/>
+            </a:solidFill>
+          </a:ln>
+        </p:spPr>
+        <p:style>
+          <a:lnRef idx="2">
+            <a:schemeClr val="accent1">
+              <a:shade val="50000"/>
+            </a:schemeClr>
+          </a:lnRef>
+          <a:fillRef idx="1">
+            <a:schemeClr val="accent1"/>
+          </a:fillRef>
+          <a:effectRef idx="0">
+            <a:schemeClr val="accent1"/>
+          </a:effectRef>
+          <a:fontRef idx="minor">
+            <a:schemeClr val="lt1"/>
+          </a:fontRef>
+        </p:style>
+        <p:txBody>
+          <a:bodyPr rtlCol="0" anchor="ctr"/>
+          <a:lstStyle/>
+          <a:p>
+            <a:pPr algn="ctr"/>
+            <a:endParaRPr lang="en-GB"/>
+          </a:p>
+        </p:txBody>
+      </p:sp>
+      <p:sp>
+        <p:nvSpPr>
+          <p:cNvPr id="77" name="Star: 5 Points 76">
+            <a:extLst>
+              <a:ext uri="{FF2B5EF4-FFF2-40B4-BE49-F238E27FC236}">
+                <a16:creationId xmlns:a16="http://schemas.microsoft.com/office/drawing/2014/main" id="{83FC5362-3B57-46CB-B942-0161EDBD4AD0}"/>
+              </a:ext>
+            </a:extLst>
+          </p:cNvPr>
+          <p:cNvSpPr/>
+          <p:nvPr/>
+        </p:nvSpPr>
+        <p:spPr>
+          <a:xfrm>
+            <a:off x="5885348" y="1832984"/>
+            <a:ext cx="326585" cy="259559"/>
+          </a:xfrm>
+          <a:prstGeom prst="star5">
+            <a:avLst/>
+          </a:prstGeom>
+          <a:solidFill>
+            <a:schemeClr val="accent6">
+              <a:lumMod val="60000"/>
+              <a:lumOff val="40000"/>
+            </a:schemeClr>
+          </a:solidFill>
+          <a:ln>
+            <a:solidFill>
+              <a:schemeClr val="tx1"/>
+            </a:solidFill>
+          </a:ln>
+        </p:spPr>
+        <p:style>
+          <a:lnRef idx="2">
+            <a:schemeClr val="accent1">
+              <a:shade val="50000"/>
+            </a:schemeClr>
+          </a:lnRef>
+          <a:fillRef idx="1">
+            <a:schemeClr val="accent1"/>
+          </a:fillRef>
+          <a:effectRef idx="0">
+            <a:schemeClr val="accent1"/>
+          </a:effectRef>
+          <a:fontRef idx="minor">
+            <a:schemeClr val="lt1"/>
+          </a:fontRef>
+        </p:style>
+        <p:txBody>
+          <a:bodyPr rtlCol="0" anchor="ctr"/>
+          <a:lstStyle/>
+          <a:p>
+            <a:pPr algn="ctr"/>
+            <a:endParaRPr lang="en-GB"/>
+          </a:p>
+        </p:txBody>
+      </p:sp>
+      <p:sp>
+        <p:nvSpPr>
+          <p:cNvPr id="78" name="Star: 5 Points 77">
+            <a:extLst>
+              <a:ext uri="{FF2B5EF4-FFF2-40B4-BE49-F238E27FC236}">
+                <a16:creationId xmlns:a16="http://schemas.microsoft.com/office/drawing/2014/main" id="{12750A1B-FFF3-4E4B-9D53-393BC3F0A237}"/>
+              </a:ext>
+            </a:extLst>
+          </p:cNvPr>
+          <p:cNvSpPr/>
+          <p:nvPr/>
+        </p:nvSpPr>
+        <p:spPr>
+          <a:xfrm>
+            <a:off x="6366535" y="1040057"/>
+            <a:ext cx="326585" cy="259559"/>
+          </a:xfrm>
+          <a:prstGeom prst="star5">
+            <a:avLst/>
+          </a:prstGeom>
+          <a:solidFill>
+            <a:schemeClr val="accent6">
+              <a:lumMod val="60000"/>
+              <a:lumOff val="40000"/>
+            </a:schemeClr>
+          </a:solidFill>
+          <a:ln>
+            <a:solidFill>
+              <a:schemeClr val="tx1"/>
+            </a:solidFill>
+          </a:ln>
+        </p:spPr>
+        <p:style>
+          <a:lnRef idx="2">
+            <a:schemeClr val="accent1">
+              <a:shade val="50000"/>
+            </a:schemeClr>
+          </a:lnRef>
+          <a:fillRef idx="1">
+            <a:schemeClr val="accent1"/>
+          </a:fillRef>
+          <a:effectRef idx="0">
+            <a:schemeClr val="accent1"/>
+          </a:effectRef>
+          <a:fontRef idx="minor">
+            <a:schemeClr val="lt1"/>
+          </a:fontRef>
+        </p:style>
+        <p:txBody>
+          <a:bodyPr rtlCol="0" anchor="ctr"/>
+          <a:lstStyle/>
+          <a:p>
+            <a:pPr algn="ctr"/>
+            <a:endParaRPr lang="en-GB"/>
+          </a:p>
+        </p:txBody>
+      </p:sp>
+      <p:sp>
+        <p:nvSpPr>
+          <p:cNvPr id="79" name="TextBox 78">
+            <a:extLst>
+              <a:ext uri="{FF2B5EF4-FFF2-40B4-BE49-F238E27FC236}">
+                <a16:creationId xmlns:a16="http://schemas.microsoft.com/office/drawing/2014/main" id="{8ABE43AB-DCDF-4FC4-B1BE-AF33E917CF30}"/>
+              </a:ext>
+            </a:extLst>
+          </p:cNvPr>
+          <p:cNvSpPr txBox="1"/>
+          <p:nvPr/>
+        </p:nvSpPr>
+        <p:spPr>
+          <a:xfrm>
+            <a:off x="3615539" y="3356568"/>
+            <a:ext cx="734047" cy="369332"/>
+          </a:xfrm>
+          <a:prstGeom prst="rect">
+            <a:avLst/>
+          </a:prstGeom>
+          <a:noFill/>
+        </p:spPr>
+        <p:txBody>
+          <a:bodyPr wrap="none" rtlCol="0">
+            <a:spAutoFit/>
+          </a:bodyPr>
+          <a:lstStyle/>
+          <a:p>
+            <a:r>
+              <a:rPr lang="en-GB" dirty="0"/>
+              <a:t>COM</a:t>
+            </a:r>
+            <a:r>
+              <a:rPr lang="en-GB" baseline="-25000" dirty="0"/>
+              <a:t>1</a:t>
+            </a:r>
+          </a:p>
+        </p:txBody>
+      </p:sp>
+      <p:sp>
+        <p:nvSpPr>
+          <p:cNvPr id="80" name="TextBox 79">
+            <a:extLst>
+              <a:ext uri="{FF2B5EF4-FFF2-40B4-BE49-F238E27FC236}">
+                <a16:creationId xmlns:a16="http://schemas.microsoft.com/office/drawing/2014/main" id="{351826E0-5630-416F-97CC-6BB3456A82E3}"/>
+              </a:ext>
+            </a:extLst>
+          </p:cNvPr>
+          <p:cNvSpPr txBox="1"/>
+          <p:nvPr/>
+        </p:nvSpPr>
+        <p:spPr>
+          <a:xfrm>
+            <a:off x="5326751" y="3100423"/>
+            <a:ext cx="734047" cy="369332"/>
+          </a:xfrm>
+          <a:prstGeom prst="rect">
+            <a:avLst/>
+          </a:prstGeom>
+          <a:noFill/>
+        </p:spPr>
+        <p:txBody>
+          <a:bodyPr wrap="none" rtlCol="0">
+            <a:spAutoFit/>
+          </a:bodyPr>
+          <a:lstStyle/>
+          <a:p>
+            <a:r>
+              <a:rPr lang="en-GB" dirty="0"/>
+              <a:t>COM</a:t>
+            </a:r>
+            <a:r>
+              <a:rPr lang="en-GB" baseline="-25000" dirty="0"/>
+              <a:t>2</a:t>
+            </a:r>
+          </a:p>
+        </p:txBody>
+      </p:sp>
+      <p:sp>
+        <p:nvSpPr>
+          <p:cNvPr id="81" name="TextBox 80">
+            <a:extLst>
+              <a:ext uri="{FF2B5EF4-FFF2-40B4-BE49-F238E27FC236}">
+                <a16:creationId xmlns:a16="http://schemas.microsoft.com/office/drawing/2014/main" id="{273B11D6-F425-49BF-A82C-CDCA1A30BD19}"/>
+              </a:ext>
+            </a:extLst>
+          </p:cNvPr>
+          <p:cNvSpPr txBox="1"/>
+          <p:nvPr/>
+        </p:nvSpPr>
+        <p:spPr>
+          <a:xfrm>
+            <a:off x="5249356" y="1536481"/>
+            <a:ext cx="734047" cy="369332"/>
+          </a:xfrm>
+          <a:prstGeom prst="rect">
+            <a:avLst/>
+          </a:prstGeom>
+          <a:noFill/>
+        </p:spPr>
+        <p:txBody>
+          <a:bodyPr wrap="none" rtlCol="0">
+            <a:spAutoFit/>
+          </a:bodyPr>
+          <a:lstStyle/>
+          <a:p>
+            <a:r>
+              <a:rPr lang="en-GB" dirty="0"/>
+              <a:t>COM</a:t>
+            </a:r>
+            <a:r>
+              <a:rPr lang="en-GB" baseline="-25000" dirty="0"/>
+              <a:t>3</a:t>
+            </a:r>
+          </a:p>
+        </p:txBody>
+      </p:sp>
+      <p:sp>
+        <p:nvSpPr>
+          <p:cNvPr id="82" name="TextBox 81">
+            <a:extLst>
+              <a:ext uri="{FF2B5EF4-FFF2-40B4-BE49-F238E27FC236}">
+                <a16:creationId xmlns:a16="http://schemas.microsoft.com/office/drawing/2014/main" id="{942DF940-8E69-401F-8965-BE0815894372}"/>
+              </a:ext>
+            </a:extLst>
+          </p:cNvPr>
+          <p:cNvSpPr txBox="1"/>
+          <p:nvPr/>
+        </p:nvSpPr>
+        <p:spPr>
+          <a:xfrm>
+            <a:off x="6627621" y="1007404"/>
+            <a:ext cx="734047" cy="369332"/>
+          </a:xfrm>
+          <a:prstGeom prst="rect">
+            <a:avLst/>
+          </a:prstGeom>
+          <a:noFill/>
+        </p:spPr>
+        <p:txBody>
+          <a:bodyPr wrap="none" rtlCol="0">
+            <a:spAutoFit/>
+          </a:bodyPr>
+          <a:lstStyle/>
+          <a:p>
+            <a:r>
+              <a:rPr lang="en-GB" dirty="0"/>
+              <a:t>COM</a:t>
+            </a:r>
+            <a:r>
+              <a:rPr lang="en-GB" baseline="-25000" dirty="0"/>
+              <a:t>4</a:t>
+            </a:r>
+          </a:p>
+        </p:txBody>
+      </p:sp>
+      <p:cxnSp>
+        <p:nvCxnSpPr>
+          <p:cNvPr id="84" name="Straight Connector 83">
+            <a:extLst>
+              <a:ext uri="{FF2B5EF4-FFF2-40B4-BE49-F238E27FC236}">
+                <a16:creationId xmlns:a16="http://schemas.microsoft.com/office/drawing/2014/main" id="{7322AA61-91A1-457F-83C0-7BDFB10B9A24}"/>
+              </a:ext>
+            </a:extLst>
+          </p:cNvPr>
+          <p:cNvCxnSpPr>
+            <a:cxnSpLocks/>
+            <a:endCxn id="80" idx="2"/>
+          </p:cNvCxnSpPr>
+          <p:nvPr/>
+        </p:nvCxnSpPr>
+        <p:spPr>
+          <a:xfrm flipH="1" flipV="1">
+            <a:off x="5693775" y="3469755"/>
+            <a:ext cx="898264" cy="1308650"/>
+          </a:xfrm>
+          <a:prstGeom prst="line">
+            <a:avLst/>
+          </a:prstGeom>
+        </p:spPr>
+        <p:style>
+          <a:lnRef idx="1">
+            <a:schemeClr val="accent1"/>
+          </a:lnRef>
+          <a:fillRef idx="0">
+            <a:schemeClr val="accent1"/>
+          </a:fillRef>
+          <a:effectRef idx="0">
+            <a:schemeClr val="accent1"/>
+          </a:effectRef>
+          <a:fontRef idx="minor">
+            <a:schemeClr val="tx1"/>
+          </a:fontRef>
+        </p:style>
+      </p:cxnSp>
+      <p:cxnSp>
+        <p:nvCxnSpPr>
+          <p:cNvPr id="85" name="Straight Connector 84">
+            <a:extLst>
+              <a:ext uri="{FF2B5EF4-FFF2-40B4-BE49-F238E27FC236}">
+                <a16:creationId xmlns:a16="http://schemas.microsoft.com/office/drawing/2014/main" id="{C9916EB9-1410-49DA-982C-9621BD4F884B}"/>
+              </a:ext>
+            </a:extLst>
+          </p:cNvPr>
+          <p:cNvCxnSpPr>
+            <a:cxnSpLocks/>
+          </p:cNvCxnSpPr>
+          <p:nvPr/>
+        </p:nvCxnSpPr>
+        <p:spPr>
+          <a:xfrm flipH="1" flipV="1">
+            <a:off x="3235004" y="4615706"/>
+            <a:ext cx="830037" cy="1368129"/>
+          </a:xfrm>
+          <a:prstGeom prst="line">
+            <a:avLst/>
+          </a:prstGeom>
+        </p:spPr>
+        <p:style>
+          <a:lnRef idx="1">
+            <a:schemeClr val="accent1"/>
+          </a:lnRef>
+          <a:fillRef idx="0">
+            <a:schemeClr val="accent1"/>
+          </a:fillRef>
+          <a:effectRef idx="0">
+            <a:schemeClr val="accent1"/>
+          </a:effectRef>
+          <a:fontRef idx="minor">
+            <a:schemeClr val="tx1"/>
+          </a:fontRef>
+        </p:style>
+      </p:cxnSp>
+      <p:cxnSp>
+        <p:nvCxnSpPr>
+          <p:cNvPr id="87" name="Straight Arrow Connector 86">
+            <a:extLst>
+              <a:ext uri="{FF2B5EF4-FFF2-40B4-BE49-F238E27FC236}">
+                <a16:creationId xmlns:a16="http://schemas.microsoft.com/office/drawing/2014/main" id="{9B132206-FF07-4F0F-9312-56EE6BC75869}"/>
+              </a:ext>
+            </a:extLst>
+          </p:cNvPr>
+          <p:cNvCxnSpPr>
+            <a:stCxn id="50" idx="3"/>
+          </p:cNvCxnSpPr>
+          <p:nvPr/>
+        </p:nvCxnSpPr>
+        <p:spPr>
+          <a:xfrm flipV="1">
+            <a:off x="5477619" y="4551262"/>
+            <a:ext cx="957727" cy="629251"/>
+          </a:xfrm>
+          <a:prstGeom prst="straightConnector1">
+            <a:avLst/>
+          </a:prstGeom>
+          <a:ln>
+            <a:tailEnd type="triangle"/>
+          </a:ln>
+        </p:spPr>
+        <p:style>
+          <a:lnRef idx="1">
+            <a:schemeClr val="accent1"/>
+          </a:lnRef>
+          <a:fillRef idx="0">
+            <a:schemeClr val="accent1"/>
+          </a:fillRef>
+          <a:effectRef idx="0">
+            <a:schemeClr val="accent1"/>
+          </a:effectRef>
+          <a:fontRef idx="minor">
+            <a:schemeClr val="tx1"/>
+          </a:fontRef>
+        </p:style>
+      </p:cxnSp>
+      <p:cxnSp>
+        <p:nvCxnSpPr>
+          <p:cNvPr id="89" name="Straight Arrow Connector 88">
+            <a:extLst>
+              <a:ext uri="{FF2B5EF4-FFF2-40B4-BE49-F238E27FC236}">
+                <a16:creationId xmlns:a16="http://schemas.microsoft.com/office/drawing/2014/main" id="{622BF363-0470-4B95-95D0-BBEA3B0D7A89}"/>
+              </a:ext>
+            </a:extLst>
+          </p:cNvPr>
+          <p:cNvCxnSpPr>
+            <a:cxnSpLocks/>
+          </p:cNvCxnSpPr>
+          <p:nvPr/>
+        </p:nvCxnSpPr>
+        <p:spPr>
+          <a:xfrm flipH="1">
+            <a:off x="4007776" y="5299652"/>
+            <a:ext cx="1134061" cy="637099"/>
+          </a:xfrm>
+          <a:prstGeom prst="straightConnector1">
+            <a:avLst/>
+          </a:prstGeom>
+          <a:ln>
+            <a:tailEnd type="triangle"/>
+          </a:ln>
+        </p:spPr>
+        <p:style>
+          <a:lnRef idx="1">
+            <a:schemeClr val="accent1"/>
+          </a:lnRef>
+          <a:fillRef idx="0">
+            <a:schemeClr val="accent1"/>
+          </a:fillRef>
+          <a:effectRef idx="0">
+            <a:schemeClr val="accent1"/>
+          </a:effectRef>
+          <a:fontRef idx="minor">
+            <a:schemeClr val="tx1"/>
+          </a:fontRef>
+        </p:style>
+      </p:cxnSp>
+      <p:cxnSp>
+        <p:nvCxnSpPr>
+          <p:cNvPr id="92" name="Straight Connector 91">
+            <a:extLst>
+              <a:ext uri="{FF2B5EF4-FFF2-40B4-BE49-F238E27FC236}">
+                <a16:creationId xmlns:a16="http://schemas.microsoft.com/office/drawing/2014/main" id="{E7022F1E-D523-4659-9343-90446204E69D}"/>
+              </a:ext>
+            </a:extLst>
+          </p:cNvPr>
+          <p:cNvCxnSpPr>
+            <a:cxnSpLocks/>
+            <a:stCxn id="82" idx="2"/>
+          </p:cNvCxnSpPr>
+          <p:nvPr/>
+        </p:nvCxnSpPr>
+        <p:spPr>
+          <a:xfrm>
+            <a:off x="6994645" y="1376736"/>
+            <a:ext cx="1244677" cy="432302"/>
+          </a:xfrm>
+          <a:prstGeom prst="line">
+            <a:avLst/>
+          </a:prstGeom>
+        </p:spPr>
+        <p:style>
+          <a:lnRef idx="1">
+            <a:schemeClr val="accent1"/>
+          </a:lnRef>
+          <a:fillRef idx="0">
+            <a:schemeClr val="accent1"/>
+          </a:fillRef>
+          <a:effectRef idx="0">
+            <a:schemeClr val="accent1"/>
+          </a:effectRef>
+          <a:fontRef idx="minor">
+            <a:schemeClr val="tx1"/>
+          </a:fontRef>
+        </p:style>
+      </p:cxnSp>
+      <p:cxnSp>
+        <p:nvCxnSpPr>
+          <p:cNvPr id="93" name="Straight Connector 92">
+            <a:extLst>
+              <a:ext uri="{FF2B5EF4-FFF2-40B4-BE49-F238E27FC236}">
+                <a16:creationId xmlns:a16="http://schemas.microsoft.com/office/drawing/2014/main" id="{415FCF5E-F471-482D-BF1B-2A87C7775C25}"/>
+              </a:ext>
+            </a:extLst>
+          </p:cNvPr>
+          <p:cNvCxnSpPr>
+            <a:cxnSpLocks/>
+            <a:stCxn id="80" idx="3"/>
+          </p:cNvCxnSpPr>
+          <p:nvPr/>
+        </p:nvCxnSpPr>
+        <p:spPr>
+          <a:xfrm>
+            <a:off x="6060798" y="3285089"/>
+            <a:ext cx="1193516" cy="447693"/>
+          </a:xfrm>
+          <a:prstGeom prst="line">
+            <a:avLst/>
+          </a:prstGeom>
+        </p:spPr>
+        <p:style>
+          <a:lnRef idx="1">
+            <a:schemeClr val="accent1"/>
+          </a:lnRef>
+          <a:fillRef idx="0">
+            <a:schemeClr val="accent1"/>
+          </a:fillRef>
+          <a:effectRef idx="0">
+            <a:schemeClr val="accent1"/>
+          </a:effectRef>
+          <a:fontRef idx="minor">
+            <a:schemeClr val="tx1"/>
+          </a:fontRef>
+        </p:style>
+      </p:cxnSp>
+      <p:cxnSp>
+        <p:nvCxnSpPr>
+          <p:cNvPr id="99" name="Straight Arrow Connector 98">
+            <a:extLst>
+              <a:ext uri="{FF2B5EF4-FFF2-40B4-BE49-F238E27FC236}">
+                <a16:creationId xmlns:a16="http://schemas.microsoft.com/office/drawing/2014/main" id="{756CF165-D412-4236-BA66-CC20C41CAB7D}"/>
+              </a:ext>
+            </a:extLst>
+          </p:cNvPr>
+          <p:cNvCxnSpPr>
+            <a:stCxn id="51" idx="0"/>
+          </p:cNvCxnSpPr>
+          <p:nvPr/>
+        </p:nvCxnSpPr>
+        <p:spPr>
+          <a:xfrm flipV="1">
+            <a:off x="7793792" y="1730105"/>
+            <a:ext cx="279397" cy="714622"/>
+          </a:xfrm>
+          <a:prstGeom prst="straightConnector1">
+            <a:avLst/>
+          </a:prstGeom>
+          <a:ln>
+            <a:tailEnd type="triangle"/>
+          </a:ln>
+        </p:spPr>
+        <p:style>
+          <a:lnRef idx="1">
+            <a:schemeClr val="accent1"/>
+          </a:lnRef>
+          <a:fillRef idx="0">
+            <a:schemeClr val="accent1"/>
+          </a:fillRef>
+          <a:effectRef idx="0">
+            <a:schemeClr val="accent1"/>
+          </a:effectRef>
+          <a:fontRef idx="minor">
+            <a:schemeClr val="tx1"/>
+          </a:fontRef>
+        </p:style>
+      </p:cxnSp>
+      <p:cxnSp>
+        <p:nvCxnSpPr>
+          <p:cNvPr id="101" name="Straight Arrow Connector 100">
+            <a:extLst>
+              <a:ext uri="{FF2B5EF4-FFF2-40B4-BE49-F238E27FC236}">
+                <a16:creationId xmlns:a16="http://schemas.microsoft.com/office/drawing/2014/main" id="{2AD33B14-1C9F-4C9E-A838-8CBF3031402D}"/>
+              </a:ext>
+            </a:extLst>
+          </p:cNvPr>
+          <p:cNvCxnSpPr/>
+          <p:nvPr/>
+        </p:nvCxnSpPr>
+        <p:spPr>
+          <a:xfrm flipH="1">
+            <a:off x="7254314" y="2814059"/>
+            <a:ext cx="358980" cy="878039"/>
+          </a:xfrm>
+          <a:prstGeom prst="straightConnector1">
+            <a:avLst/>
+          </a:prstGeom>
+          <a:ln>
+            <a:tailEnd type="triangle"/>
+          </a:ln>
+        </p:spPr>
+        <p:style>
+          <a:lnRef idx="1">
+            <a:schemeClr val="accent1"/>
+          </a:lnRef>
+          <a:fillRef idx="0">
+            <a:schemeClr val="accent1"/>
+          </a:fillRef>
+          <a:effectRef idx="0">
+            <a:schemeClr val="accent1"/>
+          </a:effectRef>
+          <a:fontRef idx="minor">
+            <a:schemeClr val="tx1"/>
+          </a:fontRef>
+        </p:style>
+      </p:cxnSp>
+    </p:spTree>
+    <p:extLst>
+      <p:ext uri="{BB962C8B-B14F-4D97-AF65-F5344CB8AC3E}">
+        <p14:creationId xmlns:p14="http://schemas.microsoft.com/office/powerpoint/2010/main" val="3464144796"/>
+      </p:ext>
+    </p:extLst>
+  </p:cSld>
+  <p:clrMapOvr>
+    <a:masterClrMapping/>
+  </p:clrMapOvr>
+</p:sld>
+</file>
+
+<file path=ppt/slides/slide6.xml><?xml version="1.0" encoding="utf-8"?>
+<p:sld xmlns:a="http://schemas.openxmlformats.org/drawingml/2006/main" xmlns:r="http://schemas.openxmlformats.org/officeDocument/2006/relationships" xmlns:p="http://schemas.openxmlformats.org/presentationml/2006/main">
+  <p:cSld>
+    <p:spTree>
+      <p:nvGrpSpPr>
+        <p:cNvPr id="1" name=""/>
+        <p:cNvGrpSpPr/>
+        <p:nvPr/>
+      </p:nvGrpSpPr>
+      <p:grpSpPr>
+        <a:xfrm>
+          <a:off x="0" y="0"/>
+          <a:ext cx="0" cy="0"/>
+          <a:chOff x="0" y="0"/>
+          <a:chExt cx="0" cy="0"/>
+        </a:xfrm>
+      </p:grpSpPr>
+      <p:sp>
+        <p:nvSpPr>
+          <p:cNvPr id="50" name="TextBox 49">
+            <a:extLst>
+              <a:ext uri="{FF2B5EF4-FFF2-40B4-BE49-F238E27FC236}">
+                <a16:creationId xmlns:a16="http://schemas.microsoft.com/office/drawing/2014/main" id="{1E892D52-E31E-4B70-B80D-590F236F40AC}"/>
+              </a:ext>
+            </a:extLst>
+          </p:cNvPr>
+          <p:cNvSpPr txBox="1"/>
+          <p:nvPr/>
+        </p:nvSpPr>
+        <p:spPr>
+          <a:xfrm>
+            <a:off x="5116623" y="4995847"/>
+            <a:ext cx="360996" cy="369332"/>
+          </a:xfrm>
+          <a:prstGeom prst="rect">
+            <a:avLst/>
+          </a:prstGeom>
+          <a:noFill/>
+        </p:spPr>
+        <p:txBody>
+          <a:bodyPr wrap="none" rtlCol="0">
+            <a:spAutoFit/>
+          </a:bodyPr>
+          <a:lstStyle/>
+          <a:p>
+            <a:r>
+              <a:rPr lang="en-GB" dirty="0"/>
+              <a:t>L</a:t>
+            </a:r>
+            <a:r>
+              <a:rPr lang="en-GB" baseline="-25000" dirty="0"/>
+              <a:t>0</a:t>
+            </a:r>
+          </a:p>
+        </p:txBody>
+      </p:sp>
+      <p:sp>
+        <p:nvSpPr>
+          <p:cNvPr id="51" name="TextBox 50">
+            <a:extLst>
+              <a:ext uri="{FF2B5EF4-FFF2-40B4-BE49-F238E27FC236}">
+                <a16:creationId xmlns:a16="http://schemas.microsoft.com/office/drawing/2014/main" id="{5EB65662-848A-45BD-966D-B76C10DF41B8}"/>
+              </a:ext>
+            </a:extLst>
+          </p:cNvPr>
+          <p:cNvSpPr txBox="1"/>
+          <p:nvPr/>
+        </p:nvSpPr>
+        <p:spPr>
+          <a:xfrm>
+            <a:off x="7613294" y="2444727"/>
+            <a:ext cx="360996" cy="369332"/>
+          </a:xfrm>
+          <a:prstGeom prst="rect">
+            <a:avLst/>
+          </a:prstGeom>
+          <a:noFill/>
+        </p:spPr>
+        <p:txBody>
+          <a:bodyPr wrap="none" rtlCol="0">
+            <a:spAutoFit/>
+          </a:bodyPr>
+          <a:lstStyle/>
+          <a:p>
+            <a:r>
+              <a:rPr lang="en-GB" dirty="0"/>
+              <a:t>L</a:t>
+            </a:r>
+            <a:r>
+              <a:rPr lang="en-GB" baseline="-25000" dirty="0"/>
+              <a:t>1</a:t>
+            </a:r>
+          </a:p>
+        </p:txBody>
+      </p:sp>
+      <p:sp>
+        <p:nvSpPr>
+          <p:cNvPr id="52" name="Arc 51">
+            <a:extLst>
+              <a:ext uri="{FF2B5EF4-FFF2-40B4-BE49-F238E27FC236}">
+                <a16:creationId xmlns:a16="http://schemas.microsoft.com/office/drawing/2014/main" id="{637BB9C5-E886-4F69-8248-A7AED4E2F166}"/>
+              </a:ext>
+            </a:extLst>
+          </p:cNvPr>
+          <p:cNvSpPr/>
+          <p:nvPr/>
+        </p:nvSpPr>
+        <p:spPr>
+          <a:xfrm>
+            <a:off x="4664754" y="3429001"/>
+            <a:ext cx="477083" cy="1951382"/>
+          </a:xfrm>
+          <a:prstGeom prst="arc">
+            <a:avLst>
+              <a:gd name="adj1" fmla="val 16044062"/>
+              <a:gd name="adj2" fmla="val 465274"/>
+            </a:avLst>
+          </a:prstGeom>
+          <a:ln>
+            <a:solidFill>
+              <a:srgbClr val="FF0000"/>
+            </a:solidFill>
+          </a:ln>
+        </p:spPr>
+        <p:style>
+          <a:lnRef idx="1">
+            <a:schemeClr val="accent1"/>
+          </a:lnRef>
+          <a:fillRef idx="0">
+            <a:schemeClr val="accent1"/>
+          </a:fillRef>
+          <a:effectRef idx="0">
+            <a:schemeClr val="accent1"/>
+          </a:effectRef>
+          <a:fontRef idx="minor">
+            <a:schemeClr val="tx1"/>
+          </a:fontRef>
+        </p:style>
+        <p:txBody>
+          <a:bodyPr rtlCol="0" anchor="ctr"/>
+          <a:lstStyle/>
+          <a:p>
+            <a:pPr algn="ctr"/>
+            <a:endParaRPr lang="en-GB"/>
+          </a:p>
+        </p:txBody>
+      </p:sp>
+      <p:grpSp>
+        <p:nvGrpSpPr>
+          <p:cNvPr id="73" name="Group 72">
+            <a:extLst>
+              <a:ext uri="{FF2B5EF4-FFF2-40B4-BE49-F238E27FC236}">
+                <a16:creationId xmlns:a16="http://schemas.microsoft.com/office/drawing/2014/main" id="{5EBA46E1-7344-4871-A07B-9152242DE124}"/>
+              </a:ext>
+            </a:extLst>
+          </p:cNvPr>
+          <p:cNvGrpSpPr/>
+          <p:nvPr/>
+        </p:nvGrpSpPr>
+        <p:grpSpPr>
+          <a:xfrm>
+            <a:off x="2982787" y="393280"/>
+            <a:ext cx="4557734" cy="4342648"/>
+            <a:chOff x="2982787" y="393280"/>
+            <a:chExt cx="4557734" cy="4342648"/>
+          </a:xfrm>
+        </p:grpSpPr>
+        <p:cxnSp>
+          <p:nvCxnSpPr>
+            <p:cNvPr id="68" name="Straight Arrow Connector 67">
+              <a:extLst>
+                <a:ext uri="{FF2B5EF4-FFF2-40B4-BE49-F238E27FC236}">
+                  <a16:creationId xmlns:a16="http://schemas.microsoft.com/office/drawing/2014/main" id="{CEE33FEA-8163-4993-A1A8-DD8D4EC47803}"/>
+                </a:ext>
+              </a:extLst>
+            </p:cNvPr>
+            <p:cNvCxnSpPr>
+              <a:cxnSpLocks/>
+            </p:cNvCxnSpPr>
+            <p:nvPr/>
+          </p:nvCxnSpPr>
+          <p:spPr>
+            <a:xfrm flipH="1" flipV="1">
+              <a:off x="6048641" y="921152"/>
+              <a:ext cx="418975" cy="244060"/>
+            </a:xfrm>
+            <a:prstGeom prst="straightConnector1">
+              <a:avLst/>
+            </a:prstGeom>
+            <a:ln w="38100">
+              <a:solidFill>
+                <a:srgbClr val="0070C0"/>
+              </a:solidFill>
+              <a:tailEnd type="triangle"/>
+            </a:ln>
+          </p:spPr>
+          <p:style>
+            <a:lnRef idx="1">
+              <a:schemeClr val="accent1"/>
+            </a:lnRef>
+            <a:fillRef idx="0">
+              <a:schemeClr val="accent1"/>
+            </a:fillRef>
+            <a:effectRef idx="0">
+              <a:schemeClr val="accent1"/>
+            </a:effectRef>
+            <a:fontRef idx="minor">
+              <a:schemeClr val="tx1"/>
+            </a:fontRef>
+          </p:style>
+        </p:cxnSp>
+        <p:cxnSp>
+          <p:nvCxnSpPr>
+            <p:cNvPr id="66" name="Straight Arrow Connector 65">
+              <a:extLst>
+                <a:ext uri="{FF2B5EF4-FFF2-40B4-BE49-F238E27FC236}">
+                  <a16:creationId xmlns:a16="http://schemas.microsoft.com/office/drawing/2014/main" id="{E1CE42AB-56E5-445B-93EA-B60E5D8BD076}"/>
+                </a:ext>
+              </a:extLst>
+            </p:cNvPr>
+            <p:cNvCxnSpPr>
+              <a:cxnSpLocks/>
+            </p:cNvCxnSpPr>
+            <p:nvPr/>
+          </p:nvCxnSpPr>
+          <p:spPr>
+            <a:xfrm flipV="1">
+              <a:off x="6519153" y="683635"/>
+              <a:ext cx="220081" cy="491980"/>
+            </a:xfrm>
+            <a:prstGeom prst="straightConnector1">
+              <a:avLst/>
+            </a:prstGeom>
+            <a:ln w="38100">
+              <a:solidFill>
+                <a:srgbClr val="0070C0"/>
+              </a:solidFill>
+              <a:tailEnd type="triangle"/>
+            </a:ln>
+          </p:spPr>
+          <p:style>
+            <a:lnRef idx="1">
+              <a:schemeClr val="accent1"/>
+            </a:lnRef>
+            <a:fillRef idx="0">
+              <a:schemeClr val="accent1"/>
+            </a:fillRef>
+            <a:effectRef idx="0">
+              <a:schemeClr val="accent1"/>
+            </a:effectRef>
+            <a:fontRef idx="minor">
+              <a:schemeClr val="tx1"/>
+            </a:fontRef>
+          </p:style>
+        </p:cxnSp>
+        <p:cxnSp>
+          <p:nvCxnSpPr>
+            <p:cNvPr id="59" name="Straight Connector 58">
+              <a:extLst>
+                <a:ext uri="{FF2B5EF4-FFF2-40B4-BE49-F238E27FC236}">
+                  <a16:creationId xmlns:a16="http://schemas.microsoft.com/office/drawing/2014/main" id="{B24D5581-2BD7-4C70-BAA7-E09D1D65330A}"/>
+                </a:ext>
+              </a:extLst>
+            </p:cNvPr>
+            <p:cNvCxnSpPr>
+              <a:cxnSpLocks/>
+              <a:stCxn id="45" idx="6"/>
+            </p:cNvCxnSpPr>
+            <p:nvPr/>
+          </p:nvCxnSpPr>
+          <p:spPr>
+            <a:xfrm>
+              <a:off x="3240155" y="4439478"/>
+              <a:ext cx="4300366" cy="0"/>
+            </a:xfrm>
+            <a:prstGeom prst="line">
+              <a:avLst/>
+            </a:prstGeom>
+            <a:ln>
+              <a:solidFill>
+                <a:srgbClr val="FF0000"/>
+              </a:solidFill>
+              <a:prstDash val="lgDash"/>
+            </a:ln>
+          </p:spPr>
+          <p:style>
+            <a:lnRef idx="1">
+              <a:schemeClr val="accent1"/>
+            </a:lnRef>
+            <a:fillRef idx="0">
+              <a:schemeClr val="accent1"/>
+            </a:fillRef>
+            <a:effectRef idx="0">
+              <a:schemeClr val="accent1"/>
+            </a:effectRef>
+            <a:fontRef idx="minor">
+              <a:schemeClr val="tx1"/>
+            </a:fontRef>
+          </p:style>
+        </p:cxnSp>
+        <p:cxnSp>
+          <p:nvCxnSpPr>
+            <p:cNvPr id="60" name="Straight Arrow Connector 59">
+              <a:extLst>
+                <a:ext uri="{FF2B5EF4-FFF2-40B4-BE49-F238E27FC236}">
+                  <a16:creationId xmlns:a16="http://schemas.microsoft.com/office/drawing/2014/main" id="{C79CB31D-C38B-4704-B4E4-91F66F5FD256}"/>
+                </a:ext>
+              </a:extLst>
+            </p:cNvPr>
+            <p:cNvCxnSpPr>
+              <a:cxnSpLocks/>
+            </p:cNvCxnSpPr>
+            <p:nvPr/>
+          </p:nvCxnSpPr>
+          <p:spPr>
+            <a:xfrm flipH="1" flipV="1">
+              <a:off x="5246934" y="2613681"/>
+              <a:ext cx="249656" cy="429591"/>
+            </a:xfrm>
+            <a:prstGeom prst="straightConnector1">
+              <a:avLst/>
+            </a:prstGeom>
+            <a:ln w="38100">
+              <a:solidFill>
+                <a:srgbClr val="0070C0"/>
+              </a:solidFill>
+              <a:tailEnd type="triangle"/>
+            </a:ln>
+          </p:spPr>
+          <p:style>
+            <a:lnRef idx="1">
+              <a:schemeClr val="accent1"/>
+            </a:lnRef>
+            <a:fillRef idx="0">
+              <a:schemeClr val="accent1"/>
+            </a:fillRef>
+            <a:effectRef idx="0">
+              <a:schemeClr val="accent1"/>
+            </a:effectRef>
+            <a:fontRef idx="minor">
+              <a:schemeClr val="tx1"/>
+            </a:fontRef>
+          </p:style>
+        </p:cxnSp>
+        <p:cxnSp>
+          <p:nvCxnSpPr>
+            <p:cNvPr id="36" name="Straight Arrow Connector 35">
+              <a:extLst>
+                <a:ext uri="{FF2B5EF4-FFF2-40B4-BE49-F238E27FC236}">
+                  <a16:creationId xmlns:a16="http://schemas.microsoft.com/office/drawing/2014/main" id="{D9C1C992-3E84-454D-B534-50816E43F20E}"/>
+                </a:ext>
+              </a:extLst>
+            </p:cNvPr>
+            <p:cNvCxnSpPr>
+              <a:cxnSpLocks/>
+            </p:cNvCxnSpPr>
+            <p:nvPr/>
+          </p:nvCxnSpPr>
+          <p:spPr>
+            <a:xfrm>
+              <a:off x="3193774" y="4439478"/>
+              <a:ext cx="427731" cy="0"/>
+            </a:xfrm>
+            <a:prstGeom prst="straightConnector1">
+              <a:avLst/>
+            </a:prstGeom>
+            <a:ln w="38100">
+              <a:solidFill>
+                <a:srgbClr val="0070C0"/>
+              </a:solidFill>
+              <a:tailEnd type="triangle"/>
+            </a:ln>
+          </p:spPr>
+          <p:style>
+            <a:lnRef idx="1">
+              <a:schemeClr val="accent1"/>
+            </a:lnRef>
+            <a:fillRef idx="0">
+              <a:schemeClr val="accent1"/>
+            </a:fillRef>
+            <a:effectRef idx="0">
+              <a:schemeClr val="accent1"/>
+            </a:effectRef>
+            <a:fontRef idx="minor">
+              <a:schemeClr val="tx1"/>
+            </a:fontRef>
+          </p:style>
+        </p:cxnSp>
+        <p:cxnSp>
+          <p:nvCxnSpPr>
+            <p:cNvPr id="42" name="Straight Arrow Connector 41">
+              <a:extLst>
+                <a:ext uri="{FF2B5EF4-FFF2-40B4-BE49-F238E27FC236}">
+                  <a16:creationId xmlns:a16="http://schemas.microsoft.com/office/drawing/2014/main" id="{ABB29D66-3ACC-4700-BE28-399D1E3AAA14}"/>
+                </a:ext>
+              </a:extLst>
+            </p:cNvPr>
+            <p:cNvCxnSpPr>
+              <a:cxnSpLocks/>
+            </p:cNvCxnSpPr>
+            <p:nvPr/>
+          </p:nvCxnSpPr>
+          <p:spPr>
+            <a:xfrm flipV="1">
+              <a:off x="3167270" y="4042611"/>
+              <a:ext cx="0" cy="396867"/>
+            </a:xfrm>
+            <a:prstGeom prst="straightConnector1">
+              <a:avLst/>
+            </a:prstGeom>
+            <a:ln w="38100">
+              <a:solidFill>
+                <a:srgbClr val="0070C0"/>
+              </a:solidFill>
+              <a:tailEnd type="triangle"/>
+            </a:ln>
+          </p:spPr>
+          <p:style>
+            <a:lnRef idx="1">
+              <a:schemeClr val="accent1"/>
+            </a:lnRef>
+            <a:fillRef idx="0">
+              <a:schemeClr val="accent1"/>
+            </a:fillRef>
+            <a:effectRef idx="0">
+              <a:schemeClr val="accent1"/>
+            </a:effectRef>
+            <a:fontRef idx="minor">
+              <a:schemeClr val="tx1"/>
+            </a:fontRef>
+          </p:style>
+        </p:cxnSp>
+        <p:sp>
+          <p:nvSpPr>
+            <p:cNvPr id="43" name="TextBox 42">
+              <a:extLst>
+                <a:ext uri="{FF2B5EF4-FFF2-40B4-BE49-F238E27FC236}">
+                  <a16:creationId xmlns:a16="http://schemas.microsoft.com/office/drawing/2014/main" id="{15D28F38-FCC7-451C-BCF3-001919384333}"/>
+                </a:ext>
+              </a:extLst>
+            </p:cNvPr>
+            <p:cNvSpPr txBox="1"/>
+            <p:nvPr/>
+          </p:nvSpPr>
+          <p:spPr>
+            <a:xfrm>
+              <a:off x="2982787" y="3692098"/>
+              <a:ext cx="367408" cy="369332"/>
+            </a:xfrm>
+            <a:prstGeom prst="rect">
+              <a:avLst/>
+            </a:prstGeom>
+            <a:noFill/>
+          </p:spPr>
+          <p:txBody>
+            <a:bodyPr wrap="none" rtlCol="0">
+              <a:spAutoFit/>
+            </a:bodyPr>
+            <a:lstStyle/>
+            <a:p>
+              <a:r>
+                <a:rPr lang="en-GB" dirty="0">
+                  <a:solidFill>
+                    <a:srgbClr val="0070C0"/>
+                  </a:solidFill>
+                </a:rPr>
+                <a:t>y</a:t>
+              </a:r>
+              <a:r>
+                <a:rPr lang="en-GB" baseline="-25000" dirty="0">
+                  <a:solidFill>
+                    <a:srgbClr val="0070C0"/>
+                  </a:solidFill>
+                </a:rPr>
+                <a:t>0</a:t>
+              </a:r>
+            </a:p>
+          </p:txBody>
+        </p:sp>
+        <p:sp>
+          <p:nvSpPr>
+            <p:cNvPr id="44" name="TextBox 43">
+              <a:extLst>
+                <a:ext uri="{FF2B5EF4-FFF2-40B4-BE49-F238E27FC236}">
+                  <a16:creationId xmlns:a16="http://schemas.microsoft.com/office/drawing/2014/main" id="{F495E7B9-3DAD-4BB5-BD67-C6FF4E7DDC83}"/>
+                </a:ext>
+              </a:extLst>
+            </p:cNvPr>
+            <p:cNvSpPr txBox="1"/>
+            <p:nvPr/>
+          </p:nvSpPr>
+          <p:spPr>
+            <a:xfrm>
+              <a:off x="3461460" y="4366596"/>
+              <a:ext cx="362600" cy="369332"/>
+            </a:xfrm>
+            <a:prstGeom prst="rect">
+              <a:avLst/>
+            </a:prstGeom>
+            <a:noFill/>
+          </p:spPr>
+          <p:txBody>
+            <a:bodyPr wrap="none" rtlCol="0">
+              <a:spAutoFit/>
+            </a:bodyPr>
+            <a:lstStyle/>
+            <a:p>
+              <a:r>
+                <a:rPr lang="en-GB" dirty="0">
+                  <a:solidFill>
+                    <a:srgbClr val="0070C0"/>
+                  </a:solidFill>
+                </a:rPr>
+                <a:t>x</a:t>
+              </a:r>
+              <a:r>
+                <a:rPr lang="en-GB" baseline="-25000" dirty="0">
+                  <a:solidFill>
+                    <a:srgbClr val="0070C0"/>
+                  </a:solidFill>
+                </a:rPr>
+                <a:t>0</a:t>
+              </a:r>
+            </a:p>
+          </p:txBody>
+        </p:sp>
+        <p:sp>
+          <p:nvSpPr>
+            <p:cNvPr id="45" name="Oval 44">
+              <a:extLst>
+                <a:ext uri="{FF2B5EF4-FFF2-40B4-BE49-F238E27FC236}">
+                  <a16:creationId xmlns:a16="http://schemas.microsoft.com/office/drawing/2014/main" id="{8353218E-4686-49CC-8C2A-63A6AA5BC87D}"/>
+                </a:ext>
+              </a:extLst>
+            </p:cNvPr>
+            <p:cNvSpPr/>
+            <p:nvPr/>
+          </p:nvSpPr>
+          <p:spPr>
+            <a:xfrm>
+              <a:off x="3094384" y="4366596"/>
+              <a:ext cx="145771" cy="145763"/>
+            </a:xfrm>
+            <a:prstGeom prst="ellipse">
+              <a:avLst/>
+            </a:prstGeom>
+            <a:solidFill>
+              <a:schemeClr val="tx1"/>
+            </a:solidFill>
+            <a:ln>
+              <a:solidFill>
+                <a:schemeClr val="tx1"/>
+              </a:solidFill>
+            </a:ln>
+          </p:spPr>
+          <p:style>
+            <a:lnRef idx="2">
+              <a:schemeClr val="accent1">
+                <a:shade val="50000"/>
+              </a:schemeClr>
+            </a:lnRef>
+            <a:fillRef idx="1">
+              <a:schemeClr val="accent1"/>
+            </a:fillRef>
+            <a:effectRef idx="0">
+              <a:schemeClr val="accent1"/>
+            </a:effectRef>
+            <a:fontRef idx="minor">
+              <a:schemeClr val="lt1"/>
+            </a:fontRef>
+          </p:style>
+          <p:txBody>
+            <a:bodyPr rtlCol="0" anchor="ctr"/>
+            <a:lstStyle/>
+            <a:p>
+              <a:pPr algn="ctr"/>
+              <a:endParaRPr lang="en-GB"/>
+            </a:p>
+          </p:txBody>
+        </p:sp>
+        <p:sp>
+          <p:nvSpPr>
+            <p:cNvPr id="46" name="Oval 45">
+              <a:extLst>
+                <a:ext uri="{FF2B5EF4-FFF2-40B4-BE49-F238E27FC236}">
+                  <a16:creationId xmlns:a16="http://schemas.microsoft.com/office/drawing/2014/main" id="{165B096C-1CC7-415E-BA57-EC8709F4DA32}"/>
+                </a:ext>
+              </a:extLst>
+            </p:cNvPr>
+            <p:cNvSpPr/>
+            <p:nvPr/>
+          </p:nvSpPr>
+          <p:spPr>
+            <a:xfrm>
+              <a:off x="5409722" y="2983218"/>
+              <a:ext cx="145771" cy="145763"/>
+            </a:xfrm>
+            <a:prstGeom prst="ellipse">
+              <a:avLst/>
+            </a:prstGeom>
+            <a:solidFill>
+              <a:schemeClr val="tx1"/>
+            </a:solidFill>
+            <a:ln>
+              <a:solidFill>
+                <a:schemeClr val="tx1"/>
+              </a:solidFill>
+            </a:ln>
+          </p:spPr>
+          <p:style>
+            <a:lnRef idx="2">
+              <a:schemeClr val="accent1">
+                <a:shade val="50000"/>
+              </a:schemeClr>
+            </a:lnRef>
+            <a:fillRef idx="1">
+              <a:schemeClr val="accent1"/>
+            </a:fillRef>
+            <a:effectRef idx="0">
+              <a:schemeClr val="accent1"/>
+            </a:effectRef>
+            <a:fontRef idx="minor">
+              <a:schemeClr val="lt1"/>
+            </a:fontRef>
+          </p:style>
+          <p:txBody>
+            <a:bodyPr rtlCol="0" anchor="ctr"/>
+            <a:lstStyle/>
+            <a:p>
+              <a:pPr algn="ctr"/>
+              <a:endParaRPr lang="en-GB"/>
+            </a:p>
+          </p:txBody>
+        </p:sp>
+        <p:sp>
+          <p:nvSpPr>
+            <p:cNvPr id="47" name="Oval 46">
+              <a:extLst>
+                <a:ext uri="{FF2B5EF4-FFF2-40B4-BE49-F238E27FC236}">
+                  <a16:creationId xmlns:a16="http://schemas.microsoft.com/office/drawing/2014/main" id="{AF260927-6028-4453-B769-E16A2C374A1F}"/>
+                </a:ext>
+              </a:extLst>
+            </p:cNvPr>
+            <p:cNvSpPr/>
+            <p:nvPr/>
+          </p:nvSpPr>
+          <p:spPr>
+            <a:xfrm>
+              <a:off x="6446268" y="1106556"/>
+              <a:ext cx="145771" cy="145763"/>
+            </a:xfrm>
+            <a:prstGeom prst="ellipse">
+              <a:avLst/>
+            </a:prstGeom>
+            <a:solidFill>
+              <a:schemeClr val="tx1"/>
+            </a:solidFill>
+            <a:ln>
+              <a:solidFill>
+                <a:schemeClr val="tx1"/>
+              </a:solidFill>
+            </a:ln>
+          </p:spPr>
+          <p:style>
+            <a:lnRef idx="2">
+              <a:schemeClr val="accent1">
+                <a:shade val="50000"/>
+              </a:schemeClr>
+            </a:lnRef>
+            <a:fillRef idx="1">
+              <a:schemeClr val="accent1"/>
+            </a:fillRef>
+            <a:effectRef idx="0">
+              <a:schemeClr val="accent1"/>
+            </a:effectRef>
+            <a:fontRef idx="minor">
+              <a:schemeClr val="lt1"/>
+            </a:fontRef>
+          </p:style>
+          <p:txBody>
+            <a:bodyPr rtlCol="0" anchor="ctr"/>
+            <a:lstStyle/>
+            <a:p>
+              <a:pPr algn="ctr"/>
+              <a:endParaRPr lang="en-GB"/>
+            </a:p>
+          </p:txBody>
+        </p:sp>
+        <p:cxnSp>
+          <p:nvCxnSpPr>
+            <p:cNvPr id="48" name="Straight Connector 47">
+              <a:extLst>
+                <a:ext uri="{FF2B5EF4-FFF2-40B4-BE49-F238E27FC236}">
+                  <a16:creationId xmlns:a16="http://schemas.microsoft.com/office/drawing/2014/main" id="{C087BC31-6F9B-4EF6-BEE7-DE82D2D6502A}"/>
+                </a:ext>
+              </a:extLst>
+            </p:cNvPr>
+            <p:cNvCxnSpPr>
+              <a:cxnSpLocks/>
+              <a:stCxn id="45" idx="3"/>
+              <a:endCxn id="46" idx="3"/>
+            </p:cNvCxnSpPr>
+            <p:nvPr/>
+          </p:nvCxnSpPr>
+          <p:spPr>
+            <a:xfrm flipV="1">
+              <a:off x="3115732" y="3107635"/>
+              <a:ext cx="2315338" cy="1383378"/>
+            </a:xfrm>
+            <a:prstGeom prst="line">
+              <a:avLst/>
+            </a:prstGeom>
+            <a:ln w="28575">
+              <a:solidFill>
+                <a:schemeClr val="tx1"/>
+              </a:solidFill>
+            </a:ln>
+          </p:spPr>
+          <p:style>
+            <a:lnRef idx="1">
+              <a:schemeClr val="accent1"/>
+            </a:lnRef>
+            <a:fillRef idx="0">
+              <a:schemeClr val="accent1"/>
+            </a:fillRef>
+            <a:effectRef idx="0">
+              <a:schemeClr val="accent1"/>
+            </a:effectRef>
+            <a:fontRef idx="minor">
+              <a:schemeClr val="tx1"/>
+            </a:fontRef>
+          </p:style>
+        </p:cxnSp>
+        <p:cxnSp>
+          <p:nvCxnSpPr>
+            <p:cNvPr id="49" name="Straight Connector 48">
+              <a:extLst>
+                <a:ext uri="{FF2B5EF4-FFF2-40B4-BE49-F238E27FC236}">
+                  <a16:creationId xmlns:a16="http://schemas.microsoft.com/office/drawing/2014/main" id="{A087AF90-3B22-463C-BC40-745D138C272F}"/>
+                </a:ext>
+              </a:extLst>
+            </p:cNvPr>
+            <p:cNvCxnSpPr>
+              <a:cxnSpLocks/>
+              <a:stCxn id="46" idx="7"/>
+              <a:endCxn id="47" idx="3"/>
+            </p:cNvCxnSpPr>
+            <p:nvPr/>
+          </p:nvCxnSpPr>
+          <p:spPr>
+            <a:xfrm flipV="1">
+              <a:off x="5534145" y="1230973"/>
+              <a:ext cx="933471" cy="1773591"/>
+            </a:xfrm>
+            <a:prstGeom prst="line">
+              <a:avLst/>
+            </a:prstGeom>
+            <a:ln w="19050">
+              <a:solidFill>
+                <a:schemeClr val="tx1"/>
+              </a:solidFill>
+            </a:ln>
+          </p:spPr>
+          <p:style>
+            <a:lnRef idx="1">
+              <a:schemeClr val="accent1"/>
+            </a:lnRef>
+            <a:fillRef idx="0">
+              <a:schemeClr val="accent1"/>
+            </a:fillRef>
+            <a:effectRef idx="0">
+              <a:schemeClr val="accent1"/>
+            </a:effectRef>
+            <a:fontRef idx="minor">
+              <a:schemeClr val="tx1"/>
+            </a:fontRef>
+          </p:style>
+        </p:cxnSp>
+        <p:cxnSp>
+          <p:nvCxnSpPr>
+            <p:cNvPr id="53" name="Straight Connector 52">
+              <a:extLst>
+                <a:ext uri="{FF2B5EF4-FFF2-40B4-BE49-F238E27FC236}">
+                  <a16:creationId xmlns:a16="http://schemas.microsoft.com/office/drawing/2014/main" id="{62ABE07D-72D3-4441-B97A-479BA2490977}"/>
+                </a:ext>
+              </a:extLst>
+            </p:cNvPr>
+            <p:cNvCxnSpPr>
+              <a:cxnSpLocks/>
+              <a:stCxn id="46" idx="6"/>
+            </p:cNvCxnSpPr>
+            <p:nvPr/>
+          </p:nvCxnSpPr>
+          <p:spPr>
+            <a:xfrm flipV="1">
+              <a:off x="5555493" y="1961324"/>
+              <a:ext cx="1759707" cy="1094776"/>
+            </a:xfrm>
+            <a:prstGeom prst="line">
+              <a:avLst/>
+            </a:prstGeom>
+            <a:ln>
+              <a:solidFill>
+                <a:srgbClr val="FF0000"/>
+              </a:solidFill>
+              <a:prstDash val="lgDash"/>
+            </a:ln>
+          </p:spPr>
+          <p:style>
+            <a:lnRef idx="1">
+              <a:schemeClr val="accent1"/>
+            </a:lnRef>
+            <a:fillRef idx="0">
+              <a:schemeClr val="accent1"/>
+            </a:fillRef>
+            <a:effectRef idx="0">
+              <a:schemeClr val="accent1"/>
+            </a:effectRef>
+            <a:fontRef idx="minor">
+              <a:schemeClr val="tx1"/>
+            </a:fontRef>
+          </p:style>
+        </p:cxnSp>
+        <p:sp>
+          <p:nvSpPr>
+            <p:cNvPr id="54" name="Arc 53">
+              <a:extLst>
+                <a:ext uri="{FF2B5EF4-FFF2-40B4-BE49-F238E27FC236}">
+                  <a16:creationId xmlns:a16="http://schemas.microsoft.com/office/drawing/2014/main" id="{6470FB53-8EFD-4C77-90D3-4773F111310F}"/>
+                </a:ext>
+              </a:extLst>
+            </p:cNvPr>
+            <p:cNvSpPr/>
+            <p:nvPr/>
+          </p:nvSpPr>
+          <p:spPr>
+            <a:xfrm>
+              <a:off x="5697519" y="1376736"/>
+              <a:ext cx="1458655" cy="1478243"/>
+            </a:xfrm>
+            <a:prstGeom prst="arc">
+              <a:avLst/>
+            </a:prstGeom>
+            <a:ln>
+              <a:solidFill>
+                <a:srgbClr val="FF0000"/>
+              </a:solidFill>
+            </a:ln>
+          </p:spPr>
+          <p:style>
+            <a:lnRef idx="1">
+              <a:schemeClr val="accent1"/>
+            </a:lnRef>
+            <a:fillRef idx="0">
+              <a:schemeClr val="accent1"/>
+            </a:fillRef>
+            <a:effectRef idx="0">
+              <a:schemeClr val="accent1"/>
+            </a:effectRef>
+            <a:fontRef idx="minor">
+              <a:schemeClr val="tx1"/>
+            </a:fontRef>
+          </p:style>
+          <p:txBody>
+            <a:bodyPr rtlCol="0" anchor="ctr"/>
+            <a:lstStyle/>
+            <a:p>
+              <a:pPr algn="ctr"/>
+              <a:endParaRPr lang="en-GB"/>
+            </a:p>
+          </p:txBody>
+        </p:sp>
+        <p:sp>
+          <p:nvSpPr>
+            <p:cNvPr id="55" name="TextBox 54">
+              <a:extLst>
+                <a:ext uri="{FF2B5EF4-FFF2-40B4-BE49-F238E27FC236}">
+                  <a16:creationId xmlns:a16="http://schemas.microsoft.com/office/drawing/2014/main" id="{6BFBA8D1-2E36-43BD-9F3C-6CD1D44A39E3}"/>
+                </a:ext>
+              </a:extLst>
+            </p:cNvPr>
+            <p:cNvSpPr txBox="1"/>
+            <p:nvPr/>
+          </p:nvSpPr>
+          <p:spPr>
+            <a:xfrm>
+              <a:off x="4722797" y="3882043"/>
+              <a:ext cx="386644" cy="369332"/>
+            </a:xfrm>
+            <a:prstGeom prst="rect">
+              <a:avLst/>
+            </a:prstGeom>
+            <a:noFill/>
+          </p:spPr>
+          <p:txBody>
+            <a:bodyPr wrap="none" rtlCol="0">
+              <a:spAutoFit/>
+            </a:bodyPr>
+            <a:lstStyle/>
+            <a:p>
+              <a:r>
+                <a:rPr lang="el-GR" dirty="0"/>
+                <a:t>θ</a:t>
+              </a:r>
+              <a:r>
+                <a:rPr lang="en-GB" baseline="-25000" dirty="0"/>
+                <a:t>0</a:t>
+              </a:r>
+            </a:p>
+          </p:txBody>
+        </p:sp>
+        <p:sp>
+          <p:nvSpPr>
+            <p:cNvPr id="56" name="TextBox 55">
+              <a:extLst>
+                <a:ext uri="{FF2B5EF4-FFF2-40B4-BE49-F238E27FC236}">
+                  <a16:creationId xmlns:a16="http://schemas.microsoft.com/office/drawing/2014/main" id="{6C1D1C44-88CF-4A55-8937-AD13E1721703}"/>
+                </a:ext>
+              </a:extLst>
+            </p:cNvPr>
+            <p:cNvSpPr txBox="1"/>
+            <p:nvPr/>
+          </p:nvSpPr>
+          <p:spPr>
+            <a:xfrm>
+              <a:off x="6609642" y="1545439"/>
+              <a:ext cx="386644" cy="369332"/>
+            </a:xfrm>
+            <a:prstGeom prst="rect">
+              <a:avLst/>
+            </a:prstGeom>
+            <a:noFill/>
+          </p:spPr>
+          <p:txBody>
+            <a:bodyPr wrap="none" rtlCol="0">
+              <a:spAutoFit/>
+            </a:bodyPr>
+            <a:lstStyle/>
+            <a:p>
+              <a:r>
+                <a:rPr lang="el-GR" dirty="0"/>
+                <a:t>θ</a:t>
+              </a:r>
+              <a:r>
+                <a:rPr lang="en-GB" baseline="-25000" dirty="0"/>
+                <a:t>1</a:t>
+              </a:r>
+            </a:p>
+          </p:txBody>
+        </p:sp>
+        <p:cxnSp>
+          <p:nvCxnSpPr>
+            <p:cNvPr id="61" name="Straight Arrow Connector 60">
+              <a:extLst>
+                <a:ext uri="{FF2B5EF4-FFF2-40B4-BE49-F238E27FC236}">
+                  <a16:creationId xmlns:a16="http://schemas.microsoft.com/office/drawing/2014/main" id="{A27AB482-61BD-4A87-806E-6D6DDE44A540}"/>
+                </a:ext>
+              </a:extLst>
+            </p:cNvPr>
+            <p:cNvCxnSpPr>
+              <a:cxnSpLocks/>
+            </p:cNvCxnSpPr>
+            <p:nvPr/>
+          </p:nvCxnSpPr>
+          <p:spPr>
+            <a:xfrm flipV="1">
+              <a:off x="5543240" y="2814059"/>
+              <a:ext cx="440163" cy="237059"/>
+            </a:xfrm>
+            <a:prstGeom prst="straightConnector1">
+              <a:avLst/>
+            </a:prstGeom>
+            <a:ln w="38100">
+              <a:solidFill>
+                <a:srgbClr val="0070C0"/>
+              </a:solidFill>
+              <a:tailEnd type="triangle"/>
+            </a:ln>
+          </p:spPr>
+          <p:style>
+            <a:lnRef idx="1">
+              <a:schemeClr val="accent1"/>
+            </a:lnRef>
+            <a:fillRef idx="0">
+              <a:schemeClr val="accent1"/>
+            </a:fillRef>
+            <a:effectRef idx="0">
+              <a:schemeClr val="accent1"/>
+            </a:effectRef>
+            <a:fontRef idx="minor">
+              <a:schemeClr val="tx1"/>
+            </a:fontRef>
+          </p:style>
+        </p:cxnSp>
+        <p:sp>
+          <p:nvSpPr>
+            <p:cNvPr id="64" name="TextBox 63">
+              <a:extLst>
+                <a:ext uri="{FF2B5EF4-FFF2-40B4-BE49-F238E27FC236}">
+                  <a16:creationId xmlns:a16="http://schemas.microsoft.com/office/drawing/2014/main" id="{929BAE0D-A63E-4BC0-8930-BA6BD4F9FEEC}"/>
+                </a:ext>
+              </a:extLst>
+            </p:cNvPr>
+            <p:cNvSpPr txBox="1"/>
+            <p:nvPr/>
+          </p:nvSpPr>
+          <p:spPr>
+            <a:xfrm>
+              <a:off x="4896669" y="2367980"/>
+              <a:ext cx="367408" cy="369332"/>
+            </a:xfrm>
+            <a:prstGeom prst="rect">
+              <a:avLst/>
+            </a:prstGeom>
+            <a:noFill/>
+          </p:spPr>
+          <p:txBody>
+            <a:bodyPr wrap="none" rtlCol="0">
+              <a:spAutoFit/>
+            </a:bodyPr>
+            <a:lstStyle/>
+            <a:p>
+              <a:r>
+                <a:rPr lang="en-GB" dirty="0">
+                  <a:solidFill>
+                    <a:srgbClr val="0070C0"/>
+                  </a:solidFill>
+                </a:rPr>
+                <a:t>y</a:t>
+              </a:r>
+              <a:r>
+                <a:rPr lang="en-GB" baseline="-25000" dirty="0">
+                  <a:solidFill>
+                    <a:srgbClr val="0070C0"/>
+                  </a:solidFill>
+                </a:rPr>
+                <a:t>1</a:t>
+              </a:r>
+            </a:p>
+          </p:txBody>
+        </p:sp>
+        <p:sp>
+          <p:nvSpPr>
+            <p:cNvPr id="65" name="TextBox 64">
+              <a:extLst>
+                <a:ext uri="{FF2B5EF4-FFF2-40B4-BE49-F238E27FC236}">
+                  <a16:creationId xmlns:a16="http://schemas.microsoft.com/office/drawing/2014/main" id="{09906AD3-192D-4E46-91B6-D8998234A98F}"/>
+                </a:ext>
+              </a:extLst>
+            </p:cNvPr>
+            <p:cNvSpPr txBox="1"/>
+            <p:nvPr/>
+          </p:nvSpPr>
+          <p:spPr>
+            <a:xfrm>
+              <a:off x="5931741" y="2751744"/>
+              <a:ext cx="367408" cy="369332"/>
+            </a:xfrm>
+            <a:prstGeom prst="rect">
+              <a:avLst/>
+            </a:prstGeom>
+            <a:noFill/>
+          </p:spPr>
+          <p:txBody>
+            <a:bodyPr wrap="none" rtlCol="0">
+              <a:spAutoFit/>
+            </a:bodyPr>
+            <a:lstStyle/>
+            <a:p>
+              <a:r>
+                <a:rPr lang="en-GB" dirty="0">
+                  <a:solidFill>
+                    <a:srgbClr val="0070C0"/>
+                  </a:solidFill>
+                </a:rPr>
+                <a:t>x</a:t>
+              </a:r>
+              <a:r>
+                <a:rPr lang="en-GB" baseline="-25000" dirty="0">
+                  <a:solidFill>
+                    <a:srgbClr val="0070C0"/>
+                  </a:solidFill>
+                </a:rPr>
+                <a:t>1</a:t>
+              </a:r>
+            </a:p>
+          </p:txBody>
+        </p:sp>
+        <p:sp>
+          <p:nvSpPr>
+            <p:cNvPr id="71" name="TextBox 70">
+              <a:extLst>
+                <a:ext uri="{FF2B5EF4-FFF2-40B4-BE49-F238E27FC236}">
+                  <a16:creationId xmlns:a16="http://schemas.microsoft.com/office/drawing/2014/main" id="{4F2CE8B6-EB83-4F41-A84E-175E6F3AB0AF}"/>
+                </a:ext>
+              </a:extLst>
+            </p:cNvPr>
+            <p:cNvSpPr txBox="1"/>
+            <p:nvPr/>
+          </p:nvSpPr>
+          <p:spPr>
+            <a:xfrm>
+              <a:off x="5739174" y="670725"/>
+              <a:ext cx="367408" cy="369332"/>
+            </a:xfrm>
+            <a:prstGeom prst="rect">
+              <a:avLst/>
+            </a:prstGeom>
+            <a:noFill/>
+          </p:spPr>
+          <p:txBody>
+            <a:bodyPr wrap="none" rtlCol="0">
+              <a:spAutoFit/>
+            </a:bodyPr>
+            <a:lstStyle/>
+            <a:p>
+              <a:r>
+                <a:rPr lang="en-GB" dirty="0">
+                  <a:solidFill>
+                    <a:srgbClr val="0070C0"/>
+                  </a:solidFill>
+                </a:rPr>
+                <a:t>y</a:t>
+              </a:r>
+              <a:r>
+                <a:rPr lang="en-GB" baseline="-25000" dirty="0">
+                  <a:solidFill>
+                    <a:srgbClr val="0070C0"/>
+                  </a:solidFill>
+                </a:rPr>
+                <a:t>2</a:t>
+              </a:r>
+            </a:p>
+          </p:txBody>
+        </p:sp>
+        <p:sp>
+          <p:nvSpPr>
+            <p:cNvPr id="72" name="TextBox 71">
+              <a:extLst>
+                <a:ext uri="{FF2B5EF4-FFF2-40B4-BE49-F238E27FC236}">
+                  <a16:creationId xmlns:a16="http://schemas.microsoft.com/office/drawing/2014/main" id="{3FB61CF0-96FD-4288-94C9-3095AE5C5FF6}"/>
+                </a:ext>
+              </a:extLst>
+            </p:cNvPr>
+            <p:cNvSpPr txBox="1"/>
+            <p:nvPr/>
+          </p:nvSpPr>
+          <p:spPr>
+            <a:xfrm>
+              <a:off x="6639644" y="393280"/>
+              <a:ext cx="367408" cy="369332"/>
+            </a:xfrm>
+            <a:prstGeom prst="rect">
+              <a:avLst/>
+            </a:prstGeom>
+            <a:noFill/>
+          </p:spPr>
+          <p:txBody>
+            <a:bodyPr wrap="none" rtlCol="0">
+              <a:spAutoFit/>
+            </a:bodyPr>
+            <a:lstStyle/>
+            <a:p>
+              <a:r>
+                <a:rPr lang="en-GB" dirty="0">
+                  <a:solidFill>
+                    <a:srgbClr val="0070C0"/>
+                  </a:solidFill>
+                </a:rPr>
+                <a:t>x</a:t>
+              </a:r>
+              <a:r>
+                <a:rPr lang="en-GB" baseline="-25000" dirty="0">
+                  <a:solidFill>
+                    <a:srgbClr val="0070C0"/>
+                  </a:solidFill>
+                </a:rPr>
+                <a:t>2</a:t>
+              </a:r>
+            </a:p>
+          </p:txBody>
+        </p:sp>
+        <p:cxnSp>
+          <p:nvCxnSpPr>
+            <p:cNvPr id="106" name="Straight Arrow Connector 105">
+              <a:extLst>
+                <a:ext uri="{FF2B5EF4-FFF2-40B4-BE49-F238E27FC236}">
+                  <a16:creationId xmlns:a16="http://schemas.microsoft.com/office/drawing/2014/main" id="{AD428119-15B9-4F4A-A2E2-13D9B4D94701}"/>
+                </a:ext>
+              </a:extLst>
+            </p:cNvPr>
+            <p:cNvCxnSpPr>
+              <a:cxnSpLocks/>
+            </p:cNvCxnSpPr>
+            <p:nvPr/>
+          </p:nvCxnSpPr>
+          <p:spPr>
+            <a:xfrm flipV="1">
+              <a:off x="4458873" y="3427492"/>
+              <a:ext cx="440163" cy="237059"/>
+            </a:xfrm>
+            <a:prstGeom prst="straightConnector1">
+              <a:avLst/>
+            </a:prstGeom>
+            <a:ln w="38100">
+              <a:solidFill>
+                <a:srgbClr val="0070C0"/>
+              </a:solidFill>
+              <a:tailEnd type="triangle"/>
+            </a:ln>
+          </p:spPr>
+          <p:style>
+            <a:lnRef idx="1">
+              <a:schemeClr val="accent1"/>
+            </a:lnRef>
+            <a:fillRef idx="0">
+              <a:schemeClr val="accent1"/>
+            </a:fillRef>
+            <a:effectRef idx="0">
+              <a:schemeClr val="accent1"/>
+            </a:effectRef>
+            <a:fontRef idx="minor">
+              <a:schemeClr val="tx1"/>
+            </a:fontRef>
+          </p:style>
+        </p:cxnSp>
+        <p:sp>
+          <p:nvSpPr>
+            <p:cNvPr id="107" name="TextBox 106">
+              <a:extLst>
+                <a:ext uri="{FF2B5EF4-FFF2-40B4-BE49-F238E27FC236}">
+                  <a16:creationId xmlns:a16="http://schemas.microsoft.com/office/drawing/2014/main" id="{27334571-1D4C-499B-BEDF-6CDC89E9C333}"/>
+                </a:ext>
+              </a:extLst>
+            </p:cNvPr>
+            <p:cNvSpPr txBox="1"/>
+            <p:nvPr/>
+          </p:nvSpPr>
+          <p:spPr>
+            <a:xfrm>
+              <a:off x="4714326" y="3388018"/>
+              <a:ext cx="367408" cy="369332"/>
+            </a:xfrm>
+            <a:prstGeom prst="rect">
+              <a:avLst/>
+            </a:prstGeom>
+            <a:noFill/>
+          </p:spPr>
+          <p:txBody>
+            <a:bodyPr wrap="none" rtlCol="0">
+              <a:spAutoFit/>
+            </a:bodyPr>
+            <a:lstStyle/>
+            <a:p>
+              <a:r>
+                <a:rPr lang="en-GB" dirty="0">
+                  <a:solidFill>
+                    <a:srgbClr val="0070C0"/>
+                  </a:solidFill>
+                </a:rPr>
+                <a:t>x</a:t>
+              </a:r>
+              <a:r>
+                <a:rPr lang="el-GR" baseline="-25000" dirty="0">
+                  <a:solidFill>
+                    <a:srgbClr val="0070C0"/>
+                  </a:solidFill>
+                </a:rPr>
+                <a:t>α</a:t>
+              </a:r>
+              <a:endParaRPr lang="en-GB" baseline="-25000" dirty="0">
+                <a:solidFill>
+                  <a:srgbClr val="0070C0"/>
+                </a:solidFill>
+              </a:endParaRPr>
+            </a:p>
+          </p:txBody>
+        </p:sp>
+        <p:cxnSp>
+          <p:nvCxnSpPr>
+            <p:cNvPr id="133" name="Straight Arrow Connector 132">
+              <a:extLst>
+                <a:ext uri="{FF2B5EF4-FFF2-40B4-BE49-F238E27FC236}">
+                  <a16:creationId xmlns:a16="http://schemas.microsoft.com/office/drawing/2014/main" id="{EDFF52C8-60BA-415E-BC87-118073DC9888}"/>
+                </a:ext>
+              </a:extLst>
+            </p:cNvPr>
+            <p:cNvCxnSpPr>
+              <a:cxnSpLocks/>
+            </p:cNvCxnSpPr>
+            <p:nvPr/>
+          </p:nvCxnSpPr>
+          <p:spPr>
+            <a:xfrm flipH="1" flipV="1">
+              <a:off x="4224227" y="3212696"/>
+              <a:ext cx="249656" cy="429591"/>
+            </a:xfrm>
+            <a:prstGeom prst="straightConnector1">
+              <a:avLst/>
+            </a:prstGeom>
+            <a:ln w="38100">
+              <a:solidFill>
+                <a:srgbClr val="0070C0"/>
+              </a:solidFill>
+              <a:tailEnd type="triangle"/>
+            </a:ln>
+          </p:spPr>
+          <p:style>
+            <a:lnRef idx="1">
+              <a:schemeClr val="accent1"/>
+            </a:lnRef>
+            <a:fillRef idx="0">
+              <a:schemeClr val="accent1"/>
+            </a:fillRef>
+            <a:effectRef idx="0">
+              <a:schemeClr val="accent1"/>
+            </a:effectRef>
+            <a:fontRef idx="minor">
+              <a:schemeClr val="tx1"/>
+            </a:fontRef>
+          </p:style>
+        </p:cxnSp>
+        <p:sp>
+          <p:nvSpPr>
+            <p:cNvPr id="134" name="TextBox 133">
+              <a:extLst>
+                <a:ext uri="{FF2B5EF4-FFF2-40B4-BE49-F238E27FC236}">
+                  <a16:creationId xmlns:a16="http://schemas.microsoft.com/office/drawing/2014/main" id="{AAAA0189-37A4-422E-8D3D-3DA3F5F62B57}"/>
+                </a:ext>
+              </a:extLst>
+            </p:cNvPr>
+            <p:cNvSpPr txBox="1"/>
+            <p:nvPr/>
+          </p:nvSpPr>
+          <p:spPr>
+            <a:xfrm>
+              <a:off x="5277602" y="1518515"/>
+              <a:ext cx="375424" cy="369332"/>
+            </a:xfrm>
+            <a:prstGeom prst="rect">
+              <a:avLst/>
+            </a:prstGeom>
+            <a:noFill/>
+          </p:spPr>
+          <p:txBody>
+            <a:bodyPr wrap="none" rtlCol="0">
+              <a:spAutoFit/>
+            </a:bodyPr>
+            <a:lstStyle/>
+            <a:p>
+              <a:r>
+                <a:rPr lang="en-GB" dirty="0">
+                  <a:solidFill>
+                    <a:srgbClr val="0070C0"/>
+                  </a:solidFill>
+                </a:rPr>
+                <a:t>y</a:t>
+              </a:r>
+              <a:r>
+                <a:rPr lang="el-GR" baseline="-25000" dirty="0">
+                  <a:solidFill>
+                    <a:srgbClr val="0070C0"/>
+                  </a:solidFill>
+                </a:rPr>
+                <a:t>β</a:t>
+              </a:r>
+              <a:endParaRPr lang="en-GB" baseline="-25000" dirty="0">
+                <a:solidFill>
+                  <a:srgbClr val="0070C0"/>
+                </a:solidFill>
+              </a:endParaRPr>
+            </a:p>
+          </p:txBody>
+        </p:sp>
+        <p:cxnSp>
+          <p:nvCxnSpPr>
+            <p:cNvPr id="135" name="Straight Arrow Connector 134">
+              <a:extLst>
+                <a:ext uri="{FF2B5EF4-FFF2-40B4-BE49-F238E27FC236}">
+                  <a16:creationId xmlns:a16="http://schemas.microsoft.com/office/drawing/2014/main" id="{D75973EE-EEBF-4C1B-B493-3B2FAD1C716F}"/>
+                </a:ext>
+              </a:extLst>
+            </p:cNvPr>
+            <p:cNvCxnSpPr>
+              <a:cxnSpLocks/>
+            </p:cNvCxnSpPr>
+            <p:nvPr/>
+          </p:nvCxnSpPr>
+          <p:spPr>
+            <a:xfrm flipH="1" flipV="1">
+              <a:off x="5581905" y="1787760"/>
+              <a:ext cx="418975" cy="244060"/>
+            </a:xfrm>
+            <a:prstGeom prst="straightConnector1">
+              <a:avLst/>
+            </a:prstGeom>
+            <a:ln w="38100">
+              <a:solidFill>
+                <a:srgbClr val="0070C0"/>
+              </a:solidFill>
+              <a:tailEnd type="triangle"/>
+            </a:ln>
+          </p:spPr>
+          <p:style>
+            <a:lnRef idx="1">
+              <a:schemeClr val="accent1"/>
+            </a:lnRef>
+            <a:fillRef idx="0">
+              <a:schemeClr val="accent1"/>
+            </a:fillRef>
+            <a:effectRef idx="0">
+              <a:schemeClr val="accent1"/>
+            </a:effectRef>
+            <a:fontRef idx="minor">
+              <a:schemeClr val="tx1"/>
+            </a:fontRef>
+          </p:style>
+        </p:cxnSp>
+        <p:cxnSp>
+          <p:nvCxnSpPr>
+            <p:cNvPr id="136" name="Straight Arrow Connector 135">
+              <a:extLst>
+                <a:ext uri="{FF2B5EF4-FFF2-40B4-BE49-F238E27FC236}">
+                  <a16:creationId xmlns:a16="http://schemas.microsoft.com/office/drawing/2014/main" id="{C7AA33A5-37D0-4B52-8865-A964ACE7A7B7}"/>
+                </a:ext>
+              </a:extLst>
+            </p:cNvPr>
+            <p:cNvCxnSpPr>
+              <a:cxnSpLocks/>
+            </p:cNvCxnSpPr>
+            <p:nvPr/>
+          </p:nvCxnSpPr>
+          <p:spPr>
+            <a:xfrm flipV="1">
+              <a:off x="6000880" y="1639191"/>
+              <a:ext cx="257248" cy="451484"/>
+            </a:xfrm>
+            <a:prstGeom prst="straightConnector1">
+              <a:avLst/>
+            </a:prstGeom>
+            <a:ln w="38100">
+              <a:solidFill>
+                <a:srgbClr val="0070C0"/>
+              </a:solidFill>
+              <a:tailEnd type="triangle"/>
+            </a:ln>
+          </p:spPr>
+          <p:style>
+            <a:lnRef idx="1">
+              <a:schemeClr val="accent1"/>
+            </a:lnRef>
+            <a:fillRef idx="0">
+              <a:schemeClr val="accent1"/>
+            </a:fillRef>
+            <a:effectRef idx="0">
+              <a:schemeClr val="accent1"/>
+            </a:effectRef>
+            <a:fontRef idx="minor">
+              <a:schemeClr val="tx1"/>
+            </a:fontRef>
+          </p:style>
+        </p:cxnSp>
+        <p:sp>
+          <p:nvSpPr>
+            <p:cNvPr id="137" name="TextBox 136">
+              <a:extLst>
+                <a:ext uri="{FF2B5EF4-FFF2-40B4-BE49-F238E27FC236}">
+                  <a16:creationId xmlns:a16="http://schemas.microsoft.com/office/drawing/2014/main" id="{F300BA7F-95D8-4041-B81B-F54EFE266E5C}"/>
+                </a:ext>
+              </a:extLst>
+            </p:cNvPr>
+            <p:cNvSpPr txBox="1"/>
+            <p:nvPr/>
+          </p:nvSpPr>
+          <p:spPr>
+            <a:xfrm>
+              <a:off x="6169122" y="1615592"/>
+              <a:ext cx="375424" cy="369332"/>
+            </a:xfrm>
+            <a:prstGeom prst="rect">
+              <a:avLst/>
+            </a:prstGeom>
+            <a:noFill/>
+          </p:spPr>
+          <p:txBody>
+            <a:bodyPr wrap="none" rtlCol="0">
+              <a:spAutoFit/>
+            </a:bodyPr>
+            <a:lstStyle/>
+            <a:p>
+              <a:r>
+                <a:rPr lang="en-GB" dirty="0">
+                  <a:solidFill>
+                    <a:srgbClr val="0070C0"/>
+                  </a:solidFill>
+                </a:rPr>
+                <a:t>x</a:t>
+              </a:r>
+              <a:r>
+                <a:rPr lang="el-GR" baseline="-25000" dirty="0">
+                  <a:solidFill>
+                    <a:srgbClr val="0070C0"/>
+                  </a:solidFill>
+                </a:rPr>
+                <a:t>β</a:t>
+              </a:r>
+              <a:endParaRPr lang="en-GB" baseline="-25000" dirty="0">
+                <a:solidFill>
+                  <a:srgbClr val="0070C0"/>
+                </a:solidFill>
+              </a:endParaRPr>
+            </a:p>
+          </p:txBody>
+        </p:sp>
+      </p:grpSp>
+      <p:cxnSp>
+        <p:nvCxnSpPr>
+          <p:cNvPr id="84" name="Straight Connector 83">
+            <a:extLst>
+              <a:ext uri="{FF2B5EF4-FFF2-40B4-BE49-F238E27FC236}">
+                <a16:creationId xmlns:a16="http://schemas.microsoft.com/office/drawing/2014/main" id="{7322AA61-91A1-457F-83C0-7BDFB10B9A24}"/>
+              </a:ext>
+            </a:extLst>
+          </p:cNvPr>
+          <p:cNvCxnSpPr>
+            <a:cxnSpLocks/>
+          </p:cNvCxnSpPr>
+          <p:nvPr/>
+        </p:nvCxnSpPr>
+        <p:spPr>
+          <a:xfrm flipH="1" flipV="1">
+            <a:off x="5693775" y="3469755"/>
+            <a:ext cx="898264" cy="1308650"/>
+          </a:xfrm>
+          <a:prstGeom prst="line">
+            <a:avLst/>
+          </a:prstGeom>
+        </p:spPr>
+        <p:style>
+          <a:lnRef idx="1">
+            <a:schemeClr val="accent1"/>
+          </a:lnRef>
+          <a:fillRef idx="0">
+            <a:schemeClr val="accent1"/>
+          </a:fillRef>
+          <a:effectRef idx="0">
+            <a:schemeClr val="accent1"/>
+          </a:effectRef>
+          <a:fontRef idx="minor">
+            <a:schemeClr val="tx1"/>
+          </a:fontRef>
+        </p:style>
+      </p:cxnSp>
+      <p:cxnSp>
+        <p:nvCxnSpPr>
+          <p:cNvPr id="85" name="Straight Connector 84">
+            <a:extLst>
+              <a:ext uri="{FF2B5EF4-FFF2-40B4-BE49-F238E27FC236}">
+                <a16:creationId xmlns:a16="http://schemas.microsoft.com/office/drawing/2014/main" id="{C9916EB9-1410-49DA-982C-9621BD4F884B}"/>
+              </a:ext>
+            </a:extLst>
+          </p:cNvPr>
+          <p:cNvCxnSpPr>
+            <a:cxnSpLocks/>
+          </p:cNvCxnSpPr>
+          <p:nvPr/>
+        </p:nvCxnSpPr>
+        <p:spPr>
+          <a:xfrm flipH="1" flipV="1">
+            <a:off x="3235004" y="4615706"/>
+            <a:ext cx="830037" cy="1368129"/>
+          </a:xfrm>
+          <a:prstGeom prst="line">
+            <a:avLst/>
+          </a:prstGeom>
+        </p:spPr>
+        <p:style>
+          <a:lnRef idx="1">
+            <a:schemeClr val="accent1"/>
+          </a:lnRef>
+          <a:fillRef idx="0">
+            <a:schemeClr val="accent1"/>
+          </a:fillRef>
+          <a:effectRef idx="0">
+            <a:schemeClr val="accent1"/>
+          </a:effectRef>
+          <a:fontRef idx="minor">
+            <a:schemeClr val="tx1"/>
+          </a:fontRef>
+        </p:style>
+      </p:cxnSp>
+      <p:cxnSp>
+        <p:nvCxnSpPr>
+          <p:cNvPr id="87" name="Straight Arrow Connector 86">
+            <a:extLst>
+              <a:ext uri="{FF2B5EF4-FFF2-40B4-BE49-F238E27FC236}">
+                <a16:creationId xmlns:a16="http://schemas.microsoft.com/office/drawing/2014/main" id="{9B132206-FF07-4F0F-9312-56EE6BC75869}"/>
+              </a:ext>
+            </a:extLst>
+          </p:cNvPr>
+          <p:cNvCxnSpPr>
+            <a:stCxn id="50" idx="3"/>
+          </p:cNvCxnSpPr>
+          <p:nvPr/>
+        </p:nvCxnSpPr>
+        <p:spPr>
+          <a:xfrm flipV="1">
+            <a:off x="5477619" y="4551263"/>
+            <a:ext cx="957727" cy="629250"/>
+          </a:xfrm>
+          <a:prstGeom prst="straightConnector1">
+            <a:avLst/>
+          </a:prstGeom>
+          <a:ln>
+            <a:tailEnd type="triangle"/>
+          </a:ln>
+        </p:spPr>
+        <p:style>
+          <a:lnRef idx="1">
+            <a:schemeClr val="accent1"/>
+          </a:lnRef>
+          <a:fillRef idx="0">
+            <a:schemeClr val="accent1"/>
+          </a:fillRef>
+          <a:effectRef idx="0">
+            <a:schemeClr val="accent1"/>
+          </a:effectRef>
+          <a:fontRef idx="minor">
+            <a:schemeClr val="tx1"/>
+          </a:fontRef>
+        </p:style>
+      </p:cxnSp>
+      <p:cxnSp>
+        <p:nvCxnSpPr>
+          <p:cNvPr id="89" name="Straight Arrow Connector 88">
+            <a:extLst>
+              <a:ext uri="{FF2B5EF4-FFF2-40B4-BE49-F238E27FC236}">
+                <a16:creationId xmlns:a16="http://schemas.microsoft.com/office/drawing/2014/main" id="{622BF363-0470-4B95-95D0-BBEA3B0D7A89}"/>
+              </a:ext>
+            </a:extLst>
+          </p:cNvPr>
+          <p:cNvCxnSpPr>
+            <a:cxnSpLocks/>
+          </p:cNvCxnSpPr>
+          <p:nvPr/>
+        </p:nvCxnSpPr>
+        <p:spPr>
+          <a:xfrm flipH="1">
+            <a:off x="4007776" y="5299652"/>
+            <a:ext cx="1134061" cy="637099"/>
+          </a:xfrm>
+          <a:prstGeom prst="straightConnector1">
+            <a:avLst/>
+          </a:prstGeom>
+          <a:ln>
+            <a:tailEnd type="triangle"/>
+          </a:ln>
+        </p:spPr>
+        <p:style>
+          <a:lnRef idx="1">
+            <a:schemeClr val="accent1"/>
+          </a:lnRef>
+          <a:fillRef idx="0">
+            <a:schemeClr val="accent1"/>
+          </a:fillRef>
+          <a:effectRef idx="0">
+            <a:schemeClr val="accent1"/>
+          </a:effectRef>
+          <a:fontRef idx="minor">
+            <a:schemeClr val="tx1"/>
+          </a:fontRef>
+        </p:style>
+      </p:cxnSp>
+      <p:cxnSp>
+        <p:nvCxnSpPr>
+          <p:cNvPr id="92" name="Straight Connector 91">
+            <a:extLst>
+              <a:ext uri="{FF2B5EF4-FFF2-40B4-BE49-F238E27FC236}">
+                <a16:creationId xmlns:a16="http://schemas.microsoft.com/office/drawing/2014/main" id="{E7022F1E-D523-4659-9343-90446204E69D}"/>
+              </a:ext>
+            </a:extLst>
+          </p:cNvPr>
+          <p:cNvCxnSpPr>
+            <a:cxnSpLocks/>
+          </p:cNvCxnSpPr>
+          <p:nvPr/>
+        </p:nvCxnSpPr>
+        <p:spPr>
+          <a:xfrm>
+            <a:off x="6896060" y="1376736"/>
+            <a:ext cx="1343262" cy="432302"/>
+          </a:xfrm>
+          <a:prstGeom prst="line">
+            <a:avLst/>
+          </a:prstGeom>
+        </p:spPr>
+        <p:style>
+          <a:lnRef idx="1">
+            <a:schemeClr val="accent1"/>
+          </a:lnRef>
+          <a:fillRef idx="0">
+            <a:schemeClr val="accent1"/>
+          </a:fillRef>
+          <a:effectRef idx="0">
+            <a:schemeClr val="accent1"/>
+          </a:effectRef>
+          <a:fontRef idx="minor">
+            <a:schemeClr val="tx1"/>
+          </a:fontRef>
+        </p:style>
+      </p:cxnSp>
+      <p:cxnSp>
+        <p:nvCxnSpPr>
+          <p:cNvPr id="93" name="Straight Connector 92">
+            <a:extLst>
+              <a:ext uri="{FF2B5EF4-FFF2-40B4-BE49-F238E27FC236}">
+                <a16:creationId xmlns:a16="http://schemas.microsoft.com/office/drawing/2014/main" id="{415FCF5E-F471-482D-BF1B-2A87C7775C25}"/>
+              </a:ext>
+            </a:extLst>
+          </p:cNvPr>
+          <p:cNvCxnSpPr>
+            <a:cxnSpLocks/>
+          </p:cNvCxnSpPr>
+          <p:nvPr/>
+        </p:nvCxnSpPr>
+        <p:spPr>
+          <a:xfrm>
+            <a:off x="6060798" y="3285089"/>
+            <a:ext cx="1193516" cy="447693"/>
+          </a:xfrm>
+          <a:prstGeom prst="line">
+            <a:avLst/>
+          </a:prstGeom>
+        </p:spPr>
+        <p:style>
+          <a:lnRef idx="1">
+            <a:schemeClr val="accent1"/>
+          </a:lnRef>
+          <a:fillRef idx="0">
+            <a:schemeClr val="accent1"/>
+          </a:fillRef>
+          <a:effectRef idx="0">
+            <a:schemeClr val="accent1"/>
+          </a:effectRef>
+          <a:fontRef idx="minor">
+            <a:schemeClr val="tx1"/>
+          </a:fontRef>
+        </p:style>
+      </p:cxnSp>
+      <p:cxnSp>
+        <p:nvCxnSpPr>
+          <p:cNvPr id="99" name="Straight Arrow Connector 98">
+            <a:extLst>
+              <a:ext uri="{FF2B5EF4-FFF2-40B4-BE49-F238E27FC236}">
+                <a16:creationId xmlns:a16="http://schemas.microsoft.com/office/drawing/2014/main" id="{756CF165-D412-4236-BA66-CC20C41CAB7D}"/>
+              </a:ext>
+            </a:extLst>
+          </p:cNvPr>
+          <p:cNvCxnSpPr>
+            <a:stCxn id="51" idx="0"/>
+          </p:cNvCxnSpPr>
+          <p:nvPr/>
+        </p:nvCxnSpPr>
+        <p:spPr>
+          <a:xfrm flipV="1">
+            <a:off x="7793792" y="1730105"/>
+            <a:ext cx="279397" cy="714622"/>
+          </a:xfrm>
+          <a:prstGeom prst="straightConnector1">
+            <a:avLst/>
+          </a:prstGeom>
+          <a:ln>
+            <a:tailEnd type="triangle"/>
+          </a:ln>
+        </p:spPr>
+        <p:style>
+          <a:lnRef idx="1">
+            <a:schemeClr val="accent1"/>
+          </a:lnRef>
+          <a:fillRef idx="0">
+            <a:schemeClr val="accent1"/>
+          </a:fillRef>
+          <a:effectRef idx="0">
+            <a:schemeClr val="accent1"/>
+          </a:effectRef>
+          <a:fontRef idx="minor">
+            <a:schemeClr val="tx1"/>
+          </a:fontRef>
+        </p:style>
+      </p:cxnSp>
+      <p:cxnSp>
+        <p:nvCxnSpPr>
+          <p:cNvPr id="101" name="Straight Arrow Connector 100">
+            <a:extLst>
+              <a:ext uri="{FF2B5EF4-FFF2-40B4-BE49-F238E27FC236}">
+                <a16:creationId xmlns:a16="http://schemas.microsoft.com/office/drawing/2014/main" id="{2AD33B14-1C9F-4C9E-A838-8CBF3031402D}"/>
+              </a:ext>
+            </a:extLst>
+          </p:cNvPr>
+          <p:cNvCxnSpPr/>
+          <p:nvPr/>
+        </p:nvCxnSpPr>
+        <p:spPr>
+          <a:xfrm flipH="1">
+            <a:off x="7254314" y="2814059"/>
+            <a:ext cx="358980" cy="878039"/>
+          </a:xfrm>
+          <a:prstGeom prst="straightConnector1">
+            <a:avLst/>
+          </a:prstGeom>
+          <a:ln>
+            <a:tailEnd type="triangle"/>
+          </a:ln>
+        </p:spPr>
+        <p:style>
+          <a:lnRef idx="1">
+            <a:schemeClr val="accent1"/>
+          </a:lnRef>
+          <a:fillRef idx="0">
+            <a:schemeClr val="accent1"/>
+          </a:fillRef>
+          <a:effectRef idx="0">
+            <a:schemeClr val="accent1"/>
+          </a:effectRef>
+          <a:fontRef idx="minor">
+            <a:schemeClr val="tx1"/>
+          </a:fontRef>
+        </p:style>
+      </p:cxnSp>
+      <p:cxnSp>
+        <p:nvCxnSpPr>
+          <p:cNvPr id="138" name="Straight Connector 137">
+            <a:extLst>
+              <a:ext uri="{FF2B5EF4-FFF2-40B4-BE49-F238E27FC236}">
+                <a16:creationId xmlns:a16="http://schemas.microsoft.com/office/drawing/2014/main" id="{3E369F40-F9AA-41E3-8FB8-676E72CF328F}"/>
+              </a:ext>
+            </a:extLst>
+          </p:cNvPr>
+          <p:cNvCxnSpPr>
+            <a:cxnSpLocks/>
+          </p:cNvCxnSpPr>
+          <p:nvPr/>
+        </p:nvCxnSpPr>
+        <p:spPr>
+          <a:xfrm flipH="1" flipV="1">
+            <a:off x="2188186" y="2759028"/>
+            <a:ext cx="830037" cy="1368129"/>
+          </a:xfrm>
+          <a:prstGeom prst="line">
+            <a:avLst/>
+          </a:prstGeom>
+        </p:spPr>
+        <p:style>
+          <a:lnRef idx="1">
+            <a:schemeClr val="accent1"/>
+          </a:lnRef>
+          <a:fillRef idx="0">
+            <a:schemeClr val="accent1"/>
+          </a:fillRef>
+          <a:effectRef idx="0">
+            <a:schemeClr val="accent1"/>
+          </a:effectRef>
+          <a:fontRef idx="minor">
+            <a:schemeClr val="tx1"/>
+          </a:fontRef>
+        </p:style>
+      </p:cxnSp>
+      <p:cxnSp>
+        <p:nvCxnSpPr>
+          <p:cNvPr id="139" name="Straight Connector 138">
+            <a:extLst>
+              <a:ext uri="{FF2B5EF4-FFF2-40B4-BE49-F238E27FC236}">
+                <a16:creationId xmlns:a16="http://schemas.microsoft.com/office/drawing/2014/main" id="{A7854F90-C578-4DA6-91A2-37B435D9E19D}"/>
+              </a:ext>
+            </a:extLst>
+          </p:cNvPr>
+          <p:cNvCxnSpPr>
+            <a:cxnSpLocks/>
+          </p:cNvCxnSpPr>
+          <p:nvPr/>
+        </p:nvCxnSpPr>
+        <p:spPr>
+          <a:xfrm flipH="1" flipV="1">
+            <a:off x="3426702" y="1909790"/>
+            <a:ext cx="782651" cy="1267197"/>
+          </a:xfrm>
+          <a:prstGeom prst="line">
+            <a:avLst/>
+          </a:prstGeom>
+        </p:spPr>
+        <p:style>
+          <a:lnRef idx="1">
+            <a:schemeClr val="accent1"/>
+          </a:lnRef>
+          <a:fillRef idx="0">
+            <a:schemeClr val="accent1"/>
+          </a:fillRef>
+          <a:effectRef idx="0">
+            <a:schemeClr val="accent1"/>
+          </a:effectRef>
+          <a:fontRef idx="minor">
+            <a:schemeClr val="tx1"/>
+          </a:fontRef>
+        </p:style>
+      </p:cxnSp>
+      <mc:AlternateContent xmlns:mc="http://schemas.openxmlformats.org/markup-compatibility/2006">
+        <mc:Choice xmlns:a14="http://schemas.microsoft.com/office/drawing/2010/main" Requires="a14">
+          <p:sp>
+            <p:nvSpPr>
+              <p:cNvPr id="140" name="TextBox 139">
+                <a:extLst>
+                  <a:ext uri="{FF2B5EF4-FFF2-40B4-BE49-F238E27FC236}">
+                    <a16:creationId xmlns:a16="http://schemas.microsoft.com/office/drawing/2014/main" id="{75ED4096-F4A2-4A08-9BB8-A5AD02674DA0}"/>
+                  </a:ext>
+                </a:extLst>
+              </p:cNvPr>
+              <p:cNvSpPr txBox="1"/>
+              <p:nvPr/>
+            </p:nvSpPr>
+            <p:spPr>
+              <a:xfrm>
+                <a:off x="2663278" y="2085763"/>
+                <a:ext cx="458780" cy="483466"/>
+              </a:xfrm>
+              <a:prstGeom prst="rect">
+                <a:avLst/>
+              </a:prstGeom>
+              <a:noFill/>
+            </p:spPr>
+            <p:txBody>
+              <a:bodyPr wrap="none" rtlCol="0">
+                <a:spAutoFit/>
+              </a:bodyPr>
+              <a:lstStyle/>
+              <a:p>
+                <a14:m>
+                  <m:oMath xmlns:m="http://schemas.openxmlformats.org/officeDocument/2006/math">
+                    <m:f>
+                      <m:fPr>
+                        <m:ctrlPr>
+                          <a:rPr lang="en-GB" i="1" smtClean="0">
+                            <a:latin typeface="Cambria Math" panose="02040503050406030204" pitchFamily="18" charset="0"/>
+                          </a:rPr>
+                        </m:ctrlPr>
+                      </m:fPr>
+                      <m:num>
+                        <m:r>
+                          <a:rPr lang="en-GB" b="0" i="1" smtClean="0">
+                            <a:latin typeface="Cambria Math" panose="02040503050406030204" pitchFamily="18" charset="0"/>
+                          </a:rPr>
+                          <m:t>1</m:t>
+                        </m:r>
+                      </m:num>
+                      <m:den>
+                        <m:r>
+                          <a:rPr lang="en-GB" b="0" i="1" smtClean="0">
+                            <a:latin typeface="Cambria Math" panose="02040503050406030204" pitchFamily="18" charset="0"/>
+                          </a:rPr>
+                          <m:t>2</m:t>
+                        </m:r>
+                      </m:den>
+                    </m:f>
+                  </m:oMath>
+                </a14:m>
+                <a:r>
+                  <a:rPr lang="en-GB" dirty="0"/>
+                  <a:t>L</a:t>
+                </a:r>
+                <a:r>
+                  <a:rPr lang="en-GB" baseline="-25000" dirty="0"/>
+                  <a:t>0</a:t>
+                </a:r>
+              </a:p>
+            </p:txBody>
+          </p:sp>
+        </mc:Choice>
+        <mc:Fallback>
+          <p:sp>
+            <p:nvSpPr>
+              <p:cNvPr id="140" name="TextBox 139">
+                <a:extLst>
+                  <a:ext uri="{FF2B5EF4-FFF2-40B4-BE49-F238E27FC236}">
+                    <a16:creationId xmlns:a16="http://schemas.microsoft.com/office/drawing/2014/main" id="{75ED4096-F4A2-4A08-9BB8-A5AD02674DA0}"/>
+                  </a:ext>
+                </a:extLst>
+              </p:cNvPr>
+              <p:cNvSpPr txBox="1">
+                <a:spLocks noRot="1" noChangeAspect="1" noMove="1" noResize="1" noEditPoints="1" noAdjustHandles="1" noChangeArrowheads="1" noChangeShapeType="1" noTextEdit="1"/>
+              </p:cNvSpPr>
+              <p:nvPr/>
+            </p:nvSpPr>
+            <p:spPr>
+              <a:xfrm>
+                <a:off x="2663278" y="2085763"/>
+                <a:ext cx="458780" cy="483466"/>
+              </a:xfrm>
+              <a:prstGeom prst="rect">
+                <a:avLst/>
+              </a:prstGeom>
+              <a:blipFill>
+                <a:blip r:embed="rId2"/>
+                <a:stretch>
+                  <a:fillRect b="-8861"/>
+                </a:stretch>
+              </a:blipFill>
+            </p:spPr>
+            <p:txBody>
+              <a:bodyPr/>
+              <a:lstStyle/>
+              <a:p>
+                <a:r>
+                  <a:rPr lang="en-GB">
+                    <a:noFill/>
+                  </a:rPr>
+                  <a:t> </a:t>
+                </a:r>
+              </a:p>
+            </p:txBody>
+          </p:sp>
+        </mc:Fallback>
+      </mc:AlternateContent>
+      <p:cxnSp>
+        <p:nvCxnSpPr>
+          <p:cNvPr id="141" name="Straight Arrow Connector 140">
+            <a:extLst>
+              <a:ext uri="{FF2B5EF4-FFF2-40B4-BE49-F238E27FC236}">
+                <a16:creationId xmlns:a16="http://schemas.microsoft.com/office/drawing/2014/main" id="{F19EF982-517B-4332-992A-478CF1323502}"/>
+              </a:ext>
+            </a:extLst>
+          </p:cNvPr>
+          <p:cNvCxnSpPr>
+            <a:cxnSpLocks/>
+          </p:cNvCxnSpPr>
+          <p:nvPr/>
+        </p:nvCxnSpPr>
+        <p:spPr>
+          <a:xfrm flipV="1">
+            <a:off x="3030821" y="1999034"/>
+            <a:ext cx="436783" cy="329610"/>
+          </a:xfrm>
+          <a:prstGeom prst="straightConnector1">
+            <a:avLst/>
+          </a:prstGeom>
+          <a:ln>
+            <a:tailEnd type="triangle"/>
+          </a:ln>
+        </p:spPr>
+        <p:style>
+          <a:lnRef idx="1">
+            <a:schemeClr val="accent1"/>
+          </a:lnRef>
+          <a:fillRef idx="0">
+            <a:schemeClr val="accent1"/>
+          </a:fillRef>
+          <a:effectRef idx="0">
+            <a:schemeClr val="accent1"/>
+          </a:effectRef>
+          <a:fontRef idx="minor">
+            <a:schemeClr val="tx1"/>
+          </a:fontRef>
+        </p:style>
+      </p:cxnSp>
+      <p:cxnSp>
+        <p:nvCxnSpPr>
+          <p:cNvPr id="9" name="Straight Arrow Connector 8">
+            <a:extLst>
+              <a:ext uri="{FF2B5EF4-FFF2-40B4-BE49-F238E27FC236}">
+                <a16:creationId xmlns:a16="http://schemas.microsoft.com/office/drawing/2014/main" id="{E66011D7-0DC8-46B6-9A5A-433CB160A5B7}"/>
+              </a:ext>
+            </a:extLst>
+          </p:cNvPr>
+          <p:cNvCxnSpPr>
+            <a:cxnSpLocks/>
+          </p:cNvCxnSpPr>
+          <p:nvPr/>
+        </p:nvCxnSpPr>
+        <p:spPr>
+          <a:xfrm flipH="1">
+            <a:off x="2226333" y="2543388"/>
+            <a:ext cx="436945" cy="270671"/>
+          </a:xfrm>
+          <a:prstGeom prst="straightConnector1">
+            <a:avLst/>
+          </a:prstGeom>
+          <a:ln>
+            <a:tailEnd type="triangle"/>
+          </a:ln>
+        </p:spPr>
+        <p:style>
+          <a:lnRef idx="1">
+            <a:schemeClr val="accent1"/>
+          </a:lnRef>
+          <a:fillRef idx="0">
+            <a:schemeClr val="accent1"/>
+          </a:fillRef>
+          <a:effectRef idx="0">
+            <a:schemeClr val="accent1"/>
+          </a:effectRef>
+          <a:fontRef idx="minor">
+            <a:schemeClr val="tx1"/>
+          </a:fontRef>
+        </p:style>
+      </p:cxnSp>
+      <p:cxnSp>
+        <p:nvCxnSpPr>
+          <p:cNvPr id="12" name="Straight Connector 11">
+            <a:extLst>
+              <a:ext uri="{FF2B5EF4-FFF2-40B4-BE49-F238E27FC236}">
+                <a16:creationId xmlns:a16="http://schemas.microsoft.com/office/drawing/2014/main" id="{71C89C32-D22A-40C4-9C33-0CB5AA170DCB}"/>
+              </a:ext>
+            </a:extLst>
+          </p:cNvPr>
+          <p:cNvCxnSpPr>
+            <a:cxnSpLocks/>
+          </p:cNvCxnSpPr>
+          <p:nvPr/>
+        </p:nvCxnSpPr>
+        <p:spPr>
+          <a:xfrm flipH="1" flipV="1">
+            <a:off x="3871073" y="1881022"/>
+            <a:ext cx="1458101" cy="1101920"/>
+          </a:xfrm>
+          <a:prstGeom prst="line">
+            <a:avLst/>
+          </a:prstGeom>
+        </p:spPr>
+        <p:style>
+          <a:lnRef idx="1">
+            <a:schemeClr val="accent1"/>
+          </a:lnRef>
+          <a:fillRef idx="0">
+            <a:schemeClr val="accent1"/>
+          </a:fillRef>
+          <a:effectRef idx="0">
+            <a:schemeClr val="accent1"/>
+          </a:effectRef>
+          <a:fontRef idx="minor">
+            <a:schemeClr val="tx1"/>
+          </a:fontRef>
+        </p:style>
+      </p:cxnSp>
+      <p:cxnSp>
+        <p:nvCxnSpPr>
+          <p:cNvPr id="14" name="Straight Connector 13">
+            <a:extLst>
+              <a:ext uri="{FF2B5EF4-FFF2-40B4-BE49-F238E27FC236}">
+                <a16:creationId xmlns:a16="http://schemas.microsoft.com/office/drawing/2014/main" id="{555FE1D1-07D2-4A45-B553-EF9E383683F5}"/>
+              </a:ext>
+            </a:extLst>
+          </p:cNvPr>
+          <p:cNvCxnSpPr>
+            <a:cxnSpLocks/>
+          </p:cNvCxnSpPr>
+          <p:nvPr/>
+        </p:nvCxnSpPr>
+        <p:spPr>
+          <a:xfrm flipH="1" flipV="1">
+            <a:off x="4473883" y="1126081"/>
+            <a:ext cx="817734" cy="526725"/>
+          </a:xfrm>
+          <a:prstGeom prst="line">
+            <a:avLst/>
+          </a:prstGeom>
+        </p:spPr>
+        <p:style>
+          <a:lnRef idx="1">
+            <a:schemeClr val="accent1"/>
+          </a:lnRef>
+          <a:fillRef idx="0">
+            <a:schemeClr val="accent1"/>
+          </a:fillRef>
+          <a:effectRef idx="0">
+            <a:schemeClr val="accent1"/>
+          </a:effectRef>
+          <a:fontRef idx="minor">
+            <a:schemeClr val="tx1"/>
+          </a:fontRef>
+        </p:style>
+      </p:cxnSp>
+      <mc:AlternateContent xmlns:mc="http://schemas.openxmlformats.org/markup-compatibility/2006">
+        <mc:Choice xmlns:a14="http://schemas.microsoft.com/office/drawing/2010/main" Requires="a14">
+          <p:sp>
+            <p:nvSpPr>
+              <p:cNvPr id="142" name="TextBox 141">
+                <a:extLst>
+                  <a:ext uri="{FF2B5EF4-FFF2-40B4-BE49-F238E27FC236}">
+                    <a16:creationId xmlns:a16="http://schemas.microsoft.com/office/drawing/2014/main" id="{45C557EE-27DA-4B15-8F60-1373D77438CC}"/>
+                  </a:ext>
+                </a:extLst>
+              </p:cNvPr>
+              <p:cNvSpPr txBox="1"/>
+              <p:nvPr/>
+            </p:nvSpPr>
+            <p:spPr>
+              <a:xfrm>
+                <a:off x="3971826" y="1219715"/>
+                <a:ext cx="458780" cy="483466"/>
+              </a:xfrm>
+              <a:prstGeom prst="rect">
+                <a:avLst/>
+              </a:prstGeom>
+              <a:noFill/>
+            </p:spPr>
+            <p:txBody>
+              <a:bodyPr wrap="none" rtlCol="0">
+                <a:spAutoFit/>
+              </a:bodyPr>
+              <a:lstStyle/>
+              <a:p>
+                <a14:m>
+                  <m:oMath xmlns:m="http://schemas.openxmlformats.org/officeDocument/2006/math">
+                    <m:f>
+                      <m:fPr>
+                        <m:ctrlPr>
+                          <a:rPr lang="en-GB" i="1" smtClean="0">
+                            <a:latin typeface="Cambria Math" panose="02040503050406030204" pitchFamily="18" charset="0"/>
+                          </a:rPr>
+                        </m:ctrlPr>
+                      </m:fPr>
+                      <m:num>
+                        <m:r>
+                          <a:rPr lang="en-GB" b="0" i="1" smtClean="0">
+                            <a:latin typeface="Cambria Math" panose="02040503050406030204" pitchFamily="18" charset="0"/>
+                          </a:rPr>
+                          <m:t>1</m:t>
+                        </m:r>
+                      </m:num>
+                      <m:den>
+                        <m:r>
+                          <a:rPr lang="en-GB" b="0" i="1" smtClean="0">
+                            <a:latin typeface="Cambria Math" panose="02040503050406030204" pitchFamily="18" charset="0"/>
+                          </a:rPr>
+                          <m:t>2</m:t>
+                        </m:r>
+                      </m:den>
+                    </m:f>
+                  </m:oMath>
+                </a14:m>
+                <a:r>
+                  <a:rPr lang="en-GB" dirty="0"/>
+                  <a:t>L</a:t>
+                </a:r>
+                <a:r>
+                  <a:rPr lang="en-GB" baseline="-25000" dirty="0"/>
+                  <a:t>1</a:t>
+                </a:r>
+              </a:p>
+            </p:txBody>
+          </p:sp>
+        </mc:Choice>
+        <mc:Fallback>
+          <p:sp>
+            <p:nvSpPr>
+              <p:cNvPr id="142" name="TextBox 141">
+                <a:extLst>
+                  <a:ext uri="{FF2B5EF4-FFF2-40B4-BE49-F238E27FC236}">
+                    <a16:creationId xmlns:a16="http://schemas.microsoft.com/office/drawing/2014/main" id="{45C557EE-27DA-4B15-8F60-1373D77438CC}"/>
+                  </a:ext>
+                </a:extLst>
+              </p:cNvPr>
+              <p:cNvSpPr txBox="1">
+                <a:spLocks noRot="1" noChangeAspect="1" noMove="1" noResize="1" noEditPoints="1" noAdjustHandles="1" noChangeArrowheads="1" noChangeShapeType="1" noTextEdit="1"/>
+              </p:cNvSpPr>
+              <p:nvPr/>
+            </p:nvSpPr>
+            <p:spPr>
+              <a:xfrm>
+                <a:off x="3971826" y="1219715"/>
+                <a:ext cx="458780" cy="483466"/>
+              </a:xfrm>
+              <a:prstGeom prst="rect">
+                <a:avLst/>
+              </a:prstGeom>
+              <a:blipFill>
+                <a:blip r:embed="rId3"/>
+                <a:stretch>
+                  <a:fillRect b="-8861"/>
+                </a:stretch>
+              </a:blipFill>
+            </p:spPr>
+            <p:txBody>
+              <a:bodyPr/>
+              <a:lstStyle/>
+              <a:p>
+                <a:r>
+                  <a:rPr lang="en-GB">
+                    <a:noFill/>
+                  </a:rPr>
+                  <a:t> </a:t>
+                </a:r>
+              </a:p>
+            </p:txBody>
+          </p:sp>
+        </mc:Fallback>
+      </mc:AlternateContent>
+      <p:cxnSp>
+        <p:nvCxnSpPr>
+          <p:cNvPr id="20" name="Straight Arrow Connector 19">
+            <a:extLst>
+              <a:ext uri="{FF2B5EF4-FFF2-40B4-BE49-F238E27FC236}">
+                <a16:creationId xmlns:a16="http://schemas.microsoft.com/office/drawing/2014/main" id="{72AD9B49-342F-4EEC-B70B-3C074FFD0646}"/>
+              </a:ext>
+            </a:extLst>
+          </p:cNvPr>
+          <p:cNvCxnSpPr/>
+          <p:nvPr/>
+        </p:nvCxnSpPr>
+        <p:spPr>
+          <a:xfrm flipV="1">
+            <a:off x="4349055" y="1165212"/>
+            <a:ext cx="124828" cy="211524"/>
+          </a:xfrm>
+          <a:prstGeom prst="straightConnector1">
+            <a:avLst/>
+          </a:prstGeom>
+          <a:ln>
+            <a:tailEnd type="triangle"/>
+          </a:ln>
+        </p:spPr>
+        <p:style>
+          <a:lnRef idx="1">
+            <a:schemeClr val="accent1"/>
+          </a:lnRef>
+          <a:fillRef idx="0">
+            <a:schemeClr val="accent1"/>
+          </a:fillRef>
+          <a:effectRef idx="0">
+            <a:schemeClr val="accent1"/>
+          </a:effectRef>
+          <a:fontRef idx="minor">
+            <a:schemeClr val="tx1"/>
+          </a:fontRef>
+        </p:style>
+      </p:cxnSp>
+      <p:cxnSp>
+        <p:nvCxnSpPr>
+          <p:cNvPr id="22" name="Straight Arrow Connector 21">
+            <a:extLst>
+              <a:ext uri="{FF2B5EF4-FFF2-40B4-BE49-F238E27FC236}">
+                <a16:creationId xmlns:a16="http://schemas.microsoft.com/office/drawing/2014/main" id="{E5D502F5-A05E-4A7F-871F-87843EE242DC}"/>
+              </a:ext>
+            </a:extLst>
+          </p:cNvPr>
+          <p:cNvCxnSpPr/>
+          <p:nvPr/>
+        </p:nvCxnSpPr>
+        <p:spPr>
+          <a:xfrm flipH="1">
+            <a:off x="3971826" y="1730105"/>
+            <a:ext cx="93215" cy="157742"/>
+          </a:xfrm>
+          <a:prstGeom prst="straightConnector1">
+            <a:avLst/>
+          </a:prstGeom>
+          <a:ln>
+            <a:tailEnd type="triangle"/>
+          </a:ln>
+        </p:spPr>
+        <p:style>
+          <a:lnRef idx="1">
+            <a:schemeClr val="accent1"/>
+          </a:lnRef>
+          <a:fillRef idx="0">
+            <a:schemeClr val="accent1"/>
+          </a:fillRef>
+          <a:effectRef idx="0">
+            <a:schemeClr val="accent1"/>
+          </a:effectRef>
+          <a:fontRef idx="minor">
+            <a:schemeClr val="tx1"/>
+          </a:fontRef>
+        </p:style>
+      </p:cxnSp>
+    </p:spTree>
+    <p:extLst>
+      <p:ext uri="{BB962C8B-B14F-4D97-AF65-F5344CB8AC3E}">
+        <p14:creationId xmlns:p14="http://schemas.microsoft.com/office/powerpoint/2010/main" val="1482263013"/>
       </p:ext>
     </p:extLst>
   </p:cSld>

--- a/Modelling/MyPAM Modelling.pptx
+++ b/Modelling/MyPAM Modelling.pptx
@@ -266,7 +266,7 @@
           <a:p>
             <a:fld id="{4DCC3765-A771-4BBA-8135-6F2E689117A7}" type="datetimeFigureOut">
               <a:rPr lang="en-GB" smtClean="0"/>
-              <a:t>16/10/2018</a:t>
+              <a:t>17/10/2018</a:t>
             </a:fld>
             <a:endParaRPr lang="en-GB"/>
           </a:p>
@@ -466,7 +466,7 @@
           <a:p>
             <a:fld id="{4DCC3765-A771-4BBA-8135-6F2E689117A7}" type="datetimeFigureOut">
               <a:rPr lang="en-GB" smtClean="0"/>
-              <a:t>16/10/2018</a:t>
+              <a:t>17/10/2018</a:t>
             </a:fld>
             <a:endParaRPr lang="en-GB"/>
           </a:p>
@@ -676,7 +676,7 @@
           <a:p>
             <a:fld id="{4DCC3765-A771-4BBA-8135-6F2E689117A7}" type="datetimeFigureOut">
               <a:rPr lang="en-GB" smtClean="0"/>
-              <a:t>16/10/2018</a:t>
+              <a:t>17/10/2018</a:t>
             </a:fld>
             <a:endParaRPr lang="en-GB"/>
           </a:p>
@@ -876,7 +876,7 @@
           <a:p>
             <a:fld id="{4DCC3765-A771-4BBA-8135-6F2E689117A7}" type="datetimeFigureOut">
               <a:rPr lang="en-GB" smtClean="0"/>
-              <a:t>16/10/2018</a:t>
+              <a:t>17/10/2018</a:t>
             </a:fld>
             <a:endParaRPr lang="en-GB"/>
           </a:p>
@@ -1152,7 +1152,7 @@
           <a:p>
             <a:fld id="{4DCC3765-A771-4BBA-8135-6F2E689117A7}" type="datetimeFigureOut">
               <a:rPr lang="en-GB" smtClean="0"/>
-              <a:t>16/10/2018</a:t>
+              <a:t>17/10/2018</a:t>
             </a:fld>
             <a:endParaRPr lang="en-GB"/>
           </a:p>
@@ -1420,7 +1420,7 @@
           <a:p>
             <a:fld id="{4DCC3765-A771-4BBA-8135-6F2E689117A7}" type="datetimeFigureOut">
               <a:rPr lang="en-GB" smtClean="0"/>
-              <a:t>16/10/2018</a:t>
+              <a:t>17/10/2018</a:t>
             </a:fld>
             <a:endParaRPr lang="en-GB"/>
           </a:p>
@@ -1835,7 +1835,7 @@
           <a:p>
             <a:fld id="{4DCC3765-A771-4BBA-8135-6F2E689117A7}" type="datetimeFigureOut">
               <a:rPr lang="en-GB" smtClean="0"/>
-              <a:t>16/10/2018</a:t>
+              <a:t>17/10/2018</a:t>
             </a:fld>
             <a:endParaRPr lang="en-GB"/>
           </a:p>
@@ -1977,7 +1977,7 @@
           <a:p>
             <a:fld id="{4DCC3765-A771-4BBA-8135-6F2E689117A7}" type="datetimeFigureOut">
               <a:rPr lang="en-GB" smtClean="0"/>
-              <a:t>16/10/2018</a:t>
+              <a:t>17/10/2018</a:t>
             </a:fld>
             <a:endParaRPr lang="en-GB"/>
           </a:p>
@@ -2090,7 +2090,7 @@
           <a:p>
             <a:fld id="{4DCC3765-A771-4BBA-8135-6F2E689117A7}" type="datetimeFigureOut">
               <a:rPr lang="en-GB" smtClean="0"/>
-              <a:t>16/10/2018</a:t>
+              <a:t>17/10/2018</a:t>
             </a:fld>
             <a:endParaRPr lang="en-GB"/>
           </a:p>
@@ -2403,7 +2403,7 @@
           <a:p>
             <a:fld id="{4DCC3765-A771-4BBA-8135-6F2E689117A7}" type="datetimeFigureOut">
               <a:rPr lang="en-GB" smtClean="0"/>
-              <a:t>16/10/2018</a:t>
+              <a:t>17/10/2018</a:t>
             </a:fld>
             <a:endParaRPr lang="en-GB"/>
           </a:p>
@@ -2692,7 +2692,7 @@
           <a:p>
             <a:fld id="{4DCC3765-A771-4BBA-8135-6F2E689117A7}" type="datetimeFigureOut">
               <a:rPr lang="en-GB" smtClean="0"/>
-              <a:t>16/10/2018</a:t>
+              <a:t>17/10/2018</a:t>
             </a:fld>
             <a:endParaRPr lang="en-GB"/>
           </a:p>
@@ -2935,7 +2935,7 @@
           <a:p>
             <a:fld id="{4DCC3765-A771-4BBA-8135-6F2E689117A7}" type="datetimeFigureOut">
               <a:rPr lang="en-GB" smtClean="0"/>
-              <a:t>16/10/2018</a:t>
+              <a:t>17/10/2018</a:t>
             </a:fld>
             <a:endParaRPr lang="en-GB"/>
           </a:p>
@@ -12572,8 +12572,8 @@
           </a:fontRef>
         </p:style>
       </p:cxnSp>
-      <mc:AlternateContent xmlns:mc="http://schemas.openxmlformats.org/markup-compatibility/2006">
-        <mc:Choice xmlns:a14="http://schemas.microsoft.com/office/drawing/2010/main" Requires="a14">
+      <mc:AlternateContent xmlns:mc="http://schemas.openxmlformats.org/markup-compatibility/2006" xmlns:a14="http://schemas.microsoft.com/office/drawing/2010/main">
+        <mc:Choice Requires="a14">
           <p:sp>
             <p:nvSpPr>
               <p:cNvPr id="140" name="TextBox 139">
@@ -12643,7 +12643,7 @@
             </p:txBody>
           </p:sp>
         </mc:Choice>
-        <mc:Fallback>
+        <mc:Fallback xmlns="">
           <p:sp>
             <p:nvSpPr>
               <p:cNvPr id="140" name="TextBox 139">
@@ -12846,8 +12846,8 @@
           </a:fontRef>
         </p:style>
       </p:cxnSp>
-      <mc:AlternateContent xmlns:mc="http://schemas.openxmlformats.org/markup-compatibility/2006">
-        <mc:Choice xmlns:a14="http://schemas.microsoft.com/office/drawing/2010/main" Requires="a14">
+      <mc:AlternateContent xmlns:mc="http://schemas.openxmlformats.org/markup-compatibility/2006" xmlns:a14="http://schemas.microsoft.com/office/drawing/2010/main">
+        <mc:Choice Requires="a14">
           <p:sp>
             <p:nvSpPr>
               <p:cNvPr id="142" name="TextBox 141">
@@ -12917,7 +12917,7 @@
             </p:txBody>
           </p:sp>
         </mc:Choice>
-        <mc:Fallback>
+        <mc:Fallback xmlns="">
           <p:sp>
             <p:nvSpPr>
               <p:cNvPr id="142" name="TextBox 141">

--- a/Modelling/MyPAM Modelling.pptx
+++ b/Modelling/MyPAM Modelling.pptx
@@ -11,6 +11,7 @@
     <p:sldId id="259" r:id="rId5"/>
     <p:sldId id="260" r:id="rId6"/>
     <p:sldId id="261" r:id="rId7"/>
+    <p:sldId id="262" r:id="rId8"/>
   </p:sldIdLst>
   <p:sldSz cx="12192000" cy="6858000"/>
   <p:notesSz cx="6858000" cy="9144000"/>
@@ -266,7 +267,7 @@
           <a:p>
             <a:fld id="{4DCC3765-A771-4BBA-8135-6F2E689117A7}" type="datetimeFigureOut">
               <a:rPr lang="en-GB" smtClean="0"/>
-              <a:t>17/10/2018</a:t>
+              <a:t>18/10/2018</a:t>
             </a:fld>
             <a:endParaRPr lang="en-GB"/>
           </a:p>
@@ -466,7 +467,7 @@
           <a:p>
             <a:fld id="{4DCC3765-A771-4BBA-8135-6F2E689117A7}" type="datetimeFigureOut">
               <a:rPr lang="en-GB" smtClean="0"/>
-              <a:t>17/10/2018</a:t>
+              <a:t>18/10/2018</a:t>
             </a:fld>
             <a:endParaRPr lang="en-GB"/>
           </a:p>
@@ -676,7 +677,7 @@
           <a:p>
             <a:fld id="{4DCC3765-A771-4BBA-8135-6F2E689117A7}" type="datetimeFigureOut">
               <a:rPr lang="en-GB" smtClean="0"/>
-              <a:t>17/10/2018</a:t>
+              <a:t>18/10/2018</a:t>
             </a:fld>
             <a:endParaRPr lang="en-GB"/>
           </a:p>
@@ -876,7 +877,7 @@
           <a:p>
             <a:fld id="{4DCC3765-A771-4BBA-8135-6F2E689117A7}" type="datetimeFigureOut">
               <a:rPr lang="en-GB" smtClean="0"/>
-              <a:t>17/10/2018</a:t>
+              <a:t>18/10/2018</a:t>
             </a:fld>
             <a:endParaRPr lang="en-GB"/>
           </a:p>
@@ -1152,7 +1153,7 @@
           <a:p>
             <a:fld id="{4DCC3765-A771-4BBA-8135-6F2E689117A7}" type="datetimeFigureOut">
               <a:rPr lang="en-GB" smtClean="0"/>
-              <a:t>17/10/2018</a:t>
+              <a:t>18/10/2018</a:t>
             </a:fld>
             <a:endParaRPr lang="en-GB"/>
           </a:p>
@@ -1420,7 +1421,7 @@
           <a:p>
             <a:fld id="{4DCC3765-A771-4BBA-8135-6F2E689117A7}" type="datetimeFigureOut">
               <a:rPr lang="en-GB" smtClean="0"/>
-              <a:t>17/10/2018</a:t>
+              <a:t>18/10/2018</a:t>
             </a:fld>
             <a:endParaRPr lang="en-GB"/>
           </a:p>
@@ -1835,7 +1836,7 @@
           <a:p>
             <a:fld id="{4DCC3765-A771-4BBA-8135-6F2E689117A7}" type="datetimeFigureOut">
               <a:rPr lang="en-GB" smtClean="0"/>
-              <a:t>17/10/2018</a:t>
+              <a:t>18/10/2018</a:t>
             </a:fld>
             <a:endParaRPr lang="en-GB"/>
           </a:p>
@@ -1977,7 +1978,7 @@
           <a:p>
             <a:fld id="{4DCC3765-A771-4BBA-8135-6F2E689117A7}" type="datetimeFigureOut">
               <a:rPr lang="en-GB" smtClean="0"/>
-              <a:t>17/10/2018</a:t>
+              <a:t>18/10/2018</a:t>
             </a:fld>
             <a:endParaRPr lang="en-GB"/>
           </a:p>
@@ -2090,7 +2091,7 @@
           <a:p>
             <a:fld id="{4DCC3765-A771-4BBA-8135-6F2E689117A7}" type="datetimeFigureOut">
               <a:rPr lang="en-GB" smtClean="0"/>
-              <a:t>17/10/2018</a:t>
+              <a:t>18/10/2018</a:t>
             </a:fld>
             <a:endParaRPr lang="en-GB"/>
           </a:p>
@@ -2403,7 +2404,7 @@
           <a:p>
             <a:fld id="{4DCC3765-A771-4BBA-8135-6F2E689117A7}" type="datetimeFigureOut">
               <a:rPr lang="en-GB" smtClean="0"/>
-              <a:t>17/10/2018</a:t>
+              <a:t>18/10/2018</a:t>
             </a:fld>
             <a:endParaRPr lang="en-GB"/>
           </a:p>
@@ -2692,7 +2693,7 @@
           <a:p>
             <a:fld id="{4DCC3765-A771-4BBA-8135-6F2E689117A7}" type="datetimeFigureOut">
               <a:rPr lang="en-GB" smtClean="0"/>
-              <a:t>17/10/2018</a:t>
+              <a:t>18/10/2018</a:t>
             </a:fld>
             <a:endParaRPr lang="en-GB"/>
           </a:p>
@@ -2935,7 +2936,7 @@
           <a:p>
             <a:fld id="{4DCC3765-A771-4BBA-8135-6F2E689117A7}" type="datetimeFigureOut">
               <a:rPr lang="en-GB" smtClean="0"/>
-              <a:t>17/10/2018</a:t>
+              <a:t>18/10/2018</a:t>
             </a:fld>
             <a:endParaRPr lang="en-GB"/>
           </a:p>
@@ -13053,6 +13054,290 @@
 </p:sld>
 </file>
 
+<file path=ppt/slides/slide7.xml><?xml version="1.0" encoding="utf-8"?>
+<p:sld xmlns:a="http://schemas.openxmlformats.org/drawingml/2006/main" xmlns:r="http://schemas.openxmlformats.org/officeDocument/2006/relationships" xmlns:p="http://schemas.openxmlformats.org/presentationml/2006/main">
+  <p:cSld>
+    <p:spTree>
+      <p:nvGrpSpPr>
+        <p:cNvPr id="1" name=""/>
+        <p:cNvGrpSpPr/>
+        <p:nvPr/>
+      </p:nvGrpSpPr>
+      <p:grpSpPr>
+        <a:xfrm>
+          <a:off x="0" y="0"/>
+          <a:ext cx="0" cy="0"/>
+          <a:chOff x="0" y="0"/>
+          <a:chExt cx="0" cy="0"/>
+        </a:xfrm>
+      </p:grpSpPr>
+      <p:cxnSp>
+        <p:nvCxnSpPr>
+          <p:cNvPr id="7" name="Straight Arrow Connector 6">
+            <a:extLst>
+              <a:ext uri="{FF2B5EF4-FFF2-40B4-BE49-F238E27FC236}">
+                <a16:creationId xmlns:a16="http://schemas.microsoft.com/office/drawing/2014/main" id="{57E55105-493C-4139-8438-EBF7332E5D82}"/>
+              </a:ext>
+            </a:extLst>
+          </p:cNvPr>
+          <p:cNvCxnSpPr>
+            <a:cxnSpLocks/>
+          </p:cNvCxnSpPr>
+          <p:nvPr/>
+        </p:nvCxnSpPr>
+        <p:spPr>
+          <a:xfrm flipV="1">
+            <a:off x="4081670" y="1630017"/>
+            <a:ext cx="2372139" cy="1961322"/>
+          </a:xfrm>
+          <a:prstGeom prst="straightConnector1">
+            <a:avLst/>
+          </a:prstGeom>
+          <a:ln w="38100">
+            <a:solidFill>
+              <a:schemeClr val="tx1"/>
+            </a:solidFill>
+            <a:tailEnd type="triangle"/>
+          </a:ln>
+        </p:spPr>
+        <p:style>
+          <a:lnRef idx="1">
+            <a:schemeClr val="accent1"/>
+          </a:lnRef>
+          <a:fillRef idx="0">
+            <a:schemeClr val="accent1"/>
+          </a:fillRef>
+          <a:effectRef idx="0">
+            <a:schemeClr val="accent1"/>
+          </a:effectRef>
+          <a:fontRef idx="minor">
+            <a:schemeClr val="tx1"/>
+          </a:fontRef>
+        </p:style>
+      </p:cxnSp>
+      <p:sp>
+        <p:nvSpPr>
+          <p:cNvPr id="10" name="Oval 9">
+            <a:extLst>
+              <a:ext uri="{FF2B5EF4-FFF2-40B4-BE49-F238E27FC236}">
+                <a16:creationId xmlns:a16="http://schemas.microsoft.com/office/drawing/2014/main" id="{CAFC9641-4588-4ED7-AAC2-C1EA4F3A692F}"/>
+              </a:ext>
+            </a:extLst>
+          </p:cNvPr>
+          <p:cNvSpPr/>
+          <p:nvPr/>
+        </p:nvSpPr>
+        <p:spPr>
+          <a:xfrm>
+            <a:off x="6453809" y="1470991"/>
+            <a:ext cx="159026" cy="159026"/>
+          </a:xfrm>
+          <a:prstGeom prst="ellipse">
+            <a:avLst/>
+          </a:prstGeom>
+          <a:solidFill>
+            <a:schemeClr val="tx1"/>
+          </a:solidFill>
+          <a:ln>
+            <a:solidFill>
+              <a:schemeClr val="tx1"/>
+            </a:solidFill>
+          </a:ln>
+        </p:spPr>
+        <p:style>
+          <a:lnRef idx="2">
+            <a:schemeClr val="accent1">
+              <a:shade val="50000"/>
+            </a:schemeClr>
+          </a:lnRef>
+          <a:fillRef idx="1">
+            <a:schemeClr val="accent1"/>
+          </a:fillRef>
+          <a:effectRef idx="0">
+            <a:schemeClr val="accent1"/>
+          </a:effectRef>
+          <a:fontRef idx="minor">
+            <a:schemeClr val="lt1"/>
+          </a:fontRef>
+        </p:style>
+        <p:txBody>
+          <a:bodyPr rtlCol="0" anchor="ctr"/>
+          <a:lstStyle/>
+          <a:p>
+            <a:pPr algn="ctr"/>
+            <a:endParaRPr lang="en-GB"/>
+          </a:p>
+        </p:txBody>
+      </p:sp>
+      <p:sp>
+        <p:nvSpPr>
+          <p:cNvPr id="11" name="Oval 10">
+            <a:extLst>
+              <a:ext uri="{FF2B5EF4-FFF2-40B4-BE49-F238E27FC236}">
+                <a16:creationId xmlns:a16="http://schemas.microsoft.com/office/drawing/2014/main" id="{1BF5641C-3C21-448F-8797-6836EEC653D8}"/>
+              </a:ext>
+            </a:extLst>
+          </p:cNvPr>
+          <p:cNvSpPr/>
+          <p:nvPr/>
+        </p:nvSpPr>
+        <p:spPr>
+          <a:xfrm>
+            <a:off x="3922644" y="3591339"/>
+            <a:ext cx="159026" cy="159026"/>
+          </a:xfrm>
+          <a:prstGeom prst="ellipse">
+            <a:avLst/>
+          </a:prstGeom>
+          <a:solidFill>
+            <a:schemeClr val="tx1"/>
+          </a:solidFill>
+          <a:ln>
+            <a:solidFill>
+              <a:schemeClr val="tx1"/>
+            </a:solidFill>
+          </a:ln>
+        </p:spPr>
+        <p:style>
+          <a:lnRef idx="2">
+            <a:schemeClr val="accent1">
+              <a:shade val="50000"/>
+            </a:schemeClr>
+          </a:lnRef>
+          <a:fillRef idx="1">
+            <a:schemeClr val="accent1"/>
+          </a:fillRef>
+          <a:effectRef idx="0">
+            <a:schemeClr val="accent1"/>
+          </a:effectRef>
+          <a:fontRef idx="minor">
+            <a:schemeClr val="lt1"/>
+          </a:fontRef>
+        </p:style>
+        <p:txBody>
+          <a:bodyPr rtlCol="0" anchor="ctr"/>
+          <a:lstStyle/>
+          <a:p>
+            <a:pPr algn="ctr"/>
+            <a:endParaRPr lang="en-GB"/>
+          </a:p>
+        </p:txBody>
+      </p:sp>
+      <p:sp>
+        <p:nvSpPr>
+          <p:cNvPr id="12" name="TextBox 11">
+            <a:extLst>
+              <a:ext uri="{FF2B5EF4-FFF2-40B4-BE49-F238E27FC236}">
+                <a16:creationId xmlns:a16="http://schemas.microsoft.com/office/drawing/2014/main" id="{6016BDA9-E60B-4F35-B418-9C3FAB12A079}"/>
+              </a:ext>
+            </a:extLst>
+          </p:cNvPr>
+          <p:cNvSpPr txBox="1"/>
+          <p:nvPr/>
+        </p:nvSpPr>
+        <p:spPr>
+          <a:xfrm>
+            <a:off x="6533322" y="1365838"/>
+            <a:ext cx="744114" cy="369332"/>
+          </a:xfrm>
+          <a:prstGeom prst="rect">
+            <a:avLst/>
+          </a:prstGeom>
+          <a:noFill/>
+        </p:spPr>
+        <p:txBody>
+          <a:bodyPr wrap="none" rtlCol="0">
+            <a:spAutoFit/>
+          </a:bodyPr>
+          <a:lstStyle/>
+          <a:p>
+            <a:r>
+              <a:rPr lang="en-GB" dirty="0"/>
+              <a:t>(x</a:t>
+            </a:r>
+            <a:r>
+              <a:rPr lang="en-GB" baseline="-25000" dirty="0"/>
+              <a:t>2</a:t>
+            </a:r>
+            <a:r>
+              <a:rPr lang="en-GB" dirty="0"/>
+              <a:t>,y</a:t>
+            </a:r>
+            <a:r>
+              <a:rPr lang="en-GB" baseline="-25000" dirty="0"/>
+              <a:t>2</a:t>
+            </a:r>
+            <a:r>
+              <a:rPr lang="en-GB" dirty="0"/>
+              <a:t>)</a:t>
+            </a:r>
+          </a:p>
+        </p:txBody>
+      </p:sp>
+      <p:sp>
+        <p:nvSpPr>
+          <p:cNvPr id="13" name="TextBox 12">
+            <a:extLst>
+              <a:ext uri="{FF2B5EF4-FFF2-40B4-BE49-F238E27FC236}">
+                <a16:creationId xmlns:a16="http://schemas.microsoft.com/office/drawing/2014/main" id="{B3278473-2F92-43B5-8524-037821D27695}"/>
+              </a:ext>
+            </a:extLst>
+          </p:cNvPr>
+          <p:cNvSpPr txBox="1"/>
+          <p:nvPr/>
+        </p:nvSpPr>
+        <p:spPr>
+          <a:xfrm>
+            <a:off x="3258043" y="3486186"/>
+            <a:ext cx="744114" cy="369332"/>
+          </a:xfrm>
+          <a:prstGeom prst="rect">
+            <a:avLst/>
+          </a:prstGeom>
+          <a:noFill/>
+        </p:spPr>
+        <p:txBody>
+          <a:bodyPr wrap="none" rtlCol="0">
+            <a:spAutoFit/>
+          </a:bodyPr>
+          <a:lstStyle/>
+          <a:p>
+            <a:r>
+              <a:rPr lang="en-GB" dirty="0"/>
+              <a:t>(x</a:t>
+            </a:r>
+            <a:r>
+              <a:rPr lang="en-GB" baseline="-25000" dirty="0"/>
+              <a:t>1</a:t>
+            </a:r>
+            <a:r>
+              <a:rPr lang="en-GB" dirty="0"/>
+              <a:t>,y</a:t>
+            </a:r>
+            <a:r>
+              <a:rPr lang="en-GB" baseline="-25000" dirty="0"/>
+              <a:t>1</a:t>
+            </a:r>
+            <a:r>
+              <a:rPr lang="en-GB" dirty="0"/>
+              <a:t>)</a:t>
+            </a:r>
+          </a:p>
+        </p:txBody>
+      </p:sp>
+    </p:spTree>
+    <p:extLst>
+      <p:ext uri="{BB962C8B-B14F-4D97-AF65-F5344CB8AC3E}">
+        <p14:creationId xmlns:p14="http://schemas.microsoft.com/office/powerpoint/2010/main" val="3411474013"/>
+      </p:ext>
+    </p:extLst>
+  </p:cSld>
+  <p:clrMapOvr>
+    <a:masterClrMapping/>
+  </p:clrMapOvr>
+</p:sld>
+</file>
+
 <file path=ppt/theme/theme1.xml><?xml version="1.0" encoding="utf-8"?>
 <a:theme xmlns:a="http://schemas.openxmlformats.org/drawingml/2006/main" name="Office Theme">
   <a:themeElements>

--- a/Modelling/MyPAM Modelling.pptx
+++ b/Modelling/MyPAM Modelling.pptx
@@ -12,6 +12,8 @@
     <p:sldId id="260" r:id="rId6"/>
     <p:sldId id="261" r:id="rId7"/>
     <p:sldId id="262" r:id="rId8"/>
+    <p:sldId id="263" r:id="rId9"/>
+    <p:sldId id="264" r:id="rId10"/>
   </p:sldIdLst>
   <p:sldSz cx="12192000" cy="6858000"/>
   <p:notesSz cx="6858000" cy="9144000"/>
@@ -267,7 +269,7 @@
           <a:p>
             <a:fld id="{4DCC3765-A771-4BBA-8135-6F2E689117A7}" type="datetimeFigureOut">
               <a:rPr lang="en-GB" smtClean="0"/>
-              <a:t>18/10/2018</a:t>
+              <a:t>19/11/2018</a:t>
             </a:fld>
             <a:endParaRPr lang="en-GB"/>
           </a:p>
@@ -467,7 +469,7 @@
           <a:p>
             <a:fld id="{4DCC3765-A771-4BBA-8135-6F2E689117A7}" type="datetimeFigureOut">
               <a:rPr lang="en-GB" smtClean="0"/>
-              <a:t>18/10/2018</a:t>
+              <a:t>19/11/2018</a:t>
             </a:fld>
             <a:endParaRPr lang="en-GB"/>
           </a:p>
@@ -677,7 +679,7 @@
           <a:p>
             <a:fld id="{4DCC3765-A771-4BBA-8135-6F2E689117A7}" type="datetimeFigureOut">
               <a:rPr lang="en-GB" smtClean="0"/>
-              <a:t>18/10/2018</a:t>
+              <a:t>19/11/2018</a:t>
             </a:fld>
             <a:endParaRPr lang="en-GB"/>
           </a:p>
@@ -877,7 +879,7 @@
           <a:p>
             <a:fld id="{4DCC3765-A771-4BBA-8135-6F2E689117A7}" type="datetimeFigureOut">
               <a:rPr lang="en-GB" smtClean="0"/>
-              <a:t>18/10/2018</a:t>
+              <a:t>19/11/2018</a:t>
             </a:fld>
             <a:endParaRPr lang="en-GB"/>
           </a:p>
@@ -1153,7 +1155,7 @@
           <a:p>
             <a:fld id="{4DCC3765-A771-4BBA-8135-6F2E689117A7}" type="datetimeFigureOut">
               <a:rPr lang="en-GB" smtClean="0"/>
-              <a:t>18/10/2018</a:t>
+              <a:t>19/11/2018</a:t>
             </a:fld>
             <a:endParaRPr lang="en-GB"/>
           </a:p>
@@ -1421,7 +1423,7 @@
           <a:p>
             <a:fld id="{4DCC3765-A771-4BBA-8135-6F2E689117A7}" type="datetimeFigureOut">
               <a:rPr lang="en-GB" smtClean="0"/>
-              <a:t>18/10/2018</a:t>
+              <a:t>19/11/2018</a:t>
             </a:fld>
             <a:endParaRPr lang="en-GB"/>
           </a:p>
@@ -1836,7 +1838,7 @@
           <a:p>
             <a:fld id="{4DCC3765-A771-4BBA-8135-6F2E689117A7}" type="datetimeFigureOut">
               <a:rPr lang="en-GB" smtClean="0"/>
-              <a:t>18/10/2018</a:t>
+              <a:t>19/11/2018</a:t>
             </a:fld>
             <a:endParaRPr lang="en-GB"/>
           </a:p>
@@ -1978,7 +1980,7 @@
           <a:p>
             <a:fld id="{4DCC3765-A771-4BBA-8135-6F2E689117A7}" type="datetimeFigureOut">
               <a:rPr lang="en-GB" smtClean="0"/>
-              <a:t>18/10/2018</a:t>
+              <a:t>19/11/2018</a:t>
             </a:fld>
             <a:endParaRPr lang="en-GB"/>
           </a:p>
@@ -2091,7 +2093,7 @@
           <a:p>
             <a:fld id="{4DCC3765-A771-4BBA-8135-6F2E689117A7}" type="datetimeFigureOut">
               <a:rPr lang="en-GB" smtClean="0"/>
-              <a:t>18/10/2018</a:t>
+              <a:t>19/11/2018</a:t>
             </a:fld>
             <a:endParaRPr lang="en-GB"/>
           </a:p>
@@ -2404,7 +2406,7 @@
           <a:p>
             <a:fld id="{4DCC3765-A771-4BBA-8135-6F2E689117A7}" type="datetimeFigureOut">
               <a:rPr lang="en-GB" smtClean="0"/>
-              <a:t>18/10/2018</a:t>
+              <a:t>19/11/2018</a:t>
             </a:fld>
             <a:endParaRPr lang="en-GB"/>
           </a:p>
@@ -2693,7 +2695,7 @@
           <a:p>
             <a:fld id="{4DCC3765-A771-4BBA-8135-6F2E689117A7}" type="datetimeFigureOut">
               <a:rPr lang="en-GB" smtClean="0"/>
-              <a:t>18/10/2018</a:t>
+              <a:t>19/11/2018</a:t>
             </a:fld>
             <a:endParaRPr lang="en-GB"/>
           </a:p>
@@ -2936,7 +2938,7 @@
           <a:p>
             <a:fld id="{4DCC3765-A771-4BBA-8135-6F2E689117A7}" type="datetimeFigureOut">
               <a:rPr lang="en-GB" smtClean="0"/>
-              <a:t>18/10/2018</a:t>
+              <a:t>19/11/2018</a:t>
             </a:fld>
             <a:endParaRPr lang="en-GB"/>
           </a:p>
@@ -13338,6 +13340,2944 @@
 </p:sld>
 </file>
 
+<file path=ppt/slides/slide8.xml><?xml version="1.0" encoding="utf-8"?>
+<p:sld xmlns:a="http://schemas.openxmlformats.org/drawingml/2006/main" xmlns:r="http://schemas.openxmlformats.org/officeDocument/2006/relationships" xmlns:p="http://schemas.openxmlformats.org/presentationml/2006/main">
+  <p:cSld>
+    <p:spTree>
+      <p:nvGrpSpPr>
+        <p:cNvPr id="1" name=""/>
+        <p:cNvGrpSpPr/>
+        <p:nvPr/>
+      </p:nvGrpSpPr>
+      <p:grpSpPr>
+        <a:xfrm>
+          <a:off x="0" y="0"/>
+          <a:ext cx="0" cy="0"/>
+          <a:chOff x="0" y="0"/>
+          <a:chExt cx="0" cy="0"/>
+        </a:xfrm>
+      </p:grpSpPr>
+      <p:grpSp>
+        <p:nvGrpSpPr>
+          <p:cNvPr id="86" name="Group 85">
+            <a:extLst>
+              <a:ext uri="{FF2B5EF4-FFF2-40B4-BE49-F238E27FC236}">
+                <a16:creationId xmlns:a16="http://schemas.microsoft.com/office/drawing/2014/main" id="{67A3B2BF-9F4A-4817-B0EF-B23F81389E82}"/>
+              </a:ext>
+            </a:extLst>
+          </p:cNvPr>
+          <p:cNvGrpSpPr/>
+          <p:nvPr/>
+        </p:nvGrpSpPr>
+        <p:grpSpPr>
+          <a:xfrm>
+            <a:off x="1325216" y="2160105"/>
+            <a:ext cx="9325119" cy="2537791"/>
+            <a:chOff x="1325216" y="2160105"/>
+            <a:chExt cx="9325119" cy="2537791"/>
+          </a:xfrm>
+        </p:grpSpPr>
+        <p:grpSp>
+          <p:nvGrpSpPr>
+            <p:cNvPr id="45" name="Group 44">
+              <a:extLst>
+                <a:ext uri="{FF2B5EF4-FFF2-40B4-BE49-F238E27FC236}">
+                  <a16:creationId xmlns:a16="http://schemas.microsoft.com/office/drawing/2014/main" id="{2E8664C7-41BF-4511-9515-F1275BA6BA5D}"/>
+                </a:ext>
+              </a:extLst>
+            </p:cNvPr>
+            <p:cNvGrpSpPr/>
+            <p:nvPr/>
+          </p:nvGrpSpPr>
+          <p:grpSpPr>
+            <a:xfrm>
+              <a:off x="1325216" y="2160105"/>
+              <a:ext cx="9325119" cy="2537791"/>
+              <a:chOff x="1484241" y="2027583"/>
+              <a:chExt cx="9325119" cy="2537791"/>
+            </a:xfrm>
+          </p:grpSpPr>
+          <p:sp>
+            <p:nvSpPr>
+              <p:cNvPr id="4" name="Rectangle 3">
+                <a:extLst>
+                  <a:ext uri="{FF2B5EF4-FFF2-40B4-BE49-F238E27FC236}">
+                    <a16:creationId xmlns:a16="http://schemas.microsoft.com/office/drawing/2014/main" id="{88A54850-1F68-45B3-A6EF-0FC5B6CCC094}"/>
+                  </a:ext>
+                </a:extLst>
+              </p:cNvPr>
+              <p:cNvSpPr/>
+              <p:nvPr/>
+            </p:nvSpPr>
+            <p:spPr>
+              <a:xfrm>
+                <a:off x="1484241" y="2030896"/>
+                <a:ext cx="1073427" cy="911087"/>
+              </a:xfrm>
+              <a:prstGeom prst="rect">
+                <a:avLst/>
+              </a:prstGeom>
+            </p:spPr>
+            <p:style>
+              <a:lnRef idx="2">
+                <a:schemeClr val="dk1"/>
+              </a:lnRef>
+              <a:fillRef idx="1">
+                <a:schemeClr val="lt1"/>
+              </a:fillRef>
+              <a:effectRef idx="0">
+                <a:schemeClr val="dk1"/>
+              </a:effectRef>
+              <a:fontRef idx="minor">
+                <a:schemeClr val="dk1"/>
+              </a:fontRef>
+            </p:style>
+            <p:txBody>
+              <a:bodyPr rtlCol="0" anchor="ctr"/>
+              <a:lstStyle/>
+              <a:p>
+                <a:pPr algn="ctr"/>
+                <a:r>
+                  <a:rPr lang="en-GB" dirty="0"/>
+                  <a:t>Desired</a:t>
+                </a:r>
+              </a:p>
+              <a:p>
+                <a:pPr algn="ctr"/>
+                <a:r>
+                  <a:rPr lang="en-GB" dirty="0"/>
+                  <a:t>Global</a:t>
+                </a:r>
+              </a:p>
+              <a:p>
+                <a:pPr algn="ctr"/>
+                <a:r>
+                  <a:rPr lang="en-GB" dirty="0"/>
+                  <a:t>Positions</a:t>
+                </a:r>
+              </a:p>
+            </p:txBody>
+          </p:sp>
+          <p:sp>
+            <p:nvSpPr>
+              <p:cNvPr id="5" name="Rectangle 4">
+                <a:extLst>
+                  <a:ext uri="{FF2B5EF4-FFF2-40B4-BE49-F238E27FC236}">
+                    <a16:creationId xmlns:a16="http://schemas.microsoft.com/office/drawing/2014/main" id="{F7A7768B-17CD-48DB-A6C4-13DAB6366245}"/>
+                  </a:ext>
+                </a:extLst>
+              </p:cNvPr>
+              <p:cNvSpPr/>
+              <p:nvPr/>
+            </p:nvSpPr>
+            <p:spPr>
+              <a:xfrm>
+                <a:off x="3339547" y="2027583"/>
+                <a:ext cx="1232453" cy="914400"/>
+              </a:xfrm>
+              <a:prstGeom prst="rect">
+                <a:avLst/>
+              </a:prstGeom>
+            </p:spPr>
+            <p:style>
+              <a:lnRef idx="2">
+                <a:schemeClr val="dk1"/>
+              </a:lnRef>
+              <a:fillRef idx="1">
+                <a:schemeClr val="lt1"/>
+              </a:fillRef>
+              <a:effectRef idx="0">
+                <a:schemeClr val="dk1"/>
+              </a:effectRef>
+              <a:fontRef idx="minor">
+                <a:schemeClr val="dk1"/>
+              </a:fontRef>
+            </p:style>
+            <p:txBody>
+              <a:bodyPr rtlCol="0" anchor="ctr"/>
+              <a:lstStyle/>
+              <a:p>
+                <a:pPr algn="ctr"/>
+                <a:r>
+                  <a:rPr lang="en-GB" dirty="0"/>
+                  <a:t>Inverse</a:t>
+                </a:r>
+              </a:p>
+              <a:p>
+                <a:pPr algn="ctr"/>
+                <a:r>
+                  <a:rPr lang="en-GB" dirty="0"/>
+                  <a:t>Kinematics</a:t>
+                </a:r>
+              </a:p>
+            </p:txBody>
+          </p:sp>
+          <p:cxnSp>
+            <p:nvCxnSpPr>
+              <p:cNvPr id="7" name="Straight Arrow Connector 6">
+                <a:extLst>
+                  <a:ext uri="{FF2B5EF4-FFF2-40B4-BE49-F238E27FC236}">
+                    <a16:creationId xmlns:a16="http://schemas.microsoft.com/office/drawing/2014/main" id="{B3906CC6-C01B-46D7-A6C7-8935E58F110F}"/>
+                  </a:ext>
+                </a:extLst>
+              </p:cNvPr>
+              <p:cNvCxnSpPr>
+                <a:cxnSpLocks/>
+                <a:stCxn id="4" idx="3"/>
+                <a:endCxn id="5" idx="1"/>
+              </p:cNvCxnSpPr>
+              <p:nvPr/>
+            </p:nvCxnSpPr>
+            <p:spPr>
+              <a:xfrm flipV="1">
+                <a:off x="2557668" y="2484783"/>
+                <a:ext cx="781879" cy="1657"/>
+              </a:xfrm>
+              <a:prstGeom prst="straightConnector1">
+                <a:avLst/>
+              </a:prstGeom>
+              <a:ln>
+                <a:tailEnd type="triangle"/>
+              </a:ln>
+            </p:spPr>
+            <p:style>
+              <a:lnRef idx="1">
+                <a:schemeClr val="dk1"/>
+              </a:lnRef>
+              <a:fillRef idx="0">
+                <a:schemeClr val="dk1"/>
+              </a:fillRef>
+              <a:effectRef idx="0">
+                <a:schemeClr val="dk1"/>
+              </a:effectRef>
+              <a:fontRef idx="minor">
+                <a:schemeClr val="tx1"/>
+              </a:fontRef>
+            </p:style>
+          </p:cxnSp>
+          <p:sp>
+            <p:nvSpPr>
+              <p:cNvPr id="11" name="Rectangle 10">
+                <a:extLst>
+                  <a:ext uri="{FF2B5EF4-FFF2-40B4-BE49-F238E27FC236}">
+                    <a16:creationId xmlns:a16="http://schemas.microsoft.com/office/drawing/2014/main" id="{572F815B-5DC8-4020-9CB6-F4E6F565EF79}"/>
+                  </a:ext>
+                </a:extLst>
+              </p:cNvPr>
+              <p:cNvSpPr/>
+              <p:nvPr/>
+            </p:nvSpPr>
+            <p:spPr>
+              <a:xfrm>
+                <a:off x="6705601" y="2027583"/>
+                <a:ext cx="1232453" cy="914400"/>
+              </a:xfrm>
+              <a:prstGeom prst="rect">
+                <a:avLst/>
+              </a:prstGeom>
+            </p:spPr>
+            <p:style>
+              <a:lnRef idx="2">
+                <a:schemeClr val="dk1"/>
+              </a:lnRef>
+              <a:fillRef idx="1">
+                <a:schemeClr val="lt1"/>
+              </a:fillRef>
+              <a:effectRef idx="0">
+                <a:schemeClr val="dk1"/>
+              </a:effectRef>
+              <a:fontRef idx="minor">
+                <a:schemeClr val="dk1"/>
+              </a:fontRef>
+            </p:style>
+            <p:txBody>
+              <a:bodyPr rtlCol="0" anchor="ctr"/>
+              <a:lstStyle/>
+              <a:p>
+                <a:pPr algn="ctr"/>
+                <a:r>
+                  <a:rPr lang="en-GB" dirty="0"/>
+                  <a:t>PID Joint</a:t>
+                </a:r>
+              </a:p>
+              <a:p>
+                <a:pPr algn="ctr"/>
+                <a:r>
+                  <a:rPr lang="en-GB" dirty="0"/>
+                  <a:t>Position</a:t>
+                </a:r>
+              </a:p>
+              <a:p>
+                <a:pPr algn="ctr"/>
+                <a:r>
+                  <a:rPr lang="en-GB" dirty="0"/>
+                  <a:t>Controllers</a:t>
+                </a:r>
+              </a:p>
+            </p:txBody>
+          </p:sp>
+          <p:sp>
+            <p:nvSpPr>
+              <p:cNvPr id="13" name="Rectangle 12">
+                <a:extLst>
+                  <a:ext uri="{FF2B5EF4-FFF2-40B4-BE49-F238E27FC236}">
+                    <a16:creationId xmlns:a16="http://schemas.microsoft.com/office/drawing/2014/main" id="{BACA8FC3-552C-4BE9-9711-E440C7D96EDE}"/>
+                  </a:ext>
+                </a:extLst>
+              </p:cNvPr>
+              <p:cNvSpPr/>
+              <p:nvPr/>
+            </p:nvSpPr>
+            <p:spPr>
+              <a:xfrm>
+                <a:off x="8719933" y="2027583"/>
+                <a:ext cx="1232453" cy="914400"/>
+              </a:xfrm>
+              <a:prstGeom prst="rect">
+                <a:avLst/>
+              </a:prstGeom>
+            </p:spPr>
+            <p:style>
+              <a:lnRef idx="2">
+                <a:schemeClr val="dk1"/>
+              </a:lnRef>
+              <a:fillRef idx="1">
+                <a:schemeClr val="lt1"/>
+              </a:fillRef>
+              <a:effectRef idx="0">
+                <a:schemeClr val="dk1"/>
+              </a:effectRef>
+              <a:fontRef idx="minor">
+                <a:schemeClr val="dk1"/>
+              </a:fontRef>
+            </p:style>
+            <p:txBody>
+              <a:bodyPr rtlCol="0" anchor="ctr"/>
+              <a:lstStyle/>
+              <a:p>
+                <a:pPr algn="ctr"/>
+                <a:r>
+                  <a:rPr lang="en-GB" dirty="0"/>
+                  <a:t>Plant</a:t>
+                </a:r>
+              </a:p>
+            </p:txBody>
+          </p:sp>
+          <p:cxnSp>
+            <p:nvCxnSpPr>
+              <p:cNvPr id="16" name="Straight Arrow Connector 15">
+                <a:extLst>
+                  <a:ext uri="{FF2B5EF4-FFF2-40B4-BE49-F238E27FC236}">
+                    <a16:creationId xmlns:a16="http://schemas.microsoft.com/office/drawing/2014/main" id="{6A2C2A79-9DF1-4B28-9C0E-0684AF9D5198}"/>
+                  </a:ext>
+                </a:extLst>
+              </p:cNvPr>
+              <p:cNvCxnSpPr>
+                <a:cxnSpLocks/>
+                <a:stCxn id="11" idx="3"/>
+                <a:endCxn id="13" idx="1"/>
+              </p:cNvCxnSpPr>
+              <p:nvPr/>
+            </p:nvCxnSpPr>
+            <p:spPr>
+              <a:xfrm>
+                <a:off x="7938054" y="2484783"/>
+                <a:ext cx="781879" cy="0"/>
+              </a:xfrm>
+              <a:prstGeom prst="straightConnector1">
+                <a:avLst/>
+              </a:prstGeom>
+              <a:ln>
+                <a:tailEnd type="triangle"/>
+              </a:ln>
+            </p:spPr>
+            <p:style>
+              <a:lnRef idx="1">
+                <a:schemeClr val="dk1"/>
+              </a:lnRef>
+              <a:fillRef idx="0">
+                <a:schemeClr val="dk1"/>
+              </a:fillRef>
+              <a:effectRef idx="0">
+                <a:schemeClr val="dk1"/>
+              </a:effectRef>
+              <a:fontRef idx="minor">
+                <a:schemeClr val="tx1"/>
+              </a:fontRef>
+            </p:style>
+          </p:cxnSp>
+          <p:cxnSp>
+            <p:nvCxnSpPr>
+              <p:cNvPr id="27" name="Straight Arrow Connector 26">
+                <a:extLst>
+                  <a:ext uri="{FF2B5EF4-FFF2-40B4-BE49-F238E27FC236}">
+                    <a16:creationId xmlns:a16="http://schemas.microsoft.com/office/drawing/2014/main" id="{64076D96-9FAB-4074-966B-3DE38337D2C6}"/>
+                  </a:ext>
+                </a:extLst>
+              </p:cNvPr>
+              <p:cNvCxnSpPr>
+                <a:cxnSpLocks/>
+                <a:stCxn id="13" idx="3"/>
+              </p:cNvCxnSpPr>
+              <p:nvPr/>
+            </p:nvCxnSpPr>
+            <p:spPr>
+              <a:xfrm>
+                <a:off x="9952386" y="2484783"/>
+                <a:ext cx="856974" cy="0"/>
+              </a:xfrm>
+              <a:prstGeom prst="straightConnector1">
+                <a:avLst/>
+              </a:prstGeom>
+              <a:ln>
+                <a:tailEnd type="triangle"/>
+              </a:ln>
+            </p:spPr>
+            <p:style>
+              <a:lnRef idx="1">
+                <a:schemeClr val="dk1"/>
+              </a:lnRef>
+              <a:fillRef idx="0">
+                <a:schemeClr val="dk1"/>
+              </a:fillRef>
+              <a:effectRef idx="0">
+                <a:schemeClr val="dk1"/>
+              </a:effectRef>
+              <a:fontRef idx="minor">
+                <a:schemeClr val="tx1"/>
+              </a:fontRef>
+            </p:style>
+          </p:cxnSp>
+          <p:sp>
+            <p:nvSpPr>
+              <p:cNvPr id="28" name="Oval 27">
+                <a:extLst>
+                  <a:ext uri="{FF2B5EF4-FFF2-40B4-BE49-F238E27FC236}">
+                    <a16:creationId xmlns:a16="http://schemas.microsoft.com/office/drawing/2014/main" id="{821839F0-70CE-4ABD-9DC0-F56348E7AF80}"/>
+                  </a:ext>
+                </a:extLst>
+              </p:cNvPr>
+              <p:cNvSpPr/>
+              <p:nvPr/>
+            </p:nvSpPr>
+            <p:spPr>
+              <a:xfrm>
+                <a:off x="5353879" y="2186609"/>
+                <a:ext cx="569843" cy="596347"/>
+              </a:xfrm>
+              <a:prstGeom prst="ellipse">
+                <a:avLst/>
+              </a:prstGeom>
+            </p:spPr>
+            <p:style>
+              <a:lnRef idx="2">
+                <a:schemeClr val="dk1"/>
+              </a:lnRef>
+              <a:fillRef idx="1">
+                <a:schemeClr val="lt1"/>
+              </a:fillRef>
+              <a:effectRef idx="0">
+                <a:schemeClr val="dk1"/>
+              </a:effectRef>
+              <a:fontRef idx="minor">
+                <a:schemeClr val="dk1"/>
+              </a:fontRef>
+            </p:style>
+            <p:txBody>
+              <a:bodyPr rtlCol="0" anchor="ctr"/>
+              <a:lstStyle/>
+              <a:p>
+                <a:pPr algn="ctr"/>
+                <a:endParaRPr lang="en-GB"/>
+              </a:p>
+            </p:txBody>
+          </p:sp>
+          <p:cxnSp>
+            <p:nvCxnSpPr>
+              <p:cNvPr id="30" name="Straight Connector 29">
+                <a:extLst>
+                  <a:ext uri="{FF2B5EF4-FFF2-40B4-BE49-F238E27FC236}">
+                    <a16:creationId xmlns:a16="http://schemas.microsoft.com/office/drawing/2014/main" id="{D7192747-629E-44B1-ACE9-6136F05A5B5F}"/>
+                  </a:ext>
+                </a:extLst>
+              </p:cNvPr>
+              <p:cNvCxnSpPr>
+                <a:stCxn id="28" idx="1"/>
+                <a:endCxn id="28" idx="5"/>
+              </p:cNvCxnSpPr>
+              <p:nvPr/>
+            </p:nvCxnSpPr>
+            <p:spPr>
+              <a:xfrm>
+                <a:off x="5437331" y="2273942"/>
+                <a:ext cx="402939" cy="421681"/>
+              </a:xfrm>
+              <a:prstGeom prst="line">
+                <a:avLst/>
+              </a:prstGeom>
+            </p:spPr>
+            <p:style>
+              <a:lnRef idx="2">
+                <a:schemeClr val="dk1"/>
+              </a:lnRef>
+              <a:fillRef idx="1">
+                <a:schemeClr val="lt1"/>
+              </a:fillRef>
+              <a:effectRef idx="0">
+                <a:schemeClr val="dk1"/>
+              </a:effectRef>
+              <a:fontRef idx="minor">
+                <a:schemeClr val="dk1"/>
+              </a:fontRef>
+            </p:style>
+          </p:cxnSp>
+          <p:cxnSp>
+            <p:nvCxnSpPr>
+              <p:cNvPr id="32" name="Straight Connector 31">
+                <a:extLst>
+                  <a:ext uri="{FF2B5EF4-FFF2-40B4-BE49-F238E27FC236}">
+                    <a16:creationId xmlns:a16="http://schemas.microsoft.com/office/drawing/2014/main" id="{CFCE53FF-7E19-4E6B-AC69-5D4DCBC461C4}"/>
+                  </a:ext>
+                </a:extLst>
+              </p:cNvPr>
+              <p:cNvCxnSpPr>
+                <a:stCxn id="28" idx="3"/>
+                <a:endCxn id="28" idx="7"/>
+              </p:cNvCxnSpPr>
+              <p:nvPr/>
+            </p:nvCxnSpPr>
+            <p:spPr>
+              <a:xfrm flipV="1">
+                <a:off x="5437331" y="2273942"/>
+                <a:ext cx="402939" cy="421681"/>
+              </a:xfrm>
+              <a:prstGeom prst="line">
+                <a:avLst/>
+              </a:prstGeom>
+            </p:spPr>
+            <p:style>
+              <a:lnRef idx="2">
+                <a:schemeClr val="dk1"/>
+              </a:lnRef>
+              <a:fillRef idx="1">
+                <a:schemeClr val="lt1"/>
+              </a:fillRef>
+              <a:effectRef idx="0">
+                <a:schemeClr val="dk1"/>
+              </a:effectRef>
+              <a:fontRef idx="minor">
+                <a:schemeClr val="dk1"/>
+              </a:fontRef>
+            </p:style>
+          </p:cxnSp>
+          <p:cxnSp>
+            <p:nvCxnSpPr>
+              <p:cNvPr id="34" name="Straight Arrow Connector 33">
+                <a:extLst>
+                  <a:ext uri="{FF2B5EF4-FFF2-40B4-BE49-F238E27FC236}">
+                    <a16:creationId xmlns:a16="http://schemas.microsoft.com/office/drawing/2014/main" id="{034418F5-4AED-4330-8311-3849EE1C5E97}"/>
+                  </a:ext>
+                </a:extLst>
+              </p:cNvPr>
+              <p:cNvCxnSpPr>
+                <a:cxnSpLocks/>
+                <a:stCxn id="5" idx="3"/>
+                <a:endCxn id="28" idx="2"/>
+              </p:cNvCxnSpPr>
+              <p:nvPr/>
+            </p:nvCxnSpPr>
+            <p:spPr>
+              <a:xfrm>
+                <a:off x="4572000" y="2484783"/>
+                <a:ext cx="781879" cy="0"/>
+              </a:xfrm>
+              <a:prstGeom prst="straightConnector1">
+                <a:avLst/>
+              </a:prstGeom>
+              <a:ln>
+                <a:tailEnd type="triangle"/>
+              </a:ln>
+            </p:spPr>
+            <p:style>
+              <a:lnRef idx="1">
+                <a:schemeClr val="dk1"/>
+              </a:lnRef>
+              <a:fillRef idx="0">
+                <a:schemeClr val="dk1"/>
+              </a:fillRef>
+              <a:effectRef idx="0">
+                <a:schemeClr val="dk1"/>
+              </a:effectRef>
+              <a:fontRef idx="minor">
+                <a:schemeClr val="tx1"/>
+              </a:fontRef>
+            </p:style>
+          </p:cxnSp>
+          <p:cxnSp>
+            <p:nvCxnSpPr>
+              <p:cNvPr id="37" name="Straight Arrow Connector 36">
+                <a:extLst>
+                  <a:ext uri="{FF2B5EF4-FFF2-40B4-BE49-F238E27FC236}">
+                    <a16:creationId xmlns:a16="http://schemas.microsoft.com/office/drawing/2014/main" id="{DBA30C66-EC96-4F49-9CA6-59C18E26D00E}"/>
+                  </a:ext>
+                </a:extLst>
+              </p:cNvPr>
+              <p:cNvCxnSpPr>
+                <a:cxnSpLocks/>
+                <a:stCxn id="28" idx="6"/>
+                <a:endCxn id="11" idx="1"/>
+              </p:cNvCxnSpPr>
+              <p:nvPr/>
+            </p:nvCxnSpPr>
+            <p:spPr>
+              <a:xfrm>
+                <a:off x="5923722" y="2484783"/>
+                <a:ext cx="781879" cy="0"/>
+              </a:xfrm>
+              <a:prstGeom prst="straightConnector1">
+                <a:avLst/>
+              </a:prstGeom>
+              <a:ln>
+                <a:tailEnd type="triangle"/>
+              </a:ln>
+            </p:spPr>
+            <p:style>
+              <a:lnRef idx="1">
+                <a:schemeClr val="dk1"/>
+              </a:lnRef>
+              <a:fillRef idx="0">
+                <a:schemeClr val="dk1"/>
+              </a:fillRef>
+              <a:effectRef idx="0">
+                <a:schemeClr val="dk1"/>
+              </a:effectRef>
+              <a:fontRef idx="minor">
+                <a:schemeClr val="tx1"/>
+              </a:fontRef>
+            </p:style>
+          </p:cxnSp>
+          <p:sp>
+            <p:nvSpPr>
+              <p:cNvPr id="42" name="TextBox 41">
+                <a:extLst>
+                  <a:ext uri="{FF2B5EF4-FFF2-40B4-BE49-F238E27FC236}">
+                    <a16:creationId xmlns:a16="http://schemas.microsoft.com/office/drawing/2014/main" id="{59663CD7-866B-4C3C-B1C4-C4056FF3FE20}"/>
+                  </a:ext>
+                </a:extLst>
+              </p:cNvPr>
+              <p:cNvSpPr txBox="1"/>
+              <p:nvPr/>
+            </p:nvSpPr>
+            <p:spPr>
+              <a:xfrm>
+                <a:off x="5323107" y="2300116"/>
+                <a:ext cx="300082" cy="369332"/>
+              </a:xfrm>
+              <a:prstGeom prst="rect">
+                <a:avLst/>
+              </a:prstGeom>
+              <a:noFill/>
+            </p:spPr>
+            <p:txBody>
+              <a:bodyPr wrap="none" rtlCol="0">
+                <a:spAutoFit/>
+              </a:bodyPr>
+              <a:lstStyle/>
+              <a:p>
+                <a:r>
+                  <a:rPr lang="en-GB" dirty="0"/>
+                  <a:t>+</a:t>
+                </a:r>
+              </a:p>
+            </p:txBody>
+          </p:sp>
+          <p:sp>
+            <p:nvSpPr>
+              <p:cNvPr id="43" name="TextBox 42">
+                <a:extLst>
+                  <a:ext uri="{FF2B5EF4-FFF2-40B4-BE49-F238E27FC236}">
+                    <a16:creationId xmlns:a16="http://schemas.microsoft.com/office/drawing/2014/main" id="{29F2EA1F-79DB-4E74-8BD9-2EA36FE94F93}"/>
+                  </a:ext>
+                </a:extLst>
+              </p:cNvPr>
+              <p:cNvSpPr txBox="1"/>
+              <p:nvPr/>
+            </p:nvSpPr>
+            <p:spPr>
+              <a:xfrm>
+                <a:off x="5511201" y="2457557"/>
+                <a:ext cx="255198" cy="369332"/>
+              </a:xfrm>
+              <a:prstGeom prst="rect">
+                <a:avLst/>
+              </a:prstGeom>
+              <a:noFill/>
+            </p:spPr>
+            <p:txBody>
+              <a:bodyPr wrap="none" rtlCol="0">
+                <a:spAutoFit/>
+              </a:bodyPr>
+              <a:lstStyle/>
+              <a:p>
+                <a:r>
+                  <a:rPr lang="en-GB" dirty="0"/>
+                  <a:t>-</a:t>
+                </a:r>
+              </a:p>
+            </p:txBody>
+          </p:sp>
+          <p:sp>
+            <p:nvSpPr>
+              <p:cNvPr id="67" name="Rectangle 66">
+                <a:extLst>
+                  <a:ext uri="{FF2B5EF4-FFF2-40B4-BE49-F238E27FC236}">
+                    <a16:creationId xmlns:a16="http://schemas.microsoft.com/office/drawing/2014/main" id="{6C9E1516-DCBF-4202-AD55-7927D6F80594}"/>
+                  </a:ext>
+                </a:extLst>
+              </p:cNvPr>
+              <p:cNvSpPr/>
+              <p:nvPr/>
+            </p:nvSpPr>
+            <p:spPr>
+              <a:xfrm>
+                <a:off x="7712766" y="3650974"/>
+                <a:ext cx="1232453" cy="914400"/>
+              </a:xfrm>
+              <a:prstGeom prst="rect">
+                <a:avLst/>
+              </a:prstGeom>
+            </p:spPr>
+            <p:style>
+              <a:lnRef idx="2">
+                <a:schemeClr val="dk1"/>
+              </a:lnRef>
+              <a:fillRef idx="1">
+                <a:schemeClr val="lt1"/>
+              </a:fillRef>
+              <a:effectRef idx="0">
+                <a:schemeClr val="dk1"/>
+              </a:effectRef>
+              <a:fontRef idx="minor">
+                <a:schemeClr val="dk1"/>
+              </a:fontRef>
+            </p:style>
+            <p:txBody>
+              <a:bodyPr rtlCol="0" anchor="ctr"/>
+              <a:lstStyle/>
+              <a:p>
+                <a:pPr algn="ctr"/>
+                <a:r>
+                  <a:rPr lang="en-GB" dirty="0"/>
+                  <a:t>Joint</a:t>
+                </a:r>
+              </a:p>
+              <a:p>
+                <a:pPr algn="ctr"/>
+                <a:r>
+                  <a:rPr lang="en-GB" dirty="0"/>
+                  <a:t>Angle</a:t>
+                </a:r>
+              </a:p>
+              <a:p>
+                <a:pPr algn="ctr"/>
+                <a:r>
+                  <a:rPr lang="en-GB" dirty="0"/>
+                  <a:t>Sensors</a:t>
+                </a:r>
+              </a:p>
+            </p:txBody>
+          </p:sp>
+        </p:grpSp>
+        <p:cxnSp>
+          <p:nvCxnSpPr>
+            <p:cNvPr id="69" name="Straight Arrow Connector 68">
+              <a:extLst>
+                <a:ext uri="{FF2B5EF4-FFF2-40B4-BE49-F238E27FC236}">
+                  <a16:creationId xmlns:a16="http://schemas.microsoft.com/office/drawing/2014/main" id="{FAEB4BCC-076C-414D-9FC5-654DEEDA3F26}"/>
+                </a:ext>
+              </a:extLst>
+            </p:cNvPr>
+            <p:cNvCxnSpPr>
+              <a:endCxn id="67" idx="3"/>
+            </p:cNvCxnSpPr>
+            <p:nvPr/>
+          </p:nvCxnSpPr>
+          <p:spPr>
+            <a:xfrm flipH="1">
+              <a:off x="8786194" y="4240696"/>
+              <a:ext cx="1435654" cy="0"/>
+            </a:xfrm>
+            <a:prstGeom prst="straightConnector1">
+              <a:avLst/>
+            </a:prstGeom>
+            <a:ln>
+              <a:tailEnd type="triangle"/>
+            </a:ln>
+          </p:spPr>
+          <p:style>
+            <a:lnRef idx="1">
+              <a:schemeClr val="dk1"/>
+            </a:lnRef>
+            <a:fillRef idx="0">
+              <a:schemeClr val="dk1"/>
+            </a:fillRef>
+            <a:effectRef idx="0">
+              <a:schemeClr val="dk1"/>
+            </a:effectRef>
+            <a:fontRef idx="minor">
+              <a:schemeClr val="tx1"/>
+            </a:fontRef>
+          </p:style>
+        </p:cxnSp>
+        <p:cxnSp>
+          <p:nvCxnSpPr>
+            <p:cNvPr id="71" name="Straight Connector 70">
+              <a:extLst>
+                <a:ext uri="{FF2B5EF4-FFF2-40B4-BE49-F238E27FC236}">
+                  <a16:creationId xmlns:a16="http://schemas.microsoft.com/office/drawing/2014/main" id="{00AFF150-DFA5-4F0F-9A64-9E144770FBEE}"/>
+                </a:ext>
+              </a:extLst>
+            </p:cNvPr>
+            <p:cNvCxnSpPr>
+              <a:cxnSpLocks/>
+            </p:cNvCxnSpPr>
+            <p:nvPr/>
+          </p:nvCxnSpPr>
+          <p:spPr>
+            <a:xfrm flipV="1">
+              <a:off x="10221848" y="2617304"/>
+              <a:ext cx="0" cy="1623393"/>
+            </a:xfrm>
+            <a:prstGeom prst="line">
+              <a:avLst/>
+            </a:prstGeom>
+          </p:spPr>
+          <p:style>
+            <a:lnRef idx="1">
+              <a:schemeClr val="dk1"/>
+            </a:lnRef>
+            <a:fillRef idx="0">
+              <a:schemeClr val="dk1"/>
+            </a:fillRef>
+            <a:effectRef idx="0">
+              <a:schemeClr val="dk1"/>
+            </a:effectRef>
+            <a:fontRef idx="minor">
+              <a:schemeClr val="tx1"/>
+            </a:fontRef>
+          </p:style>
+        </p:cxnSp>
+        <p:cxnSp>
+          <p:nvCxnSpPr>
+            <p:cNvPr id="75" name="Straight Arrow Connector 74">
+              <a:extLst>
+                <a:ext uri="{FF2B5EF4-FFF2-40B4-BE49-F238E27FC236}">
+                  <a16:creationId xmlns:a16="http://schemas.microsoft.com/office/drawing/2014/main" id="{ED49712C-F1AD-4926-8F79-EB73F3362D0D}"/>
+                </a:ext>
+              </a:extLst>
+            </p:cNvPr>
+            <p:cNvCxnSpPr>
+              <a:cxnSpLocks/>
+              <a:endCxn id="28" idx="4"/>
+            </p:cNvCxnSpPr>
+            <p:nvPr/>
+          </p:nvCxnSpPr>
+          <p:spPr>
+            <a:xfrm flipV="1">
+              <a:off x="5479774" y="2915478"/>
+              <a:ext cx="2" cy="1325218"/>
+            </a:xfrm>
+            <a:prstGeom prst="straightConnector1">
+              <a:avLst/>
+            </a:prstGeom>
+            <a:ln>
+              <a:tailEnd type="triangle"/>
+            </a:ln>
+          </p:spPr>
+          <p:style>
+            <a:lnRef idx="1">
+              <a:schemeClr val="dk1"/>
+            </a:lnRef>
+            <a:fillRef idx="0">
+              <a:schemeClr val="dk1"/>
+            </a:fillRef>
+            <a:effectRef idx="0">
+              <a:schemeClr val="dk1"/>
+            </a:effectRef>
+            <a:fontRef idx="minor">
+              <a:schemeClr val="tx1"/>
+            </a:fontRef>
+          </p:style>
+        </p:cxnSp>
+        <p:cxnSp>
+          <p:nvCxnSpPr>
+            <p:cNvPr id="78" name="Straight Connector 77">
+              <a:extLst>
+                <a:ext uri="{FF2B5EF4-FFF2-40B4-BE49-F238E27FC236}">
+                  <a16:creationId xmlns:a16="http://schemas.microsoft.com/office/drawing/2014/main" id="{A70E8DB1-6ACA-40BF-8436-F0423E85A96A}"/>
+                </a:ext>
+              </a:extLst>
+            </p:cNvPr>
+            <p:cNvCxnSpPr>
+              <a:stCxn id="67" idx="1"/>
+            </p:cNvCxnSpPr>
+            <p:nvPr/>
+          </p:nvCxnSpPr>
+          <p:spPr>
+            <a:xfrm flipH="1">
+              <a:off x="5479775" y="4240696"/>
+              <a:ext cx="2073966" cy="0"/>
+            </a:xfrm>
+            <a:prstGeom prst="line">
+              <a:avLst/>
+            </a:prstGeom>
+          </p:spPr>
+          <p:style>
+            <a:lnRef idx="1">
+              <a:schemeClr val="dk1"/>
+            </a:lnRef>
+            <a:fillRef idx="0">
+              <a:schemeClr val="dk1"/>
+            </a:fillRef>
+            <a:effectRef idx="0">
+              <a:schemeClr val="dk1"/>
+            </a:effectRef>
+            <a:fontRef idx="minor">
+              <a:schemeClr val="tx1"/>
+            </a:fontRef>
+          </p:style>
+        </p:cxnSp>
+      </p:grpSp>
+      <p:sp>
+        <p:nvSpPr>
+          <p:cNvPr id="87" name="TextBox 86">
+            <a:extLst>
+              <a:ext uri="{FF2B5EF4-FFF2-40B4-BE49-F238E27FC236}">
+                <a16:creationId xmlns:a16="http://schemas.microsoft.com/office/drawing/2014/main" id="{29B09FAF-6595-41F3-8D4F-3F9F7B190518}"/>
+              </a:ext>
+            </a:extLst>
+          </p:cNvPr>
+          <p:cNvSpPr txBox="1"/>
+          <p:nvPr/>
+        </p:nvSpPr>
+        <p:spPr>
+          <a:xfrm>
+            <a:off x="2404764" y="2247972"/>
+            <a:ext cx="606256" cy="369332"/>
+          </a:xfrm>
+          <a:prstGeom prst="rect">
+            <a:avLst/>
+          </a:prstGeom>
+          <a:noFill/>
+        </p:spPr>
+        <p:txBody>
+          <a:bodyPr wrap="none" rtlCol="0">
+            <a:spAutoFit/>
+          </a:bodyPr>
+          <a:lstStyle/>
+          <a:p>
+            <a:r>
+              <a:rPr lang="en-GB" dirty="0">
+                <a:solidFill>
+                  <a:srgbClr val="002060"/>
+                </a:solidFill>
+              </a:rPr>
+              <a:t>x</a:t>
+            </a:r>
+            <a:r>
+              <a:rPr lang="en-GB" baseline="-25000" dirty="0">
+                <a:solidFill>
+                  <a:srgbClr val="002060"/>
+                </a:solidFill>
+              </a:rPr>
+              <a:t>d</a:t>
+            </a:r>
+            <a:r>
+              <a:rPr lang="en-GB" dirty="0">
+                <a:solidFill>
+                  <a:srgbClr val="002060"/>
+                </a:solidFill>
+              </a:rPr>
+              <a:t>,y</a:t>
+            </a:r>
+            <a:r>
+              <a:rPr lang="en-GB" baseline="-25000" dirty="0">
+                <a:solidFill>
+                  <a:srgbClr val="002060"/>
+                </a:solidFill>
+              </a:rPr>
+              <a:t>d</a:t>
+            </a:r>
+          </a:p>
+        </p:txBody>
+      </p:sp>
+      <p:sp>
+        <p:nvSpPr>
+          <p:cNvPr id="88" name="TextBox 87">
+            <a:extLst>
+              <a:ext uri="{FF2B5EF4-FFF2-40B4-BE49-F238E27FC236}">
+                <a16:creationId xmlns:a16="http://schemas.microsoft.com/office/drawing/2014/main" id="{86D17476-D79B-4EAE-A6E3-6C90714AC61B}"/>
+              </a:ext>
+            </a:extLst>
+          </p:cNvPr>
+          <p:cNvSpPr txBox="1"/>
+          <p:nvPr/>
+        </p:nvSpPr>
+        <p:spPr>
+          <a:xfrm>
+            <a:off x="4405390" y="2269939"/>
+            <a:ext cx="806631" cy="369332"/>
+          </a:xfrm>
+          <a:prstGeom prst="rect">
+            <a:avLst/>
+          </a:prstGeom>
+          <a:noFill/>
+        </p:spPr>
+        <p:txBody>
+          <a:bodyPr wrap="none" rtlCol="0">
+            <a:spAutoFit/>
+          </a:bodyPr>
+          <a:lstStyle/>
+          <a:p>
+            <a:r>
+              <a:rPr lang="el-GR" dirty="0">
+                <a:solidFill>
+                  <a:srgbClr val="002060"/>
+                </a:solidFill>
+              </a:rPr>
+              <a:t>θ</a:t>
+            </a:r>
+            <a:r>
+              <a:rPr lang="en-GB" baseline="-25000" dirty="0">
+                <a:solidFill>
+                  <a:srgbClr val="002060"/>
+                </a:solidFill>
+              </a:rPr>
+              <a:t>0d</a:t>
+            </a:r>
+            <a:r>
+              <a:rPr lang="en-GB" dirty="0">
+                <a:solidFill>
+                  <a:srgbClr val="002060"/>
+                </a:solidFill>
+              </a:rPr>
+              <a:t>,</a:t>
+            </a:r>
+            <a:r>
+              <a:rPr lang="el-GR" dirty="0">
+                <a:solidFill>
+                  <a:srgbClr val="002060"/>
+                </a:solidFill>
+              </a:rPr>
+              <a:t>θ</a:t>
+            </a:r>
+            <a:r>
+              <a:rPr lang="en-GB" baseline="-25000" dirty="0">
+                <a:solidFill>
+                  <a:srgbClr val="002060"/>
+                </a:solidFill>
+              </a:rPr>
+              <a:t>1d</a:t>
+            </a:r>
+          </a:p>
+        </p:txBody>
+      </p:sp>
+      <p:sp>
+        <p:nvSpPr>
+          <p:cNvPr id="91" name="TextBox 90">
+            <a:extLst>
+              <a:ext uri="{FF2B5EF4-FFF2-40B4-BE49-F238E27FC236}">
+                <a16:creationId xmlns:a16="http://schemas.microsoft.com/office/drawing/2014/main" id="{487295BC-7E38-4F31-A9C3-774753CA5D1D}"/>
+              </a:ext>
+            </a:extLst>
+          </p:cNvPr>
+          <p:cNvSpPr txBox="1"/>
+          <p:nvPr/>
+        </p:nvSpPr>
+        <p:spPr>
+          <a:xfrm>
+            <a:off x="6213710" y="3893859"/>
+            <a:ext cx="827021" cy="369332"/>
+          </a:xfrm>
+          <a:prstGeom prst="rect">
+            <a:avLst/>
+          </a:prstGeom>
+          <a:noFill/>
+        </p:spPr>
+        <p:txBody>
+          <a:bodyPr wrap="none" rtlCol="0">
+            <a:spAutoFit/>
+          </a:bodyPr>
+          <a:lstStyle/>
+          <a:p>
+            <a:r>
+              <a:rPr lang="el-GR" dirty="0">
+                <a:solidFill>
+                  <a:srgbClr val="002060"/>
+                </a:solidFill>
+              </a:rPr>
+              <a:t>θ</a:t>
+            </a:r>
+            <a:r>
+              <a:rPr lang="en-GB" baseline="-25000" dirty="0">
+                <a:solidFill>
+                  <a:srgbClr val="002060"/>
+                </a:solidFill>
+              </a:rPr>
+              <a:t>0A</a:t>
+            </a:r>
+            <a:r>
+              <a:rPr lang="en-GB" dirty="0">
+                <a:solidFill>
+                  <a:srgbClr val="002060"/>
+                </a:solidFill>
+              </a:rPr>
+              <a:t>,</a:t>
+            </a:r>
+            <a:r>
+              <a:rPr lang="el-GR" dirty="0">
+                <a:solidFill>
+                  <a:srgbClr val="002060"/>
+                </a:solidFill>
+              </a:rPr>
+              <a:t>θ</a:t>
+            </a:r>
+            <a:r>
+              <a:rPr lang="en-GB" baseline="-25000" dirty="0">
+                <a:solidFill>
+                  <a:srgbClr val="002060"/>
+                </a:solidFill>
+              </a:rPr>
+              <a:t>1A</a:t>
+            </a:r>
+          </a:p>
+        </p:txBody>
+      </p:sp>
+      <p:sp>
+        <p:nvSpPr>
+          <p:cNvPr id="92" name="TextBox 91">
+            <a:extLst>
+              <a:ext uri="{FF2B5EF4-FFF2-40B4-BE49-F238E27FC236}">
+                <a16:creationId xmlns:a16="http://schemas.microsoft.com/office/drawing/2014/main" id="{BB5E02A7-C41E-4D67-9848-1A82E50F8B1E}"/>
+              </a:ext>
+            </a:extLst>
+          </p:cNvPr>
+          <p:cNvSpPr txBox="1"/>
+          <p:nvPr/>
+        </p:nvSpPr>
+        <p:spPr>
+          <a:xfrm>
+            <a:off x="5735982" y="2286588"/>
+            <a:ext cx="827021" cy="369332"/>
+          </a:xfrm>
+          <a:prstGeom prst="rect">
+            <a:avLst/>
+          </a:prstGeom>
+          <a:noFill/>
+        </p:spPr>
+        <p:txBody>
+          <a:bodyPr wrap="none" rtlCol="0">
+            <a:spAutoFit/>
+          </a:bodyPr>
+          <a:lstStyle/>
+          <a:p>
+            <a:r>
+              <a:rPr lang="el-GR" dirty="0">
+                <a:solidFill>
+                  <a:srgbClr val="002060"/>
+                </a:solidFill>
+              </a:rPr>
+              <a:t>θ</a:t>
+            </a:r>
+            <a:r>
+              <a:rPr lang="en-GB" baseline="-25000" dirty="0">
+                <a:solidFill>
+                  <a:srgbClr val="002060"/>
+                </a:solidFill>
+              </a:rPr>
+              <a:t>0e</a:t>
+            </a:r>
+            <a:r>
+              <a:rPr lang="en-GB" dirty="0">
+                <a:solidFill>
+                  <a:srgbClr val="002060"/>
+                </a:solidFill>
+              </a:rPr>
+              <a:t>,</a:t>
+            </a:r>
+            <a:r>
+              <a:rPr lang="el-GR" dirty="0">
+                <a:solidFill>
+                  <a:srgbClr val="002060"/>
+                </a:solidFill>
+              </a:rPr>
+              <a:t>θ</a:t>
+            </a:r>
+            <a:r>
+              <a:rPr lang="en-GB" baseline="-25000" dirty="0">
+                <a:solidFill>
+                  <a:srgbClr val="002060"/>
+                </a:solidFill>
+              </a:rPr>
+              <a:t>1e</a:t>
+            </a:r>
+          </a:p>
+        </p:txBody>
+      </p:sp>
+      <p:sp>
+        <p:nvSpPr>
+          <p:cNvPr id="93" name="TextBox 92">
+            <a:extLst>
+              <a:ext uri="{FF2B5EF4-FFF2-40B4-BE49-F238E27FC236}">
+                <a16:creationId xmlns:a16="http://schemas.microsoft.com/office/drawing/2014/main" id="{950BABDD-BB15-4141-A6F7-01D6497CB3CE}"/>
+              </a:ext>
+            </a:extLst>
+          </p:cNvPr>
+          <p:cNvSpPr txBox="1"/>
+          <p:nvPr/>
+        </p:nvSpPr>
+        <p:spPr>
+          <a:xfrm>
+            <a:off x="7855943" y="2269939"/>
+            <a:ext cx="643125" cy="369332"/>
+          </a:xfrm>
+          <a:prstGeom prst="rect">
+            <a:avLst/>
+          </a:prstGeom>
+          <a:noFill/>
+        </p:spPr>
+        <p:txBody>
+          <a:bodyPr wrap="none" rtlCol="0">
+            <a:spAutoFit/>
+          </a:bodyPr>
+          <a:lstStyle/>
+          <a:p>
+            <a:r>
+              <a:rPr lang="en-GB" dirty="0">
+                <a:solidFill>
+                  <a:srgbClr val="002060"/>
+                </a:solidFill>
+              </a:rPr>
+              <a:t>u</a:t>
+            </a:r>
+            <a:r>
+              <a:rPr lang="en-GB" baseline="-25000" dirty="0">
+                <a:solidFill>
+                  <a:srgbClr val="002060"/>
+                </a:solidFill>
+              </a:rPr>
+              <a:t>0</a:t>
+            </a:r>
+            <a:r>
+              <a:rPr lang="en-GB" dirty="0">
+                <a:solidFill>
+                  <a:srgbClr val="002060"/>
+                </a:solidFill>
+              </a:rPr>
+              <a:t>,u</a:t>
+            </a:r>
+            <a:r>
+              <a:rPr lang="en-GB" baseline="-25000" dirty="0">
+                <a:solidFill>
+                  <a:srgbClr val="002060"/>
+                </a:solidFill>
+              </a:rPr>
+              <a:t>1</a:t>
+            </a:r>
+          </a:p>
+        </p:txBody>
+      </p:sp>
+      <p:sp>
+        <p:nvSpPr>
+          <p:cNvPr id="29" name="TextBox 28">
+            <a:extLst>
+              <a:ext uri="{FF2B5EF4-FFF2-40B4-BE49-F238E27FC236}">
+                <a16:creationId xmlns:a16="http://schemas.microsoft.com/office/drawing/2014/main" id="{1F9CFA6D-5DC6-4EBE-AAAE-AC1A4CA8C928}"/>
+              </a:ext>
+            </a:extLst>
+          </p:cNvPr>
+          <p:cNvSpPr txBox="1"/>
+          <p:nvPr/>
+        </p:nvSpPr>
+        <p:spPr>
+          <a:xfrm>
+            <a:off x="9912630" y="1963422"/>
+            <a:ext cx="1528239" cy="646331"/>
+          </a:xfrm>
+          <a:prstGeom prst="rect">
+            <a:avLst/>
+          </a:prstGeom>
+          <a:noFill/>
+        </p:spPr>
+        <p:txBody>
+          <a:bodyPr wrap="none" rtlCol="0">
+            <a:spAutoFit/>
+          </a:bodyPr>
+          <a:lstStyle/>
+          <a:p>
+            <a:pPr algn="ctr"/>
+            <a:r>
+              <a:rPr lang="en-GB" dirty="0">
+                <a:solidFill>
+                  <a:srgbClr val="002060"/>
+                </a:solidFill>
+              </a:rPr>
+              <a:t>Motor Shaft </a:t>
+            </a:r>
+          </a:p>
+          <a:p>
+            <a:pPr algn="ctr"/>
+            <a:r>
+              <a:rPr lang="en-GB" dirty="0">
+                <a:solidFill>
+                  <a:srgbClr val="002060"/>
+                </a:solidFill>
+              </a:rPr>
+              <a:t>Positions (rad)</a:t>
+            </a:r>
+            <a:endParaRPr lang="en-GB" baseline="-25000" dirty="0">
+              <a:solidFill>
+                <a:srgbClr val="002060"/>
+              </a:solidFill>
+            </a:endParaRPr>
+          </a:p>
+        </p:txBody>
+      </p:sp>
+    </p:spTree>
+    <p:extLst>
+      <p:ext uri="{BB962C8B-B14F-4D97-AF65-F5344CB8AC3E}">
+        <p14:creationId xmlns:p14="http://schemas.microsoft.com/office/powerpoint/2010/main" val="1456357706"/>
+      </p:ext>
+    </p:extLst>
+  </p:cSld>
+  <p:clrMapOvr>
+    <a:masterClrMapping/>
+  </p:clrMapOvr>
+</p:sld>
+</file>
+
+<file path=ppt/slides/slide9.xml><?xml version="1.0" encoding="utf-8"?>
+<p:sld xmlns:a="http://schemas.openxmlformats.org/drawingml/2006/main" xmlns:r="http://schemas.openxmlformats.org/officeDocument/2006/relationships" xmlns:p="http://schemas.openxmlformats.org/presentationml/2006/main">
+  <p:cSld>
+    <p:spTree>
+      <p:nvGrpSpPr>
+        <p:cNvPr id="1" name=""/>
+        <p:cNvGrpSpPr/>
+        <p:nvPr/>
+      </p:nvGrpSpPr>
+      <p:grpSpPr>
+        <a:xfrm>
+          <a:off x="0" y="0"/>
+          <a:ext cx="0" cy="0"/>
+          <a:chOff x="0" y="0"/>
+          <a:chExt cx="0" cy="0"/>
+        </a:xfrm>
+      </p:grpSpPr>
+      <p:grpSp>
+        <p:nvGrpSpPr>
+          <p:cNvPr id="68" name="Group 67">
+            <a:extLst>
+              <a:ext uri="{FF2B5EF4-FFF2-40B4-BE49-F238E27FC236}">
+                <a16:creationId xmlns:a16="http://schemas.microsoft.com/office/drawing/2014/main" id="{74C73068-4766-4E8D-B0B3-051FEEABBB0C}"/>
+              </a:ext>
+            </a:extLst>
+          </p:cNvPr>
+          <p:cNvGrpSpPr/>
+          <p:nvPr/>
+        </p:nvGrpSpPr>
+        <p:grpSpPr>
+          <a:xfrm>
+            <a:off x="4678846" y="822712"/>
+            <a:ext cx="2824926" cy="914400"/>
+            <a:chOff x="3668643" y="795131"/>
+            <a:chExt cx="2824926" cy="914400"/>
+          </a:xfrm>
+        </p:grpSpPr>
+        <p:sp>
+          <p:nvSpPr>
+            <p:cNvPr id="11" name="Rectangle 10">
+              <a:extLst>
+                <a:ext uri="{FF2B5EF4-FFF2-40B4-BE49-F238E27FC236}">
+                  <a16:creationId xmlns:a16="http://schemas.microsoft.com/office/drawing/2014/main" id="{572F815B-5DC8-4020-9CB6-F4E6F565EF79}"/>
+                </a:ext>
+              </a:extLst>
+            </p:cNvPr>
+            <p:cNvSpPr/>
+            <p:nvPr/>
+          </p:nvSpPr>
+          <p:spPr>
+            <a:xfrm>
+              <a:off x="4479237" y="795131"/>
+              <a:ext cx="1232453" cy="914400"/>
+            </a:xfrm>
+            <a:prstGeom prst="rect">
+              <a:avLst/>
+            </a:prstGeom>
+          </p:spPr>
+          <p:style>
+            <a:lnRef idx="2">
+              <a:schemeClr val="dk1"/>
+            </a:lnRef>
+            <a:fillRef idx="1">
+              <a:schemeClr val="lt1"/>
+            </a:fillRef>
+            <a:effectRef idx="0">
+              <a:schemeClr val="dk1"/>
+            </a:effectRef>
+            <a:fontRef idx="minor">
+              <a:schemeClr val="dk1"/>
+            </a:fontRef>
+          </p:style>
+          <p:txBody>
+            <a:bodyPr rtlCol="0" anchor="ctr"/>
+            <a:lstStyle/>
+            <a:p>
+              <a:pPr algn="ctr"/>
+              <a:r>
+                <a:rPr lang="en-GB" dirty="0"/>
+                <a:t>PID Joint</a:t>
+              </a:r>
+            </a:p>
+            <a:p>
+              <a:pPr algn="ctr"/>
+              <a:r>
+                <a:rPr lang="en-GB" dirty="0"/>
+                <a:t>Position</a:t>
+              </a:r>
+            </a:p>
+            <a:p>
+              <a:pPr algn="ctr"/>
+              <a:r>
+                <a:rPr lang="en-GB" dirty="0"/>
+                <a:t>Controllers</a:t>
+              </a:r>
+            </a:p>
+          </p:txBody>
+        </p:sp>
+        <p:cxnSp>
+          <p:nvCxnSpPr>
+            <p:cNvPr id="16" name="Straight Arrow Connector 15">
+              <a:extLst>
+                <a:ext uri="{FF2B5EF4-FFF2-40B4-BE49-F238E27FC236}">
+                  <a16:creationId xmlns:a16="http://schemas.microsoft.com/office/drawing/2014/main" id="{6A2C2A79-9DF1-4B28-9C0E-0684AF9D5198}"/>
+                </a:ext>
+              </a:extLst>
+            </p:cNvPr>
+            <p:cNvCxnSpPr>
+              <a:cxnSpLocks/>
+              <a:stCxn id="11" idx="3"/>
+            </p:cNvCxnSpPr>
+            <p:nvPr/>
+          </p:nvCxnSpPr>
+          <p:spPr>
+            <a:xfrm>
+              <a:off x="5711690" y="1252331"/>
+              <a:ext cx="781879" cy="0"/>
+            </a:xfrm>
+            <a:prstGeom prst="straightConnector1">
+              <a:avLst/>
+            </a:prstGeom>
+            <a:ln>
+              <a:tailEnd type="triangle"/>
+            </a:ln>
+          </p:spPr>
+          <p:style>
+            <a:lnRef idx="1">
+              <a:schemeClr val="dk1"/>
+            </a:lnRef>
+            <a:fillRef idx="0">
+              <a:schemeClr val="dk1"/>
+            </a:fillRef>
+            <a:effectRef idx="0">
+              <a:schemeClr val="dk1"/>
+            </a:effectRef>
+            <a:fontRef idx="minor">
+              <a:schemeClr val="tx1"/>
+            </a:fontRef>
+          </p:style>
+        </p:cxnSp>
+        <p:cxnSp>
+          <p:nvCxnSpPr>
+            <p:cNvPr id="37" name="Straight Arrow Connector 36">
+              <a:extLst>
+                <a:ext uri="{FF2B5EF4-FFF2-40B4-BE49-F238E27FC236}">
+                  <a16:creationId xmlns:a16="http://schemas.microsoft.com/office/drawing/2014/main" id="{DBA30C66-EC96-4F49-9CA6-59C18E26D00E}"/>
+                </a:ext>
+              </a:extLst>
+            </p:cNvPr>
+            <p:cNvCxnSpPr>
+              <a:cxnSpLocks/>
+              <a:endCxn id="11" idx="1"/>
+            </p:cNvCxnSpPr>
+            <p:nvPr/>
+          </p:nvCxnSpPr>
+          <p:spPr>
+            <a:xfrm>
+              <a:off x="3697358" y="1252331"/>
+              <a:ext cx="781879" cy="0"/>
+            </a:xfrm>
+            <a:prstGeom prst="straightConnector1">
+              <a:avLst/>
+            </a:prstGeom>
+            <a:ln>
+              <a:tailEnd type="triangle"/>
+            </a:ln>
+          </p:spPr>
+          <p:style>
+            <a:lnRef idx="1">
+              <a:schemeClr val="dk1"/>
+            </a:lnRef>
+            <a:fillRef idx="0">
+              <a:schemeClr val="dk1"/>
+            </a:fillRef>
+            <a:effectRef idx="0">
+              <a:schemeClr val="dk1"/>
+            </a:effectRef>
+            <a:fontRef idx="minor">
+              <a:schemeClr val="tx1"/>
+            </a:fontRef>
+          </p:style>
+        </p:cxnSp>
+        <p:sp>
+          <p:nvSpPr>
+            <p:cNvPr id="92" name="TextBox 91">
+              <a:extLst>
+                <a:ext uri="{FF2B5EF4-FFF2-40B4-BE49-F238E27FC236}">
+                  <a16:creationId xmlns:a16="http://schemas.microsoft.com/office/drawing/2014/main" id="{BB5E02A7-C41E-4D67-9848-1A82E50F8B1E}"/>
+                </a:ext>
+              </a:extLst>
+            </p:cNvPr>
+            <p:cNvSpPr txBox="1"/>
+            <p:nvPr/>
+          </p:nvSpPr>
+          <p:spPr>
+            <a:xfrm>
+              <a:off x="3668643" y="921614"/>
+              <a:ext cx="827021" cy="369332"/>
+            </a:xfrm>
+            <a:prstGeom prst="rect">
+              <a:avLst/>
+            </a:prstGeom>
+            <a:noFill/>
+          </p:spPr>
+          <p:txBody>
+            <a:bodyPr wrap="none" rtlCol="0">
+              <a:spAutoFit/>
+            </a:bodyPr>
+            <a:lstStyle/>
+            <a:p>
+              <a:r>
+                <a:rPr lang="el-GR" dirty="0"/>
+                <a:t>θ</a:t>
+              </a:r>
+              <a:r>
+                <a:rPr lang="en-GB" baseline="-25000" dirty="0"/>
+                <a:t>0e</a:t>
+              </a:r>
+              <a:r>
+                <a:rPr lang="en-GB" dirty="0"/>
+                <a:t>,</a:t>
+              </a:r>
+              <a:r>
+                <a:rPr lang="el-GR" dirty="0"/>
+                <a:t>θ</a:t>
+              </a:r>
+              <a:r>
+                <a:rPr lang="en-GB" baseline="-25000" dirty="0"/>
+                <a:t>1e</a:t>
+              </a:r>
+            </a:p>
+          </p:txBody>
+        </p:sp>
+        <p:sp>
+          <p:nvSpPr>
+            <p:cNvPr id="93" name="TextBox 92">
+              <a:extLst>
+                <a:ext uri="{FF2B5EF4-FFF2-40B4-BE49-F238E27FC236}">
+                  <a16:creationId xmlns:a16="http://schemas.microsoft.com/office/drawing/2014/main" id="{950BABDD-BB15-4141-A6F7-01D6497CB3CE}"/>
+                </a:ext>
+              </a:extLst>
+            </p:cNvPr>
+            <p:cNvSpPr txBox="1"/>
+            <p:nvPr/>
+          </p:nvSpPr>
+          <p:spPr>
+            <a:xfrm>
+              <a:off x="5788604" y="904965"/>
+              <a:ext cx="643125" cy="369332"/>
+            </a:xfrm>
+            <a:prstGeom prst="rect">
+              <a:avLst/>
+            </a:prstGeom>
+            <a:noFill/>
+          </p:spPr>
+          <p:txBody>
+            <a:bodyPr wrap="none" rtlCol="0">
+              <a:spAutoFit/>
+            </a:bodyPr>
+            <a:lstStyle/>
+            <a:p>
+              <a:r>
+                <a:rPr lang="en-GB" dirty="0"/>
+                <a:t>u</a:t>
+              </a:r>
+              <a:r>
+                <a:rPr lang="en-GB" baseline="-25000" dirty="0"/>
+                <a:t>0</a:t>
+              </a:r>
+              <a:r>
+                <a:rPr lang="en-GB" dirty="0"/>
+                <a:t>,u</a:t>
+              </a:r>
+              <a:r>
+                <a:rPr lang="en-GB" baseline="-25000" dirty="0"/>
+                <a:t>1</a:t>
+              </a:r>
+            </a:p>
+          </p:txBody>
+        </p:sp>
+      </p:grpSp>
+      <p:grpSp>
+        <p:nvGrpSpPr>
+          <p:cNvPr id="66" name="Group 65">
+            <a:extLst>
+              <a:ext uri="{FF2B5EF4-FFF2-40B4-BE49-F238E27FC236}">
+                <a16:creationId xmlns:a16="http://schemas.microsoft.com/office/drawing/2014/main" id="{1ED9BDB9-453A-4998-88F8-9748B4DCB113}"/>
+              </a:ext>
+            </a:extLst>
+          </p:cNvPr>
+          <p:cNvGrpSpPr/>
+          <p:nvPr/>
+        </p:nvGrpSpPr>
+        <p:grpSpPr>
+          <a:xfrm>
+            <a:off x="3079391" y="2825411"/>
+            <a:ext cx="6023835" cy="2753708"/>
+            <a:chOff x="1666985" y="2729949"/>
+            <a:chExt cx="6023835" cy="2753708"/>
+          </a:xfrm>
+        </p:grpSpPr>
+        <p:cxnSp>
+          <p:nvCxnSpPr>
+            <p:cNvPr id="29" name="Straight Arrow Connector 28">
+              <a:extLst>
+                <a:ext uri="{FF2B5EF4-FFF2-40B4-BE49-F238E27FC236}">
+                  <a16:creationId xmlns:a16="http://schemas.microsoft.com/office/drawing/2014/main" id="{B5186574-C894-456F-AEA1-96C7ECA151FB}"/>
+                </a:ext>
+              </a:extLst>
+            </p:cNvPr>
+            <p:cNvCxnSpPr>
+              <a:cxnSpLocks/>
+              <a:endCxn id="44" idx="1"/>
+            </p:cNvCxnSpPr>
+            <p:nvPr/>
+          </p:nvCxnSpPr>
+          <p:spPr>
+            <a:xfrm>
+              <a:off x="1669774" y="4054025"/>
+              <a:ext cx="2102541" cy="0"/>
+            </a:xfrm>
+            <a:prstGeom prst="straightConnector1">
+              <a:avLst/>
+            </a:prstGeom>
+            <a:ln>
+              <a:tailEnd type="triangle"/>
+            </a:ln>
+          </p:spPr>
+          <p:style>
+            <a:lnRef idx="1">
+              <a:schemeClr val="dk1"/>
+            </a:lnRef>
+            <a:fillRef idx="0">
+              <a:schemeClr val="dk1"/>
+            </a:fillRef>
+            <a:effectRef idx="0">
+              <a:schemeClr val="dk1"/>
+            </a:effectRef>
+            <a:fontRef idx="minor">
+              <a:schemeClr val="tx1"/>
+            </a:fontRef>
+          </p:style>
+        </p:cxnSp>
+        <p:sp>
+          <p:nvSpPr>
+            <p:cNvPr id="31" name="TextBox 30">
+              <a:extLst>
+                <a:ext uri="{FF2B5EF4-FFF2-40B4-BE49-F238E27FC236}">
+                  <a16:creationId xmlns:a16="http://schemas.microsoft.com/office/drawing/2014/main" id="{772D5B13-F0A6-4A2C-982D-A53ABE936BC8}"/>
+                </a:ext>
+              </a:extLst>
+            </p:cNvPr>
+            <p:cNvSpPr txBox="1"/>
+            <p:nvPr/>
+          </p:nvSpPr>
+          <p:spPr>
+            <a:xfrm>
+              <a:off x="1666985" y="3695139"/>
+              <a:ext cx="827021" cy="369332"/>
+            </a:xfrm>
+            <a:prstGeom prst="rect">
+              <a:avLst/>
+            </a:prstGeom>
+            <a:noFill/>
+          </p:spPr>
+          <p:txBody>
+            <a:bodyPr wrap="none" rtlCol="0">
+              <a:spAutoFit/>
+            </a:bodyPr>
+            <a:lstStyle/>
+            <a:p>
+              <a:r>
+                <a:rPr lang="el-GR" dirty="0"/>
+                <a:t>θ</a:t>
+              </a:r>
+              <a:r>
+                <a:rPr lang="en-GB" baseline="-25000" dirty="0"/>
+                <a:t>0e</a:t>
+              </a:r>
+              <a:r>
+                <a:rPr lang="en-GB" dirty="0"/>
+                <a:t>,</a:t>
+              </a:r>
+              <a:r>
+                <a:rPr lang="el-GR" dirty="0"/>
+                <a:t>θ</a:t>
+              </a:r>
+              <a:r>
+                <a:rPr lang="en-GB" baseline="-25000" dirty="0"/>
+                <a:t>1e</a:t>
+              </a:r>
+            </a:p>
+          </p:txBody>
+        </p:sp>
+        <p:cxnSp>
+          <p:nvCxnSpPr>
+            <p:cNvPr id="36" name="Straight Arrow Connector 35">
+              <a:extLst>
+                <a:ext uri="{FF2B5EF4-FFF2-40B4-BE49-F238E27FC236}">
+                  <a16:creationId xmlns:a16="http://schemas.microsoft.com/office/drawing/2014/main" id="{DA0BFE02-35E9-48CD-BB8C-74BEDD235C9E}"/>
+                </a:ext>
+              </a:extLst>
+            </p:cNvPr>
+            <p:cNvCxnSpPr>
+              <a:cxnSpLocks/>
+            </p:cNvCxnSpPr>
+            <p:nvPr/>
+          </p:nvCxnSpPr>
+          <p:spPr>
+            <a:xfrm>
+              <a:off x="6908941" y="4052951"/>
+              <a:ext cx="781879" cy="0"/>
+            </a:xfrm>
+            <a:prstGeom prst="straightConnector1">
+              <a:avLst/>
+            </a:prstGeom>
+            <a:ln>
+              <a:tailEnd type="triangle"/>
+            </a:ln>
+          </p:spPr>
+          <p:style>
+            <a:lnRef idx="1">
+              <a:schemeClr val="dk1"/>
+            </a:lnRef>
+            <a:fillRef idx="0">
+              <a:schemeClr val="dk1"/>
+            </a:fillRef>
+            <a:effectRef idx="0">
+              <a:schemeClr val="dk1"/>
+            </a:effectRef>
+            <a:fontRef idx="minor">
+              <a:schemeClr val="tx1"/>
+            </a:fontRef>
+          </p:style>
+        </p:cxnSp>
+        <p:sp>
+          <p:nvSpPr>
+            <p:cNvPr id="38" name="TextBox 37">
+              <a:extLst>
+                <a:ext uri="{FF2B5EF4-FFF2-40B4-BE49-F238E27FC236}">
+                  <a16:creationId xmlns:a16="http://schemas.microsoft.com/office/drawing/2014/main" id="{C826D759-F5E0-450D-B63C-FC7D4A9386F6}"/>
+                </a:ext>
+              </a:extLst>
+            </p:cNvPr>
+            <p:cNvSpPr txBox="1"/>
+            <p:nvPr/>
+          </p:nvSpPr>
+          <p:spPr>
+            <a:xfrm>
+              <a:off x="6985855" y="3705585"/>
+              <a:ext cx="643125" cy="369332"/>
+            </a:xfrm>
+            <a:prstGeom prst="rect">
+              <a:avLst/>
+            </a:prstGeom>
+            <a:noFill/>
+          </p:spPr>
+          <p:txBody>
+            <a:bodyPr wrap="none" rtlCol="0">
+              <a:spAutoFit/>
+            </a:bodyPr>
+            <a:lstStyle/>
+            <a:p>
+              <a:r>
+                <a:rPr lang="en-GB" dirty="0"/>
+                <a:t>u</a:t>
+              </a:r>
+              <a:r>
+                <a:rPr lang="en-GB" baseline="-25000" dirty="0"/>
+                <a:t>0</a:t>
+              </a:r>
+              <a:r>
+                <a:rPr lang="en-GB" dirty="0"/>
+                <a:t>,u</a:t>
+              </a:r>
+              <a:r>
+                <a:rPr lang="en-GB" baseline="-25000" dirty="0"/>
+                <a:t>1</a:t>
+              </a:r>
+            </a:p>
+          </p:txBody>
+        </p:sp>
+        <p:sp>
+          <p:nvSpPr>
+            <p:cNvPr id="39" name="Rectangle 38">
+              <a:extLst>
+                <a:ext uri="{FF2B5EF4-FFF2-40B4-BE49-F238E27FC236}">
+                  <a16:creationId xmlns:a16="http://schemas.microsoft.com/office/drawing/2014/main" id="{B2FBC36E-DC1D-4399-BD8C-56FCF745E1E9}"/>
+                </a:ext>
+              </a:extLst>
+            </p:cNvPr>
+            <p:cNvSpPr/>
+            <p:nvPr/>
+          </p:nvSpPr>
+          <p:spPr>
+            <a:xfrm>
+              <a:off x="4785625" y="2729949"/>
+              <a:ext cx="619675" cy="490329"/>
+            </a:xfrm>
+            <a:prstGeom prst="rect">
+              <a:avLst/>
+            </a:prstGeom>
+          </p:spPr>
+          <p:style>
+            <a:lnRef idx="2">
+              <a:schemeClr val="dk1"/>
+            </a:lnRef>
+            <a:fillRef idx="1">
+              <a:schemeClr val="lt1"/>
+            </a:fillRef>
+            <a:effectRef idx="0">
+              <a:schemeClr val="dk1"/>
+            </a:effectRef>
+            <a:fontRef idx="minor">
+              <a:schemeClr val="dk1"/>
+            </a:fontRef>
+          </p:style>
+          <p:txBody>
+            <a:bodyPr rtlCol="0" anchor="ctr"/>
+            <a:lstStyle/>
+            <a:p>
+              <a:pPr algn="ctr"/>
+              <a:r>
+                <a:rPr lang="en-GB" dirty="0"/>
+                <a:t>Kp</a:t>
+              </a:r>
+            </a:p>
+          </p:txBody>
+        </p:sp>
+        <p:sp>
+          <p:nvSpPr>
+            <p:cNvPr id="40" name="Rectangle 39">
+              <a:extLst>
+                <a:ext uri="{FF2B5EF4-FFF2-40B4-BE49-F238E27FC236}">
+                  <a16:creationId xmlns:a16="http://schemas.microsoft.com/office/drawing/2014/main" id="{AA898776-0D57-476E-8E86-8E78A59369DA}"/>
+                </a:ext>
+              </a:extLst>
+            </p:cNvPr>
+            <p:cNvSpPr/>
+            <p:nvPr/>
+          </p:nvSpPr>
+          <p:spPr>
+            <a:xfrm>
+              <a:off x="4785624" y="3810001"/>
+              <a:ext cx="619675" cy="490329"/>
+            </a:xfrm>
+            <a:prstGeom prst="rect">
+              <a:avLst/>
+            </a:prstGeom>
+          </p:spPr>
+          <p:style>
+            <a:lnRef idx="2">
+              <a:schemeClr val="dk1"/>
+            </a:lnRef>
+            <a:fillRef idx="1">
+              <a:schemeClr val="lt1"/>
+            </a:fillRef>
+            <a:effectRef idx="0">
+              <a:schemeClr val="dk1"/>
+            </a:effectRef>
+            <a:fontRef idx="minor">
+              <a:schemeClr val="dk1"/>
+            </a:fontRef>
+          </p:style>
+          <p:txBody>
+            <a:bodyPr rtlCol="0" anchor="ctr"/>
+            <a:lstStyle/>
+            <a:p>
+              <a:pPr algn="ctr"/>
+              <a:r>
+                <a:rPr lang="en-GB" dirty="0"/>
+                <a:t>Ki</a:t>
+              </a:r>
+            </a:p>
+          </p:txBody>
+        </p:sp>
+        <p:sp>
+          <p:nvSpPr>
+            <p:cNvPr id="41" name="Rectangle 40">
+              <a:extLst>
+                <a:ext uri="{FF2B5EF4-FFF2-40B4-BE49-F238E27FC236}">
+                  <a16:creationId xmlns:a16="http://schemas.microsoft.com/office/drawing/2014/main" id="{F28E3621-3FD9-4A65-8C9B-18006D79AACF}"/>
+                </a:ext>
+              </a:extLst>
+            </p:cNvPr>
+            <p:cNvSpPr/>
+            <p:nvPr/>
+          </p:nvSpPr>
+          <p:spPr>
+            <a:xfrm>
+              <a:off x="4785624" y="4890054"/>
+              <a:ext cx="619675" cy="490329"/>
+            </a:xfrm>
+            <a:prstGeom prst="rect">
+              <a:avLst/>
+            </a:prstGeom>
+          </p:spPr>
+          <p:style>
+            <a:lnRef idx="2">
+              <a:schemeClr val="dk1"/>
+            </a:lnRef>
+            <a:fillRef idx="1">
+              <a:schemeClr val="lt1"/>
+            </a:fillRef>
+            <a:effectRef idx="0">
+              <a:schemeClr val="dk1"/>
+            </a:effectRef>
+            <a:fontRef idx="minor">
+              <a:schemeClr val="dk1"/>
+            </a:fontRef>
+          </p:style>
+          <p:txBody>
+            <a:bodyPr rtlCol="0" anchor="ctr"/>
+            <a:lstStyle/>
+            <a:p>
+              <a:pPr algn="ctr"/>
+              <a:r>
+                <a:rPr lang="en-GB" dirty="0"/>
+                <a:t>Kd</a:t>
+              </a:r>
+            </a:p>
+          </p:txBody>
+        </p:sp>
+        <mc:AlternateContent xmlns:mc="http://schemas.openxmlformats.org/markup-compatibility/2006" xmlns:a14="http://schemas.microsoft.com/office/drawing/2010/main">
+          <mc:Choice Requires="a14">
+            <p:sp>
+              <p:nvSpPr>
+                <p:cNvPr id="44" name="Rectangle 43">
+                  <a:extLst>
+                    <a:ext uri="{FF2B5EF4-FFF2-40B4-BE49-F238E27FC236}">
+                      <a16:creationId xmlns:a16="http://schemas.microsoft.com/office/drawing/2014/main" id="{8097B666-3EE4-4AF1-921B-D64411133DC6}"/>
+                    </a:ext>
+                  </a:extLst>
+                </p:cNvPr>
+                <p:cNvSpPr/>
+                <p:nvPr/>
+              </p:nvSpPr>
+              <p:spPr>
+                <a:xfrm>
+                  <a:off x="3772315" y="3705585"/>
+                  <a:ext cx="619675" cy="696879"/>
+                </a:xfrm>
+                <a:prstGeom prst="rect">
+                  <a:avLst/>
+                </a:prstGeom>
+              </p:spPr>
+              <p:style>
+                <a:lnRef idx="2">
+                  <a:schemeClr val="dk1"/>
+                </a:lnRef>
+                <a:fillRef idx="1">
+                  <a:schemeClr val="lt1"/>
+                </a:fillRef>
+                <a:effectRef idx="0">
+                  <a:schemeClr val="dk1"/>
+                </a:effectRef>
+                <a:fontRef idx="minor">
+                  <a:schemeClr val="dk1"/>
+                </a:fontRef>
+              </p:style>
+              <p:txBody>
+                <a:bodyPr rtlCol="0" anchor="ctr"/>
+                <a:lstStyle/>
+                <a:p>
+                  <a:pPr algn="ctr"/>
+                  <a14:m>
+                    <m:oMathPara xmlns:m="http://schemas.openxmlformats.org/officeDocument/2006/math">
+                      <m:oMathParaPr>
+                        <m:jc m:val="centerGroup"/>
+                      </m:oMathParaPr>
+                      <m:oMath xmlns:m="http://schemas.openxmlformats.org/officeDocument/2006/math">
+                        <m:f>
+                          <m:fPr>
+                            <m:ctrlPr>
+                              <a:rPr lang="en-GB" i="1" smtClean="0">
+                                <a:latin typeface="Cambria Math" panose="02040503050406030204" pitchFamily="18" charset="0"/>
+                              </a:rPr>
+                            </m:ctrlPr>
+                          </m:fPr>
+                          <m:num>
+                            <m:r>
+                              <a:rPr lang="en-GB" b="0" i="1" smtClean="0">
+                                <a:latin typeface="Cambria Math" panose="02040503050406030204" pitchFamily="18" charset="0"/>
+                              </a:rPr>
+                              <m:t>1</m:t>
+                            </m:r>
+                          </m:num>
+                          <m:den>
+                            <m:r>
+                              <a:rPr lang="en-GB" b="0" i="1" smtClean="0">
+                                <a:latin typeface="Cambria Math" panose="02040503050406030204" pitchFamily="18" charset="0"/>
+                              </a:rPr>
+                              <m:t>𝑠</m:t>
+                            </m:r>
+                          </m:den>
+                        </m:f>
+                      </m:oMath>
+                    </m:oMathPara>
+                  </a14:m>
+                  <a:endParaRPr lang="en-GB" dirty="0"/>
+                </a:p>
+              </p:txBody>
+            </p:sp>
+          </mc:Choice>
+          <mc:Fallback xmlns="">
+            <p:sp>
+              <p:nvSpPr>
+                <p:cNvPr id="44" name="Rectangle 43">
+                  <a:extLst>
+                    <a:ext uri="{FF2B5EF4-FFF2-40B4-BE49-F238E27FC236}">
+                      <a16:creationId xmlns:a16="http://schemas.microsoft.com/office/drawing/2014/main" id="{8097B666-3EE4-4AF1-921B-D64411133DC6}"/>
+                    </a:ext>
+                  </a:extLst>
+                </p:cNvPr>
+                <p:cNvSpPr>
+                  <a:spLocks noRot="1" noChangeAspect="1" noMove="1" noResize="1" noEditPoints="1" noAdjustHandles="1" noChangeArrowheads="1" noChangeShapeType="1" noTextEdit="1"/>
+                </p:cNvSpPr>
+                <p:nvPr/>
+              </p:nvSpPr>
+              <p:spPr>
+                <a:xfrm>
+                  <a:off x="3772315" y="3705585"/>
+                  <a:ext cx="619675" cy="696879"/>
+                </a:xfrm>
+                <a:prstGeom prst="rect">
+                  <a:avLst/>
+                </a:prstGeom>
+                <a:blipFill>
+                  <a:blip r:embed="rId2"/>
+                  <a:stretch>
+                    <a:fillRect/>
+                  </a:stretch>
+                </a:blipFill>
+              </p:spPr>
+              <p:txBody>
+                <a:bodyPr/>
+                <a:lstStyle/>
+                <a:p>
+                  <a:r>
+                    <a:rPr lang="en-GB">
+                      <a:noFill/>
+                    </a:rPr>
+                    <a:t> </a:t>
+                  </a:r>
+                </a:p>
+              </p:txBody>
+            </p:sp>
+          </mc:Fallback>
+        </mc:AlternateContent>
+        <mc:AlternateContent xmlns:mc="http://schemas.openxmlformats.org/markup-compatibility/2006" xmlns:a14="http://schemas.microsoft.com/office/drawing/2010/main">
+          <mc:Choice Requires="a14">
+            <p:sp>
+              <p:nvSpPr>
+                <p:cNvPr id="46" name="Rectangle 45">
+                  <a:extLst>
+                    <a:ext uri="{FF2B5EF4-FFF2-40B4-BE49-F238E27FC236}">
+                      <a16:creationId xmlns:a16="http://schemas.microsoft.com/office/drawing/2014/main" id="{B9EFF07D-AE68-4304-9E5E-51A063FB648F}"/>
+                    </a:ext>
+                  </a:extLst>
+                </p:cNvPr>
+                <p:cNvSpPr/>
+                <p:nvPr/>
+              </p:nvSpPr>
+              <p:spPr>
+                <a:xfrm>
+                  <a:off x="3772315" y="4786778"/>
+                  <a:ext cx="619675" cy="696879"/>
+                </a:xfrm>
+                <a:prstGeom prst="rect">
+                  <a:avLst/>
+                </a:prstGeom>
+              </p:spPr>
+              <p:style>
+                <a:lnRef idx="2">
+                  <a:schemeClr val="dk1"/>
+                </a:lnRef>
+                <a:fillRef idx="1">
+                  <a:schemeClr val="lt1"/>
+                </a:fillRef>
+                <a:effectRef idx="0">
+                  <a:schemeClr val="dk1"/>
+                </a:effectRef>
+                <a:fontRef idx="minor">
+                  <a:schemeClr val="dk1"/>
+                </a:fontRef>
+              </p:style>
+              <p:txBody>
+                <a:bodyPr rtlCol="0" anchor="ctr"/>
+                <a:lstStyle/>
+                <a:p>
+                  <a:pPr algn="ctr"/>
+                  <a14:m>
+                    <m:oMathPara xmlns:m="http://schemas.openxmlformats.org/officeDocument/2006/math">
+                      <m:oMathParaPr>
+                        <m:jc m:val="centerGroup"/>
+                      </m:oMathParaPr>
+                      <m:oMath xmlns:m="http://schemas.openxmlformats.org/officeDocument/2006/math">
+                        <m:r>
+                          <a:rPr lang="en-GB" i="1" smtClean="0">
+                            <a:latin typeface="Cambria Math" panose="02040503050406030204" pitchFamily="18" charset="0"/>
+                          </a:rPr>
+                          <m:t>𝑠</m:t>
+                        </m:r>
+                      </m:oMath>
+                    </m:oMathPara>
+                  </a14:m>
+                  <a:endParaRPr lang="en-GB" dirty="0"/>
+                </a:p>
+              </p:txBody>
+            </p:sp>
+          </mc:Choice>
+          <mc:Fallback xmlns="">
+            <p:sp>
+              <p:nvSpPr>
+                <p:cNvPr id="46" name="Rectangle 45">
+                  <a:extLst>
+                    <a:ext uri="{FF2B5EF4-FFF2-40B4-BE49-F238E27FC236}">
+                      <a16:creationId xmlns:a16="http://schemas.microsoft.com/office/drawing/2014/main" id="{B9EFF07D-AE68-4304-9E5E-51A063FB648F}"/>
+                    </a:ext>
+                  </a:extLst>
+                </p:cNvPr>
+                <p:cNvSpPr>
+                  <a:spLocks noRot="1" noChangeAspect="1" noMove="1" noResize="1" noEditPoints="1" noAdjustHandles="1" noChangeArrowheads="1" noChangeShapeType="1" noTextEdit="1"/>
+                </p:cNvSpPr>
+                <p:nvPr/>
+              </p:nvSpPr>
+              <p:spPr>
+                <a:xfrm>
+                  <a:off x="3772315" y="4786778"/>
+                  <a:ext cx="619675" cy="696879"/>
+                </a:xfrm>
+                <a:prstGeom prst="rect">
+                  <a:avLst/>
+                </a:prstGeom>
+                <a:blipFill>
+                  <a:blip r:embed="rId3"/>
+                  <a:stretch>
+                    <a:fillRect/>
+                  </a:stretch>
+                </a:blipFill>
+              </p:spPr>
+              <p:txBody>
+                <a:bodyPr/>
+                <a:lstStyle/>
+                <a:p>
+                  <a:r>
+                    <a:rPr lang="en-GB">
+                      <a:noFill/>
+                    </a:rPr>
+                    <a:t> </a:t>
+                  </a:r>
+                </a:p>
+              </p:txBody>
+            </p:sp>
+          </mc:Fallback>
+        </mc:AlternateContent>
+        <p:cxnSp>
+          <p:nvCxnSpPr>
+            <p:cNvPr id="12" name="Straight Arrow Connector 11">
+              <a:extLst>
+                <a:ext uri="{FF2B5EF4-FFF2-40B4-BE49-F238E27FC236}">
+                  <a16:creationId xmlns:a16="http://schemas.microsoft.com/office/drawing/2014/main" id="{2E6DB821-A10F-47BD-A0FE-ED110C652BCE}"/>
+                </a:ext>
+              </a:extLst>
+            </p:cNvPr>
+            <p:cNvCxnSpPr>
+              <a:stCxn id="44" idx="3"/>
+              <a:endCxn id="40" idx="1"/>
+            </p:cNvCxnSpPr>
+            <p:nvPr/>
+          </p:nvCxnSpPr>
+          <p:spPr>
+            <a:xfrm>
+              <a:off x="4391990" y="4054025"/>
+              <a:ext cx="393634" cy="1141"/>
+            </a:xfrm>
+            <a:prstGeom prst="straightConnector1">
+              <a:avLst/>
+            </a:prstGeom>
+            <a:ln>
+              <a:tailEnd type="triangle"/>
+            </a:ln>
+          </p:spPr>
+          <p:style>
+            <a:lnRef idx="1">
+              <a:schemeClr val="dk1"/>
+            </a:lnRef>
+            <a:fillRef idx="0">
+              <a:schemeClr val="dk1"/>
+            </a:fillRef>
+            <a:effectRef idx="0">
+              <a:schemeClr val="dk1"/>
+            </a:effectRef>
+            <a:fontRef idx="minor">
+              <a:schemeClr val="tx1"/>
+            </a:fontRef>
+          </p:style>
+        </p:cxnSp>
+        <p:cxnSp>
+          <p:nvCxnSpPr>
+            <p:cNvPr id="18" name="Straight Arrow Connector 17">
+              <a:extLst>
+                <a:ext uri="{FF2B5EF4-FFF2-40B4-BE49-F238E27FC236}">
+                  <a16:creationId xmlns:a16="http://schemas.microsoft.com/office/drawing/2014/main" id="{816129E0-440D-48D0-BBD3-B1A0D2E867B6}"/>
+                </a:ext>
+              </a:extLst>
+            </p:cNvPr>
+            <p:cNvCxnSpPr>
+              <a:endCxn id="46" idx="1"/>
+            </p:cNvCxnSpPr>
+            <p:nvPr/>
+          </p:nvCxnSpPr>
+          <p:spPr>
+            <a:xfrm>
+              <a:off x="3061252" y="5135217"/>
+              <a:ext cx="711063" cy="1"/>
+            </a:xfrm>
+            <a:prstGeom prst="straightConnector1">
+              <a:avLst/>
+            </a:prstGeom>
+            <a:ln>
+              <a:tailEnd type="triangle"/>
+            </a:ln>
+          </p:spPr>
+          <p:style>
+            <a:lnRef idx="1">
+              <a:schemeClr val="dk1"/>
+            </a:lnRef>
+            <a:fillRef idx="0">
+              <a:schemeClr val="dk1"/>
+            </a:fillRef>
+            <a:effectRef idx="0">
+              <a:schemeClr val="dk1"/>
+            </a:effectRef>
+            <a:fontRef idx="minor">
+              <a:schemeClr val="tx1"/>
+            </a:fontRef>
+          </p:style>
+        </p:cxnSp>
+        <p:cxnSp>
+          <p:nvCxnSpPr>
+            <p:cNvPr id="22" name="Straight Arrow Connector 21">
+              <a:extLst>
+                <a:ext uri="{FF2B5EF4-FFF2-40B4-BE49-F238E27FC236}">
+                  <a16:creationId xmlns:a16="http://schemas.microsoft.com/office/drawing/2014/main" id="{E3C86EC1-204B-4C0F-97F9-773CD77EEC24}"/>
+                </a:ext>
+              </a:extLst>
+            </p:cNvPr>
+            <p:cNvCxnSpPr>
+              <a:cxnSpLocks/>
+              <a:endCxn id="39" idx="1"/>
+            </p:cNvCxnSpPr>
+            <p:nvPr/>
+          </p:nvCxnSpPr>
+          <p:spPr>
+            <a:xfrm>
+              <a:off x="3061252" y="2972833"/>
+              <a:ext cx="1724373" cy="2281"/>
+            </a:xfrm>
+            <a:prstGeom prst="straightConnector1">
+              <a:avLst/>
+            </a:prstGeom>
+            <a:ln>
+              <a:tailEnd type="triangle"/>
+            </a:ln>
+          </p:spPr>
+          <p:style>
+            <a:lnRef idx="1">
+              <a:schemeClr val="dk1"/>
+            </a:lnRef>
+            <a:fillRef idx="0">
+              <a:schemeClr val="dk1"/>
+            </a:fillRef>
+            <a:effectRef idx="0">
+              <a:schemeClr val="dk1"/>
+            </a:effectRef>
+            <a:fontRef idx="minor">
+              <a:schemeClr val="tx1"/>
+            </a:fontRef>
+          </p:style>
+        </p:cxnSp>
+        <p:cxnSp>
+          <p:nvCxnSpPr>
+            <p:cNvPr id="24" name="Straight Connector 23">
+              <a:extLst>
+                <a:ext uri="{FF2B5EF4-FFF2-40B4-BE49-F238E27FC236}">
+                  <a16:creationId xmlns:a16="http://schemas.microsoft.com/office/drawing/2014/main" id="{90F73F03-56AD-46D1-9AF2-F04AE190CF80}"/>
+                </a:ext>
+              </a:extLst>
+            </p:cNvPr>
+            <p:cNvCxnSpPr>
+              <a:cxnSpLocks/>
+            </p:cNvCxnSpPr>
+            <p:nvPr/>
+          </p:nvCxnSpPr>
+          <p:spPr>
+            <a:xfrm flipV="1">
+              <a:off x="3061252" y="2975113"/>
+              <a:ext cx="0" cy="2149660"/>
+            </a:xfrm>
+            <a:prstGeom prst="line">
+              <a:avLst/>
+            </a:prstGeom>
+          </p:spPr>
+          <p:style>
+            <a:lnRef idx="1">
+              <a:schemeClr val="dk1"/>
+            </a:lnRef>
+            <a:fillRef idx="0">
+              <a:schemeClr val="dk1"/>
+            </a:fillRef>
+            <a:effectRef idx="0">
+              <a:schemeClr val="dk1"/>
+            </a:effectRef>
+            <a:fontRef idx="minor">
+              <a:schemeClr val="tx1"/>
+            </a:fontRef>
+          </p:style>
+        </p:cxnSp>
+        <p:cxnSp>
+          <p:nvCxnSpPr>
+            <p:cNvPr id="48" name="Straight Arrow Connector 47">
+              <a:extLst>
+                <a:ext uri="{FF2B5EF4-FFF2-40B4-BE49-F238E27FC236}">
+                  <a16:creationId xmlns:a16="http://schemas.microsoft.com/office/drawing/2014/main" id="{9DE2F624-1888-46A1-B9D8-1CB30E112DD2}"/>
+                </a:ext>
+              </a:extLst>
+            </p:cNvPr>
+            <p:cNvCxnSpPr>
+              <a:stCxn id="46" idx="3"/>
+              <a:endCxn id="41" idx="1"/>
+            </p:cNvCxnSpPr>
+            <p:nvPr/>
+          </p:nvCxnSpPr>
+          <p:spPr>
+            <a:xfrm>
+              <a:off x="4391990" y="5135218"/>
+              <a:ext cx="393634" cy="1"/>
+            </a:xfrm>
+            <a:prstGeom prst="straightConnector1">
+              <a:avLst/>
+            </a:prstGeom>
+            <a:ln>
+              <a:tailEnd type="triangle"/>
+            </a:ln>
+          </p:spPr>
+          <p:style>
+            <a:lnRef idx="1">
+              <a:schemeClr val="dk1"/>
+            </a:lnRef>
+            <a:fillRef idx="0">
+              <a:schemeClr val="dk1"/>
+            </a:fillRef>
+            <a:effectRef idx="0">
+              <a:schemeClr val="dk1"/>
+            </a:effectRef>
+            <a:fontRef idx="minor">
+              <a:schemeClr val="tx1"/>
+            </a:fontRef>
+          </p:style>
+        </p:cxnSp>
+        <p:sp>
+          <p:nvSpPr>
+            <p:cNvPr id="60" name="Oval 59">
+              <a:extLst>
+                <a:ext uri="{FF2B5EF4-FFF2-40B4-BE49-F238E27FC236}">
+                  <a16:creationId xmlns:a16="http://schemas.microsoft.com/office/drawing/2014/main" id="{AF06CBAE-3845-43CC-9C14-7BFB315D80DE}"/>
+                </a:ext>
+              </a:extLst>
+            </p:cNvPr>
+            <p:cNvSpPr/>
+            <p:nvPr/>
+          </p:nvSpPr>
+          <p:spPr>
+            <a:xfrm>
+              <a:off x="6366180" y="3751769"/>
+              <a:ext cx="569843" cy="596347"/>
+            </a:xfrm>
+            <a:prstGeom prst="ellipse">
+              <a:avLst/>
+            </a:prstGeom>
+          </p:spPr>
+          <p:style>
+            <a:lnRef idx="2">
+              <a:schemeClr val="dk1"/>
+            </a:lnRef>
+            <a:fillRef idx="1">
+              <a:schemeClr val="lt1"/>
+            </a:fillRef>
+            <a:effectRef idx="0">
+              <a:schemeClr val="dk1"/>
+            </a:effectRef>
+            <a:fontRef idx="minor">
+              <a:schemeClr val="dk1"/>
+            </a:fontRef>
+          </p:style>
+          <p:txBody>
+            <a:bodyPr rtlCol="0" anchor="ctr"/>
+            <a:lstStyle/>
+            <a:p>
+              <a:pPr algn="ctr"/>
+              <a:endParaRPr lang="en-GB"/>
+            </a:p>
+          </p:txBody>
+        </p:sp>
+        <p:cxnSp>
+          <p:nvCxnSpPr>
+            <p:cNvPr id="50" name="Straight Connector 49">
+              <a:extLst>
+                <a:ext uri="{FF2B5EF4-FFF2-40B4-BE49-F238E27FC236}">
+                  <a16:creationId xmlns:a16="http://schemas.microsoft.com/office/drawing/2014/main" id="{270AD6E7-4168-4741-AB47-3FFF0247C026}"/>
+                </a:ext>
+              </a:extLst>
+            </p:cNvPr>
+            <p:cNvCxnSpPr>
+              <a:stCxn id="60" idx="1"/>
+              <a:endCxn id="60" idx="5"/>
+            </p:cNvCxnSpPr>
+            <p:nvPr/>
+          </p:nvCxnSpPr>
+          <p:spPr>
+            <a:xfrm>
+              <a:off x="6449632" y="3839102"/>
+              <a:ext cx="402939" cy="421681"/>
+            </a:xfrm>
+            <a:prstGeom prst="line">
+              <a:avLst/>
+            </a:prstGeom>
+          </p:spPr>
+          <p:style>
+            <a:lnRef idx="2">
+              <a:schemeClr val="dk1"/>
+            </a:lnRef>
+            <a:fillRef idx="1">
+              <a:schemeClr val="lt1"/>
+            </a:fillRef>
+            <a:effectRef idx="0">
+              <a:schemeClr val="dk1"/>
+            </a:effectRef>
+            <a:fontRef idx="minor">
+              <a:schemeClr val="dk1"/>
+            </a:fontRef>
+          </p:style>
+        </p:cxnSp>
+        <p:cxnSp>
+          <p:nvCxnSpPr>
+            <p:cNvPr id="52" name="Straight Connector 51">
+              <a:extLst>
+                <a:ext uri="{FF2B5EF4-FFF2-40B4-BE49-F238E27FC236}">
+                  <a16:creationId xmlns:a16="http://schemas.microsoft.com/office/drawing/2014/main" id="{93CE7A17-CB80-42BF-AE94-BA934373C350}"/>
+                </a:ext>
+              </a:extLst>
+            </p:cNvPr>
+            <p:cNvCxnSpPr>
+              <a:stCxn id="60" idx="3"/>
+              <a:endCxn id="60" idx="7"/>
+            </p:cNvCxnSpPr>
+            <p:nvPr/>
+          </p:nvCxnSpPr>
+          <p:spPr>
+            <a:xfrm flipV="1">
+              <a:off x="6449632" y="3839102"/>
+              <a:ext cx="402939" cy="421681"/>
+            </a:xfrm>
+            <a:prstGeom prst="line">
+              <a:avLst/>
+            </a:prstGeom>
+          </p:spPr>
+          <p:style>
+            <a:lnRef idx="2">
+              <a:schemeClr val="dk1"/>
+            </a:lnRef>
+            <a:fillRef idx="1">
+              <a:schemeClr val="lt1"/>
+            </a:fillRef>
+            <a:effectRef idx="0">
+              <a:schemeClr val="dk1"/>
+            </a:effectRef>
+            <a:fontRef idx="minor">
+              <a:schemeClr val="dk1"/>
+            </a:fontRef>
+          </p:style>
+        </p:cxnSp>
+        <p:cxnSp>
+          <p:nvCxnSpPr>
+            <p:cNvPr id="54" name="Straight Arrow Connector 53">
+              <a:extLst>
+                <a:ext uri="{FF2B5EF4-FFF2-40B4-BE49-F238E27FC236}">
+                  <a16:creationId xmlns:a16="http://schemas.microsoft.com/office/drawing/2014/main" id="{AB9CA7A0-FEF6-413A-B9E3-437A530BCB90}"/>
+                </a:ext>
+              </a:extLst>
+            </p:cNvPr>
+            <p:cNvCxnSpPr>
+              <a:stCxn id="40" idx="3"/>
+              <a:endCxn id="60" idx="2"/>
+            </p:cNvCxnSpPr>
+            <p:nvPr/>
+          </p:nvCxnSpPr>
+          <p:spPr>
+            <a:xfrm flipV="1">
+              <a:off x="5405299" y="4049943"/>
+              <a:ext cx="960881" cy="5223"/>
+            </a:xfrm>
+            <a:prstGeom prst="straightConnector1">
+              <a:avLst/>
+            </a:prstGeom>
+            <a:ln>
+              <a:tailEnd type="triangle"/>
+            </a:ln>
+          </p:spPr>
+          <p:style>
+            <a:lnRef idx="1">
+              <a:schemeClr val="dk1"/>
+            </a:lnRef>
+            <a:fillRef idx="0">
+              <a:schemeClr val="dk1"/>
+            </a:fillRef>
+            <a:effectRef idx="0">
+              <a:schemeClr val="dk1"/>
+            </a:effectRef>
+            <a:fontRef idx="minor">
+              <a:schemeClr val="tx1"/>
+            </a:fontRef>
+          </p:style>
+        </p:cxnSp>
+        <p:cxnSp>
+          <p:nvCxnSpPr>
+            <p:cNvPr id="56" name="Connector: Elbow 55">
+              <a:extLst>
+                <a:ext uri="{FF2B5EF4-FFF2-40B4-BE49-F238E27FC236}">
+                  <a16:creationId xmlns:a16="http://schemas.microsoft.com/office/drawing/2014/main" id="{C1AE2579-CB8B-489D-847D-DBB86FCFF2FD}"/>
+                </a:ext>
+              </a:extLst>
+            </p:cNvPr>
+            <p:cNvCxnSpPr>
+              <a:endCxn id="60" idx="0"/>
+            </p:cNvCxnSpPr>
+            <p:nvPr/>
+          </p:nvCxnSpPr>
+          <p:spPr>
+            <a:xfrm>
+              <a:off x="5405299" y="2972833"/>
+              <a:ext cx="1245803" cy="778936"/>
+            </a:xfrm>
+            <a:prstGeom prst="bentConnector2">
+              <a:avLst/>
+            </a:prstGeom>
+            <a:ln>
+              <a:tailEnd type="triangle"/>
+            </a:ln>
+          </p:spPr>
+          <p:style>
+            <a:lnRef idx="1">
+              <a:schemeClr val="dk1"/>
+            </a:lnRef>
+            <a:fillRef idx="0">
+              <a:schemeClr val="dk1"/>
+            </a:fillRef>
+            <a:effectRef idx="0">
+              <a:schemeClr val="dk1"/>
+            </a:effectRef>
+            <a:fontRef idx="minor">
+              <a:schemeClr val="tx1"/>
+            </a:fontRef>
+          </p:style>
+        </p:cxnSp>
+        <p:cxnSp>
+          <p:nvCxnSpPr>
+            <p:cNvPr id="62" name="Straight Arrow Connector 61">
+              <a:extLst>
+                <a:ext uri="{FF2B5EF4-FFF2-40B4-BE49-F238E27FC236}">
+                  <a16:creationId xmlns:a16="http://schemas.microsoft.com/office/drawing/2014/main" id="{ED54B1EC-4B37-45DE-B77F-9175A2BBABCE}"/>
+                </a:ext>
+              </a:extLst>
+            </p:cNvPr>
+            <p:cNvCxnSpPr>
+              <a:endCxn id="60" idx="4"/>
+            </p:cNvCxnSpPr>
+            <p:nvPr/>
+          </p:nvCxnSpPr>
+          <p:spPr>
+            <a:xfrm flipV="1">
+              <a:off x="6651101" y="4348116"/>
+              <a:ext cx="1" cy="776657"/>
+            </a:xfrm>
+            <a:prstGeom prst="straightConnector1">
+              <a:avLst/>
+            </a:prstGeom>
+            <a:ln>
+              <a:tailEnd type="triangle"/>
+            </a:ln>
+          </p:spPr>
+          <p:style>
+            <a:lnRef idx="1">
+              <a:schemeClr val="dk1"/>
+            </a:lnRef>
+            <a:fillRef idx="0">
+              <a:schemeClr val="dk1"/>
+            </a:fillRef>
+            <a:effectRef idx="0">
+              <a:schemeClr val="dk1"/>
+            </a:effectRef>
+            <a:fontRef idx="minor">
+              <a:schemeClr val="tx1"/>
+            </a:fontRef>
+          </p:style>
+        </p:cxnSp>
+        <p:cxnSp>
+          <p:nvCxnSpPr>
+            <p:cNvPr id="64" name="Straight Connector 63">
+              <a:extLst>
+                <a:ext uri="{FF2B5EF4-FFF2-40B4-BE49-F238E27FC236}">
+                  <a16:creationId xmlns:a16="http://schemas.microsoft.com/office/drawing/2014/main" id="{80880946-96FE-4B28-BBAE-25EA45DC4100}"/>
+                </a:ext>
+              </a:extLst>
+            </p:cNvPr>
+            <p:cNvCxnSpPr>
+              <a:stCxn id="41" idx="3"/>
+            </p:cNvCxnSpPr>
+            <p:nvPr/>
+          </p:nvCxnSpPr>
+          <p:spPr>
+            <a:xfrm flipV="1">
+              <a:off x="5405299" y="5135217"/>
+              <a:ext cx="1245802" cy="2"/>
+            </a:xfrm>
+            <a:prstGeom prst="line">
+              <a:avLst/>
+            </a:prstGeom>
+          </p:spPr>
+          <p:style>
+            <a:lnRef idx="1">
+              <a:schemeClr val="dk1"/>
+            </a:lnRef>
+            <a:fillRef idx="0">
+              <a:schemeClr val="dk1"/>
+            </a:fillRef>
+            <a:effectRef idx="0">
+              <a:schemeClr val="dk1"/>
+            </a:effectRef>
+            <a:fontRef idx="minor">
+              <a:schemeClr val="tx1"/>
+            </a:fontRef>
+          </p:style>
+        </p:cxnSp>
+        <p:sp>
+          <p:nvSpPr>
+            <p:cNvPr id="65" name="TextBox 64">
+              <a:extLst>
+                <a:ext uri="{FF2B5EF4-FFF2-40B4-BE49-F238E27FC236}">
+                  <a16:creationId xmlns:a16="http://schemas.microsoft.com/office/drawing/2014/main" id="{846D667D-F014-4133-970F-C0B96E1A1FAF}"/>
+                </a:ext>
+              </a:extLst>
+            </p:cNvPr>
+            <p:cNvSpPr txBox="1"/>
+            <p:nvPr/>
+          </p:nvSpPr>
+          <p:spPr>
+            <a:xfrm>
+              <a:off x="6510816" y="3705355"/>
+              <a:ext cx="300082" cy="369332"/>
+            </a:xfrm>
+            <a:prstGeom prst="rect">
+              <a:avLst/>
+            </a:prstGeom>
+            <a:noFill/>
+          </p:spPr>
+          <p:txBody>
+            <a:bodyPr wrap="none" rtlCol="0">
+              <a:spAutoFit/>
+            </a:bodyPr>
+            <a:lstStyle/>
+            <a:p>
+              <a:r>
+                <a:rPr lang="en-GB" dirty="0"/>
+                <a:t>+</a:t>
+              </a:r>
+            </a:p>
+          </p:txBody>
+        </p:sp>
+        <p:sp>
+          <p:nvSpPr>
+            <p:cNvPr id="77" name="TextBox 76">
+              <a:extLst>
+                <a:ext uri="{FF2B5EF4-FFF2-40B4-BE49-F238E27FC236}">
+                  <a16:creationId xmlns:a16="http://schemas.microsoft.com/office/drawing/2014/main" id="{77001E40-A728-4FD2-9064-A06C8FA2D7CF}"/>
+                </a:ext>
+              </a:extLst>
+            </p:cNvPr>
+            <p:cNvSpPr txBox="1"/>
+            <p:nvPr/>
+          </p:nvSpPr>
+          <p:spPr>
+            <a:xfrm>
+              <a:off x="6322124" y="3865276"/>
+              <a:ext cx="300082" cy="369332"/>
+            </a:xfrm>
+            <a:prstGeom prst="rect">
+              <a:avLst/>
+            </a:prstGeom>
+            <a:noFill/>
+          </p:spPr>
+          <p:txBody>
+            <a:bodyPr wrap="none" rtlCol="0">
+              <a:spAutoFit/>
+            </a:bodyPr>
+            <a:lstStyle/>
+            <a:p>
+              <a:r>
+                <a:rPr lang="en-GB" dirty="0"/>
+                <a:t>+</a:t>
+              </a:r>
+            </a:p>
+          </p:txBody>
+        </p:sp>
+        <p:sp>
+          <p:nvSpPr>
+            <p:cNvPr id="79" name="TextBox 78">
+              <a:extLst>
+                <a:ext uri="{FF2B5EF4-FFF2-40B4-BE49-F238E27FC236}">
+                  <a16:creationId xmlns:a16="http://schemas.microsoft.com/office/drawing/2014/main" id="{B7DB1285-21E9-49B0-876A-87CC44080495}"/>
+                </a:ext>
+              </a:extLst>
+            </p:cNvPr>
+            <p:cNvSpPr txBox="1"/>
+            <p:nvPr/>
+          </p:nvSpPr>
+          <p:spPr>
+            <a:xfrm>
+              <a:off x="6506737" y="4025198"/>
+              <a:ext cx="300082" cy="369332"/>
+            </a:xfrm>
+            <a:prstGeom prst="rect">
+              <a:avLst/>
+            </a:prstGeom>
+            <a:noFill/>
+          </p:spPr>
+          <p:txBody>
+            <a:bodyPr wrap="none" rtlCol="0">
+              <a:spAutoFit/>
+            </a:bodyPr>
+            <a:lstStyle/>
+            <a:p>
+              <a:r>
+                <a:rPr lang="en-GB" dirty="0"/>
+                <a:t>+</a:t>
+              </a:r>
+            </a:p>
+          </p:txBody>
+        </p:sp>
+      </p:grpSp>
+      <p:sp>
+        <p:nvSpPr>
+          <p:cNvPr id="70" name="TextBox 69">
+            <a:extLst>
+              <a:ext uri="{FF2B5EF4-FFF2-40B4-BE49-F238E27FC236}">
+                <a16:creationId xmlns:a16="http://schemas.microsoft.com/office/drawing/2014/main" id="{23DF510A-08FB-4301-B76E-F82BE50217DB}"/>
+              </a:ext>
+            </a:extLst>
+          </p:cNvPr>
+          <p:cNvSpPr txBox="1"/>
+          <p:nvPr/>
+        </p:nvSpPr>
+        <p:spPr>
+          <a:xfrm>
+            <a:off x="5858713" y="1896541"/>
+            <a:ext cx="465192" cy="769441"/>
+          </a:xfrm>
+          <a:prstGeom prst="rect">
+            <a:avLst/>
+          </a:prstGeom>
+          <a:noFill/>
+        </p:spPr>
+        <p:txBody>
+          <a:bodyPr wrap="none" rtlCol="0">
+            <a:spAutoFit/>
+          </a:bodyPr>
+          <a:lstStyle/>
+          <a:p>
+            <a:r>
+              <a:rPr lang="en-GB" sz="4400" dirty="0"/>
+              <a:t>=</a:t>
+            </a:r>
+          </a:p>
+        </p:txBody>
+      </p:sp>
+      <p:sp>
+        <p:nvSpPr>
+          <p:cNvPr id="2" name="TextBox 1">
+            <a:extLst>
+              <a:ext uri="{FF2B5EF4-FFF2-40B4-BE49-F238E27FC236}">
+                <a16:creationId xmlns:a16="http://schemas.microsoft.com/office/drawing/2014/main" id="{A1727C0E-CFF5-4F88-9009-7C392E5B6E9F}"/>
+              </a:ext>
+            </a:extLst>
+          </p:cNvPr>
+          <p:cNvSpPr txBox="1"/>
+          <p:nvPr/>
+        </p:nvSpPr>
+        <p:spPr>
+          <a:xfrm>
+            <a:off x="6832096" y="2708094"/>
+            <a:ext cx="1362361" cy="369332"/>
+          </a:xfrm>
+          <a:prstGeom prst="rect">
+            <a:avLst/>
+          </a:prstGeom>
+          <a:noFill/>
+        </p:spPr>
+        <p:txBody>
+          <a:bodyPr wrap="none" rtlCol="0">
+            <a:spAutoFit/>
+          </a:bodyPr>
+          <a:lstStyle/>
+          <a:p>
+            <a:r>
+              <a:rPr lang="en-GB" i="1" dirty="0">
+                <a:solidFill>
+                  <a:schemeClr val="accent6">
+                    <a:lumMod val="75000"/>
+                  </a:schemeClr>
+                </a:solidFill>
+              </a:rPr>
+              <a:t>Proportional</a:t>
+            </a:r>
+          </a:p>
+        </p:txBody>
+      </p:sp>
+      <p:sp>
+        <p:nvSpPr>
+          <p:cNvPr id="35" name="TextBox 34">
+            <a:extLst>
+              <a:ext uri="{FF2B5EF4-FFF2-40B4-BE49-F238E27FC236}">
+                <a16:creationId xmlns:a16="http://schemas.microsoft.com/office/drawing/2014/main" id="{728D9B4C-4A26-479D-A49D-F10B1B94089E}"/>
+              </a:ext>
+            </a:extLst>
+          </p:cNvPr>
+          <p:cNvSpPr txBox="1"/>
+          <p:nvPr/>
+        </p:nvSpPr>
+        <p:spPr>
+          <a:xfrm>
+            <a:off x="6815804" y="3811265"/>
+            <a:ext cx="912494" cy="369332"/>
+          </a:xfrm>
+          <a:prstGeom prst="rect">
+            <a:avLst/>
+          </a:prstGeom>
+          <a:noFill/>
+        </p:spPr>
+        <p:txBody>
+          <a:bodyPr wrap="none" rtlCol="0">
+            <a:spAutoFit/>
+          </a:bodyPr>
+          <a:lstStyle/>
+          <a:p>
+            <a:r>
+              <a:rPr lang="en-GB" i="1" dirty="0">
+                <a:solidFill>
+                  <a:schemeClr val="accent6">
+                    <a:lumMod val="75000"/>
+                  </a:schemeClr>
+                </a:solidFill>
+              </a:rPr>
+              <a:t>Integral</a:t>
+            </a:r>
+          </a:p>
+        </p:txBody>
+      </p:sp>
+      <p:sp>
+        <p:nvSpPr>
+          <p:cNvPr id="42" name="TextBox 41">
+            <a:extLst>
+              <a:ext uri="{FF2B5EF4-FFF2-40B4-BE49-F238E27FC236}">
+                <a16:creationId xmlns:a16="http://schemas.microsoft.com/office/drawing/2014/main" id="{3876CBE0-5805-40AA-ADCC-62A24404F2ED}"/>
+              </a:ext>
+            </a:extLst>
+          </p:cNvPr>
+          <p:cNvSpPr txBox="1"/>
+          <p:nvPr/>
+        </p:nvSpPr>
+        <p:spPr>
+          <a:xfrm>
+            <a:off x="6857681" y="4913119"/>
+            <a:ext cx="1133644" cy="369332"/>
+          </a:xfrm>
+          <a:prstGeom prst="rect">
+            <a:avLst/>
+          </a:prstGeom>
+          <a:noFill/>
+        </p:spPr>
+        <p:txBody>
+          <a:bodyPr wrap="none" rtlCol="0">
+            <a:spAutoFit/>
+          </a:bodyPr>
+          <a:lstStyle/>
+          <a:p>
+            <a:r>
+              <a:rPr lang="en-GB" i="1" dirty="0">
+                <a:solidFill>
+                  <a:schemeClr val="accent6">
+                    <a:lumMod val="75000"/>
+                  </a:schemeClr>
+                </a:solidFill>
+              </a:rPr>
+              <a:t>Derivative</a:t>
+            </a:r>
+          </a:p>
+        </p:txBody>
+      </p:sp>
+    </p:spTree>
+    <p:extLst>
+      <p:ext uri="{BB962C8B-B14F-4D97-AF65-F5344CB8AC3E}">
+        <p14:creationId xmlns:p14="http://schemas.microsoft.com/office/powerpoint/2010/main" val="2444917244"/>
+      </p:ext>
+    </p:extLst>
+  </p:cSld>
+  <p:clrMapOvr>
+    <a:masterClrMapping/>
+  </p:clrMapOvr>
+</p:sld>
+</file>
+
 <file path=ppt/theme/theme1.xml><?xml version="1.0" encoding="utf-8"?>
 <a:theme xmlns:a="http://schemas.openxmlformats.org/drawingml/2006/main" name="Office Theme">
   <a:themeElements>

--- a/Modelling/MyPAM Modelling.pptx
+++ b/Modelling/MyPAM Modelling.pptx
@@ -14,6 +14,9 @@
     <p:sldId id="262" r:id="rId8"/>
     <p:sldId id="263" r:id="rId9"/>
     <p:sldId id="264" r:id="rId10"/>
+    <p:sldId id="265" r:id="rId11"/>
+    <p:sldId id="266" r:id="rId12"/>
+    <p:sldId id="267" r:id="rId13"/>
   </p:sldIdLst>
   <p:sldSz cx="12192000" cy="6858000"/>
   <p:notesSz cx="6858000" cy="9144000"/>
@@ -269,7 +272,7 @@
           <a:p>
             <a:fld id="{4DCC3765-A771-4BBA-8135-6F2E689117A7}" type="datetimeFigureOut">
               <a:rPr lang="en-GB" smtClean="0"/>
-              <a:t>19/11/2018</a:t>
+              <a:t>29/11/2018</a:t>
             </a:fld>
             <a:endParaRPr lang="en-GB"/>
           </a:p>
@@ -469,7 +472,7 @@
           <a:p>
             <a:fld id="{4DCC3765-A771-4BBA-8135-6F2E689117A7}" type="datetimeFigureOut">
               <a:rPr lang="en-GB" smtClean="0"/>
-              <a:t>19/11/2018</a:t>
+              <a:t>29/11/2018</a:t>
             </a:fld>
             <a:endParaRPr lang="en-GB"/>
           </a:p>
@@ -679,7 +682,7 @@
           <a:p>
             <a:fld id="{4DCC3765-A771-4BBA-8135-6F2E689117A7}" type="datetimeFigureOut">
               <a:rPr lang="en-GB" smtClean="0"/>
-              <a:t>19/11/2018</a:t>
+              <a:t>29/11/2018</a:t>
             </a:fld>
             <a:endParaRPr lang="en-GB"/>
           </a:p>
@@ -879,7 +882,7 @@
           <a:p>
             <a:fld id="{4DCC3765-A771-4BBA-8135-6F2E689117A7}" type="datetimeFigureOut">
               <a:rPr lang="en-GB" smtClean="0"/>
-              <a:t>19/11/2018</a:t>
+              <a:t>29/11/2018</a:t>
             </a:fld>
             <a:endParaRPr lang="en-GB"/>
           </a:p>
@@ -1155,7 +1158,7 @@
           <a:p>
             <a:fld id="{4DCC3765-A771-4BBA-8135-6F2E689117A7}" type="datetimeFigureOut">
               <a:rPr lang="en-GB" smtClean="0"/>
-              <a:t>19/11/2018</a:t>
+              <a:t>29/11/2018</a:t>
             </a:fld>
             <a:endParaRPr lang="en-GB"/>
           </a:p>
@@ -1423,7 +1426,7 @@
           <a:p>
             <a:fld id="{4DCC3765-A771-4BBA-8135-6F2E689117A7}" type="datetimeFigureOut">
               <a:rPr lang="en-GB" smtClean="0"/>
-              <a:t>19/11/2018</a:t>
+              <a:t>29/11/2018</a:t>
             </a:fld>
             <a:endParaRPr lang="en-GB"/>
           </a:p>
@@ -1838,7 +1841,7 @@
           <a:p>
             <a:fld id="{4DCC3765-A771-4BBA-8135-6F2E689117A7}" type="datetimeFigureOut">
               <a:rPr lang="en-GB" smtClean="0"/>
-              <a:t>19/11/2018</a:t>
+              <a:t>29/11/2018</a:t>
             </a:fld>
             <a:endParaRPr lang="en-GB"/>
           </a:p>
@@ -1980,7 +1983,7 @@
           <a:p>
             <a:fld id="{4DCC3765-A771-4BBA-8135-6F2E689117A7}" type="datetimeFigureOut">
               <a:rPr lang="en-GB" smtClean="0"/>
-              <a:t>19/11/2018</a:t>
+              <a:t>29/11/2018</a:t>
             </a:fld>
             <a:endParaRPr lang="en-GB"/>
           </a:p>
@@ -2093,7 +2096,7 @@
           <a:p>
             <a:fld id="{4DCC3765-A771-4BBA-8135-6F2E689117A7}" type="datetimeFigureOut">
               <a:rPr lang="en-GB" smtClean="0"/>
-              <a:t>19/11/2018</a:t>
+              <a:t>29/11/2018</a:t>
             </a:fld>
             <a:endParaRPr lang="en-GB"/>
           </a:p>
@@ -2406,7 +2409,7 @@
           <a:p>
             <a:fld id="{4DCC3765-A771-4BBA-8135-6F2E689117A7}" type="datetimeFigureOut">
               <a:rPr lang="en-GB" smtClean="0"/>
-              <a:t>19/11/2018</a:t>
+              <a:t>29/11/2018</a:t>
             </a:fld>
             <a:endParaRPr lang="en-GB"/>
           </a:p>
@@ -2695,7 +2698,7 @@
           <a:p>
             <a:fld id="{4DCC3765-A771-4BBA-8135-6F2E689117A7}" type="datetimeFigureOut">
               <a:rPr lang="en-GB" smtClean="0"/>
-              <a:t>19/11/2018</a:t>
+              <a:t>29/11/2018</a:t>
             </a:fld>
             <a:endParaRPr lang="en-GB"/>
           </a:p>
@@ -2938,7 +2941,7 @@
           <a:p>
             <a:fld id="{4DCC3765-A771-4BBA-8135-6F2E689117A7}" type="datetimeFigureOut">
               <a:rPr lang="en-GB" smtClean="0"/>
-              <a:t>19/11/2018</a:t>
+              <a:t>29/11/2018</a:t>
             </a:fld>
             <a:endParaRPr lang="en-GB"/>
           </a:p>
@@ -4169,6 +4172,3933 @@
     <p:extLst>
       <p:ext uri="{BB962C8B-B14F-4D97-AF65-F5344CB8AC3E}">
         <p14:creationId xmlns:p14="http://schemas.microsoft.com/office/powerpoint/2010/main" val="2487573122"/>
+      </p:ext>
+    </p:extLst>
+  </p:cSld>
+  <p:clrMapOvr>
+    <a:masterClrMapping/>
+  </p:clrMapOvr>
+</p:sld>
+</file>
+
+<file path=ppt/slides/slide10.xml><?xml version="1.0" encoding="utf-8"?>
+<p:sld xmlns:a="http://schemas.openxmlformats.org/drawingml/2006/main" xmlns:r="http://schemas.openxmlformats.org/officeDocument/2006/relationships" xmlns:p="http://schemas.openxmlformats.org/presentationml/2006/main">
+  <p:cSld>
+    <p:spTree>
+      <p:nvGrpSpPr>
+        <p:cNvPr id="1" name=""/>
+        <p:cNvGrpSpPr/>
+        <p:nvPr/>
+      </p:nvGrpSpPr>
+      <p:grpSpPr>
+        <a:xfrm>
+          <a:off x="0" y="0"/>
+          <a:ext cx="0" cy="0"/>
+          <a:chOff x="0" y="0"/>
+          <a:chExt cx="0" cy="0"/>
+        </a:xfrm>
+      </p:grpSpPr>
+      <p:sp>
+        <p:nvSpPr>
+          <p:cNvPr id="5" name="Rectangle 4">
+            <a:extLst>
+              <a:ext uri="{FF2B5EF4-FFF2-40B4-BE49-F238E27FC236}">
+                <a16:creationId xmlns:a16="http://schemas.microsoft.com/office/drawing/2014/main" id="{A5CB8BA4-7982-4EB9-8FE0-5796B7178CEB}"/>
+              </a:ext>
+            </a:extLst>
+          </p:cNvPr>
+          <p:cNvSpPr/>
+          <p:nvPr/>
+        </p:nvSpPr>
+        <p:spPr>
+          <a:xfrm>
+            <a:off x="4691270" y="2186609"/>
+            <a:ext cx="2040834" cy="831574"/>
+          </a:xfrm>
+          <a:prstGeom prst="rect">
+            <a:avLst/>
+          </a:prstGeom>
+          <a:ln>
+            <a:solidFill>
+              <a:schemeClr val="tx1">
+                <a:lumMod val="75000"/>
+                <a:lumOff val="25000"/>
+              </a:schemeClr>
+            </a:solidFill>
+            <a:prstDash val="lgDash"/>
+          </a:ln>
+        </p:spPr>
+        <p:style>
+          <a:lnRef idx="2">
+            <a:schemeClr val="dk1"/>
+          </a:lnRef>
+          <a:fillRef idx="1">
+            <a:schemeClr val="lt1"/>
+          </a:fillRef>
+          <a:effectRef idx="0">
+            <a:schemeClr val="dk1"/>
+          </a:effectRef>
+          <a:fontRef idx="minor">
+            <a:schemeClr val="dk1"/>
+          </a:fontRef>
+        </p:style>
+        <p:txBody>
+          <a:bodyPr rtlCol="0" anchor="ctr"/>
+          <a:lstStyle/>
+          <a:p>
+            <a:pPr algn="ctr"/>
+            <a:endParaRPr lang="en-GB" dirty="0"/>
+          </a:p>
+        </p:txBody>
+      </p:sp>
+      <p:sp>
+        <p:nvSpPr>
+          <p:cNvPr id="4" name="Rectangle 3">
+            <a:extLst>
+              <a:ext uri="{FF2B5EF4-FFF2-40B4-BE49-F238E27FC236}">
+                <a16:creationId xmlns:a16="http://schemas.microsoft.com/office/drawing/2014/main" id="{84B86107-E51F-4DAB-8640-7C448E20EAEC}"/>
+              </a:ext>
+            </a:extLst>
+          </p:cNvPr>
+          <p:cNvSpPr/>
+          <p:nvPr/>
+        </p:nvSpPr>
+        <p:spPr>
+          <a:xfrm>
+            <a:off x="4691270" y="2796209"/>
+            <a:ext cx="2040834" cy="831574"/>
+          </a:xfrm>
+          <a:prstGeom prst="rect">
+            <a:avLst/>
+          </a:prstGeom>
+        </p:spPr>
+        <p:style>
+          <a:lnRef idx="2">
+            <a:schemeClr val="dk1"/>
+          </a:lnRef>
+          <a:fillRef idx="1">
+            <a:schemeClr val="lt1"/>
+          </a:fillRef>
+          <a:effectRef idx="0">
+            <a:schemeClr val="dk1"/>
+          </a:effectRef>
+          <a:fontRef idx="minor">
+            <a:schemeClr val="dk1"/>
+          </a:fontRef>
+        </p:style>
+        <p:txBody>
+          <a:bodyPr rtlCol="0" anchor="ctr"/>
+          <a:lstStyle/>
+          <a:p>
+            <a:pPr algn="ctr"/>
+            <a:r>
+              <a:rPr lang="en-GB" dirty="0"/>
+              <a:t>m</a:t>
+            </a:r>
+          </a:p>
+        </p:txBody>
+      </p:sp>
+      <p:cxnSp>
+        <p:nvCxnSpPr>
+          <p:cNvPr id="7" name="Straight Arrow Connector 6">
+            <a:extLst>
+              <a:ext uri="{FF2B5EF4-FFF2-40B4-BE49-F238E27FC236}">
+                <a16:creationId xmlns:a16="http://schemas.microsoft.com/office/drawing/2014/main" id="{A68D435E-B813-43FC-81BB-D22C24899E43}"/>
+              </a:ext>
+            </a:extLst>
+          </p:cNvPr>
+          <p:cNvCxnSpPr>
+            <a:cxnSpLocks/>
+            <a:endCxn id="5" idx="0"/>
+          </p:cNvCxnSpPr>
+          <p:nvPr/>
+        </p:nvCxnSpPr>
+        <p:spPr>
+          <a:xfrm>
+            <a:off x="5711687" y="1497496"/>
+            <a:ext cx="0" cy="689113"/>
+          </a:xfrm>
+          <a:prstGeom prst="straightConnector1">
+            <a:avLst/>
+          </a:prstGeom>
+          <a:ln>
+            <a:solidFill>
+              <a:schemeClr val="tx1"/>
+            </a:solidFill>
+            <a:tailEnd type="triangle"/>
+          </a:ln>
+        </p:spPr>
+        <p:style>
+          <a:lnRef idx="1">
+            <a:schemeClr val="accent1"/>
+          </a:lnRef>
+          <a:fillRef idx="0">
+            <a:schemeClr val="accent1"/>
+          </a:fillRef>
+          <a:effectRef idx="0">
+            <a:schemeClr val="accent1"/>
+          </a:effectRef>
+          <a:fontRef idx="minor">
+            <a:schemeClr val="tx1"/>
+          </a:fontRef>
+        </p:style>
+      </p:cxnSp>
+      <p:sp>
+        <p:nvSpPr>
+          <p:cNvPr id="9" name="TextBox 8">
+            <a:extLst>
+              <a:ext uri="{FF2B5EF4-FFF2-40B4-BE49-F238E27FC236}">
+                <a16:creationId xmlns:a16="http://schemas.microsoft.com/office/drawing/2014/main" id="{7DD52819-A807-43D7-AE95-87256B980755}"/>
+              </a:ext>
+            </a:extLst>
+          </p:cNvPr>
+          <p:cNvSpPr txBox="1"/>
+          <p:nvPr/>
+        </p:nvSpPr>
+        <p:spPr>
+          <a:xfrm>
+            <a:off x="5471300" y="1128164"/>
+            <a:ext cx="480773" cy="369332"/>
+          </a:xfrm>
+          <a:prstGeom prst="rect">
+            <a:avLst/>
+          </a:prstGeom>
+          <a:noFill/>
+        </p:spPr>
+        <p:txBody>
+          <a:bodyPr wrap="none" rtlCol="0">
+            <a:spAutoFit/>
+          </a:bodyPr>
+          <a:lstStyle/>
+          <a:p>
+            <a:r>
+              <a:rPr lang="en-GB" dirty="0"/>
+              <a:t>F</a:t>
+            </a:r>
+            <a:r>
+              <a:rPr lang="en-GB" baseline="-25000" dirty="0"/>
+              <a:t>ext</a:t>
+            </a:r>
+          </a:p>
+        </p:txBody>
+      </p:sp>
+      <p:cxnSp>
+        <p:nvCxnSpPr>
+          <p:cNvPr id="11" name="Straight Connector 10">
+            <a:extLst>
+              <a:ext uri="{FF2B5EF4-FFF2-40B4-BE49-F238E27FC236}">
+                <a16:creationId xmlns:a16="http://schemas.microsoft.com/office/drawing/2014/main" id="{4AAEEE9D-4867-43C5-BBB4-48A981BC4221}"/>
+              </a:ext>
+            </a:extLst>
+          </p:cNvPr>
+          <p:cNvCxnSpPr>
+            <a:cxnSpLocks/>
+          </p:cNvCxnSpPr>
+          <p:nvPr/>
+        </p:nvCxnSpPr>
+        <p:spPr>
+          <a:xfrm>
+            <a:off x="6732104" y="2186609"/>
+            <a:ext cx="755374" cy="0"/>
+          </a:xfrm>
+          <a:prstGeom prst="line">
+            <a:avLst/>
+          </a:prstGeom>
+          <a:ln w="28575">
+            <a:prstDash val="dash"/>
+          </a:ln>
+        </p:spPr>
+        <p:style>
+          <a:lnRef idx="1">
+            <a:schemeClr val="accent1"/>
+          </a:lnRef>
+          <a:fillRef idx="0">
+            <a:schemeClr val="accent1"/>
+          </a:fillRef>
+          <a:effectRef idx="0">
+            <a:schemeClr val="accent1"/>
+          </a:effectRef>
+          <a:fontRef idx="minor">
+            <a:schemeClr val="tx1"/>
+          </a:fontRef>
+        </p:style>
+      </p:cxnSp>
+      <p:cxnSp>
+        <p:nvCxnSpPr>
+          <p:cNvPr id="12" name="Straight Connector 11">
+            <a:extLst>
+              <a:ext uri="{FF2B5EF4-FFF2-40B4-BE49-F238E27FC236}">
+                <a16:creationId xmlns:a16="http://schemas.microsoft.com/office/drawing/2014/main" id="{80D1EB0B-5525-4D29-A464-EE528FB01E62}"/>
+              </a:ext>
+            </a:extLst>
+          </p:cNvPr>
+          <p:cNvCxnSpPr>
+            <a:cxnSpLocks/>
+          </p:cNvCxnSpPr>
+          <p:nvPr/>
+        </p:nvCxnSpPr>
+        <p:spPr>
+          <a:xfrm>
+            <a:off x="6732104" y="2796209"/>
+            <a:ext cx="755374" cy="0"/>
+          </a:xfrm>
+          <a:prstGeom prst="line">
+            <a:avLst/>
+          </a:prstGeom>
+          <a:ln w="28575">
+            <a:prstDash val="dash"/>
+          </a:ln>
+        </p:spPr>
+        <p:style>
+          <a:lnRef idx="1">
+            <a:schemeClr val="accent1"/>
+          </a:lnRef>
+          <a:fillRef idx="0">
+            <a:schemeClr val="accent1"/>
+          </a:fillRef>
+          <a:effectRef idx="0">
+            <a:schemeClr val="accent1"/>
+          </a:effectRef>
+          <a:fontRef idx="minor">
+            <a:schemeClr val="tx1"/>
+          </a:fontRef>
+        </p:style>
+      </p:cxnSp>
+      <p:grpSp>
+        <p:nvGrpSpPr>
+          <p:cNvPr id="37" name="Group 36">
+            <a:extLst>
+              <a:ext uri="{FF2B5EF4-FFF2-40B4-BE49-F238E27FC236}">
+                <a16:creationId xmlns:a16="http://schemas.microsoft.com/office/drawing/2014/main" id="{3D43381C-3E09-4501-ACA1-74F3A85F0029}"/>
+              </a:ext>
+            </a:extLst>
+          </p:cNvPr>
+          <p:cNvGrpSpPr/>
+          <p:nvPr/>
+        </p:nvGrpSpPr>
+        <p:grpSpPr>
+          <a:xfrm>
+            <a:off x="4062524" y="4446101"/>
+            <a:ext cx="3298323" cy="221974"/>
+            <a:chOff x="3949148" y="4320208"/>
+            <a:chExt cx="3298323" cy="221974"/>
+          </a:xfrm>
+        </p:grpSpPr>
+        <p:cxnSp>
+          <p:nvCxnSpPr>
+            <p:cNvPr id="15" name="Straight Connector 14">
+              <a:extLst>
+                <a:ext uri="{FF2B5EF4-FFF2-40B4-BE49-F238E27FC236}">
+                  <a16:creationId xmlns:a16="http://schemas.microsoft.com/office/drawing/2014/main" id="{C6B5806C-6144-4100-B83B-152047994E8E}"/>
+                </a:ext>
+              </a:extLst>
+            </p:cNvPr>
+            <p:cNvCxnSpPr>
+              <a:cxnSpLocks/>
+            </p:cNvCxnSpPr>
+            <p:nvPr/>
+          </p:nvCxnSpPr>
+          <p:spPr>
+            <a:xfrm flipV="1">
+              <a:off x="3949148" y="4320208"/>
+              <a:ext cx="3298323" cy="1"/>
+            </a:xfrm>
+            <a:prstGeom prst="line">
+              <a:avLst/>
+            </a:prstGeom>
+            <a:ln>
+              <a:solidFill>
+                <a:schemeClr val="tx1"/>
+              </a:solidFill>
+            </a:ln>
+          </p:spPr>
+          <p:style>
+            <a:lnRef idx="1">
+              <a:schemeClr val="accent1"/>
+            </a:lnRef>
+            <a:fillRef idx="0">
+              <a:schemeClr val="accent1"/>
+            </a:fillRef>
+            <a:effectRef idx="0">
+              <a:schemeClr val="accent1"/>
+            </a:effectRef>
+            <a:fontRef idx="minor">
+              <a:schemeClr val="tx1"/>
+            </a:fontRef>
+          </p:style>
+        </p:cxnSp>
+        <p:cxnSp>
+          <p:nvCxnSpPr>
+            <p:cNvPr id="20" name="Straight Connector 19">
+              <a:extLst>
+                <a:ext uri="{FF2B5EF4-FFF2-40B4-BE49-F238E27FC236}">
+                  <a16:creationId xmlns:a16="http://schemas.microsoft.com/office/drawing/2014/main" id="{733F6547-3D96-40D5-B542-3A6460B59343}"/>
+                </a:ext>
+              </a:extLst>
+            </p:cNvPr>
+            <p:cNvCxnSpPr>
+              <a:cxnSpLocks/>
+            </p:cNvCxnSpPr>
+            <p:nvPr/>
+          </p:nvCxnSpPr>
+          <p:spPr>
+            <a:xfrm>
+              <a:off x="4081670" y="4320209"/>
+              <a:ext cx="251791" cy="221973"/>
+            </a:xfrm>
+            <a:prstGeom prst="line">
+              <a:avLst/>
+            </a:prstGeom>
+            <a:ln>
+              <a:solidFill>
+                <a:schemeClr val="tx1"/>
+              </a:solidFill>
+            </a:ln>
+          </p:spPr>
+          <p:style>
+            <a:lnRef idx="1">
+              <a:schemeClr val="accent1"/>
+            </a:lnRef>
+            <a:fillRef idx="0">
+              <a:schemeClr val="accent1"/>
+            </a:fillRef>
+            <a:effectRef idx="0">
+              <a:schemeClr val="accent1"/>
+            </a:effectRef>
+            <a:fontRef idx="minor">
+              <a:schemeClr val="tx1"/>
+            </a:fontRef>
+          </p:style>
+        </p:cxnSp>
+        <p:cxnSp>
+          <p:nvCxnSpPr>
+            <p:cNvPr id="23" name="Straight Connector 22">
+              <a:extLst>
+                <a:ext uri="{FF2B5EF4-FFF2-40B4-BE49-F238E27FC236}">
+                  <a16:creationId xmlns:a16="http://schemas.microsoft.com/office/drawing/2014/main" id="{DD377963-9987-4F13-A518-2188591EC2C3}"/>
+                </a:ext>
+              </a:extLst>
+            </p:cNvPr>
+            <p:cNvCxnSpPr>
+              <a:cxnSpLocks/>
+            </p:cNvCxnSpPr>
+            <p:nvPr/>
+          </p:nvCxnSpPr>
+          <p:spPr>
+            <a:xfrm>
+              <a:off x="4346580" y="4320209"/>
+              <a:ext cx="251791" cy="221973"/>
+            </a:xfrm>
+            <a:prstGeom prst="line">
+              <a:avLst/>
+            </a:prstGeom>
+            <a:ln>
+              <a:solidFill>
+                <a:schemeClr val="tx1"/>
+              </a:solidFill>
+            </a:ln>
+          </p:spPr>
+          <p:style>
+            <a:lnRef idx="1">
+              <a:schemeClr val="accent1"/>
+            </a:lnRef>
+            <a:fillRef idx="0">
+              <a:schemeClr val="accent1"/>
+            </a:fillRef>
+            <a:effectRef idx="0">
+              <a:schemeClr val="accent1"/>
+            </a:effectRef>
+            <a:fontRef idx="minor">
+              <a:schemeClr val="tx1"/>
+            </a:fontRef>
+          </p:style>
+        </p:cxnSp>
+        <p:cxnSp>
+          <p:nvCxnSpPr>
+            <p:cNvPr id="24" name="Straight Connector 23">
+              <a:extLst>
+                <a:ext uri="{FF2B5EF4-FFF2-40B4-BE49-F238E27FC236}">
+                  <a16:creationId xmlns:a16="http://schemas.microsoft.com/office/drawing/2014/main" id="{54288C82-D511-40C5-98BA-932B7AC3282C}"/>
+                </a:ext>
+              </a:extLst>
+            </p:cNvPr>
+            <p:cNvCxnSpPr>
+              <a:cxnSpLocks/>
+            </p:cNvCxnSpPr>
+            <p:nvPr/>
+          </p:nvCxnSpPr>
+          <p:spPr>
+            <a:xfrm>
+              <a:off x="4611490" y="4320209"/>
+              <a:ext cx="251791" cy="221973"/>
+            </a:xfrm>
+            <a:prstGeom prst="line">
+              <a:avLst/>
+            </a:prstGeom>
+            <a:ln>
+              <a:solidFill>
+                <a:schemeClr val="tx1"/>
+              </a:solidFill>
+            </a:ln>
+          </p:spPr>
+          <p:style>
+            <a:lnRef idx="1">
+              <a:schemeClr val="accent1"/>
+            </a:lnRef>
+            <a:fillRef idx="0">
+              <a:schemeClr val="accent1"/>
+            </a:fillRef>
+            <a:effectRef idx="0">
+              <a:schemeClr val="accent1"/>
+            </a:effectRef>
+            <a:fontRef idx="minor">
+              <a:schemeClr val="tx1"/>
+            </a:fontRef>
+          </p:style>
+        </p:cxnSp>
+        <p:cxnSp>
+          <p:nvCxnSpPr>
+            <p:cNvPr id="25" name="Straight Connector 24">
+              <a:extLst>
+                <a:ext uri="{FF2B5EF4-FFF2-40B4-BE49-F238E27FC236}">
+                  <a16:creationId xmlns:a16="http://schemas.microsoft.com/office/drawing/2014/main" id="{708B6A11-FED6-4982-8F60-2346C304F137}"/>
+                </a:ext>
+              </a:extLst>
+            </p:cNvPr>
+            <p:cNvCxnSpPr>
+              <a:cxnSpLocks/>
+            </p:cNvCxnSpPr>
+            <p:nvPr/>
+          </p:nvCxnSpPr>
+          <p:spPr>
+            <a:xfrm>
+              <a:off x="4876400" y="4320209"/>
+              <a:ext cx="251791" cy="221973"/>
+            </a:xfrm>
+            <a:prstGeom prst="line">
+              <a:avLst/>
+            </a:prstGeom>
+            <a:ln>
+              <a:solidFill>
+                <a:schemeClr val="tx1"/>
+              </a:solidFill>
+            </a:ln>
+          </p:spPr>
+          <p:style>
+            <a:lnRef idx="1">
+              <a:schemeClr val="accent1"/>
+            </a:lnRef>
+            <a:fillRef idx="0">
+              <a:schemeClr val="accent1"/>
+            </a:fillRef>
+            <a:effectRef idx="0">
+              <a:schemeClr val="accent1"/>
+            </a:effectRef>
+            <a:fontRef idx="minor">
+              <a:schemeClr val="tx1"/>
+            </a:fontRef>
+          </p:style>
+        </p:cxnSp>
+        <p:cxnSp>
+          <p:nvCxnSpPr>
+            <p:cNvPr id="27" name="Straight Connector 26">
+              <a:extLst>
+                <a:ext uri="{FF2B5EF4-FFF2-40B4-BE49-F238E27FC236}">
+                  <a16:creationId xmlns:a16="http://schemas.microsoft.com/office/drawing/2014/main" id="{134F21D8-4DFB-4C72-A372-585BAAFE8259}"/>
+                </a:ext>
+              </a:extLst>
+            </p:cNvPr>
+            <p:cNvCxnSpPr>
+              <a:cxnSpLocks/>
+            </p:cNvCxnSpPr>
+            <p:nvPr/>
+          </p:nvCxnSpPr>
+          <p:spPr>
+            <a:xfrm>
+              <a:off x="5141310" y="4320209"/>
+              <a:ext cx="251791" cy="221973"/>
+            </a:xfrm>
+            <a:prstGeom prst="line">
+              <a:avLst/>
+            </a:prstGeom>
+            <a:ln>
+              <a:solidFill>
+                <a:schemeClr val="tx1"/>
+              </a:solidFill>
+            </a:ln>
+          </p:spPr>
+          <p:style>
+            <a:lnRef idx="1">
+              <a:schemeClr val="accent1"/>
+            </a:lnRef>
+            <a:fillRef idx="0">
+              <a:schemeClr val="accent1"/>
+            </a:fillRef>
+            <a:effectRef idx="0">
+              <a:schemeClr val="accent1"/>
+            </a:effectRef>
+            <a:fontRef idx="minor">
+              <a:schemeClr val="tx1"/>
+            </a:fontRef>
+          </p:style>
+        </p:cxnSp>
+        <p:cxnSp>
+          <p:nvCxnSpPr>
+            <p:cNvPr id="28" name="Straight Connector 27">
+              <a:extLst>
+                <a:ext uri="{FF2B5EF4-FFF2-40B4-BE49-F238E27FC236}">
+                  <a16:creationId xmlns:a16="http://schemas.microsoft.com/office/drawing/2014/main" id="{C5947CE7-7B9C-471A-AF76-92A2422A82F2}"/>
+                </a:ext>
+              </a:extLst>
+            </p:cNvPr>
+            <p:cNvCxnSpPr>
+              <a:cxnSpLocks/>
+            </p:cNvCxnSpPr>
+            <p:nvPr/>
+          </p:nvCxnSpPr>
+          <p:spPr>
+            <a:xfrm>
+              <a:off x="5406220" y="4320209"/>
+              <a:ext cx="251791" cy="221973"/>
+            </a:xfrm>
+            <a:prstGeom prst="line">
+              <a:avLst/>
+            </a:prstGeom>
+            <a:ln>
+              <a:solidFill>
+                <a:schemeClr val="tx1"/>
+              </a:solidFill>
+            </a:ln>
+          </p:spPr>
+          <p:style>
+            <a:lnRef idx="1">
+              <a:schemeClr val="accent1"/>
+            </a:lnRef>
+            <a:fillRef idx="0">
+              <a:schemeClr val="accent1"/>
+            </a:fillRef>
+            <a:effectRef idx="0">
+              <a:schemeClr val="accent1"/>
+            </a:effectRef>
+            <a:fontRef idx="minor">
+              <a:schemeClr val="tx1"/>
+            </a:fontRef>
+          </p:style>
+        </p:cxnSp>
+        <p:cxnSp>
+          <p:nvCxnSpPr>
+            <p:cNvPr id="29" name="Straight Connector 28">
+              <a:extLst>
+                <a:ext uri="{FF2B5EF4-FFF2-40B4-BE49-F238E27FC236}">
+                  <a16:creationId xmlns:a16="http://schemas.microsoft.com/office/drawing/2014/main" id="{7FBDFC61-F0AE-49CB-B40B-0C8607811F29}"/>
+                </a:ext>
+              </a:extLst>
+            </p:cNvPr>
+            <p:cNvCxnSpPr>
+              <a:cxnSpLocks/>
+            </p:cNvCxnSpPr>
+            <p:nvPr/>
+          </p:nvCxnSpPr>
+          <p:spPr>
+            <a:xfrm>
+              <a:off x="5671130" y="4320209"/>
+              <a:ext cx="251791" cy="221973"/>
+            </a:xfrm>
+            <a:prstGeom prst="line">
+              <a:avLst/>
+            </a:prstGeom>
+            <a:ln>
+              <a:solidFill>
+                <a:schemeClr val="tx1"/>
+              </a:solidFill>
+            </a:ln>
+          </p:spPr>
+          <p:style>
+            <a:lnRef idx="1">
+              <a:schemeClr val="accent1"/>
+            </a:lnRef>
+            <a:fillRef idx="0">
+              <a:schemeClr val="accent1"/>
+            </a:fillRef>
+            <a:effectRef idx="0">
+              <a:schemeClr val="accent1"/>
+            </a:effectRef>
+            <a:fontRef idx="minor">
+              <a:schemeClr val="tx1"/>
+            </a:fontRef>
+          </p:style>
+        </p:cxnSp>
+        <p:cxnSp>
+          <p:nvCxnSpPr>
+            <p:cNvPr id="30" name="Straight Connector 29">
+              <a:extLst>
+                <a:ext uri="{FF2B5EF4-FFF2-40B4-BE49-F238E27FC236}">
+                  <a16:creationId xmlns:a16="http://schemas.microsoft.com/office/drawing/2014/main" id="{B109D5B4-84AA-4159-AA69-6B87BD88AFAD}"/>
+                </a:ext>
+              </a:extLst>
+            </p:cNvPr>
+            <p:cNvCxnSpPr>
+              <a:cxnSpLocks/>
+            </p:cNvCxnSpPr>
+            <p:nvPr/>
+          </p:nvCxnSpPr>
+          <p:spPr>
+            <a:xfrm>
+              <a:off x="5936040" y="4320209"/>
+              <a:ext cx="251791" cy="221973"/>
+            </a:xfrm>
+            <a:prstGeom prst="line">
+              <a:avLst/>
+            </a:prstGeom>
+            <a:ln>
+              <a:solidFill>
+                <a:schemeClr val="tx1"/>
+              </a:solidFill>
+            </a:ln>
+          </p:spPr>
+          <p:style>
+            <a:lnRef idx="1">
+              <a:schemeClr val="accent1"/>
+            </a:lnRef>
+            <a:fillRef idx="0">
+              <a:schemeClr val="accent1"/>
+            </a:fillRef>
+            <a:effectRef idx="0">
+              <a:schemeClr val="accent1"/>
+            </a:effectRef>
+            <a:fontRef idx="minor">
+              <a:schemeClr val="tx1"/>
+            </a:fontRef>
+          </p:style>
+        </p:cxnSp>
+        <p:cxnSp>
+          <p:nvCxnSpPr>
+            <p:cNvPr id="31" name="Straight Connector 30">
+              <a:extLst>
+                <a:ext uri="{FF2B5EF4-FFF2-40B4-BE49-F238E27FC236}">
+                  <a16:creationId xmlns:a16="http://schemas.microsoft.com/office/drawing/2014/main" id="{E16958B7-AA39-401C-8949-4B72C01FEE37}"/>
+                </a:ext>
+              </a:extLst>
+            </p:cNvPr>
+            <p:cNvCxnSpPr>
+              <a:cxnSpLocks/>
+            </p:cNvCxnSpPr>
+            <p:nvPr/>
+          </p:nvCxnSpPr>
+          <p:spPr>
+            <a:xfrm>
+              <a:off x="6200950" y="4320208"/>
+              <a:ext cx="251791" cy="221973"/>
+            </a:xfrm>
+            <a:prstGeom prst="line">
+              <a:avLst/>
+            </a:prstGeom>
+            <a:ln>
+              <a:solidFill>
+                <a:schemeClr val="tx1"/>
+              </a:solidFill>
+            </a:ln>
+          </p:spPr>
+          <p:style>
+            <a:lnRef idx="1">
+              <a:schemeClr val="accent1"/>
+            </a:lnRef>
+            <a:fillRef idx="0">
+              <a:schemeClr val="accent1"/>
+            </a:fillRef>
+            <a:effectRef idx="0">
+              <a:schemeClr val="accent1"/>
+            </a:effectRef>
+            <a:fontRef idx="minor">
+              <a:schemeClr val="tx1"/>
+            </a:fontRef>
+          </p:style>
+        </p:cxnSp>
+        <p:cxnSp>
+          <p:nvCxnSpPr>
+            <p:cNvPr id="32" name="Straight Connector 31">
+              <a:extLst>
+                <a:ext uri="{FF2B5EF4-FFF2-40B4-BE49-F238E27FC236}">
+                  <a16:creationId xmlns:a16="http://schemas.microsoft.com/office/drawing/2014/main" id="{24ADBB52-C307-4B88-9FAC-A9DE1B161F00}"/>
+                </a:ext>
+              </a:extLst>
+            </p:cNvPr>
+            <p:cNvCxnSpPr>
+              <a:cxnSpLocks/>
+            </p:cNvCxnSpPr>
+            <p:nvPr/>
+          </p:nvCxnSpPr>
+          <p:spPr>
+            <a:xfrm>
+              <a:off x="6465860" y="4320208"/>
+              <a:ext cx="251791" cy="221973"/>
+            </a:xfrm>
+            <a:prstGeom prst="line">
+              <a:avLst/>
+            </a:prstGeom>
+            <a:ln>
+              <a:solidFill>
+                <a:schemeClr val="tx1"/>
+              </a:solidFill>
+            </a:ln>
+          </p:spPr>
+          <p:style>
+            <a:lnRef idx="1">
+              <a:schemeClr val="accent1"/>
+            </a:lnRef>
+            <a:fillRef idx="0">
+              <a:schemeClr val="accent1"/>
+            </a:fillRef>
+            <a:effectRef idx="0">
+              <a:schemeClr val="accent1"/>
+            </a:effectRef>
+            <a:fontRef idx="minor">
+              <a:schemeClr val="tx1"/>
+            </a:fontRef>
+          </p:style>
+        </p:cxnSp>
+        <p:cxnSp>
+          <p:nvCxnSpPr>
+            <p:cNvPr id="33" name="Straight Connector 32">
+              <a:extLst>
+                <a:ext uri="{FF2B5EF4-FFF2-40B4-BE49-F238E27FC236}">
+                  <a16:creationId xmlns:a16="http://schemas.microsoft.com/office/drawing/2014/main" id="{24C6E867-91FF-43EF-9305-F41A43A2FB7C}"/>
+                </a:ext>
+              </a:extLst>
+            </p:cNvPr>
+            <p:cNvCxnSpPr>
+              <a:cxnSpLocks/>
+            </p:cNvCxnSpPr>
+            <p:nvPr/>
+          </p:nvCxnSpPr>
+          <p:spPr>
+            <a:xfrm>
+              <a:off x="6730770" y="4320208"/>
+              <a:ext cx="251791" cy="221973"/>
+            </a:xfrm>
+            <a:prstGeom prst="line">
+              <a:avLst/>
+            </a:prstGeom>
+            <a:ln>
+              <a:solidFill>
+                <a:schemeClr val="tx1"/>
+              </a:solidFill>
+            </a:ln>
+          </p:spPr>
+          <p:style>
+            <a:lnRef idx="1">
+              <a:schemeClr val="accent1"/>
+            </a:lnRef>
+            <a:fillRef idx="0">
+              <a:schemeClr val="accent1"/>
+            </a:fillRef>
+            <a:effectRef idx="0">
+              <a:schemeClr val="accent1"/>
+            </a:effectRef>
+            <a:fontRef idx="minor">
+              <a:schemeClr val="tx1"/>
+            </a:fontRef>
+          </p:style>
+        </p:cxnSp>
+        <p:cxnSp>
+          <p:nvCxnSpPr>
+            <p:cNvPr id="34" name="Straight Connector 33">
+              <a:extLst>
+                <a:ext uri="{FF2B5EF4-FFF2-40B4-BE49-F238E27FC236}">
+                  <a16:creationId xmlns:a16="http://schemas.microsoft.com/office/drawing/2014/main" id="{7BD63892-97A0-4A41-B0E1-BBACC2639F7E}"/>
+                </a:ext>
+              </a:extLst>
+            </p:cNvPr>
+            <p:cNvCxnSpPr>
+              <a:cxnSpLocks/>
+            </p:cNvCxnSpPr>
+            <p:nvPr/>
+          </p:nvCxnSpPr>
+          <p:spPr>
+            <a:xfrm>
+              <a:off x="6995680" y="4320208"/>
+              <a:ext cx="251791" cy="221973"/>
+            </a:xfrm>
+            <a:prstGeom prst="line">
+              <a:avLst/>
+            </a:prstGeom>
+            <a:ln>
+              <a:solidFill>
+                <a:schemeClr val="tx1"/>
+              </a:solidFill>
+            </a:ln>
+          </p:spPr>
+          <p:style>
+            <a:lnRef idx="1">
+              <a:schemeClr val="accent1"/>
+            </a:lnRef>
+            <a:fillRef idx="0">
+              <a:schemeClr val="accent1"/>
+            </a:fillRef>
+            <a:effectRef idx="0">
+              <a:schemeClr val="accent1"/>
+            </a:effectRef>
+            <a:fontRef idx="minor">
+              <a:schemeClr val="tx1"/>
+            </a:fontRef>
+          </p:style>
+        </p:cxnSp>
+      </p:grpSp>
+      <p:sp>
+        <p:nvSpPr>
+          <p:cNvPr id="38" name="Rectangle 37">
+            <a:extLst>
+              <a:ext uri="{FF2B5EF4-FFF2-40B4-BE49-F238E27FC236}">
+                <a16:creationId xmlns:a16="http://schemas.microsoft.com/office/drawing/2014/main" id="{FE8F563A-8A10-43AA-A700-B8E4B8853B19}"/>
+              </a:ext>
+            </a:extLst>
+          </p:cNvPr>
+          <p:cNvSpPr/>
+          <p:nvPr/>
+        </p:nvSpPr>
+        <p:spPr>
+          <a:xfrm>
+            <a:off x="6161926" y="3926783"/>
+            <a:ext cx="304800" cy="220317"/>
+          </a:xfrm>
+          <a:prstGeom prst="rect">
+            <a:avLst/>
+          </a:prstGeom>
+          <a:ln>
+            <a:solidFill>
+              <a:schemeClr val="tx1"/>
+            </a:solidFill>
+          </a:ln>
+        </p:spPr>
+        <p:style>
+          <a:lnRef idx="2">
+            <a:schemeClr val="dk1"/>
+          </a:lnRef>
+          <a:fillRef idx="1">
+            <a:schemeClr val="lt1"/>
+          </a:fillRef>
+          <a:effectRef idx="0">
+            <a:schemeClr val="dk1"/>
+          </a:effectRef>
+          <a:fontRef idx="minor">
+            <a:schemeClr val="dk1"/>
+          </a:fontRef>
+        </p:style>
+        <p:txBody>
+          <a:bodyPr rtlCol="0" anchor="ctr"/>
+          <a:lstStyle/>
+          <a:p>
+            <a:pPr algn="ctr"/>
+            <a:endParaRPr lang="en-GB"/>
+          </a:p>
+        </p:txBody>
+      </p:sp>
+      <p:cxnSp>
+        <p:nvCxnSpPr>
+          <p:cNvPr id="40" name="Straight Connector 39">
+            <a:extLst>
+              <a:ext uri="{FF2B5EF4-FFF2-40B4-BE49-F238E27FC236}">
+                <a16:creationId xmlns:a16="http://schemas.microsoft.com/office/drawing/2014/main" id="{1DB0EA42-FEAE-433A-AC87-78B8671CD6E9}"/>
+              </a:ext>
+            </a:extLst>
+          </p:cNvPr>
+          <p:cNvCxnSpPr>
+            <a:stCxn id="38" idx="1"/>
+          </p:cNvCxnSpPr>
+          <p:nvPr/>
+        </p:nvCxnSpPr>
+        <p:spPr>
+          <a:xfrm flipV="1">
+            <a:off x="6161926" y="3736283"/>
+            <a:ext cx="0" cy="300659"/>
+          </a:xfrm>
+          <a:prstGeom prst="line">
+            <a:avLst/>
+          </a:prstGeom>
+          <a:ln>
+            <a:solidFill>
+              <a:schemeClr val="tx1"/>
+            </a:solidFill>
+          </a:ln>
+        </p:spPr>
+        <p:style>
+          <a:lnRef idx="1">
+            <a:schemeClr val="accent1"/>
+          </a:lnRef>
+          <a:fillRef idx="0">
+            <a:schemeClr val="accent1"/>
+          </a:fillRef>
+          <a:effectRef idx="0">
+            <a:schemeClr val="accent1"/>
+          </a:effectRef>
+          <a:fontRef idx="minor">
+            <a:schemeClr val="tx1"/>
+          </a:fontRef>
+        </p:style>
+      </p:cxnSp>
+      <p:cxnSp>
+        <p:nvCxnSpPr>
+          <p:cNvPr id="41" name="Straight Connector 40">
+            <a:extLst>
+              <a:ext uri="{FF2B5EF4-FFF2-40B4-BE49-F238E27FC236}">
+                <a16:creationId xmlns:a16="http://schemas.microsoft.com/office/drawing/2014/main" id="{73401072-DFAF-4F46-BE6A-F02A169B909D}"/>
+              </a:ext>
+            </a:extLst>
+          </p:cNvPr>
+          <p:cNvCxnSpPr/>
+          <p:nvPr/>
+        </p:nvCxnSpPr>
+        <p:spPr>
+          <a:xfrm flipV="1">
+            <a:off x="6466726" y="3736283"/>
+            <a:ext cx="0" cy="300659"/>
+          </a:xfrm>
+          <a:prstGeom prst="line">
+            <a:avLst/>
+          </a:prstGeom>
+          <a:ln>
+            <a:solidFill>
+              <a:schemeClr val="tx1"/>
+            </a:solidFill>
+          </a:ln>
+        </p:spPr>
+        <p:style>
+          <a:lnRef idx="1">
+            <a:schemeClr val="accent1"/>
+          </a:lnRef>
+          <a:fillRef idx="0">
+            <a:schemeClr val="accent1"/>
+          </a:fillRef>
+          <a:effectRef idx="0">
+            <a:schemeClr val="accent1"/>
+          </a:effectRef>
+          <a:fontRef idx="minor">
+            <a:schemeClr val="tx1"/>
+          </a:fontRef>
+        </p:style>
+      </p:cxnSp>
+      <p:cxnSp>
+        <p:nvCxnSpPr>
+          <p:cNvPr id="43" name="Straight Connector 42">
+            <a:extLst>
+              <a:ext uri="{FF2B5EF4-FFF2-40B4-BE49-F238E27FC236}">
+                <a16:creationId xmlns:a16="http://schemas.microsoft.com/office/drawing/2014/main" id="{696F7093-1282-464C-A120-13E90393738B}"/>
+              </a:ext>
+            </a:extLst>
+          </p:cNvPr>
+          <p:cNvCxnSpPr>
+            <a:stCxn id="38" idx="0"/>
+          </p:cNvCxnSpPr>
+          <p:nvPr/>
+        </p:nvCxnSpPr>
+        <p:spPr>
+          <a:xfrm flipV="1">
+            <a:off x="6314326" y="3627783"/>
+            <a:ext cx="0" cy="299000"/>
+          </a:xfrm>
+          <a:prstGeom prst="line">
+            <a:avLst/>
+          </a:prstGeom>
+          <a:ln>
+            <a:solidFill>
+              <a:schemeClr val="tx1"/>
+            </a:solidFill>
+          </a:ln>
+        </p:spPr>
+        <p:style>
+          <a:lnRef idx="1">
+            <a:schemeClr val="accent1"/>
+          </a:lnRef>
+          <a:fillRef idx="0">
+            <a:schemeClr val="accent1"/>
+          </a:fillRef>
+          <a:effectRef idx="0">
+            <a:schemeClr val="accent1"/>
+          </a:effectRef>
+          <a:fontRef idx="minor">
+            <a:schemeClr val="tx1"/>
+          </a:fontRef>
+        </p:style>
+      </p:cxnSp>
+      <p:cxnSp>
+        <p:nvCxnSpPr>
+          <p:cNvPr id="45" name="Straight Connector 44">
+            <a:extLst>
+              <a:ext uri="{FF2B5EF4-FFF2-40B4-BE49-F238E27FC236}">
+                <a16:creationId xmlns:a16="http://schemas.microsoft.com/office/drawing/2014/main" id="{E4C2FF3A-42AD-4D1C-8FA1-9F1E3B84C656}"/>
+              </a:ext>
+            </a:extLst>
+          </p:cNvPr>
+          <p:cNvCxnSpPr>
+            <a:stCxn id="38" idx="2"/>
+          </p:cNvCxnSpPr>
+          <p:nvPr/>
+        </p:nvCxnSpPr>
+        <p:spPr>
+          <a:xfrm>
+            <a:off x="6314326" y="4147100"/>
+            <a:ext cx="0" cy="299001"/>
+          </a:xfrm>
+          <a:prstGeom prst="line">
+            <a:avLst/>
+          </a:prstGeom>
+          <a:ln>
+            <a:solidFill>
+              <a:schemeClr val="tx1"/>
+            </a:solidFill>
+          </a:ln>
+        </p:spPr>
+        <p:style>
+          <a:lnRef idx="1">
+            <a:schemeClr val="accent1"/>
+          </a:lnRef>
+          <a:fillRef idx="0">
+            <a:schemeClr val="accent1"/>
+          </a:fillRef>
+          <a:effectRef idx="0">
+            <a:schemeClr val="accent1"/>
+          </a:effectRef>
+          <a:fontRef idx="minor">
+            <a:schemeClr val="tx1"/>
+          </a:fontRef>
+        </p:style>
+      </p:cxnSp>
+      <p:grpSp>
+        <p:nvGrpSpPr>
+          <p:cNvPr id="54" name="Group 53">
+            <a:extLst>
+              <a:ext uri="{FF2B5EF4-FFF2-40B4-BE49-F238E27FC236}">
+                <a16:creationId xmlns:a16="http://schemas.microsoft.com/office/drawing/2014/main" id="{0D4E14FE-23FB-4A33-B1BF-FD360C80AD8F}"/>
+              </a:ext>
+            </a:extLst>
+          </p:cNvPr>
+          <p:cNvGrpSpPr/>
+          <p:nvPr/>
+        </p:nvGrpSpPr>
+        <p:grpSpPr>
+          <a:xfrm>
+            <a:off x="5188292" y="3760297"/>
+            <a:ext cx="357809" cy="523457"/>
+            <a:chOff x="9528313" y="3627783"/>
+            <a:chExt cx="357809" cy="523457"/>
+          </a:xfrm>
+        </p:grpSpPr>
+        <p:cxnSp>
+          <p:nvCxnSpPr>
+            <p:cNvPr id="47" name="Straight Connector 46">
+              <a:extLst>
+                <a:ext uri="{FF2B5EF4-FFF2-40B4-BE49-F238E27FC236}">
+                  <a16:creationId xmlns:a16="http://schemas.microsoft.com/office/drawing/2014/main" id="{256D5E91-4DDE-4781-B096-165B10D2A618}"/>
+                </a:ext>
+              </a:extLst>
+            </p:cNvPr>
+            <p:cNvCxnSpPr/>
+            <p:nvPr/>
+          </p:nvCxnSpPr>
+          <p:spPr>
+            <a:xfrm>
+              <a:off x="9528313" y="3627783"/>
+              <a:ext cx="357809" cy="108500"/>
+            </a:xfrm>
+            <a:prstGeom prst="line">
+              <a:avLst/>
+            </a:prstGeom>
+            <a:ln>
+              <a:solidFill>
+                <a:schemeClr val="tx1"/>
+              </a:solidFill>
+            </a:ln>
+          </p:spPr>
+          <p:style>
+            <a:lnRef idx="1">
+              <a:schemeClr val="accent1"/>
+            </a:lnRef>
+            <a:fillRef idx="0">
+              <a:schemeClr val="accent1"/>
+            </a:fillRef>
+            <a:effectRef idx="0">
+              <a:schemeClr val="accent1"/>
+            </a:effectRef>
+            <a:fontRef idx="minor">
+              <a:schemeClr val="tx1"/>
+            </a:fontRef>
+          </p:style>
+        </p:cxnSp>
+        <p:cxnSp>
+          <p:nvCxnSpPr>
+            <p:cNvPr id="48" name="Straight Connector 47">
+              <a:extLst>
+                <a:ext uri="{FF2B5EF4-FFF2-40B4-BE49-F238E27FC236}">
+                  <a16:creationId xmlns:a16="http://schemas.microsoft.com/office/drawing/2014/main" id="{54F399F1-E0E7-425E-9EE8-E3ABE45E22C1}"/>
+                </a:ext>
+              </a:extLst>
+            </p:cNvPr>
+            <p:cNvCxnSpPr/>
+            <p:nvPr/>
+          </p:nvCxnSpPr>
+          <p:spPr>
+            <a:xfrm>
+              <a:off x="9528313" y="3835261"/>
+              <a:ext cx="357809" cy="108500"/>
+            </a:xfrm>
+            <a:prstGeom prst="line">
+              <a:avLst/>
+            </a:prstGeom>
+            <a:ln>
+              <a:solidFill>
+                <a:schemeClr val="tx1"/>
+              </a:solidFill>
+            </a:ln>
+          </p:spPr>
+          <p:style>
+            <a:lnRef idx="1">
+              <a:schemeClr val="accent1"/>
+            </a:lnRef>
+            <a:fillRef idx="0">
+              <a:schemeClr val="accent1"/>
+            </a:fillRef>
+            <a:effectRef idx="0">
+              <a:schemeClr val="accent1"/>
+            </a:effectRef>
+            <a:fontRef idx="minor">
+              <a:schemeClr val="tx1"/>
+            </a:fontRef>
+          </p:style>
+        </p:cxnSp>
+        <p:cxnSp>
+          <p:nvCxnSpPr>
+            <p:cNvPr id="49" name="Straight Connector 48">
+              <a:extLst>
+                <a:ext uri="{FF2B5EF4-FFF2-40B4-BE49-F238E27FC236}">
+                  <a16:creationId xmlns:a16="http://schemas.microsoft.com/office/drawing/2014/main" id="{7DE28788-EE1B-46FB-85E0-2EA268CD7C78}"/>
+                </a:ext>
+              </a:extLst>
+            </p:cNvPr>
+            <p:cNvCxnSpPr/>
+            <p:nvPr/>
+          </p:nvCxnSpPr>
+          <p:spPr>
+            <a:xfrm>
+              <a:off x="9528313" y="4042740"/>
+              <a:ext cx="357809" cy="108500"/>
+            </a:xfrm>
+            <a:prstGeom prst="line">
+              <a:avLst/>
+            </a:prstGeom>
+            <a:ln>
+              <a:solidFill>
+                <a:schemeClr val="tx1"/>
+              </a:solidFill>
+            </a:ln>
+          </p:spPr>
+          <p:style>
+            <a:lnRef idx="1">
+              <a:schemeClr val="accent1"/>
+            </a:lnRef>
+            <a:fillRef idx="0">
+              <a:schemeClr val="accent1"/>
+            </a:fillRef>
+            <a:effectRef idx="0">
+              <a:schemeClr val="accent1"/>
+            </a:effectRef>
+            <a:fontRef idx="minor">
+              <a:schemeClr val="tx1"/>
+            </a:fontRef>
+          </p:style>
+        </p:cxnSp>
+        <p:cxnSp>
+          <p:nvCxnSpPr>
+            <p:cNvPr id="51" name="Straight Connector 50">
+              <a:extLst>
+                <a:ext uri="{FF2B5EF4-FFF2-40B4-BE49-F238E27FC236}">
+                  <a16:creationId xmlns:a16="http://schemas.microsoft.com/office/drawing/2014/main" id="{453F11BE-442E-4538-8067-4F3A35BC45EB}"/>
+                </a:ext>
+              </a:extLst>
+            </p:cNvPr>
+            <p:cNvCxnSpPr/>
+            <p:nvPr/>
+          </p:nvCxnSpPr>
+          <p:spPr>
+            <a:xfrm flipV="1">
+              <a:off x="9528313" y="3736283"/>
+              <a:ext cx="357809" cy="98978"/>
+            </a:xfrm>
+            <a:prstGeom prst="line">
+              <a:avLst/>
+            </a:prstGeom>
+            <a:ln>
+              <a:solidFill>
+                <a:schemeClr val="tx1"/>
+              </a:solidFill>
+            </a:ln>
+          </p:spPr>
+          <p:style>
+            <a:lnRef idx="1">
+              <a:schemeClr val="accent1"/>
+            </a:lnRef>
+            <a:fillRef idx="0">
+              <a:schemeClr val="accent1"/>
+            </a:fillRef>
+            <a:effectRef idx="0">
+              <a:schemeClr val="accent1"/>
+            </a:effectRef>
+            <a:fontRef idx="minor">
+              <a:schemeClr val="tx1"/>
+            </a:fontRef>
+          </p:style>
+        </p:cxnSp>
+        <p:cxnSp>
+          <p:nvCxnSpPr>
+            <p:cNvPr id="53" name="Straight Connector 52">
+              <a:extLst>
+                <a:ext uri="{FF2B5EF4-FFF2-40B4-BE49-F238E27FC236}">
+                  <a16:creationId xmlns:a16="http://schemas.microsoft.com/office/drawing/2014/main" id="{CB746F1D-B6A2-4004-9A6E-369DB03C4ABC}"/>
+                </a:ext>
+              </a:extLst>
+            </p:cNvPr>
+            <p:cNvCxnSpPr/>
+            <p:nvPr/>
+          </p:nvCxnSpPr>
+          <p:spPr>
+            <a:xfrm flipV="1">
+              <a:off x="9528313" y="3943761"/>
+              <a:ext cx="357809" cy="93180"/>
+            </a:xfrm>
+            <a:prstGeom prst="line">
+              <a:avLst/>
+            </a:prstGeom>
+            <a:ln>
+              <a:solidFill>
+                <a:schemeClr val="tx1"/>
+              </a:solidFill>
+            </a:ln>
+          </p:spPr>
+          <p:style>
+            <a:lnRef idx="1">
+              <a:schemeClr val="accent1"/>
+            </a:lnRef>
+            <a:fillRef idx="0">
+              <a:schemeClr val="accent1"/>
+            </a:fillRef>
+            <a:effectRef idx="0">
+              <a:schemeClr val="accent1"/>
+            </a:effectRef>
+            <a:fontRef idx="minor">
+              <a:schemeClr val="tx1"/>
+            </a:fontRef>
+          </p:style>
+        </p:cxnSp>
+      </p:grpSp>
+      <p:cxnSp>
+        <p:nvCxnSpPr>
+          <p:cNvPr id="56" name="Straight Connector 55">
+            <a:extLst>
+              <a:ext uri="{FF2B5EF4-FFF2-40B4-BE49-F238E27FC236}">
+                <a16:creationId xmlns:a16="http://schemas.microsoft.com/office/drawing/2014/main" id="{E64840BD-5718-4BF4-B042-B0A257C0DC33}"/>
+              </a:ext>
+            </a:extLst>
+          </p:cNvPr>
+          <p:cNvCxnSpPr/>
+          <p:nvPr/>
+        </p:nvCxnSpPr>
+        <p:spPr>
+          <a:xfrm flipV="1">
+            <a:off x="5188292" y="3627783"/>
+            <a:ext cx="0" cy="132514"/>
+          </a:xfrm>
+          <a:prstGeom prst="line">
+            <a:avLst/>
+          </a:prstGeom>
+          <a:ln>
+            <a:solidFill>
+              <a:schemeClr val="tx1"/>
+            </a:solidFill>
+          </a:ln>
+        </p:spPr>
+        <p:style>
+          <a:lnRef idx="1">
+            <a:schemeClr val="accent1"/>
+          </a:lnRef>
+          <a:fillRef idx="0">
+            <a:schemeClr val="accent1"/>
+          </a:fillRef>
+          <a:effectRef idx="0">
+            <a:schemeClr val="accent1"/>
+          </a:effectRef>
+          <a:fontRef idx="minor">
+            <a:schemeClr val="tx1"/>
+          </a:fontRef>
+        </p:style>
+      </p:cxnSp>
+      <p:cxnSp>
+        <p:nvCxnSpPr>
+          <p:cNvPr id="60" name="Straight Connector 59">
+            <a:extLst>
+              <a:ext uri="{FF2B5EF4-FFF2-40B4-BE49-F238E27FC236}">
+                <a16:creationId xmlns:a16="http://schemas.microsoft.com/office/drawing/2014/main" id="{870ABDC2-40D8-451D-B085-6AB70BE61B83}"/>
+              </a:ext>
+            </a:extLst>
+          </p:cNvPr>
+          <p:cNvCxnSpPr/>
+          <p:nvPr/>
+        </p:nvCxnSpPr>
+        <p:spPr>
+          <a:xfrm>
+            <a:off x="5506477" y="4283754"/>
+            <a:ext cx="0" cy="162347"/>
+          </a:xfrm>
+          <a:prstGeom prst="line">
+            <a:avLst/>
+          </a:prstGeom>
+          <a:ln>
+            <a:solidFill>
+              <a:schemeClr val="tx1"/>
+            </a:solidFill>
+          </a:ln>
+        </p:spPr>
+        <p:style>
+          <a:lnRef idx="1">
+            <a:schemeClr val="accent1"/>
+          </a:lnRef>
+          <a:fillRef idx="0">
+            <a:schemeClr val="accent1"/>
+          </a:fillRef>
+          <a:effectRef idx="0">
+            <a:schemeClr val="accent1"/>
+          </a:effectRef>
+          <a:fontRef idx="minor">
+            <a:schemeClr val="tx1"/>
+          </a:fontRef>
+        </p:style>
+      </p:cxnSp>
+      <p:sp>
+        <p:nvSpPr>
+          <p:cNvPr id="61" name="TextBox 60">
+            <a:extLst>
+              <a:ext uri="{FF2B5EF4-FFF2-40B4-BE49-F238E27FC236}">
+                <a16:creationId xmlns:a16="http://schemas.microsoft.com/office/drawing/2014/main" id="{8562C834-4C35-4AAE-B6FB-CA0573B33F34}"/>
+              </a:ext>
+            </a:extLst>
+          </p:cNvPr>
+          <p:cNvSpPr txBox="1"/>
+          <p:nvPr/>
+        </p:nvSpPr>
+        <p:spPr>
+          <a:xfrm>
+            <a:off x="6489075" y="3821170"/>
+            <a:ext cx="282450" cy="369332"/>
+          </a:xfrm>
+          <a:prstGeom prst="rect">
+            <a:avLst/>
+          </a:prstGeom>
+          <a:noFill/>
+        </p:spPr>
+        <p:txBody>
+          <a:bodyPr wrap="none" rtlCol="0">
+            <a:spAutoFit/>
+          </a:bodyPr>
+          <a:lstStyle/>
+          <a:p>
+            <a:r>
+              <a:rPr lang="en-GB" dirty="0"/>
+              <a:t>c</a:t>
+            </a:r>
+          </a:p>
+        </p:txBody>
+      </p:sp>
+      <p:sp>
+        <p:nvSpPr>
+          <p:cNvPr id="62" name="TextBox 61">
+            <a:extLst>
+              <a:ext uri="{FF2B5EF4-FFF2-40B4-BE49-F238E27FC236}">
+                <a16:creationId xmlns:a16="http://schemas.microsoft.com/office/drawing/2014/main" id="{A154B4F2-507A-4088-8399-40C4A1122A4A}"/>
+              </a:ext>
+            </a:extLst>
+          </p:cNvPr>
+          <p:cNvSpPr txBox="1"/>
+          <p:nvPr/>
+        </p:nvSpPr>
+        <p:spPr>
+          <a:xfrm>
+            <a:off x="5522148" y="3854796"/>
+            <a:ext cx="288862" cy="369332"/>
+          </a:xfrm>
+          <a:prstGeom prst="rect">
+            <a:avLst/>
+          </a:prstGeom>
+          <a:noFill/>
+        </p:spPr>
+        <p:txBody>
+          <a:bodyPr wrap="none" rtlCol="0">
+            <a:spAutoFit/>
+          </a:bodyPr>
+          <a:lstStyle/>
+          <a:p>
+            <a:r>
+              <a:rPr lang="en-GB" dirty="0"/>
+              <a:t>k</a:t>
+            </a:r>
+          </a:p>
+        </p:txBody>
+      </p:sp>
+      <p:sp>
+        <p:nvSpPr>
+          <p:cNvPr id="67" name="TextBox 66">
+            <a:extLst>
+              <a:ext uri="{FF2B5EF4-FFF2-40B4-BE49-F238E27FC236}">
+                <a16:creationId xmlns:a16="http://schemas.microsoft.com/office/drawing/2014/main" id="{459D2B50-3B56-4D1C-B436-B0522368C127}"/>
+              </a:ext>
+            </a:extLst>
+          </p:cNvPr>
+          <p:cNvSpPr txBox="1"/>
+          <p:nvPr/>
+        </p:nvSpPr>
+        <p:spPr>
+          <a:xfrm>
+            <a:off x="7487478" y="2004393"/>
+            <a:ext cx="1704697" cy="369332"/>
+          </a:xfrm>
+          <a:prstGeom prst="rect">
+            <a:avLst/>
+          </a:prstGeom>
+          <a:noFill/>
+        </p:spPr>
+        <p:txBody>
+          <a:bodyPr wrap="none" rtlCol="0">
+            <a:spAutoFit/>
+          </a:bodyPr>
+          <a:lstStyle/>
+          <a:p>
+            <a:r>
+              <a:rPr lang="en-GB" dirty="0"/>
+              <a:t>Desired Position</a:t>
+            </a:r>
+          </a:p>
+        </p:txBody>
+      </p:sp>
+      <p:sp>
+        <p:nvSpPr>
+          <p:cNvPr id="68" name="TextBox 67">
+            <a:extLst>
+              <a:ext uri="{FF2B5EF4-FFF2-40B4-BE49-F238E27FC236}">
+                <a16:creationId xmlns:a16="http://schemas.microsoft.com/office/drawing/2014/main" id="{607576D0-EB72-4396-ACBC-B3288B199E30}"/>
+              </a:ext>
+            </a:extLst>
+          </p:cNvPr>
+          <p:cNvSpPr txBox="1"/>
+          <p:nvPr/>
+        </p:nvSpPr>
+        <p:spPr>
+          <a:xfrm>
+            <a:off x="7487478" y="2602396"/>
+            <a:ext cx="1704697" cy="646331"/>
+          </a:xfrm>
+          <a:prstGeom prst="rect">
+            <a:avLst/>
+          </a:prstGeom>
+          <a:noFill/>
+        </p:spPr>
+        <p:txBody>
+          <a:bodyPr wrap="none" rtlCol="0">
+            <a:spAutoFit/>
+          </a:bodyPr>
+          <a:lstStyle/>
+          <a:p>
+            <a:r>
+              <a:rPr lang="en-GB" dirty="0"/>
+              <a:t>Desired Position</a:t>
+            </a:r>
+          </a:p>
+          <a:p>
+            <a:r>
+              <a:rPr lang="en-GB" dirty="0"/>
+              <a:t>Due to F</a:t>
+            </a:r>
+            <a:r>
+              <a:rPr lang="en-GB" baseline="-25000" dirty="0"/>
+              <a:t>ext</a:t>
+            </a:r>
+          </a:p>
+        </p:txBody>
+      </p:sp>
+    </p:spTree>
+    <p:extLst>
+      <p:ext uri="{BB962C8B-B14F-4D97-AF65-F5344CB8AC3E}">
+        <p14:creationId xmlns:p14="http://schemas.microsoft.com/office/powerpoint/2010/main" val="2351488283"/>
+      </p:ext>
+    </p:extLst>
+  </p:cSld>
+  <p:clrMapOvr>
+    <a:masterClrMapping/>
+  </p:clrMapOvr>
+</p:sld>
+</file>
+
+<file path=ppt/slides/slide11.xml><?xml version="1.0" encoding="utf-8"?>
+<p:sld xmlns:a="http://schemas.openxmlformats.org/drawingml/2006/main" xmlns:r="http://schemas.openxmlformats.org/officeDocument/2006/relationships" xmlns:p="http://schemas.openxmlformats.org/presentationml/2006/main">
+  <p:cSld>
+    <p:spTree>
+      <p:nvGrpSpPr>
+        <p:cNvPr id="1" name=""/>
+        <p:cNvGrpSpPr/>
+        <p:nvPr/>
+      </p:nvGrpSpPr>
+      <p:grpSpPr>
+        <a:xfrm>
+          <a:off x="0" y="0"/>
+          <a:ext cx="0" cy="0"/>
+          <a:chOff x="0" y="0"/>
+          <a:chExt cx="0" cy="0"/>
+        </a:xfrm>
+      </p:grpSpPr>
+      <p:sp>
+        <p:nvSpPr>
+          <p:cNvPr id="6" name="Oval 5">
+            <a:extLst>
+              <a:ext uri="{FF2B5EF4-FFF2-40B4-BE49-F238E27FC236}">
+                <a16:creationId xmlns:a16="http://schemas.microsoft.com/office/drawing/2014/main" id="{314EF023-421C-48F6-B5BB-312BEDC84247}"/>
+              </a:ext>
+            </a:extLst>
+          </p:cNvPr>
+          <p:cNvSpPr/>
+          <p:nvPr/>
+        </p:nvSpPr>
+        <p:spPr>
+          <a:xfrm>
+            <a:off x="4187247" y="3461235"/>
+            <a:ext cx="569843" cy="596347"/>
+          </a:xfrm>
+          <a:prstGeom prst="ellipse">
+            <a:avLst/>
+          </a:prstGeom>
+        </p:spPr>
+        <p:style>
+          <a:lnRef idx="2">
+            <a:schemeClr val="dk1"/>
+          </a:lnRef>
+          <a:fillRef idx="1">
+            <a:schemeClr val="lt1"/>
+          </a:fillRef>
+          <a:effectRef idx="0">
+            <a:schemeClr val="dk1"/>
+          </a:effectRef>
+          <a:fontRef idx="minor">
+            <a:schemeClr val="dk1"/>
+          </a:fontRef>
+        </p:style>
+        <p:txBody>
+          <a:bodyPr rtlCol="0" anchor="ctr"/>
+          <a:lstStyle/>
+          <a:p>
+            <a:pPr algn="ctr"/>
+            <a:endParaRPr lang="en-GB"/>
+          </a:p>
+        </p:txBody>
+      </p:sp>
+      <p:cxnSp>
+        <p:nvCxnSpPr>
+          <p:cNvPr id="7" name="Straight Connector 6">
+            <a:extLst>
+              <a:ext uri="{FF2B5EF4-FFF2-40B4-BE49-F238E27FC236}">
+                <a16:creationId xmlns:a16="http://schemas.microsoft.com/office/drawing/2014/main" id="{16441A50-B1C5-42ED-BEE9-5C6C524C02E3}"/>
+              </a:ext>
+            </a:extLst>
+          </p:cNvPr>
+          <p:cNvCxnSpPr>
+            <a:stCxn id="6" idx="1"/>
+            <a:endCxn id="6" idx="5"/>
+          </p:cNvCxnSpPr>
+          <p:nvPr/>
+        </p:nvCxnSpPr>
+        <p:spPr>
+          <a:xfrm>
+            <a:off x="4270699" y="3548568"/>
+            <a:ext cx="402939" cy="421681"/>
+          </a:xfrm>
+          <a:prstGeom prst="line">
+            <a:avLst/>
+          </a:prstGeom>
+        </p:spPr>
+        <p:style>
+          <a:lnRef idx="2">
+            <a:schemeClr val="dk1"/>
+          </a:lnRef>
+          <a:fillRef idx="1">
+            <a:schemeClr val="lt1"/>
+          </a:fillRef>
+          <a:effectRef idx="0">
+            <a:schemeClr val="dk1"/>
+          </a:effectRef>
+          <a:fontRef idx="minor">
+            <a:schemeClr val="dk1"/>
+          </a:fontRef>
+        </p:style>
+      </p:cxnSp>
+      <p:cxnSp>
+        <p:nvCxnSpPr>
+          <p:cNvPr id="8" name="Straight Connector 7">
+            <a:extLst>
+              <a:ext uri="{FF2B5EF4-FFF2-40B4-BE49-F238E27FC236}">
+                <a16:creationId xmlns:a16="http://schemas.microsoft.com/office/drawing/2014/main" id="{C2787C54-85A0-48A1-81AD-358DB2FEFC2D}"/>
+              </a:ext>
+            </a:extLst>
+          </p:cNvPr>
+          <p:cNvCxnSpPr>
+            <a:stCxn id="6" idx="3"/>
+            <a:endCxn id="6" idx="7"/>
+          </p:cNvCxnSpPr>
+          <p:nvPr/>
+        </p:nvCxnSpPr>
+        <p:spPr>
+          <a:xfrm flipV="1">
+            <a:off x="4270699" y="3548568"/>
+            <a:ext cx="402939" cy="421681"/>
+          </a:xfrm>
+          <a:prstGeom prst="line">
+            <a:avLst/>
+          </a:prstGeom>
+        </p:spPr>
+        <p:style>
+          <a:lnRef idx="2">
+            <a:schemeClr val="dk1"/>
+          </a:lnRef>
+          <a:fillRef idx="1">
+            <a:schemeClr val="lt1"/>
+          </a:fillRef>
+          <a:effectRef idx="0">
+            <a:schemeClr val="dk1"/>
+          </a:effectRef>
+          <a:fontRef idx="minor">
+            <a:schemeClr val="dk1"/>
+          </a:fontRef>
+        </p:style>
+      </p:cxnSp>
+      <p:sp>
+        <p:nvSpPr>
+          <p:cNvPr id="9" name="TextBox 8">
+            <a:extLst>
+              <a:ext uri="{FF2B5EF4-FFF2-40B4-BE49-F238E27FC236}">
+                <a16:creationId xmlns:a16="http://schemas.microsoft.com/office/drawing/2014/main" id="{9F729720-F4AF-42DF-B42D-9AA04A2B592D}"/>
+              </a:ext>
+            </a:extLst>
+          </p:cNvPr>
+          <p:cNvSpPr txBox="1"/>
+          <p:nvPr/>
+        </p:nvSpPr>
+        <p:spPr>
+          <a:xfrm>
+            <a:off x="4327804" y="3396765"/>
+            <a:ext cx="300082" cy="369332"/>
+          </a:xfrm>
+          <a:prstGeom prst="rect">
+            <a:avLst/>
+          </a:prstGeom>
+          <a:noFill/>
+        </p:spPr>
+        <p:txBody>
+          <a:bodyPr wrap="none" rtlCol="0">
+            <a:spAutoFit/>
+          </a:bodyPr>
+          <a:lstStyle/>
+          <a:p>
+            <a:r>
+              <a:rPr lang="en-GB" dirty="0"/>
+              <a:t>+</a:t>
+            </a:r>
+          </a:p>
+        </p:txBody>
+      </p:sp>
+      <p:sp>
+        <p:nvSpPr>
+          <p:cNvPr id="10" name="TextBox 9">
+            <a:extLst>
+              <a:ext uri="{FF2B5EF4-FFF2-40B4-BE49-F238E27FC236}">
+                <a16:creationId xmlns:a16="http://schemas.microsoft.com/office/drawing/2014/main" id="{D7B05199-F7B9-41FE-9A58-538D37ACC53D}"/>
+              </a:ext>
+            </a:extLst>
+          </p:cNvPr>
+          <p:cNvSpPr txBox="1"/>
+          <p:nvPr/>
+        </p:nvSpPr>
+        <p:spPr>
+          <a:xfrm>
+            <a:off x="4140169" y="3568774"/>
+            <a:ext cx="300082" cy="369332"/>
+          </a:xfrm>
+          <a:prstGeom prst="rect">
+            <a:avLst/>
+          </a:prstGeom>
+          <a:noFill/>
+        </p:spPr>
+        <p:txBody>
+          <a:bodyPr wrap="none" rtlCol="0">
+            <a:spAutoFit/>
+          </a:bodyPr>
+          <a:lstStyle/>
+          <a:p>
+            <a:r>
+              <a:rPr lang="en-GB" dirty="0"/>
+              <a:t>+</a:t>
+            </a:r>
+          </a:p>
+        </p:txBody>
+      </p:sp>
+      <p:sp>
+        <p:nvSpPr>
+          <p:cNvPr id="11" name="TextBox 10">
+            <a:extLst>
+              <a:ext uri="{FF2B5EF4-FFF2-40B4-BE49-F238E27FC236}">
+                <a16:creationId xmlns:a16="http://schemas.microsoft.com/office/drawing/2014/main" id="{6853982D-E87A-4B72-BEEC-189B45C6BAAF}"/>
+              </a:ext>
+            </a:extLst>
+          </p:cNvPr>
+          <p:cNvSpPr txBox="1"/>
+          <p:nvPr/>
+        </p:nvSpPr>
+        <p:spPr>
+          <a:xfrm>
+            <a:off x="4357787" y="3747988"/>
+            <a:ext cx="255198" cy="369332"/>
+          </a:xfrm>
+          <a:prstGeom prst="rect">
+            <a:avLst/>
+          </a:prstGeom>
+          <a:noFill/>
+        </p:spPr>
+        <p:txBody>
+          <a:bodyPr wrap="none" rtlCol="0">
+            <a:spAutoFit/>
+          </a:bodyPr>
+          <a:lstStyle/>
+          <a:p>
+            <a:r>
+              <a:rPr lang="en-GB" dirty="0"/>
+              <a:t>-</a:t>
+            </a:r>
+          </a:p>
+        </p:txBody>
+      </p:sp>
+      <p:cxnSp>
+        <p:nvCxnSpPr>
+          <p:cNvPr id="13" name="Straight Arrow Connector 12">
+            <a:extLst>
+              <a:ext uri="{FF2B5EF4-FFF2-40B4-BE49-F238E27FC236}">
+                <a16:creationId xmlns:a16="http://schemas.microsoft.com/office/drawing/2014/main" id="{82741775-B704-4602-B122-0E3F3AC61C75}"/>
+              </a:ext>
+            </a:extLst>
+          </p:cNvPr>
+          <p:cNvCxnSpPr>
+            <a:cxnSpLocks/>
+          </p:cNvCxnSpPr>
+          <p:nvPr/>
+        </p:nvCxnSpPr>
+        <p:spPr>
+          <a:xfrm>
+            <a:off x="3555882" y="3753440"/>
+            <a:ext cx="631365" cy="0"/>
+          </a:xfrm>
+          <a:prstGeom prst="straightConnector1">
+            <a:avLst/>
+          </a:prstGeom>
+          <a:ln>
+            <a:solidFill>
+              <a:schemeClr val="tx1"/>
+            </a:solidFill>
+            <a:tailEnd type="triangle"/>
+          </a:ln>
+        </p:spPr>
+        <p:style>
+          <a:lnRef idx="1">
+            <a:schemeClr val="accent1"/>
+          </a:lnRef>
+          <a:fillRef idx="0">
+            <a:schemeClr val="accent1"/>
+          </a:fillRef>
+          <a:effectRef idx="0">
+            <a:schemeClr val="accent1"/>
+          </a:effectRef>
+          <a:fontRef idx="minor">
+            <a:schemeClr val="tx1"/>
+          </a:fontRef>
+        </p:style>
+      </p:cxnSp>
+      <p:sp>
+        <p:nvSpPr>
+          <p:cNvPr id="17" name="TextBox 16">
+            <a:extLst>
+              <a:ext uri="{FF2B5EF4-FFF2-40B4-BE49-F238E27FC236}">
+                <a16:creationId xmlns:a16="http://schemas.microsoft.com/office/drawing/2014/main" id="{E685E3E1-A3FE-4125-8B34-EE4413B9C7C9}"/>
+              </a:ext>
+            </a:extLst>
+          </p:cNvPr>
+          <p:cNvSpPr txBox="1"/>
+          <p:nvPr/>
+        </p:nvSpPr>
+        <p:spPr>
+          <a:xfrm>
+            <a:off x="2699720" y="3457665"/>
+            <a:ext cx="936667" cy="646331"/>
+          </a:xfrm>
+          <a:prstGeom prst="rect">
+            <a:avLst/>
+          </a:prstGeom>
+          <a:noFill/>
+        </p:spPr>
+        <p:txBody>
+          <a:bodyPr wrap="none" rtlCol="0">
+            <a:spAutoFit/>
+          </a:bodyPr>
+          <a:lstStyle/>
+          <a:p>
+            <a:pPr algn="ctr"/>
+            <a:r>
+              <a:rPr lang="en-GB" dirty="0"/>
+              <a:t>Desired</a:t>
+            </a:r>
+          </a:p>
+          <a:p>
+            <a:pPr algn="ctr"/>
+            <a:r>
+              <a:rPr lang="en-GB" dirty="0"/>
+              <a:t>Position</a:t>
+            </a:r>
+          </a:p>
+        </p:txBody>
+      </p:sp>
+      <p:grpSp>
+        <p:nvGrpSpPr>
+          <p:cNvPr id="18" name="Group 17">
+            <a:extLst>
+              <a:ext uri="{FF2B5EF4-FFF2-40B4-BE49-F238E27FC236}">
+                <a16:creationId xmlns:a16="http://schemas.microsoft.com/office/drawing/2014/main" id="{8F5D31DD-9008-4486-9627-A3079E28C140}"/>
+              </a:ext>
+            </a:extLst>
+          </p:cNvPr>
+          <p:cNvGrpSpPr/>
+          <p:nvPr/>
+        </p:nvGrpSpPr>
+        <p:grpSpPr>
+          <a:xfrm>
+            <a:off x="4756542" y="3296240"/>
+            <a:ext cx="2796211" cy="914400"/>
+            <a:chOff x="3697358" y="795131"/>
+            <a:chExt cx="2796211" cy="914400"/>
+          </a:xfrm>
+        </p:grpSpPr>
+        <p:sp>
+          <p:nvSpPr>
+            <p:cNvPr id="19" name="Rectangle 18">
+              <a:extLst>
+                <a:ext uri="{FF2B5EF4-FFF2-40B4-BE49-F238E27FC236}">
+                  <a16:creationId xmlns:a16="http://schemas.microsoft.com/office/drawing/2014/main" id="{E7BDDB64-C960-47AF-BF55-5B9BFCC4F8E2}"/>
+                </a:ext>
+              </a:extLst>
+            </p:cNvPr>
+            <p:cNvSpPr/>
+            <p:nvPr/>
+          </p:nvSpPr>
+          <p:spPr>
+            <a:xfrm>
+              <a:off x="4479237" y="795131"/>
+              <a:ext cx="1232453" cy="914400"/>
+            </a:xfrm>
+            <a:prstGeom prst="rect">
+              <a:avLst/>
+            </a:prstGeom>
+            <a:ln w="28575"/>
+          </p:spPr>
+          <p:style>
+            <a:lnRef idx="2">
+              <a:schemeClr val="dk1"/>
+            </a:lnRef>
+            <a:fillRef idx="1">
+              <a:schemeClr val="lt1"/>
+            </a:fillRef>
+            <a:effectRef idx="0">
+              <a:schemeClr val="dk1"/>
+            </a:effectRef>
+            <a:fontRef idx="minor">
+              <a:schemeClr val="dk1"/>
+            </a:fontRef>
+          </p:style>
+          <p:txBody>
+            <a:bodyPr rtlCol="0" anchor="ctr"/>
+            <a:lstStyle/>
+            <a:p>
+              <a:pPr algn="ctr"/>
+              <a:r>
+                <a:rPr lang="en-GB" dirty="0"/>
+                <a:t>Position</a:t>
+              </a:r>
+            </a:p>
+            <a:p>
+              <a:pPr algn="ctr"/>
+              <a:r>
+                <a:rPr lang="en-GB" dirty="0"/>
+                <a:t>Controller</a:t>
+              </a:r>
+            </a:p>
+          </p:txBody>
+        </p:sp>
+        <p:cxnSp>
+          <p:nvCxnSpPr>
+            <p:cNvPr id="20" name="Straight Arrow Connector 19">
+              <a:extLst>
+                <a:ext uri="{FF2B5EF4-FFF2-40B4-BE49-F238E27FC236}">
+                  <a16:creationId xmlns:a16="http://schemas.microsoft.com/office/drawing/2014/main" id="{B9C8A729-7B7B-4D52-BD69-5834778D2FDE}"/>
+                </a:ext>
+              </a:extLst>
+            </p:cNvPr>
+            <p:cNvCxnSpPr>
+              <a:cxnSpLocks/>
+              <a:stCxn id="19" idx="3"/>
+            </p:cNvCxnSpPr>
+            <p:nvPr/>
+          </p:nvCxnSpPr>
+          <p:spPr>
+            <a:xfrm>
+              <a:off x="5711690" y="1252331"/>
+              <a:ext cx="781879" cy="0"/>
+            </a:xfrm>
+            <a:prstGeom prst="straightConnector1">
+              <a:avLst/>
+            </a:prstGeom>
+            <a:ln>
+              <a:tailEnd type="triangle"/>
+            </a:ln>
+          </p:spPr>
+          <p:style>
+            <a:lnRef idx="1">
+              <a:schemeClr val="dk1"/>
+            </a:lnRef>
+            <a:fillRef idx="0">
+              <a:schemeClr val="dk1"/>
+            </a:fillRef>
+            <a:effectRef idx="0">
+              <a:schemeClr val="dk1"/>
+            </a:effectRef>
+            <a:fontRef idx="minor">
+              <a:schemeClr val="tx1"/>
+            </a:fontRef>
+          </p:style>
+        </p:cxnSp>
+        <p:cxnSp>
+          <p:nvCxnSpPr>
+            <p:cNvPr id="21" name="Straight Arrow Connector 20">
+              <a:extLst>
+                <a:ext uri="{FF2B5EF4-FFF2-40B4-BE49-F238E27FC236}">
+                  <a16:creationId xmlns:a16="http://schemas.microsoft.com/office/drawing/2014/main" id="{6289796E-F51C-40C5-863B-2624A342E94E}"/>
+                </a:ext>
+              </a:extLst>
+            </p:cNvPr>
+            <p:cNvCxnSpPr>
+              <a:cxnSpLocks/>
+              <a:endCxn id="19" idx="1"/>
+            </p:cNvCxnSpPr>
+            <p:nvPr/>
+          </p:nvCxnSpPr>
+          <p:spPr>
+            <a:xfrm>
+              <a:off x="3697358" y="1252331"/>
+              <a:ext cx="781879" cy="0"/>
+            </a:xfrm>
+            <a:prstGeom prst="straightConnector1">
+              <a:avLst/>
+            </a:prstGeom>
+            <a:ln>
+              <a:tailEnd type="triangle"/>
+            </a:ln>
+          </p:spPr>
+          <p:style>
+            <a:lnRef idx="1">
+              <a:schemeClr val="dk1"/>
+            </a:lnRef>
+            <a:fillRef idx="0">
+              <a:schemeClr val="dk1"/>
+            </a:fillRef>
+            <a:effectRef idx="0">
+              <a:schemeClr val="dk1"/>
+            </a:effectRef>
+            <a:fontRef idx="minor">
+              <a:schemeClr val="tx1"/>
+            </a:fontRef>
+          </p:style>
+        </p:cxnSp>
+      </p:grpSp>
+      <p:sp>
+        <p:nvSpPr>
+          <p:cNvPr id="25" name="Rectangle 24">
+            <a:extLst>
+              <a:ext uri="{FF2B5EF4-FFF2-40B4-BE49-F238E27FC236}">
+                <a16:creationId xmlns:a16="http://schemas.microsoft.com/office/drawing/2014/main" id="{E252D558-31A8-4C8A-B437-96C371EDAD3F}"/>
+              </a:ext>
+            </a:extLst>
+          </p:cNvPr>
+          <p:cNvSpPr/>
+          <p:nvPr/>
+        </p:nvSpPr>
+        <p:spPr>
+          <a:xfrm>
+            <a:off x="7552205" y="3277464"/>
+            <a:ext cx="1232453" cy="914400"/>
+          </a:xfrm>
+          <a:prstGeom prst="rect">
+            <a:avLst/>
+          </a:prstGeom>
+          <a:ln w="28575"/>
+        </p:spPr>
+        <p:style>
+          <a:lnRef idx="2">
+            <a:schemeClr val="dk1"/>
+          </a:lnRef>
+          <a:fillRef idx="1">
+            <a:schemeClr val="lt1"/>
+          </a:fillRef>
+          <a:effectRef idx="0">
+            <a:schemeClr val="dk1"/>
+          </a:effectRef>
+          <a:fontRef idx="minor">
+            <a:schemeClr val="dk1"/>
+          </a:fontRef>
+        </p:style>
+        <p:txBody>
+          <a:bodyPr rtlCol="0" anchor="ctr"/>
+          <a:lstStyle/>
+          <a:p>
+            <a:pPr algn="ctr"/>
+            <a:r>
+              <a:rPr lang="en-GB" dirty="0"/>
+              <a:t>Plant</a:t>
+            </a:r>
+          </a:p>
+        </p:txBody>
+      </p:sp>
+      <mc:AlternateContent xmlns:mc="http://schemas.openxmlformats.org/markup-compatibility/2006">
+        <mc:Choice xmlns:a14="http://schemas.microsoft.com/office/drawing/2010/main" Requires="a14">
+          <p:sp>
+            <p:nvSpPr>
+              <p:cNvPr id="28" name="Rectangle 27">
+                <a:extLst>
+                  <a:ext uri="{FF2B5EF4-FFF2-40B4-BE49-F238E27FC236}">
+                    <a16:creationId xmlns:a16="http://schemas.microsoft.com/office/drawing/2014/main" id="{769F75B1-58AB-43B4-8C02-C96C12F4877E}"/>
+                  </a:ext>
+                </a:extLst>
+              </p:cNvPr>
+              <p:cNvSpPr/>
+              <p:nvPr/>
+            </p:nvSpPr>
+            <p:spPr>
+              <a:xfrm>
+                <a:off x="5266257" y="1686652"/>
+                <a:ext cx="1776779" cy="914400"/>
+              </a:xfrm>
+              <a:prstGeom prst="rect">
+                <a:avLst/>
+              </a:prstGeom>
+              <a:ln w="28575">
+                <a:solidFill>
+                  <a:schemeClr val="tx1"/>
+                </a:solidFill>
+              </a:ln>
+            </p:spPr>
+            <p:style>
+              <a:lnRef idx="2">
+                <a:schemeClr val="dk1"/>
+              </a:lnRef>
+              <a:fillRef idx="1">
+                <a:schemeClr val="lt1"/>
+              </a:fillRef>
+              <a:effectRef idx="0">
+                <a:schemeClr val="dk1"/>
+              </a:effectRef>
+              <a:fontRef idx="minor">
+                <a:schemeClr val="dk1"/>
+              </a:fontRef>
+            </p:style>
+            <p:txBody>
+              <a:bodyPr rtlCol="0" anchor="ctr"/>
+              <a:lstStyle/>
+              <a:p>
+                <a:pPr algn="ctr"/>
+                <a14:m>
+                  <m:oMathPara xmlns:m="http://schemas.openxmlformats.org/officeDocument/2006/math">
+                    <m:oMathParaPr>
+                      <m:jc m:val="centerGroup"/>
+                    </m:oMathParaPr>
+                    <m:oMath xmlns:m="http://schemas.openxmlformats.org/officeDocument/2006/math">
+                      <m:f>
+                        <m:fPr>
+                          <m:ctrlPr>
+                            <a:rPr lang="en-GB" i="1" dirty="0" smtClean="0">
+                              <a:latin typeface="Cambria Math" panose="02040503050406030204" pitchFamily="18" charset="0"/>
+                            </a:rPr>
+                          </m:ctrlPr>
+                        </m:fPr>
+                        <m:num>
+                          <m:r>
+                            <a:rPr lang="en-GB" b="0" i="1" dirty="0" smtClean="0">
+                              <a:latin typeface="Cambria Math" panose="02040503050406030204" pitchFamily="18" charset="0"/>
+                            </a:rPr>
+                            <m:t>1</m:t>
+                          </m:r>
+                        </m:num>
+                        <m:den>
+                          <m:sSup>
+                            <m:sSupPr>
+                              <m:ctrlPr>
+                                <a:rPr lang="en-GB" i="1" dirty="0" smtClean="0">
+                                  <a:latin typeface="Cambria Math" panose="02040503050406030204" pitchFamily="18" charset="0"/>
+                                </a:rPr>
+                              </m:ctrlPr>
+                            </m:sSupPr>
+                            <m:e>
+                              <m:r>
+                                <a:rPr lang="en-GB" b="0" i="1" dirty="0" smtClean="0">
+                                  <a:latin typeface="Cambria Math" panose="02040503050406030204" pitchFamily="18" charset="0"/>
+                                </a:rPr>
+                                <m:t>𝑚𝑠</m:t>
+                              </m:r>
+                            </m:e>
+                            <m:sup>
+                              <m:r>
+                                <a:rPr lang="en-GB" b="0" i="1" dirty="0" smtClean="0">
+                                  <a:latin typeface="Cambria Math" panose="02040503050406030204" pitchFamily="18" charset="0"/>
+                                </a:rPr>
+                                <m:t>2</m:t>
+                              </m:r>
+                            </m:sup>
+                          </m:sSup>
+                          <m:r>
+                            <a:rPr lang="en-GB" b="0" i="1" dirty="0" smtClean="0">
+                              <a:latin typeface="Cambria Math" panose="02040503050406030204" pitchFamily="18" charset="0"/>
+                            </a:rPr>
+                            <m:t>+</m:t>
+                          </m:r>
+                          <m:r>
+                            <a:rPr lang="en-GB" b="0" i="1" dirty="0" smtClean="0">
+                              <a:latin typeface="Cambria Math" panose="02040503050406030204" pitchFamily="18" charset="0"/>
+                            </a:rPr>
+                            <m:t>𝑐𝑠</m:t>
+                          </m:r>
+                          <m:r>
+                            <a:rPr lang="en-GB" b="0" i="1" dirty="0" smtClean="0">
+                              <a:latin typeface="Cambria Math" panose="02040503050406030204" pitchFamily="18" charset="0"/>
+                            </a:rPr>
+                            <m:t>+</m:t>
+                          </m:r>
+                          <m:r>
+                            <a:rPr lang="en-GB" b="0" i="1" dirty="0" smtClean="0">
+                              <a:latin typeface="Cambria Math" panose="02040503050406030204" pitchFamily="18" charset="0"/>
+                            </a:rPr>
+                            <m:t>𝑘</m:t>
+                          </m:r>
+                        </m:den>
+                      </m:f>
+                    </m:oMath>
+                  </m:oMathPara>
+                </a14:m>
+                <a:endParaRPr lang="en-GB" dirty="0"/>
+              </a:p>
+            </p:txBody>
+          </p:sp>
+        </mc:Choice>
+        <mc:Fallback>
+          <p:sp>
+            <p:nvSpPr>
+              <p:cNvPr id="28" name="Rectangle 27">
+                <a:extLst>
+                  <a:ext uri="{FF2B5EF4-FFF2-40B4-BE49-F238E27FC236}">
+                    <a16:creationId xmlns:a16="http://schemas.microsoft.com/office/drawing/2014/main" id="{769F75B1-58AB-43B4-8C02-C96C12F4877E}"/>
+                  </a:ext>
+                </a:extLst>
+              </p:cNvPr>
+              <p:cNvSpPr>
+                <a:spLocks noRot="1" noChangeAspect="1" noMove="1" noResize="1" noEditPoints="1" noAdjustHandles="1" noChangeArrowheads="1" noChangeShapeType="1" noTextEdit="1"/>
+              </p:cNvSpPr>
+              <p:nvPr/>
+            </p:nvSpPr>
+            <p:spPr>
+              <a:xfrm>
+                <a:off x="5266257" y="1686652"/>
+                <a:ext cx="1776779" cy="914400"/>
+              </a:xfrm>
+              <a:prstGeom prst="rect">
+                <a:avLst/>
+              </a:prstGeom>
+              <a:blipFill>
+                <a:blip r:embed="rId2"/>
+                <a:stretch>
+                  <a:fillRect/>
+                </a:stretch>
+              </a:blipFill>
+              <a:ln w="28575">
+                <a:solidFill>
+                  <a:schemeClr val="tx1"/>
+                </a:solidFill>
+              </a:ln>
+            </p:spPr>
+            <p:txBody>
+              <a:bodyPr/>
+              <a:lstStyle/>
+              <a:p>
+                <a:r>
+                  <a:rPr lang="en-GB">
+                    <a:noFill/>
+                  </a:rPr>
+                  <a:t> </a:t>
+                </a:r>
+              </a:p>
+            </p:txBody>
+          </p:sp>
+        </mc:Fallback>
+      </mc:AlternateContent>
+      <p:cxnSp>
+        <p:nvCxnSpPr>
+          <p:cNvPr id="30" name="Straight Arrow Connector 29">
+            <a:extLst>
+              <a:ext uri="{FF2B5EF4-FFF2-40B4-BE49-F238E27FC236}">
+                <a16:creationId xmlns:a16="http://schemas.microsoft.com/office/drawing/2014/main" id="{7311DE7D-687D-481A-BDA5-5BF4E82D1A09}"/>
+              </a:ext>
+            </a:extLst>
+          </p:cNvPr>
+          <p:cNvCxnSpPr>
+            <a:cxnSpLocks/>
+            <a:endCxn id="28" idx="3"/>
+          </p:cNvCxnSpPr>
+          <p:nvPr/>
+        </p:nvCxnSpPr>
+        <p:spPr>
+          <a:xfrm flipH="1">
+            <a:off x="7043036" y="2143852"/>
+            <a:ext cx="2273244" cy="0"/>
+          </a:xfrm>
+          <a:prstGeom prst="straightConnector1">
+            <a:avLst/>
+          </a:prstGeom>
+          <a:ln>
+            <a:solidFill>
+              <a:schemeClr val="tx1"/>
+            </a:solidFill>
+            <a:tailEnd type="triangle"/>
+          </a:ln>
+        </p:spPr>
+        <p:style>
+          <a:lnRef idx="1">
+            <a:schemeClr val="accent1"/>
+          </a:lnRef>
+          <a:fillRef idx="0">
+            <a:schemeClr val="accent1"/>
+          </a:fillRef>
+          <a:effectRef idx="0">
+            <a:schemeClr val="accent1"/>
+          </a:effectRef>
+          <a:fontRef idx="minor">
+            <a:schemeClr val="tx1"/>
+          </a:fontRef>
+        </p:style>
+      </p:cxnSp>
+      <p:sp>
+        <p:nvSpPr>
+          <p:cNvPr id="32" name="TextBox 31">
+            <a:extLst>
+              <a:ext uri="{FF2B5EF4-FFF2-40B4-BE49-F238E27FC236}">
+                <a16:creationId xmlns:a16="http://schemas.microsoft.com/office/drawing/2014/main" id="{DDD782F4-8EBC-457E-8BC0-9721A1892FCF}"/>
+              </a:ext>
+            </a:extLst>
+          </p:cNvPr>
+          <p:cNvSpPr txBox="1"/>
+          <p:nvPr/>
+        </p:nvSpPr>
+        <p:spPr>
+          <a:xfrm>
+            <a:off x="7639496" y="1774520"/>
+            <a:ext cx="480773" cy="369332"/>
+          </a:xfrm>
+          <a:prstGeom prst="rect">
+            <a:avLst/>
+          </a:prstGeom>
+          <a:noFill/>
+          <a:ln>
+            <a:noFill/>
+          </a:ln>
+        </p:spPr>
+        <p:txBody>
+          <a:bodyPr wrap="none" rtlCol="0">
+            <a:spAutoFit/>
+          </a:bodyPr>
+          <a:lstStyle/>
+          <a:p>
+            <a:r>
+              <a:rPr lang="en-GB" dirty="0"/>
+              <a:t>F</a:t>
+            </a:r>
+            <a:r>
+              <a:rPr lang="en-GB" baseline="-25000" dirty="0"/>
+              <a:t>ext</a:t>
+            </a:r>
+          </a:p>
+        </p:txBody>
+      </p:sp>
+      <p:cxnSp>
+        <p:nvCxnSpPr>
+          <p:cNvPr id="34" name="Connector: Elbow 33">
+            <a:extLst>
+              <a:ext uri="{FF2B5EF4-FFF2-40B4-BE49-F238E27FC236}">
+                <a16:creationId xmlns:a16="http://schemas.microsoft.com/office/drawing/2014/main" id="{97B83089-38C8-4833-966B-A5A85E6F8FC4}"/>
+              </a:ext>
+            </a:extLst>
+          </p:cNvPr>
+          <p:cNvCxnSpPr/>
+          <p:nvPr/>
+        </p:nvCxnSpPr>
+        <p:spPr>
+          <a:xfrm rot="5400000" flipH="1" flipV="1">
+            <a:off x="8348110" y="2580400"/>
+            <a:ext cx="1404716" cy="531620"/>
+          </a:xfrm>
+          <a:prstGeom prst="bentConnector3">
+            <a:avLst>
+              <a:gd name="adj1" fmla="val 5660"/>
+            </a:avLst>
+          </a:prstGeom>
+          <a:ln>
+            <a:solidFill>
+              <a:schemeClr val="tx1"/>
+            </a:solidFill>
+          </a:ln>
+        </p:spPr>
+        <p:style>
+          <a:lnRef idx="1">
+            <a:schemeClr val="accent1"/>
+          </a:lnRef>
+          <a:fillRef idx="0">
+            <a:schemeClr val="accent1"/>
+          </a:fillRef>
+          <a:effectRef idx="0">
+            <a:schemeClr val="accent1"/>
+          </a:effectRef>
+          <a:fontRef idx="minor">
+            <a:schemeClr val="tx1"/>
+          </a:fontRef>
+        </p:style>
+      </p:cxnSp>
+      <p:cxnSp>
+        <p:nvCxnSpPr>
+          <p:cNvPr id="38" name="Straight Arrow Connector 37">
+            <a:extLst>
+              <a:ext uri="{FF2B5EF4-FFF2-40B4-BE49-F238E27FC236}">
+                <a16:creationId xmlns:a16="http://schemas.microsoft.com/office/drawing/2014/main" id="{42951A53-C17F-40A7-AEB2-E771101FBD44}"/>
+              </a:ext>
+            </a:extLst>
+          </p:cNvPr>
+          <p:cNvCxnSpPr>
+            <a:cxnSpLocks/>
+          </p:cNvCxnSpPr>
+          <p:nvPr/>
+        </p:nvCxnSpPr>
+        <p:spPr>
+          <a:xfrm>
+            <a:off x="4472941" y="2358887"/>
+            <a:ext cx="0" cy="1098778"/>
+          </a:xfrm>
+          <a:prstGeom prst="straightConnector1">
+            <a:avLst/>
+          </a:prstGeom>
+          <a:ln>
+            <a:solidFill>
+              <a:schemeClr val="tx1"/>
+            </a:solidFill>
+            <a:tailEnd type="triangle"/>
+          </a:ln>
+        </p:spPr>
+        <p:style>
+          <a:lnRef idx="1">
+            <a:schemeClr val="accent1"/>
+          </a:lnRef>
+          <a:fillRef idx="0">
+            <a:schemeClr val="accent1"/>
+          </a:fillRef>
+          <a:effectRef idx="0">
+            <a:schemeClr val="accent1"/>
+          </a:effectRef>
+          <a:fontRef idx="minor">
+            <a:schemeClr val="tx1"/>
+          </a:fontRef>
+        </p:style>
+      </p:cxnSp>
+      <p:cxnSp>
+        <p:nvCxnSpPr>
+          <p:cNvPr id="41" name="Connector: Elbow 40">
+            <a:extLst>
+              <a:ext uri="{FF2B5EF4-FFF2-40B4-BE49-F238E27FC236}">
+                <a16:creationId xmlns:a16="http://schemas.microsoft.com/office/drawing/2014/main" id="{03420312-5FC5-4732-94A0-013DB98448BE}"/>
+              </a:ext>
+            </a:extLst>
+          </p:cNvPr>
+          <p:cNvCxnSpPr>
+            <a:stCxn id="28" idx="1"/>
+          </p:cNvCxnSpPr>
+          <p:nvPr/>
+        </p:nvCxnSpPr>
+        <p:spPr>
+          <a:xfrm rot="10800000" flipV="1">
+            <a:off x="4472169" y="2143851"/>
+            <a:ext cx="794089" cy="215035"/>
+          </a:xfrm>
+          <a:prstGeom prst="bentConnector3">
+            <a:avLst>
+              <a:gd name="adj1" fmla="val 98397"/>
+            </a:avLst>
+          </a:prstGeom>
+          <a:ln>
+            <a:solidFill>
+              <a:schemeClr val="tx1"/>
+            </a:solidFill>
+          </a:ln>
+        </p:spPr>
+        <p:style>
+          <a:lnRef idx="1">
+            <a:schemeClr val="accent1"/>
+          </a:lnRef>
+          <a:fillRef idx="0">
+            <a:schemeClr val="accent1"/>
+          </a:fillRef>
+          <a:effectRef idx="0">
+            <a:schemeClr val="accent1"/>
+          </a:effectRef>
+          <a:fontRef idx="minor">
+            <a:schemeClr val="tx1"/>
+          </a:fontRef>
+        </p:style>
+      </p:cxnSp>
+      <p:sp>
+        <p:nvSpPr>
+          <p:cNvPr id="43" name="TextBox 42">
+            <a:extLst>
+              <a:ext uri="{FF2B5EF4-FFF2-40B4-BE49-F238E27FC236}">
+                <a16:creationId xmlns:a16="http://schemas.microsoft.com/office/drawing/2014/main" id="{28CA8CA2-462B-4B62-96C3-62B5F3B58994}"/>
+              </a:ext>
+            </a:extLst>
+          </p:cNvPr>
+          <p:cNvSpPr txBox="1"/>
+          <p:nvPr/>
+        </p:nvSpPr>
+        <p:spPr>
+          <a:xfrm>
+            <a:off x="5273577" y="1332424"/>
+            <a:ext cx="1769459" cy="369332"/>
+          </a:xfrm>
+          <a:prstGeom prst="rect">
+            <a:avLst/>
+          </a:prstGeom>
+          <a:noFill/>
+        </p:spPr>
+        <p:txBody>
+          <a:bodyPr wrap="none" rtlCol="0">
+            <a:spAutoFit/>
+          </a:bodyPr>
+          <a:lstStyle/>
+          <a:p>
+            <a:r>
+              <a:rPr lang="en-GB" dirty="0"/>
+              <a:t>Admittance filter</a:t>
+            </a:r>
+          </a:p>
+        </p:txBody>
+      </p:sp>
+      <p:cxnSp>
+        <p:nvCxnSpPr>
+          <p:cNvPr id="45" name="Straight Arrow Connector 44">
+            <a:extLst>
+              <a:ext uri="{FF2B5EF4-FFF2-40B4-BE49-F238E27FC236}">
+                <a16:creationId xmlns:a16="http://schemas.microsoft.com/office/drawing/2014/main" id="{B89021DF-5DAD-4B21-9E98-3288E0EFE358}"/>
+              </a:ext>
+            </a:extLst>
+          </p:cNvPr>
+          <p:cNvCxnSpPr>
+            <a:stCxn id="25" idx="3"/>
+          </p:cNvCxnSpPr>
+          <p:nvPr/>
+        </p:nvCxnSpPr>
+        <p:spPr>
+          <a:xfrm>
+            <a:off x="8784658" y="3734664"/>
+            <a:ext cx="1247238" cy="0"/>
+          </a:xfrm>
+          <a:prstGeom prst="straightConnector1">
+            <a:avLst/>
+          </a:prstGeom>
+          <a:ln>
+            <a:solidFill>
+              <a:schemeClr val="tx1"/>
+            </a:solidFill>
+            <a:tailEnd type="triangle"/>
+          </a:ln>
+        </p:spPr>
+        <p:style>
+          <a:lnRef idx="1">
+            <a:schemeClr val="accent1"/>
+          </a:lnRef>
+          <a:fillRef idx="0">
+            <a:schemeClr val="accent1"/>
+          </a:fillRef>
+          <a:effectRef idx="0">
+            <a:schemeClr val="accent1"/>
+          </a:effectRef>
+          <a:fontRef idx="minor">
+            <a:schemeClr val="tx1"/>
+          </a:fontRef>
+        </p:style>
+      </p:cxnSp>
+      <p:sp>
+        <p:nvSpPr>
+          <p:cNvPr id="46" name="TextBox 45">
+            <a:extLst>
+              <a:ext uri="{FF2B5EF4-FFF2-40B4-BE49-F238E27FC236}">
+                <a16:creationId xmlns:a16="http://schemas.microsoft.com/office/drawing/2014/main" id="{C1077C81-17EC-471D-8EE6-004678B2073D}"/>
+              </a:ext>
+            </a:extLst>
+          </p:cNvPr>
+          <p:cNvSpPr txBox="1"/>
+          <p:nvPr/>
+        </p:nvSpPr>
+        <p:spPr>
+          <a:xfrm>
+            <a:off x="6171671" y="4599107"/>
+            <a:ext cx="1590500" cy="369332"/>
+          </a:xfrm>
+          <a:prstGeom prst="rect">
+            <a:avLst/>
+          </a:prstGeom>
+          <a:noFill/>
+        </p:spPr>
+        <p:txBody>
+          <a:bodyPr wrap="none" rtlCol="0">
+            <a:spAutoFit/>
+          </a:bodyPr>
+          <a:lstStyle/>
+          <a:p>
+            <a:r>
+              <a:rPr lang="en-GB" dirty="0"/>
+              <a:t>Actual position</a:t>
+            </a:r>
+          </a:p>
+        </p:txBody>
+      </p:sp>
+      <p:cxnSp>
+        <p:nvCxnSpPr>
+          <p:cNvPr id="48" name="Connector: Elbow 47">
+            <a:extLst>
+              <a:ext uri="{FF2B5EF4-FFF2-40B4-BE49-F238E27FC236}">
+                <a16:creationId xmlns:a16="http://schemas.microsoft.com/office/drawing/2014/main" id="{39DD791D-D3ED-4A09-860C-8FFA88C33337}"/>
+              </a:ext>
+            </a:extLst>
+          </p:cNvPr>
+          <p:cNvCxnSpPr>
+            <a:cxnSpLocks/>
+          </p:cNvCxnSpPr>
+          <p:nvPr/>
+        </p:nvCxnSpPr>
+        <p:spPr>
+          <a:xfrm rot="10800000" flipV="1">
+            <a:off x="4472168" y="3734661"/>
+            <a:ext cx="4844114" cy="1165045"/>
+          </a:xfrm>
+          <a:prstGeom prst="bentConnector3">
+            <a:avLst>
+              <a:gd name="adj1" fmla="val 210"/>
+            </a:avLst>
+          </a:prstGeom>
+          <a:ln>
+            <a:solidFill>
+              <a:schemeClr val="tx1"/>
+            </a:solidFill>
+          </a:ln>
+        </p:spPr>
+        <p:style>
+          <a:lnRef idx="1">
+            <a:schemeClr val="accent1"/>
+          </a:lnRef>
+          <a:fillRef idx="0">
+            <a:schemeClr val="accent1"/>
+          </a:fillRef>
+          <a:effectRef idx="0">
+            <a:schemeClr val="accent1"/>
+          </a:effectRef>
+          <a:fontRef idx="minor">
+            <a:schemeClr val="tx1"/>
+          </a:fontRef>
+        </p:style>
+      </p:cxnSp>
+      <p:cxnSp>
+        <p:nvCxnSpPr>
+          <p:cNvPr id="52" name="Straight Arrow Connector 51">
+            <a:extLst>
+              <a:ext uri="{FF2B5EF4-FFF2-40B4-BE49-F238E27FC236}">
+                <a16:creationId xmlns:a16="http://schemas.microsoft.com/office/drawing/2014/main" id="{429D0E40-6DE7-4726-A352-102088660B06}"/>
+              </a:ext>
+            </a:extLst>
+          </p:cNvPr>
+          <p:cNvCxnSpPr>
+            <a:cxnSpLocks/>
+            <a:endCxn id="6" idx="4"/>
+          </p:cNvCxnSpPr>
+          <p:nvPr/>
+        </p:nvCxnSpPr>
+        <p:spPr>
+          <a:xfrm flipV="1">
+            <a:off x="4472169" y="4057582"/>
+            <a:ext cx="0" cy="842125"/>
+          </a:xfrm>
+          <a:prstGeom prst="straightConnector1">
+            <a:avLst/>
+          </a:prstGeom>
+          <a:ln>
+            <a:solidFill>
+              <a:schemeClr val="tx1"/>
+            </a:solidFill>
+            <a:tailEnd type="triangle"/>
+          </a:ln>
+        </p:spPr>
+        <p:style>
+          <a:lnRef idx="1">
+            <a:schemeClr val="accent1"/>
+          </a:lnRef>
+          <a:fillRef idx="0">
+            <a:schemeClr val="accent1"/>
+          </a:fillRef>
+          <a:effectRef idx="0">
+            <a:schemeClr val="accent1"/>
+          </a:effectRef>
+          <a:fontRef idx="minor">
+            <a:schemeClr val="tx1"/>
+          </a:fontRef>
+        </p:style>
+      </p:cxnSp>
+      <p:sp>
+        <p:nvSpPr>
+          <p:cNvPr id="57" name="TextBox 56">
+            <a:extLst>
+              <a:ext uri="{FF2B5EF4-FFF2-40B4-BE49-F238E27FC236}">
+                <a16:creationId xmlns:a16="http://schemas.microsoft.com/office/drawing/2014/main" id="{9971061F-C17A-422C-A3DF-95B4AD6286BB}"/>
+              </a:ext>
+            </a:extLst>
+          </p:cNvPr>
+          <p:cNvSpPr txBox="1"/>
+          <p:nvPr/>
+        </p:nvSpPr>
+        <p:spPr>
+          <a:xfrm>
+            <a:off x="3579566" y="2123447"/>
+            <a:ext cx="981359" cy="646331"/>
+          </a:xfrm>
+          <a:prstGeom prst="rect">
+            <a:avLst/>
+          </a:prstGeom>
+          <a:noFill/>
+        </p:spPr>
+        <p:txBody>
+          <a:bodyPr wrap="none" rtlCol="0">
+            <a:spAutoFit/>
+          </a:bodyPr>
+          <a:lstStyle/>
+          <a:p>
+            <a:r>
+              <a:rPr lang="en-GB" dirty="0"/>
+              <a:t>Position</a:t>
+            </a:r>
+          </a:p>
+          <a:p>
+            <a:r>
+              <a:rPr lang="en-GB" dirty="0"/>
+              <a:t>Demand</a:t>
+            </a:r>
+          </a:p>
+        </p:txBody>
+      </p:sp>
+    </p:spTree>
+    <p:extLst>
+      <p:ext uri="{BB962C8B-B14F-4D97-AF65-F5344CB8AC3E}">
+        <p14:creationId xmlns:p14="http://schemas.microsoft.com/office/powerpoint/2010/main" val="144723410"/>
+      </p:ext>
+    </p:extLst>
+  </p:cSld>
+  <p:clrMapOvr>
+    <a:masterClrMapping/>
+  </p:clrMapOvr>
+</p:sld>
+</file>
+
+<file path=ppt/slides/slide12.xml><?xml version="1.0" encoding="utf-8"?>
+<p:sld xmlns:a="http://schemas.openxmlformats.org/drawingml/2006/main" xmlns:r="http://schemas.openxmlformats.org/officeDocument/2006/relationships" xmlns:p="http://schemas.openxmlformats.org/presentationml/2006/main">
+  <p:cSld>
+    <p:spTree>
+      <p:nvGrpSpPr>
+        <p:cNvPr id="1" name=""/>
+        <p:cNvGrpSpPr/>
+        <p:nvPr/>
+      </p:nvGrpSpPr>
+      <p:grpSpPr>
+        <a:xfrm>
+          <a:off x="0" y="0"/>
+          <a:ext cx="0" cy="0"/>
+          <a:chOff x="0" y="0"/>
+          <a:chExt cx="0" cy="0"/>
+        </a:xfrm>
+      </p:grpSpPr>
+      <p:sp>
+        <p:nvSpPr>
+          <p:cNvPr id="6" name="Oval 5">
+            <a:extLst>
+              <a:ext uri="{FF2B5EF4-FFF2-40B4-BE49-F238E27FC236}">
+                <a16:creationId xmlns:a16="http://schemas.microsoft.com/office/drawing/2014/main" id="{314EF023-421C-48F6-B5BB-312BEDC84247}"/>
+              </a:ext>
+            </a:extLst>
+          </p:cNvPr>
+          <p:cNvSpPr/>
+          <p:nvPr/>
+        </p:nvSpPr>
+        <p:spPr>
+          <a:xfrm>
+            <a:off x="4187247" y="3461235"/>
+            <a:ext cx="569843" cy="596347"/>
+          </a:xfrm>
+          <a:prstGeom prst="ellipse">
+            <a:avLst/>
+          </a:prstGeom>
+        </p:spPr>
+        <p:style>
+          <a:lnRef idx="2">
+            <a:schemeClr val="dk1"/>
+          </a:lnRef>
+          <a:fillRef idx="1">
+            <a:schemeClr val="lt1"/>
+          </a:fillRef>
+          <a:effectRef idx="0">
+            <a:schemeClr val="dk1"/>
+          </a:effectRef>
+          <a:fontRef idx="minor">
+            <a:schemeClr val="dk1"/>
+          </a:fontRef>
+        </p:style>
+        <p:txBody>
+          <a:bodyPr rtlCol="0" anchor="ctr"/>
+          <a:lstStyle/>
+          <a:p>
+            <a:pPr algn="ctr"/>
+            <a:endParaRPr lang="en-GB"/>
+          </a:p>
+        </p:txBody>
+      </p:sp>
+      <p:cxnSp>
+        <p:nvCxnSpPr>
+          <p:cNvPr id="7" name="Straight Connector 6">
+            <a:extLst>
+              <a:ext uri="{FF2B5EF4-FFF2-40B4-BE49-F238E27FC236}">
+                <a16:creationId xmlns:a16="http://schemas.microsoft.com/office/drawing/2014/main" id="{16441A50-B1C5-42ED-BEE9-5C6C524C02E3}"/>
+              </a:ext>
+            </a:extLst>
+          </p:cNvPr>
+          <p:cNvCxnSpPr>
+            <a:stCxn id="6" idx="1"/>
+            <a:endCxn id="6" idx="5"/>
+          </p:cNvCxnSpPr>
+          <p:nvPr/>
+        </p:nvCxnSpPr>
+        <p:spPr>
+          <a:xfrm>
+            <a:off x="4270699" y="3548568"/>
+            <a:ext cx="402939" cy="421681"/>
+          </a:xfrm>
+          <a:prstGeom prst="line">
+            <a:avLst/>
+          </a:prstGeom>
+        </p:spPr>
+        <p:style>
+          <a:lnRef idx="2">
+            <a:schemeClr val="dk1"/>
+          </a:lnRef>
+          <a:fillRef idx="1">
+            <a:schemeClr val="lt1"/>
+          </a:fillRef>
+          <a:effectRef idx="0">
+            <a:schemeClr val="dk1"/>
+          </a:effectRef>
+          <a:fontRef idx="minor">
+            <a:schemeClr val="dk1"/>
+          </a:fontRef>
+        </p:style>
+      </p:cxnSp>
+      <p:cxnSp>
+        <p:nvCxnSpPr>
+          <p:cNvPr id="8" name="Straight Connector 7">
+            <a:extLst>
+              <a:ext uri="{FF2B5EF4-FFF2-40B4-BE49-F238E27FC236}">
+                <a16:creationId xmlns:a16="http://schemas.microsoft.com/office/drawing/2014/main" id="{C2787C54-85A0-48A1-81AD-358DB2FEFC2D}"/>
+              </a:ext>
+            </a:extLst>
+          </p:cNvPr>
+          <p:cNvCxnSpPr>
+            <a:stCxn id="6" idx="3"/>
+            <a:endCxn id="6" idx="7"/>
+          </p:cNvCxnSpPr>
+          <p:nvPr/>
+        </p:nvCxnSpPr>
+        <p:spPr>
+          <a:xfrm flipV="1">
+            <a:off x="4270699" y="3548568"/>
+            <a:ext cx="402939" cy="421681"/>
+          </a:xfrm>
+          <a:prstGeom prst="line">
+            <a:avLst/>
+          </a:prstGeom>
+        </p:spPr>
+        <p:style>
+          <a:lnRef idx="2">
+            <a:schemeClr val="dk1"/>
+          </a:lnRef>
+          <a:fillRef idx="1">
+            <a:schemeClr val="lt1"/>
+          </a:fillRef>
+          <a:effectRef idx="0">
+            <a:schemeClr val="dk1"/>
+          </a:effectRef>
+          <a:fontRef idx="minor">
+            <a:schemeClr val="dk1"/>
+          </a:fontRef>
+        </p:style>
+      </p:cxnSp>
+      <p:sp>
+        <p:nvSpPr>
+          <p:cNvPr id="9" name="TextBox 8">
+            <a:extLst>
+              <a:ext uri="{FF2B5EF4-FFF2-40B4-BE49-F238E27FC236}">
+                <a16:creationId xmlns:a16="http://schemas.microsoft.com/office/drawing/2014/main" id="{9F729720-F4AF-42DF-B42D-9AA04A2B592D}"/>
+              </a:ext>
+            </a:extLst>
+          </p:cNvPr>
+          <p:cNvSpPr txBox="1"/>
+          <p:nvPr/>
+        </p:nvSpPr>
+        <p:spPr>
+          <a:xfrm>
+            <a:off x="4327804" y="3396765"/>
+            <a:ext cx="300082" cy="369332"/>
+          </a:xfrm>
+          <a:prstGeom prst="rect">
+            <a:avLst/>
+          </a:prstGeom>
+          <a:noFill/>
+        </p:spPr>
+        <p:txBody>
+          <a:bodyPr wrap="none" rtlCol="0">
+            <a:spAutoFit/>
+          </a:bodyPr>
+          <a:lstStyle/>
+          <a:p>
+            <a:r>
+              <a:rPr lang="en-GB" dirty="0"/>
+              <a:t>+</a:t>
+            </a:r>
+          </a:p>
+        </p:txBody>
+      </p:sp>
+      <p:sp>
+        <p:nvSpPr>
+          <p:cNvPr id="10" name="TextBox 9">
+            <a:extLst>
+              <a:ext uri="{FF2B5EF4-FFF2-40B4-BE49-F238E27FC236}">
+                <a16:creationId xmlns:a16="http://schemas.microsoft.com/office/drawing/2014/main" id="{D7B05199-F7B9-41FE-9A58-538D37ACC53D}"/>
+              </a:ext>
+            </a:extLst>
+          </p:cNvPr>
+          <p:cNvSpPr txBox="1"/>
+          <p:nvPr/>
+        </p:nvSpPr>
+        <p:spPr>
+          <a:xfrm>
+            <a:off x="4140169" y="3568774"/>
+            <a:ext cx="300082" cy="369332"/>
+          </a:xfrm>
+          <a:prstGeom prst="rect">
+            <a:avLst/>
+          </a:prstGeom>
+          <a:noFill/>
+        </p:spPr>
+        <p:txBody>
+          <a:bodyPr wrap="none" rtlCol="0">
+            <a:spAutoFit/>
+          </a:bodyPr>
+          <a:lstStyle/>
+          <a:p>
+            <a:r>
+              <a:rPr lang="en-GB" dirty="0"/>
+              <a:t>+</a:t>
+            </a:r>
+          </a:p>
+        </p:txBody>
+      </p:sp>
+      <p:sp>
+        <p:nvSpPr>
+          <p:cNvPr id="11" name="TextBox 10">
+            <a:extLst>
+              <a:ext uri="{FF2B5EF4-FFF2-40B4-BE49-F238E27FC236}">
+                <a16:creationId xmlns:a16="http://schemas.microsoft.com/office/drawing/2014/main" id="{6853982D-E87A-4B72-BEEC-189B45C6BAAF}"/>
+              </a:ext>
+            </a:extLst>
+          </p:cNvPr>
+          <p:cNvSpPr txBox="1"/>
+          <p:nvPr/>
+        </p:nvSpPr>
+        <p:spPr>
+          <a:xfrm>
+            <a:off x="4357787" y="3747988"/>
+            <a:ext cx="255198" cy="369332"/>
+          </a:xfrm>
+          <a:prstGeom prst="rect">
+            <a:avLst/>
+          </a:prstGeom>
+          <a:noFill/>
+        </p:spPr>
+        <p:txBody>
+          <a:bodyPr wrap="none" rtlCol="0">
+            <a:spAutoFit/>
+          </a:bodyPr>
+          <a:lstStyle/>
+          <a:p>
+            <a:r>
+              <a:rPr lang="en-GB" dirty="0"/>
+              <a:t>-</a:t>
+            </a:r>
+          </a:p>
+        </p:txBody>
+      </p:sp>
+      <p:cxnSp>
+        <p:nvCxnSpPr>
+          <p:cNvPr id="13" name="Straight Arrow Connector 12">
+            <a:extLst>
+              <a:ext uri="{FF2B5EF4-FFF2-40B4-BE49-F238E27FC236}">
+                <a16:creationId xmlns:a16="http://schemas.microsoft.com/office/drawing/2014/main" id="{82741775-B704-4602-B122-0E3F3AC61C75}"/>
+              </a:ext>
+            </a:extLst>
+          </p:cNvPr>
+          <p:cNvCxnSpPr>
+            <a:cxnSpLocks/>
+          </p:cNvCxnSpPr>
+          <p:nvPr/>
+        </p:nvCxnSpPr>
+        <p:spPr>
+          <a:xfrm>
+            <a:off x="3555882" y="3753440"/>
+            <a:ext cx="631365" cy="0"/>
+          </a:xfrm>
+          <a:prstGeom prst="straightConnector1">
+            <a:avLst/>
+          </a:prstGeom>
+          <a:ln>
+            <a:solidFill>
+              <a:schemeClr val="tx1"/>
+            </a:solidFill>
+            <a:tailEnd type="triangle"/>
+          </a:ln>
+        </p:spPr>
+        <p:style>
+          <a:lnRef idx="1">
+            <a:schemeClr val="accent1"/>
+          </a:lnRef>
+          <a:fillRef idx="0">
+            <a:schemeClr val="accent1"/>
+          </a:fillRef>
+          <a:effectRef idx="0">
+            <a:schemeClr val="accent1"/>
+          </a:effectRef>
+          <a:fontRef idx="minor">
+            <a:schemeClr val="tx1"/>
+          </a:fontRef>
+        </p:style>
+      </p:cxnSp>
+      <p:sp>
+        <p:nvSpPr>
+          <p:cNvPr id="17" name="TextBox 16">
+            <a:extLst>
+              <a:ext uri="{FF2B5EF4-FFF2-40B4-BE49-F238E27FC236}">
+                <a16:creationId xmlns:a16="http://schemas.microsoft.com/office/drawing/2014/main" id="{E685E3E1-A3FE-4125-8B34-EE4413B9C7C9}"/>
+              </a:ext>
+            </a:extLst>
+          </p:cNvPr>
+          <p:cNvSpPr txBox="1"/>
+          <p:nvPr/>
+        </p:nvSpPr>
+        <p:spPr>
+          <a:xfrm>
+            <a:off x="2718154" y="3457665"/>
+            <a:ext cx="899798" cy="646331"/>
+          </a:xfrm>
+          <a:prstGeom prst="rect">
+            <a:avLst/>
+          </a:prstGeom>
+          <a:noFill/>
+        </p:spPr>
+        <p:txBody>
+          <a:bodyPr wrap="none" rtlCol="0">
+            <a:spAutoFit/>
+          </a:bodyPr>
+          <a:lstStyle/>
+          <a:p>
+            <a:pPr algn="ctr"/>
+            <a:r>
+              <a:rPr lang="en-GB" dirty="0"/>
+              <a:t>Desired</a:t>
+            </a:r>
+          </a:p>
+          <a:p>
+            <a:pPr algn="ctr"/>
+            <a:r>
+              <a:rPr lang="en-GB" dirty="0"/>
+              <a:t>Force</a:t>
+            </a:r>
+          </a:p>
+        </p:txBody>
+      </p:sp>
+      <p:grpSp>
+        <p:nvGrpSpPr>
+          <p:cNvPr id="18" name="Group 17">
+            <a:extLst>
+              <a:ext uri="{FF2B5EF4-FFF2-40B4-BE49-F238E27FC236}">
+                <a16:creationId xmlns:a16="http://schemas.microsoft.com/office/drawing/2014/main" id="{8F5D31DD-9008-4486-9627-A3079E28C140}"/>
+              </a:ext>
+            </a:extLst>
+          </p:cNvPr>
+          <p:cNvGrpSpPr/>
+          <p:nvPr/>
+        </p:nvGrpSpPr>
+        <p:grpSpPr>
+          <a:xfrm>
+            <a:off x="4756542" y="3296240"/>
+            <a:ext cx="2796211" cy="914400"/>
+            <a:chOff x="3697358" y="795131"/>
+            <a:chExt cx="2796211" cy="914400"/>
+          </a:xfrm>
+        </p:grpSpPr>
+        <p:sp>
+          <p:nvSpPr>
+            <p:cNvPr id="19" name="Rectangle 18">
+              <a:extLst>
+                <a:ext uri="{FF2B5EF4-FFF2-40B4-BE49-F238E27FC236}">
+                  <a16:creationId xmlns:a16="http://schemas.microsoft.com/office/drawing/2014/main" id="{E7BDDB64-C960-47AF-BF55-5B9BFCC4F8E2}"/>
+                </a:ext>
+              </a:extLst>
+            </p:cNvPr>
+            <p:cNvSpPr/>
+            <p:nvPr/>
+          </p:nvSpPr>
+          <p:spPr>
+            <a:xfrm>
+              <a:off x="4479237" y="795131"/>
+              <a:ext cx="1232453" cy="914400"/>
+            </a:xfrm>
+            <a:prstGeom prst="rect">
+              <a:avLst/>
+            </a:prstGeom>
+            <a:ln w="28575"/>
+          </p:spPr>
+          <p:style>
+            <a:lnRef idx="2">
+              <a:schemeClr val="dk1"/>
+            </a:lnRef>
+            <a:fillRef idx="1">
+              <a:schemeClr val="lt1"/>
+            </a:fillRef>
+            <a:effectRef idx="0">
+              <a:schemeClr val="dk1"/>
+            </a:effectRef>
+            <a:fontRef idx="minor">
+              <a:schemeClr val="dk1"/>
+            </a:fontRef>
+          </p:style>
+          <p:txBody>
+            <a:bodyPr rtlCol="0" anchor="ctr"/>
+            <a:lstStyle/>
+            <a:p>
+              <a:pPr algn="ctr"/>
+              <a:r>
+                <a:rPr lang="en-GB" dirty="0"/>
+                <a:t>Force</a:t>
+              </a:r>
+            </a:p>
+            <a:p>
+              <a:pPr algn="ctr"/>
+              <a:r>
+                <a:rPr lang="en-GB" dirty="0"/>
+                <a:t>Controller</a:t>
+              </a:r>
+            </a:p>
+          </p:txBody>
+        </p:sp>
+        <p:cxnSp>
+          <p:nvCxnSpPr>
+            <p:cNvPr id="20" name="Straight Arrow Connector 19">
+              <a:extLst>
+                <a:ext uri="{FF2B5EF4-FFF2-40B4-BE49-F238E27FC236}">
+                  <a16:creationId xmlns:a16="http://schemas.microsoft.com/office/drawing/2014/main" id="{B9C8A729-7B7B-4D52-BD69-5834778D2FDE}"/>
+                </a:ext>
+              </a:extLst>
+            </p:cNvPr>
+            <p:cNvCxnSpPr>
+              <a:cxnSpLocks/>
+              <a:stCxn id="19" idx="3"/>
+            </p:cNvCxnSpPr>
+            <p:nvPr/>
+          </p:nvCxnSpPr>
+          <p:spPr>
+            <a:xfrm>
+              <a:off x="5711690" y="1252331"/>
+              <a:ext cx="781879" cy="0"/>
+            </a:xfrm>
+            <a:prstGeom prst="straightConnector1">
+              <a:avLst/>
+            </a:prstGeom>
+            <a:ln>
+              <a:tailEnd type="triangle"/>
+            </a:ln>
+          </p:spPr>
+          <p:style>
+            <a:lnRef idx="1">
+              <a:schemeClr val="dk1"/>
+            </a:lnRef>
+            <a:fillRef idx="0">
+              <a:schemeClr val="dk1"/>
+            </a:fillRef>
+            <a:effectRef idx="0">
+              <a:schemeClr val="dk1"/>
+            </a:effectRef>
+            <a:fontRef idx="minor">
+              <a:schemeClr val="tx1"/>
+            </a:fontRef>
+          </p:style>
+        </p:cxnSp>
+        <p:cxnSp>
+          <p:nvCxnSpPr>
+            <p:cNvPr id="21" name="Straight Arrow Connector 20">
+              <a:extLst>
+                <a:ext uri="{FF2B5EF4-FFF2-40B4-BE49-F238E27FC236}">
+                  <a16:creationId xmlns:a16="http://schemas.microsoft.com/office/drawing/2014/main" id="{6289796E-F51C-40C5-863B-2624A342E94E}"/>
+                </a:ext>
+              </a:extLst>
+            </p:cNvPr>
+            <p:cNvCxnSpPr>
+              <a:cxnSpLocks/>
+              <a:endCxn id="19" idx="1"/>
+            </p:cNvCxnSpPr>
+            <p:nvPr/>
+          </p:nvCxnSpPr>
+          <p:spPr>
+            <a:xfrm>
+              <a:off x="3697358" y="1252331"/>
+              <a:ext cx="781879" cy="0"/>
+            </a:xfrm>
+            <a:prstGeom prst="straightConnector1">
+              <a:avLst/>
+            </a:prstGeom>
+            <a:ln>
+              <a:tailEnd type="triangle"/>
+            </a:ln>
+          </p:spPr>
+          <p:style>
+            <a:lnRef idx="1">
+              <a:schemeClr val="dk1"/>
+            </a:lnRef>
+            <a:fillRef idx="0">
+              <a:schemeClr val="dk1"/>
+            </a:fillRef>
+            <a:effectRef idx="0">
+              <a:schemeClr val="dk1"/>
+            </a:effectRef>
+            <a:fontRef idx="minor">
+              <a:schemeClr val="tx1"/>
+            </a:fontRef>
+          </p:style>
+        </p:cxnSp>
+      </p:grpSp>
+      <p:sp>
+        <p:nvSpPr>
+          <p:cNvPr id="25" name="Rectangle 24">
+            <a:extLst>
+              <a:ext uri="{FF2B5EF4-FFF2-40B4-BE49-F238E27FC236}">
+                <a16:creationId xmlns:a16="http://schemas.microsoft.com/office/drawing/2014/main" id="{E252D558-31A8-4C8A-B437-96C371EDAD3F}"/>
+              </a:ext>
+            </a:extLst>
+          </p:cNvPr>
+          <p:cNvSpPr/>
+          <p:nvPr/>
+        </p:nvSpPr>
+        <p:spPr>
+          <a:xfrm>
+            <a:off x="7552205" y="3277464"/>
+            <a:ext cx="1232453" cy="914400"/>
+          </a:xfrm>
+          <a:prstGeom prst="rect">
+            <a:avLst/>
+          </a:prstGeom>
+          <a:ln w="28575"/>
+        </p:spPr>
+        <p:style>
+          <a:lnRef idx="2">
+            <a:schemeClr val="dk1"/>
+          </a:lnRef>
+          <a:fillRef idx="1">
+            <a:schemeClr val="lt1"/>
+          </a:fillRef>
+          <a:effectRef idx="0">
+            <a:schemeClr val="dk1"/>
+          </a:effectRef>
+          <a:fontRef idx="minor">
+            <a:schemeClr val="dk1"/>
+          </a:fontRef>
+        </p:style>
+        <p:txBody>
+          <a:bodyPr rtlCol="0" anchor="ctr"/>
+          <a:lstStyle/>
+          <a:p>
+            <a:pPr algn="ctr"/>
+            <a:r>
+              <a:rPr lang="en-GB" dirty="0"/>
+              <a:t>Plant</a:t>
+            </a:r>
+          </a:p>
+        </p:txBody>
+      </p:sp>
+      <mc:AlternateContent xmlns:mc="http://schemas.openxmlformats.org/markup-compatibility/2006">
+        <mc:Choice xmlns:a14="http://schemas.microsoft.com/office/drawing/2010/main" Requires="a14">
+          <p:sp>
+            <p:nvSpPr>
+              <p:cNvPr id="28" name="Rectangle 27">
+                <a:extLst>
+                  <a:ext uri="{FF2B5EF4-FFF2-40B4-BE49-F238E27FC236}">
+                    <a16:creationId xmlns:a16="http://schemas.microsoft.com/office/drawing/2014/main" id="{769F75B1-58AB-43B4-8C02-C96C12F4877E}"/>
+                  </a:ext>
+                </a:extLst>
+              </p:cNvPr>
+              <p:cNvSpPr/>
+              <p:nvPr/>
+            </p:nvSpPr>
+            <p:spPr>
+              <a:xfrm>
+                <a:off x="5266257" y="1686652"/>
+                <a:ext cx="1776779" cy="914400"/>
+              </a:xfrm>
+              <a:prstGeom prst="rect">
+                <a:avLst/>
+              </a:prstGeom>
+              <a:ln w="28575">
+                <a:solidFill>
+                  <a:schemeClr val="tx1"/>
+                </a:solidFill>
+              </a:ln>
+            </p:spPr>
+            <p:style>
+              <a:lnRef idx="2">
+                <a:schemeClr val="dk1"/>
+              </a:lnRef>
+              <a:fillRef idx="1">
+                <a:schemeClr val="lt1"/>
+              </a:fillRef>
+              <a:effectRef idx="0">
+                <a:schemeClr val="dk1"/>
+              </a:effectRef>
+              <a:fontRef idx="minor">
+                <a:schemeClr val="dk1"/>
+              </a:fontRef>
+            </p:style>
+            <p:txBody>
+              <a:bodyPr rtlCol="0" anchor="ctr"/>
+              <a:lstStyle/>
+              <a:p>
+                <a:pPr algn="ctr"/>
+                <a14:m>
+                  <m:oMathPara xmlns:m="http://schemas.openxmlformats.org/officeDocument/2006/math">
+                    <m:oMathParaPr>
+                      <m:jc m:val="centerGroup"/>
+                    </m:oMathParaPr>
+                    <m:oMath xmlns:m="http://schemas.openxmlformats.org/officeDocument/2006/math">
+                      <m:sSup>
+                        <m:sSupPr>
+                          <m:ctrlPr>
+                            <a:rPr lang="en-GB" i="1" dirty="0" smtClean="0">
+                              <a:latin typeface="Cambria Math" panose="02040503050406030204" pitchFamily="18" charset="0"/>
+                            </a:rPr>
+                          </m:ctrlPr>
+                        </m:sSupPr>
+                        <m:e>
+                          <m:r>
+                            <a:rPr lang="en-GB" i="1" dirty="0">
+                              <a:latin typeface="Cambria Math" panose="02040503050406030204" pitchFamily="18" charset="0"/>
+                            </a:rPr>
+                            <m:t>𝑚𝑠</m:t>
+                          </m:r>
+                        </m:e>
+                        <m:sup>
+                          <m:r>
+                            <a:rPr lang="en-GB" i="1" dirty="0">
+                              <a:latin typeface="Cambria Math" panose="02040503050406030204" pitchFamily="18" charset="0"/>
+                            </a:rPr>
+                            <m:t>2</m:t>
+                          </m:r>
+                        </m:sup>
+                      </m:sSup>
+                      <m:r>
+                        <a:rPr lang="en-GB" i="1" dirty="0">
+                          <a:latin typeface="Cambria Math" panose="02040503050406030204" pitchFamily="18" charset="0"/>
+                        </a:rPr>
+                        <m:t>+</m:t>
+                      </m:r>
+                      <m:r>
+                        <a:rPr lang="en-GB" i="1" dirty="0">
+                          <a:latin typeface="Cambria Math" panose="02040503050406030204" pitchFamily="18" charset="0"/>
+                        </a:rPr>
+                        <m:t>𝑐𝑠</m:t>
+                      </m:r>
+                      <m:r>
+                        <a:rPr lang="en-GB" i="1" dirty="0">
+                          <a:latin typeface="Cambria Math" panose="02040503050406030204" pitchFamily="18" charset="0"/>
+                        </a:rPr>
+                        <m:t>+</m:t>
+                      </m:r>
+                      <m:r>
+                        <m:rPr>
+                          <m:sty m:val="p"/>
+                        </m:rPr>
+                        <a:rPr lang="en-GB" b="0" i="0" dirty="0" smtClean="0">
+                          <a:latin typeface="Cambria Math" panose="02040503050406030204" pitchFamily="18" charset="0"/>
+                        </a:rPr>
+                        <m:t>k</m:t>
+                      </m:r>
+                    </m:oMath>
+                  </m:oMathPara>
+                </a14:m>
+                <a:endParaRPr lang="en-GB" dirty="0"/>
+              </a:p>
+            </p:txBody>
+          </p:sp>
+        </mc:Choice>
+        <mc:Fallback>
+          <p:sp>
+            <p:nvSpPr>
+              <p:cNvPr id="28" name="Rectangle 27">
+                <a:extLst>
+                  <a:ext uri="{FF2B5EF4-FFF2-40B4-BE49-F238E27FC236}">
+                    <a16:creationId xmlns:a16="http://schemas.microsoft.com/office/drawing/2014/main" id="{769F75B1-58AB-43B4-8C02-C96C12F4877E}"/>
+                  </a:ext>
+                </a:extLst>
+              </p:cNvPr>
+              <p:cNvSpPr>
+                <a:spLocks noRot="1" noChangeAspect="1" noMove="1" noResize="1" noEditPoints="1" noAdjustHandles="1" noChangeArrowheads="1" noChangeShapeType="1" noTextEdit="1"/>
+              </p:cNvSpPr>
+              <p:nvPr/>
+            </p:nvSpPr>
+            <p:spPr>
+              <a:xfrm>
+                <a:off x="5266257" y="1686652"/>
+                <a:ext cx="1776779" cy="914400"/>
+              </a:xfrm>
+              <a:prstGeom prst="rect">
+                <a:avLst/>
+              </a:prstGeom>
+              <a:blipFill>
+                <a:blip r:embed="rId2"/>
+                <a:stretch>
+                  <a:fillRect/>
+                </a:stretch>
+              </a:blipFill>
+              <a:ln w="28575">
+                <a:solidFill>
+                  <a:schemeClr val="tx1"/>
+                </a:solidFill>
+              </a:ln>
+            </p:spPr>
+            <p:txBody>
+              <a:bodyPr/>
+              <a:lstStyle/>
+              <a:p>
+                <a:r>
+                  <a:rPr lang="en-GB">
+                    <a:noFill/>
+                  </a:rPr>
+                  <a:t> </a:t>
+                </a:r>
+              </a:p>
+            </p:txBody>
+          </p:sp>
+        </mc:Fallback>
+      </mc:AlternateContent>
+      <p:cxnSp>
+        <p:nvCxnSpPr>
+          <p:cNvPr id="30" name="Straight Arrow Connector 29">
+            <a:extLst>
+              <a:ext uri="{FF2B5EF4-FFF2-40B4-BE49-F238E27FC236}">
+                <a16:creationId xmlns:a16="http://schemas.microsoft.com/office/drawing/2014/main" id="{7311DE7D-687D-481A-BDA5-5BF4E82D1A09}"/>
+              </a:ext>
+            </a:extLst>
+          </p:cNvPr>
+          <p:cNvCxnSpPr>
+            <a:cxnSpLocks/>
+            <a:endCxn id="28" idx="3"/>
+          </p:cNvCxnSpPr>
+          <p:nvPr/>
+        </p:nvCxnSpPr>
+        <p:spPr>
+          <a:xfrm flipH="1">
+            <a:off x="7043036" y="2143852"/>
+            <a:ext cx="2273244" cy="0"/>
+          </a:xfrm>
+          <a:prstGeom prst="straightConnector1">
+            <a:avLst/>
+          </a:prstGeom>
+          <a:ln>
+            <a:solidFill>
+              <a:schemeClr val="tx1"/>
+            </a:solidFill>
+            <a:tailEnd type="triangle"/>
+          </a:ln>
+        </p:spPr>
+        <p:style>
+          <a:lnRef idx="1">
+            <a:schemeClr val="accent1"/>
+          </a:lnRef>
+          <a:fillRef idx="0">
+            <a:schemeClr val="accent1"/>
+          </a:fillRef>
+          <a:effectRef idx="0">
+            <a:schemeClr val="accent1"/>
+          </a:effectRef>
+          <a:fontRef idx="minor">
+            <a:schemeClr val="tx1"/>
+          </a:fontRef>
+        </p:style>
+      </p:cxnSp>
+      <p:sp>
+        <p:nvSpPr>
+          <p:cNvPr id="32" name="TextBox 31">
+            <a:extLst>
+              <a:ext uri="{FF2B5EF4-FFF2-40B4-BE49-F238E27FC236}">
+                <a16:creationId xmlns:a16="http://schemas.microsoft.com/office/drawing/2014/main" id="{DDD782F4-8EBC-457E-8BC0-9721A1892FCF}"/>
+              </a:ext>
+            </a:extLst>
+          </p:cNvPr>
+          <p:cNvSpPr txBox="1"/>
+          <p:nvPr/>
+        </p:nvSpPr>
+        <p:spPr>
+          <a:xfrm>
+            <a:off x="7639496" y="1774520"/>
+            <a:ext cx="492379" cy="369332"/>
+          </a:xfrm>
+          <a:prstGeom prst="rect">
+            <a:avLst/>
+          </a:prstGeom>
+          <a:noFill/>
+          <a:ln>
+            <a:noFill/>
+          </a:ln>
+        </p:spPr>
+        <p:txBody>
+          <a:bodyPr wrap="none" rtlCol="0">
+            <a:spAutoFit/>
+          </a:bodyPr>
+          <a:lstStyle/>
+          <a:p>
+            <a:r>
+              <a:rPr lang="en-GB" dirty="0"/>
+              <a:t>P</a:t>
+            </a:r>
+            <a:r>
+              <a:rPr lang="en-GB" baseline="-25000" dirty="0"/>
+              <a:t>ext</a:t>
+            </a:r>
+          </a:p>
+        </p:txBody>
+      </p:sp>
+      <p:cxnSp>
+        <p:nvCxnSpPr>
+          <p:cNvPr id="34" name="Connector: Elbow 33">
+            <a:extLst>
+              <a:ext uri="{FF2B5EF4-FFF2-40B4-BE49-F238E27FC236}">
+                <a16:creationId xmlns:a16="http://schemas.microsoft.com/office/drawing/2014/main" id="{97B83089-38C8-4833-966B-A5A85E6F8FC4}"/>
+              </a:ext>
+            </a:extLst>
+          </p:cNvPr>
+          <p:cNvCxnSpPr/>
+          <p:nvPr/>
+        </p:nvCxnSpPr>
+        <p:spPr>
+          <a:xfrm rot="5400000" flipH="1" flipV="1">
+            <a:off x="8348110" y="2580400"/>
+            <a:ext cx="1404716" cy="531620"/>
+          </a:xfrm>
+          <a:prstGeom prst="bentConnector3">
+            <a:avLst>
+              <a:gd name="adj1" fmla="val 5660"/>
+            </a:avLst>
+          </a:prstGeom>
+          <a:ln>
+            <a:solidFill>
+              <a:schemeClr val="tx1"/>
+            </a:solidFill>
+          </a:ln>
+        </p:spPr>
+        <p:style>
+          <a:lnRef idx="1">
+            <a:schemeClr val="accent1"/>
+          </a:lnRef>
+          <a:fillRef idx="0">
+            <a:schemeClr val="accent1"/>
+          </a:fillRef>
+          <a:effectRef idx="0">
+            <a:schemeClr val="accent1"/>
+          </a:effectRef>
+          <a:fontRef idx="minor">
+            <a:schemeClr val="tx1"/>
+          </a:fontRef>
+        </p:style>
+      </p:cxnSp>
+      <p:cxnSp>
+        <p:nvCxnSpPr>
+          <p:cNvPr id="38" name="Straight Arrow Connector 37">
+            <a:extLst>
+              <a:ext uri="{FF2B5EF4-FFF2-40B4-BE49-F238E27FC236}">
+                <a16:creationId xmlns:a16="http://schemas.microsoft.com/office/drawing/2014/main" id="{42951A53-C17F-40A7-AEB2-E771101FBD44}"/>
+              </a:ext>
+            </a:extLst>
+          </p:cNvPr>
+          <p:cNvCxnSpPr>
+            <a:cxnSpLocks/>
+          </p:cNvCxnSpPr>
+          <p:nvPr/>
+        </p:nvCxnSpPr>
+        <p:spPr>
+          <a:xfrm>
+            <a:off x="4472941" y="2358887"/>
+            <a:ext cx="0" cy="1098778"/>
+          </a:xfrm>
+          <a:prstGeom prst="straightConnector1">
+            <a:avLst/>
+          </a:prstGeom>
+          <a:ln>
+            <a:solidFill>
+              <a:schemeClr val="tx1"/>
+            </a:solidFill>
+            <a:tailEnd type="triangle"/>
+          </a:ln>
+        </p:spPr>
+        <p:style>
+          <a:lnRef idx="1">
+            <a:schemeClr val="accent1"/>
+          </a:lnRef>
+          <a:fillRef idx="0">
+            <a:schemeClr val="accent1"/>
+          </a:fillRef>
+          <a:effectRef idx="0">
+            <a:schemeClr val="accent1"/>
+          </a:effectRef>
+          <a:fontRef idx="minor">
+            <a:schemeClr val="tx1"/>
+          </a:fontRef>
+        </p:style>
+      </p:cxnSp>
+      <p:cxnSp>
+        <p:nvCxnSpPr>
+          <p:cNvPr id="41" name="Connector: Elbow 40">
+            <a:extLst>
+              <a:ext uri="{FF2B5EF4-FFF2-40B4-BE49-F238E27FC236}">
+                <a16:creationId xmlns:a16="http://schemas.microsoft.com/office/drawing/2014/main" id="{03420312-5FC5-4732-94A0-013DB98448BE}"/>
+              </a:ext>
+            </a:extLst>
+          </p:cNvPr>
+          <p:cNvCxnSpPr>
+            <a:stCxn id="28" idx="1"/>
+          </p:cNvCxnSpPr>
+          <p:nvPr/>
+        </p:nvCxnSpPr>
+        <p:spPr>
+          <a:xfrm rot="10800000" flipV="1">
+            <a:off x="4472169" y="2143851"/>
+            <a:ext cx="794089" cy="215035"/>
+          </a:xfrm>
+          <a:prstGeom prst="bentConnector3">
+            <a:avLst>
+              <a:gd name="adj1" fmla="val 98397"/>
+            </a:avLst>
+          </a:prstGeom>
+          <a:ln>
+            <a:solidFill>
+              <a:schemeClr val="tx1"/>
+            </a:solidFill>
+          </a:ln>
+        </p:spPr>
+        <p:style>
+          <a:lnRef idx="1">
+            <a:schemeClr val="accent1"/>
+          </a:lnRef>
+          <a:fillRef idx="0">
+            <a:schemeClr val="accent1"/>
+          </a:fillRef>
+          <a:effectRef idx="0">
+            <a:schemeClr val="accent1"/>
+          </a:effectRef>
+          <a:fontRef idx="minor">
+            <a:schemeClr val="tx1"/>
+          </a:fontRef>
+        </p:style>
+      </p:cxnSp>
+      <p:sp>
+        <p:nvSpPr>
+          <p:cNvPr id="43" name="TextBox 42">
+            <a:extLst>
+              <a:ext uri="{FF2B5EF4-FFF2-40B4-BE49-F238E27FC236}">
+                <a16:creationId xmlns:a16="http://schemas.microsoft.com/office/drawing/2014/main" id="{28CA8CA2-462B-4B62-96C3-62B5F3B58994}"/>
+              </a:ext>
+            </a:extLst>
+          </p:cNvPr>
+          <p:cNvSpPr txBox="1"/>
+          <p:nvPr/>
+        </p:nvSpPr>
+        <p:spPr>
+          <a:xfrm>
+            <a:off x="5273577" y="1332424"/>
+            <a:ext cx="1730667" cy="369332"/>
+          </a:xfrm>
+          <a:prstGeom prst="rect">
+            <a:avLst/>
+          </a:prstGeom>
+          <a:noFill/>
+        </p:spPr>
+        <p:txBody>
+          <a:bodyPr wrap="none" rtlCol="0">
+            <a:spAutoFit/>
+          </a:bodyPr>
+          <a:lstStyle/>
+          <a:p>
+            <a:r>
+              <a:rPr lang="en-GB" dirty="0"/>
+              <a:t>Impedance filter</a:t>
+            </a:r>
+          </a:p>
+        </p:txBody>
+      </p:sp>
+      <p:cxnSp>
+        <p:nvCxnSpPr>
+          <p:cNvPr id="45" name="Straight Arrow Connector 44">
+            <a:extLst>
+              <a:ext uri="{FF2B5EF4-FFF2-40B4-BE49-F238E27FC236}">
+                <a16:creationId xmlns:a16="http://schemas.microsoft.com/office/drawing/2014/main" id="{B89021DF-5DAD-4B21-9E98-3288E0EFE358}"/>
+              </a:ext>
+            </a:extLst>
+          </p:cNvPr>
+          <p:cNvCxnSpPr>
+            <a:stCxn id="25" idx="3"/>
+          </p:cNvCxnSpPr>
+          <p:nvPr/>
+        </p:nvCxnSpPr>
+        <p:spPr>
+          <a:xfrm>
+            <a:off x="8784658" y="3734664"/>
+            <a:ext cx="1247238" cy="0"/>
+          </a:xfrm>
+          <a:prstGeom prst="straightConnector1">
+            <a:avLst/>
+          </a:prstGeom>
+          <a:ln>
+            <a:solidFill>
+              <a:schemeClr val="tx1"/>
+            </a:solidFill>
+            <a:tailEnd type="triangle"/>
+          </a:ln>
+        </p:spPr>
+        <p:style>
+          <a:lnRef idx="1">
+            <a:schemeClr val="accent1"/>
+          </a:lnRef>
+          <a:fillRef idx="0">
+            <a:schemeClr val="accent1"/>
+          </a:fillRef>
+          <a:effectRef idx="0">
+            <a:schemeClr val="accent1"/>
+          </a:effectRef>
+          <a:fontRef idx="minor">
+            <a:schemeClr val="tx1"/>
+          </a:fontRef>
+        </p:style>
+      </p:cxnSp>
+      <p:sp>
+        <p:nvSpPr>
+          <p:cNvPr id="46" name="TextBox 45">
+            <a:extLst>
+              <a:ext uri="{FF2B5EF4-FFF2-40B4-BE49-F238E27FC236}">
+                <a16:creationId xmlns:a16="http://schemas.microsoft.com/office/drawing/2014/main" id="{C1077C81-17EC-471D-8EE6-004678B2073D}"/>
+              </a:ext>
+            </a:extLst>
+          </p:cNvPr>
+          <p:cNvSpPr txBox="1"/>
+          <p:nvPr/>
+        </p:nvSpPr>
+        <p:spPr>
+          <a:xfrm>
+            <a:off x="6171671" y="4599107"/>
+            <a:ext cx="1345112" cy="369332"/>
+          </a:xfrm>
+          <a:prstGeom prst="rect">
+            <a:avLst/>
+          </a:prstGeom>
+          <a:noFill/>
+        </p:spPr>
+        <p:txBody>
+          <a:bodyPr wrap="none" rtlCol="0">
+            <a:spAutoFit/>
+          </a:bodyPr>
+          <a:lstStyle/>
+          <a:p>
+            <a:r>
+              <a:rPr lang="en-GB" dirty="0"/>
+              <a:t>Actual Force</a:t>
+            </a:r>
+          </a:p>
+        </p:txBody>
+      </p:sp>
+      <p:cxnSp>
+        <p:nvCxnSpPr>
+          <p:cNvPr id="48" name="Connector: Elbow 47">
+            <a:extLst>
+              <a:ext uri="{FF2B5EF4-FFF2-40B4-BE49-F238E27FC236}">
+                <a16:creationId xmlns:a16="http://schemas.microsoft.com/office/drawing/2014/main" id="{39DD791D-D3ED-4A09-860C-8FFA88C33337}"/>
+              </a:ext>
+            </a:extLst>
+          </p:cNvPr>
+          <p:cNvCxnSpPr>
+            <a:cxnSpLocks/>
+          </p:cNvCxnSpPr>
+          <p:nvPr/>
+        </p:nvCxnSpPr>
+        <p:spPr>
+          <a:xfrm rot="10800000" flipV="1">
+            <a:off x="4472168" y="3734661"/>
+            <a:ext cx="4844114" cy="1165045"/>
+          </a:xfrm>
+          <a:prstGeom prst="bentConnector3">
+            <a:avLst>
+              <a:gd name="adj1" fmla="val 210"/>
+            </a:avLst>
+          </a:prstGeom>
+          <a:ln>
+            <a:solidFill>
+              <a:schemeClr val="tx1"/>
+            </a:solidFill>
+          </a:ln>
+        </p:spPr>
+        <p:style>
+          <a:lnRef idx="1">
+            <a:schemeClr val="accent1"/>
+          </a:lnRef>
+          <a:fillRef idx="0">
+            <a:schemeClr val="accent1"/>
+          </a:fillRef>
+          <a:effectRef idx="0">
+            <a:schemeClr val="accent1"/>
+          </a:effectRef>
+          <a:fontRef idx="minor">
+            <a:schemeClr val="tx1"/>
+          </a:fontRef>
+        </p:style>
+      </p:cxnSp>
+      <p:cxnSp>
+        <p:nvCxnSpPr>
+          <p:cNvPr id="52" name="Straight Arrow Connector 51">
+            <a:extLst>
+              <a:ext uri="{FF2B5EF4-FFF2-40B4-BE49-F238E27FC236}">
+                <a16:creationId xmlns:a16="http://schemas.microsoft.com/office/drawing/2014/main" id="{429D0E40-6DE7-4726-A352-102088660B06}"/>
+              </a:ext>
+            </a:extLst>
+          </p:cNvPr>
+          <p:cNvCxnSpPr>
+            <a:cxnSpLocks/>
+            <a:endCxn id="6" idx="4"/>
+          </p:cNvCxnSpPr>
+          <p:nvPr/>
+        </p:nvCxnSpPr>
+        <p:spPr>
+          <a:xfrm flipV="1">
+            <a:off x="4472169" y="4057582"/>
+            <a:ext cx="0" cy="842125"/>
+          </a:xfrm>
+          <a:prstGeom prst="straightConnector1">
+            <a:avLst/>
+          </a:prstGeom>
+          <a:ln>
+            <a:solidFill>
+              <a:schemeClr val="tx1"/>
+            </a:solidFill>
+            <a:tailEnd type="triangle"/>
+          </a:ln>
+        </p:spPr>
+        <p:style>
+          <a:lnRef idx="1">
+            <a:schemeClr val="accent1"/>
+          </a:lnRef>
+          <a:fillRef idx="0">
+            <a:schemeClr val="accent1"/>
+          </a:fillRef>
+          <a:effectRef idx="0">
+            <a:schemeClr val="accent1"/>
+          </a:effectRef>
+          <a:fontRef idx="minor">
+            <a:schemeClr val="tx1"/>
+          </a:fontRef>
+        </p:style>
+      </p:cxnSp>
+      <p:sp>
+        <p:nvSpPr>
+          <p:cNvPr id="57" name="TextBox 56">
+            <a:extLst>
+              <a:ext uri="{FF2B5EF4-FFF2-40B4-BE49-F238E27FC236}">
+                <a16:creationId xmlns:a16="http://schemas.microsoft.com/office/drawing/2014/main" id="{9971061F-C17A-422C-A3DF-95B4AD6286BB}"/>
+              </a:ext>
+            </a:extLst>
+          </p:cNvPr>
+          <p:cNvSpPr txBox="1"/>
+          <p:nvPr/>
+        </p:nvSpPr>
+        <p:spPr>
+          <a:xfrm>
+            <a:off x="3579566" y="2123447"/>
+            <a:ext cx="981359" cy="646331"/>
+          </a:xfrm>
+          <a:prstGeom prst="rect">
+            <a:avLst/>
+          </a:prstGeom>
+          <a:noFill/>
+        </p:spPr>
+        <p:txBody>
+          <a:bodyPr wrap="none" rtlCol="0">
+            <a:spAutoFit/>
+          </a:bodyPr>
+          <a:lstStyle/>
+          <a:p>
+            <a:r>
+              <a:rPr lang="en-GB" dirty="0"/>
+              <a:t>Force</a:t>
+            </a:r>
+          </a:p>
+          <a:p>
+            <a:r>
+              <a:rPr lang="en-GB" dirty="0"/>
+              <a:t>Demand</a:t>
+            </a:r>
+          </a:p>
+        </p:txBody>
+      </p:sp>
+    </p:spTree>
+    <p:extLst>
+      <p:ext uri="{BB962C8B-B14F-4D97-AF65-F5344CB8AC3E}">
+        <p14:creationId xmlns:p14="http://schemas.microsoft.com/office/powerpoint/2010/main" val="3376178807"/>
       </p:ext>
     </p:extLst>
   </p:cSld>
@@ -14937,12 +18867,47 @@
           </p:txBody>
         </p:sp>
       </p:grpSp>
+      <p:sp>
+        <p:nvSpPr>
+          <p:cNvPr id="70" name="TextBox 69">
+            <a:extLst>
+              <a:ext uri="{FF2B5EF4-FFF2-40B4-BE49-F238E27FC236}">
+                <a16:creationId xmlns:a16="http://schemas.microsoft.com/office/drawing/2014/main" id="{23DF510A-08FB-4301-B76E-F82BE50217DB}"/>
+              </a:ext>
+            </a:extLst>
+          </p:cNvPr>
+          <p:cNvSpPr txBox="1"/>
+          <p:nvPr/>
+        </p:nvSpPr>
+        <p:spPr>
+          <a:xfrm>
+            <a:off x="5858713" y="1896541"/>
+            <a:ext cx="465192" cy="769441"/>
+          </a:xfrm>
+          <a:prstGeom prst="rect">
+            <a:avLst/>
+          </a:prstGeom>
+          <a:noFill/>
+        </p:spPr>
+        <p:txBody>
+          <a:bodyPr wrap="none" rtlCol="0">
+            <a:spAutoFit/>
+          </a:bodyPr>
+          <a:lstStyle/>
+          <a:p>
+            <a:r>
+              <a:rPr lang="en-GB" sz="4400" dirty="0"/>
+              <a:t>=</a:t>
+            </a:r>
+          </a:p>
+        </p:txBody>
+      </p:sp>
       <p:grpSp>
         <p:nvGrpSpPr>
-          <p:cNvPr id="66" name="Group 65">
-            <a:extLst>
-              <a:ext uri="{FF2B5EF4-FFF2-40B4-BE49-F238E27FC236}">
-                <a16:creationId xmlns:a16="http://schemas.microsoft.com/office/drawing/2014/main" id="{1ED9BDB9-453A-4998-88F8-9748B4DCB113}"/>
+          <p:cNvPr id="3" name="Group 2">
+            <a:extLst>
+              <a:ext uri="{FF2B5EF4-FFF2-40B4-BE49-F238E27FC236}">
+                <a16:creationId xmlns:a16="http://schemas.microsoft.com/office/drawing/2014/main" id="{C2F6688C-021F-4834-A894-BE9098595E14}"/>
               </a:ext>
             </a:extLst>
           </p:cNvPr>
@@ -14951,10 +18916,10 @@
         </p:nvGrpSpPr>
         <p:grpSpPr>
           <a:xfrm>
-            <a:off x="3079391" y="2825411"/>
-            <a:ext cx="6023835" cy="2753708"/>
-            <a:chOff x="1666985" y="2729949"/>
-            <a:chExt cx="6023835" cy="2753708"/>
+            <a:off x="3079391" y="2708094"/>
+            <a:ext cx="6023835" cy="2871025"/>
+            <a:chOff x="3079391" y="2708094"/>
+            <a:chExt cx="6023835" cy="2871025"/>
           </a:xfrm>
         </p:grpSpPr>
         <p:cxnSp>
@@ -14974,7 +18939,7 @@
           </p:nvCxnSpPr>
           <p:spPr>
             <a:xfrm>
-              <a:off x="1669774" y="4054025"/>
+              <a:off x="3082180" y="4149487"/>
               <a:ext cx="2102541" cy="0"/>
             </a:xfrm>
             <a:prstGeom prst="straightConnector1">
@@ -15013,7 +18978,7 @@
           </p:nvSpPr>
           <p:spPr>
             <a:xfrm>
-              <a:off x="1666985" y="3695139"/>
+              <a:off x="3079391" y="3790601"/>
               <a:ext cx="827021" cy="369332"/>
             </a:xfrm>
             <a:prstGeom prst="rect">
@@ -15066,7 +19031,7 @@
           </p:nvCxnSpPr>
           <p:spPr>
             <a:xfrm>
-              <a:off x="6908941" y="4052951"/>
+              <a:off x="8321347" y="4148413"/>
               <a:ext cx="781879" cy="0"/>
             </a:xfrm>
             <a:prstGeom prst="straightConnector1">
@@ -15105,7 +19070,7 @@
           </p:nvSpPr>
           <p:spPr>
             <a:xfrm>
-              <a:off x="6985855" y="3705585"/>
+              <a:off x="8398261" y="3801047"/>
               <a:ext cx="643125" cy="369332"/>
             </a:xfrm>
             <a:prstGeom prst="rect">
@@ -15152,7 +19117,7 @@
           </p:nvSpPr>
           <p:spPr>
             <a:xfrm>
-              <a:off x="4785625" y="2729949"/>
+              <a:off x="6198031" y="2825411"/>
               <a:ext cx="619675" cy="490329"/>
             </a:xfrm>
             <a:prstGeom prst="rect">
@@ -15199,7 +19164,7 @@
           </p:nvSpPr>
           <p:spPr>
             <a:xfrm>
-              <a:off x="4785624" y="3810001"/>
+              <a:off x="6198030" y="3905463"/>
               <a:ext cx="619675" cy="490329"/>
             </a:xfrm>
             <a:prstGeom prst="rect">
@@ -15246,7 +19211,7 @@
           </p:nvSpPr>
           <p:spPr>
             <a:xfrm>
-              <a:off x="4785624" y="4890054"/>
+              <a:off x="6198030" y="4985516"/>
               <a:ext cx="619675" cy="490329"/>
             </a:xfrm>
             <a:prstGeom prst="rect">
@@ -15279,8 +19244,8 @@
             </a:p>
           </p:txBody>
         </p:sp>
-        <mc:AlternateContent xmlns:mc="http://schemas.openxmlformats.org/markup-compatibility/2006" xmlns:a14="http://schemas.microsoft.com/office/drawing/2010/main">
-          <mc:Choice Requires="a14">
+        <mc:AlternateContent xmlns:mc="http://schemas.openxmlformats.org/markup-compatibility/2006">
+          <mc:Choice xmlns:a14="http://schemas.microsoft.com/office/drawing/2010/main" Requires="a14">
             <p:sp>
               <p:nvSpPr>
                 <p:cNvPr id="44" name="Rectangle 43">
@@ -15295,7 +19260,7 @@
               </p:nvSpPr>
               <p:spPr>
                 <a:xfrm>
-                  <a:off x="3772315" y="3705585"/>
+                  <a:off x="5184721" y="3801047"/>
                   <a:ext cx="619675" cy="696879"/>
                 </a:xfrm>
                 <a:prstGeom prst="rect">
@@ -15360,7 +19325,7 @@
               </p:txBody>
             </p:sp>
           </mc:Choice>
-          <mc:Fallback xmlns="">
+          <mc:Fallback>
             <p:sp>
               <p:nvSpPr>
                 <p:cNvPr id="44" name="Rectangle 43">
@@ -15377,7 +19342,7 @@
               </p:nvSpPr>
               <p:spPr>
                 <a:xfrm>
-                  <a:off x="3772315" y="3705585"/>
+                  <a:off x="5184721" y="3801047"/>
                   <a:ext cx="619675" cy="696879"/>
                 </a:xfrm>
                 <a:prstGeom prst="rect">
@@ -15405,8 +19370,8 @@
             </p:sp>
           </mc:Fallback>
         </mc:AlternateContent>
-        <mc:AlternateContent xmlns:mc="http://schemas.openxmlformats.org/markup-compatibility/2006" xmlns:a14="http://schemas.microsoft.com/office/drawing/2010/main">
-          <mc:Choice Requires="a14">
+        <mc:AlternateContent xmlns:mc="http://schemas.openxmlformats.org/markup-compatibility/2006">
+          <mc:Choice xmlns:a14="http://schemas.microsoft.com/office/drawing/2010/main" Requires="a14">
             <p:sp>
               <p:nvSpPr>
                 <p:cNvPr id="46" name="Rectangle 45">
@@ -15421,7 +19386,7 @@
               </p:nvSpPr>
               <p:spPr>
                 <a:xfrm>
-                  <a:off x="3772315" y="4786778"/>
+                  <a:off x="5184721" y="4882240"/>
                   <a:ext cx="619675" cy="696879"/>
                 </a:xfrm>
                 <a:prstGeom prst="rect">
@@ -15467,7 +19432,7 @@
               </p:txBody>
             </p:sp>
           </mc:Choice>
-          <mc:Fallback xmlns="">
+          <mc:Fallback>
             <p:sp>
               <p:nvSpPr>
                 <p:cNvPr id="46" name="Rectangle 45">
@@ -15484,7 +19449,7 @@
               </p:nvSpPr>
               <p:spPr>
                 <a:xfrm>
-                  <a:off x="3772315" y="4786778"/>
+                  <a:off x="5184721" y="4882240"/>
                   <a:ext cx="619675" cy="696879"/>
                 </a:xfrm>
                 <a:prstGeom prst="rect">
@@ -15529,7 +19494,7 @@
           </p:nvCxnSpPr>
           <p:spPr>
             <a:xfrm>
-              <a:off x="4391990" y="4054025"/>
+              <a:off x="5804396" y="4149487"/>
               <a:ext cx="393634" cy="1141"/>
             </a:xfrm>
             <a:prstGeom prst="straightConnector1">
@@ -15570,7 +19535,7 @@
           </p:nvCxnSpPr>
           <p:spPr>
             <a:xfrm>
-              <a:off x="3061252" y="5135217"/>
+              <a:off x="4473658" y="5230679"/>
               <a:ext cx="711063" cy="1"/>
             </a:xfrm>
             <a:prstGeom prst="straightConnector1">
@@ -15612,7 +19577,7 @@
           </p:nvCxnSpPr>
           <p:spPr>
             <a:xfrm>
-              <a:off x="3061252" y="2972833"/>
+              <a:off x="4473658" y="3068295"/>
               <a:ext cx="1724373" cy="2281"/>
             </a:xfrm>
             <a:prstGeom prst="straightConnector1">
@@ -15653,7 +19618,7 @@
           </p:nvCxnSpPr>
           <p:spPr>
             <a:xfrm flipV="1">
-              <a:off x="3061252" y="2975113"/>
+              <a:off x="4473658" y="3070575"/>
               <a:ext cx="0" cy="2149660"/>
             </a:xfrm>
             <a:prstGeom prst="line">
@@ -15692,7 +19657,7 @@
           </p:nvCxnSpPr>
           <p:spPr>
             <a:xfrm>
-              <a:off x="4391990" y="5135218"/>
+              <a:off x="5804396" y="5230680"/>
               <a:ext cx="393634" cy="1"/>
             </a:xfrm>
             <a:prstGeom prst="straightConnector1">
@@ -15731,7 +19696,7 @@
           </p:nvSpPr>
           <p:spPr>
             <a:xfrm>
-              <a:off x="6366180" y="3751769"/>
+              <a:off x="7778586" y="3847231"/>
               <a:ext cx="569843" cy="596347"/>
             </a:xfrm>
             <a:prstGeom prst="ellipse">
@@ -15778,7 +19743,7 @@
           </p:nvCxnSpPr>
           <p:spPr>
             <a:xfrm>
-              <a:off x="6449632" y="3839102"/>
+              <a:off x="7862038" y="3934564"/>
               <a:ext cx="402939" cy="421681"/>
             </a:xfrm>
             <a:prstGeom prst="line">
@@ -15817,7 +19782,7 @@
           </p:nvCxnSpPr>
           <p:spPr>
             <a:xfrm flipV="1">
-              <a:off x="6449632" y="3839102"/>
+              <a:off x="7862038" y="3934564"/>
               <a:ext cx="402939" cy="421681"/>
             </a:xfrm>
             <a:prstGeom prst="line">
@@ -15856,7 +19821,7 @@
           </p:nvCxnSpPr>
           <p:spPr>
             <a:xfrm flipV="1">
-              <a:off x="5405299" y="4049943"/>
+              <a:off x="6817705" y="4145405"/>
               <a:ext cx="960881" cy="5223"/>
             </a:xfrm>
             <a:prstGeom prst="straightConnector1">
@@ -15897,7 +19862,7 @@
           </p:nvCxnSpPr>
           <p:spPr>
             <a:xfrm>
-              <a:off x="5405299" y="2972833"/>
+              <a:off x="6817705" y="3068295"/>
               <a:ext cx="1245803" cy="778936"/>
             </a:xfrm>
             <a:prstGeom prst="bentConnector2">
@@ -15938,7 +19903,7 @@
           </p:nvCxnSpPr>
           <p:spPr>
             <a:xfrm flipV="1">
-              <a:off x="6651101" y="4348116"/>
+              <a:off x="8063507" y="4443578"/>
               <a:ext cx="1" cy="776657"/>
             </a:xfrm>
             <a:prstGeom prst="straightConnector1">
@@ -15979,7 +19944,7 @@
           </p:nvCxnSpPr>
           <p:spPr>
             <a:xfrm flipV="1">
-              <a:off x="5405299" y="5135217"/>
+              <a:off x="6817705" y="5230679"/>
               <a:ext cx="1245802" cy="2"/>
             </a:xfrm>
             <a:prstGeom prst="line">
@@ -16015,7 +19980,7 @@
           </p:nvSpPr>
           <p:spPr>
             <a:xfrm>
-              <a:off x="6510816" y="3705355"/>
+              <a:off x="7923222" y="3800817"/>
               <a:ext cx="300082" cy="369332"/>
             </a:xfrm>
             <a:prstGeom prst="rect">
@@ -16050,7 +20015,7 @@
           </p:nvSpPr>
           <p:spPr>
             <a:xfrm>
-              <a:off x="6322124" y="3865276"/>
+              <a:off x="7734530" y="3960738"/>
               <a:ext cx="300082" cy="369332"/>
             </a:xfrm>
             <a:prstGeom prst="rect">
@@ -16085,7 +20050,7 @@
           </p:nvSpPr>
           <p:spPr>
             <a:xfrm>
-              <a:off x="6506737" y="4025198"/>
+              <a:off x="7919143" y="4120660"/>
               <a:ext cx="300082" cy="369332"/>
             </a:xfrm>
             <a:prstGeom prst="rect">
@@ -16106,165 +20071,130 @@
             </a:p>
           </p:txBody>
         </p:sp>
+        <p:sp>
+          <p:nvSpPr>
+            <p:cNvPr id="2" name="TextBox 1">
+              <a:extLst>
+                <a:ext uri="{FF2B5EF4-FFF2-40B4-BE49-F238E27FC236}">
+                  <a16:creationId xmlns:a16="http://schemas.microsoft.com/office/drawing/2014/main" id="{A1727C0E-CFF5-4F88-9009-7C392E5B6E9F}"/>
+                </a:ext>
+              </a:extLst>
+            </p:cNvPr>
+            <p:cNvSpPr txBox="1"/>
+            <p:nvPr/>
+          </p:nvSpPr>
+          <p:spPr>
+            <a:xfrm>
+              <a:off x="6832096" y="2708094"/>
+              <a:ext cx="1362361" cy="369332"/>
+            </a:xfrm>
+            <a:prstGeom prst="rect">
+              <a:avLst/>
+            </a:prstGeom>
+            <a:noFill/>
+          </p:spPr>
+          <p:txBody>
+            <a:bodyPr wrap="none" rtlCol="0">
+              <a:spAutoFit/>
+            </a:bodyPr>
+            <a:lstStyle/>
+            <a:p>
+              <a:r>
+                <a:rPr lang="en-GB" i="1" dirty="0">
+                  <a:solidFill>
+                    <a:schemeClr val="accent6">
+                      <a:lumMod val="75000"/>
+                    </a:schemeClr>
+                  </a:solidFill>
+                </a:rPr>
+                <a:t>Proportional</a:t>
+              </a:r>
+            </a:p>
+          </p:txBody>
+        </p:sp>
+        <p:sp>
+          <p:nvSpPr>
+            <p:cNvPr id="35" name="TextBox 34">
+              <a:extLst>
+                <a:ext uri="{FF2B5EF4-FFF2-40B4-BE49-F238E27FC236}">
+                  <a16:creationId xmlns:a16="http://schemas.microsoft.com/office/drawing/2014/main" id="{728D9B4C-4A26-479D-A49D-F10B1B94089E}"/>
+                </a:ext>
+              </a:extLst>
+            </p:cNvPr>
+            <p:cNvSpPr txBox="1"/>
+            <p:nvPr/>
+          </p:nvSpPr>
+          <p:spPr>
+            <a:xfrm>
+              <a:off x="6815804" y="3811265"/>
+              <a:ext cx="912494" cy="369332"/>
+            </a:xfrm>
+            <a:prstGeom prst="rect">
+              <a:avLst/>
+            </a:prstGeom>
+            <a:noFill/>
+          </p:spPr>
+          <p:txBody>
+            <a:bodyPr wrap="none" rtlCol="0">
+              <a:spAutoFit/>
+            </a:bodyPr>
+            <a:lstStyle/>
+            <a:p>
+              <a:r>
+                <a:rPr lang="en-GB" i="1" dirty="0">
+                  <a:solidFill>
+                    <a:schemeClr val="accent6">
+                      <a:lumMod val="75000"/>
+                    </a:schemeClr>
+                  </a:solidFill>
+                </a:rPr>
+                <a:t>Integral</a:t>
+              </a:r>
+            </a:p>
+          </p:txBody>
+        </p:sp>
+        <p:sp>
+          <p:nvSpPr>
+            <p:cNvPr id="42" name="TextBox 41">
+              <a:extLst>
+                <a:ext uri="{FF2B5EF4-FFF2-40B4-BE49-F238E27FC236}">
+                  <a16:creationId xmlns:a16="http://schemas.microsoft.com/office/drawing/2014/main" id="{3876CBE0-5805-40AA-ADCC-62A24404F2ED}"/>
+                </a:ext>
+              </a:extLst>
+            </p:cNvPr>
+            <p:cNvSpPr txBox="1"/>
+            <p:nvPr/>
+          </p:nvSpPr>
+          <p:spPr>
+            <a:xfrm>
+              <a:off x="6857681" y="4913119"/>
+              <a:ext cx="1133644" cy="369332"/>
+            </a:xfrm>
+            <a:prstGeom prst="rect">
+              <a:avLst/>
+            </a:prstGeom>
+            <a:noFill/>
+          </p:spPr>
+          <p:txBody>
+            <a:bodyPr wrap="none" rtlCol="0">
+              <a:spAutoFit/>
+            </a:bodyPr>
+            <a:lstStyle/>
+            <a:p>
+              <a:r>
+                <a:rPr lang="en-GB" i="1" dirty="0">
+                  <a:solidFill>
+                    <a:schemeClr val="accent6">
+                      <a:lumMod val="75000"/>
+                    </a:schemeClr>
+                  </a:solidFill>
+                </a:rPr>
+                <a:t>Derivative</a:t>
+              </a:r>
+            </a:p>
+          </p:txBody>
+        </p:sp>
       </p:grpSp>
-      <p:sp>
-        <p:nvSpPr>
-          <p:cNvPr id="70" name="TextBox 69">
-            <a:extLst>
-              <a:ext uri="{FF2B5EF4-FFF2-40B4-BE49-F238E27FC236}">
-                <a16:creationId xmlns:a16="http://schemas.microsoft.com/office/drawing/2014/main" id="{23DF510A-08FB-4301-B76E-F82BE50217DB}"/>
-              </a:ext>
-            </a:extLst>
-          </p:cNvPr>
-          <p:cNvSpPr txBox="1"/>
-          <p:nvPr/>
-        </p:nvSpPr>
-        <p:spPr>
-          <a:xfrm>
-            <a:off x="5858713" y="1896541"/>
-            <a:ext cx="465192" cy="769441"/>
-          </a:xfrm>
-          <a:prstGeom prst="rect">
-            <a:avLst/>
-          </a:prstGeom>
-          <a:noFill/>
-        </p:spPr>
-        <p:txBody>
-          <a:bodyPr wrap="none" rtlCol="0">
-            <a:spAutoFit/>
-          </a:bodyPr>
-          <a:lstStyle/>
-          <a:p>
-            <a:r>
-              <a:rPr lang="en-GB" sz="4400" dirty="0"/>
-              <a:t>=</a:t>
-            </a:r>
-          </a:p>
-        </p:txBody>
-      </p:sp>
-      <p:sp>
-        <p:nvSpPr>
-          <p:cNvPr id="2" name="TextBox 1">
-            <a:extLst>
-              <a:ext uri="{FF2B5EF4-FFF2-40B4-BE49-F238E27FC236}">
-                <a16:creationId xmlns:a16="http://schemas.microsoft.com/office/drawing/2014/main" id="{A1727C0E-CFF5-4F88-9009-7C392E5B6E9F}"/>
-              </a:ext>
-            </a:extLst>
-          </p:cNvPr>
-          <p:cNvSpPr txBox="1"/>
-          <p:nvPr/>
-        </p:nvSpPr>
-        <p:spPr>
-          <a:xfrm>
-            <a:off x="6832096" y="2708094"/>
-            <a:ext cx="1362361" cy="369332"/>
-          </a:xfrm>
-          <a:prstGeom prst="rect">
-            <a:avLst/>
-          </a:prstGeom>
-          <a:noFill/>
-        </p:spPr>
-        <p:txBody>
-          <a:bodyPr wrap="none" rtlCol="0">
-            <a:spAutoFit/>
-          </a:bodyPr>
-          <a:lstStyle/>
-          <a:p>
-            <a:r>
-              <a:rPr lang="en-GB" i="1" dirty="0">
-                <a:solidFill>
-                  <a:schemeClr val="accent6">
-                    <a:lumMod val="75000"/>
-                  </a:schemeClr>
-                </a:solidFill>
-              </a:rPr>
-              <a:t>Proportional</a:t>
-            </a:r>
-          </a:p>
-        </p:txBody>
-      </p:sp>
-      <p:sp>
-        <p:nvSpPr>
-          <p:cNvPr id="35" name="TextBox 34">
-            <a:extLst>
-              <a:ext uri="{FF2B5EF4-FFF2-40B4-BE49-F238E27FC236}">
-                <a16:creationId xmlns:a16="http://schemas.microsoft.com/office/drawing/2014/main" id="{728D9B4C-4A26-479D-A49D-F10B1B94089E}"/>
-              </a:ext>
-            </a:extLst>
-          </p:cNvPr>
-          <p:cNvSpPr txBox="1"/>
-          <p:nvPr/>
-        </p:nvSpPr>
-        <p:spPr>
-          <a:xfrm>
-            <a:off x="6815804" y="3811265"/>
-            <a:ext cx="912494" cy="369332"/>
-          </a:xfrm>
-          <a:prstGeom prst="rect">
-            <a:avLst/>
-          </a:prstGeom>
-          <a:noFill/>
-        </p:spPr>
-        <p:txBody>
-          <a:bodyPr wrap="none" rtlCol="0">
-            <a:spAutoFit/>
-          </a:bodyPr>
-          <a:lstStyle/>
-          <a:p>
-            <a:r>
-              <a:rPr lang="en-GB" i="1" dirty="0">
-                <a:solidFill>
-                  <a:schemeClr val="accent6">
-                    <a:lumMod val="75000"/>
-                  </a:schemeClr>
-                </a:solidFill>
-              </a:rPr>
-              <a:t>Integral</a:t>
-            </a:r>
-          </a:p>
-        </p:txBody>
-      </p:sp>
-      <p:sp>
-        <p:nvSpPr>
-          <p:cNvPr id="42" name="TextBox 41">
-            <a:extLst>
-              <a:ext uri="{FF2B5EF4-FFF2-40B4-BE49-F238E27FC236}">
-                <a16:creationId xmlns:a16="http://schemas.microsoft.com/office/drawing/2014/main" id="{3876CBE0-5805-40AA-ADCC-62A24404F2ED}"/>
-              </a:ext>
-            </a:extLst>
-          </p:cNvPr>
-          <p:cNvSpPr txBox="1"/>
-          <p:nvPr/>
-        </p:nvSpPr>
-        <p:spPr>
-          <a:xfrm>
-            <a:off x="6857681" y="4913119"/>
-            <a:ext cx="1133644" cy="369332"/>
-          </a:xfrm>
-          <a:prstGeom prst="rect">
-            <a:avLst/>
-          </a:prstGeom>
-          <a:noFill/>
-        </p:spPr>
-        <p:txBody>
-          <a:bodyPr wrap="none" rtlCol="0">
-            <a:spAutoFit/>
-          </a:bodyPr>
-          <a:lstStyle/>
-          <a:p>
-            <a:r>
-              <a:rPr lang="en-GB" i="1" dirty="0">
-                <a:solidFill>
-                  <a:schemeClr val="accent6">
-                    <a:lumMod val="75000"/>
-                  </a:schemeClr>
-                </a:solidFill>
-              </a:rPr>
-              <a:t>Derivative</a:t>
-            </a:r>
-          </a:p>
-        </p:txBody>
-      </p:sp>
     </p:spTree>
     <p:extLst>
       <p:ext uri="{BB962C8B-B14F-4D97-AF65-F5344CB8AC3E}">

--- a/Modelling/MyPAM Modelling.pptx
+++ b/Modelling/MyPAM Modelling.pptx
@@ -17,6 +17,8 @@
     <p:sldId id="265" r:id="rId11"/>
     <p:sldId id="266" r:id="rId12"/>
     <p:sldId id="267" r:id="rId13"/>
+    <p:sldId id="268" r:id="rId14"/>
+    <p:sldId id="269" r:id="rId15"/>
   </p:sldIdLst>
   <p:sldSz cx="12192000" cy="6858000"/>
   <p:notesSz cx="6858000" cy="9144000"/>
@@ -272,7 +274,7 @@
           <a:p>
             <a:fld id="{4DCC3765-A771-4BBA-8135-6F2E689117A7}" type="datetimeFigureOut">
               <a:rPr lang="en-GB" smtClean="0"/>
-              <a:t>29/11/2018</a:t>
+              <a:t>04/12/2018</a:t>
             </a:fld>
             <a:endParaRPr lang="en-GB"/>
           </a:p>
@@ -472,7 +474,7 @@
           <a:p>
             <a:fld id="{4DCC3765-A771-4BBA-8135-6F2E689117A7}" type="datetimeFigureOut">
               <a:rPr lang="en-GB" smtClean="0"/>
-              <a:t>29/11/2018</a:t>
+              <a:t>04/12/2018</a:t>
             </a:fld>
             <a:endParaRPr lang="en-GB"/>
           </a:p>
@@ -682,7 +684,7 @@
           <a:p>
             <a:fld id="{4DCC3765-A771-4BBA-8135-6F2E689117A7}" type="datetimeFigureOut">
               <a:rPr lang="en-GB" smtClean="0"/>
-              <a:t>29/11/2018</a:t>
+              <a:t>04/12/2018</a:t>
             </a:fld>
             <a:endParaRPr lang="en-GB"/>
           </a:p>
@@ -882,7 +884,7 @@
           <a:p>
             <a:fld id="{4DCC3765-A771-4BBA-8135-6F2E689117A7}" type="datetimeFigureOut">
               <a:rPr lang="en-GB" smtClean="0"/>
-              <a:t>29/11/2018</a:t>
+              <a:t>04/12/2018</a:t>
             </a:fld>
             <a:endParaRPr lang="en-GB"/>
           </a:p>
@@ -1158,7 +1160,7 @@
           <a:p>
             <a:fld id="{4DCC3765-A771-4BBA-8135-6F2E689117A7}" type="datetimeFigureOut">
               <a:rPr lang="en-GB" smtClean="0"/>
-              <a:t>29/11/2018</a:t>
+              <a:t>04/12/2018</a:t>
             </a:fld>
             <a:endParaRPr lang="en-GB"/>
           </a:p>
@@ -1426,7 +1428,7 @@
           <a:p>
             <a:fld id="{4DCC3765-A771-4BBA-8135-6F2E689117A7}" type="datetimeFigureOut">
               <a:rPr lang="en-GB" smtClean="0"/>
-              <a:t>29/11/2018</a:t>
+              <a:t>04/12/2018</a:t>
             </a:fld>
             <a:endParaRPr lang="en-GB"/>
           </a:p>
@@ -1841,7 +1843,7 @@
           <a:p>
             <a:fld id="{4DCC3765-A771-4BBA-8135-6F2E689117A7}" type="datetimeFigureOut">
               <a:rPr lang="en-GB" smtClean="0"/>
-              <a:t>29/11/2018</a:t>
+              <a:t>04/12/2018</a:t>
             </a:fld>
             <a:endParaRPr lang="en-GB"/>
           </a:p>
@@ -1983,7 +1985,7 @@
           <a:p>
             <a:fld id="{4DCC3765-A771-4BBA-8135-6F2E689117A7}" type="datetimeFigureOut">
               <a:rPr lang="en-GB" smtClean="0"/>
-              <a:t>29/11/2018</a:t>
+              <a:t>04/12/2018</a:t>
             </a:fld>
             <a:endParaRPr lang="en-GB"/>
           </a:p>
@@ -2096,7 +2098,7 @@
           <a:p>
             <a:fld id="{4DCC3765-A771-4BBA-8135-6F2E689117A7}" type="datetimeFigureOut">
               <a:rPr lang="en-GB" smtClean="0"/>
-              <a:t>29/11/2018</a:t>
+              <a:t>04/12/2018</a:t>
             </a:fld>
             <a:endParaRPr lang="en-GB"/>
           </a:p>
@@ -2409,7 +2411,7 @@
           <a:p>
             <a:fld id="{4DCC3765-A771-4BBA-8135-6F2E689117A7}" type="datetimeFigureOut">
               <a:rPr lang="en-GB" smtClean="0"/>
-              <a:t>29/11/2018</a:t>
+              <a:t>04/12/2018</a:t>
             </a:fld>
             <a:endParaRPr lang="en-GB"/>
           </a:p>
@@ -2698,7 +2700,7 @@
           <a:p>
             <a:fld id="{4DCC3765-A771-4BBA-8135-6F2E689117A7}" type="datetimeFigureOut">
               <a:rPr lang="en-GB" smtClean="0"/>
-              <a:t>29/11/2018</a:t>
+              <a:t>04/12/2018</a:t>
             </a:fld>
             <a:endParaRPr lang="en-GB"/>
           </a:p>
@@ -2941,7 +2943,7 @@
           <a:p>
             <a:fld id="{4DCC3765-A771-4BBA-8135-6F2E689117A7}" type="datetimeFigureOut">
               <a:rPr lang="en-GB" smtClean="0"/>
-              <a:t>29/11/2018</a:t>
+              <a:t>04/12/2018</a:t>
             </a:fld>
             <a:endParaRPr lang="en-GB"/>
           </a:p>
@@ -6273,8 +6275,8 @@
           </a:p>
         </p:txBody>
       </p:sp>
-      <mc:AlternateContent xmlns:mc="http://schemas.openxmlformats.org/markup-compatibility/2006">
-        <mc:Choice xmlns:a14="http://schemas.microsoft.com/office/drawing/2010/main" Requires="a14">
+      <mc:AlternateContent xmlns:mc="http://schemas.openxmlformats.org/markup-compatibility/2006" xmlns:a14="http://schemas.microsoft.com/office/drawing/2010/main">
+        <mc:Choice Requires="a14">
           <p:sp>
             <p:nvSpPr>
               <p:cNvPr id="28" name="Rectangle 27">
@@ -6402,7 +6404,7 @@
             </p:txBody>
           </p:sp>
         </mc:Choice>
-        <mc:Fallback>
+        <mc:Fallback xmlns="">
           <p:sp>
             <p:nvSpPr>
               <p:cNvPr id="28" name="Rectangle 27">
@@ -7468,8 +7470,8 @@
           </a:p>
         </p:txBody>
       </p:sp>
-      <mc:AlternateContent xmlns:mc="http://schemas.openxmlformats.org/markup-compatibility/2006">
-        <mc:Choice xmlns:a14="http://schemas.microsoft.com/office/drawing/2010/main" Requires="a14">
+      <mc:AlternateContent xmlns:mc="http://schemas.openxmlformats.org/markup-compatibility/2006" xmlns:a14="http://schemas.microsoft.com/office/drawing/2010/main">
+        <mc:Choice Requires="a14">
           <p:sp>
             <p:nvSpPr>
               <p:cNvPr id="28" name="Rectangle 27">
@@ -7581,7 +7583,7 @@
             </p:txBody>
           </p:sp>
         </mc:Choice>
-        <mc:Fallback>
+        <mc:Fallback xmlns="">
           <p:sp>
             <p:nvSpPr>
               <p:cNvPr id="28" name="Rectangle 27">
@@ -8099,6 +8101,2238 @@
     <p:extLst>
       <p:ext uri="{BB962C8B-B14F-4D97-AF65-F5344CB8AC3E}">
         <p14:creationId xmlns:p14="http://schemas.microsoft.com/office/powerpoint/2010/main" val="3376178807"/>
+      </p:ext>
+    </p:extLst>
+  </p:cSld>
+  <p:clrMapOvr>
+    <a:masterClrMapping/>
+  </p:clrMapOvr>
+</p:sld>
+</file>
+
+<file path=ppt/slides/slide13.xml><?xml version="1.0" encoding="utf-8"?>
+<p:sld xmlns:a="http://schemas.openxmlformats.org/drawingml/2006/main" xmlns:r="http://schemas.openxmlformats.org/officeDocument/2006/relationships" xmlns:p="http://schemas.openxmlformats.org/presentationml/2006/main">
+  <p:cSld>
+    <p:spTree>
+      <p:nvGrpSpPr>
+        <p:cNvPr id="1" name=""/>
+        <p:cNvGrpSpPr/>
+        <p:nvPr/>
+      </p:nvGrpSpPr>
+      <p:grpSpPr>
+        <a:xfrm>
+          <a:off x="0" y="0"/>
+          <a:ext cx="0" cy="0"/>
+          <a:chOff x="0" y="0"/>
+          <a:chExt cx="0" cy="0"/>
+        </a:xfrm>
+      </p:grpSpPr>
+      <p:sp>
+        <p:nvSpPr>
+          <p:cNvPr id="4" name="Rectangle 3">
+            <a:extLst>
+              <a:ext uri="{FF2B5EF4-FFF2-40B4-BE49-F238E27FC236}">
+                <a16:creationId xmlns:a16="http://schemas.microsoft.com/office/drawing/2014/main" id="{F7DCFB41-CE55-4281-A58E-EF6257BC63EA}"/>
+              </a:ext>
+            </a:extLst>
+          </p:cNvPr>
+          <p:cNvSpPr/>
+          <p:nvPr/>
+        </p:nvSpPr>
+        <p:spPr>
+          <a:xfrm>
+            <a:off x="5320747" y="954157"/>
+            <a:ext cx="1550505" cy="848139"/>
+          </a:xfrm>
+          <a:prstGeom prst="rect">
+            <a:avLst/>
+          </a:prstGeom>
+        </p:spPr>
+        <p:style>
+          <a:lnRef idx="2">
+            <a:schemeClr val="dk1"/>
+          </a:lnRef>
+          <a:fillRef idx="1">
+            <a:schemeClr val="lt1"/>
+          </a:fillRef>
+          <a:effectRef idx="0">
+            <a:schemeClr val="dk1"/>
+          </a:effectRef>
+          <a:fontRef idx="minor">
+            <a:schemeClr val="dk1"/>
+          </a:fontRef>
+        </p:style>
+        <p:txBody>
+          <a:bodyPr rtlCol="0" anchor="ctr"/>
+          <a:lstStyle/>
+          <a:p>
+            <a:pPr algn="ctr"/>
+            <a:r>
+              <a:rPr lang="en-GB" dirty="0"/>
+              <a:t>High Level Controller</a:t>
+            </a:r>
+          </a:p>
+        </p:txBody>
+      </p:sp>
+      <p:sp>
+        <p:nvSpPr>
+          <p:cNvPr id="5" name="Rectangle 4">
+            <a:extLst>
+              <a:ext uri="{FF2B5EF4-FFF2-40B4-BE49-F238E27FC236}">
+                <a16:creationId xmlns:a16="http://schemas.microsoft.com/office/drawing/2014/main" id="{9EF5490B-E10C-463E-AA4C-B0BDD9C9379B}"/>
+              </a:ext>
+            </a:extLst>
+          </p:cNvPr>
+          <p:cNvSpPr/>
+          <p:nvPr/>
+        </p:nvSpPr>
+        <p:spPr>
+          <a:xfrm>
+            <a:off x="5320746" y="2014330"/>
+            <a:ext cx="1550505" cy="848139"/>
+          </a:xfrm>
+          <a:prstGeom prst="rect">
+            <a:avLst/>
+          </a:prstGeom>
+        </p:spPr>
+        <p:style>
+          <a:lnRef idx="2">
+            <a:schemeClr val="dk1"/>
+          </a:lnRef>
+          <a:fillRef idx="1">
+            <a:schemeClr val="lt1"/>
+          </a:fillRef>
+          <a:effectRef idx="0">
+            <a:schemeClr val="dk1"/>
+          </a:effectRef>
+          <a:fontRef idx="minor">
+            <a:schemeClr val="dk1"/>
+          </a:fontRef>
+        </p:style>
+        <p:txBody>
+          <a:bodyPr rtlCol="0" anchor="ctr"/>
+          <a:lstStyle/>
+          <a:p>
+            <a:pPr algn="ctr"/>
+            <a:r>
+              <a:rPr lang="en-GB" dirty="0"/>
+              <a:t>Task Encoding</a:t>
+            </a:r>
+          </a:p>
+        </p:txBody>
+      </p:sp>
+      <p:sp>
+        <p:nvSpPr>
+          <p:cNvPr id="6" name="Rectangle 5">
+            <a:extLst>
+              <a:ext uri="{FF2B5EF4-FFF2-40B4-BE49-F238E27FC236}">
+                <a16:creationId xmlns:a16="http://schemas.microsoft.com/office/drawing/2014/main" id="{EF2F63D0-7A9B-4AD7-A693-68D3C829B8DC}"/>
+              </a:ext>
+            </a:extLst>
+          </p:cNvPr>
+          <p:cNvSpPr/>
+          <p:nvPr/>
+        </p:nvSpPr>
+        <p:spPr>
+          <a:xfrm>
+            <a:off x="5320745" y="3074503"/>
+            <a:ext cx="1550505" cy="848139"/>
+          </a:xfrm>
+          <a:prstGeom prst="rect">
+            <a:avLst/>
+          </a:prstGeom>
+        </p:spPr>
+        <p:style>
+          <a:lnRef idx="2">
+            <a:schemeClr val="dk1"/>
+          </a:lnRef>
+          <a:fillRef idx="1">
+            <a:schemeClr val="lt1"/>
+          </a:fillRef>
+          <a:effectRef idx="0">
+            <a:schemeClr val="dk1"/>
+          </a:effectRef>
+          <a:fontRef idx="minor">
+            <a:schemeClr val="dk1"/>
+          </a:fontRef>
+        </p:style>
+        <p:txBody>
+          <a:bodyPr rtlCol="0" anchor="ctr"/>
+          <a:lstStyle/>
+          <a:p>
+            <a:pPr algn="ctr"/>
+            <a:r>
+              <a:rPr lang="en-GB" dirty="0"/>
+              <a:t>Low Level Controller</a:t>
+            </a:r>
+          </a:p>
+        </p:txBody>
+      </p:sp>
+      <p:sp>
+        <p:nvSpPr>
+          <p:cNvPr id="7" name="Rectangle 6">
+            <a:extLst>
+              <a:ext uri="{FF2B5EF4-FFF2-40B4-BE49-F238E27FC236}">
+                <a16:creationId xmlns:a16="http://schemas.microsoft.com/office/drawing/2014/main" id="{DB0EAEF0-827D-4C3B-91FB-257560CA82D5}"/>
+              </a:ext>
+            </a:extLst>
+          </p:cNvPr>
+          <p:cNvSpPr/>
+          <p:nvPr/>
+        </p:nvSpPr>
+        <p:spPr>
+          <a:xfrm>
+            <a:off x="5320743" y="5194849"/>
+            <a:ext cx="3346179" cy="848139"/>
+          </a:xfrm>
+          <a:prstGeom prst="rect">
+            <a:avLst/>
+          </a:prstGeom>
+        </p:spPr>
+        <p:style>
+          <a:lnRef idx="2">
+            <a:schemeClr val="dk1"/>
+          </a:lnRef>
+          <a:fillRef idx="1">
+            <a:schemeClr val="lt1"/>
+          </a:fillRef>
+          <a:effectRef idx="0">
+            <a:schemeClr val="dk1"/>
+          </a:effectRef>
+          <a:fontRef idx="minor">
+            <a:schemeClr val="dk1"/>
+          </a:fontRef>
+        </p:style>
+        <p:txBody>
+          <a:bodyPr rtlCol="0" anchor="ctr"/>
+          <a:lstStyle/>
+          <a:p>
+            <a:pPr algn="ctr"/>
+            <a:r>
+              <a:rPr lang="en-GB" dirty="0"/>
+              <a:t>External Environment</a:t>
+            </a:r>
+          </a:p>
+        </p:txBody>
+      </p:sp>
+      <p:sp>
+        <p:nvSpPr>
+          <p:cNvPr id="8" name="Rectangle 7">
+            <a:extLst>
+              <a:ext uri="{FF2B5EF4-FFF2-40B4-BE49-F238E27FC236}">
+                <a16:creationId xmlns:a16="http://schemas.microsoft.com/office/drawing/2014/main" id="{3A53D390-AD45-470C-BC81-6CED208FFA89}"/>
+              </a:ext>
+            </a:extLst>
+          </p:cNvPr>
+          <p:cNvSpPr/>
+          <p:nvPr/>
+        </p:nvSpPr>
+        <p:spPr>
+          <a:xfrm>
+            <a:off x="5320744" y="4134676"/>
+            <a:ext cx="1550505" cy="848139"/>
+          </a:xfrm>
+          <a:prstGeom prst="rect">
+            <a:avLst/>
+          </a:prstGeom>
+        </p:spPr>
+        <p:style>
+          <a:lnRef idx="2">
+            <a:schemeClr val="dk1"/>
+          </a:lnRef>
+          <a:fillRef idx="1">
+            <a:schemeClr val="lt1"/>
+          </a:fillRef>
+          <a:effectRef idx="0">
+            <a:schemeClr val="dk1"/>
+          </a:effectRef>
+          <a:fontRef idx="minor">
+            <a:schemeClr val="dk1"/>
+          </a:fontRef>
+        </p:style>
+        <p:txBody>
+          <a:bodyPr rtlCol="0" anchor="ctr"/>
+          <a:lstStyle/>
+          <a:p>
+            <a:pPr algn="ctr"/>
+            <a:r>
+              <a:rPr lang="en-GB" dirty="0"/>
+              <a:t>Hardware</a:t>
+            </a:r>
+          </a:p>
+        </p:txBody>
+      </p:sp>
+      <p:cxnSp>
+        <p:nvCxnSpPr>
+          <p:cNvPr id="10" name="Straight Arrow Connector 9">
+            <a:extLst>
+              <a:ext uri="{FF2B5EF4-FFF2-40B4-BE49-F238E27FC236}">
+                <a16:creationId xmlns:a16="http://schemas.microsoft.com/office/drawing/2014/main" id="{B4C791CA-A894-4B3B-BE00-8E08E6A71F30}"/>
+              </a:ext>
+            </a:extLst>
+          </p:cNvPr>
+          <p:cNvCxnSpPr>
+            <a:stCxn id="4" idx="2"/>
+            <a:endCxn id="5" idx="0"/>
+          </p:cNvCxnSpPr>
+          <p:nvPr/>
+        </p:nvCxnSpPr>
+        <p:spPr>
+          <a:xfrm flipH="1">
+            <a:off x="6095999" y="1802296"/>
+            <a:ext cx="1" cy="212034"/>
+          </a:xfrm>
+          <a:prstGeom prst="straightConnector1">
+            <a:avLst/>
+          </a:prstGeom>
+          <a:ln>
+            <a:tailEnd type="triangle"/>
+          </a:ln>
+        </p:spPr>
+        <p:style>
+          <a:lnRef idx="3">
+            <a:schemeClr val="dk1"/>
+          </a:lnRef>
+          <a:fillRef idx="0">
+            <a:schemeClr val="dk1"/>
+          </a:fillRef>
+          <a:effectRef idx="2">
+            <a:schemeClr val="dk1"/>
+          </a:effectRef>
+          <a:fontRef idx="minor">
+            <a:schemeClr val="tx1"/>
+          </a:fontRef>
+        </p:style>
+      </p:cxnSp>
+      <p:cxnSp>
+        <p:nvCxnSpPr>
+          <p:cNvPr id="12" name="Straight Arrow Connector 11">
+            <a:extLst>
+              <a:ext uri="{FF2B5EF4-FFF2-40B4-BE49-F238E27FC236}">
+                <a16:creationId xmlns:a16="http://schemas.microsoft.com/office/drawing/2014/main" id="{0C761C54-4CBC-41D7-8A56-EBE4D107F42E}"/>
+              </a:ext>
+            </a:extLst>
+          </p:cNvPr>
+          <p:cNvCxnSpPr>
+            <a:stCxn id="5" idx="2"/>
+            <a:endCxn id="6" idx="0"/>
+          </p:cNvCxnSpPr>
+          <p:nvPr/>
+        </p:nvCxnSpPr>
+        <p:spPr>
+          <a:xfrm flipH="1">
+            <a:off x="6095998" y="2862469"/>
+            <a:ext cx="1" cy="212034"/>
+          </a:xfrm>
+          <a:prstGeom prst="straightConnector1">
+            <a:avLst/>
+          </a:prstGeom>
+          <a:ln>
+            <a:tailEnd type="triangle"/>
+          </a:ln>
+        </p:spPr>
+        <p:style>
+          <a:lnRef idx="3">
+            <a:schemeClr val="dk1"/>
+          </a:lnRef>
+          <a:fillRef idx="0">
+            <a:schemeClr val="dk1"/>
+          </a:fillRef>
+          <a:effectRef idx="2">
+            <a:schemeClr val="dk1"/>
+          </a:effectRef>
+          <a:fontRef idx="minor">
+            <a:schemeClr val="tx1"/>
+          </a:fontRef>
+        </p:style>
+      </p:cxnSp>
+      <p:cxnSp>
+        <p:nvCxnSpPr>
+          <p:cNvPr id="14" name="Straight Arrow Connector 13">
+            <a:extLst>
+              <a:ext uri="{FF2B5EF4-FFF2-40B4-BE49-F238E27FC236}">
+                <a16:creationId xmlns:a16="http://schemas.microsoft.com/office/drawing/2014/main" id="{E450E69D-53F3-4499-8AD6-32ADD2EB9EF1}"/>
+              </a:ext>
+            </a:extLst>
+          </p:cNvPr>
+          <p:cNvCxnSpPr>
+            <a:stCxn id="6" idx="2"/>
+            <a:endCxn id="8" idx="0"/>
+          </p:cNvCxnSpPr>
+          <p:nvPr/>
+        </p:nvCxnSpPr>
+        <p:spPr>
+          <a:xfrm flipH="1">
+            <a:off x="6095997" y="3922642"/>
+            <a:ext cx="1" cy="212034"/>
+          </a:xfrm>
+          <a:prstGeom prst="straightConnector1">
+            <a:avLst/>
+          </a:prstGeom>
+          <a:ln>
+            <a:tailEnd type="triangle"/>
+          </a:ln>
+        </p:spPr>
+        <p:style>
+          <a:lnRef idx="3">
+            <a:schemeClr val="dk1"/>
+          </a:lnRef>
+          <a:fillRef idx="0">
+            <a:schemeClr val="dk1"/>
+          </a:fillRef>
+          <a:effectRef idx="2">
+            <a:schemeClr val="dk1"/>
+          </a:effectRef>
+          <a:fontRef idx="minor">
+            <a:schemeClr val="tx1"/>
+          </a:fontRef>
+        </p:style>
+      </p:cxnSp>
+      <p:cxnSp>
+        <p:nvCxnSpPr>
+          <p:cNvPr id="16" name="Straight Arrow Connector 15">
+            <a:extLst>
+              <a:ext uri="{FF2B5EF4-FFF2-40B4-BE49-F238E27FC236}">
+                <a16:creationId xmlns:a16="http://schemas.microsoft.com/office/drawing/2014/main" id="{16414719-84AF-4146-88D4-7598285EF86E}"/>
+              </a:ext>
+            </a:extLst>
+          </p:cNvPr>
+          <p:cNvCxnSpPr>
+            <a:cxnSpLocks/>
+            <a:stCxn id="8" idx="2"/>
+          </p:cNvCxnSpPr>
+          <p:nvPr/>
+        </p:nvCxnSpPr>
+        <p:spPr>
+          <a:xfrm>
+            <a:off x="6095997" y="4982815"/>
+            <a:ext cx="0" cy="212034"/>
+          </a:xfrm>
+          <a:prstGeom prst="straightConnector1">
+            <a:avLst/>
+          </a:prstGeom>
+          <a:ln>
+            <a:tailEnd type="triangle"/>
+          </a:ln>
+        </p:spPr>
+        <p:style>
+          <a:lnRef idx="3">
+            <a:schemeClr val="dk1"/>
+          </a:lnRef>
+          <a:fillRef idx="0">
+            <a:schemeClr val="dk1"/>
+          </a:fillRef>
+          <a:effectRef idx="2">
+            <a:schemeClr val="dk1"/>
+          </a:effectRef>
+          <a:fontRef idx="minor">
+            <a:schemeClr val="tx1"/>
+          </a:fontRef>
+        </p:style>
+      </p:cxnSp>
+      <p:sp>
+        <p:nvSpPr>
+          <p:cNvPr id="20" name="Rectangle 19">
+            <a:extLst>
+              <a:ext uri="{FF2B5EF4-FFF2-40B4-BE49-F238E27FC236}">
+                <a16:creationId xmlns:a16="http://schemas.microsoft.com/office/drawing/2014/main" id="{B1ECF50E-A914-4DEC-B2E7-6E8D7B78E649}"/>
+              </a:ext>
+            </a:extLst>
+          </p:cNvPr>
+          <p:cNvSpPr/>
+          <p:nvPr/>
+        </p:nvSpPr>
+        <p:spPr>
+          <a:xfrm>
+            <a:off x="7096536" y="4134676"/>
+            <a:ext cx="1550505" cy="848139"/>
+          </a:xfrm>
+          <a:prstGeom prst="rect">
+            <a:avLst/>
+          </a:prstGeom>
+        </p:spPr>
+        <p:style>
+          <a:lnRef idx="2">
+            <a:schemeClr val="dk1"/>
+          </a:lnRef>
+          <a:fillRef idx="1">
+            <a:schemeClr val="lt1"/>
+          </a:fillRef>
+          <a:effectRef idx="0">
+            <a:schemeClr val="dk1"/>
+          </a:effectRef>
+          <a:fontRef idx="minor">
+            <a:schemeClr val="dk1"/>
+          </a:fontRef>
+        </p:style>
+        <p:txBody>
+          <a:bodyPr rtlCol="0" anchor="ctr"/>
+          <a:lstStyle/>
+          <a:p>
+            <a:pPr algn="ctr"/>
+            <a:r>
+              <a:rPr lang="en-GB" dirty="0"/>
+              <a:t>Work Object</a:t>
+            </a:r>
+          </a:p>
+        </p:txBody>
+      </p:sp>
+      <p:cxnSp>
+        <p:nvCxnSpPr>
+          <p:cNvPr id="22" name="Straight Arrow Connector 21">
+            <a:extLst>
+              <a:ext uri="{FF2B5EF4-FFF2-40B4-BE49-F238E27FC236}">
+                <a16:creationId xmlns:a16="http://schemas.microsoft.com/office/drawing/2014/main" id="{73B5E1F5-8C14-44B9-BA29-22D8A25448D3}"/>
+              </a:ext>
+            </a:extLst>
+          </p:cNvPr>
+          <p:cNvCxnSpPr>
+            <a:stCxn id="8" idx="3"/>
+            <a:endCxn id="20" idx="1"/>
+          </p:cNvCxnSpPr>
+          <p:nvPr/>
+        </p:nvCxnSpPr>
+        <p:spPr>
+          <a:xfrm>
+            <a:off x="6871249" y="4558746"/>
+            <a:ext cx="225287" cy="0"/>
+          </a:xfrm>
+          <a:prstGeom prst="straightConnector1">
+            <a:avLst/>
+          </a:prstGeom>
+          <a:ln>
+            <a:tailEnd type="triangle"/>
+          </a:ln>
+        </p:spPr>
+        <p:style>
+          <a:lnRef idx="3">
+            <a:schemeClr val="dk1"/>
+          </a:lnRef>
+          <a:fillRef idx="0">
+            <a:schemeClr val="dk1"/>
+          </a:fillRef>
+          <a:effectRef idx="2">
+            <a:schemeClr val="dk1"/>
+          </a:effectRef>
+          <a:fontRef idx="minor">
+            <a:schemeClr val="tx1"/>
+          </a:fontRef>
+        </p:style>
+      </p:cxnSp>
+      <p:cxnSp>
+        <p:nvCxnSpPr>
+          <p:cNvPr id="24" name="Straight Arrow Connector 23">
+            <a:extLst>
+              <a:ext uri="{FF2B5EF4-FFF2-40B4-BE49-F238E27FC236}">
+                <a16:creationId xmlns:a16="http://schemas.microsoft.com/office/drawing/2014/main" id="{421D0D7C-AD69-44C8-89A4-6EAF3030C603}"/>
+              </a:ext>
+            </a:extLst>
+          </p:cNvPr>
+          <p:cNvCxnSpPr>
+            <a:stCxn id="20" idx="2"/>
+          </p:cNvCxnSpPr>
+          <p:nvPr/>
+        </p:nvCxnSpPr>
+        <p:spPr>
+          <a:xfrm>
+            <a:off x="7871789" y="4982815"/>
+            <a:ext cx="2" cy="212034"/>
+          </a:xfrm>
+          <a:prstGeom prst="straightConnector1">
+            <a:avLst/>
+          </a:prstGeom>
+          <a:ln>
+            <a:tailEnd type="triangle"/>
+          </a:ln>
+        </p:spPr>
+        <p:style>
+          <a:lnRef idx="3">
+            <a:schemeClr val="dk1"/>
+          </a:lnRef>
+          <a:fillRef idx="0">
+            <a:schemeClr val="dk1"/>
+          </a:fillRef>
+          <a:effectRef idx="2">
+            <a:schemeClr val="dk1"/>
+          </a:effectRef>
+          <a:fontRef idx="minor">
+            <a:schemeClr val="tx1"/>
+          </a:fontRef>
+        </p:style>
+      </p:cxnSp>
+      <p:cxnSp>
+        <p:nvCxnSpPr>
+          <p:cNvPr id="29" name="Straight Arrow Connector 28">
+            <a:extLst>
+              <a:ext uri="{FF2B5EF4-FFF2-40B4-BE49-F238E27FC236}">
+                <a16:creationId xmlns:a16="http://schemas.microsoft.com/office/drawing/2014/main" id="{5DC43BFA-4CC4-450D-A4B7-46BCB73D2437}"/>
+              </a:ext>
+            </a:extLst>
+          </p:cNvPr>
+          <p:cNvCxnSpPr>
+            <a:cxnSpLocks/>
+            <a:endCxn id="4" idx="1"/>
+          </p:cNvCxnSpPr>
+          <p:nvPr/>
+        </p:nvCxnSpPr>
+        <p:spPr>
+          <a:xfrm>
+            <a:off x="4518991" y="1378227"/>
+            <a:ext cx="801756" cy="0"/>
+          </a:xfrm>
+          <a:prstGeom prst="straightConnector1">
+            <a:avLst/>
+          </a:prstGeom>
+          <a:ln>
+            <a:tailEnd type="triangle"/>
+          </a:ln>
+        </p:spPr>
+        <p:style>
+          <a:lnRef idx="3">
+            <a:schemeClr val="dk1"/>
+          </a:lnRef>
+          <a:fillRef idx="0">
+            <a:schemeClr val="dk1"/>
+          </a:fillRef>
+          <a:effectRef idx="2">
+            <a:schemeClr val="dk1"/>
+          </a:effectRef>
+          <a:fontRef idx="minor">
+            <a:schemeClr val="tx1"/>
+          </a:fontRef>
+        </p:style>
+      </p:cxnSp>
+      <p:cxnSp>
+        <p:nvCxnSpPr>
+          <p:cNvPr id="32" name="Straight Arrow Connector 31">
+            <a:extLst>
+              <a:ext uri="{FF2B5EF4-FFF2-40B4-BE49-F238E27FC236}">
+                <a16:creationId xmlns:a16="http://schemas.microsoft.com/office/drawing/2014/main" id="{36F52357-DBEE-4E10-A41C-FD29492B2129}"/>
+              </a:ext>
+            </a:extLst>
+          </p:cNvPr>
+          <p:cNvCxnSpPr/>
+          <p:nvPr/>
+        </p:nvCxnSpPr>
+        <p:spPr>
+          <a:xfrm flipH="1">
+            <a:off x="6871249" y="3491948"/>
+            <a:ext cx="2259499" cy="0"/>
+          </a:xfrm>
+          <a:prstGeom prst="straightConnector1">
+            <a:avLst/>
+          </a:prstGeom>
+          <a:ln>
+            <a:tailEnd type="triangle"/>
+          </a:ln>
+        </p:spPr>
+        <p:style>
+          <a:lnRef idx="3">
+            <a:schemeClr val="dk1"/>
+          </a:lnRef>
+          <a:fillRef idx="0">
+            <a:schemeClr val="dk1"/>
+          </a:fillRef>
+          <a:effectRef idx="2">
+            <a:schemeClr val="dk1"/>
+          </a:effectRef>
+          <a:fontRef idx="minor">
+            <a:schemeClr val="tx1"/>
+          </a:fontRef>
+        </p:style>
+      </p:cxnSp>
+      <p:cxnSp>
+        <p:nvCxnSpPr>
+          <p:cNvPr id="33" name="Straight Arrow Connector 32">
+            <a:extLst>
+              <a:ext uri="{FF2B5EF4-FFF2-40B4-BE49-F238E27FC236}">
+                <a16:creationId xmlns:a16="http://schemas.microsoft.com/office/drawing/2014/main" id="{CDF5F6DE-6570-4032-9166-5D0E81EA5C96}"/>
+              </a:ext>
+            </a:extLst>
+          </p:cNvPr>
+          <p:cNvCxnSpPr/>
+          <p:nvPr/>
+        </p:nvCxnSpPr>
+        <p:spPr>
+          <a:xfrm flipH="1">
+            <a:off x="6871249" y="1378227"/>
+            <a:ext cx="2259499" cy="0"/>
+          </a:xfrm>
+          <a:prstGeom prst="straightConnector1">
+            <a:avLst/>
+          </a:prstGeom>
+          <a:ln>
+            <a:tailEnd type="triangle"/>
+          </a:ln>
+        </p:spPr>
+        <p:style>
+          <a:lnRef idx="3">
+            <a:schemeClr val="dk1"/>
+          </a:lnRef>
+          <a:fillRef idx="0">
+            <a:schemeClr val="dk1"/>
+          </a:fillRef>
+          <a:effectRef idx="2">
+            <a:schemeClr val="dk1"/>
+          </a:effectRef>
+          <a:fontRef idx="minor">
+            <a:schemeClr val="tx1"/>
+          </a:fontRef>
+        </p:style>
+      </p:cxnSp>
+      <p:cxnSp>
+        <p:nvCxnSpPr>
+          <p:cNvPr id="34" name="Straight Arrow Connector 33">
+            <a:extLst>
+              <a:ext uri="{FF2B5EF4-FFF2-40B4-BE49-F238E27FC236}">
+                <a16:creationId xmlns:a16="http://schemas.microsoft.com/office/drawing/2014/main" id="{D5B6872D-7615-4937-A65C-BBE9F9022D3B}"/>
+              </a:ext>
+            </a:extLst>
+          </p:cNvPr>
+          <p:cNvCxnSpPr>
+            <a:cxnSpLocks/>
+          </p:cNvCxnSpPr>
+          <p:nvPr/>
+        </p:nvCxnSpPr>
+        <p:spPr>
+          <a:xfrm flipH="1">
+            <a:off x="6871250" y="1192697"/>
+            <a:ext cx="3200402" cy="0"/>
+          </a:xfrm>
+          <a:prstGeom prst="straightConnector1">
+            <a:avLst/>
+          </a:prstGeom>
+          <a:ln>
+            <a:tailEnd type="triangle"/>
+          </a:ln>
+        </p:spPr>
+        <p:style>
+          <a:lnRef idx="3">
+            <a:schemeClr val="dk1"/>
+          </a:lnRef>
+          <a:fillRef idx="0">
+            <a:schemeClr val="dk1"/>
+          </a:fillRef>
+          <a:effectRef idx="2">
+            <a:schemeClr val="dk1"/>
+          </a:effectRef>
+          <a:fontRef idx="minor">
+            <a:schemeClr val="tx1"/>
+          </a:fontRef>
+        </p:style>
+      </p:cxnSp>
+      <p:cxnSp>
+        <p:nvCxnSpPr>
+          <p:cNvPr id="39" name="Straight Arrow Connector 38">
+            <a:extLst>
+              <a:ext uri="{FF2B5EF4-FFF2-40B4-BE49-F238E27FC236}">
+                <a16:creationId xmlns:a16="http://schemas.microsoft.com/office/drawing/2014/main" id="{04F23AF8-FF68-44D2-929D-7EEADF9B13B3}"/>
+              </a:ext>
+            </a:extLst>
+          </p:cNvPr>
+          <p:cNvCxnSpPr>
+            <a:cxnSpLocks/>
+          </p:cNvCxnSpPr>
+          <p:nvPr/>
+        </p:nvCxnSpPr>
+        <p:spPr>
+          <a:xfrm flipH="1">
+            <a:off x="6871250" y="3299793"/>
+            <a:ext cx="2168247" cy="0"/>
+          </a:xfrm>
+          <a:prstGeom prst="straightConnector1">
+            <a:avLst/>
+          </a:prstGeom>
+          <a:ln>
+            <a:tailEnd type="triangle"/>
+          </a:ln>
+        </p:spPr>
+        <p:style>
+          <a:lnRef idx="3">
+            <a:schemeClr val="dk1"/>
+          </a:lnRef>
+          <a:fillRef idx="0">
+            <a:schemeClr val="dk1"/>
+          </a:fillRef>
+          <a:effectRef idx="2">
+            <a:schemeClr val="dk1"/>
+          </a:effectRef>
+          <a:fontRef idx="minor">
+            <a:schemeClr val="tx1"/>
+          </a:fontRef>
+        </p:style>
+      </p:cxnSp>
+      <p:cxnSp>
+        <p:nvCxnSpPr>
+          <p:cNvPr id="41" name="Connector: Elbow 40">
+            <a:extLst>
+              <a:ext uri="{FF2B5EF4-FFF2-40B4-BE49-F238E27FC236}">
+                <a16:creationId xmlns:a16="http://schemas.microsoft.com/office/drawing/2014/main" id="{38FDA47C-4E45-4C45-B7DE-5AB8AA07EA64}"/>
+              </a:ext>
+            </a:extLst>
+          </p:cNvPr>
+          <p:cNvCxnSpPr>
+            <a:stCxn id="8" idx="1"/>
+          </p:cNvCxnSpPr>
+          <p:nvPr/>
+        </p:nvCxnSpPr>
+        <p:spPr>
+          <a:xfrm rot="10800000">
+            <a:off x="4518992" y="1378228"/>
+            <a:ext cx="801753" cy="3180519"/>
+          </a:xfrm>
+          <a:prstGeom prst="bentConnector2">
+            <a:avLst/>
+          </a:prstGeom>
+        </p:spPr>
+        <p:style>
+          <a:lnRef idx="3">
+            <a:schemeClr val="dk1"/>
+          </a:lnRef>
+          <a:fillRef idx="0">
+            <a:schemeClr val="dk1"/>
+          </a:fillRef>
+          <a:effectRef idx="2">
+            <a:schemeClr val="dk1"/>
+          </a:effectRef>
+          <a:fontRef idx="minor">
+            <a:schemeClr val="tx1"/>
+          </a:fontRef>
+        </p:style>
+      </p:cxnSp>
+      <p:cxnSp>
+        <p:nvCxnSpPr>
+          <p:cNvPr id="43" name="Connector: Elbow 42">
+            <a:extLst>
+              <a:ext uri="{FF2B5EF4-FFF2-40B4-BE49-F238E27FC236}">
+                <a16:creationId xmlns:a16="http://schemas.microsoft.com/office/drawing/2014/main" id="{0623A002-5736-4A73-9B66-BB9C8723BC2D}"/>
+              </a:ext>
+            </a:extLst>
+          </p:cNvPr>
+          <p:cNvCxnSpPr>
+            <a:stCxn id="20" idx="3"/>
+          </p:cNvCxnSpPr>
+          <p:nvPr/>
+        </p:nvCxnSpPr>
+        <p:spPr>
+          <a:xfrm flipV="1">
+            <a:off x="8647041" y="1378227"/>
+            <a:ext cx="483707" cy="3180519"/>
+          </a:xfrm>
+          <a:prstGeom prst="bentConnector2">
+            <a:avLst/>
+          </a:prstGeom>
+        </p:spPr>
+        <p:style>
+          <a:lnRef idx="3">
+            <a:schemeClr val="dk1"/>
+          </a:lnRef>
+          <a:fillRef idx="0">
+            <a:schemeClr val="dk1"/>
+          </a:fillRef>
+          <a:effectRef idx="2">
+            <a:schemeClr val="dk1"/>
+          </a:effectRef>
+          <a:fontRef idx="minor">
+            <a:schemeClr val="tx1"/>
+          </a:fontRef>
+        </p:style>
+      </p:cxnSp>
+      <p:cxnSp>
+        <p:nvCxnSpPr>
+          <p:cNvPr id="48" name="Connector: Elbow 47">
+            <a:extLst>
+              <a:ext uri="{FF2B5EF4-FFF2-40B4-BE49-F238E27FC236}">
+                <a16:creationId xmlns:a16="http://schemas.microsoft.com/office/drawing/2014/main" id="{5939BBCA-7319-4AD7-9018-6209E18B1B21}"/>
+              </a:ext>
+            </a:extLst>
+          </p:cNvPr>
+          <p:cNvCxnSpPr>
+            <a:stCxn id="7" idx="3"/>
+          </p:cNvCxnSpPr>
+          <p:nvPr/>
+        </p:nvCxnSpPr>
+        <p:spPr>
+          <a:xfrm flipV="1">
+            <a:off x="8666922" y="1192697"/>
+            <a:ext cx="1404730" cy="4426222"/>
+          </a:xfrm>
+          <a:prstGeom prst="bentConnector2">
+            <a:avLst/>
+          </a:prstGeom>
+        </p:spPr>
+        <p:style>
+          <a:lnRef idx="3">
+            <a:schemeClr val="dk1"/>
+          </a:lnRef>
+          <a:fillRef idx="0">
+            <a:schemeClr val="dk1"/>
+          </a:fillRef>
+          <a:effectRef idx="2">
+            <a:schemeClr val="dk1"/>
+          </a:effectRef>
+          <a:fontRef idx="minor">
+            <a:schemeClr val="tx1"/>
+          </a:fontRef>
+        </p:style>
+      </p:cxnSp>
+      <p:cxnSp>
+        <p:nvCxnSpPr>
+          <p:cNvPr id="50" name="Straight Connector 49">
+            <a:extLst>
+              <a:ext uri="{FF2B5EF4-FFF2-40B4-BE49-F238E27FC236}">
+                <a16:creationId xmlns:a16="http://schemas.microsoft.com/office/drawing/2014/main" id="{7A614E65-166E-48F1-9A36-CA9B3281009F}"/>
+              </a:ext>
+            </a:extLst>
+          </p:cNvPr>
+          <p:cNvCxnSpPr>
+            <a:cxnSpLocks/>
+          </p:cNvCxnSpPr>
+          <p:nvPr/>
+        </p:nvCxnSpPr>
+        <p:spPr>
+          <a:xfrm>
+            <a:off x="9213669" y="3299793"/>
+            <a:ext cx="857983" cy="0"/>
+          </a:xfrm>
+          <a:prstGeom prst="line">
+            <a:avLst/>
+          </a:prstGeom>
+        </p:spPr>
+        <p:style>
+          <a:lnRef idx="3">
+            <a:schemeClr val="dk1"/>
+          </a:lnRef>
+          <a:fillRef idx="0">
+            <a:schemeClr val="dk1"/>
+          </a:fillRef>
+          <a:effectRef idx="2">
+            <a:schemeClr val="dk1"/>
+          </a:effectRef>
+          <a:fontRef idx="minor">
+            <a:schemeClr val="tx1"/>
+          </a:fontRef>
+        </p:style>
+      </p:cxnSp>
+    </p:spTree>
+    <p:extLst>
+      <p:ext uri="{BB962C8B-B14F-4D97-AF65-F5344CB8AC3E}">
+        <p14:creationId xmlns:p14="http://schemas.microsoft.com/office/powerpoint/2010/main" val="2379045487"/>
+      </p:ext>
+    </p:extLst>
+  </p:cSld>
+  <p:clrMapOvr>
+    <a:masterClrMapping/>
+  </p:clrMapOvr>
+</p:sld>
+</file>
+
+<file path=ppt/slides/slide14.xml><?xml version="1.0" encoding="utf-8"?>
+<p:sld xmlns:a="http://schemas.openxmlformats.org/drawingml/2006/main" xmlns:r="http://schemas.openxmlformats.org/officeDocument/2006/relationships" xmlns:p="http://schemas.openxmlformats.org/presentationml/2006/main">
+  <p:cSld>
+    <p:spTree>
+      <p:nvGrpSpPr>
+        <p:cNvPr id="1" name=""/>
+        <p:cNvGrpSpPr/>
+        <p:nvPr/>
+      </p:nvGrpSpPr>
+      <p:grpSpPr>
+        <a:xfrm>
+          <a:off x="0" y="0"/>
+          <a:ext cx="0" cy="0"/>
+          <a:chOff x="0" y="0"/>
+          <a:chExt cx="0" cy="0"/>
+        </a:xfrm>
+      </p:grpSpPr>
+      <p:sp>
+        <p:nvSpPr>
+          <p:cNvPr id="5" name="Rectangle 4">
+            <a:extLst>
+              <a:ext uri="{FF2B5EF4-FFF2-40B4-BE49-F238E27FC236}">
+                <a16:creationId xmlns:a16="http://schemas.microsoft.com/office/drawing/2014/main" id="{6F9AF2CF-F203-48FC-834F-0B72A27D0FE3}"/>
+              </a:ext>
+            </a:extLst>
+          </p:cNvPr>
+          <p:cNvSpPr/>
+          <p:nvPr/>
+        </p:nvSpPr>
+        <p:spPr>
+          <a:xfrm>
+            <a:off x="1669774" y="2239617"/>
+            <a:ext cx="1431235" cy="980661"/>
+          </a:xfrm>
+          <a:prstGeom prst="rect">
+            <a:avLst/>
+          </a:prstGeom>
+        </p:spPr>
+        <p:style>
+          <a:lnRef idx="2">
+            <a:schemeClr val="dk1"/>
+          </a:lnRef>
+          <a:fillRef idx="1">
+            <a:schemeClr val="lt1"/>
+          </a:fillRef>
+          <a:effectRef idx="0">
+            <a:schemeClr val="dk1"/>
+          </a:effectRef>
+          <a:fontRef idx="minor">
+            <a:schemeClr val="dk1"/>
+          </a:fontRef>
+        </p:style>
+        <p:txBody>
+          <a:bodyPr rtlCol="0" anchor="ctr"/>
+          <a:lstStyle/>
+          <a:p>
+            <a:pPr algn="ctr"/>
+            <a:r>
+              <a:rPr lang="en-GB" dirty="0"/>
+              <a:t>Geometric Calculation</a:t>
+            </a:r>
+          </a:p>
+        </p:txBody>
+      </p:sp>
+      <p:sp>
+        <p:nvSpPr>
+          <p:cNvPr id="6" name="Rectangle 5">
+            <a:extLst>
+              <a:ext uri="{FF2B5EF4-FFF2-40B4-BE49-F238E27FC236}">
+                <a16:creationId xmlns:a16="http://schemas.microsoft.com/office/drawing/2014/main" id="{D97560E7-D9E5-446E-9B73-EFDCA98BBAA1}"/>
+              </a:ext>
+            </a:extLst>
+          </p:cNvPr>
+          <p:cNvSpPr/>
+          <p:nvPr/>
+        </p:nvSpPr>
+        <p:spPr>
+          <a:xfrm>
+            <a:off x="3684411" y="2239617"/>
+            <a:ext cx="1152940" cy="980661"/>
+          </a:xfrm>
+          <a:prstGeom prst="rect">
+            <a:avLst/>
+          </a:prstGeom>
+        </p:spPr>
+        <p:style>
+          <a:lnRef idx="2">
+            <a:schemeClr val="dk1"/>
+          </a:lnRef>
+          <a:fillRef idx="1">
+            <a:schemeClr val="lt1"/>
+          </a:fillRef>
+          <a:effectRef idx="0">
+            <a:schemeClr val="dk1"/>
+          </a:effectRef>
+          <a:fontRef idx="minor">
+            <a:schemeClr val="dk1"/>
+          </a:fontRef>
+        </p:style>
+        <p:txBody>
+          <a:bodyPr rtlCol="0" anchor="ctr"/>
+          <a:lstStyle/>
+          <a:p>
+            <a:pPr algn="ctr"/>
+            <a:r>
+              <a:rPr lang="en-GB" dirty="0"/>
+              <a:t>k</a:t>
+            </a:r>
+            <a:r>
+              <a:rPr lang="en-GB" baseline="-25000" dirty="0"/>
+              <a:t>imp</a:t>
+            </a:r>
+            <a:endParaRPr lang="en-GB" dirty="0"/>
+          </a:p>
+        </p:txBody>
+      </p:sp>
+      <p:sp>
+        <p:nvSpPr>
+          <p:cNvPr id="7" name="Rectangle 6">
+            <a:extLst>
+              <a:ext uri="{FF2B5EF4-FFF2-40B4-BE49-F238E27FC236}">
+                <a16:creationId xmlns:a16="http://schemas.microsoft.com/office/drawing/2014/main" id="{E3397A66-E560-45E9-82DC-218EEFA6C02E}"/>
+              </a:ext>
+            </a:extLst>
+          </p:cNvPr>
+          <p:cNvSpPr/>
+          <p:nvPr/>
+        </p:nvSpPr>
+        <p:spPr>
+          <a:xfrm>
+            <a:off x="5420753" y="2239616"/>
+            <a:ext cx="1152940" cy="980661"/>
+          </a:xfrm>
+          <a:prstGeom prst="rect">
+            <a:avLst/>
+          </a:prstGeom>
+        </p:spPr>
+        <p:style>
+          <a:lnRef idx="2">
+            <a:schemeClr val="dk1"/>
+          </a:lnRef>
+          <a:fillRef idx="1">
+            <a:schemeClr val="lt1"/>
+          </a:fillRef>
+          <a:effectRef idx="0">
+            <a:schemeClr val="dk1"/>
+          </a:effectRef>
+          <a:fontRef idx="minor">
+            <a:schemeClr val="dk1"/>
+          </a:fontRef>
+        </p:style>
+        <p:txBody>
+          <a:bodyPr rtlCol="0" anchor="ctr"/>
+          <a:lstStyle/>
+          <a:p>
+            <a:pPr algn="ctr"/>
+            <a:r>
+              <a:rPr lang="en-GB" dirty="0"/>
+              <a:t>System Model</a:t>
+            </a:r>
+          </a:p>
+        </p:txBody>
+      </p:sp>
+      <p:sp>
+        <p:nvSpPr>
+          <p:cNvPr id="8" name="Rectangle 7">
+            <a:extLst>
+              <a:ext uri="{FF2B5EF4-FFF2-40B4-BE49-F238E27FC236}">
+                <a16:creationId xmlns:a16="http://schemas.microsoft.com/office/drawing/2014/main" id="{46D9041A-D4A1-4F51-B855-BED7E887F169}"/>
+              </a:ext>
+            </a:extLst>
+          </p:cNvPr>
+          <p:cNvSpPr/>
+          <p:nvPr/>
+        </p:nvSpPr>
+        <p:spPr>
+          <a:xfrm>
+            <a:off x="8341938" y="2239616"/>
+            <a:ext cx="1152940" cy="980661"/>
+          </a:xfrm>
+          <a:prstGeom prst="rect">
+            <a:avLst/>
+          </a:prstGeom>
+        </p:spPr>
+        <p:style>
+          <a:lnRef idx="2">
+            <a:schemeClr val="dk1"/>
+          </a:lnRef>
+          <a:fillRef idx="1">
+            <a:schemeClr val="lt1"/>
+          </a:fillRef>
+          <a:effectRef idx="0">
+            <a:schemeClr val="dk1"/>
+          </a:effectRef>
+          <a:fontRef idx="minor">
+            <a:schemeClr val="dk1"/>
+          </a:fontRef>
+        </p:style>
+        <p:txBody>
+          <a:bodyPr rtlCol="0" anchor="ctr"/>
+          <a:lstStyle/>
+          <a:p>
+            <a:pPr algn="ctr"/>
+            <a:r>
+              <a:rPr lang="en-GB" dirty="0"/>
+              <a:t>PI Controller</a:t>
+            </a:r>
+          </a:p>
+        </p:txBody>
+      </p:sp>
+      <p:sp>
+        <p:nvSpPr>
+          <p:cNvPr id="9" name="Rectangle 8">
+            <a:extLst>
+              <a:ext uri="{FF2B5EF4-FFF2-40B4-BE49-F238E27FC236}">
+                <a16:creationId xmlns:a16="http://schemas.microsoft.com/office/drawing/2014/main" id="{948F6C04-50C3-4CE4-81DF-350F569844E0}"/>
+              </a:ext>
+            </a:extLst>
+          </p:cNvPr>
+          <p:cNvSpPr/>
+          <p:nvPr/>
+        </p:nvSpPr>
+        <p:spPr>
+          <a:xfrm>
+            <a:off x="10078278" y="2239616"/>
+            <a:ext cx="1152940" cy="980661"/>
+          </a:xfrm>
+          <a:prstGeom prst="rect">
+            <a:avLst/>
+          </a:prstGeom>
+        </p:spPr>
+        <p:style>
+          <a:lnRef idx="2">
+            <a:schemeClr val="dk1"/>
+          </a:lnRef>
+          <a:fillRef idx="1">
+            <a:schemeClr val="lt1"/>
+          </a:fillRef>
+          <a:effectRef idx="0">
+            <a:schemeClr val="dk1"/>
+          </a:effectRef>
+          <a:fontRef idx="minor">
+            <a:schemeClr val="dk1"/>
+          </a:fontRef>
+        </p:style>
+        <p:txBody>
+          <a:bodyPr rtlCol="0" anchor="ctr"/>
+          <a:lstStyle/>
+          <a:p>
+            <a:pPr algn="ctr"/>
+            <a:r>
+              <a:rPr lang="en-GB" dirty="0"/>
+              <a:t>System</a:t>
+            </a:r>
+          </a:p>
+        </p:txBody>
+      </p:sp>
+      <p:cxnSp>
+        <p:nvCxnSpPr>
+          <p:cNvPr id="11" name="Straight Arrow Connector 10">
+            <a:extLst>
+              <a:ext uri="{FF2B5EF4-FFF2-40B4-BE49-F238E27FC236}">
+                <a16:creationId xmlns:a16="http://schemas.microsoft.com/office/drawing/2014/main" id="{85E0A697-E388-45F7-AF39-C4D2352CDF1E}"/>
+              </a:ext>
+            </a:extLst>
+          </p:cNvPr>
+          <p:cNvCxnSpPr>
+            <a:cxnSpLocks/>
+            <a:endCxn id="5" idx="1"/>
+          </p:cNvCxnSpPr>
+          <p:nvPr/>
+        </p:nvCxnSpPr>
+        <p:spPr>
+          <a:xfrm>
+            <a:off x="410817" y="2729948"/>
+            <a:ext cx="1258957" cy="0"/>
+          </a:xfrm>
+          <a:prstGeom prst="straightConnector1">
+            <a:avLst/>
+          </a:prstGeom>
+          <a:ln>
+            <a:tailEnd type="triangle"/>
+          </a:ln>
+        </p:spPr>
+        <p:style>
+          <a:lnRef idx="1">
+            <a:schemeClr val="dk1"/>
+          </a:lnRef>
+          <a:fillRef idx="0">
+            <a:schemeClr val="dk1"/>
+          </a:fillRef>
+          <a:effectRef idx="0">
+            <a:schemeClr val="dk1"/>
+          </a:effectRef>
+          <a:fontRef idx="minor">
+            <a:schemeClr val="tx1"/>
+          </a:fontRef>
+        </p:style>
+      </p:cxnSp>
+      <p:cxnSp>
+        <p:nvCxnSpPr>
+          <p:cNvPr id="14" name="Straight Arrow Connector 13">
+            <a:extLst>
+              <a:ext uri="{FF2B5EF4-FFF2-40B4-BE49-F238E27FC236}">
+                <a16:creationId xmlns:a16="http://schemas.microsoft.com/office/drawing/2014/main" id="{CCB7235E-B016-4F00-966D-B2DF794488DB}"/>
+              </a:ext>
+            </a:extLst>
+          </p:cNvPr>
+          <p:cNvCxnSpPr>
+            <a:stCxn id="5" idx="3"/>
+            <a:endCxn id="6" idx="1"/>
+          </p:cNvCxnSpPr>
+          <p:nvPr/>
+        </p:nvCxnSpPr>
+        <p:spPr>
+          <a:xfrm>
+            <a:off x="3101009" y="2729948"/>
+            <a:ext cx="583402" cy="0"/>
+          </a:xfrm>
+          <a:prstGeom prst="straightConnector1">
+            <a:avLst/>
+          </a:prstGeom>
+          <a:ln>
+            <a:tailEnd type="triangle"/>
+          </a:ln>
+        </p:spPr>
+        <p:style>
+          <a:lnRef idx="1">
+            <a:schemeClr val="dk1"/>
+          </a:lnRef>
+          <a:fillRef idx="0">
+            <a:schemeClr val="dk1"/>
+          </a:fillRef>
+          <a:effectRef idx="0">
+            <a:schemeClr val="dk1"/>
+          </a:effectRef>
+          <a:fontRef idx="minor">
+            <a:schemeClr val="tx1"/>
+          </a:fontRef>
+        </p:style>
+      </p:cxnSp>
+      <p:cxnSp>
+        <p:nvCxnSpPr>
+          <p:cNvPr id="16" name="Straight Arrow Connector 15">
+            <a:extLst>
+              <a:ext uri="{FF2B5EF4-FFF2-40B4-BE49-F238E27FC236}">
+                <a16:creationId xmlns:a16="http://schemas.microsoft.com/office/drawing/2014/main" id="{9A0DB6FC-125F-42BE-A56D-1BF4A0F60E81}"/>
+              </a:ext>
+            </a:extLst>
+          </p:cNvPr>
+          <p:cNvCxnSpPr>
+            <a:stCxn id="6" idx="3"/>
+            <a:endCxn id="7" idx="1"/>
+          </p:cNvCxnSpPr>
+          <p:nvPr/>
+        </p:nvCxnSpPr>
+        <p:spPr>
+          <a:xfrm flipV="1">
+            <a:off x="4837351" y="2729947"/>
+            <a:ext cx="583402" cy="1"/>
+          </a:xfrm>
+          <a:prstGeom prst="straightConnector1">
+            <a:avLst/>
+          </a:prstGeom>
+          <a:ln>
+            <a:tailEnd type="triangle"/>
+          </a:ln>
+        </p:spPr>
+        <p:style>
+          <a:lnRef idx="1">
+            <a:schemeClr val="dk1"/>
+          </a:lnRef>
+          <a:fillRef idx="0">
+            <a:schemeClr val="dk1"/>
+          </a:fillRef>
+          <a:effectRef idx="0">
+            <a:schemeClr val="dk1"/>
+          </a:effectRef>
+          <a:fontRef idx="minor">
+            <a:schemeClr val="tx1"/>
+          </a:fontRef>
+        </p:style>
+      </p:cxnSp>
+      <p:cxnSp>
+        <p:nvCxnSpPr>
+          <p:cNvPr id="22" name="Straight Arrow Connector 21">
+            <a:extLst>
+              <a:ext uri="{FF2B5EF4-FFF2-40B4-BE49-F238E27FC236}">
+                <a16:creationId xmlns:a16="http://schemas.microsoft.com/office/drawing/2014/main" id="{172F54A6-98AF-4900-B7FB-C87415163693}"/>
+              </a:ext>
+            </a:extLst>
+          </p:cNvPr>
+          <p:cNvCxnSpPr>
+            <a:stCxn id="8" idx="3"/>
+            <a:endCxn id="9" idx="1"/>
+          </p:cNvCxnSpPr>
+          <p:nvPr/>
+        </p:nvCxnSpPr>
+        <p:spPr>
+          <a:xfrm>
+            <a:off x="9494878" y="2729947"/>
+            <a:ext cx="583400" cy="0"/>
+          </a:xfrm>
+          <a:prstGeom prst="straightConnector1">
+            <a:avLst/>
+          </a:prstGeom>
+          <a:ln>
+            <a:tailEnd type="triangle"/>
+          </a:ln>
+        </p:spPr>
+        <p:style>
+          <a:lnRef idx="1">
+            <a:schemeClr val="dk1"/>
+          </a:lnRef>
+          <a:fillRef idx="0">
+            <a:schemeClr val="dk1"/>
+          </a:fillRef>
+          <a:effectRef idx="0">
+            <a:schemeClr val="dk1"/>
+          </a:effectRef>
+          <a:fontRef idx="minor">
+            <a:schemeClr val="tx1"/>
+          </a:fontRef>
+        </p:style>
+      </p:cxnSp>
+      <p:grpSp>
+        <p:nvGrpSpPr>
+          <p:cNvPr id="36" name="Group 35">
+            <a:extLst>
+              <a:ext uri="{FF2B5EF4-FFF2-40B4-BE49-F238E27FC236}">
+                <a16:creationId xmlns:a16="http://schemas.microsoft.com/office/drawing/2014/main" id="{E04E5C7E-A825-4422-9AE2-362765F288C2}"/>
+              </a:ext>
+            </a:extLst>
+          </p:cNvPr>
+          <p:cNvGrpSpPr/>
+          <p:nvPr/>
+        </p:nvGrpSpPr>
+        <p:grpSpPr>
+          <a:xfrm>
+            <a:off x="7157095" y="2431773"/>
+            <a:ext cx="601441" cy="666188"/>
+            <a:chOff x="7188352" y="2431773"/>
+            <a:chExt cx="601441" cy="666188"/>
+          </a:xfrm>
+        </p:grpSpPr>
+        <p:sp>
+          <p:nvSpPr>
+            <p:cNvPr id="23" name="Oval 22">
+              <a:extLst>
+                <a:ext uri="{FF2B5EF4-FFF2-40B4-BE49-F238E27FC236}">
+                  <a16:creationId xmlns:a16="http://schemas.microsoft.com/office/drawing/2014/main" id="{91229E74-A47E-427A-B0EB-77972972CAE7}"/>
+                </a:ext>
+              </a:extLst>
+            </p:cNvPr>
+            <p:cNvSpPr/>
+            <p:nvPr/>
+          </p:nvSpPr>
+          <p:spPr>
+            <a:xfrm>
+              <a:off x="7219950" y="2431773"/>
+              <a:ext cx="569843" cy="596347"/>
+            </a:xfrm>
+            <a:prstGeom prst="ellipse">
+              <a:avLst/>
+            </a:prstGeom>
+          </p:spPr>
+          <p:style>
+            <a:lnRef idx="2">
+              <a:schemeClr val="dk1"/>
+            </a:lnRef>
+            <a:fillRef idx="1">
+              <a:schemeClr val="lt1"/>
+            </a:fillRef>
+            <a:effectRef idx="0">
+              <a:schemeClr val="dk1"/>
+            </a:effectRef>
+            <a:fontRef idx="minor">
+              <a:schemeClr val="dk1"/>
+            </a:fontRef>
+          </p:style>
+          <p:txBody>
+            <a:bodyPr rtlCol="0" anchor="ctr"/>
+            <a:lstStyle/>
+            <a:p>
+              <a:pPr algn="ctr"/>
+              <a:endParaRPr lang="en-GB"/>
+            </a:p>
+          </p:txBody>
+        </p:sp>
+        <p:cxnSp>
+          <p:nvCxnSpPr>
+            <p:cNvPr id="24" name="Straight Connector 23">
+              <a:extLst>
+                <a:ext uri="{FF2B5EF4-FFF2-40B4-BE49-F238E27FC236}">
+                  <a16:creationId xmlns:a16="http://schemas.microsoft.com/office/drawing/2014/main" id="{F41E73E1-1D97-4E4E-9793-46362CDFDEF7}"/>
+                </a:ext>
+              </a:extLst>
+            </p:cNvPr>
+            <p:cNvCxnSpPr>
+              <a:stCxn id="23" idx="1"/>
+              <a:endCxn id="23" idx="5"/>
+            </p:cNvCxnSpPr>
+            <p:nvPr/>
+          </p:nvCxnSpPr>
+          <p:spPr>
+            <a:xfrm>
+              <a:off x="7303402" y="2519106"/>
+              <a:ext cx="402939" cy="421681"/>
+            </a:xfrm>
+            <a:prstGeom prst="line">
+              <a:avLst/>
+            </a:prstGeom>
+          </p:spPr>
+          <p:style>
+            <a:lnRef idx="2">
+              <a:schemeClr val="dk1"/>
+            </a:lnRef>
+            <a:fillRef idx="1">
+              <a:schemeClr val="lt1"/>
+            </a:fillRef>
+            <a:effectRef idx="0">
+              <a:schemeClr val="dk1"/>
+            </a:effectRef>
+            <a:fontRef idx="minor">
+              <a:schemeClr val="dk1"/>
+            </a:fontRef>
+          </p:style>
+        </p:cxnSp>
+        <p:cxnSp>
+          <p:nvCxnSpPr>
+            <p:cNvPr id="25" name="Straight Connector 24">
+              <a:extLst>
+                <a:ext uri="{FF2B5EF4-FFF2-40B4-BE49-F238E27FC236}">
+                  <a16:creationId xmlns:a16="http://schemas.microsoft.com/office/drawing/2014/main" id="{483BDC05-04A1-4230-9A56-6F33313ADF8E}"/>
+                </a:ext>
+              </a:extLst>
+            </p:cNvPr>
+            <p:cNvCxnSpPr>
+              <a:stCxn id="23" idx="3"/>
+              <a:endCxn id="23" idx="7"/>
+            </p:cNvCxnSpPr>
+            <p:nvPr/>
+          </p:nvCxnSpPr>
+          <p:spPr>
+            <a:xfrm flipV="1">
+              <a:off x="7303402" y="2519106"/>
+              <a:ext cx="402939" cy="421681"/>
+            </a:xfrm>
+            <a:prstGeom prst="line">
+              <a:avLst/>
+            </a:prstGeom>
+          </p:spPr>
+          <p:style>
+            <a:lnRef idx="2">
+              <a:schemeClr val="dk1"/>
+            </a:lnRef>
+            <a:fillRef idx="1">
+              <a:schemeClr val="lt1"/>
+            </a:fillRef>
+            <a:effectRef idx="0">
+              <a:schemeClr val="dk1"/>
+            </a:effectRef>
+            <a:fontRef idx="minor">
+              <a:schemeClr val="dk1"/>
+            </a:fontRef>
+          </p:style>
+        </p:cxnSp>
+        <p:sp>
+          <p:nvSpPr>
+            <p:cNvPr id="27" name="TextBox 26">
+              <a:extLst>
+                <a:ext uri="{FF2B5EF4-FFF2-40B4-BE49-F238E27FC236}">
+                  <a16:creationId xmlns:a16="http://schemas.microsoft.com/office/drawing/2014/main" id="{E850286B-3AD4-4578-851E-BDE15E63E787}"/>
+                </a:ext>
+              </a:extLst>
+            </p:cNvPr>
+            <p:cNvSpPr txBox="1"/>
+            <p:nvPr/>
+          </p:nvSpPr>
+          <p:spPr>
+            <a:xfrm>
+              <a:off x="7188352" y="2519106"/>
+              <a:ext cx="300082" cy="369332"/>
+            </a:xfrm>
+            <a:prstGeom prst="rect">
+              <a:avLst/>
+            </a:prstGeom>
+            <a:noFill/>
+          </p:spPr>
+          <p:txBody>
+            <a:bodyPr wrap="none" rtlCol="0">
+              <a:spAutoFit/>
+            </a:bodyPr>
+            <a:lstStyle/>
+            <a:p>
+              <a:r>
+                <a:rPr lang="en-GB" dirty="0"/>
+                <a:t>+</a:t>
+              </a:r>
+            </a:p>
+          </p:txBody>
+        </p:sp>
+        <p:sp>
+          <p:nvSpPr>
+            <p:cNvPr id="28" name="TextBox 27">
+              <a:extLst>
+                <a:ext uri="{FF2B5EF4-FFF2-40B4-BE49-F238E27FC236}">
+                  <a16:creationId xmlns:a16="http://schemas.microsoft.com/office/drawing/2014/main" id="{62252297-EF37-4247-AD05-245F00ECA590}"/>
+                </a:ext>
+              </a:extLst>
+            </p:cNvPr>
+            <p:cNvSpPr txBox="1"/>
+            <p:nvPr/>
+          </p:nvSpPr>
+          <p:spPr>
+            <a:xfrm>
+              <a:off x="7377272" y="2728629"/>
+              <a:ext cx="255198" cy="369332"/>
+            </a:xfrm>
+            <a:prstGeom prst="rect">
+              <a:avLst/>
+            </a:prstGeom>
+            <a:noFill/>
+          </p:spPr>
+          <p:txBody>
+            <a:bodyPr wrap="none" rtlCol="0">
+              <a:spAutoFit/>
+            </a:bodyPr>
+            <a:lstStyle/>
+            <a:p>
+              <a:r>
+                <a:rPr lang="en-GB" dirty="0"/>
+                <a:t>-</a:t>
+              </a:r>
+            </a:p>
+          </p:txBody>
+        </p:sp>
+      </p:grpSp>
+      <p:cxnSp>
+        <p:nvCxnSpPr>
+          <p:cNvPr id="30" name="Straight Arrow Connector 29">
+            <a:extLst>
+              <a:ext uri="{FF2B5EF4-FFF2-40B4-BE49-F238E27FC236}">
+                <a16:creationId xmlns:a16="http://schemas.microsoft.com/office/drawing/2014/main" id="{0C310FBF-7879-496C-A880-866E8EC92DA2}"/>
+              </a:ext>
+            </a:extLst>
+          </p:cNvPr>
+          <p:cNvCxnSpPr>
+            <a:stCxn id="7" idx="3"/>
+            <a:endCxn id="23" idx="2"/>
+          </p:cNvCxnSpPr>
+          <p:nvPr/>
+        </p:nvCxnSpPr>
+        <p:spPr>
+          <a:xfrm>
+            <a:off x="6573693" y="2729947"/>
+            <a:ext cx="615000" cy="0"/>
+          </a:xfrm>
+          <a:prstGeom prst="straightConnector1">
+            <a:avLst/>
+          </a:prstGeom>
+          <a:ln>
+            <a:tailEnd type="triangle"/>
+          </a:ln>
+        </p:spPr>
+        <p:style>
+          <a:lnRef idx="1">
+            <a:schemeClr val="dk1"/>
+          </a:lnRef>
+          <a:fillRef idx="0">
+            <a:schemeClr val="dk1"/>
+          </a:fillRef>
+          <a:effectRef idx="0">
+            <a:schemeClr val="dk1"/>
+          </a:effectRef>
+          <a:fontRef idx="minor">
+            <a:schemeClr val="tx1"/>
+          </a:fontRef>
+        </p:style>
+      </p:cxnSp>
+      <p:cxnSp>
+        <p:nvCxnSpPr>
+          <p:cNvPr id="32" name="Straight Arrow Connector 31">
+            <a:extLst>
+              <a:ext uri="{FF2B5EF4-FFF2-40B4-BE49-F238E27FC236}">
+                <a16:creationId xmlns:a16="http://schemas.microsoft.com/office/drawing/2014/main" id="{E3C0261F-7FF9-4F7C-835F-625FD03E7B36}"/>
+              </a:ext>
+            </a:extLst>
+          </p:cNvPr>
+          <p:cNvCxnSpPr>
+            <a:stCxn id="23" idx="6"/>
+            <a:endCxn id="8" idx="1"/>
+          </p:cNvCxnSpPr>
+          <p:nvPr/>
+        </p:nvCxnSpPr>
+        <p:spPr>
+          <a:xfrm>
+            <a:off x="7758536" y="2729947"/>
+            <a:ext cx="583402" cy="0"/>
+          </a:xfrm>
+          <a:prstGeom prst="straightConnector1">
+            <a:avLst/>
+          </a:prstGeom>
+          <a:ln>
+            <a:tailEnd type="triangle"/>
+          </a:ln>
+        </p:spPr>
+        <p:style>
+          <a:lnRef idx="1">
+            <a:schemeClr val="dk1"/>
+          </a:lnRef>
+          <a:fillRef idx="0">
+            <a:schemeClr val="dk1"/>
+          </a:fillRef>
+          <a:effectRef idx="0">
+            <a:schemeClr val="dk1"/>
+          </a:effectRef>
+          <a:fontRef idx="minor">
+            <a:schemeClr val="tx1"/>
+          </a:fontRef>
+        </p:style>
+      </p:cxnSp>
+      <p:cxnSp>
+        <p:nvCxnSpPr>
+          <p:cNvPr id="34" name="Straight Arrow Connector 33">
+            <a:extLst>
+              <a:ext uri="{FF2B5EF4-FFF2-40B4-BE49-F238E27FC236}">
+                <a16:creationId xmlns:a16="http://schemas.microsoft.com/office/drawing/2014/main" id="{A72B27B9-4719-4C48-98BD-8FF6C2352F92}"/>
+              </a:ext>
+            </a:extLst>
+          </p:cNvPr>
+          <p:cNvCxnSpPr>
+            <a:cxnSpLocks/>
+            <a:endCxn id="23" idx="4"/>
+          </p:cNvCxnSpPr>
+          <p:nvPr/>
+        </p:nvCxnSpPr>
+        <p:spPr>
+          <a:xfrm flipV="1">
+            <a:off x="7473615" y="3028120"/>
+            <a:ext cx="0" cy="889094"/>
+          </a:xfrm>
+          <a:prstGeom prst="straightConnector1">
+            <a:avLst/>
+          </a:prstGeom>
+          <a:ln>
+            <a:tailEnd type="triangle"/>
+          </a:ln>
+        </p:spPr>
+        <p:style>
+          <a:lnRef idx="1">
+            <a:schemeClr val="dk1"/>
+          </a:lnRef>
+          <a:fillRef idx="0">
+            <a:schemeClr val="dk1"/>
+          </a:fillRef>
+          <a:effectRef idx="0">
+            <a:schemeClr val="dk1"/>
+          </a:effectRef>
+          <a:fontRef idx="minor">
+            <a:schemeClr val="tx1"/>
+          </a:fontRef>
+        </p:style>
+      </p:cxnSp>
+      <p:cxnSp>
+        <p:nvCxnSpPr>
+          <p:cNvPr id="39" name="Straight Connector 38">
+            <a:extLst>
+              <a:ext uri="{FF2B5EF4-FFF2-40B4-BE49-F238E27FC236}">
+                <a16:creationId xmlns:a16="http://schemas.microsoft.com/office/drawing/2014/main" id="{569FFCB3-951A-435C-9784-713A8193D26E}"/>
+              </a:ext>
+            </a:extLst>
+          </p:cNvPr>
+          <p:cNvCxnSpPr/>
+          <p:nvPr/>
+        </p:nvCxnSpPr>
+        <p:spPr>
+          <a:xfrm>
+            <a:off x="11231218" y="2940787"/>
+            <a:ext cx="470452" cy="0"/>
+          </a:xfrm>
+          <a:prstGeom prst="line">
+            <a:avLst/>
+          </a:prstGeom>
+        </p:spPr>
+        <p:style>
+          <a:lnRef idx="1">
+            <a:schemeClr val="dk1"/>
+          </a:lnRef>
+          <a:fillRef idx="0">
+            <a:schemeClr val="dk1"/>
+          </a:fillRef>
+          <a:effectRef idx="0">
+            <a:schemeClr val="dk1"/>
+          </a:effectRef>
+          <a:fontRef idx="minor">
+            <a:schemeClr val="tx1"/>
+          </a:fontRef>
+        </p:style>
+      </p:cxnSp>
+      <p:cxnSp>
+        <p:nvCxnSpPr>
+          <p:cNvPr id="41" name="Connector: Elbow 40">
+            <a:extLst>
+              <a:ext uri="{FF2B5EF4-FFF2-40B4-BE49-F238E27FC236}">
+                <a16:creationId xmlns:a16="http://schemas.microsoft.com/office/drawing/2014/main" id="{1397F2C5-35A9-4B43-9A08-BA78268F43A5}"/>
+              </a:ext>
+            </a:extLst>
+          </p:cNvPr>
+          <p:cNvCxnSpPr/>
+          <p:nvPr/>
+        </p:nvCxnSpPr>
+        <p:spPr>
+          <a:xfrm rot="10800000" flipV="1">
+            <a:off x="7457178" y="2940786"/>
+            <a:ext cx="4244493" cy="976427"/>
+          </a:xfrm>
+          <a:prstGeom prst="bentConnector3">
+            <a:avLst>
+              <a:gd name="adj1" fmla="val -267"/>
+            </a:avLst>
+          </a:prstGeom>
+        </p:spPr>
+        <p:style>
+          <a:lnRef idx="1">
+            <a:schemeClr val="dk1"/>
+          </a:lnRef>
+          <a:fillRef idx="0">
+            <a:schemeClr val="dk1"/>
+          </a:fillRef>
+          <a:effectRef idx="0">
+            <a:schemeClr val="dk1"/>
+          </a:effectRef>
+          <a:fontRef idx="minor">
+            <a:schemeClr val="tx1"/>
+          </a:fontRef>
+        </p:style>
+      </p:cxnSp>
+      <p:cxnSp>
+        <p:nvCxnSpPr>
+          <p:cNvPr id="44" name="Straight Arrow Connector 43">
+            <a:extLst>
+              <a:ext uri="{FF2B5EF4-FFF2-40B4-BE49-F238E27FC236}">
+                <a16:creationId xmlns:a16="http://schemas.microsoft.com/office/drawing/2014/main" id="{51D1E6E4-5677-45C7-BF74-3E0C9E4DD540}"/>
+              </a:ext>
+            </a:extLst>
+          </p:cNvPr>
+          <p:cNvCxnSpPr>
+            <a:endCxn id="5" idx="2"/>
+          </p:cNvCxnSpPr>
+          <p:nvPr/>
+        </p:nvCxnSpPr>
+        <p:spPr>
+          <a:xfrm flipV="1">
+            <a:off x="2385391" y="3220278"/>
+            <a:ext cx="1" cy="1736035"/>
+          </a:xfrm>
+          <a:prstGeom prst="straightConnector1">
+            <a:avLst/>
+          </a:prstGeom>
+          <a:ln>
+            <a:tailEnd type="triangle"/>
+          </a:ln>
+        </p:spPr>
+        <p:style>
+          <a:lnRef idx="1">
+            <a:schemeClr val="dk1"/>
+          </a:lnRef>
+          <a:fillRef idx="0">
+            <a:schemeClr val="dk1"/>
+          </a:fillRef>
+          <a:effectRef idx="0">
+            <a:schemeClr val="dk1"/>
+          </a:effectRef>
+          <a:fontRef idx="minor">
+            <a:schemeClr val="tx1"/>
+          </a:fontRef>
+        </p:style>
+      </p:cxnSp>
+      <p:cxnSp>
+        <p:nvCxnSpPr>
+          <p:cNvPr id="46" name="Straight Connector 45">
+            <a:extLst>
+              <a:ext uri="{FF2B5EF4-FFF2-40B4-BE49-F238E27FC236}">
+                <a16:creationId xmlns:a16="http://schemas.microsoft.com/office/drawing/2014/main" id="{893885B6-FDC8-4B16-AF02-F5BCEB7883A7}"/>
+              </a:ext>
+            </a:extLst>
+          </p:cNvPr>
+          <p:cNvCxnSpPr>
+            <a:stCxn id="9" idx="3"/>
+          </p:cNvCxnSpPr>
+          <p:nvPr/>
+        </p:nvCxnSpPr>
+        <p:spPr>
+          <a:xfrm flipV="1">
+            <a:off x="11231218" y="2728629"/>
+            <a:ext cx="695739" cy="1318"/>
+          </a:xfrm>
+          <a:prstGeom prst="line">
+            <a:avLst/>
+          </a:prstGeom>
+        </p:spPr>
+        <p:style>
+          <a:lnRef idx="1">
+            <a:schemeClr val="dk1"/>
+          </a:lnRef>
+          <a:fillRef idx="0">
+            <a:schemeClr val="dk1"/>
+          </a:fillRef>
+          <a:effectRef idx="0">
+            <a:schemeClr val="dk1"/>
+          </a:effectRef>
+          <a:fontRef idx="minor">
+            <a:schemeClr val="tx1"/>
+          </a:fontRef>
+        </p:style>
+      </p:cxnSp>
+      <p:cxnSp>
+        <p:nvCxnSpPr>
+          <p:cNvPr id="48" name="Connector: Elbow 47">
+            <a:extLst>
+              <a:ext uri="{FF2B5EF4-FFF2-40B4-BE49-F238E27FC236}">
+                <a16:creationId xmlns:a16="http://schemas.microsoft.com/office/drawing/2014/main" id="{96D0834C-BD65-443B-9C9B-F42281C03AFB}"/>
+              </a:ext>
+            </a:extLst>
+          </p:cNvPr>
+          <p:cNvCxnSpPr>
+            <a:cxnSpLocks/>
+          </p:cNvCxnSpPr>
+          <p:nvPr/>
+        </p:nvCxnSpPr>
+        <p:spPr>
+          <a:xfrm rot="10800000" flipV="1">
+            <a:off x="2366979" y="2728629"/>
+            <a:ext cx="9559978" cy="2227684"/>
+          </a:xfrm>
+          <a:prstGeom prst="bentConnector3">
+            <a:avLst>
+              <a:gd name="adj1" fmla="val -181"/>
+            </a:avLst>
+          </a:prstGeom>
+        </p:spPr>
+        <p:style>
+          <a:lnRef idx="1">
+            <a:schemeClr val="dk1"/>
+          </a:lnRef>
+          <a:fillRef idx="0">
+            <a:schemeClr val="dk1"/>
+          </a:fillRef>
+          <a:effectRef idx="0">
+            <a:schemeClr val="dk1"/>
+          </a:effectRef>
+          <a:fontRef idx="minor">
+            <a:schemeClr val="tx1"/>
+          </a:fontRef>
+        </p:style>
+      </p:cxnSp>
+      <p:cxnSp>
+        <p:nvCxnSpPr>
+          <p:cNvPr id="53" name="Straight Arrow Connector 52">
+            <a:extLst>
+              <a:ext uri="{FF2B5EF4-FFF2-40B4-BE49-F238E27FC236}">
+                <a16:creationId xmlns:a16="http://schemas.microsoft.com/office/drawing/2014/main" id="{DB8479F3-D5FF-41F3-80DC-580827622B2A}"/>
+              </a:ext>
+            </a:extLst>
+          </p:cNvPr>
+          <p:cNvCxnSpPr/>
+          <p:nvPr/>
+        </p:nvCxnSpPr>
+        <p:spPr>
+          <a:xfrm>
+            <a:off x="11231218" y="2431773"/>
+            <a:ext cx="695739" cy="0"/>
+          </a:xfrm>
+          <a:prstGeom prst="straightConnector1">
+            <a:avLst/>
+          </a:prstGeom>
+          <a:ln>
+            <a:tailEnd type="triangle"/>
+          </a:ln>
+        </p:spPr>
+        <p:style>
+          <a:lnRef idx="1">
+            <a:schemeClr val="dk1"/>
+          </a:lnRef>
+          <a:fillRef idx="0">
+            <a:schemeClr val="dk1"/>
+          </a:fillRef>
+          <a:effectRef idx="0">
+            <a:schemeClr val="dk1"/>
+          </a:effectRef>
+          <a:fontRef idx="minor">
+            <a:schemeClr val="tx1"/>
+          </a:fontRef>
+        </p:style>
+      </p:cxnSp>
+      <p:sp>
+        <p:nvSpPr>
+          <p:cNvPr id="54" name="TextBox 53">
+            <a:extLst>
+              <a:ext uri="{FF2B5EF4-FFF2-40B4-BE49-F238E27FC236}">
+                <a16:creationId xmlns:a16="http://schemas.microsoft.com/office/drawing/2014/main" id="{FE44ABD9-A591-4204-BA43-61FEA1AA59C4}"/>
+              </a:ext>
+            </a:extLst>
+          </p:cNvPr>
+          <p:cNvSpPr txBox="1"/>
+          <p:nvPr/>
+        </p:nvSpPr>
+        <p:spPr>
+          <a:xfrm>
+            <a:off x="11466444" y="2114790"/>
+            <a:ext cx="357983" cy="369332"/>
+          </a:xfrm>
+          <a:prstGeom prst="rect">
+            <a:avLst/>
+          </a:prstGeom>
+          <a:noFill/>
+        </p:spPr>
+        <p:txBody>
+          <a:bodyPr wrap="none" rtlCol="0">
+            <a:spAutoFit/>
+          </a:bodyPr>
+          <a:lstStyle/>
+          <a:p>
+            <a:r>
+              <a:rPr lang="en-GB" dirty="0"/>
+              <a:t>F</a:t>
+            </a:r>
+            <a:r>
+              <a:rPr lang="en-GB" baseline="-25000" dirty="0"/>
+              <a:t>a</a:t>
+            </a:r>
+          </a:p>
+        </p:txBody>
+      </p:sp>
+      <p:sp>
+        <p:nvSpPr>
+          <p:cNvPr id="55" name="TextBox 54">
+            <a:extLst>
+              <a:ext uri="{FF2B5EF4-FFF2-40B4-BE49-F238E27FC236}">
+                <a16:creationId xmlns:a16="http://schemas.microsoft.com/office/drawing/2014/main" id="{EEDC645B-4BC8-44E1-AF4B-DFE1C972B5E8}"/>
+              </a:ext>
+            </a:extLst>
+          </p:cNvPr>
+          <p:cNvSpPr txBox="1"/>
+          <p:nvPr/>
+        </p:nvSpPr>
+        <p:spPr>
+          <a:xfrm>
+            <a:off x="7457177" y="3217640"/>
+            <a:ext cx="237566" cy="369332"/>
+          </a:xfrm>
+          <a:prstGeom prst="rect">
+            <a:avLst/>
+          </a:prstGeom>
+          <a:noFill/>
+        </p:spPr>
+        <p:txBody>
+          <a:bodyPr wrap="none" rtlCol="0">
+            <a:spAutoFit/>
+          </a:bodyPr>
+          <a:lstStyle/>
+          <a:p>
+            <a:r>
+              <a:rPr lang="en-GB" dirty="0"/>
+              <a:t>i</a:t>
+            </a:r>
+          </a:p>
+        </p:txBody>
+      </p:sp>
+      <p:sp>
+        <p:nvSpPr>
+          <p:cNvPr id="56" name="TextBox 55">
+            <a:extLst>
+              <a:ext uri="{FF2B5EF4-FFF2-40B4-BE49-F238E27FC236}">
+                <a16:creationId xmlns:a16="http://schemas.microsoft.com/office/drawing/2014/main" id="{7676083D-294C-4D6B-A38E-1077E968F5C4}"/>
+              </a:ext>
+            </a:extLst>
+          </p:cNvPr>
+          <p:cNvSpPr txBox="1"/>
+          <p:nvPr/>
+        </p:nvSpPr>
+        <p:spPr>
+          <a:xfrm>
+            <a:off x="6685576" y="2359295"/>
+            <a:ext cx="317716" cy="369332"/>
+          </a:xfrm>
+          <a:prstGeom prst="rect">
+            <a:avLst/>
+          </a:prstGeom>
+          <a:noFill/>
+        </p:spPr>
+        <p:txBody>
+          <a:bodyPr wrap="none" rtlCol="0">
+            <a:spAutoFit/>
+          </a:bodyPr>
+          <a:lstStyle/>
+          <a:p>
+            <a:r>
+              <a:rPr lang="en-GB" dirty="0"/>
+              <a:t>i</a:t>
+            </a:r>
+            <a:r>
+              <a:rPr lang="en-GB" baseline="-25000" dirty="0"/>
+              <a:t>d</a:t>
+            </a:r>
+          </a:p>
+        </p:txBody>
+      </p:sp>
+      <p:sp>
+        <p:nvSpPr>
+          <p:cNvPr id="57" name="TextBox 56">
+            <a:extLst>
+              <a:ext uri="{FF2B5EF4-FFF2-40B4-BE49-F238E27FC236}">
+                <a16:creationId xmlns:a16="http://schemas.microsoft.com/office/drawing/2014/main" id="{3B1FA2DD-B6C7-49B0-9B80-8ECFC640B512}"/>
+              </a:ext>
+            </a:extLst>
+          </p:cNvPr>
+          <p:cNvSpPr txBox="1"/>
+          <p:nvPr/>
+        </p:nvSpPr>
+        <p:spPr>
+          <a:xfrm>
+            <a:off x="7870103" y="2359295"/>
+            <a:ext cx="314510" cy="369332"/>
+          </a:xfrm>
+          <a:prstGeom prst="rect">
+            <a:avLst/>
+          </a:prstGeom>
+          <a:noFill/>
+        </p:spPr>
+        <p:txBody>
+          <a:bodyPr wrap="none" rtlCol="0">
+            <a:spAutoFit/>
+          </a:bodyPr>
+          <a:lstStyle/>
+          <a:p>
+            <a:r>
+              <a:rPr lang="en-GB" dirty="0"/>
+              <a:t>i</a:t>
+            </a:r>
+            <a:r>
+              <a:rPr lang="en-GB" baseline="-25000" dirty="0"/>
+              <a:t>e</a:t>
+            </a:r>
+          </a:p>
+        </p:txBody>
+      </p:sp>
+      <p:sp>
+        <p:nvSpPr>
+          <p:cNvPr id="58" name="TextBox 57">
+            <a:extLst>
+              <a:ext uri="{FF2B5EF4-FFF2-40B4-BE49-F238E27FC236}">
+                <a16:creationId xmlns:a16="http://schemas.microsoft.com/office/drawing/2014/main" id="{D1B1781E-21C0-436A-A258-577684EC6CD6}"/>
+              </a:ext>
+            </a:extLst>
+          </p:cNvPr>
+          <p:cNvSpPr txBox="1"/>
+          <p:nvPr/>
+        </p:nvSpPr>
+        <p:spPr>
+          <a:xfrm>
+            <a:off x="4912970" y="2358637"/>
+            <a:ext cx="368371" cy="369332"/>
+          </a:xfrm>
+          <a:prstGeom prst="rect">
+            <a:avLst/>
+          </a:prstGeom>
+          <a:noFill/>
+        </p:spPr>
+        <p:txBody>
+          <a:bodyPr wrap="none" rtlCol="0">
+            <a:spAutoFit/>
+          </a:bodyPr>
+          <a:lstStyle/>
+          <a:p>
+            <a:r>
+              <a:rPr lang="en-GB" dirty="0"/>
+              <a:t>F</a:t>
+            </a:r>
+            <a:r>
+              <a:rPr lang="en-GB" baseline="-25000" dirty="0"/>
+              <a:t>d</a:t>
+            </a:r>
+          </a:p>
+        </p:txBody>
+      </p:sp>
+      <p:sp>
+        <p:nvSpPr>
+          <p:cNvPr id="59" name="TextBox 58">
+            <a:extLst>
+              <a:ext uri="{FF2B5EF4-FFF2-40B4-BE49-F238E27FC236}">
+                <a16:creationId xmlns:a16="http://schemas.microsoft.com/office/drawing/2014/main" id="{6268F7A5-9506-420D-9E42-A9D245A7C924}"/>
+              </a:ext>
+            </a:extLst>
+          </p:cNvPr>
+          <p:cNvSpPr txBox="1"/>
+          <p:nvPr/>
+        </p:nvSpPr>
+        <p:spPr>
+          <a:xfrm>
+            <a:off x="3193433" y="2358637"/>
+            <a:ext cx="394660" cy="369332"/>
+          </a:xfrm>
+          <a:prstGeom prst="rect">
+            <a:avLst/>
+          </a:prstGeom>
+          <a:noFill/>
+        </p:spPr>
+        <p:txBody>
+          <a:bodyPr wrap="none" rtlCol="0">
+            <a:spAutoFit/>
+          </a:bodyPr>
+          <a:lstStyle/>
+          <a:p>
+            <a:r>
+              <a:rPr lang="el-GR" dirty="0"/>
+              <a:t>Δ</a:t>
+            </a:r>
+            <a:r>
+              <a:rPr lang="en-GB" dirty="0"/>
+              <a:t>r</a:t>
+            </a:r>
+          </a:p>
+        </p:txBody>
+      </p:sp>
+      <p:sp>
+        <p:nvSpPr>
+          <p:cNvPr id="60" name="TextBox 59">
+            <a:extLst>
+              <a:ext uri="{FF2B5EF4-FFF2-40B4-BE49-F238E27FC236}">
+                <a16:creationId xmlns:a16="http://schemas.microsoft.com/office/drawing/2014/main" id="{8FA97812-5606-479D-B38B-55ABDA1FD3EC}"/>
+              </a:ext>
+            </a:extLst>
+          </p:cNvPr>
+          <p:cNvSpPr txBox="1"/>
+          <p:nvPr/>
+        </p:nvSpPr>
+        <p:spPr>
+          <a:xfrm>
+            <a:off x="2620862" y="4644966"/>
+            <a:ext cx="1282210" cy="369332"/>
+          </a:xfrm>
+          <a:prstGeom prst="rect">
+            <a:avLst/>
+          </a:prstGeom>
+          <a:noFill/>
+        </p:spPr>
+        <p:txBody>
+          <a:bodyPr wrap="none" rtlCol="0">
+            <a:spAutoFit/>
+          </a:bodyPr>
+          <a:lstStyle/>
+          <a:p>
+            <a:r>
+              <a:rPr lang="en-GB" dirty="0"/>
+              <a:t>Joint angles</a:t>
+            </a:r>
+          </a:p>
+        </p:txBody>
+      </p:sp>
+      <p:sp>
+        <p:nvSpPr>
+          <p:cNvPr id="61" name="TextBox 60">
+            <a:extLst>
+              <a:ext uri="{FF2B5EF4-FFF2-40B4-BE49-F238E27FC236}">
+                <a16:creationId xmlns:a16="http://schemas.microsoft.com/office/drawing/2014/main" id="{AA54C6AD-4E04-4C04-A301-F6B5B2F41175}"/>
+              </a:ext>
+            </a:extLst>
+          </p:cNvPr>
+          <p:cNvSpPr txBox="1"/>
+          <p:nvPr/>
+        </p:nvSpPr>
+        <p:spPr>
+          <a:xfrm>
+            <a:off x="247969" y="2127793"/>
+            <a:ext cx="1373646" cy="646331"/>
+          </a:xfrm>
+          <a:prstGeom prst="rect">
+            <a:avLst/>
+          </a:prstGeom>
+          <a:noFill/>
+        </p:spPr>
+        <p:txBody>
+          <a:bodyPr wrap="none" rtlCol="0">
+            <a:spAutoFit/>
+          </a:bodyPr>
+          <a:lstStyle/>
+          <a:p>
+            <a:r>
+              <a:rPr lang="en-GB" dirty="0"/>
+              <a:t>End Effector</a:t>
+            </a:r>
+          </a:p>
+          <a:p>
+            <a:r>
+              <a:rPr lang="en-GB" dirty="0"/>
+              <a:t>Desired Path</a:t>
+            </a:r>
+          </a:p>
+        </p:txBody>
+      </p:sp>
+    </p:spTree>
+    <p:extLst>
+      <p:ext uri="{BB962C8B-B14F-4D97-AF65-F5344CB8AC3E}">
+        <p14:creationId xmlns:p14="http://schemas.microsoft.com/office/powerpoint/2010/main" val="3648516875"/>
       </p:ext>
     </p:extLst>
   </p:cSld>
@@ -19244,8 +21478,8 @@
             </a:p>
           </p:txBody>
         </p:sp>
-        <mc:AlternateContent xmlns:mc="http://schemas.openxmlformats.org/markup-compatibility/2006">
-          <mc:Choice xmlns:a14="http://schemas.microsoft.com/office/drawing/2010/main" Requires="a14">
+        <mc:AlternateContent xmlns:mc="http://schemas.openxmlformats.org/markup-compatibility/2006" xmlns:a14="http://schemas.microsoft.com/office/drawing/2010/main">
+          <mc:Choice Requires="a14">
             <p:sp>
               <p:nvSpPr>
                 <p:cNvPr id="44" name="Rectangle 43">
@@ -19325,7 +21559,7 @@
               </p:txBody>
             </p:sp>
           </mc:Choice>
-          <mc:Fallback>
+          <mc:Fallback xmlns="">
             <p:sp>
               <p:nvSpPr>
                 <p:cNvPr id="44" name="Rectangle 43">
@@ -19370,8 +21604,8 @@
             </p:sp>
           </mc:Fallback>
         </mc:AlternateContent>
-        <mc:AlternateContent xmlns:mc="http://schemas.openxmlformats.org/markup-compatibility/2006">
-          <mc:Choice xmlns:a14="http://schemas.microsoft.com/office/drawing/2010/main" Requires="a14">
+        <mc:AlternateContent xmlns:mc="http://schemas.openxmlformats.org/markup-compatibility/2006" xmlns:a14="http://schemas.microsoft.com/office/drawing/2010/main">
+          <mc:Choice Requires="a14">
             <p:sp>
               <p:nvSpPr>
                 <p:cNvPr id="46" name="Rectangle 45">
@@ -19432,7 +21666,7 @@
               </p:txBody>
             </p:sp>
           </mc:Choice>
-          <mc:Fallback>
+          <mc:Fallback xmlns="">
             <p:sp>
               <p:nvSpPr>
                 <p:cNvPr id="46" name="Rectangle 45">

--- a/Modelling/MyPAM Modelling.pptx
+++ b/Modelling/MyPAM Modelling.pptx
@@ -19,6 +19,7 @@
     <p:sldId id="267" r:id="rId13"/>
     <p:sldId id="268" r:id="rId14"/>
     <p:sldId id="269" r:id="rId15"/>
+    <p:sldId id="270" r:id="rId16"/>
   </p:sldIdLst>
   <p:sldSz cx="12192000" cy="6858000"/>
   <p:notesSz cx="6858000" cy="9144000"/>
@@ -274,7 +275,7 @@
           <a:p>
             <a:fld id="{4DCC3765-A771-4BBA-8135-6F2E689117A7}" type="datetimeFigureOut">
               <a:rPr lang="en-GB" smtClean="0"/>
-              <a:t>04/12/2018</a:t>
+              <a:t>07/12/2018</a:t>
             </a:fld>
             <a:endParaRPr lang="en-GB"/>
           </a:p>
@@ -474,7 +475,7 @@
           <a:p>
             <a:fld id="{4DCC3765-A771-4BBA-8135-6F2E689117A7}" type="datetimeFigureOut">
               <a:rPr lang="en-GB" smtClean="0"/>
-              <a:t>04/12/2018</a:t>
+              <a:t>07/12/2018</a:t>
             </a:fld>
             <a:endParaRPr lang="en-GB"/>
           </a:p>
@@ -684,7 +685,7 @@
           <a:p>
             <a:fld id="{4DCC3765-A771-4BBA-8135-6F2E689117A7}" type="datetimeFigureOut">
               <a:rPr lang="en-GB" smtClean="0"/>
-              <a:t>04/12/2018</a:t>
+              <a:t>07/12/2018</a:t>
             </a:fld>
             <a:endParaRPr lang="en-GB"/>
           </a:p>
@@ -884,7 +885,7 @@
           <a:p>
             <a:fld id="{4DCC3765-A771-4BBA-8135-6F2E689117A7}" type="datetimeFigureOut">
               <a:rPr lang="en-GB" smtClean="0"/>
-              <a:t>04/12/2018</a:t>
+              <a:t>07/12/2018</a:t>
             </a:fld>
             <a:endParaRPr lang="en-GB"/>
           </a:p>
@@ -1160,7 +1161,7 @@
           <a:p>
             <a:fld id="{4DCC3765-A771-4BBA-8135-6F2E689117A7}" type="datetimeFigureOut">
               <a:rPr lang="en-GB" smtClean="0"/>
-              <a:t>04/12/2018</a:t>
+              <a:t>07/12/2018</a:t>
             </a:fld>
             <a:endParaRPr lang="en-GB"/>
           </a:p>
@@ -1428,7 +1429,7 @@
           <a:p>
             <a:fld id="{4DCC3765-A771-4BBA-8135-6F2E689117A7}" type="datetimeFigureOut">
               <a:rPr lang="en-GB" smtClean="0"/>
-              <a:t>04/12/2018</a:t>
+              <a:t>07/12/2018</a:t>
             </a:fld>
             <a:endParaRPr lang="en-GB"/>
           </a:p>
@@ -1843,7 +1844,7 @@
           <a:p>
             <a:fld id="{4DCC3765-A771-4BBA-8135-6F2E689117A7}" type="datetimeFigureOut">
               <a:rPr lang="en-GB" smtClean="0"/>
-              <a:t>04/12/2018</a:t>
+              <a:t>07/12/2018</a:t>
             </a:fld>
             <a:endParaRPr lang="en-GB"/>
           </a:p>
@@ -1985,7 +1986,7 @@
           <a:p>
             <a:fld id="{4DCC3765-A771-4BBA-8135-6F2E689117A7}" type="datetimeFigureOut">
               <a:rPr lang="en-GB" smtClean="0"/>
-              <a:t>04/12/2018</a:t>
+              <a:t>07/12/2018</a:t>
             </a:fld>
             <a:endParaRPr lang="en-GB"/>
           </a:p>
@@ -2098,7 +2099,7 @@
           <a:p>
             <a:fld id="{4DCC3765-A771-4BBA-8135-6F2E689117A7}" type="datetimeFigureOut">
               <a:rPr lang="en-GB" smtClean="0"/>
-              <a:t>04/12/2018</a:t>
+              <a:t>07/12/2018</a:t>
             </a:fld>
             <a:endParaRPr lang="en-GB"/>
           </a:p>
@@ -2411,7 +2412,7 @@
           <a:p>
             <a:fld id="{4DCC3765-A771-4BBA-8135-6F2E689117A7}" type="datetimeFigureOut">
               <a:rPr lang="en-GB" smtClean="0"/>
-              <a:t>04/12/2018</a:t>
+              <a:t>07/12/2018</a:t>
             </a:fld>
             <a:endParaRPr lang="en-GB"/>
           </a:p>
@@ -2700,7 +2701,7 @@
           <a:p>
             <a:fld id="{4DCC3765-A771-4BBA-8135-6F2E689117A7}" type="datetimeFigureOut">
               <a:rPr lang="en-GB" smtClean="0"/>
-              <a:t>04/12/2018</a:t>
+              <a:t>07/12/2018</a:t>
             </a:fld>
             <a:endParaRPr lang="en-GB"/>
           </a:p>
@@ -2943,7 +2944,7 @@
           <a:p>
             <a:fld id="{4DCC3765-A771-4BBA-8135-6F2E689117A7}" type="datetimeFigureOut">
               <a:rPr lang="en-GB" smtClean="0"/>
-              <a:t>04/12/2018</a:t>
+              <a:t>07/12/2018</a:t>
             </a:fld>
             <a:endParaRPr lang="en-GB"/>
           </a:p>
@@ -10333,6 +10334,2511 @@
     <p:extLst>
       <p:ext uri="{BB962C8B-B14F-4D97-AF65-F5344CB8AC3E}">
         <p14:creationId xmlns:p14="http://schemas.microsoft.com/office/powerpoint/2010/main" val="3648516875"/>
+      </p:ext>
+    </p:extLst>
+  </p:cSld>
+  <p:clrMapOvr>
+    <a:masterClrMapping/>
+  </p:clrMapOvr>
+</p:sld>
+</file>
+
+<file path=ppt/slides/slide15.xml><?xml version="1.0" encoding="utf-8"?>
+<p:sld xmlns:a="http://schemas.openxmlformats.org/drawingml/2006/main" xmlns:r="http://schemas.openxmlformats.org/officeDocument/2006/relationships" xmlns:p="http://schemas.openxmlformats.org/presentationml/2006/main">
+  <p:cSld>
+    <p:spTree>
+      <p:nvGrpSpPr>
+        <p:cNvPr id="1" name=""/>
+        <p:cNvGrpSpPr/>
+        <p:nvPr/>
+      </p:nvGrpSpPr>
+      <p:grpSpPr>
+        <a:xfrm>
+          <a:off x="0" y="0"/>
+          <a:ext cx="0" cy="0"/>
+          <a:chOff x="0" y="0"/>
+          <a:chExt cx="0" cy="0"/>
+        </a:xfrm>
+      </p:grpSpPr>
+      <p:sp>
+        <p:nvSpPr>
+          <p:cNvPr id="37" name="Rectangle 36">
+            <a:extLst>
+              <a:ext uri="{FF2B5EF4-FFF2-40B4-BE49-F238E27FC236}">
+                <a16:creationId xmlns:a16="http://schemas.microsoft.com/office/drawing/2014/main" id="{C1D9F2E1-1182-451B-BD24-16CAE6E7E2C6}"/>
+              </a:ext>
+            </a:extLst>
+          </p:cNvPr>
+          <p:cNvSpPr/>
+          <p:nvPr/>
+        </p:nvSpPr>
+        <p:spPr>
+          <a:xfrm>
+            <a:off x="525234" y="1023730"/>
+            <a:ext cx="1073427" cy="911087"/>
+          </a:xfrm>
+          <a:prstGeom prst="rect">
+            <a:avLst/>
+          </a:prstGeom>
+        </p:spPr>
+        <p:style>
+          <a:lnRef idx="2">
+            <a:schemeClr val="dk1"/>
+          </a:lnRef>
+          <a:fillRef idx="1">
+            <a:schemeClr val="lt1"/>
+          </a:fillRef>
+          <a:effectRef idx="0">
+            <a:schemeClr val="dk1"/>
+          </a:effectRef>
+          <a:fontRef idx="minor">
+            <a:schemeClr val="dk1"/>
+          </a:fontRef>
+        </p:style>
+        <p:txBody>
+          <a:bodyPr rtlCol="0" anchor="ctr"/>
+          <a:lstStyle/>
+          <a:p>
+            <a:pPr algn="ctr"/>
+            <a:r>
+              <a:rPr lang="en-GB" dirty="0"/>
+              <a:t>Desired</a:t>
+            </a:r>
+          </a:p>
+          <a:p>
+            <a:pPr algn="ctr"/>
+            <a:r>
+              <a:rPr lang="en-GB" dirty="0"/>
+              <a:t>Global</a:t>
+            </a:r>
+          </a:p>
+          <a:p>
+            <a:pPr algn="ctr"/>
+            <a:r>
+              <a:rPr lang="en-GB" dirty="0"/>
+              <a:t>Positions</a:t>
+            </a:r>
+          </a:p>
+        </p:txBody>
+      </p:sp>
+      <p:sp>
+        <p:nvSpPr>
+          <p:cNvPr id="38" name="Rectangle 37">
+            <a:extLst>
+              <a:ext uri="{FF2B5EF4-FFF2-40B4-BE49-F238E27FC236}">
+                <a16:creationId xmlns:a16="http://schemas.microsoft.com/office/drawing/2014/main" id="{B39B8B2D-8BEE-4C69-8034-4AA38BC8EA6D}"/>
+              </a:ext>
+            </a:extLst>
+          </p:cNvPr>
+          <p:cNvSpPr/>
+          <p:nvPr/>
+        </p:nvSpPr>
+        <p:spPr>
+          <a:xfrm>
+            <a:off x="3312953" y="1020417"/>
+            <a:ext cx="1232453" cy="914400"/>
+          </a:xfrm>
+          <a:prstGeom prst="rect">
+            <a:avLst/>
+          </a:prstGeom>
+        </p:spPr>
+        <p:style>
+          <a:lnRef idx="2">
+            <a:schemeClr val="dk1"/>
+          </a:lnRef>
+          <a:fillRef idx="1">
+            <a:schemeClr val="lt1"/>
+          </a:fillRef>
+          <a:effectRef idx="0">
+            <a:schemeClr val="dk1"/>
+          </a:effectRef>
+          <a:fontRef idx="minor">
+            <a:schemeClr val="dk1"/>
+          </a:fontRef>
+        </p:style>
+        <p:txBody>
+          <a:bodyPr rtlCol="0" anchor="ctr"/>
+          <a:lstStyle/>
+          <a:p>
+            <a:pPr algn="ctr"/>
+            <a:r>
+              <a:rPr lang="en-GB" dirty="0"/>
+              <a:t>Inverse</a:t>
+            </a:r>
+          </a:p>
+          <a:p>
+            <a:pPr algn="ctr"/>
+            <a:r>
+              <a:rPr lang="en-GB" dirty="0"/>
+              <a:t>Kinematics</a:t>
+            </a:r>
+          </a:p>
+        </p:txBody>
+      </p:sp>
+      <p:cxnSp>
+        <p:nvCxnSpPr>
+          <p:cNvPr id="39" name="Straight Arrow Connector 38">
+            <a:extLst>
+              <a:ext uri="{FF2B5EF4-FFF2-40B4-BE49-F238E27FC236}">
+                <a16:creationId xmlns:a16="http://schemas.microsoft.com/office/drawing/2014/main" id="{7FF3101A-5049-48F2-9A7C-873B00CF4985}"/>
+              </a:ext>
+            </a:extLst>
+          </p:cNvPr>
+          <p:cNvCxnSpPr>
+            <a:cxnSpLocks/>
+            <a:stCxn id="65" idx="6"/>
+            <a:endCxn id="38" idx="1"/>
+          </p:cNvCxnSpPr>
+          <p:nvPr/>
+        </p:nvCxnSpPr>
+        <p:spPr>
+          <a:xfrm>
+            <a:off x="2638957" y="1477617"/>
+            <a:ext cx="673996" cy="0"/>
+          </a:xfrm>
+          <a:prstGeom prst="straightConnector1">
+            <a:avLst/>
+          </a:prstGeom>
+          <a:ln>
+            <a:tailEnd type="triangle"/>
+          </a:ln>
+        </p:spPr>
+        <p:style>
+          <a:lnRef idx="1">
+            <a:schemeClr val="dk1"/>
+          </a:lnRef>
+          <a:fillRef idx="0">
+            <a:schemeClr val="dk1"/>
+          </a:fillRef>
+          <a:effectRef idx="0">
+            <a:schemeClr val="dk1"/>
+          </a:effectRef>
+          <a:fontRef idx="minor">
+            <a:schemeClr val="tx1"/>
+          </a:fontRef>
+        </p:style>
+      </p:cxnSp>
+      <p:sp>
+        <p:nvSpPr>
+          <p:cNvPr id="40" name="Rectangle 39">
+            <a:extLst>
+              <a:ext uri="{FF2B5EF4-FFF2-40B4-BE49-F238E27FC236}">
+                <a16:creationId xmlns:a16="http://schemas.microsoft.com/office/drawing/2014/main" id="{31500ED7-B932-47AC-8F60-DB262A15DB40}"/>
+              </a:ext>
+            </a:extLst>
+          </p:cNvPr>
+          <p:cNvSpPr/>
+          <p:nvPr/>
+        </p:nvSpPr>
+        <p:spPr>
+          <a:xfrm>
+            <a:off x="6679007" y="1020417"/>
+            <a:ext cx="1232453" cy="914400"/>
+          </a:xfrm>
+          <a:prstGeom prst="rect">
+            <a:avLst/>
+          </a:prstGeom>
+        </p:spPr>
+        <p:style>
+          <a:lnRef idx="2">
+            <a:schemeClr val="dk1"/>
+          </a:lnRef>
+          <a:fillRef idx="1">
+            <a:schemeClr val="lt1"/>
+          </a:fillRef>
+          <a:effectRef idx="0">
+            <a:schemeClr val="dk1"/>
+          </a:effectRef>
+          <a:fontRef idx="minor">
+            <a:schemeClr val="dk1"/>
+          </a:fontRef>
+        </p:style>
+        <p:txBody>
+          <a:bodyPr rtlCol="0" anchor="ctr"/>
+          <a:lstStyle/>
+          <a:p>
+            <a:pPr algn="ctr"/>
+            <a:r>
+              <a:rPr lang="en-GB" dirty="0"/>
+              <a:t>PID Joint</a:t>
+            </a:r>
+          </a:p>
+          <a:p>
+            <a:pPr algn="ctr"/>
+            <a:r>
+              <a:rPr lang="en-GB" dirty="0"/>
+              <a:t>Position</a:t>
+            </a:r>
+          </a:p>
+          <a:p>
+            <a:pPr algn="ctr"/>
+            <a:r>
+              <a:rPr lang="en-GB" dirty="0"/>
+              <a:t>Controllers</a:t>
+            </a:r>
+          </a:p>
+        </p:txBody>
+      </p:sp>
+      <p:sp>
+        <p:nvSpPr>
+          <p:cNvPr id="41" name="Rectangle 40">
+            <a:extLst>
+              <a:ext uri="{FF2B5EF4-FFF2-40B4-BE49-F238E27FC236}">
+                <a16:creationId xmlns:a16="http://schemas.microsoft.com/office/drawing/2014/main" id="{7FE12808-6677-4493-929D-1A7FAC6F3A24}"/>
+              </a:ext>
+            </a:extLst>
+          </p:cNvPr>
+          <p:cNvSpPr/>
+          <p:nvPr/>
+        </p:nvSpPr>
+        <p:spPr>
+          <a:xfrm>
+            <a:off x="8693339" y="1020417"/>
+            <a:ext cx="1232453" cy="914400"/>
+          </a:xfrm>
+          <a:prstGeom prst="rect">
+            <a:avLst/>
+          </a:prstGeom>
+        </p:spPr>
+        <p:style>
+          <a:lnRef idx="2">
+            <a:schemeClr val="dk1"/>
+          </a:lnRef>
+          <a:fillRef idx="1">
+            <a:schemeClr val="lt1"/>
+          </a:fillRef>
+          <a:effectRef idx="0">
+            <a:schemeClr val="dk1"/>
+          </a:effectRef>
+          <a:fontRef idx="minor">
+            <a:schemeClr val="dk1"/>
+          </a:fontRef>
+        </p:style>
+        <p:txBody>
+          <a:bodyPr rtlCol="0" anchor="ctr"/>
+          <a:lstStyle/>
+          <a:p>
+            <a:pPr algn="ctr"/>
+            <a:r>
+              <a:rPr lang="en-GB" dirty="0"/>
+              <a:t>Plant</a:t>
+            </a:r>
+          </a:p>
+        </p:txBody>
+      </p:sp>
+      <p:cxnSp>
+        <p:nvCxnSpPr>
+          <p:cNvPr id="42" name="Straight Arrow Connector 41">
+            <a:extLst>
+              <a:ext uri="{FF2B5EF4-FFF2-40B4-BE49-F238E27FC236}">
+                <a16:creationId xmlns:a16="http://schemas.microsoft.com/office/drawing/2014/main" id="{C6250278-8AE5-46C6-8EC5-AE18A7B88BB8}"/>
+              </a:ext>
+            </a:extLst>
+          </p:cNvPr>
+          <p:cNvCxnSpPr>
+            <a:cxnSpLocks/>
+            <a:stCxn id="40" idx="3"/>
+            <a:endCxn id="41" idx="1"/>
+          </p:cNvCxnSpPr>
+          <p:nvPr/>
+        </p:nvCxnSpPr>
+        <p:spPr>
+          <a:xfrm>
+            <a:off x="7911460" y="1477617"/>
+            <a:ext cx="781879" cy="0"/>
+          </a:xfrm>
+          <a:prstGeom prst="straightConnector1">
+            <a:avLst/>
+          </a:prstGeom>
+          <a:ln>
+            <a:tailEnd type="triangle"/>
+          </a:ln>
+        </p:spPr>
+        <p:style>
+          <a:lnRef idx="1">
+            <a:schemeClr val="dk1"/>
+          </a:lnRef>
+          <a:fillRef idx="0">
+            <a:schemeClr val="dk1"/>
+          </a:fillRef>
+          <a:effectRef idx="0">
+            <a:schemeClr val="dk1"/>
+          </a:effectRef>
+          <a:fontRef idx="minor">
+            <a:schemeClr val="tx1"/>
+          </a:fontRef>
+        </p:style>
+      </p:cxnSp>
+      <p:cxnSp>
+        <p:nvCxnSpPr>
+          <p:cNvPr id="43" name="Straight Arrow Connector 42">
+            <a:extLst>
+              <a:ext uri="{FF2B5EF4-FFF2-40B4-BE49-F238E27FC236}">
+                <a16:creationId xmlns:a16="http://schemas.microsoft.com/office/drawing/2014/main" id="{19D3DCD8-8ABF-4925-A11C-1B4B10FEAE92}"/>
+              </a:ext>
+            </a:extLst>
+          </p:cNvPr>
+          <p:cNvCxnSpPr>
+            <a:cxnSpLocks/>
+            <a:stCxn id="41" idx="3"/>
+          </p:cNvCxnSpPr>
+          <p:nvPr/>
+        </p:nvCxnSpPr>
+        <p:spPr>
+          <a:xfrm>
+            <a:off x="9925792" y="1477617"/>
+            <a:ext cx="856974" cy="0"/>
+          </a:xfrm>
+          <a:prstGeom prst="straightConnector1">
+            <a:avLst/>
+          </a:prstGeom>
+          <a:ln>
+            <a:tailEnd type="triangle"/>
+          </a:ln>
+        </p:spPr>
+        <p:style>
+          <a:lnRef idx="1">
+            <a:schemeClr val="dk1"/>
+          </a:lnRef>
+          <a:fillRef idx="0">
+            <a:schemeClr val="dk1"/>
+          </a:fillRef>
+          <a:effectRef idx="0">
+            <a:schemeClr val="dk1"/>
+          </a:effectRef>
+          <a:fontRef idx="minor">
+            <a:schemeClr val="tx1"/>
+          </a:fontRef>
+        </p:style>
+      </p:cxnSp>
+      <p:sp>
+        <p:nvSpPr>
+          <p:cNvPr id="44" name="Oval 43">
+            <a:extLst>
+              <a:ext uri="{FF2B5EF4-FFF2-40B4-BE49-F238E27FC236}">
+                <a16:creationId xmlns:a16="http://schemas.microsoft.com/office/drawing/2014/main" id="{33636446-E7FB-4177-AE74-F70930EE3C25}"/>
+              </a:ext>
+            </a:extLst>
+          </p:cNvPr>
+          <p:cNvSpPr/>
+          <p:nvPr/>
+        </p:nvSpPr>
+        <p:spPr>
+          <a:xfrm>
+            <a:off x="5327285" y="1179443"/>
+            <a:ext cx="569843" cy="596347"/>
+          </a:xfrm>
+          <a:prstGeom prst="ellipse">
+            <a:avLst/>
+          </a:prstGeom>
+        </p:spPr>
+        <p:style>
+          <a:lnRef idx="2">
+            <a:schemeClr val="dk1"/>
+          </a:lnRef>
+          <a:fillRef idx="1">
+            <a:schemeClr val="lt1"/>
+          </a:fillRef>
+          <a:effectRef idx="0">
+            <a:schemeClr val="dk1"/>
+          </a:effectRef>
+          <a:fontRef idx="minor">
+            <a:schemeClr val="dk1"/>
+          </a:fontRef>
+        </p:style>
+        <p:txBody>
+          <a:bodyPr rtlCol="0" anchor="ctr"/>
+          <a:lstStyle/>
+          <a:p>
+            <a:pPr algn="ctr"/>
+            <a:endParaRPr lang="en-GB"/>
+          </a:p>
+        </p:txBody>
+      </p:sp>
+      <p:cxnSp>
+        <p:nvCxnSpPr>
+          <p:cNvPr id="45" name="Straight Connector 44">
+            <a:extLst>
+              <a:ext uri="{FF2B5EF4-FFF2-40B4-BE49-F238E27FC236}">
+                <a16:creationId xmlns:a16="http://schemas.microsoft.com/office/drawing/2014/main" id="{AA5CBFAB-CECE-4989-9987-E9D34A26F51E}"/>
+              </a:ext>
+            </a:extLst>
+          </p:cNvPr>
+          <p:cNvCxnSpPr>
+            <a:stCxn id="44" idx="1"/>
+            <a:endCxn id="44" idx="5"/>
+          </p:cNvCxnSpPr>
+          <p:nvPr/>
+        </p:nvCxnSpPr>
+        <p:spPr>
+          <a:xfrm>
+            <a:off x="5410737" y="1266776"/>
+            <a:ext cx="402939" cy="421681"/>
+          </a:xfrm>
+          <a:prstGeom prst="line">
+            <a:avLst/>
+          </a:prstGeom>
+        </p:spPr>
+        <p:style>
+          <a:lnRef idx="2">
+            <a:schemeClr val="dk1"/>
+          </a:lnRef>
+          <a:fillRef idx="1">
+            <a:schemeClr val="lt1"/>
+          </a:fillRef>
+          <a:effectRef idx="0">
+            <a:schemeClr val="dk1"/>
+          </a:effectRef>
+          <a:fontRef idx="minor">
+            <a:schemeClr val="dk1"/>
+          </a:fontRef>
+        </p:style>
+      </p:cxnSp>
+      <p:cxnSp>
+        <p:nvCxnSpPr>
+          <p:cNvPr id="46" name="Straight Connector 45">
+            <a:extLst>
+              <a:ext uri="{FF2B5EF4-FFF2-40B4-BE49-F238E27FC236}">
+                <a16:creationId xmlns:a16="http://schemas.microsoft.com/office/drawing/2014/main" id="{9AA63280-BA8F-4FAA-8AC7-102209648286}"/>
+              </a:ext>
+            </a:extLst>
+          </p:cNvPr>
+          <p:cNvCxnSpPr>
+            <a:stCxn id="44" idx="3"/>
+            <a:endCxn id="44" idx="7"/>
+          </p:cNvCxnSpPr>
+          <p:nvPr/>
+        </p:nvCxnSpPr>
+        <p:spPr>
+          <a:xfrm flipV="1">
+            <a:off x="5410737" y="1266776"/>
+            <a:ext cx="402939" cy="421681"/>
+          </a:xfrm>
+          <a:prstGeom prst="line">
+            <a:avLst/>
+          </a:prstGeom>
+        </p:spPr>
+        <p:style>
+          <a:lnRef idx="2">
+            <a:schemeClr val="dk1"/>
+          </a:lnRef>
+          <a:fillRef idx="1">
+            <a:schemeClr val="lt1"/>
+          </a:fillRef>
+          <a:effectRef idx="0">
+            <a:schemeClr val="dk1"/>
+          </a:effectRef>
+          <a:fontRef idx="minor">
+            <a:schemeClr val="dk1"/>
+          </a:fontRef>
+        </p:style>
+      </p:cxnSp>
+      <p:cxnSp>
+        <p:nvCxnSpPr>
+          <p:cNvPr id="47" name="Straight Arrow Connector 46">
+            <a:extLst>
+              <a:ext uri="{FF2B5EF4-FFF2-40B4-BE49-F238E27FC236}">
+                <a16:creationId xmlns:a16="http://schemas.microsoft.com/office/drawing/2014/main" id="{5CC84E4C-6F03-4796-95C3-8D557DD312D4}"/>
+              </a:ext>
+            </a:extLst>
+          </p:cNvPr>
+          <p:cNvCxnSpPr>
+            <a:cxnSpLocks/>
+            <a:stCxn id="38" idx="3"/>
+            <a:endCxn id="44" idx="2"/>
+          </p:cNvCxnSpPr>
+          <p:nvPr/>
+        </p:nvCxnSpPr>
+        <p:spPr>
+          <a:xfrm>
+            <a:off x="4545406" y="1477617"/>
+            <a:ext cx="781879" cy="0"/>
+          </a:xfrm>
+          <a:prstGeom prst="straightConnector1">
+            <a:avLst/>
+          </a:prstGeom>
+          <a:ln>
+            <a:tailEnd type="triangle"/>
+          </a:ln>
+        </p:spPr>
+        <p:style>
+          <a:lnRef idx="1">
+            <a:schemeClr val="dk1"/>
+          </a:lnRef>
+          <a:fillRef idx="0">
+            <a:schemeClr val="dk1"/>
+          </a:fillRef>
+          <a:effectRef idx="0">
+            <a:schemeClr val="dk1"/>
+          </a:effectRef>
+          <a:fontRef idx="minor">
+            <a:schemeClr val="tx1"/>
+          </a:fontRef>
+        </p:style>
+      </p:cxnSp>
+      <p:cxnSp>
+        <p:nvCxnSpPr>
+          <p:cNvPr id="48" name="Straight Arrow Connector 47">
+            <a:extLst>
+              <a:ext uri="{FF2B5EF4-FFF2-40B4-BE49-F238E27FC236}">
+                <a16:creationId xmlns:a16="http://schemas.microsoft.com/office/drawing/2014/main" id="{39D22EC9-5939-419A-8323-7F9E1F56A7AC}"/>
+              </a:ext>
+            </a:extLst>
+          </p:cNvPr>
+          <p:cNvCxnSpPr>
+            <a:cxnSpLocks/>
+            <a:stCxn id="44" idx="6"/>
+            <a:endCxn id="40" idx="1"/>
+          </p:cNvCxnSpPr>
+          <p:nvPr/>
+        </p:nvCxnSpPr>
+        <p:spPr>
+          <a:xfrm>
+            <a:off x="5897128" y="1477617"/>
+            <a:ext cx="781879" cy="0"/>
+          </a:xfrm>
+          <a:prstGeom prst="straightConnector1">
+            <a:avLst/>
+          </a:prstGeom>
+          <a:ln>
+            <a:tailEnd type="triangle"/>
+          </a:ln>
+        </p:spPr>
+        <p:style>
+          <a:lnRef idx="1">
+            <a:schemeClr val="dk1"/>
+          </a:lnRef>
+          <a:fillRef idx="0">
+            <a:schemeClr val="dk1"/>
+          </a:fillRef>
+          <a:effectRef idx="0">
+            <a:schemeClr val="dk1"/>
+          </a:effectRef>
+          <a:fontRef idx="minor">
+            <a:schemeClr val="tx1"/>
+          </a:fontRef>
+        </p:style>
+      </p:cxnSp>
+      <p:sp>
+        <p:nvSpPr>
+          <p:cNvPr id="49" name="TextBox 48">
+            <a:extLst>
+              <a:ext uri="{FF2B5EF4-FFF2-40B4-BE49-F238E27FC236}">
+                <a16:creationId xmlns:a16="http://schemas.microsoft.com/office/drawing/2014/main" id="{C131BBBE-A1BC-49D3-822C-BF0741D1AB35}"/>
+              </a:ext>
+            </a:extLst>
+          </p:cNvPr>
+          <p:cNvSpPr txBox="1"/>
+          <p:nvPr/>
+        </p:nvSpPr>
+        <p:spPr>
+          <a:xfrm>
+            <a:off x="5296513" y="1292950"/>
+            <a:ext cx="300082" cy="369332"/>
+          </a:xfrm>
+          <a:prstGeom prst="rect">
+            <a:avLst/>
+          </a:prstGeom>
+          <a:noFill/>
+        </p:spPr>
+        <p:txBody>
+          <a:bodyPr wrap="none" rtlCol="0">
+            <a:spAutoFit/>
+          </a:bodyPr>
+          <a:lstStyle/>
+          <a:p>
+            <a:r>
+              <a:rPr lang="en-GB" dirty="0"/>
+              <a:t>+</a:t>
+            </a:r>
+          </a:p>
+        </p:txBody>
+      </p:sp>
+      <p:sp>
+        <p:nvSpPr>
+          <p:cNvPr id="50" name="TextBox 49">
+            <a:extLst>
+              <a:ext uri="{FF2B5EF4-FFF2-40B4-BE49-F238E27FC236}">
+                <a16:creationId xmlns:a16="http://schemas.microsoft.com/office/drawing/2014/main" id="{488CCC1D-B9B2-464C-B645-CDC84A3791AF}"/>
+              </a:ext>
+            </a:extLst>
+          </p:cNvPr>
+          <p:cNvSpPr txBox="1"/>
+          <p:nvPr/>
+        </p:nvSpPr>
+        <p:spPr>
+          <a:xfrm>
+            <a:off x="5484607" y="1450391"/>
+            <a:ext cx="255198" cy="369332"/>
+          </a:xfrm>
+          <a:prstGeom prst="rect">
+            <a:avLst/>
+          </a:prstGeom>
+          <a:noFill/>
+        </p:spPr>
+        <p:txBody>
+          <a:bodyPr wrap="none" rtlCol="0">
+            <a:spAutoFit/>
+          </a:bodyPr>
+          <a:lstStyle/>
+          <a:p>
+            <a:r>
+              <a:rPr lang="en-GB" dirty="0"/>
+              <a:t>-</a:t>
+            </a:r>
+          </a:p>
+        </p:txBody>
+      </p:sp>
+      <p:sp>
+        <p:nvSpPr>
+          <p:cNvPr id="51" name="Rectangle 50">
+            <a:extLst>
+              <a:ext uri="{FF2B5EF4-FFF2-40B4-BE49-F238E27FC236}">
+                <a16:creationId xmlns:a16="http://schemas.microsoft.com/office/drawing/2014/main" id="{E3CA6327-2B27-429B-AD3A-760DC62CB734}"/>
+              </a:ext>
+            </a:extLst>
+          </p:cNvPr>
+          <p:cNvSpPr/>
+          <p:nvPr/>
+        </p:nvSpPr>
+        <p:spPr>
+          <a:xfrm>
+            <a:off x="7680049" y="2131512"/>
+            <a:ext cx="1232453" cy="914400"/>
+          </a:xfrm>
+          <a:prstGeom prst="rect">
+            <a:avLst/>
+          </a:prstGeom>
+        </p:spPr>
+        <p:style>
+          <a:lnRef idx="2">
+            <a:schemeClr val="dk1"/>
+          </a:lnRef>
+          <a:fillRef idx="1">
+            <a:schemeClr val="lt1"/>
+          </a:fillRef>
+          <a:effectRef idx="0">
+            <a:schemeClr val="dk1"/>
+          </a:effectRef>
+          <a:fontRef idx="minor">
+            <a:schemeClr val="dk1"/>
+          </a:fontRef>
+        </p:style>
+        <p:txBody>
+          <a:bodyPr rtlCol="0" anchor="ctr"/>
+          <a:lstStyle/>
+          <a:p>
+            <a:pPr algn="ctr"/>
+            <a:r>
+              <a:rPr lang="en-GB" dirty="0"/>
+              <a:t>Joint</a:t>
+            </a:r>
+          </a:p>
+          <a:p>
+            <a:pPr algn="ctr"/>
+            <a:r>
+              <a:rPr lang="en-GB" dirty="0"/>
+              <a:t>Angle</a:t>
+            </a:r>
+          </a:p>
+          <a:p>
+            <a:pPr algn="ctr"/>
+            <a:r>
+              <a:rPr lang="en-GB" dirty="0"/>
+              <a:t>Sensors</a:t>
+            </a:r>
+          </a:p>
+        </p:txBody>
+      </p:sp>
+      <p:cxnSp>
+        <p:nvCxnSpPr>
+          <p:cNvPr id="33" name="Straight Arrow Connector 32">
+            <a:extLst>
+              <a:ext uri="{FF2B5EF4-FFF2-40B4-BE49-F238E27FC236}">
+                <a16:creationId xmlns:a16="http://schemas.microsoft.com/office/drawing/2014/main" id="{A9AE491D-F48D-40CA-9639-D9CF2E07EF7B}"/>
+              </a:ext>
+            </a:extLst>
+          </p:cNvPr>
+          <p:cNvCxnSpPr>
+            <a:endCxn id="51" idx="3"/>
+          </p:cNvCxnSpPr>
+          <p:nvPr/>
+        </p:nvCxnSpPr>
+        <p:spPr>
+          <a:xfrm flipH="1">
+            <a:off x="8912502" y="2588712"/>
+            <a:ext cx="1435654" cy="0"/>
+          </a:xfrm>
+          <a:prstGeom prst="straightConnector1">
+            <a:avLst/>
+          </a:prstGeom>
+          <a:ln>
+            <a:tailEnd type="triangle"/>
+          </a:ln>
+        </p:spPr>
+        <p:style>
+          <a:lnRef idx="1">
+            <a:schemeClr val="dk1"/>
+          </a:lnRef>
+          <a:fillRef idx="0">
+            <a:schemeClr val="dk1"/>
+          </a:fillRef>
+          <a:effectRef idx="0">
+            <a:schemeClr val="dk1"/>
+          </a:effectRef>
+          <a:fontRef idx="minor">
+            <a:schemeClr val="tx1"/>
+          </a:fontRef>
+        </p:style>
+      </p:cxnSp>
+      <p:cxnSp>
+        <p:nvCxnSpPr>
+          <p:cNvPr id="34" name="Straight Connector 33">
+            <a:extLst>
+              <a:ext uri="{FF2B5EF4-FFF2-40B4-BE49-F238E27FC236}">
+                <a16:creationId xmlns:a16="http://schemas.microsoft.com/office/drawing/2014/main" id="{2DAC9D89-5AA8-4DA4-AB19-74F7CFC30A53}"/>
+              </a:ext>
+            </a:extLst>
+          </p:cNvPr>
+          <p:cNvCxnSpPr>
+            <a:cxnSpLocks/>
+          </p:cNvCxnSpPr>
+          <p:nvPr/>
+        </p:nvCxnSpPr>
+        <p:spPr>
+          <a:xfrm flipV="1">
+            <a:off x="10354279" y="1477617"/>
+            <a:ext cx="0" cy="1111095"/>
+          </a:xfrm>
+          <a:prstGeom prst="line">
+            <a:avLst/>
+          </a:prstGeom>
+        </p:spPr>
+        <p:style>
+          <a:lnRef idx="1">
+            <a:schemeClr val="dk1"/>
+          </a:lnRef>
+          <a:fillRef idx="0">
+            <a:schemeClr val="dk1"/>
+          </a:fillRef>
+          <a:effectRef idx="0">
+            <a:schemeClr val="dk1"/>
+          </a:effectRef>
+          <a:fontRef idx="minor">
+            <a:schemeClr val="tx1"/>
+          </a:fontRef>
+        </p:style>
+      </p:cxnSp>
+      <p:cxnSp>
+        <p:nvCxnSpPr>
+          <p:cNvPr id="35" name="Straight Arrow Connector 34">
+            <a:extLst>
+              <a:ext uri="{FF2B5EF4-FFF2-40B4-BE49-F238E27FC236}">
+                <a16:creationId xmlns:a16="http://schemas.microsoft.com/office/drawing/2014/main" id="{65979B47-76B1-4AF9-8D72-C2F746C0A6C2}"/>
+              </a:ext>
+            </a:extLst>
+          </p:cNvPr>
+          <p:cNvCxnSpPr>
+            <a:cxnSpLocks/>
+            <a:endCxn id="44" idx="4"/>
+          </p:cNvCxnSpPr>
+          <p:nvPr/>
+        </p:nvCxnSpPr>
+        <p:spPr>
+          <a:xfrm flipV="1">
+            <a:off x="5606083" y="1775790"/>
+            <a:ext cx="6124" cy="812922"/>
+          </a:xfrm>
+          <a:prstGeom prst="straightConnector1">
+            <a:avLst/>
+          </a:prstGeom>
+          <a:ln>
+            <a:tailEnd type="triangle"/>
+          </a:ln>
+        </p:spPr>
+        <p:style>
+          <a:lnRef idx="1">
+            <a:schemeClr val="dk1"/>
+          </a:lnRef>
+          <a:fillRef idx="0">
+            <a:schemeClr val="dk1"/>
+          </a:fillRef>
+          <a:effectRef idx="0">
+            <a:schemeClr val="dk1"/>
+          </a:effectRef>
+          <a:fontRef idx="minor">
+            <a:schemeClr val="tx1"/>
+          </a:fontRef>
+        </p:style>
+      </p:cxnSp>
+      <p:cxnSp>
+        <p:nvCxnSpPr>
+          <p:cNvPr id="36" name="Straight Connector 35">
+            <a:extLst>
+              <a:ext uri="{FF2B5EF4-FFF2-40B4-BE49-F238E27FC236}">
+                <a16:creationId xmlns:a16="http://schemas.microsoft.com/office/drawing/2014/main" id="{39D85505-4803-4791-AAD7-4ACA18460262}"/>
+              </a:ext>
+            </a:extLst>
+          </p:cNvPr>
+          <p:cNvCxnSpPr>
+            <a:stCxn id="51" idx="1"/>
+          </p:cNvCxnSpPr>
+          <p:nvPr/>
+        </p:nvCxnSpPr>
+        <p:spPr>
+          <a:xfrm flipH="1">
+            <a:off x="5606083" y="2588712"/>
+            <a:ext cx="2073966" cy="0"/>
+          </a:xfrm>
+          <a:prstGeom prst="line">
+            <a:avLst/>
+          </a:prstGeom>
+        </p:spPr>
+        <p:style>
+          <a:lnRef idx="1">
+            <a:schemeClr val="dk1"/>
+          </a:lnRef>
+          <a:fillRef idx="0">
+            <a:schemeClr val="dk1"/>
+          </a:fillRef>
+          <a:effectRef idx="0">
+            <a:schemeClr val="dk1"/>
+          </a:effectRef>
+          <a:fontRef idx="minor">
+            <a:schemeClr val="tx1"/>
+          </a:fontRef>
+        </p:style>
+      </p:cxnSp>
+      <p:sp>
+        <p:nvSpPr>
+          <p:cNvPr id="52" name="TextBox 51">
+            <a:extLst>
+              <a:ext uri="{FF2B5EF4-FFF2-40B4-BE49-F238E27FC236}">
+                <a16:creationId xmlns:a16="http://schemas.microsoft.com/office/drawing/2014/main" id="{ECC2D875-B4A0-46E2-BE07-FDF3B19C2679}"/>
+              </a:ext>
+            </a:extLst>
+          </p:cNvPr>
+          <p:cNvSpPr txBox="1"/>
+          <p:nvPr/>
+        </p:nvSpPr>
+        <p:spPr>
+          <a:xfrm>
+            <a:off x="2550073" y="1113769"/>
+            <a:ext cx="606256" cy="369332"/>
+          </a:xfrm>
+          <a:prstGeom prst="rect">
+            <a:avLst/>
+          </a:prstGeom>
+          <a:noFill/>
+        </p:spPr>
+        <p:txBody>
+          <a:bodyPr wrap="none" rtlCol="0">
+            <a:spAutoFit/>
+          </a:bodyPr>
+          <a:lstStyle/>
+          <a:p>
+            <a:r>
+              <a:rPr lang="en-GB" dirty="0">
+                <a:solidFill>
+                  <a:srgbClr val="002060"/>
+                </a:solidFill>
+              </a:rPr>
+              <a:t>x</a:t>
+            </a:r>
+            <a:r>
+              <a:rPr lang="en-GB" baseline="-25000" dirty="0">
+                <a:solidFill>
+                  <a:srgbClr val="002060"/>
+                </a:solidFill>
+              </a:rPr>
+              <a:t>d</a:t>
+            </a:r>
+            <a:r>
+              <a:rPr lang="en-GB" dirty="0">
+                <a:solidFill>
+                  <a:srgbClr val="002060"/>
+                </a:solidFill>
+              </a:rPr>
+              <a:t>,y</a:t>
+            </a:r>
+            <a:r>
+              <a:rPr lang="en-GB" baseline="-25000" dirty="0">
+                <a:solidFill>
+                  <a:srgbClr val="002060"/>
+                </a:solidFill>
+              </a:rPr>
+              <a:t>d</a:t>
+            </a:r>
+          </a:p>
+        </p:txBody>
+      </p:sp>
+      <p:sp>
+        <p:nvSpPr>
+          <p:cNvPr id="53" name="TextBox 52">
+            <a:extLst>
+              <a:ext uri="{FF2B5EF4-FFF2-40B4-BE49-F238E27FC236}">
+                <a16:creationId xmlns:a16="http://schemas.microsoft.com/office/drawing/2014/main" id="{2F27FC6A-A3C0-4120-822B-670F2D3507ED}"/>
+              </a:ext>
+            </a:extLst>
+          </p:cNvPr>
+          <p:cNvSpPr txBox="1"/>
+          <p:nvPr/>
+        </p:nvSpPr>
+        <p:spPr>
+          <a:xfrm>
+            <a:off x="4511407" y="1130252"/>
+            <a:ext cx="806631" cy="369332"/>
+          </a:xfrm>
+          <a:prstGeom prst="rect">
+            <a:avLst/>
+          </a:prstGeom>
+          <a:noFill/>
+        </p:spPr>
+        <p:txBody>
+          <a:bodyPr wrap="none" rtlCol="0">
+            <a:spAutoFit/>
+          </a:bodyPr>
+          <a:lstStyle/>
+          <a:p>
+            <a:r>
+              <a:rPr lang="el-GR" dirty="0">
+                <a:solidFill>
+                  <a:srgbClr val="002060"/>
+                </a:solidFill>
+              </a:rPr>
+              <a:t>θ</a:t>
+            </a:r>
+            <a:r>
+              <a:rPr lang="en-GB" baseline="-25000" dirty="0">
+                <a:solidFill>
+                  <a:srgbClr val="002060"/>
+                </a:solidFill>
+              </a:rPr>
+              <a:t>0d</a:t>
+            </a:r>
+            <a:r>
+              <a:rPr lang="en-GB" dirty="0">
+                <a:solidFill>
+                  <a:srgbClr val="002060"/>
+                </a:solidFill>
+              </a:rPr>
+              <a:t>,</a:t>
+            </a:r>
+            <a:r>
+              <a:rPr lang="el-GR" dirty="0">
+                <a:solidFill>
+                  <a:srgbClr val="002060"/>
+                </a:solidFill>
+              </a:rPr>
+              <a:t>θ</a:t>
+            </a:r>
+            <a:r>
+              <a:rPr lang="en-GB" baseline="-25000" dirty="0">
+                <a:solidFill>
+                  <a:srgbClr val="002060"/>
+                </a:solidFill>
+              </a:rPr>
+              <a:t>1d</a:t>
+            </a:r>
+          </a:p>
+        </p:txBody>
+      </p:sp>
+      <p:sp>
+        <p:nvSpPr>
+          <p:cNvPr id="54" name="TextBox 53">
+            <a:extLst>
+              <a:ext uri="{FF2B5EF4-FFF2-40B4-BE49-F238E27FC236}">
+                <a16:creationId xmlns:a16="http://schemas.microsoft.com/office/drawing/2014/main" id="{F515DDF3-8EEC-450E-94D3-FD7A92AC45C4}"/>
+              </a:ext>
+            </a:extLst>
+          </p:cNvPr>
+          <p:cNvSpPr txBox="1"/>
+          <p:nvPr/>
+        </p:nvSpPr>
+        <p:spPr>
+          <a:xfrm>
+            <a:off x="6040694" y="2588712"/>
+            <a:ext cx="827021" cy="369332"/>
+          </a:xfrm>
+          <a:prstGeom prst="rect">
+            <a:avLst/>
+          </a:prstGeom>
+          <a:noFill/>
+        </p:spPr>
+        <p:txBody>
+          <a:bodyPr wrap="none" rtlCol="0">
+            <a:spAutoFit/>
+          </a:bodyPr>
+          <a:lstStyle/>
+          <a:p>
+            <a:r>
+              <a:rPr lang="el-GR" dirty="0">
+                <a:solidFill>
+                  <a:srgbClr val="002060"/>
+                </a:solidFill>
+              </a:rPr>
+              <a:t>θ</a:t>
+            </a:r>
+            <a:r>
+              <a:rPr lang="en-GB" baseline="-25000" dirty="0">
+                <a:solidFill>
+                  <a:srgbClr val="002060"/>
+                </a:solidFill>
+              </a:rPr>
+              <a:t>0A</a:t>
+            </a:r>
+            <a:r>
+              <a:rPr lang="en-GB" dirty="0">
+                <a:solidFill>
+                  <a:srgbClr val="002060"/>
+                </a:solidFill>
+              </a:rPr>
+              <a:t>,</a:t>
+            </a:r>
+            <a:r>
+              <a:rPr lang="el-GR" dirty="0">
+                <a:solidFill>
+                  <a:srgbClr val="002060"/>
+                </a:solidFill>
+              </a:rPr>
+              <a:t>θ</a:t>
+            </a:r>
+            <a:r>
+              <a:rPr lang="en-GB" baseline="-25000" dirty="0">
+                <a:solidFill>
+                  <a:srgbClr val="002060"/>
+                </a:solidFill>
+              </a:rPr>
+              <a:t>1A</a:t>
+            </a:r>
+          </a:p>
+        </p:txBody>
+      </p:sp>
+      <p:sp>
+        <p:nvSpPr>
+          <p:cNvPr id="55" name="TextBox 54">
+            <a:extLst>
+              <a:ext uri="{FF2B5EF4-FFF2-40B4-BE49-F238E27FC236}">
+                <a16:creationId xmlns:a16="http://schemas.microsoft.com/office/drawing/2014/main" id="{A4A59FB7-39A5-4BDB-9451-71EE5FC8F93D}"/>
+              </a:ext>
+            </a:extLst>
+          </p:cNvPr>
+          <p:cNvSpPr txBox="1"/>
+          <p:nvPr/>
+        </p:nvSpPr>
+        <p:spPr>
+          <a:xfrm>
+            <a:off x="5841999" y="1146901"/>
+            <a:ext cx="827021" cy="369332"/>
+          </a:xfrm>
+          <a:prstGeom prst="rect">
+            <a:avLst/>
+          </a:prstGeom>
+          <a:noFill/>
+        </p:spPr>
+        <p:txBody>
+          <a:bodyPr wrap="none" rtlCol="0">
+            <a:spAutoFit/>
+          </a:bodyPr>
+          <a:lstStyle/>
+          <a:p>
+            <a:r>
+              <a:rPr lang="el-GR" dirty="0">
+                <a:solidFill>
+                  <a:srgbClr val="002060"/>
+                </a:solidFill>
+              </a:rPr>
+              <a:t>θ</a:t>
+            </a:r>
+            <a:r>
+              <a:rPr lang="en-GB" baseline="-25000" dirty="0">
+                <a:solidFill>
+                  <a:srgbClr val="002060"/>
+                </a:solidFill>
+              </a:rPr>
+              <a:t>0e</a:t>
+            </a:r>
+            <a:r>
+              <a:rPr lang="en-GB" dirty="0">
+                <a:solidFill>
+                  <a:srgbClr val="002060"/>
+                </a:solidFill>
+              </a:rPr>
+              <a:t>,</a:t>
+            </a:r>
+            <a:r>
+              <a:rPr lang="el-GR" dirty="0">
+                <a:solidFill>
+                  <a:srgbClr val="002060"/>
+                </a:solidFill>
+              </a:rPr>
+              <a:t>θ</a:t>
+            </a:r>
+            <a:r>
+              <a:rPr lang="en-GB" baseline="-25000" dirty="0">
+                <a:solidFill>
+                  <a:srgbClr val="002060"/>
+                </a:solidFill>
+              </a:rPr>
+              <a:t>1e</a:t>
+            </a:r>
+          </a:p>
+        </p:txBody>
+      </p:sp>
+      <p:sp>
+        <p:nvSpPr>
+          <p:cNvPr id="56" name="TextBox 55">
+            <a:extLst>
+              <a:ext uri="{FF2B5EF4-FFF2-40B4-BE49-F238E27FC236}">
+                <a16:creationId xmlns:a16="http://schemas.microsoft.com/office/drawing/2014/main" id="{11364681-FB14-457C-95F5-586E155EB220}"/>
+              </a:ext>
+            </a:extLst>
+          </p:cNvPr>
+          <p:cNvSpPr txBox="1"/>
+          <p:nvPr/>
+        </p:nvSpPr>
+        <p:spPr>
+          <a:xfrm>
+            <a:off x="7961960" y="1130252"/>
+            <a:ext cx="643125" cy="369332"/>
+          </a:xfrm>
+          <a:prstGeom prst="rect">
+            <a:avLst/>
+          </a:prstGeom>
+          <a:noFill/>
+        </p:spPr>
+        <p:txBody>
+          <a:bodyPr wrap="none" rtlCol="0">
+            <a:spAutoFit/>
+          </a:bodyPr>
+          <a:lstStyle/>
+          <a:p>
+            <a:r>
+              <a:rPr lang="en-GB" dirty="0">
+                <a:solidFill>
+                  <a:srgbClr val="002060"/>
+                </a:solidFill>
+              </a:rPr>
+              <a:t>u</a:t>
+            </a:r>
+            <a:r>
+              <a:rPr lang="en-GB" baseline="-25000" dirty="0">
+                <a:solidFill>
+                  <a:srgbClr val="002060"/>
+                </a:solidFill>
+              </a:rPr>
+              <a:t>0</a:t>
+            </a:r>
+            <a:r>
+              <a:rPr lang="en-GB" dirty="0">
+                <a:solidFill>
+                  <a:srgbClr val="002060"/>
+                </a:solidFill>
+              </a:rPr>
+              <a:t>,u</a:t>
+            </a:r>
+            <a:r>
+              <a:rPr lang="en-GB" baseline="-25000" dirty="0">
+                <a:solidFill>
+                  <a:srgbClr val="002060"/>
+                </a:solidFill>
+              </a:rPr>
+              <a:t>1</a:t>
+            </a:r>
+          </a:p>
+        </p:txBody>
+      </p:sp>
+      <p:sp>
+        <p:nvSpPr>
+          <p:cNvPr id="57" name="TextBox 56">
+            <a:extLst>
+              <a:ext uri="{FF2B5EF4-FFF2-40B4-BE49-F238E27FC236}">
+                <a16:creationId xmlns:a16="http://schemas.microsoft.com/office/drawing/2014/main" id="{19B6451E-5C4F-45F9-B7CC-077B47120D74}"/>
+              </a:ext>
+            </a:extLst>
+          </p:cNvPr>
+          <p:cNvSpPr txBox="1"/>
+          <p:nvPr/>
+        </p:nvSpPr>
+        <p:spPr>
+          <a:xfrm>
+            <a:off x="10018647" y="823735"/>
+            <a:ext cx="1528239" cy="646331"/>
+          </a:xfrm>
+          <a:prstGeom prst="rect">
+            <a:avLst/>
+          </a:prstGeom>
+          <a:noFill/>
+        </p:spPr>
+        <p:txBody>
+          <a:bodyPr wrap="none" rtlCol="0">
+            <a:spAutoFit/>
+          </a:bodyPr>
+          <a:lstStyle/>
+          <a:p>
+            <a:pPr algn="ctr"/>
+            <a:r>
+              <a:rPr lang="en-GB" dirty="0">
+                <a:solidFill>
+                  <a:srgbClr val="002060"/>
+                </a:solidFill>
+              </a:rPr>
+              <a:t>Motor Shaft </a:t>
+            </a:r>
+          </a:p>
+          <a:p>
+            <a:pPr algn="ctr"/>
+            <a:r>
+              <a:rPr lang="en-GB" dirty="0">
+                <a:solidFill>
+                  <a:srgbClr val="002060"/>
+                </a:solidFill>
+              </a:rPr>
+              <a:t>Positions (rad)</a:t>
+            </a:r>
+            <a:endParaRPr lang="en-GB" baseline="-25000" dirty="0">
+              <a:solidFill>
+                <a:srgbClr val="002060"/>
+              </a:solidFill>
+            </a:endParaRPr>
+          </a:p>
+        </p:txBody>
+      </p:sp>
+      <p:sp>
+        <p:nvSpPr>
+          <p:cNvPr id="65" name="Oval 64">
+            <a:extLst>
+              <a:ext uri="{FF2B5EF4-FFF2-40B4-BE49-F238E27FC236}">
+                <a16:creationId xmlns:a16="http://schemas.microsoft.com/office/drawing/2014/main" id="{B0157991-D941-49A3-BF32-A741752E1410}"/>
+              </a:ext>
+            </a:extLst>
+          </p:cNvPr>
+          <p:cNvSpPr/>
+          <p:nvPr/>
+        </p:nvSpPr>
+        <p:spPr>
+          <a:xfrm>
+            <a:off x="2069114" y="1179443"/>
+            <a:ext cx="569843" cy="596347"/>
+          </a:xfrm>
+          <a:prstGeom prst="ellipse">
+            <a:avLst/>
+          </a:prstGeom>
+        </p:spPr>
+        <p:style>
+          <a:lnRef idx="2">
+            <a:schemeClr val="dk1"/>
+          </a:lnRef>
+          <a:fillRef idx="1">
+            <a:schemeClr val="lt1"/>
+          </a:fillRef>
+          <a:effectRef idx="0">
+            <a:schemeClr val="dk1"/>
+          </a:effectRef>
+          <a:fontRef idx="minor">
+            <a:schemeClr val="dk1"/>
+          </a:fontRef>
+        </p:style>
+        <p:txBody>
+          <a:bodyPr rtlCol="0" anchor="ctr"/>
+          <a:lstStyle/>
+          <a:p>
+            <a:pPr algn="ctr"/>
+            <a:endParaRPr lang="en-GB"/>
+          </a:p>
+        </p:txBody>
+      </p:sp>
+      <p:cxnSp>
+        <p:nvCxnSpPr>
+          <p:cNvPr id="66" name="Straight Connector 65">
+            <a:extLst>
+              <a:ext uri="{FF2B5EF4-FFF2-40B4-BE49-F238E27FC236}">
+                <a16:creationId xmlns:a16="http://schemas.microsoft.com/office/drawing/2014/main" id="{C0E42159-CBA6-4EE4-B8E4-0E7641132025}"/>
+              </a:ext>
+            </a:extLst>
+          </p:cNvPr>
+          <p:cNvCxnSpPr>
+            <a:stCxn id="65" idx="1"/>
+            <a:endCxn id="65" idx="5"/>
+          </p:cNvCxnSpPr>
+          <p:nvPr/>
+        </p:nvCxnSpPr>
+        <p:spPr>
+          <a:xfrm>
+            <a:off x="2152566" y="1266776"/>
+            <a:ext cx="402939" cy="421681"/>
+          </a:xfrm>
+          <a:prstGeom prst="line">
+            <a:avLst/>
+          </a:prstGeom>
+        </p:spPr>
+        <p:style>
+          <a:lnRef idx="2">
+            <a:schemeClr val="dk1"/>
+          </a:lnRef>
+          <a:fillRef idx="1">
+            <a:schemeClr val="lt1"/>
+          </a:fillRef>
+          <a:effectRef idx="0">
+            <a:schemeClr val="dk1"/>
+          </a:effectRef>
+          <a:fontRef idx="minor">
+            <a:schemeClr val="dk1"/>
+          </a:fontRef>
+        </p:style>
+      </p:cxnSp>
+      <p:cxnSp>
+        <p:nvCxnSpPr>
+          <p:cNvPr id="67" name="Straight Connector 66">
+            <a:extLst>
+              <a:ext uri="{FF2B5EF4-FFF2-40B4-BE49-F238E27FC236}">
+                <a16:creationId xmlns:a16="http://schemas.microsoft.com/office/drawing/2014/main" id="{C70AF38F-A620-414E-8A50-C5D81926861F}"/>
+              </a:ext>
+            </a:extLst>
+          </p:cNvPr>
+          <p:cNvCxnSpPr>
+            <a:stCxn id="65" idx="3"/>
+            <a:endCxn id="65" idx="7"/>
+          </p:cNvCxnSpPr>
+          <p:nvPr/>
+        </p:nvCxnSpPr>
+        <p:spPr>
+          <a:xfrm flipV="1">
+            <a:off x="2152566" y="1266776"/>
+            <a:ext cx="402939" cy="421681"/>
+          </a:xfrm>
+          <a:prstGeom prst="line">
+            <a:avLst/>
+          </a:prstGeom>
+        </p:spPr>
+        <p:style>
+          <a:lnRef idx="2">
+            <a:schemeClr val="dk1"/>
+          </a:lnRef>
+          <a:fillRef idx="1">
+            <a:schemeClr val="lt1"/>
+          </a:fillRef>
+          <a:effectRef idx="0">
+            <a:schemeClr val="dk1"/>
+          </a:effectRef>
+          <a:fontRef idx="minor">
+            <a:schemeClr val="dk1"/>
+          </a:fontRef>
+        </p:style>
+      </p:cxnSp>
+      <p:sp>
+        <p:nvSpPr>
+          <p:cNvPr id="68" name="TextBox 67">
+            <a:extLst>
+              <a:ext uri="{FF2B5EF4-FFF2-40B4-BE49-F238E27FC236}">
+                <a16:creationId xmlns:a16="http://schemas.microsoft.com/office/drawing/2014/main" id="{37BE2C91-A79B-4C0C-9F57-74273787C964}"/>
+              </a:ext>
+            </a:extLst>
+          </p:cNvPr>
+          <p:cNvSpPr txBox="1"/>
+          <p:nvPr/>
+        </p:nvSpPr>
+        <p:spPr>
+          <a:xfrm>
+            <a:off x="2018891" y="1285400"/>
+            <a:ext cx="300082" cy="369332"/>
+          </a:xfrm>
+          <a:prstGeom prst="rect">
+            <a:avLst/>
+          </a:prstGeom>
+          <a:noFill/>
+        </p:spPr>
+        <p:txBody>
+          <a:bodyPr wrap="none" rtlCol="0">
+            <a:spAutoFit/>
+          </a:bodyPr>
+          <a:lstStyle/>
+          <a:p>
+            <a:r>
+              <a:rPr lang="en-GB" dirty="0"/>
+              <a:t>+</a:t>
+            </a:r>
+          </a:p>
+        </p:txBody>
+      </p:sp>
+      <p:cxnSp>
+        <p:nvCxnSpPr>
+          <p:cNvPr id="72" name="Straight Arrow Connector 71">
+            <a:extLst>
+              <a:ext uri="{FF2B5EF4-FFF2-40B4-BE49-F238E27FC236}">
+                <a16:creationId xmlns:a16="http://schemas.microsoft.com/office/drawing/2014/main" id="{F3E95189-02BD-46B1-AD78-ADE64889F13C}"/>
+              </a:ext>
+            </a:extLst>
+          </p:cNvPr>
+          <p:cNvCxnSpPr>
+            <a:stCxn id="37" idx="3"/>
+            <a:endCxn id="65" idx="2"/>
+          </p:cNvCxnSpPr>
+          <p:nvPr/>
+        </p:nvCxnSpPr>
+        <p:spPr>
+          <a:xfrm flipV="1">
+            <a:off x="1598661" y="1477617"/>
+            <a:ext cx="470453" cy="1657"/>
+          </a:xfrm>
+          <a:prstGeom prst="straightConnector1">
+            <a:avLst/>
+          </a:prstGeom>
+          <a:ln>
+            <a:tailEnd type="triangle"/>
+          </a:ln>
+        </p:spPr>
+        <p:style>
+          <a:lnRef idx="1">
+            <a:schemeClr val="dk1"/>
+          </a:lnRef>
+          <a:fillRef idx="0">
+            <a:schemeClr val="dk1"/>
+          </a:fillRef>
+          <a:effectRef idx="0">
+            <a:schemeClr val="dk1"/>
+          </a:effectRef>
+          <a:fontRef idx="minor">
+            <a:schemeClr val="tx1"/>
+          </a:fontRef>
+        </p:style>
+      </p:cxnSp>
+      <p:sp>
+        <p:nvSpPr>
+          <p:cNvPr id="73" name="TextBox 72">
+            <a:extLst>
+              <a:ext uri="{FF2B5EF4-FFF2-40B4-BE49-F238E27FC236}">
+                <a16:creationId xmlns:a16="http://schemas.microsoft.com/office/drawing/2014/main" id="{5053F309-4A46-4C0D-A42A-99EBCC9511E1}"/>
+              </a:ext>
+            </a:extLst>
+          </p:cNvPr>
+          <p:cNvSpPr txBox="1"/>
+          <p:nvPr/>
+        </p:nvSpPr>
+        <p:spPr>
+          <a:xfrm>
+            <a:off x="2209076" y="1493791"/>
+            <a:ext cx="300082" cy="369332"/>
+          </a:xfrm>
+          <a:prstGeom prst="rect">
+            <a:avLst/>
+          </a:prstGeom>
+          <a:noFill/>
+        </p:spPr>
+        <p:txBody>
+          <a:bodyPr wrap="none" rtlCol="0">
+            <a:spAutoFit/>
+          </a:bodyPr>
+          <a:lstStyle/>
+          <a:p>
+            <a:r>
+              <a:rPr lang="en-GB" dirty="0"/>
+              <a:t>+</a:t>
+            </a:r>
+          </a:p>
+        </p:txBody>
+      </p:sp>
+      <p:sp>
+        <p:nvSpPr>
+          <p:cNvPr id="75" name="Rectangle 74">
+            <a:extLst>
+              <a:ext uri="{FF2B5EF4-FFF2-40B4-BE49-F238E27FC236}">
+                <a16:creationId xmlns:a16="http://schemas.microsoft.com/office/drawing/2014/main" id="{9D791107-022B-43F0-8139-2FADB0CD7FCB}"/>
+              </a:ext>
+            </a:extLst>
+          </p:cNvPr>
+          <p:cNvSpPr/>
+          <p:nvPr/>
+        </p:nvSpPr>
+        <p:spPr>
+          <a:xfrm>
+            <a:off x="7680049" y="3639589"/>
+            <a:ext cx="1232453" cy="914400"/>
+          </a:xfrm>
+          <a:prstGeom prst="rect">
+            <a:avLst/>
+          </a:prstGeom>
+        </p:spPr>
+        <p:style>
+          <a:lnRef idx="2">
+            <a:schemeClr val="dk1"/>
+          </a:lnRef>
+          <a:fillRef idx="1">
+            <a:schemeClr val="lt1"/>
+          </a:fillRef>
+          <a:effectRef idx="0">
+            <a:schemeClr val="dk1"/>
+          </a:effectRef>
+          <a:fontRef idx="minor">
+            <a:schemeClr val="dk1"/>
+          </a:fontRef>
+        </p:style>
+        <p:txBody>
+          <a:bodyPr rtlCol="0" anchor="ctr"/>
+          <a:lstStyle/>
+          <a:p>
+            <a:pPr algn="ctr"/>
+            <a:r>
+              <a:rPr lang="en-GB" dirty="0"/>
+              <a:t>Forward Kinematics</a:t>
+            </a:r>
+          </a:p>
+        </p:txBody>
+      </p:sp>
+      <p:cxnSp>
+        <p:nvCxnSpPr>
+          <p:cNvPr id="77" name="Straight Arrow Connector 76">
+            <a:extLst>
+              <a:ext uri="{FF2B5EF4-FFF2-40B4-BE49-F238E27FC236}">
+                <a16:creationId xmlns:a16="http://schemas.microsoft.com/office/drawing/2014/main" id="{A8B58E5B-0AF6-41EE-A319-56B6783A3C9B}"/>
+              </a:ext>
+            </a:extLst>
+          </p:cNvPr>
+          <p:cNvCxnSpPr>
+            <a:stCxn id="51" idx="2"/>
+            <a:endCxn id="75" idx="0"/>
+          </p:cNvCxnSpPr>
+          <p:nvPr/>
+        </p:nvCxnSpPr>
+        <p:spPr>
+          <a:xfrm>
+            <a:off x="8296276" y="3045912"/>
+            <a:ext cx="0" cy="593677"/>
+          </a:xfrm>
+          <a:prstGeom prst="straightConnector1">
+            <a:avLst/>
+          </a:prstGeom>
+          <a:ln>
+            <a:tailEnd type="triangle"/>
+          </a:ln>
+        </p:spPr>
+        <p:style>
+          <a:lnRef idx="1">
+            <a:schemeClr val="dk1"/>
+          </a:lnRef>
+          <a:fillRef idx="0">
+            <a:schemeClr val="dk1"/>
+          </a:fillRef>
+          <a:effectRef idx="0">
+            <a:schemeClr val="dk1"/>
+          </a:effectRef>
+          <a:fontRef idx="minor">
+            <a:schemeClr val="tx1"/>
+          </a:fontRef>
+        </p:style>
+      </p:cxnSp>
+      <p:sp>
+        <p:nvSpPr>
+          <p:cNvPr id="79" name="Rectangle 78">
+            <a:extLst>
+              <a:ext uri="{FF2B5EF4-FFF2-40B4-BE49-F238E27FC236}">
+                <a16:creationId xmlns:a16="http://schemas.microsoft.com/office/drawing/2014/main" id="{60A893D4-EF08-41FD-ABD4-47B4F3E1ECD5}"/>
+              </a:ext>
+            </a:extLst>
+          </p:cNvPr>
+          <p:cNvSpPr/>
+          <p:nvPr/>
+        </p:nvSpPr>
+        <p:spPr>
+          <a:xfrm>
+            <a:off x="7130084" y="5179993"/>
+            <a:ext cx="2332382" cy="914400"/>
+          </a:xfrm>
+          <a:prstGeom prst="rect">
+            <a:avLst/>
+          </a:prstGeom>
+        </p:spPr>
+        <p:style>
+          <a:lnRef idx="2">
+            <a:schemeClr val="dk1"/>
+          </a:lnRef>
+          <a:fillRef idx="1">
+            <a:schemeClr val="lt1"/>
+          </a:fillRef>
+          <a:effectRef idx="0">
+            <a:schemeClr val="dk1"/>
+          </a:effectRef>
+          <a:fontRef idx="minor">
+            <a:schemeClr val="dk1"/>
+          </a:fontRef>
+        </p:style>
+        <p:txBody>
+          <a:bodyPr rtlCol="0" anchor="ctr"/>
+          <a:lstStyle/>
+          <a:p>
+            <a:pPr algn="ctr"/>
+            <a:r>
+              <a:rPr lang="en-GB" dirty="0"/>
+              <a:t>End Effector Force Sensor (and force resolution)</a:t>
+            </a:r>
+          </a:p>
+        </p:txBody>
+      </p:sp>
+      <p:sp>
+        <p:nvSpPr>
+          <p:cNvPr id="81" name="TextBox 80">
+            <a:extLst>
+              <a:ext uri="{FF2B5EF4-FFF2-40B4-BE49-F238E27FC236}">
+                <a16:creationId xmlns:a16="http://schemas.microsoft.com/office/drawing/2014/main" id="{9256E5D1-E260-408E-83A3-376350BA18A1}"/>
+              </a:ext>
+            </a:extLst>
+          </p:cNvPr>
+          <p:cNvSpPr txBox="1"/>
+          <p:nvPr/>
+        </p:nvSpPr>
+        <p:spPr>
+          <a:xfrm>
+            <a:off x="8296275" y="3141921"/>
+            <a:ext cx="827021" cy="369332"/>
+          </a:xfrm>
+          <a:prstGeom prst="rect">
+            <a:avLst/>
+          </a:prstGeom>
+          <a:noFill/>
+        </p:spPr>
+        <p:txBody>
+          <a:bodyPr wrap="none" rtlCol="0">
+            <a:spAutoFit/>
+          </a:bodyPr>
+          <a:lstStyle/>
+          <a:p>
+            <a:r>
+              <a:rPr lang="el-GR" dirty="0">
+                <a:solidFill>
+                  <a:srgbClr val="002060"/>
+                </a:solidFill>
+              </a:rPr>
+              <a:t>θ</a:t>
+            </a:r>
+            <a:r>
+              <a:rPr lang="en-GB" baseline="-25000" dirty="0">
+                <a:solidFill>
+                  <a:srgbClr val="002060"/>
+                </a:solidFill>
+              </a:rPr>
+              <a:t>0A</a:t>
+            </a:r>
+            <a:r>
+              <a:rPr lang="en-GB" dirty="0">
+                <a:solidFill>
+                  <a:srgbClr val="002060"/>
+                </a:solidFill>
+              </a:rPr>
+              <a:t>,</a:t>
+            </a:r>
+            <a:r>
+              <a:rPr lang="el-GR" dirty="0">
+                <a:solidFill>
+                  <a:srgbClr val="002060"/>
+                </a:solidFill>
+              </a:rPr>
+              <a:t>θ</a:t>
+            </a:r>
+            <a:r>
+              <a:rPr lang="en-GB" baseline="-25000" dirty="0">
+                <a:solidFill>
+                  <a:srgbClr val="002060"/>
+                </a:solidFill>
+              </a:rPr>
+              <a:t>1A</a:t>
+            </a:r>
+          </a:p>
+        </p:txBody>
+      </p:sp>
+      <p:cxnSp>
+        <p:nvCxnSpPr>
+          <p:cNvPr id="83" name="Straight Arrow Connector 82">
+            <a:extLst>
+              <a:ext uri="{FF2B5EF4-FFF2-40B4-BE49-F238E27FC236}">
+                <a16:creationId xmlns:a16="http://schemas.microsoft.com/office/drawing/2014/main" id="{4C888BA0-DD9C-4E4A-8A79-8F1B891801E9}"/>
+              </a:ext>
+            </a:extLst>
+          </p:cNvPr>
+          <p:cNvCxnSpPr>
+            <a:stCxn id="75" idx="2"/>
+            <a:endCxn id="79" idx="0"/>
+          </p:cNvCxnSpPr>
+          <p:nvPr/>
+        </p:nvCxnSpPr>
+        <p:spPr>
+          <a:xfrm flipH="1">
+            <a:off x="8296275" y="4553989"/>
+            <a:ext cx="1" cy="626004"/>
+          </a:xfrm>
+          <a:prstGeom prst="straightConnector1">
+            <a:avLst/>
+          </a:prstGeom>
+          <a:ln>
+            <a:tailEnd type="triangle"/>
+          </a:ln>
+        </p:spPr>
+        <p:style>
+          <a:lnRef idx="1">
+            <a:schemeClr val="dk1"/>
+          </a:lnRef>
+          <a:fillRef idx="0">
+            <a:schemeClr val="dk1"/>
+          </a:fillRef>
+          <a:effectRef idx="0">
+            <a:schemeClr val="dk1"/>
+          </a:effectRef>
+          <a:fontRef idx="minor">
+            <a:schemeClr val="tx1"/>
+          </a:fontRef>
+        </p:style>
+      </p:cxnSp>
+      <p:sp>
+        <p:nvSpPr>
+          <p:cNvPr id="84" name="TextBox 83">
+            <a:extLst>
+              <a:ext uri="{FF2B5EF4-FFF2-40B4-BE49-F238E27FC236}">
+                <a16:creationId xmlns:a16="http://schemas.microsoft.com/office/drawing/2014/main" id="{2E91095F-E07F-46E7-8904-FB2010E657AF}"/>
+              </a:ext>
+            </a:extLst>
+          </p:cNvPr>
+          <p:cNvSpPr txBox="1"/>
+          <p:nvPr/>
+        </p:nvSpPr>
+        <p:spPr>
+          <a:xfrm>
+            <a:off x="8303316" y="4686863"/>
+            <a:ext cx="626646" cy="369332"/>
+          </a:xfrm>
+          <a:prstGeom prst="rect">
+            <a:avLst/>
+          </a:prstGeom>
+          <a:noFill/>
+        </p:spPr>
+        <p:txBody>
+          <a:bodyPr wrap="none" rtlCol="0">
+            <a:spAutoFit/>
+          </a:bodyPr>
+          <a:lstStyle/>
+          <a:p>
+            <a:r>
+              <a:rPr lang="en-GB" dirty="0">
+                <a:solidFill>
+                  <a:srgbClr val="002060"/>
+                </a:solidFill>
+              </a:rPr>
+              <a:t>x</a:t>
+            </a:r>
+            <a:r>
+              <a:rPr lang="en-GB" baseline="-25000" dirty="0">
+                <a:solidFill>
+                  <a:srgbClr val="002060"/>
+                </a:solidFill>
+              </a:rPr>
+              <a:t>A</a:t>
+            </a:r>
+            <a:r>
+              <a:rPr lang="en-GB" dirty="0">
+                <a:solidFill>
+                  <a:srgbClr val="002060"/>
+                </a:solidFill>
+              </a:rPr>
+              <a:t>,y</a:t>
+            </a:r>
+            <a:r>
+              <a:rPr lang="en-GB" baseline="-25000" dirty="0">
+                <a:solidFill>
+                  <a:srgbClr val="002060"/>
+                </a:solidFill>
+              </a:rPr>
+              <a:t>A</a:t>
+            </a:r>
+          </a:p>
+        </p:txBody>
+      </p:sp>
+      <p:cxnSp>
+        <p:nvCxnSpPr>
+          <p:cNvPr id="86" name="Straight Arrow Connector 85">
+            <a:extLst>
+              <a:ext uri="{FF2B5EF4-FFF2-40B4-BE49-F238E27FC236}">
+                <a16:creationId xmlns:a16="http://schemas.microsoft.com/office/drawing/2014/main" id="{36CFDC07-8D38-4937-A997-82E0E661B6C2}"/>
+              </a:ext>
+            </a:extLst>
+          </p:cNvPr>
+          <p:cNvCxnSpPr>
+            <a:cxnSpLocks/>
+            <a:endCxn id="79" idx="3"/>
+          </p:cNvCxnSpPr>
+          <p:nvPr/>
+        </p:nvCxnSpPr>
+        <p:spPr>
+          <a:xfrm flipH="1">
+            <a:off x="9462466" y="5637193"/>
+            <a:ext cx="1221343" cy="0"/>
+          </a:xfrm>
+          <a:prstGeom prst="straightConnector1">
+            <a:avLst/>
+          </a:prstGeom>
+          <a:ln>
+            <a:tailEnd type="triangle"/>
+          </a:ln>
+        </p:spPr>
+        <p:style>
+          <a:lnRef idx="1">
+            <a:schemeClr val="dk1"/>
+          </a:lnRef>
+          <a:fillRef idx="0">
+            <a:schemeClr val="dk1"/>
+          </a:fillRef>
+          <a:effectRef idx="0">
+            <a:schemeClr val="dk1"/>
+          </a:effectRef>
+          <a:fontRef idx="minor">
+            <a:schemeClr val="tx1"/>
+          </a:fontRef>
+        </p:style>
+      </p:cxnSp>
+      <p:cxnSp>
+        <p:nvCxnSpPr>
+          <p:cNvPr id="88" name="Straight Connector 87">
+            <a:extLst>
+              <a:ext uri="{FF2B5EF4-FFF2-40B4-BE49-F238E27FC236}">
+                <a16:creationId xmlns:a16="http://schemas.microsoft.com/office/drawing/2014/main" id="{C231B2A4-B093-4A63-8262-EA16D72F572C}"/>
+              </a:ext>
+            </a:extLst>
+          </p:cNvPr>
+          <p:cNvCxnSpPr>
+            <a:cxnSpLocks/>
+          </p:cNvCxnSpPr>
+          <p:nvPr/>
+        </p:nvCxnSpPr>
+        <p:spPr>
+          <a:xfrm>
+            <a:off x="9925792" y="1688457"/>
+            <a:ext cx="318138" cy="0"/>
+          </a:xfrm>
+          <a:prstGeom prst="line">
+            <a:avLst/>
+          </a:prstGeom>
+        </p:spPr>
+        <p:style>
+          <a:lnRef idx="1">
+            <a:schemeClr val="dk1"/>
+          </a:lnRef>
+          <a:fillRef idx="0">
+            <a:schemeClr val="dk1"/>
+          </a:fillRef>
+          <a:effectRef idx="0">
+            <a:schemeClr val="dk1"/>
+          </a:effectRef>
+          <a:fontRef idx="minor">
+            <a:schemeClr val="tx1"/>
+          </a:fontRef>
+        </p:style>
+      </p:cxnSp>
+      <p:cxnSp>
+        <p:nvCxnSpPr>
+          <p:cNvPr id="92" name="Straight Connector 91">
+            <a:extLst>
+              <a:ext uri="{FF2B5EF4-FFF2-40B4-BE49-F238E27FC236}">
+                <a16:creationId xmlns:a16="http://schemas.microsoft.com/office/drawing/2014/main" id="{61CDC198-12AE-4A9A-863F-66233541BA84}"/>
+              </a:ext>
+            </a:extLst>
+          </p:cNvPr>
+          <p:cNvCxnSpPr/>
+          <p:nvPr/>
+        </p:nvCxnSpPr>
+        <p:spPr>
+          <a:xfrm>
+            <a:off x="10442713" y="1688457"/>
+            <a:ext cx="185530" cy="0"/>
+          </a:xfrm>
+          <a:prstGeom prst="line">
+            <a:avLst/>
+          </a:prstGeom>
+        </p:spPr>
+        <p:style>
+          <a:lnRef idx="1">
+            <a:schemeClr val="dk1"/>
+          </a:lnRef>
+          <a:fillRef idx="0">
+            <a:schemeClr val="dk1"/>
+          </a:fillRef>
+          <a:effectRef idx="0">
+            <a:schemeClr val="dk1"/>
+          </a:effectRef>
+          <a:fontRef idx="minor">
+            <a:schemeClr val="tx1"/>
+          </a:fontRef>
+        </p:style>
+      </p:cxnSp>
+      <p:cxnSp>
+        <p:nvCxnSpPr>
+          <p:cNvPr id="94" name="Straight Arrow Connector 93">
+            <a:extLst>
+              <a:ext uri="{FF2B5EF4-FFF2-40B4-BE49-F238E27FC236}">
+                <a16:creationId xmlns:a16="http://schemas.microsoft.com/office/drawing/2014/main" id="{1AB136B9-C589-45C9-988A-277A0956FEC6}"/>
+              </a:ext>
+            </a:extLst>
+          </p:cNvPr>
+          <p:cNvCxnSpPr/>
+          <p:nvPr/>
+        </p:nvCxnSpPr>
+        <p:spPr>
+          <a:xfrm>
+            <a:off x="10628243" y="1688457"/>
+            <a:ext cx="437322" cy="0"/>
+          </a:xfrm>
+          <a:prstGeom prst="straightConnector1">
+            <a:avLst/>
+          </a:prstGeom>
+          <a:ln>
+            <a:tailEnd type="triangle"/>
+          </a:ln>
+        </p:spPr>
+        <p:style>
+          <a:lnRef idx="1">
+            <a:schemeClr val="dk1"/>
+          </a:lnRef>
+          <a:fillRef idx="0">
+            <a:schemeClr val="dk1"/>
+          </a:fillRef>
+          <a:effectRef idx="0">
+            <a:schemeClr val="dk1"/>
+          </a:effectRef>
+          <a:fontRef idx="minor">
+            <a:schemeClr val="tx1"/>
+          </a:fontRef>
+        </p:style>
+      </p:cxnSp>
+      <p:sp>
+        <p:nvSpPr>
+          <p:cNvPr id="95" name="TextBox 94">
+            <a:extLst>
+              <a:ext uri="{FF2B5EF4-FFF2-40B4-BE49-F238E27FC236}">
+                <a16:creationId xmlns:a16="http://schemas.microsoft.com/office/drawing/2014/main" id="{52288D31-2504-4A27-A4E6-38FA11602B7E}"/>
+              </a:ext>
+            </a:extLst>
+          </p:cNvPr>
+          <p:cNvSpPr txBox="1"/>
+          <p:nvPr/>
+        </p:nvSpPr>
+        <p:spPr>
+          <a:xfrm>
+            <a:off x="10683809" y="1683682"/>
+            <a:ext cx="1423659" cy="369332"/>
+          </a:xfrm>
+          <a:prstGeom prst="rect">
+            <a:avLst/>
+          </a:prstGeom>
+          <a:noFill/>
+        </p:spPr>
+        <p:txBody>
+          <a:bodyPr wrap="none" rtlCol="0">
+            <a:spAutoFit/>
+          </a:bodyPr>
+          <a:lstStyle/>
+          <a:p>
+            <a:pPr algn="ctr"/>
+            <a:r>
+              <a:rPr lang="en-GB" dirty="0">
+                <a:solidFill>
+                  <a:srgbClr val="002060"/>
+                </a:solidFill>
+              </a:rPr>
+              <a:t>Force Output</a:t>
+            </a:r>
+            <a:endParaRPr lang="en-GB" baseline="-25000" dirty="0">
+              <a:solidFill>
+                <a:srgbClr val="002060"/>
+              </a:solidFill>
+            </a:endParaRPr>
+          </a:p>
+        </p:txBody>
+      </p:sp>
+      <p:cxnSp>
+        <p:nvCxnSpPr>
+          <p:cNvPr id="106" name="Straight Connector 105">
+            <a:extLst>
+              <a:ext uri="{FF2B5EF4-FFF2-40B4-BE49-F238E27FC236}">
+                <a16:creationId xmlns:a16="http://schemas.microsoft.com/office/drawing/2014/main" id="{FA0E58E3-344D-4065-8DB0-804FF1321B38}"/>
+              </a:ext>
+            </a:extLst>
+          </p:cNvPr>
+          <p:cNvCxnSpPr/>
+          <p:nvPr/>
+        </p:nvCxnSpPr>
+        <p:spPr>
+          <a:xfrm flipV="1">
+            <a:off x="10683809" y="1683682"/>
+            <a:ext cx="0" cy="3953511"/>
+          </a:xfrm>
+          <a:prstGeom prst="line">
+            <a:avLst/>
+          </a:prstGeom>
+        </p:spPr>
+        <p:style>
+          <a:lnRef idx="1">
+            <a:schemeClr val="dk1"/>
+          </a:lnRef>
+          <a:fillRef idx="0">
+            <a:schemeClr val="dk1"/>
+          </a:fillRef>
+          <a:effectRef idx="0">
+            <a:schemeClr val="dk1"/>
+          </a:effectRef>
+          <a:fontRef idx="minor">
+            <a:schemeClr val="tx1"/>
+          </a:fontRef>
+        </p:style>
+      </p:cxnSp>
+      <mc:AlternateContent xmlns:mc="http://schemas.openxmlformats.org/markup-compatibility/2006">
+        <mc:Choice xmlns:a14="http://schemas.microsoft.com/office/drawing/2010/main" Requires="a14">
+          <p:sp>
+            <p:nvSpPr>
+              <p:cNvPr id="109" name="Rectangle 108">
+                <a:extLst>
+                  <a:ext uri="{FF2B5EF4-FFF2-40B4-BE49-F238E27FC236}">
+                    <a16:creationId xmlns:a16="http://schemas.microsoft.com/office/drawing/2014/main" id="{6C1D822B-0812-4B7B-A51D-161EE62BC668}"/>
+                  </a:ext>
+                </a:extLst>
+              </p:cNvPr>
+              <p:cNvSpPr/>
+              <p:nvPr/>
+            </p:nvSpPr>
+            <p:spPr>
+              <a:xfrm>
+                <a:off x="1408638" y="5179993"/>
+                <a:ext cx="1890795" cy="914400"/>
+              </a:xfrm>
+              <a:prstGeom prst="rect">
+                <a:avLst/>
+              </a:prstGeom>
+            </p:spPr>
+            <p:style>
+              <a:lnRef idx="2">
+                <a:schemeClr val="dk1"/>
+              </a:lnRef>
+              <a:fillRef idx="1">
+                <a:schemeClr val="lt1"/>
+              </a:fillRef>
+              <a:effectRef idx="0">
+                <a:schemeClr val="dk1"/>
+              </a:effectRef>
+              <a:fontRef idx="minor">
+                <a:schemeClr val="dk1"/>
+              </a:fontRef>
+            </p:style>
+            <p:txBody>
+              <a:bodyPr rtlCol="0" anchor="ctr"/>
+              <a:lstStyle/>
+              <a:p>
+                <a:pPr algn="ctr"/>
+                <a:r>
+                  <a:rPr lang="en-GB" dirty="0"/>
+                  <a:t>Admittance Filter</a:t>
+                </a:r>
+              </a:p>
+              <a:p>
+                <a:pPr algn="ctr"/>
+                <a14:m>
+                  <m:oMathPara xmlns:m="http://schemas.openxmlformats.org/officeDocument/2006/math">
+                    <m:oMathParaPr>
+                      <m:jc m:val="centerGroup"/>
+                    </m:oMathParaPr>
+                    <m:oMath xmlns:m="http://schemas.openxmlformats.org/officeDocument/2006/math">
+                      <m:f>
+                        <m:fPr>
+                          <m:ctrlPr>
+                            <a:rPr lang="en-GB" i="1" smtClean="0">
+                              <a:latin typeface="Cambria Math" panose="02040503050406030204" pitchFamily="18" charset="0"/>
+                            </a:rPr>
+                          </m:ctrlPr>
+                        </m:fPr>
+                        <m:num>
+                          <m:r>
+                            <a:rPr lang="en-GB" b="0" i="1" smtClean="0">
+                              <a:latin typeface="Cambria Math" panose="02040503050406030204" pitchFamily="18" charset="0"/>
+                            </a:rPr>
+                            <m:t>1</m:t>
+                          </m:r>
+                        </m:num>
+                        <m:den>
+                          <m:sSup>
+                            <m:sSupPr>
+                              <m:ctrlPr>
+                                <a:rPr lang="en-GB" i="1" smtClean="0">
+                                  <a:latin typeface="Cambria Math" panose="02040503050406030204" pitchFamily="18" charset="0"/>
+                                </a:rPr>
+                              </m:ctrlPr>
+                            </m:sSupPr>
+                            <m:e>
+                              <m:r>
+                                <a:rPr lang="en-GB" b="0" i="1" smtClean="0">
+                                  <a:latin typeface="Cambria Math" panose="02040503050406030204" pitchFamily="18" charset="0"/>
+                                </a:rPr>
+                                <m:t>𝑚𝑠</m:t>
+                              </m:r>
+                            </m:e>
+                            <m:sup>
+                              <m:r>
+                                <a:rPr lang="en-GB" b="0" i="1" smtClean="0">
+                                  <a:latin typeface="Cambria Math" panose="02040503050406030204" pitchFamily="18" charset="0"/>
+                                </a:rPr>
+                                <m:t>2</m:t>
+                              </m:r>
+                            </m:sup>
+                          </m:sSup>
+                          <m:r>
+                            <a:rPr lang="en-GB" b="0" i="1" smtClean="0">
+                              <a:latin typeface="Cambria Math" panose="02040503050406030204" pitchFamily="18" charset="0"/>
+                            </a:rPr>
+                            <m:t>+</m:t>
+                          </m:r>
+                          <m:r>
+                            <a:rPr lang="en-GB" b="0" i="1" smtClean="0">
+                              <a:latin typeface="Cambria Math" panose="02040503050406030204" pitchFamily="18" charset="0"/>
+                            </a:rPr>
+                            <m:t>𝑐𝑠</m:t>
+                          </m:r>
+                          <m:r>
+                            <a:rPr lang="en-GB" b="0" i="1" smtClean="0">
+                              <a:latin typeface="Cambria Math" panose="02040503050406030204" pitchFamily="18" charset="0"/>
+                            </a:rPr>
+                            <m:t>+</m:t>
+                          </m:r>
+                          <m:r>
+                            <a:rPr lang="en-GB" b="0" i="1" smtClean="0">
+                              <a:latin typeface="Cambria Math" panose="02040503050406030204" pitchFamily="18" charset="0"/>
+                            </a:rPr>
+                            <m:t>𝑘</m:t>
+                          </m:r>
+                        </m:den>
+                      </m:f>
+                    </m:oMath>
+                  </m:oMathPara>
+                </a14:m>
+                <a:endParaRPr lang="en-GB" dirty="0"/>
+              </a:p>
+            </p:txBody>
+          </p:sp>
+        </mc:Choice>
+        <mc:Fallback>
+          <p:sp>
+            <p:nvSpPr>
+              <p:cNvPr id="109" name="Rectangle 108">
+                <a:extLst>
+                  <a:ext uri="{FF2B5EF4-FFF2-40B4-BE49-F238E27FC236}">
+                    <a16:creationId xmlns:a16="http://schemas.microsoft.com/office/drawing/2014/main" id="{6C1D822B-0812-4B7B-A51D-161EE62BC668}"/>
+                  </a:ext>
+                </a:extLst>
+              </p:cNvPr>
+              <p:cNvSpPr>
+                <a:spLocks noRot="1" noChangeAspect="1" noMove="1" noResize="1" noEditPoints="1" noAdjustHandles="1" noChangeArrowheads="1" noChangeShapeType="1" noTextEdit="1"/>
+              </p:cNvSpPr>
+              <p:nvPr/>
+            </p:nvSpPr>
+            <p:spPr>
+              <a:xfrm>
+                <a:off x="1408638" y="5179993"/>
+                <a:ext cx="1890795" cy="914400"/>
+              </a:xfrm>
+              <a:prstGeom prst="rect">
+                <a:avLst/>
+              </a:prstGeom>
+              <a:blipFill>
+                <a:blip r:embed="rId2"/>
+                <a:stretch>
+                  <a:fillRect t="-1316"/>
+                </a:stretch>
+              </a:blipFill>
+            </p:spPr>
+            <p:txBody>
+              <a:bodyPr/>
+              <a:lstStyle/>
+              <a:p>
+                <a:r>
+                  <a:rPr lang="en-GB">
+                    <a:noFill/>
+                  </a:rPr>
+                  <a:t> </a:t>
+                </a:r>
+              </a:p>
+            </p:txBody>
+          </p:sp>
+        </mc:Fallback>
+      </mc:AlternateContent>
+      <p:cxnSp>
+        <p:nvCxnSpPr>
+          <p:cNvPr id="113" name="Straight Arrow Connector 112">
+            <a:extLst>
+              <a:ext uri="{FF2B5EF4-FFF2-40B4-BE49-F238E27FC236}">
+                <a16:creationId xmlns:a16="http://schemas.microsoft.com/office/drawing/2014/main" id="{84FA2622-05E5-4524-907F-A07D4B68E7E7}"/>
+              </a:ext>
+            </a:extLst>
+          </p:cNvPr>
+          <p:cNvCxnSpPr>
+            <a:stCxn id="109" idx="0"/>
+            <a:endCxn id="65" idx="4"/>
+          </p:cNvCxnSpPr>
+          <p:nvPr/>
+        </p:nvCxnSpPr>
+        <p:spPr>
+          <a:xfrm flipV="1">
+            <a:off x="2354036" y="1775790"/>
+            <a:ext cx="0" cy="3404203"/>
+          </a:xfrm>
+          <a:prstGeom prst="straightConnector1">
+            <a:avLst/>
+          </a:prstGeom>
+          <a:ln>
+            <a:tailEnd type="triangle"/>
+          </a:ln>
+        </p:spPr>
+        <p:style>
+          <a:lnRef idx="1">
+            <a:schemeClr val="dk1"/>
+          </a:lnRef>
+          <a:fillRef idx="0">
+            <a:schemeClr val="dk1"/>
+          </a:fillRef>
+          <a:effectRef idx="0">
+            <a:schemeClr val="dk1"/>
+          </a:effectRef>
+          <a:fontRef idx="minor">
+            <a:schemeClr val="tx1"/>
+          </a:fontRef>
+        </p:style>
+      </p:cxnSp>
+      <p:cxnSp>
+        <p:nvCxnSpPr>
+          <p:cNvPr id="117" name="Straight Arrow Connector 116">
+            <a:extLst>
+              <a:ext uri="{FF2B5EF4-FFF2-40B4-BE49-F238E27FC236}">
+                <a16:creationId xmlns:a16="http://schemas.microsoft.com/office/drawing/2014/main" id="{202D7654-315D-4076-BC16-7345D6F45ED6}"/>
+              </a:ext>
+            </a:extLst>
+          </p:cNvPr>
+          <p:cNvCxnSpPr>
+            <a:stCxn id="79" idx="1"/>
+            <a:endCxn id="109" idx="3"/>
+          </p:cNvCxnSpPr>
+          <p:nvPr/>
+        </p:nvCxnSpPr>
+        <p:spPr>
+          <a:xfrm flipH="1">
+            <a:off x="3299433" y="5637193"/>
+            <a:ext cx="3830651" cy="0"/>
+          </a:xfrm>
+          <a:prstGeom prst="straightConnector1">
+            <a:avLst/>
+          </a:prstGeom>
+          <a:ln>
+            <a:tailEnd type="triangle"/>
+          </a:ln>
+        </p:spPr>
+        <p:style>
+          <a:lnRef idx="1">
+            <a:schemeClr val="dk1"/>
+          </a:lnRef>
+          <a:fillRef idx="0">
+            <a:schemeClr val="dk1"/>
+          </a:fillRef>
+          <a:effectRef idx="0">
+            <a:schemeClr val="dk1"/>
+          </a:effectRef>
+          <a:fontRef idx="minor">
+            <a:schemeClr val="tx1"/>
+          </a:fontRef>
+        </p:style>
+      </p:cxnSp>
+      <p:sp>
+        <p:nvSpPr>
+          <p:cNvPr id="118" name="TextBox 117">
+            <a:extLst>
+              <a:ext uri="{FF2B5EF4-FFF2-40B4-BE49-F238E27FC236}">
+                <a16:creationId xmlns:a16="http://schemas.microsoft.com/office/drawing/2014/main" id="{A83A4220-064A-4454-945E-F2E8E0C45EE1}"/>
+              </a:ext>
+            </a:extLst>
+          </p:cNvPr>
+          <p:cNvSpPr txBox="1"/>
+          <p:nvPr/>
+        </p:nvSpPr>
+        <p:spPr>
+          <a:xfrm>
+            <a:off x="1562358" y="1093335"/>
+            <a:ext cx="626646" cy="369332"/>
+          </a:xfrm>
+          <a:prstGeom prst="rect">
+            <a:avLst/>
+          </a:prstGeom>
+          <a:noFill/>
+        </p:spPr>
+        <p:txBody>
+          <a:bodyPr wrap="none" rtlCol="0">
+            <a:spAutoFit/>
+          </a:bodyPr>
+          <a:lstStyle/>
+          <a:p>
+            <a:r>
+              <a:rPr lang="en-GB" dirty="0">
+                <a:solidFill>
+                  <a:srgbClr val="002060"/>
+                </a:solidFill>
+              </a:rPr>
+              <a:t>x</a:t>
+            </a:r>
+            <a:r>
+              <a:rPr lang="en-GB" baseline="-25000" dirty="0">
+                <a:solidFill>
+                  <a:srgbClr val="002060"/>
+                </a:solidFill>
+              </a:rPr>
+              <a:t>p</a:t>
+            </a:r>
+            <a:r>
+              <a:rPr lang="en-GB" dirty="0">
+                <a:solidFill>
+                  <a:srgbClr val="002060"/>
+                </a:solidFill>
+              </a:rPr>
+              <a:t>,y</a:t>
+            </a:r>
+            <a:r>
+              <a:rPr lang="en-GB" baseline="-25000" dirty="0">
+                <a:solidFill>
+                  <a:srgbClr val="002060"/>
+                </a:solidFill>
+              </a:rPr>
+              <a:t>p</a:t>
+            </a:r>
+          </a:p>
+        </p:txBody>
+      </p:sp>
+      <p:sp>
+        <p:nvSpPr>
+          <p:cNvPr id="119" name="TextBox 118">
+            <a:extLst>
+              <a:ext uri="{FF2B5EF4-FFF2-40B4-BE49-F238E27FC236}">
+                <a16:creationId xmlns:a16="http://schemas.microsoft.com/office/drawing/2014/main" id="{4C2B98FC-6BA7-4556-8004-018C13A2590E}"/>
+              </a:ext>
+            </a:extLst>
+          </p:cNvPr>
+          <p:cNvSpPr txBox="1"/>
+          <p:nvPr/>
+        </p:nvSpPr>
+        <p:spPr>
+          <a:xfrm>
+            <a:off x="4914722" y="5245895"/>
+            <a:ext cx="598112" cy="369332"/>
+          </a:xfrm>
+          <a:prstGeom prst="rect">
+            <a:avLst/>
+          </a:prstGeom>
+          <a:noFill/>
+        </p:spPr>
+        <p:txBody>
+          <a:bodyPr wrap="none" rtlCol="0">
+            <a:spAutoFit/>
+          </a:bodyPr>
+          <a:lstStyle/>
+          <a:p>
+            <a:r>
+              <a:rPr lang="en-GB" dirty="0">
+                <a:solidFill>
+                  <a:srgbClr val="002060"/>
+                </a:solidFill>
+              </a:rPr>
+              <a:t>F</a:t>
+            </a:r>
+            <a:r>
+              <a:rPr lang="en-GB" baseline="-25000" dirty="0">
+                <a:solidFill>
+                  <a:srgbClr val="002060"/>
+                </a:solidFill>
+              </a:rPr>
+              <a:t>x</a:t>
+            </a:r>
+            <a:r>
+              <a:rPr lang="en-GB" dirty="0">
+                <a:solidFill>
+                  <a:srgbClr val="002060"/>
+                </a:solidFill>
+              </a:rPr>
+              <a:t>,F</a:t>
+            </a:r>
+            <a:r>
+              <a:rPr lang="en-GB" baseline="-25000" dirty="0">
+                <a:solidFill>
+                  <a:srgbClr val="002060"/>
+                </a:solidFill>
+              </a:rPr>
+              <a:t>y</a:t>
+            </a:r>
+          </a:p>
+        </p:txBody>
+      </p:sp>
+      <p:sp>
+        <p:nvSpPr>
+          <p:cNvPr id="121" name="TextBox 120">
+            <a:extLst>
+              <a:ext uri="{FF2B5EF4-FFF2-40B4-BE49-F238E27FC236}">
+                <a16:creationId xmlns:a16="http://schemas.microsoft.com/office/drawing/2014/main" id="{2988F0F9-DCAB-475B-B0A6-5C822386F614}"/>
+              </a:ext>
+            </a:extLst>
+          </p:cNvPr>
+          <p:cNvSpPr txBox="1"/>
+          <p:nvPr/>
+        </p:nvSpPr>
+        <p:spPr>
+          <a:xfrm>
+            <a:off x="2439220" y="3579171"/>
+            <a:ext cx="516488" cy="369332"/>
+          </a:xfrm>
+          <a:prstGeom prst="rect">
+            <a:avLst/>
+          </a:prstGeom>
+          <a:noFill/>
+        </p:spPr>
+        <p:txBody>
+          <a:bodyPr wrap="none" rtlCol="0">
+            <a:spAutoFit/>
+          </a:bodyPr>
+          <a:lstStyle/>
+          <a:p>
+            <a:r>
+              <a:rPr lang="en-GB" dirty="0">
+                <a:solidFill>
+                  <a:srgbClr val="002060"/>
+                </a:solidFill>
+              </a:rPr>
+              <a:t>x</a:t>
+            </a:r>
+            <a:r>
+              <a:rPr lang="en-GB" baseline="-25000" dirty="0">
+                <a:solidFill>
+                  <a:srgbClr val="002060"/>
+                </a:solidFill>
+              </a:rPr>
+              <a:t>i</a:t>
+            </a:r>
+            <a:r>
+              <a:rPr lang="en-GB" dirty="0">
+                <a:solidFill>
+                  <a:srgbClr val="002060"/>
+                </a:solidFill>
+              </a:rPr>
+              <a:t>,y</a:t>
+            </a:r>
+            <a:r>
+              <a:rPr lang="en-GB" baseline="-25000" dirty="0">
+                <a:solidFill>
+                  <a:srgbClr val="002060"/>
+                </a:solidFill>
+              </a:rPr>
+              <a:t>i</a:t>
+            </a:r>
+          </a:p>
+        </p:txBody>
+      </p:sp>
+    </p:spTree>
+    <p:extLst>
+      <p:ext uri="{BB962C8B-B14F-4D97-AF65-F5344CB8AC3E}">
+        <p14:creationId xmlns:p14="http://schemas.microsoft.com/office/powerpoint/2010/main" val="2393881882"/>
       </p:ext>
     </p:extLst>
   </p:cSld>

--- a/Modelling/MyPAM Modelling.pptx
+++ b/Modelling/MyPAM Modelling.pptx
@@ -20,6 +20,7 @@
     <p:sldId id="268" r:id="rId14"/>
     <p:sldId id="269" r:id="rId15"/>
     <p:sldId id="270" r:id="rId16"/>
+    <p:sldId id="271" r:id="rId17"/>
   </p:sldIdLst>
   <p:sldSz cx="12192000" cy="6858000"/>
   <p:notesSz cx="6858000" cy="9144000"/>
@@ -275,7 +276,7 @@
           <a:p>
             <a:fld id="{4DCC3765-A771-4BBA-8135-6F2E689117A7}" type="datetimeFigureOut">
               <a:rPr lang="en-GB" smtClean="0"/>
-              <a:t>07/12/2018</a:t>
+              <a:t>18/12/2018</a:t>
             </a:fld>
             <a:endParaRPr lang="en-GB"/>
           </a:p>
@@ -475,7 +476,7 @@
           <a:p>
             <a:fld id="{4DCC3765-A771-4BBA-8135-6F2E689117A7}" type="datetimeFigureOut">
               <a:rPr lang="en-GB" smtClean="0"/>
-              <a:t>07/12/2018</a:t>
+              <a:t>18/12/2018</a:t>
             </a:fld>
             <a:endParaRPr lang="en-GB"/>
           </a:p>
@@ -685,7 +686,7 @@
           <a:p>
             <a:fld id="{4DCC3765-A771-4BBA-8135-6F2E689117A7}" type="datetimeFigureOut">
               <a:rPr lang="en-GB" smtClean="0"/>
-              <a:t>07/12/2018</a:t>
+              <a:t>18/12/2018</a:t>
             </a:fld>
             <a:endParaRPr lang="en-GB"/>
           </a:p>
@@ -885,7 +886,7 @@
           <a:p>
             <a:fld id="{4DCC3765-A771-4BBA-8135-6F2E689117A7}" type="datetimeFigureOut">
               <a:rPr lang="en-GB" smtClean="0"/>
-              <a:t>07/12/2018</a:t>
+              <a:t>18/12/2018</a:t>
             </a:fld>
             <a:endParaRPr lang="en-GB"/>
           </a:p>
@@ -1161,7 +1162,7 @@
           <a:p>
             <a:fld id="{4DCC3765-A771-4BBA-8135-6F2E689117A7}" type="datetimeFigureOut">
               <a:rPr lang="en-GB" smtClean="0"/>
-              <a:t>07/12/2018</a:t>
+              <a:t>18/12/2018</a:t>
             </a:fld>
             <a:endParaRPr lang="en-GB"/>
           </a:p>
@@ -1429,7 +1430,7 @@
           <a:p>
             <a:fld id="{4DCC3765-A771-4BBA-8135-6F2E689117A7}" type="datetimeFigureOut">
               <a:rPr lang="en-GB" smtClean="0"/>
-              <a:t>07/12/2018</a:t>
+              <a:t>18/12/2018</a:t>
             </a:fld>
             <a:endParaRPr lang="en-GB"/>
           </a:p>
@@ -1844,7 +1845,7 @@
           <a:p>
             <a:fld id="{4DCC3765-A771-4BBA-8135-6F2E689117A7}" type="datetimeFigureOut">
               <a:rPr lang="en-GB" smtClean="0"/>
-              <a:t>07/12/2018</a:t>
+              <a:t>18/12/2018</a:t>
             </a:fld>
             <a:endParaRPr lang="en-GB"/>
           </a:p>
@@ -1986,7 +1987,7 @@
           <a:p>
             <a:fld id="{4DCC3765-A771-4BBA-8135-6F2E689117A7}" type="datetimeFigureOut">
               <a:rPr lang="en-GB" smtClean="0"/>
-              <a:t>07/12/2018</a:t>
+              <a:t>18/12/2018</a:t>
             </a:fld>
             <a:endParaRPr lang="en-GB"/>
           </a:p>
@@ -2099,7 +2100,7 @@
           <a:p>
             <a:fld id="{4DCC3765-A771-4BBA-8135-6F2E689117A7}" type="datetimeFigureOut">
               <a:rPr lang="en-GB" smtClean="0"/>
-              <a:t>07/12/2018</a:t>
+              <a:t>18/12/2018</a:t>
             </a:fld>
             <a:endParaRPr lang="en-GB"/>
           </a:p>
@@ -2412,7 +2413,7 @@
           <a:p>
             <a:fld id="{4DCC3765-A771-4BBA-8135-6F2E689117A7}" type="datetimeFigureOut">
               <a:rPr lang="en-GB" smtClean="0"/>
-              <a:t>07/12/2018</a:t>
+              <a:t>18/12/2018</a:t>
             </a:fld>
             <a:endParaRPr lang="en-GB"/>
           </a:p>
@@ -2701,7 +2702,7 @@
           <a:p>
             <a:fld id="{4DCC3765-A771-4BBA-8135-6F2E689117A7}" type="datetimeFigureOut">
               <a:rPr lang="en-GB" smtClean="0"/>
-              <a:t>07/12/2018</a:t>
+              <a:t>18/12/2018</a:t>
             </a:fld>
             <a:endParaRPr lang="en-GB"/>
           </a:p>
@@ -2944,7 +2945,7 @@
           <a:p>
             <a:fld id="{4DCC3765-A771-4BBA-8135-6F2E689117A7}" type="datetimeFigureOut">
               <a:rPr lang="en-GB" smtClean="0"/>
-              <a:t>07/12/2018</a:t>
+              <a:t>18/12/2018</a:t>
             </a:fld>
             <a:endParaRPr lang="en-GB"/>
           </a:p>
@@ -12386,8 +12387,8 @@
           </a:fontRef>
         </p:style>
       </p:cxnSp>
-      <mc:AlternateContent xmlns:mc="http://schemas.openxmlformats.org/markup-compatibility/2006">
-        <mc:Choice xmlns:a14="http://schemas.microsoft.com/office/drawing/2010/main" Requires="a14">
+      <mc:AlternateContent xmlns:mc="http://schemas.openxmlformats.org/markup-compatibility/2006" xmlns:a14="http://schemas.microsoft.com/office/drawing/2010/main">
+        <mc:Choice Requires="a14">
           <p:sp>
             <p:nvSpPr>
               <p:cNvPr id="109" name="Rectangle 108">
@@ -12517,7 +12518,7 @@
             </p:txBody>
           </p:sp>
         </mc:Choice>
-        <mc:Fallback>
+        <mc:Fallback xmlns="">
           <p:sp>
             <p:nvSpPr>
               <p:cNvPr id="109" name="Rectangle 108">
@@ -12839,6 +12840,505 @@
     <p:extLst>
       <p:ext uri="{BB962C8B-B14F-4D97-AF65-F5344CB8AC3E}">
         <p14:creationId xmlns:p14="http://schemas.microsoft.com/office/powerpoint/2010/main" val="2393881882"/>
+      </p:ext>
+    </p:extLst>
+  </p:cSld>
+  <p:clrMapOvr>
+    <a:masterClrMapping/>
+  </p:clrMapOvr>
+</p:sld>
+</file>
+
+<file path=ppt/slides/slide16.xml><?xml version="1.0" encoding="utf-8"?>
+<p:sld xmlns:a="http://schemas.openxmlformats.org/drawingml/2006/main" xmlns:r="http://schemas.openxmlformats.org/officeDocument/2006/relationships" xmlns:p="http://schemas.openxmlformats.org/presentationml/2006/main">
+  <p:cSld>
+    <p:spTree>
+      <p:nvGrpSpPr>
+        <p:cNvPr id="1" name=""/>
+        <p:cNvGrpSpPr/>
+        <p:nvPr/>
+      </p:nvGrpSpPr>
+      <p:grpSpPr>
+        <a:xfrm>
+          <a:off x="0" y="0"/>
+          <a:ext cx="0" cy="0"/>
+          <a:chOff x="0" y="0"/>
+          <a:chExt cx="0" cy="0"/>
+        </a:xfrm>
+      </p:grpSpPr>
+      <p:sp>
+        <p:nvSpPr>
+          <p:cNvPr id="4" name="Rectangle 3">
+            <a:extLst>
+              <a:ext uri="{FF2B5EF4-FFF2-40B4-BE49-F238E27FC236}">
+                <a16:creationId xmlns:a16="http://schemas.microsoft.com/office/drawing/2014/main" id="{88711A46-515D-4F6A-B444-5187789AF132}"/>
+              </a:ext>
+            </a:extLst>
+          </p:cNvPr>
+          <p:cNvSpPr/>
+          <p:nvPr/>
+        </p:nvSpPr>
+        <p:spPr>
+          <a:xfrm>
+            <a:off x="5320747" y="954157"/>
+            <a:ext cx="1550505" cy="848139"/>
+          </a:xfrm>
+          <a:prstGeom prst="rect">
+            <a:avLst/>
+          </a:prstGeom>
+          <a:ln>
+            <a:solidFill>
+              <a:schemeClr val="tx1"/>
+            </a:solidFill>
+          </a:ln>
+        </p:spPr>
+        <p:style>
+          <a:lnRef idx="2">
+            <a:schemeClr val="dk1"/>
+          </a:lnRef>
+          <a:fillRef idx="1">
+            <a:schemeClr val="lt1"/>
+          </a:fillRef>
+          <a:effectRef idx="0">
+            <a:schemeClr val="dk1"/>
+          </a:effectRef>
+          <a:fontRef idx="minor">
+            <a:schemeClr val="dk1"/>
+          </a:fontRef>
+        </p:style>
+        <p:txBody>
+          <a:bodyPr rtlCol="0" anchor="ctr"/>
+          <a:lstStyle/>
+          <a:p>
+            <a:pPr algn="ctr"/>
+            <a:r>
+              <a:rPr lang="en-GB" dirty="0"/>
+              <a:t>High Level Controller</a:t>
+            </a:r>
+          </a:p>
+        </p:txBody>
+      </p:sp>
+      <p:sp>
+        <p:nvSpPr>
+          <p:cNvPr id="5" name="Rectangle 4">
+            <a:extLst>
+              <a:ext uri="{FF2B5EF4-FFF2-40B4-BE49-F238E27FC236}">
+                <a16:creationId xmlns:a16="http://schemas.microsoft.com/office/drawing/2014/main" id="{D8640619-4BCC-44CE-AA5E-768110883E83}"/>
+              </a:ext>
+            </a:extLst>
+          </p:cNvPr>
+          <p:cNvSpPr/>
+          <p:nvPr/>
+        </p:nvSpPr>
+        <p:spPr>
+          <a:xfrm>
+            <a:off x="4929810" y="2014330"/>
+            <a:ext cx="2332382" cy="1298713"/>
+          </a:xfrm>
+          <a:prstGeom prst="rect">
+            <a:avLst/>
+          </a:prstGeom>
+          <a:ln>
+            <a:solidFill>
+              <a:schemeClr val="tx1"/>
+            </a:solidFill>
+          </a:ln>
+        </p:spPr>
+        <p:style>
+          <a:lnRef idx="2">
+            <a:schemeClr val="dk1"/>
+          </a:lnRef>
+          <a:fillRef idx="1">
+            <a:schemeClr val="lt1"/>
+          </a:fillRef>
+          <a:effectRef idx="0">
+            <a:schemeClr val="dk1"/>
+          </a:effectRef>
+          <a:fontRef idx="minor">
+            <a:schemeClr val="dk1"/>
+          </a:fontRef>
+        </p:style>
+        <p:txBody>
+          <a:bodyPr rtlCol="0" anchor="ctr"/>
+          <a:lstStyle/>
+          <a:p>
+            <a:pPr algn="ctr"/>
+            <a:r>
+              <a:rPr lang="en-GB" dirty="0"/>
+              <a:t>Task Encoding/Trajectory Generation</a:t>
+            </a:r>
+          </a:p>
+        </p:txBody>
+      </p:sp>
+      <p:sp>
+        <p:nvSpPr>
+          <p:cNvPr id="6" name="Rectangle 5">
+            <a:extLst>
+              <a:ext uri="{FF2B5EF4-FFF2-40B4-BE49-F238E27FC236}">
+                <a16:creationId xmlns:a16="http://schemas.microsoft.com/office/drawing/2014/main" id="{E544722D-4336-4258-9F7D-F181B2E7EB1C}"/>
+              </a:ext>
+            </a:extLst>
+          </p:cNvPr>
+          <p:cNvSpPr/>
+          <p:nvPr/>
+        </p:nvSpPr>
+        <p:spPr>
+          <a:xfrm>
+            <a:off x="5320747" y="3571462"/>
+            <a:ext cx="1550505" cy="848139"/>
+          </a:xfrm>
+          <a:prstGeom prst="rect">
+            <a:avLst/>
+          </a:prstGeom>
+          <a:ln>
+            <a:solidFill>
+              <a:schemeClr val="tx1"/>
+            </a:solidFill>
+          </a:ln>
+        </p:spPr>
+        <p:style>
+          <a:lnRef idx="2">
+            <a:schemeClr val="dk1"/>
+          </a:lnRef>
+          <a:fillRef idx="1">
+            <a:schemeClr val="lt1"/>
+          </a:fillRef>
+          <a:effectRef idx="0">
+            <a:schemeClr val="dk1"/>
+          </a:effectRef>
+          <a:fontRef idx="minor">
+            <a:schemeClr val="dk1"/>
+          </a:fontRef>
+        </p:style>
+        <p:txBody>
+          <a:bodyPr rtlCol="0" anchor="ctr"/>
+          <a:lstStyle/>
+          <a:p>
+            <a:pPr algn="ctr"/>
+            <a:r>
+              <a:rPr lang="en-GB" dirty="0"/>
+              <a:t>Low Level Controller</a:t>
+            </a:r>
+          </a:p>
+        </p:txBody>
+      </p:sp>
+      <p:cxnSp>
+        <p:nvCxnSpPr>
+          <p:cNvPr id="8" name="Straight Arrow Connector 7">
+            <a:extLst>
+              <a:ext uri="{FF2B5EF4-FFF2-40B4-BE49-F238E27FC236}">
+                <a16:creationId xmlns:a16="http://schemas.microsoft.com/office/drawing/2014/main" id="{71DEBEAB-DCC4-4AFB-9AFE-740EE6DE0475}"/>
+              </a:ext>
+            </a:extLst>
+          </p:cNvPr>
+          <p:cNvCxnSpPr>
+            <a:cxnSpLocks/>
+            <a:stCxn id="4" idx="2"/>
+            <a:endCxn id="5" idx="0"/>
+          </p:cNvCxnSpPr>
+          <p:nvPr/>
+        </p:nvCxnSpPr>
+        <p:spPr>
+          <a:xfrm>
+            <a:off x="6096000" y="1802296"/>
+            <a:ext cx="1" cy="212034"/>
+          </a:xfrm>
+          <a:prstGeom prst="straightConnector1">
+            <a:avLst/>
+          </a:prstGeom>
+          <a:ln>
+            <a:solidFill>
+              <a:schemeClr val="tx1"/>
+            </a:solidFill>
+            <a:tailEnd type="triangle"/>
+          </a:ln>
+        </p:spPr>
+        <p:style>
+          <a:lnRef idx="3">
+            <a:schemeClr val="dk1"/>
+          </a:lnRef>
+          <a:fillRef idx="0">
+            <a:schemeClr val="dk1"/>
+          </a:fillRef>
+          <a:effectRef idx="2">
+            <a:schemeClr val="dk1"/>
+          </a:effectRef>
+          <a:fontRef idx="minor">
+            <a:schemeClr val="tx1"/>
+          </a:fontRef>
+        </p:style>
+      </p:cxnSp>
+      <p:cxnSp>
+        <p:nvCxnSpPr>
+          <p:cNvPr id="9" name="Straight Arrow Connector 8">
+            <a:extLst>
+              <a:ext uri="{FF2B5EF4-FFF2-40B4-BE49-F238E27FC236}">
+                <a16:creationId xmlns:a16="http://schemas.microsoft.com/office/drawing/2014/main" id="{092F9542-15E6-43A3-B336-4BEC260059F2}"/>
+              </a:ext>
+            </a:extLst>
+          </p:cNvPr>
+          <p:cNvCxnSpPr>
+            <a:cxnSpLocks/>
+            <a:stCxn id="5" idx="2"/>
+            <a:endCxn id="6" idx="0"/>
+          </p:cNvCxnSpPr>
+          <p:nvPr/>
+        </p:nvCxnSpPr>
+        <p:spPr>
+          <a:xfrm flipH="1">
+            <a:off x="6096000" y="3313043"/>
+            <a:ext cx="1" cy="258419"/>
+          </a:xfrm>
+          <a:prstGeom prst="straightConnector1">
+            <a:avLst/>
+          </a:prstGeom>
+          <a:ln>
+            <a:solidFill>
+              <a:schemeClr val="tx1"/>
+            </a:solidFill>
+            <a:tailEnd type="triangle"/>
+          </a:ln>
+        </p:spPr>
+        <p:style>
+          <a:lnRef idx="3">
+            <a:schemeClr val="dk1"/>
+          </a:lnRef>
+          <a:fillRef idx="0">
+            <a:schemeClr val="dk1"/>
+          </a:fillRef>
+          <a:effectRef idx="2">
+            <a:schemeClr val="dk1"/>
+          </a:effectRef>
+          <a:fontRef idx="minor">
+            <a:schemeClr val="tx1"/>
+          </a:fontRef>
+        </p:style>
+      </p:cxnSp>
+      <p:cxnSp>
+        <p:nvCxnSpPr>
+          <p:cNvPr id="10" name="Straight Arrow Connector 9">
+            <a:extLst>
+              <a:ext uri="{FF2B5EF4-FFF2-40B4-BE49-F238E27FC236}">
+                <a16:creationId xmlns:a16="http://schemas.microsoft.com/office/drawing/2014/main" id="{99262BFB-8F96-4F97-B92E-8D81967D6C9C}"/>
+              </a:ext>
+            </a:extLst>
+          </p:cNvPr>
+          <p:cNvCxnSpPr>
+            <a:cxnSpLocks/>
+            <a:stCxn id="6" idx="2"/>
+          </p:cNvCxnSpPr>
+          <p:nvPr/>
+        </p:nvCxnSpPr>
+        <p:spPr>
+          <a:xfrm>
+            <a:off x="6096000" y="4419601"/>
+            <a:ext cx="0" cy="682486"/>
+          </a:xfrm>
+          <a:prstGeom prst="straightConnector1">
+            <a:avLst/>
+          </a:prstGeom>
+          <a:ln>
+            <a:solidFill>
+              <a:schemeClr val="tx1"/>
+            </a:solidFill>
+            <a:tailEnd type="triangle"/>
+          </a:ln>
+        </p:spPr>
+        <p:style>
+          <a:lnRef idx="3">
+            <a:schemeClr val="dk1"/>
+          </a:lnRef>
+          <a:fillRef idx="0">
+            <a:schemeClr val="dk1"/>
+          </a:fillRef>
+          <a:effectRef idx="2">
+            <a:schemeClr val="dk1"/>
+          </a:effectRef>
+          <a:fontRef idx="minor">
+            <a:schemeClr val="tx1"/>
+          </a:fontRef>
+        </p:style>
+      </p:cxnSp>
+      <p:cxnSp>
+        <p:nvCxnSpPr>
+          <p:cNvPr id="23" name="Straight Arrow Connector 22">
+            <a:extLst>
+              <a:ext uri="{FF2B5EF4-FFF2-40B4-BE49-F238E27FC236}">
+                <a16:creationId xmlns:a16="http://schemas.microsoft.com/office/drawing/2014/main" id="{07F7F81C-F140-4694-BB17-A2985A55DA01}"/>
+              </a:ext>
+            </a:extLst>
+          </p:cNvPr>
+          <p:cNvCxnSpPr>
+            <a:cxnSpLocks/>
+            <a:endCxn id="4" idx="3"/>
+          </p:cNvCxnSpPr>
+          <p:nvPr/>
+        </p:nvCxnSpPr>
+        <p:spPr>
+          <a:xfrm flipH="1">
+            <a:off x="6871252" y="1378227"/>
+            <a:ext cx="1252331" cy="0"/>
+          </a:xfrm>
+          <a:prstGeom prst="straightConnector1">
+            <a:avLst/>
+          </a:prstGeom>
+          <a:ln>
+            <a:solidFill>
+              <a:schemeClr val="tx1"/>
+            </a:solidFill>
+            <a:tailEnd type="triangle"/>
+          </a:ln>
+        </p:spPr>
+        <p:style>
+          <a:lnRef idx="1">
+            <a:schemeClr val="accent1"/>
+          </a:lnRef>
+          <a:fillRef idx="0">
+            <a:schemeClr val="accent1"/>
+          </a:fillRef>
+          <a:effectRef idx="0">
+            <a:schemeClr val="accent1"/>
+          </a:effectRef>
+          <a:fontRef idx="minor">
+            <a:schemeClr val="tx1"/>
+          </a:fontRef>
+        </p:style>
+      </p:cxnSp>
+      <p:cxnSp>
+        <p:nvCxnSpPr>
+          <p:cNvPr id="26" name="Straight Connector 25">
+            <a:extLst>
+              <a:ext uri="{FF2B5EF4-FFF2-40B4-BE49-F238E27FC236}">
+                <a16:creationId xmlns:a16="http://schemas.microsoft.com/office/drawing/2014/main" id="{687CC72D-6E7B-4237-A272-E9E19288EC33}"/>
+              </a:ext>
+            </a:extLst>
+          </p:cNvPr>
+          <p:cNvCxnSpPr>
+            <a:cxnSpLocks/>
+          </p:cNvCxnSpPr>
+          <p:nvPr/>
+        </p:nvCxnSpPr>
+        <p:spPr>
+          <a:xfrm>
+            <a:off x="6096000" y="4764158"/>
+            <a:ext cx="2027583" cy="0"/>
+          </a:xfrm>
+          <a:prstGeom prst="line">
+            <a:avLst/>
+          </a:prstGeom>
+          <a:ln>
+            <a:solidFill>
+              <a:schemeClr val="tx1"/>
+            </a:solidFill>
+          </a:ln>
+        </p:spPr>
+        <p:style>
+          <a:lnRef idx="1">
+            <a:schemeClr val="accent1"/>
+          </a:lnRef>
+          <a:fillRef idx="0">
+            <a:schemeClr val="accent1"/>
+          </a:fillRef>
+          <a:effectRef idx="0">
+            <a:schemeClr val="accent1"/>
+          </a:effectRef>
+          <a:fontRef idx="minor">
+            <a:schemeClr val="tx1"/>
+          </a:fontRef>
+        </p:style>
+      </p:cxnSp>
+      <p:cxnSp>
+        <p:nvCxnSpPr>
+          <p:cNvPr id="29" name="Straight Connector 28">
+            <a:extLst>
+              <a:ext uri="{FF2B5EF4-FFF2-40B4-BE49-F238E27FC236}">
+                <a16:creationId xmlns:a16="http://schemas.microsoft.com/office/drawing/2014/main" id="{594A0180-DDA4-4DCB-A8D8-3488377876B6}"/>
+              </a:ext>
+            </a:extLst>
+          </p:cNvPr>
+          <p:cNvCxnSpPr>
+            <a:cxnSpLocks/>
+          </p:cNvCxnSpPr>
+          <p:nvPr/>
+        </p:nvCxnSpPr>
+        <p:spPr>
+          <a:xfrm>
+            <a:off x="8123583" y="1378227"/>
+            <a:ext cx="0" cy="3385931"/>
+          </a:xfrm>
+          <a:prstGeom prst="line">
+            <a:avLst/>
+          </a:prstGeom>
+          <a:ln>
+            <a:solidFill>
+              <a:schemeClr val="tx1"/>
+            </a:solidFill>
+          </a:ln>
+        </p:spPr>
+        <p:style>
+          <a:lnRef idx="1">
+            <a:schemeClr val="accent1"/>
+          </a:lnRef>
+          <a:fillRef idx="0">
+            <a:schemeClr val="accent1"/>
+          </a:fillRef>
+          <a:effectRef idx="0">
+            <a:schemeClr val="accent1"/>
+          </a:effectRef>
+          <a:fontRef idx="minor">
+            <a:schemeClr val="tx1"/>
+          </a:fontRef>
+        </p:style>
+      </p:cxnSp>
+      <p:cxnSp>
+        <p:nvCxnSpPr>
+          <p:cNvPr id="34" name="Straight Arrow Connector 33">
+            <a:extLst>
+              <a:ext uri="{FF2B5EF4-FFF2-40B4-BE49-F238E27FC236}">
+                <a16:creationId xmlns:a16="http://schemas.microsoft.com/office/drawing/2014/main" id="{2DF366E5-8477-4E70-A6F9-E3F2F09E9ECF}"/>
+              </a:ext>
+            </a:extLst>
+          </p:cNvPr>
+          <p:cNvCxnSpPr>
+            <a:cxnSpLocks/>
+            <a:endCxn id="6" idx="3"/>
+          </p:cNvCxnSpPr>
+          <p:nvPr/>
+        </p:nvCxnSpPr>
+        <p:spPr>
+          <a:xfrm flipH="1">
+            <a:off x="6871252" y="3995532"/>
+            <a:ext cx="1252331" cy="0"/>
+          </a:xfrm>
+          <a:prstGeom prst="straightConnector1">
+            <a:avLst/>
+          </a:prstGeom>
+          <a:ln>
+            <a:solidFill>
+              <a:schemeClr val="tx1"/>
+            </a:solidFill>
+            <a:tailEnd type="triangle"/>
+          </a:ln>
+        </p:spPr>
+        <p:style>
+          <a:lnRef idx="1">
+            <a:schemeClr val="accent1"/>
+          </a:lnRef>
+          <a:fillRef idx="0">
+            <a:schemeClr val="accent1"/>
+          </a:fillRef>
+          <a:effectRef idx="0">
+            <a:schemeClr val="accent1"/>
+          </a:effectRef>
+          <a:fontRef idx="minor">
+            <a:schemeClr val="tx1"/>
+          </a:fontRef>
+        </p:style>
+      </p:cxnSp>
+    </p:spTree>
+    <p:extLst>
+      <p:ext uri="{BB962C8B-B14F-4D97-AF65-F5344CB8AC3E}">
+        <p14:creationId xmlns:p14="http://schemas.microsoft.com/office/powerpoint/2010/main" val="3496875756"/>
       </p:ext>
     </p:extLst>
   </p:cSld>

--- a/Modelling/MyPAM Modelling.pptx
+++ b/Modelling/MyPAM Modelling.pptx
@@ -276,7 +276,7 @@
           <a:p>
             <a:fld id="{4DCC3765-A771-4BBA-8135-6F2E689117A7}" type="datetimeFigureOut">
               <a:rPr lang="en-GB" smtClean="0"/>
-              <a:t>18/12/2018</a:t>
+              <a:t>28/02/2019</a:t>
             </a:fld>
             <a:endParaRPr lang="en-GB"/>
           </a:p>
@@ -476,7 +476,7 @@
           <a:p>
             <a:fld id="{4DCC3765-A771-4BBA-8135-6F2E689117A7}" type="datetimeFigureOut">
               <a:rPr lang="en-GB" smtClean="0"/>
-              <a:t>18/12/2018</a:t>
+              <a:t>28/02/2019</a:t>
             </a:fld>
             <a:endParaRPr lang="en-GB"/>
           </a:p>
@@ -686,7 +686,7 @@
           <a:p>
             <a:fld id="{4DCC3765-A771-4BBA-8135-6F2E689117A7}" type="datetimeFigureOut">
               <a:rPr lang="en-GB" smtClean="0"/>
-              <a:t>18/12/2018</a:t>
+              <a:t>28/02/2019</a:t>
             </a:fld>
             <a:endParaRPr lang="en-GB"/>
           </a:p>
@@ -886,7 +886,7 @@
           <a:p>
             <a:fld id="{4DCC3765-A771-4BBA-8135-6F2E689117A7}" type="datetimeFigureOut">
               <a:rPr lang="en-GB" smtClean="0"/>
-              <a:t>18/12/2018</a:t>
+              <a:t>28/02/2019</a:t>
             </a:fld>
             <a:endParaRPr lang="en-GB"/>
           </a:p>
@@ -1162,7 +1162,7 @@
           <a:p>
             <a:fld id="{4DCC3765-A771-4BBA-8135-6F2E689117A7}" type="datetimeFigureOut">
               <a:rPr lang="en-GB" smtClean="0"/>
-              <a:t>18/12/2018</a:t>
+              <a:t>28/02/2019</a:t>
             </a:fld>
             <a:endParaRPr lang="en-GB"/>
           </a:p>
@@ -1430,7 +1430,7 @@
           <a:p>
             <a:fld id="{4DCC3765-A771-4BBA-8135-6F2E689117A7}" type="datetimeFigureOut">
               <a:rPr lang="en-GB" smtClean="0"/>
-              <a:t>18/12/2018</a:t>
+              <a:t>28/02/2019</a:t>
             </a:fld>
             <a:endParaRPr lang="en-GB"/>
           </a:p>
@@ -1845,7 +1845,7 @@
           <a:p>
             <a:fld id="{4DCC3765-A771-4BBA-8135-6F2E689117A7}" type="datetimeFigureOut">
               <a:rPr lang="en-GB" smtClean="0"/>
-              <a:t>18/12/2018</a:t>
+              <a:t>28/02/2019</a:t>
             </a:fld>
             <a:endParaRPr lang="en-GB"/>
           </a:p>
@@ -1987,7 +1987,7 @@
           <a:p>
             <a:fld id="{4DCC3765-A771-4BBA-8135-6F2E689117A7}" type="datetimeFigureOut">
               <a:rPr lang="en-GB" smtClean="0"/>
-              <a:t>18/12/2018</a:t>
+              <a:t>28/02/2019</a:t>
             </a:fld>
             <a:endParaRPr lang="en-GB"/>
           </a:p>
@@ -2100,7 +2100,7 @@
           <a:p>
             <a:fld id="{4DCC3765-A771-4BBA-8135-6F2E689117A7}" type="datetimeFigureOut">
               <a:rPr lang="en-GB" smtClean="0"/>
-              <a:t>18/12/2018</a:t>
+              <a:t>28/02/2019</a:t>
             </a:fld>
             <a:endParaRPr lang="en-GB"/>
           </a:p>
@@ -2413,7 +2413,7 @@
           <a:p>
             <a:fld id="{4DCC3765-A771-4BBA-8135-6F2E689117A7}" type="datetimeFigureOut">
               <a:rPr lang="en-GB" smtClean="0"/>
-              <a:t>18/12/2018</a:t>
+              <a:t>28/02/2019</a:t>
             </a:fld>
             <a:endParaRPr lang="en-GB"/>
           </a:p>
@@ -2702,7 +2702,7 @@
           <a:p>
             <a:fld id="{4DCC3765-A771-4BBA-8135-6F2E689117A7}" type="datetimeFigureOut">
               <a:rPr lang="en-GB" smtClean="0"/>
-              <a:t>18/12/2018</a:t>
+              <a:t>28/02/2019</a:t>
             </a:fld>
             <a:endParaRPr lang="en-GB"/>
           </a:p>
@@ -2945,7 +2945,7 @@
           <a:p>
             <a:fld id="{4DCC3765-A771-4BBA-8135-6F2E689117A7}" type="datetimeFigureOut">
               <a:rPr lang="en-GB" smtClean="0"/>
-              <a:t>18/12/2018</a:t>
+              <a:t>28/02/2019</a:t>
             </a:fld>
             <a:endParaRPr lang="en-GB"/>
           </a:p>
@@ -22767,21 +22767,7 @@
                 <a:pPr algn="ctr"/>
                 <a:r>
                   <a:rPr lang="en-GB" dirty="0"/>
-                  <a:t>PID Joint</a:t>
-                </a:r>
-              </a:p>
-              <a:p>
-                <a:pPr algn="ctr"/>
-                <a:r>
-                  <a:rPr lang="en-GB" dirty="0"/>
-                  <a:t>Position</a:t>
-                </a:r>
-              </a:p>
-              <a:p>
-                <a:pPr algn="ctr"/>
-                <a:r>
-                  <a:rPr lang="en-GB" dirty="0"/>
-                  <a:t>Controllers</a:t>
+                  <a:t>C</a:t>
                 </a:r>
               </a:p>
             </p:txBody>

--- a/Modelling/MyPAM Modelling.pptx
+++ b/Modelling/MyPAM Modelling.pptx
@@ -16,11 +16,14 @@
     <p:sldId id="264" r:id="rId10"/>
     <p:sldId id="265" r:id="rId11"/>
     <p:sldId id="266" r:id="rId12"/>
-    <p:sldId id="267" r:id="rId13"/>
-    <p:sldId id="268" r:id="rId14"/>
-    <p:sldId id="269" r:id="rId15"/>
-    <p:sldId id="270" r:id="rId16"/>
-    <p:sldId id="271" r:id="rId17"/>
+    <p:sldId id="272" r:id="rId13"/>
+    <p:sldId id="267" r:id="rId14"/>
+    <p:sldId id="268" r:id="rId15"/>
+    <p:sldId id="269" r:id="rId16"/>
+    <p:sldId id="270" r:id="rId17"/>
+    <p:sldId id="271" r:id="rId18"/>
+    <p:sldId id="274" r:id="rId19"/>
+    <p:sldId id="275" r:id="rId20"/>
   </p:sldIdLst>
   <p:sldSz cx="12192000" cy="6858000"/>
   <p:notesSz cx="6858000" cy="9144000"/>
@@ -276,7 +279,7 @@
           <a:p>
             <a:fld id="{4DCC3765-A771-4BBA-8135-6F2E689117A7}" type="datetimeFigureOut">
               <a:rPr lang="en-GB" smtClean="0"/>
-              <a:t>28/02/2019</a:t>
+              <a:t>22/05/2019</a:t>
             </a:fld>
             <a:endParaRPr lang="en-GB"/>
           </a:p>
@@ -476,7 +479,7 @@
           <a:p>
             <a:fld id="{4DCC3765-A771-4BBA-8135-6F2E689117A7}" type="datetimeFigureOut">
               <a:rPr lang="en-GB" smtClean="0"/>
-              <a:t>28/02/2019</a:t>
+              <a:t>22/05/2019</a:t>
             </a:fld>
             <a:endParaRPr lang="en-GB"/>
           </a:p>
@@ -686,7 +689,7 @@
           <a:p>
             <a:fld id="{4DCC3765-A771-4BBA-8135-6F2E689117A7}" type="datetimeFigureOut">
               <a:rPr lang="en-GB" smtClean="0"/>
-              <a:t>28/02/2019</a:t>
+              <a:t>22/05/2019</a:t>
             </a:fld>
             <a:endParaRPr lang="en-GB"/>
           </a:p>
@@ -886,7 +889,7 @@
           <a:p>
             <a:fld id="{4DCC3765-A771-4BBA-8135-6F2E689117A7}" type="datetimeFigureOut">
               <a:rPr lang="en-GB" smtClean="0"/>
-              <a:t>28/02/2019</a:t>
+              <a:t>22/05/2019</a:t>
             </a:fld>
             <a:endParaRPr lang="en-GB"/>
           </a:p>
@@ -1162,7 +1165,7 @@
           <a:p>
             <a:fld id="{4DCC3765-A771-4BBA-8135-6F2E689117A7}" type="datetimeFigureOut">
               <a:rPr lang="en-GB" smtClean="0"/>
-              <a:t>28/02/2019</a:t>
+              <a:t>22/05/2019</a:t>
             </a:fld>
             <a:endParaRPr lang="en-GB"/>
           </a:p>
@@ -1430,7 +1433,7 @@
           <a:p>
             <a:fld id="{4DCC3765-A771-4BBA-8135-6F2E689117A7}" type="datetimeFigureOut">
               <a:rPr lang="en-GB" smtClean="0"/>
-              <a:t>28/02/2019</a:t>
+              <a:t>22/05/2019</a:t>
             </a:fld>
             <a:endParaRPr lang="en-GB"/>
           </a:p>
@@ -1845,7 +1848,7 @@
           <a:p>
             <a:fld id="{4DCC3765-A771-4BBA-8135-6F2E689117A7}" type="datetimeFigureOut">
               <a:rPr lang="en-GB" smtClean="0"/>
-              <a:t>28/02/2019</a:t>
+              <a:t>22/05/2019</a:t>
             </a:fld>
             <a:endParaRPr lang="en-GB"/>
           </a:p>
@@ -1987,7 +1990,7 @@
           <a:p>
             <a:fld id="{4DCC3765-A771-4BBA-8135-6F2E689117A7}" type="datetimeFigureOut">
               <a:rPr lang="en-GB" smtClean="0"/>
-              <a:t>28/02/2019</a:t>
+              <a:t>22/05/2019</a:t>
             </a:fld>
             <a:endParaRPr lang="en-GB"/>
           </a:p>
@@ -2100,7 +2103,7 @@
           <a:p>
             <a:fld id="{4DCC3765-A771-4BBA-8135-6F2E689117A7}" type="datetimeFigureOut">
               <a:rPr lang="en-GB" smtClean="0"/>
-              <a:t>28/02/2019</a:t>
+              <a:t>22/05/2019</a:t>
             </a:fld>
             <a:endParaRPr lang="en-GB"/>
           </a:p>
@@ -2413,7 +2416,7 @@
           <a:p>
             <a:fld id="{4DCC3765-A771-4BBA-8135-6F2E689117A7}" type="datetimeFigureOut">
               <a:rPr lang="en-GB" smtClean="0"/>
-              <a:t>28/02/2019</a:t>
+              <a:t>22/05/2019</a:t>
             </a:fld>
             <a:endParaRPr lang="en-GB"/>
           </a:p>
@@ -2702,7 +2705,7 @@
           <a:p>
             <a:fld id="{4DCC3765-A771-4BBA-8135-6F2E689117A7}" type="datetimeFigureOut">
               <a:rPr lang="en-GB" smtClean="0"/>
-              <a:t>28/02/2019</a:t>
+              <a:t>22/05/2019</a:t>
             </a:fld>
             <a:endParaRPr lang="en-GB"/>
           </a:p>
@@ -2945,7 +2948,7 @@
           <a:p>
             <a:fld id="{4DCC3765-A771-4BBA-8135-6F2E689117A7}" type="datetimeFigureOut">
               <a:rPr lang="en-GB" smtClean="0"/>
-              <a:t>28/02/2019</a:t>
+              <a:t>22/05/2019</a:t>
             </a:fld>
             <a:endParaRPr lang="en-GB"/>
           </a:p>
@@ -5769,12 +5772,13 @@
         </p:nvSpPr>
         <p:spPr>
           <a:xfrm>
-            <a:off x="4187247" y="3461235"/>
+            <a:off x="3683663" y="3461235"/>
             <a:ext cx="569843" cy="596347"/>
           </a:xfrm>
           <a:prstGeom prst="ellipse">
             <a:avLst/>
           </a:prstGeom>
+          <a:ln w="28575"/>
         </p:spPr>
         <p:style>
           <a:lnRef idx="2">
@@ -5816,12 +5820,13 @@
         </p:nvCxnSpPr>
         <p:spPr>
           <a:xfrm>
-            <a:off x="4270699" y="3548568"/>
+            <a:off x="3767115" y="3548568"/>
             <a:ext cx="402939" cy="421681"/>
           </a:xfrm>
           <a:prstGeom prst="line">
             <a:avLst/>
           </a:prstGeom>
+          <a:ln w="28575"/>
         </p:spPr>
         <p:style>
           <a:lnRef idx="2">
@@ -5855,12 +5860,17 @@
         </p:nvCxnSpPr>
         <p:spPr>
           <a:xfrm flipV="1">
-            <a:off x="4270699" y="3548568"/>
+            <a:off x="3767115" y="3548568"/>
             <a:ext cx="402939" cy="421681"/>
           </a:xfrm>
           <a:prstGeom prst="line">
             <a:avLst/>
           </a:prstGeom>
+          <a:ln w="28575">
+            <a:solidFill>
+              <a:schemeClr val="tx1"/>
+            </a:solidFill>
+          </a:ln>
         </p:spPr>
         <p:style>
           <a:lnRef idx="2">
@@ -5891,7 +5901,7 @@
         </p:nvSpPr>
         <p:spPr>
           <a:xfrm>
-            <a:off x="4327804" y="3396765"/>
+            <a:off x="3824220" y="3396765"/>
             <a:ext cx="300082" cy="369332"/>
           </a:xfrm>
           <a:prstGeom prst="rect">
@@ -5926,7 +5936,7 @@
         </p:nvSpPr>
         <p:spPr>
           <a:xfrm>
-            <a:off x="4140169" y="3568774"/>
+            <a:off x="3636585" y="3568774"/>
             <a:ext cx="300082" cy="369332"/>
           </a:xfrm>
           <a:prstGeom prst="rect">
@@ -5961,7 +5971,7 @@
         </p:nvSpPr>
         <p:spPr>
           <a:xfrm>
-            <a:off x="4357787" y="3747988"/>
+            <a:off x="3854203" y="3747988"/>
             <a:ext cx="255198" cy="369332"/>
           </a:xfrm>
           <a:prstGeom prst="rect">
@@ -5998,13 +6008,13 @@
         </p:nvCxnSpPr>
         <p:spPr>
           <a:xfrm>
-            <a:off x="3555882" y="3753440"/>
+            <a:off x="3052298" y="3753440"/>
             <a:ext cx="631365" cy="0"/>
           </a:xfrm>
           <a:prstGeom prst="straightConnector1">
             <a:avLst/>
           </a:prstGeom>
-          <a:ln>
+          <a:ln w="38100">
             <a:solidFill>
               <a:schemeClr val="tx1"/>
             </a:solidFill>
@@ -6040,8 +6050,8 @@
         </p:nvSpPr>
         <p:spPr>
           <a:xfrm>
-            <a:off x="2699720" y="3457665"/>
-            <a:ext cx="936667" cy="646331"/>
+            <a:off x="2143713" y="3286323"/>
+            <a:ext cx="936667" cy="923330"/>
           </a:xfrm>
           <a:prstGeom prst="rect">
             <a:avLst/>
@@ -6067,6 +6077,21 @@
               <a:t>Position</a:t>
             </a:r>
           </a:p>
+          <a:p>
+            <a:pPr algn="ctr"/>
+            <a:r>
+              <a:rPr lang="en-GB" dirty="0"/>
+              <a:t>(P</a:t>
+            </a:r>
+            <a:r>
+              <a:rPr lang="en-GB" baseline="-25000" dirty="0"/>
+              <a:t>T</a:t>
+            </a:r>
+            <a:r>
+              <a:rPr lang="en-GB" dirty="0"/>
+              <a:t>)</a:t>
+            </a:r>
+          </a:p>
         </p:txBody>
       </p:sp>
       <p:grpSp>
@@ -6083,12 +6108,54 @@
         </p:nvGrpSpPr>
         <p:grpSpPr>
           <a:xfrm>
-            <a:off x="4756542" y="3296240"/>
-            <a:ext cx="2796211" cy="914400"/>
-            <a:chOff x="3697358" y="795131"/>
-            <a:chExt cx="2796211" cy="914400"/>
+            <a:off x="4261543" y="3296240"/>
+            <a:ext cx="2899996" cy="914400"/>
+            <a:chOff x="3202359" y="795131"/>
+            <a:chExt cx="2899996" cy="914400"/>
           </a:xfrm>
         </p:grpSpPr>
+        <p:cxnSp>
+          <p:nvCxnSpPr>
+            <p:cNvPr id="21" name="Straight Arrow Connector 20">
+              <a:extLst>
+                <a:ext uri="{FF2B5EF4-FFF2-40B4-BE49-F238E27FC236}">
+                  <a16:creationId xmlns:a16="http://schemas.microsoft.com/office/drawing/2014/main" id="{6289796E-F51C-40C5-863B-2624A342E94E}"/>
+                </a:ext>
+              </a:extLst>
+            </p:cNvPr>
+            <p:cNvCxnSpPr>
+              <a:cxnSpLocks/>
+              <a:endCxn id="19" idx="1"/>
+            </p:cNvCxnSpPr>
+            <p:nvPr/>
+          </p:nvCxnSpPr>
+          <p:spPr>
+            <a:xfrm>
+              <a:off x="3202359" y="1246879"/>
+              <a:ext cx="1276878" cy="5452"/>
+            </a:xfrm>
+            <a:prstGeom prst="straightConnector1">
+              <a:avLst/>
+            </a:prstGeom>
+            <a:ln w="38100">
+              <a:tailEnd type="triangle"/>
+            </a:ln>
+          </p:spPr>
+          <p:style>
+            <a:lnRef idx="1">
+              <a:schemeClr val="dk1"/>
+            </a:lnRef>
+            <a:fillRef idx="0">
+              <a:schemeClr val="dk1"/>
+            </a:fillRef>
+            <a:effectRef idx="0">
+              <a:schemeClr val="dk1"/>
+            </a:effectRef>
+            <a:fontRef idx="minor">
+              <a:schemeClr val="tx1"/>
+            </a:fontRef>
+          </p:style>
+        </p:cxnSp>
         <p:sp>
           <p:nvSpPr>
             <p:cNvPr id="19" name="Rectangle 18">
@@ -6156,71 +6223,30 @@
             <p:cNvCxnSpPr>
               <a:cxnSpLocks/>
               <a:stCxn id="19" idx="3"/>
+              <a:endCxn id="25" idx="1"/>
             </p:cNvCxnSpPr>
             <p:nvPr/>
           </p:nvCxnSpPr>
           <p:spPr>
             <a:xfrm>
               <a:off x="5711690" y="1252331"/>
-              <a:ext cx="781879" cy="0"/>
+              <a:ext cx="390665" cy="4177"/>
             </a:xfrm>
             <a:prstGeom prst="straightConnector1">
               <a:avLst/>
             </a:prstGeom>
-            <a:ln>
+            <a:ln w="38100">
               <a:tailEnd type="triangle"/>
             </a:ln>
           </p:spPr>
           <p:style>
-            <a:lnRef idx="1">
+            <a:lnRef idx="3">
               <a:schemeClr val="dk1"/>
             </a:lnRef>
             <a:fillRef idx="0">
               <a:schemeClr val="dk1"/>
             </a:fillRef>
-            <a:effectRef idx="0">
-              <a:schemeClr val="dk1"/>
-            </a:effectRef>
-            <a:fontRef idx="minor">
-              <a:schemeClr val="tx1"/>
-            </a:fontRef>
-          </p:style>
-        </p:cxnSp>
-        <p:cxnSp>
-          <p:nvCxnSpPr>
-            <p:cNvPr id="21" name="Straight Arrow Connector 20">
-              <a:extLst>
-                <a:ext uri="{FF2B5EF4-FFF2-40B4-BE49-F238E27FC236}">
-                  <a16:creationId xmlns:a16="http://schemas.microsoft.com/office/drawing/2014/main" id="{6289796E-F51C-40C5-863B-2624A342E94E}"/>
-                </a:ext>
-              </a:extLst>
-            </p:cNvPr>
-            <p:cNvCxnSpPr>
-              <a:cxnSpLocks/>
-              <a:endCxn id="19" idx="1"/>
-            </p:cNvCxnSpPr>
-            <p:nvPr/>
-          </p:nvCxnSpPr>
-          <p:spPr>
-            <a:xfrm>
-              <a:off x="3697358" y="1252331"/>
-              <a:ext cx="781879" cy="0"/>
-            </a:xfrm>
-            <a:prstGeom prst="straightConnector1">
-              <a:avLst/>
-            </a:prstGeom>
-            <a:ln>
-              <a:tailEnd type="triangle"/>
-            </a:ln>
-          </p:spPr>
-          <p:style>
-            <a:lnRef idx="1">
-              <a:schemeClr val="dk1"/>
-            </a:lnRef>
-            <a:fillRef idx="0">
-              <a:schemeClr val="dk1"/>
-            </a:fillRef>
-            <a:effectRef idx="0">
+            <a:effectRef idx="2">
               <a:schemeClr val="dk1"/>
             </a:effectRef>
             <a:fontRef idx="minor">
@@ -6243,7 +6269,7 @@
         </p:nvSpPr>
         <p:spPr>
           <a:xfrm>
-            <a:off x="7552205" y="3277464"/>
+            <a:off x="7161539" y="3300417"/>
             <a:ext cx="1232453" cy="914400"/>
           </a:xfrm>
           <a:prstGeom prst="rect">
@@ -6293,7 +6319,7 @@
             </p:nvSpPr>
             <p:spPr>
               <a:xfrm>
-                <a:off x="5266257" y="1686652"/>
+                <a:off x="6096000" y="1721962"/>
                 <a:ext cx="1776779" cy="914400"/>
               </a:xfrm>
               <a:prstGeom prst="rect">
@@ -6423,7 +6449,7 @@
             </p:nvSpPr>
             <p:spPr>
               <a:xfrm>
-                <a:off x="5266257" y="1686652"/>
+                <a:off x="6096000" y="1721962"/>
                 <a:ext cx="1776779" cy="914400"/>
               </a:xfrm>
               <a:prstGeom prst="rect">
@@ -6473,13 +6499,13 @@
         </p:nvCxnSpPr>
         <p:spPr>
           <a:xfrm flipH="1">
-            <a:off x="7043036" y="2143852"/>
-            <a:ext cx="2273244" cy="0"/>
+            <a:off x="7872779" y="2179162"/>
+            <a:ext cx="1443500" cy="0"/>
           </a:xfrm>
           <a:prstGeom prst="straightConnector1">
             <a:avLst/>
           </a:prstGeom>
-          <a:ln>
+          <a:ln w="38100">
             <a:solidFill>
               <a:schemeClr val="tx1"/>
             </a:solidFill>
@@ -6515,7 +6541,7 @@
         </p:nvSpPr>
         <p:spPr>
           <a:xfrm>
-            <a:off x="7639496" y="1774520"/>
+            <a:off x="9281334" y="2686744"/>
             <a:ext cx="480773" cy="369332"/>
           </a:xfrm>
           <a:prstGeom prst="rect">
@@ -6545,49 +6571,6 @@
       </p:sp>
       <p:cxnSp>
         <p:nvCxnSpPr>
-          <p:cNvPr id="34" name="Connector: Elbow 33">
-            <a:extLst>
-              <a:ext uri="{FF2B5EF4-FFF2-40B4-BE49-F238E27FC236}">
-                <a16:creationId xmlns:a16="http://schemas.microsoft.com/office/drawing/2014/main" id="{97B83089-38C8-4833-966B-A5A85E6F8FC4}"/>
-              </a:ext>
-            </a:extLst>
-          </p:cNvPr>
-          <p:cNvCxnSpPr/>
-          <p:nvPr/>
-        </p:nvCxnSpPr>
-        <p:spPr>
-          <a:xfrm rot="5400000" flipH="1" flipV="1">
-            <a:off x="8348110" y="2580400"/>
-            <a:ext cx="1404716" cy="531620"/>
-          </a:xfrm>
-          <a:prstGeom prst="bentConnector3">
-            <a:avLst>
-              <a:gd name="adj1" fmla="val 5660"/>
-            </a:avLst>
-          </a:prstGeom>
-          <a:ln>
-            <a:solidFill>
-              <a:schemeClr val="tx1"/>
-            </a:solidFill>
-          </a:ln>
-        </p:spPr>
-        <p:style>
-          <a:lnRef idx="1">
-            <a:schemeClr val="accent1"/>
-          </a:lnRef>
-          <a:fillRef idx="0">
-            <a:schemeClr val="accent1"/>
-          </a:fillRef>
-          <a:effectRef idx="0">
-            <a:schemeClr val="accent1"/>
-          </a:effectRef>
-          <a:fontRef idx="minor">
-            <a:schemeClr val="tx1"/>
-          </a:fontRef>
-        </p:style>
-      </p:cxnSp>
-      <p:cxnSp>
-        <p:nvCxnSpPr>
           <p:cNvPr id="38" name="Straight Arrow Connector 37">
             <a:extLst>
               <a:ext uri="{FF2B5EF4-FFF2-40B4-BE49-F238E27FC236}">
@@ -6602,62 +6585,17 @@
         </p:nvCxnSpPr>
         <p:spPr>
           <a:xfrm>
-            <a:off x="4472941" y="2358887"/>
-            <a:ext cx="0" cy="1098778"/>
+            <a:off x="3963523" y="2179161"/>
+            <a:ext cx="5835" cy="1278504"/>
           </a:xfrm>
           <a:prstGeom prst="straightConnector1">
             <a:avLst/>
           </a:prstGeom>
-          <a:ln>
+          <a:ln w="38100">
             <a:solidFill>
               <a:schemeClr val="tx1"/>
             </a:solidFill>
             <a:tailEnd type="triangle"/>
-          </a:ln>
-        </p:spPr>
-        <p:style>
-          <a:lnRef idx="1">
-            <a:schemeClr val="accent1"/>
-          </a:lnRef>
-          <a:fillRef idx="0">
-            <a:schemeClr val="accent1"/>
-          </a:fillRef>
-          <a:effectRef idx="0">
-            <a:schemeClr val="accent1"/>
-          </a:effectRef>
-          <a:fontRef idx="minor">
-            <a:schemeClr val="tx1"/>
-          </a:fontRef>
-        </p:style>
-      </p:cxnSp>
-      <p:cxnSp>
-        <p:nvCxnSpPr>
-          <p:cNvPr id="41" name="Connector: Elbow 40">
-            <a:extLst>
-              <a:ext uri="{FF2B5EF4-FFF2-40B4-BE49-F238E27FC236}">
-                <a16:creationId xmlns:a16="http://schemas.microsoft.com/office/drawing/2014/main" id="{03420312-5FC5-4732-94A0-013DB98448BE}"/>
-              </a:ext>
-            </a:extLst>
-          </p:cNvPr>
-          <p:cNvCxnSpPr>
-            <a:stCxn id="28" idx="1"/>
-          </p:cNvCxnSpPr>
-          <p:nvPr/>
-        </p:nvCxnSpPr>
-        <p:spPr>
-          <a:xfrm rot="10800000" flipV="1">
-            <a:off x="4472169" y="2143851"/>
-            <a:ext cx="794089" cy="215035"/>
-          </a:xfrm>
-          <a:prstGeom prst="bentConnector3">
-            <a:avLst>
-              <a:gd name="adj1" fmla="val 98397"/>
-            </a:avLst>
-          </a:prstGeom>
-          <a:ln>
-            <a:solidFill>
-              <a:schemeClr val="tx1"/>
-            </a:solidFill>
           </a:ln>
         </p:spPr>
         <p:style>
@@ -6689,7 +6627,7 @@
         </p:nvSpPr>
         <p:spPr>
           <a:xfrm>
-            <a:off x="5273577" y="1332424"/>
+            <a:off x="6103320" y="1385206"/>
             <a:ext cx="1769459" cy="369332"/>
           </a:xfrm>
           <a:prstGeom prst="rect">
@@ -6726,13 +6664,13 @@
         </p:nvCxnSpPr>
         <p:spPr>
           <a:xfrm>
-            <a:off x="8784658" y="3734664"/>
+            <a:off x="8393992" y="3757617"/>
             <a:ext cx="1247238" cy="0"/>
           </a:xfrm>
           <a:prstGeom prst="straightConnector1">
             <a:avLst/>
           </a:prstGeom>
-          <a:ln>
+          <a:ln w="38100">
             <a:solidFill>
               <a:schemeClr val="tx1"/>
             </a:solidFill>
@@ -6768,8 +6706,8 @@
         </p:nvSpPr>
         <p:spPr>
           <a:xfrm>
-            <a:off x="6171671" y="4599107"/>
-            <a:ext cx="1590500" cy="369332"/>
+            <a:off x="5974818" y="4752605"/>
+            <a:ext cx="2019142" cy="369332"/>
           </a:xfrm>
           <a:prstGeom prst="rect">
             <a:avLst/>
@@ -6784,58 +6722,21 @@
           <a:p>
             <a:r>
               <a:rPr lang="en-GB" dirty="0"/>
-              <a:t>Actual position</a:t>
+              <a:t>Actual position (P</a:t>
+            </a:r>
+            <a:r>
+              <a:rPr lang="en-GB" baseline="-25000" dirty="0"/>
+              <a:t>A</a:t>
+            </a:r>
+            <a:r>
+              <a:rPr lang="en-GB" dirty="0"/>
+              <a:t>)</a:t>
             </a:r>
           </a:p>
         </p:txBody>
       </p:sp>
       <p:cxnSp>
         <p:nvCxnSpPr>
-          <p:cNvPr id="48" name="Connector: Elbow 47">
-            <a:extLst>
-              <a:ext uri="{FF2B5EF4-FFF2-40B4-BE49-F238E27FC236}">
-                <a16:creationId xmlns:a16="http://schemas.microsoft.com/office/drawing/2014/main" id="{39DD791D-D3ED-4A09-860C-8FFA88C33337}"/>
-              </a:ext>
-            </a:extLst>
-          </p:cNvPr>
-          <p:cNvCxnSpPr>
-            <a:cxnSpLocks/>
-          </p:cNvCxnSpPr>
-          <p:nvPr/>
-        </p:nvCxnSpPr>
-        <p:spPr>
-          <a:xfrm rot="10800000" flipV="1">
-            <a:off x="4472168" y="3734661"/>
-            <a:ext cx="4844114" cy="1165045"/>
-          </a:xfrm>
-          <a:prstGeom prst="bentConnector3">
-            <a:avLst>
-              <a:gd name="adj1" fmla="val 210"/>
-            </a:avLst>
-          </a:prstGeom>
-          <a:ln>
-            <a:solidFill>
-              <a:schemeClr val="tx1"/>
-            </a:solidFill>
-          </a:ln>
-        </p:spPr>
-        <p:style>
-          <a:lnRef idx="1">
-            <a:schemeClr val="accent1"/>
-          </a:lnRef>
-          <a:fillRef idx="0">
-            <a:schemeClr val="accent1"/>
-          </a:fillRef>
-          <a:effectRef idx="0">
-            <a:schemeClr val="accent1"/>
-          </a:effectRef>
-          <a:fontRef idx="minor">
-            <a:schemeClr val="tx1"/>
-          </a:fontRef>
-        </p:style>
-      </p:cxnSp>
-      <p:cxnSp>
-        <p:nvCxnSpPr>
           <p:cNvPr id="52" name="Straight Arrow Connector 51">
             <a:extLst>
               <a:ext uri="{FF2B5EF4-FFF2-40B4-BE49-F238E27FC236}">
@@ -6851,13 +6752,13 @@
         </p:nvCxnSpPr>
         <p:spPr>
           <a:xfrm flipV="1">
-            <a:off x="4472169" y="4057582"/>
-            <a:ext cx="0" cy="842125"/>
+            <a:off x="3968584" y="4057582"/>
+            <a:ext cx="1" cy="633688"/>
           </a:xfrm>
           <a:prstGeom prst="straightConnector1">
             <a:avLst/>
           </a:prstGeom>
-          <a:ln>
+          <a:ln w="38100">
             <a:solidFill>
               <a:schemeClr val="tx1"/>
             </a:solidFill>
@@ -6893,8 +6794,8 @@
         </p:nvSpPr>
         <p:spPr>
           <a:xfrm>
-            <a:off x="3579566" y="2123447"/>
-            <a:ext cx="981359" cy="646331"/>
+            <a:off x="4392544" y="2832198"/>
+            <a:ext cx="981359" cy="923330"/>
           </a:xfrm>
           <a:prstGeom prst="rect">
             <a:avLst/>
@@ -6907,19 +6808,248 @@
           </a:bodyPr>
           <a:lstStyle/>
           <a:p>
+            <a:pPr algn="ctr"/>
             <a:r>
               <a:rPr lang="en-GB" dirty="0"/>
               <a:t>Position</a:t>
             </a:r>
           </a:p>
           <a:p>
+            <a:pPr algn="ctr"/>
             <a:r>
               <a:rPr lang="en-GB" dirty="0"/>
               <a:t>Demand</a:t>
             </a:r>
           </a:p>
+          <a:p>
+            <a:pPr algn="ctr"/>
+            <a:r>
+              <a:rPr lang="en-GB" dirty="0"/>
+              <a:t>(P</a:t>
+            </a:r>
+            <a:r>
+              <a:rPr lang="en-GB" baseline="-25000" dirty="0"/>
+              <a:t>D</a:t>
+            </a:r>
+            <a:r>
+              <a:rPr lang="en-GB" dirty="0"/>
+              <a:t>)</a:t>
+            </a:r>
+          </a:p>
         </p:txBody>
       </p:sp>
+      <p:cxnSp>
+        <p:nvCxnSpPr>
+          <p:cNvPr id="36" name="Straight Connector 35">
+            <a:extLst>
+              <a:ext uri="{FF2B5EF4-FFF2-40B4-BE49-F238E27FC236}">
+                <a16:creationId xmlns:a16="http://schemas.microsoft.com/office/drawing/2014/main" id="{DBC7FE70-9F9B-4AA8-B566-51C3223ACB08}"/>
+              </a:ext>
+            </a:extLst>
+          </p:cNvPr>
+          <p:cNvCxnSpPr>
+            <a:cxnSpLocks/>
+          </p:cNvCxnSpPr>
+          <p:nvPr/>
+        </p:nvCxnSpPr>
+        <p:spPr>
+          <a:xfrm>
+            <a:off x="9316279" y="2179161"/>
+            <a:ext cx="0" cy="1369407"/>
+          </a:xfrm>
+          <a:prstGeom prst="line">
+            <a:avLst/>
+          </a:prstGeom>
+          <a:ln w="38100">
+            <a:solidFill>
+              <a:schemeClr val="tx1"/>
+            </a:solidFill>
+          </a:ln>
+        </p:spPr>
+        <p:style>
+          <a:lnRef idx="1">
+            <a:schemeClr val="accent1"/>
+          </a:lnRef>
+          <a:fillRef idx="0">
+            <a:schemeClr val="accent1"/>
+          </a:fillRef>
+          <a:effectRef idx="0">
+            <a:schemeClr val="accent1"/>
+          </a:effectRef>
+          <a:fontRef idx="minor">
+            <a:schemeClr val="tx1"/>
+          </a:fontRef>
+        </p:style>
+      </p:cxnSp>
+      <p:cxnSp>
+        <p:nvCxnSpPr>
+          <p:cNvPr id="40" name="Straight Connector 39">
+            <a:extLst>
+              <a:ext uri="{FF2B5EF4-FFF2-40B4-BE49-F238E27FC236}">
+                <a16:creationId xmlns:a16="http://schemas.microsoft.com/office/drawing/2014/main" id="{0860DC1A-21C9-4D38-88FC-FD4DAE9358D4}"/>
+              </a:ext>
+            </a:extLst>
+          </p:cNvPr>
+          <p:cNvCxnSpPr/>
+          <p:nvPr/>
+        </p:nvCxnSpPr>
+        <p:spPr>
+          <a:xfrm flipH="1">
+            <a:off x="8393992" y="3548568"/>
+            <a:ext cx="922287" cy="0"/>
+          </a:xfrm>
+          <a:prstGeom prst="line">
+            <a:avLst/>
+          </a:prstGeom>
+          <a:ln w="38100">
+            <a:solidFill>
+              <a:schemeClr val="tx1"/>
+            </a:solidFill>
+          </a:ln>
+        </p:spPr>
+        <p:style>
+          <a:lnRef idx="1">
+            <a:schemeClr val="accent1"/>
+          </a:lnRef>
+          <a:fillRef idx="0">
+            <a:schemeClr val="accent1"/>
+          </a:fillRef>
+          <a:effectRef idx="0">
+            <a:schemeClr val="accent1"/>
+          </a:effectRef>
+          <a:fontRef idx="minor">
+            <a:schemeClr val="tx1"/>
+          </a:fontRef>
+        </p:style>
+      </p:cxnSp>
+      <p:cxnSp>
+        <p:nvCxnSpPr>
+          <p:cNvPr id="47" name="Straight Connector 46">
+            <a:extLst>
+              <a:ext uri="{FF2B5EF4-FFF2-40B4-BE49-F238E27FC236}">
+                <a16:creationId xmlns:a16="http://schemas.microsoft.com/office/drawing/2014/main" id="{ECA3E01D-2BD3-4D6D-966C-0488668C9D39}"/>
+              </a:ext>
+            </a:extLst>
+          </p:cNvPr>
+          <p:cNvCxnSpPr>
+            <a:cxnSpLocks/>
+          </p:cNvCxnSpPr>
+          <p:nvPr/>
+        </p:nvCxnSpPr>
+        <p:spPr>
+          <a:xfrm>
+            <a:off x="3969980" y="4691270"/>
+            <a:ext cx="5346299" cy="0"/>
+          </a:xfrm>
+          <a:prstGeom prst="line">
+            <a:avLst/>
+          </a:prstGeom>
+          <a:ln w="38100">
+            <a:solidFill>
+              <a:schemeClr val="tx1"/>
+            </a:solidFill>
+          </a:ln>
+        </p:spPr>
+        <p:style>
+          <a:lnRef idx="1">
+            <a:schemeClr val="accent1"/>
+          </a:lnRef>
+          <a:fillRef idx="0">
+            <a:schemeClr val="accent1"/>
+          </a:fillRef>
+          <a:effectRef idx="0">
+            <a:schemeClr val="accent1"/>
+          </a:effectRef>
+          <a:fontRef idx="minor">
+            <a:schemeClr val="tx1"/>
+          </a:fontRef>
+        </p:style>
+      </p:cxnSp>
+      <p:cxnSp>
+        <p:nvCxnSpPr>
+          <p:cNvPr id="50" name="Straight Connector 49">
+            <a:extLst>
+              <a:ext uri="{FF2B5EF4-FFF2-40B4-BE49-F238E27FC236}">
+                <a16:creationId xmlns:a16="http://schemas.microsoft.com/office/drawing/2014/main" id="{E1D87BEC-48FB-4599-85F8-4014752CC3F0}"/>
+              </a:ext>
+            </a:extLst>
+          </p:cNvPr>
+          <p:cNvCxnSpPr/>
+          <p:nvPr/>
+        </p:nvCxnSpPr>
+        <p:spPr>
+          <a:xfrm flipV="1">
+            <a:off x="9321090" y="3766097"/>
+            <a:ext cx="0" cy="925173"/>
+          </a:xfrm>
+          <a:prstGeom prst="line">
+            <a:avLst/>
+          </a:prstGeom>
+          <a:ln w="38100">
+            <a:solidFill>
+              <a:schemeClr val="tx1"/>
+            </a:solidFill>
+          </a:ln>
+        </p:spPr>
+        <p:style>
+          <a:lnRef idx="1">
+            <a:schemeClr val="accent1"/>
+          </a:lnRef>
+          <a:fillRef idx="0">
+            <a:schemeClr val="accent1"/>
+          </a:fillRef>
+          <a:effectRef idx="0">
+            <a:schemeClr val="accent1"/>
+          </a:effectRef>
+          <a:fontRef idx="minor">
+            <a:schemeClr val="tx1"/>
+          </a:fontRef>
+        </p:style>
+      </p:cxnSp>
+      <p:cxnSp>
+        <p:nvCxnSpPr>
+          <p:cNvPr id="54" name="Straight Connector 53">
+            <a:extLst>
+              <a:ext uri="{FF2B5EF4-FFF2-40B4-BE49-F238E27FC236}">
+                <a16:creationId xmlns:a16="http://schemas.microsoft.com/office/drawing/2014/main" id="{2097F77C-B8C7-485C-AA47-BF8AC3DE7CBE}"/>
+              </a:ext>
+            </a:extLst>
+          </p:cNvPr>
+          <p:cNvCxnSpPr>
+            <a:cxnSpLocks/>
+            <a:stCxn id="28" idx="1"/>
+          </p:cNvCxnSpPr>
+          <p:nvPr/>
+        </p:nvCxnSpPr>
+        <p:spPr>
+          <a:xfrm flipH="1" flipV="1">
+            <a:off x="3963522" y="2179161"/>
+            <a:ext cx="2132478" cy="1"/>
+          </a:xfrm>
+          <a:prstGeom prst="line">
+            <a:avLst/>
+          </a:prstGeom>
+          <a:ln w="38100">
+            <a:solidFill>
+              <a:schemeClr val="tx1"/>
+            </a:solidFill>
+          </a:ln>
+        </p:spPr>
+        <p:style>
+          <a:lnRef idx="1">
+            <a:schemeClr val="accent1"/>
+          </a:lnRef>
+          <a:fillRef idx="0">
+            <a:schemeClr val="accent1"/>
+          </a:fillRef>
+          <a:effectRef idx="0">
+            <a:schemeClr val="accent1"/>
+          </a:effectRef>
+          <a:fontRef idx="minor">
+            <a:schemeClr val="tx1"/>
+          </a:fontRef>
+        </p:style>
+      </p:cxnSp>
     </p:spTree>
     <p:extLst>
       <p:ext uri="{BB962C8B-B14F-4D97-AF65-F5344CB8AC3E}">
@@ -6934,6 +7064,1312 @@
 </file>
 
 <file path=ppt/slides/slide12.xml><?xml version="1.0" encoding="utf-8"?>
+<p:sld xmlns:a="http://schemas.openxmlformats.org/drawingml/2006/main" xmlns:r="http://schemas.openxmlformats.org/officeDocument/2006/relationships" xmlns:p="http://schemas.openxmlformats.org/presentationml/2006/main">
+  <p:cSld>
+    <p:spTree>
+      <p:nvGrpSpPr>
+        <p:cNvPr id="1" name=""/>
+        <p:cNvGrpSpPr/>
+        <p:nvPr/>
+      </p:nvGrpSpPr>
+      <p:grpSpPr>
+        <a:xfrm>
+          <a:off x="0" y="0"/>
+          <a:ext cx="0" cy="0"/>
+          <a:chOff x="0" y="0"/>
+          <a:chExt cx="0" cy="0"/>
+        </a:xfrm>
+      </p:grpSpPr>
+      <p:sp>
+        <p:nvSpPr>
+          <p:cNvPr id="6" name="Oval 5">
+            <a:extLst>
+              <a:ext uri="{FF2B5EF4-FFF2-40B4-BE49-F238E27FC236}">
+                <a16:creationId xmlns:a16="http://schemas.microsoft.com/office/drawing/2014/main" id="{314EF023-421C-48F6-B5BB-312BEDC84247}"/>
+              </a:ext>
+            </a:extLst>
+          </p:cNvPr>
+          <p:cNvSpPr/>
+          <p:nvPr/>
+        </p:nvSpPr>
+        <p:spPr>
+          <a:xfrm>
+            <a:off x="3683663" y="3461235"/>
+            <a:ext cx="569843" cy="596347"/>
+          </a:xfrm>
+          <a:prstGeom prst="ellipse">
+            <a:avLst/>
+          </a:prstGeom>
+          <a:ln w="28575"/>
+        </p:spPr>
+        <p:style>
+          <a:lnRef idx="2">
+            <a:schemeClr val="dk1"/>
+          </a:lnRef>
+          <a:fillRef idx="1">
+            <a:schemeClr val="lt1"/>
+          </a:fillRef>
+          <a:effectRef idx="0">
+            <a:schemeClr val="dk1"/>
+          </a:effectRef>
+          <a:fontRef idx="minor">
+            <a:schemeClr val="dk1"/>
+          </a:fontRef>
+        </p:style>
+        <p:txBody>
+          <a:bodyPr rtlCol="0" anchor="ctr"/>
+          <a:lstStyle/>
+          <a:p>
+            <a:pPr algn="ctr"/>
+            <a:endParaRPr lang="en-GB"/>
+          </a:p>
+        </p:txBody>
+      </p:sp>
+      <p:cxnSp>
+        <p:nvCxnSpPr>
+          <p:cNvPr id="7" name="Straight Connector 6">
+            <a:extLst>
+              <a:ext uri="{FF2B5EF4-FFF2-40B4-BE49-F238E27FC236}">
+                <a16:creationId xmlns:a16="http://schemas.microsoft.com/office/drawing/2014/main" id="{16441A50-B1C5-42ED-BEE9-5C6C524C02E3}"/>
+              </a:ext>
+            </a:extLst>
+          </p:cNvPr>
+          <p:cNvCxnSpPr>
+            <a:stCxn id="6" idx="1"/>
+            <a:endCxn id="6" idx="5"/>
+          </p:cNvCxnSpPr>
+          <p:nvPr/>
+        </p:nvCxnSpPr>
+        <p:spPr>
+          <a:xfrm>
+            <a:off x="3767115" y="3548568"/>
+            <a:ext cx="402939" cy="421681"/>
+          </a:xfrm>
+          <a:prstGeom prst="line">
+            <a:avLst/>
+          </a:prstGeom>
+          <a:ln w="28575"/>
+        </p:spPr>
+        <p:style>
+          <a:lnRef idx="2">
+            <a:schemeClr val="dk1"/>
+          </a:lnRef>
+          <a:fillRef idx="1">
+            <a:schemeClr val="lt1"/>
+          </a:fillRef>
+          <a:effectRef idx="0">
+            <a:schemeClr val="dk1"/>
+          </a:effectRef>
+          <a:fontRef idx="minor">
+            <a:schemeClr val="dk1"/>
+          </a:fontRef>
+        </p:style>
+      </p:cxnSp>
+      <p:cxnSp>
+        <p:nvCxnSpPr>
+          <p:cNvPr id="8" name="Straight Connector 7">
+            <a:extLst>
+              <a:ext uri="{FF2B5EF4-FFF2-40B4-BE49-F238E27FC236}">
+                <a16:creationId xmlns:a16="http://schemas.microsoft.com/office/drawing/2014/main" id="{C2787C54-85A0-48A1-81AD-358DB2FEFC2D}"/>
+              </a:ext>
+            </a:extLst>
+          </p:cNvPr>
+          <p:cNvCxnSpPr>
+            <a:stCxn id="6" idx="3"/>
+            <a:endCxn id="6" idx="7"/>
+          </p:cNvCxnSpPr>
+          <p:nvPr/>
+        </p:nvCxnSpPr>
+        <p:spPr>
+          <a:xfrm flipV="1">
+            <a:off x="3767115" y="3548568"/>
+            <a:ext cx="402939" cy="421681"/>
+          </a:xfrm>
+          <a:prstGeom prst="line">
+            <a:avLst/>
+          </a:prstGeom>
+          <a:ln w="28575">
+            <a:solidFill>
+              <a:schemeClr val="tx1"/>
+            </a:solidFill>
+          </a:ln>
+        </p:spPr>
+        <p:style>
+          <a:lnRef idx="2">
+            <a:schemeClr val="dk1"/>
+          </a:lnRef>
+          <a:fillRef idx="1">
+            <a:schemeClr val="lt1"/>
+          </a:fillRef>
+          <a:effectRef idx="0">
+            <a:schemeClr val="dk1"/>
+          </a:effectRef>
+          <a:fontRef idx="minor">
+            <a:schemeClr val="dk1"/>
+          </a:fontRef>
+        </p:style>
+      </p:cxnSp>
+      <p:sp>
+        <p:nvSpPr>
+          <p:cNvPr id="9" name="TextBox 8">
+            <a:extLst>
+              <a:ext uri="{FF2B5EF4-FFF2-40B4-BE49-F238E27FC236}">
+                <a16:creationId xmlns:a16="http://schemas.microsoft.com/office/drawing/2014/main" id="{9F729720-F4AF-42DF-B42D-9AA04A2B592D}"/>
+              </a:ext>
+            </a:extLst>
+          </p:cNvPr>
+          <p:cNvSpPr txBox="1"/>
+          <p:nvPr/>
+        </p:nvSpPr>
+        <p:spPr>
+          <a:xfrm>
+            <a:off x="3824220" y="3396765"/>
+            <a:ext cx="300082" cy="369332"/>
+          </a:xfrm>
+          <a:prstGeom prst="rect">
+            <a:avLst/>
+          </a:prstGeom>
+          <a:noFill/>
+        </p:spPr>
+        <p:txBody>
+          <a:bodyPr wrap="none" rtlCol="0">
+            <a:spAutoFit/>
+          </a:bodyPr>
+          <a:lstStyle/>
+          <a:p>
+            <a:r>
+              <a:rPr lang="en-GB" dirty="0"/>
+              <a:t>+</a:t>
+            </a:r>
+          </a:p>
+        </p:txBody>
+      </p:sp>
+      <p:sp>
+        <p:nvSpPr>
+          <p:cNvPr id="10" name="TextBox 9">
+            <a:extLst>
+              <a:ext uri="{FF2B5EF4-FFF2-40B4-BE49-F238E27FC236}">
+                <a16:creationId xmlns:a16="http://schemas.microsoft.com/office/drawing/2014/main" id="{D7B05199-F7B9-41FE-9A58-538D37ACC53D}"/>
+              </a:ext>
+            </a:extLst>
+          </p:cNvPr>
+          <p:cNvSpPr txBox="1"/>
+          <p:nvPr/>
+        </p:nvSpPr>
+        <p:spPr>
+          <a:xfrm>
+            <a:off x="3636585" y="3568774"/>
+            <a:ext cx="300082" cy="369332"/>
+          </a:xfrm>
+          <a:prstGeom prst="rect">
+            <a:avLst/>
+          </a:prstGeom>
+          <a:noFill/>
+        </p:spPr>
+        <p:txBody>
+          <a:bodyPr wrap="none" rtlCol="0">
+            <a:spAutoFit/>
+          </a:bodyPr>
+          <a:lstStyle/>
+          <a:p>
+            <a:r>
+              <a:rPr lang="en-GB" dirty="0"/>
+              <a:t>+</a:t>
+            </a:r>
+          </a:p>
+        </p:txBody>
+      </p:sp>
+      <p:sp>
+        <p:nvSpPr>
+          <p:cNvPr id="11" name="TextBox 10">
+            <a:extLst>
+              <a:ext uri="{FF2B5EF4-FFF2-40B4-BE49-F238E27FC236}">
+                <a16:creationId xmlns:a16="http://schemas.microsoft.com/office/drawing/2014/main" id="{6853982D-E87A-4B72-BEEC-189B45C6BAAF}"/>
+              </a:ext>
+            </a:extLst>
+          </p:cNvPr>
+          <p:cNvSpPr txBox="1"/>
+          <p:nvPr/>
+        </p:nvSpPr>
+        <p:spPr>
+          <a:xfrm>
+            <a:off x="3854203" y="3747988"/>
+            <a:ext cx="255198" cy="369332"/>
+          </a:xfrm>
+          <a:prstGeom prst="rect">
+            <a:avLst/>
+          </a:prstGeom>
+          <a:noFill/>
+        </p:spPr>
+        <p:txBody>
+          <a:bodyPr wrap="none" rtlCol="0">
+            <a:spAutoFit/>
+          </a:bodyPr>
+          <a:lstStyle/>
+          <a:p>
+            <a:r>
+              <a:rPr lang="en-GB" dirty="0"/>
+              <a:t>-</a:t>
+            </a:r>
+          </a:p>
+        </p:txBody>
+      </p:sp>
+      <p:cxnSp>
+        <p:nvCxnSpPr>
+          <p:cNvPr id="13" name="Straight Arrow Connector 12">
+            <a:extLst>
+              <a:ext uri="{FF2B5EF4-FFF2-40B4-BE49-F238E27FC236}">
+                <a16:creationId xmlns:a16="http://schemas.microsoft.com/office/drawing/2014/main" id="{82741775-B704-4602-B122-0E3F3AC61C75}"/>
+              </a:ext>
+            </a:extLst>
+          </p:cNvPr>
+          <p:cNvCxnSpPr>
+            <a:cxnSpLocks/>
+          </p:cNvCxnSpPr>
+          <p:nvPr/>
+        </p:nvCxnSpPr>
+        <p:spPr>
+          <a:xfrm>
+            <a:off x="3052298" y="3753440"/>
+            <a:ext cx="631365" cy="0"/>
+          </a:xfrm>
+          <a:prstGeom prst="straightConnector1">
+            <a:avLst/>
+          </a:prstGeom>
+          <a:ln w="38100">
+            <a:solidFill>
+              <a:schemeClr val="tx1"/>
+            </a:solidFill>
+            <a:tailEnd type="triangle"/>
+          </a:ln>
+        </p:spPr>
+        <p:style>
+          <a:lnRef idx="1">
+            <a:schemeClr val="accent1"/>
+          </a:lnRef>
+          <a:fillRef idx="0">
+            <a:schemeClr val="accent1"/>
+          </a:fillRef>
+          <a:effectRef idx="0">
+            <a:schemeClr val="accent1"/>
+          </a:effectRef>
+          <a:fontRef idx="minor">
+            <a:schemeClr val="tx1"/>
+          </a:fontRef>
+        </p:style>
+      </p:cxnSp>
+      <p:sp>
+        <p:nvSpPr>
+          <p:cNvPr id="17" name="TextBox 16">
+            <a:extLst>
+              <a:ext uri="{FF2B5EF4-FFF2-40B4-BE49-F238E27FC236}">
+                <a16:creationId xmlns:a16="http://schemas.microsoft.com/office/drawing/2014/main" id="{E685E3E1-A3FE-4125-8B34-EE4413B9C7C9}"/>
+              </a:ext>
+            </a:extLst>
+          </p:cNvPr>
+          <p:cNvSpPr txBox="1"/>
+          <p:nvPr/>
+        </p:nvSpPr>
+        <p:spPr>
+          <a:xfrm>
+            <a:off x="2162147" y="3286323"/>
+            <a:ext cx="899798" cy="923330"/>
+          </a:xfrm>
+          <a:prstGeom prst="rect">
+            <a:avLst/>
+          </a:prstGeom>
+          <a:noFill/>
+        </p:spPr>
+        <p:txBody>
+          <a:bodyPr wrap="none" rtlCol="0">
+            <a:spAutoFit/>
+          </a:bodyPr>
+          <a:lstStyle/>
+          <a:p>
+            <a:pPr algn="ctr"/>
+            <a:r>
+              <a:rPr lang="en-GB" dirty="0"/>
+              <a:t>Desired</a:t>
+            </a:r>
+          </a:p>
+          <a:p>
+            <a:pPr algn="ctr"/>
+            <a:r>
+              <a:rPr lang="en-GB" dirty="0"/>
+              <a:t>Force</a:t>
+            </a:r>
+          </a:p>
+          <a:p>
+            <a:pPr algn="ctr"/>
+            <a:r>
+              <a:rPr lang="en-GB" dirty="0"/>
+              <a:t>(F</a:t>
+            </a:r>
+            <a:r>
+              <a:rPr lang="en-GB" baseline="-25000" dirty="0"/>
+              <a:t>T</a:t>
+            </a:r>
+            <a:r>
+              <a:rPr lang="en-GB" dirty="0"/>
+              <a:t>)</a:t>
+            </a:r>
+          </a:p>
+        </p:txBody>
+      </p:sp>
+      <p:grpSp>
+        <p:nvGrpSpPr>
+          <p:cNvPr id="18" name="Group 17">
+            <a:extLst>
+              <a:ext uri="{FF2B5EF4-FFF2-40B4-BE49-F238E27FC236}">
+                <a16:creationId xmlns:a16="http://schemas.microsoft.com/office/drawing/2014/main" id="{8F5D31DD-9008-4486-9627-A3079E28C140}"/>
+              </a:ext>
+            </a:extLst>
+          </p:cNvPr>
+          <p:cNvGrpSpPr/>
+          <p:nvPr/>
+        </p:nvGrpSpPr>
+        <p:grpSpPr>
+          <a:xfrm>
+            <a:off x="4261543" y="3296240"/>
+            <a:ext cx="2899996" cy="914400"/>
+            <a:chOff x="3202359" y="795131"/>
+            <a:chExt cx="2899996" cy="914400"/>
+          </a:xfrm>
+        </p:grpSpPr>
+        <p:cxnSp>
+          <p:nvCxnSpPr>
+            <p:cNvPr id="21" name="Straight Arrow Connector 20">
+              <a:extLst>
+                <a:ext uri="{FF2B5EF4-FFF2-40B4-BE49-F238E27FC236}">
+                  <a16:creationId xmlns:a16="http://schemas.microsoft.com/office/drawing/2014/main" id="{6289796E-F51C-40C5-863B-2624A342E94E}"/>
+                </a:ext>
+              </a:extLst>
+            </p:cNvPr>
+            <p:cNvCxnSpPr>
+              <a:cxnSpLocks/>
+              <a:endCxn id="19" idx="1"/>
+            </p:cNvCxnSpPr>
+            <p:nvPr/>
+          </p:nvCxnSpPr>
+          <p:spPr>
+            <a:xfrm>
+              <a:off x="3202359" y="1246879"/>
+              <a:ext cx="1276878" cy="5452"/>
+            </a:xfrm>
+            <a:prstGeom prst="straightConnector1">
+              <a:avLst/>
+            </a:prstGeom>
+            <a:ln w="38100">
+              <a:tailEnd type="triangle"/>
+            </a:ln>
+          </p:spPr>
+          <p:style>
+            <a:lnRef idx="1">
+              <a:schemeClr val="dk1"/>
+            </a:lnRef>
+            <a:fillRef idx="0">
+              <a:schemeClr val="dk1"/>
+            </a:fillRef>
+            <a:effectRef idx="0">
+              <a:schemeClr val="dk1"/>
+            </a:effectRef>
+            <a:fontRef idx="minor">
+              <a:schemeClr val="tx1"/>
+            </a:fontRef>
+          </p:style>
+        </p:cxnSp>
+        <p:sp>
+          <p:nvSpPr>
+            <p:cNvPr id="19" name="Rectangle 18">
+              <a:extLst>
+                <a:ext uri="{FF2B5EF4-FFF2-40B4-BE49-F238E27FC236}">
+                  <a16:creationId xmlns:a16="http://schemas.microsoft.com/office/drawing/2014/main" id="{E7BDDB64-C960-47AF-BF55-5B9BFCC4F8E2}"/>
+                </a:ext>
+              </a:extLst>
+            </p:cNvPr>
+            <p:cNvSpPr/>
+            <p:nvPr/>
+          </p:nvSpPr>
+          <p:spPr>
+            <a:xfrm>
+              <a:off x="4479237" y="795131"/>
+              <a:ext cx="1232453" cy="914400"/>
+            </a:xfrm>
+            <a:prstGeom prst="rect">
+              <a:avLst/>
+            </a:prstGeom>
+            <a:ln w="28575"/>
+          </p:spPr>
+          <p:style>
+            <a:lnRef idx="2">
+              <a:schemeClr val="dk1"/>
+            </a:lnRef>
+            <a:fillRef idx="1">
+              <a:schemeClr val="lt1"/>
+            </a:fillRef>
+            <a:effectRef idx="0">
+              <a:schemeClr val="dk1"/>
+            </a:effectRef>
+            <a:fontRef idx="minor">
+              <a:schemeClr val="dk1"/>
+            </a:fontRef>
+          </p:style>
+          <p:txBody>
+            <a:bodyPr rtlCol="0" anchor="ctr"/>
+            <a:lstStyle/>
+            <a:p>
+              <a:pPr algn="ctr"/>
+              <a:r>
+                <a:rPr lang="en-GB" dirty="0"/>
+                <a:t>Force</a:t>
+              </a:r>
+            </a:p>
+            <a:p>
+              <a:pPr algn="ctr"/>
+              <a:r>
+                <a:rPr lang="en-GB" dirty="0"/>
+                <a:t>Controller</a:t>
+              </a:r>
+            </a:p>
+          </p:txBody>
+        </p:sp>
+        <p:cxnSp>
+          <p:nvCxnSpPr>
+            <p:cNvPr id="20" name="Straight Arrow Connector 19">
+              <a:extLst>
+                <a:ext uri="{FF2B5EF4-FFF2-40B4-BE49-F238E27FC236}">
+                  <a16:creationId xmlns:a16="http://schemas.microsoft.com/office/drawing/2014/main" id="{B9C8A729-7B7B-4D52-BD69-5834778D2FDE}"/>
+                </a:ext>
+              </a:extLst>
+            </p:cNvPr>
+            <p:cNvCxnSpPr>
+              <a:cxnSpLocks/>
+              <a:stCxn id="19" idx="3"/>
+              <a:endCxn id="25" idx="1"/>
+            </p:cNvCxnSpPr>
+            <p:nvPr/>
+          </p:nvCxnSpPr>
+          <p:spPr>
+            <a:xfrm>
+              <a:off x="5711690" y="1252331"/>
+              <a:ext cx="390665" cy="4177"/>
+            </a:xfrm>
+            <a:prstGeom prst="straightConnector1">
+              <a:avLst/>
+            </a:prstGeom>
+            <a:ln w="38100">
+              <a:tailEnd type="triangle"/>
+            </a:ln>
+          </p:spPr>
+          <p:style>
+            <a:lnRef idx="3">
+              <a:schemeClr val="dk1"/>
+            </a:lnRef>
+            <a:fillRef idx="0">
+              <a:schemeClr val="dk1"/>
+            </a:fillRef>
+            <a:effectRef idx="2">
+              <a:schemeClr val="dk1"/>
+            </a:effectRef>
+            <a:fontRef idx="minor">
+              <a:schemeClr val="tx1"/>
+            </a:fontRef>
+          </p:style>
+        </p:cxnSp>
+      </p:grpSp>
+      <p:sp>
+        <p:nvSpPr>
+          <p:cNvPr id="25" name="Rectangle 24">
+            <a:extLst>
+              <a:ext uri="{FF2B5EF4-FFF2-40B4-BE49-F238E27FC236}">
+                <a16:creationId xmlns:a16="http://schemas.microsoft.com/office/drawing/2014/main" id="{E252D558-31A8-4C8A-B437-96C371EDAD3F}"/>
+              </a:ext>
+            </a:extLst>
+          </p:cNvPr>
+          <p:cNvSpPr/>
+          <p:nvPr/>
+        </p:nvSpPr>
+        <p:spPr>
+          <a:xfrm>
+            <a:off x="7161539" y="3300417"/>
+            <a:ext cx="1232453" cy="914400"/>
+          </a:xfrm>
+          <a:prstGeom prst="rect">
+            <a:avLst/>
+          </a:prstGeom>
+          <a:ln w="28575"/>
+        </p:spPr>
+        <p:style>
+          <a:lnRef idx="2">
+            <a:schemeClr val="dk1"/>
+          </a:lnRef>
+          <a:fillRef idx="1">
+            <a:schemeClr val="lt1"/>
+          </a:fillRef>
+          <a:effectRef idx="0">
+            <a:schemeClr val="dk1"/>
+          </a:effectRef>
+          <a:fontRef idx="minor">
+            <a:schemeClr val="dk1"/>
+          </a:fontRef>
+        </p:style>
+        <p:txBody>
+          <a:bodyPr rtlCol="0" anchor="ctr"/>
+          <a:lstStyle/>
+          <a:p>
+            <a:pPr algn="ctr"/>
+            <a:r>
+              <a:rPr lang="en-GB" dirty="0"/>
+              <a:t>Plant</a:t>
+            </a:r>
+          </a:p>
+        </p:txBody>
+      </p:sp>
+      <mc:AlternateContent xmlns:mc="http://schemas.openxmlformats.org/markup-compatibility/2006" xmlns:a14="http://schemas.microsoft.com/office/drawing/2010/main">
+        <mc:Choice Requires="a14">
+          <p:sp>
+            <p:nvSpPr>
+              <p:cNvPr id="28" name="Rectangle 27">
+                <a:extLst>
+                  <a:ext uri="{FF2B5EF4-FFF2-40B4-BE49-F238E27FC236}">
+                    <a16:creationId xmlns:a16="http://schemas.microsoft.com/office/drawing/2014/main" id="{769F75B1-58AB-43B4-8C02-C96C12F4877E}"/>
+                  </a:ext>
+                </a:extLst>
+              </p:cNvPr>
+              <p:cNvSpPr/>
+              <p:nvPr/>
+            </p:nvSpPr>
+            <p:spPr>
+              <a:xfrm>
+                <a:off x="6096000" y="1721962"/>
+                <a:ext cx="1776779" cy="914400"/>
+              </a:xfrm>
+              <a:prstGeom prst="rect">
+                <a:avLst/>
+              </a:prstGeom>
+              <a:ln w="28575">
+                <a:solidFill>
+                  <a:schemeClr val="tx1"/>
+                </a:solidFill>
+              </a:ln>
+            </p:spPr>
+            <p:style>
+              <a:lnRef idx="2">
+                <a:schemeClr val="dk1"/>
+              </a:lnRef>
+              <a:fillRef idx="1">
+                <a:schemeClr val="lt1"/>
+              </a:fillRef>
+              <a:effectRef idx="0">
+                <a:schemeClr val="dk1"/>
+              </a:effectRef>
+              <a:fontRef idx="minor">
+                <a:schemeClr val="dk1"/>
+              </a:fontRef>
+            </p:style>
+            <p:txBody>
+              <a:bodyPr rtlCol="0" anchor="ctr"/>
+              <a:lstStyle/>
+              <a:p>
+                <a:pPr algn="ctr"/>
+                <a14:m>
+                  <m:oMathPara xmlns:m="http://schemas.openxmlformats.org/officeDocument/2006/math">
+                    <m:oMathParaPr>
+                      <m:jc m:val="centerGroup"/>
+                    </m:oMathParaPr>
+                    <m:oMath xmlns:m="http://schemas.openxmlformats.org/officeDocument/2006/math">
+                      <m:sSup>
+                        <m:sSupPr>
+                          <m:ctrlPr>
+                            <a:rPr lang="en-GB" i="1" dirty="0">
+                              <a:latin typeface="Cambria Math" panose="02040503050406030204" pitchFamily="18" charset="0"/>
+                            </a:rPr>
+                          </m:ctrlPr>
+                        </m:sSupPr>
+                        <m:e>
+                          <m:r>
+                            <a:rPr lang="en-GB" i="1" dirty="0">
+                              <a:latin typeface="Cambria Math" panose="02040503050406030204" pitchFamily="18" charset="0"/>
+                            </a:rPr>
+                            <m:t>𝑚𝑠</m:t>
+                          </m:r>
+                        </m:e>
+                        <m:sup>
+                          <m:r>
+                            <a:rPr lang="en-GB" i="1" dirty="0">
+                              <a:latin typeface="Cambria Math" panose="02040503050406030204" pitchFamily="18" charset="0"/>
+                            </a:rPr>
+                            <m:t>2</m:t>
+                          </m:r>
+                        </m:sup>
+                      </m:sSup>
+                      <m:r>
+                        <a:rPr lang="en-GB" i="1" dirty="0">
+                          <a:latin typeface="Cambria Math" panose="02040503050406030204" pitchFamily="18" charset="0"/>
+                        </a:rPr>
+                        <m:t>+</m:t>
+                      </m:r>
+                      <m:r>
+                        <a:rPr lang="en-GB" i="1" dirty="0">
+                          <a:latin typeface="Cambria Math" panose="02040503050406030204" pitchFamily="18" charset="0"/>
+                        </a:rPr>
+                        <m:t>𝑐𝑠</m:t>
+                      </m:r>
+                      <m:r>
+                        <a:rPr lang="en-GB" i="1" dirty="0">
+                          <a:latin typeface="Cambria Math" panose="02040503050406030204" pitchFamily="18" charset="0"/>
+                        </a:rPr>
+                        <m:t>+</m:t>
+                      </m:r>
+                      <m:r>
+                        <m:rPr>
+                          <m:sty m:val="p"/>
+                        </m:rPr>
+                        <a:rPr lang="en-GB" dirty="0">
+                          <a:latin typeface="Cambria Math" panose="02040503050406030204" pitchFamily="18" charset="0"/>
+                        </a:rPr>
+                        <m:t>k</m:t>
+                      </m:r>
+                    </m:oMath>
+                  </m:oMathPara>
+                </a14:m>
+                <a:endParaRPr lang="en-GB" dirty="0"/>
+              </a:p>
+            </p:txBody>
+          </p:sp>
+        </mc:Choice>
+        <mc:Fallback xmlns="">
+          <p:sp>
+            <p:nvSpPr>
+              <p:cNvPr id="28" name="Rectangle 27">
+                <a:extLst>
+                  <a:ext uri="{FF2B5EF4-FFF2-40B4-BE49-F238E27FC236}">
+                    <a16:creationId xmlns:a16="http://schemas.microsoft.com/office/drawing/2014/main" id="{769F75B1-58AB-43B4-8C02-C96C12F4877E}"/>
+                  </a:ext>
+                </a:extLst>
+              </p:cNvPr>
+              <p:cNvSpPr>
+                <a:spLocks noRot="1" noChangeAspect="1" noMove="1" noResize="1" noEditPoints="1" noAdjustHandles="1" noChangeArrowheads="1" noChangeShapeType="1" noTextEdit="1"/>
+              </p:cNvSpPr>
+              <p:nvPr/>
+            </p:nvSpPr>
+            <p:spPr>
+              <a:xfrm>
+                <a:off x="6096000" y="1721962"/>
+                <a:ext cx="1776779" cy="914400"/>
+              </a:xfrm>
+              <a:prstGeom prst="rect">
+                <a:avLst/>
+              </a:prstGeom>
+              <a:blipFill>
+                <a:blip r:embed="rId2"/>
+                <a:stretch>
+                  <a:fillRect/>
+                </a:stretch>
+              </a:blipFill>
+              <a:ln w="28575">
+                <a:solidFill>
+                  <a:schemeClr val="tx1"/>
+                </a:solidFill>
+              </a:ln>
+            </p:spPr>
+            <p:txBody>
+              <a:bodyPr/>
+              <a:lstStyle/>
+              <a:p>
+                <a:r>
+                  <a:rPr lang="en-GB">
+                    <a:noFill/>
+                  </a:rPr>
+                  <a:t> </a:t>
+                </a:r>
+              </a:p>
+            </p:txBody>
+          </p:sp>
+        </mc:Fallback>
+      </mc:AlternateContent>
+      <p:cxnSp>
+        <p:nvCxnSpPr>
+          <p:cNvPr id="30" name="Straight Arrow Connector 29">
+            <a:extLst>
+              <a:ext uri="{FF2B5EF4-FFF2-40B4-BE49-F238E27FC236}">
+                <a16:creationId xmlns:a16="http://schemas.microsoft.com/office/drawing/2014/main" id="{7311DE7D-687D-481A-BDA5-5BF4E82D1A09}"/>
+              </a:ext>
+            </a:extLst>
+          </p:cNvPr>
+          <p:cNvCxnSpPr>
+            <a:cxnSpLocks/>
+            <a:endCxn id="28" idx="3"/>
+          </p:cNvCxnSpPr>
+          <p:nvPr/>
+        </p:nvCxnSpPr>
+        <p:spPr>
+          <a:xfrm flipH="1">
+            <a:off x="7872779" y="2179162"/>
+            <a:ext cx="1443500" cy="0"/>
+          </a:xfrm>
+          <a:prstGeom prst="straightConnector1">
+            <a:avLst/>
+          </a:prstGeom>
+          <a:ln w="38100">
+            <a:solidFill>
+              <a:schemeClr val="tx1"/>
+            </a:solidFill>
+            <a:tailEnd type="triangle"/>
+          </a:ln>
+        </p:spPr>
+        <p:style>
+          <a:lnRef idx="1">
+            <a:schemeClr val="accent1"/>
+          </a:lnRef>
+          <a:fillRef idx="0">
+            <a:schemeClr val="accent1"/>
+          </a:fillRef>
+          <a:effectRef idx="0">
+            <a:schemeClr val="accent1"/>
+          </a:effectRef>
+          <a:fontRef idx="minor">
+            <a:schemeClr val="tx1"/>
+          </a:fontRef>
+        </p:style>
+      </p:cxnSp>
+      <p:sp>
+        <p:nvSpPr>
+          <p:cNvPr id="32" name="TextBox 31">
+            <a:extLst>
+              <a:ext uri="{FF2B5EF4-FFF2-40B4-BE49-F238E27FC236}">
+                <a16:creationId xmlns:a16="http://schemas.microsoft.com/office/drawing/2014/main" id="{DDD782F4-8EBC-457E-8BC0-9721A1892FCF}"/>
+              </a:ext>
+            </a:extLst>
+          </p:cNvPr>
+          <p:cNvSpPr txBox="1"/>
+          <p:nvPr/>
+        </p:nvSpPr>
+        <p:spPr>
+          <a:xfrm>
+            <a:off x="9281334" y="2686744"/>
+            <a:ext cx="492379" cy="369332"/>
+          </a:xfrm>
+          <a:prstGeom prst="rect">
+            <a:avLst/>
+          </a:prstGeom>
+          <a:noFill/>
+          <a:ln>
+            <a:noFill/>
+          </a:ln>
+        </p:spPr>
+        <p:txBody>
+          <a:bodyPr wrap="none" rtlCol="0">
+            <a:spAutoFit/>
+          </a:bodyPr>
+          <a:lstStyle/>
+          <a:p>
+            <a:r>
+              <a:rPr lang="en-GB" dirty="0"/>
+              <a:t>P</a:t>
+            </a:r>
+            <a:r>
+              <a:rPr lang="en-GB" baseline="-25000" dirty="0"/>
+              <a:t>ext</a:t>
+            </a:r>
+          </a:p>
+        </p:txBody>
+      </p:sp>
+      <p:cxnSp>
+        <p:nvCxnSpPr>
+          <p:cNvPr id="38" name="Straight Arrow Connector 37">
+            <a:extLst>
+              <a:ext uri="{FF2B5EF4-FFF2-40B4-BE49-F238E27FC236}">
+                <a16:creationId xmlns:a16="http://schemas.microsoft.com/office/drawing/2014/main" id="{42951A53-C17F-40A7-AEB2-E771101FBD44}"/>
+              </a:ext>
+            </a:extLst>
+          </p:cNvPr>
+          <p:cNvCxnSpPr>
+            <a:cxnSpLocks/>
+          </p:cNvCxnSpPr>
+          <p:nvPr/>
+        </p:nvCxnSpPr>
+        <p:spPr>
+          <a:xfrm>
+            <a:off x="3963523" y="2179161"/>
+            <a:ext cx="5835" cy="1278504"/>
+          </a:xfrm>
+          <a:prstGeom prst="straightConnector1">
+            <a:avLst/>
+          </a:prstGeom>
+          <a:ln w="38100">
+            <a:solidFill>
+              <a:schemeClr val="tx1"/>
+            </a:solidFill>
+            <a:tailEnd type="triangle"/>
+          </a:ln>
+        </p:spPr>
+        <p:style>
+          <a:lnRef idx="1">
+            <a:schemeClr val="accent1"/>
+          </a:lnRef>
+          <a:fillRef idx="0">
+            <a:schemeClr val="accent1"/>
+          </a:fillRef>
+          <a:effectRef idx="0">
+            <a:schemeClr val="accent1"/>
+          </a:effectRef>
+          <a:fontRef idx="minor">
+            <a:schemeClr val="tx1"/>
+          </a:fontRef>
+        </p:style>
+      </p:cxnSp>
+      <p:sp>
+        <p:nvSpPr>
+          <p:cNvPr id="43" name="TextBox 42">
+            <a:extLst>
+              <a:ext uri="{FF2B5EF4-FFF2-40B4-BE49-F238E27FC236}">
+                <a16:creationId xmlns:a16="http://schemas.microsoft.com/office/drawing/2014/main" id="{28CA8CA2-462B-4B62-96C3-62B5F3B58994}"/>
+              </a:ext>
+            </a:extLst>
+          </p:cNvPr>
+          <p:cNvSpPr txBox="1"/>
+          <p:nvPr/>
+        </p:nvSpPr>
+        <p:spPr>
+          <a:xfrm>
+            <a:off x="6103320" y="1385206"/>
+            <a:ext cx="1730667" cy="369332"/>
+          </a:xfrm>
+          <a:prstGeom prst="rect">
+            <a:avLst/>
+          </a:prstGeom>
+          <a:noFill/>
+        </p:spPr>
+        <p:txBody>
+          <a:bodyPr wrap="none" rtlCol="0">
+            <a:spAutoFit/>
+          </a:bodyPr>
+          <a:lstStyle/>
+          <a:p>
+            <a:r>
+              <a:rPr lang="en-GB" dirty="0"/>
+              <a:t>Impedance filter</a:t>
+            </a:r>
+          </a:p>
+        </p:txBody>
+      </p:sp>
+      <p:cxnSp>
+        <p:nvCxnSpPr>
+          <p:cNvPr id="45" name="Straight Arrow Connector 44">
+            <a:extLst>
+              <a:ext uri="{FF2B5EF4-FFF2-40B4-BE49-F238E27FC236}">
+                <a16:creationId xmlns:a16="http://schemas.microsoft.com/office/drawing/2014/main" id="{B89021DF-5DAD-4B21-9E98-3288E0EFE358}"/>
+              </a:ext>
+            </a:extLst>
+          </p:cNvPr>
+          <p:cNvCxnSpPr>
+            <a:stCxn id="25" idx="3"/>
+          </p:cNvCxnSpPr>
+          <p:nvPr/>
+        </p:nvCxnSpPr>
+        <p:spPr>
+          <a:xfrm>
+            <a:off x="8393992" y="3757617"/>
+            <a:ext cx="1247238" cy="0"/>
+          </a:xfrm>
+          <a:prstGeom prst="straightConnector1">
+            <a:avLst/>
+          </a:prstGeom>
+          <a:ln w="38100">
+            <a:solidFill>
+              <a:schemeClr val="tx1"/>
+            </a:solidFill>
+            <a:tailEnd type="triangle"/>
+          </a:ln>
+        </p:spPr>
+        <p:style>
+          <a:lnRef idx="1">
+            <a:schemeClr val="accent1"/>
+          </a:lnRef>
+          <a:fillRef idx="0">
+            <a:schemeClr val="accent1"/>
+          </a:fillRef>
+          <a:effectRef idx="0">
+            <a:schemeClr val="accent1"/>
+          </a:effectRef>
+          <a:fontRef idx="minor">
+            <a:schemeClr val="tx1"/>
+          </a:fontRef>
+        </p:style>
+      </p:cxnSp>
+      <p:sp>
+        <p:nvSpPr>
+          <p:cNvPr id="46" name="TextBox 45">
+            <a:extLst>
+              <a:ext uri="{FF2B5EF4-FFF2-40B4-BE49-F238E27FC236}">
+                <a16:creationId xmlns:a16="http://schemas.microsoft.com/office/drawing/2014/main" id="{C1077C81-17EC-471D-8EE6-004678B2073D}"/>
+              </a:ext>
+            </a:extLst>
+          </p:cNvPr>
+          <p:cNvSpPr txBox="1"/>
+          <p:nvPr/>
+        </p:nvSpPr>
+        <p:spPr>
+          <a:xfrm>
+            <a:off x="5974818" y="4752605"/>
+            <a:ext cx="1721690" cy="369332"/>
+          </a:xfrm>
+          <a:prstGeom prst="rect">
+            <a:avLst/>
+          </a:prstGeom>
+          <a:noFill/>
+        </p:spPr>
+        <p:txBody>
+          <a:bodyPr wrap="none" rtlCol="0">
+            <a:spAutoFit/>
+          </a:bodyPr>
+          <a:lstStyle/>
+          <a:p>
+            <a:r>
+              <a:rPr lang="en-GB" dirty="0"/>
+              <a:t>Actual Force (F</a:t>
+            </a:r>
+            <a:r>
+              <a:rPr lang="en-GB" baseline="-25000" dirty="0"/>
+              <a:t>A</a:t>
+            </a:r>
+            <a:r>
+              <a:rPr lang="en-GB" dirty="0"/>
+              <a:t>)</a:t>
+            </a:r>
+          </a:p>
+        </p:txBody>
+      </p:sp>
+      <p:cxnSp>
+        <p:nvCxnSpPr>
+          <p:cNvPr id="52" name="Straight Arrow Connector 51">
+            <a:extLst>
+              <a:ext uri="{FF2B5EF4-FFF2-40B4-BE49-F238E27FC236}">
+                <a16:creationId xmlns:a16="http://schemas.microsoft.com/office/drawing/2014/main" id="{429D0E40-6DE7-4726-A352-102088660B06}"/>
+              </a:ext>
+            </a:extLst>
+          </p:cNvPr>
+          <p:cNvCxnSpPr>
+            <a:cxnSpLocks/>
+            <a:endCxn id="6" idx="4"/>
+          </p:cNvCxnSpPr>
+          <p:nvPr/>
+        </p:nvCxnSpPr>
+        <p:spPr>
+          <a:xfrm flipV="1">
+            <a:off x="3968584" y="4057582"/>
+            <a:ext cx="1" cy="633688"/>
+          </a:xfrm>
+          <a:prstGeom prst="straightConnector1">
+            <a:avLst/>
+          </a:prstGeom>
+          <a:ln w="38100">
+            <a:solidFill>
+              <a:schemeClr val="tx1"/>
+            </a:solidFill>
+            <a:tailEnd type="triangle"/>
+          </a:ln>
+        </p:spPr>
+        <p:style>
+          <a:lnRef idx="1">
+            <a:schemeClr val="accent1"/>
+          </a:lnRef>
+          <a:fillRef idx="0">
+            <a:schemeClr val="accent1"/>
+          </a:fillRef>
+          <a:effectRef idx="0">
+            <a:schemeClr val="accent1"/>
+          </a:effectRef>
+          <a:fontRef idx="minor">
+            <a:schemeClr val="tx1"/>
+          </a:fontRef>
+        </p:style>
+      </p:cxnSp>
+      <p:sp>
+        <p:nvSpPr>
+          <p:cNvPr id="57" name="TextBox 56">
+            <a:extLst>
+              <a:ext uri="{FF2B5EF4-FFF2-40B4-BE49-F238E27FC236}">
+                <a16:creationId xmlns:a16="http://schemas.microsoft.com/office/drawing/2014/main" id="{9971061F-C17A-422C-A3DF-95B4AD6286BB}"/>
+              </a:ext>
+            </a:extLst>
+          </p:cNvPr>
+          <p:cNvSpPr txBox="1"/>
+          <p:nvPr/>
+        </p:nvSpPr>
+        <p:spPr>
+          <a:xfrm>
+            <a:off x="4392544" y="2832198"/>
+            <a:ext cx="981359" cy="923330"/>
+          </a:xfrm>
+          <a:prstGeom prst="rect">
+            <a:avLst/>
+          </a:prstGeom>
+          <a:noFill/>
+        </p:spPr>
+        <p:txBody>
+          <a:bodyPr wrap="none" rtlCol="0">
+            <a:spAutoFit/>
+          </a:bodyPr>
+          <a:lstStyle/>
+          <a:p>
+            <a:pPr algn="ctr"/>
+            <a:r>
+              <a:rPr lang="en-GB" dirty="0"/>
+              <a:t>Force</a:t>
+            </a:r>
+          </a:p>
+          <a:p>
+            <a:pPr algn="ctr"/>
+            <a:r>
+              <a:rPr lang="en-GB" dirty="0"/>
+              <a:t>Demand</a:t>
+            </a:r>
+          </a:p>
+          <a:p>
+            <a:pPr algn="ctr"/>
+            <a:r>
+              <a:rPr lang="en-GB" dirty="0"/>
+              <a:t>(F</a:t>
+            </a:r>
+            <a:r>
+              <a:rPr lang="en-GB" baseline="-25000" dirty="0"/>
+              <a:t>D</a:t>
+            </a:r>
+            <a:r>
+              <a:rPr lang="en-GB" dirty="0"/>
+              <a:t>)</a:t>
+            </a:r>
+          </a:p>
+        </p:txBody>
+      </p:sp>
+      <p:cxnSp>
+        <p:nvCxnSpPr>
+          <p:cNvPr id="36" name="Straight Connector 35">
+            <a:extLst>
+              <a:ext uri="{FF2B5EF4-FFF2-40B4-BE49-F238E27FC236}">
+                <a16:creationId xmlns:a16="http://schemas.microsoft.com/office/drawing/2014/main" id="{DBC7FE70-9F9B-4AA8-B566-51C3223ACB08}"/>
+              </a:ext>
+            </a:extLst>
+          </p:cNvPr>
+          <p:cNvCxnSpPr>
+            <a:cxnSpLocks/>
+          </p:cNvCxnSpPr>
+          <p:nvPr/>
+        </p:nvCxnSpPr>
+        <p:spPr>
+          <a:xfrm>
+            <a:off x="9316279" y="2179161"/>
+            <a:ext cx="0" cy="1369407"/>
+          </a:xfrm>
+          <a:prstGeom prst="line">
+            <a:avLst/>
+          </a:prstGeom>
+          <a:ln w="38100">
+            <a:solidFill>
+              <a:schemeClr val="tx1"/>
+            </a:solidFill>
+          </a:ln>
+        </p:spPr>
+        <p:style>
+          <a:lnRef idx="1">
+            <a:schemeClr val="accent1"/>
+          </a:lnRef>
+          <a:fillRef idx="0">
+            <a:schemeClr val="accent1"/>
+          </a:fillRef>
+          <a:effectRef idx="0">
+            <a:schemeClr val="accent1"/>
+          </a:effectRef>
+          <a:fontRef idx="minor">
+            <a:schemeClr val="tx1"/>
+          </a:fontRef>
+        </p:style>
+      </p:cxnSp>
+      <p:cxnSp>
+        <p:nvCxnSpPr>
+          <p:cNvPr id="40" name="Straight Connector 39">
+            <a:extLst>
+              <a:ext uri="{FF2B5EF4-FFF2-40B4-BE49-F238E27FC236}">
+                <a16:creationId xmlns:a16="http://schemas.microsoft.com/office/drawing/2014/main" id="{0860DC1A-21C9-4D38-88FC-FD4DAE9358D4}"/>
+              </a:ext>
+            </a:extLst>
+          </p:cNvPr>
+          <p:cNvCxnSpPr/>
+          <p:nvPr/>
+        </p:nvCxnSpPr>
+        <p:spPr>
+          <a:xfrm flipH="1">
+            <a:off x="8393992" y="3548568"/>
+            <a:ext cx="922287" cy="0"/>
+          </a:xfrm>
+          <a:prstGeom prst="line">
+            <a:avLst/>
+          </a:prstGeom>
+          <a:ln w="38100">
+            <a:solidFill>
+              <a:schemeClr val="tx1"/>
+            </a:solidFill>
+          </a:ln>
+        </p:spPr>
+        <p:style>
+          <a:lnRef idx="1">
+            <a:schemeClr val="accent1"/>
+          </a:lnRef>
+          <a:fillRef idx="0">
+            <a:schemeClr val="accent1"/>
+          </a:fillRef>
+          <a:effectRef idx="0">
+            <a:schemeClr val="accent1"/>
+          </a:effectRef>
+          <a:fontRef idx="minor">
+            <a:schemeClr val="tx1"/>
+          </a:fontRef>
+        </p:style>
+      </p:cxnSp>
+      <p:cxnSp>
+        <p:nvCxnSpPr>
+          <p:cNvPr id="47" name="Straight Connector 46">
+            <a:extLst>
+              <a:ext uri="{FF2B5EF4-FFF2-40B4-BE49-F238E27FC236}">
+                <a16:creationId xmlns:a16="http://schemas.microsoft.com/office/drawing/2014/main" id="{ECA3E01D-2BD3-4D6D-966C-0488668C9D39}"/>
+              </a:ext>
+            </a:extLst>
+          </p:cNvPr>
+          <p:cNvCxnSpPr>
+            <a:cxnSpLocks/>
+          </p:cNvCxnSpPr>
+          <p:nvPr/>
+        </p:nvCxnSpPr>
+        <p:spPr>
+          <a:xfrm>
+            <a:off x="3969980" y="4691270"/>
+            <a:ext cx="5346299" cy="0"/>
+          </a:xfrm>
+          <a:prstGeom prst="line">
+            <a:avLst/>
+          </a:prstGeom>
+          <a:ln w="38100">
+            <a:solidFill>
+              <a:schemeClr val="tx1"/>
+            </a:solidFill>
+          </a:ln>
+        </p:spPr>
+        <p:style>
+          <a:lnRef idx="1">
+            <a:schemeClr val="accent1"/>
+          </a:lnRef>
+          <a:fillRef idx="0">
+            <a:schemeClr val="accent1"/>
+          </a:fillRef>
+          <a:effectRef idx="0">
+            <a:schemeClr val="accent1"/>
+          </a:effectRef>
+          <a:fontRef idx="minor">
+            <a:schemeClr val="tx1"/>
+          </a:fontRef>
+        </p:style>
+      </p:cxnSp>
+      <p:cxnSp>
+        <p:nvCxnSpPr>
+          <p:cNvPr id="50" name="Straight Connector 49">
+            <a:extLst>
+              <a:ext uri="{FF2B5EF4-FFF2-40B4-BE49-F238E27FC236}">
+                <a16:creationId xmlns:a16="http://schemas.microsoft.com/office/drawing/2014/main" id="{E1D87BEC-48FB-4599-85F8-4014752CC3F0}"/>
+              </a:ext>
+            </a:extLst>
+          </p:cNvPr>
+          <p:cNvCxnSpPr/>
+          <p:nvPr/>
+        </p:nvCxnSpPr>
+        <p:spPr>
+          <a:xfrm flipV="1">
+            <a:off x="9321090" y="3766097"/>
+            <a:ext cx="0" cy="925173"/>
+          </a:xfrm>
+          <a:prstGeom prst="line">
+            <a:avLst/>
+          </a:prstGeom>
+          <a:ln w="38100">
+            <a:solidFill>
+              <a:schemeClr val="tx1"/>
+            </a:solidFill>
+          </a:ln>
+        </p:spPr>
+        <p:style>
+          <a:lnRef idx="1">
+            <a:schemeClr val="accent1"/>
+          </a:lnRef>
+          <a:fillRef idx="0">
+            <a:schemeClr val="accent1"/>
+          </a:fillRef>
+          <a:effectRef idx="0">
+            <a:schemeClr val="accent1"/>
+          </a:effectRef>
+          <a:fontRef idx="minor">
+            <a:schemeClr val="tx1"/>
+          </a:fontRef>
+        </p:style>
+      </p:cxnSp>
+      <p:cxnSp>
+        <p:nvCxnSpPr>
+          <p:cNvPr id="54" name="Straight Connector 53">
+            <a:extLst>
+              <a:ext uri="{FF2B5EF4-FFF2-40B4-BE49-F238E27FC236}">
+                <a16:creationId xmlns:a16="http://schemas.microsoft.com/office/drawing/2014/main" id="{2097F77C-B8C7-485C-AA47-BF8AC3DE7CBE}"/>
+              </a:ext>
+            </a:extLst>
+          </p:cNvPr>
+          <p:cNvCxnSpPr>
+            <a:cxnSpLocks/>
+            <a:stCxn id="28" idx="1"/>
+          </p:cNvCxnSpPr>
+          <p:nvPr/>
+        </p:nvCxnSpPr>
+        <p:spPr>
+          <a:xfrm flipH="1" flipV="1">
+            <a:off x="3963522" y="2179161"/>
+            <a:ext cx="2132478" cy="1"/>
+          </a:xfrm>
+          <a:prstGeom prst="line">
+            <a:avLst/>
+          </a:prstGeom>
+          <a:ln w="38100">
+            <a:solidFill>
+              <a:schemeClr val="tx1"/>
+            </a:solidFill>
+          </a:ln>
+        </p:spPr>
+        <p:style>
+          <a:lnRef idx="1">
+            <a:schemeClr val="accent1"/>
+          </a:lnRef>
+          <a:fillRef idx="0">
+            <a:schemeClr val="accent1"/>
+          </a:fillRef>
+          <a:effectRef idx="0">
+            <a:schemeClr val="accent1"/>
+          </a:effectRef>
+          <a:fontRef idx="minor">
+            <a:schemeClr val="tx1"/>
+          </a:fontRef>
+        </p:style>
+      </p:cxnSp>
+    </p:spTree>
+    <p:extLst>
+      <p:ext uri="{BB962C8B-B14F-4D97-AF65-F5344CB8AC3E}">
+        <p14:creationId xmlns:p14="http://schemas.microsoft.com/office/powerpoint/2010/main" val="2458378895"/>
+      </p:ext>
+    </p:extLst>
+  </p:cSld>
+  <p:clrMapOvr>
+    <a:masterClrMapping/>
+  </p:clrMapOvr>
+</p:sld>
+</file>
+
+<file path=ppt/slides/slide13.xml><?xml version="1.0" encoding="utf-8"?>
 <p:sld xmlns:a="http://schemas.openxmlformats.org/drawingml/2006/main" xmlns:r="http://schemas.openxmlformats.org/officeDocument/2006/relationships" xmlns:p="http://schemas.openxmlformats.org/presentationml/2006/main">
   <p:cSld>
     <p:spTree>
@@ -8112,7 +9548,7 @@
 </p:sld>
 </file>
 
-<file path=ppt/slides/slide13.xml><?xml version="1.0" encoding="utf-8"?>
+<file path=ppt/slides/slide14.xml><?xml version="1.0" encoding="utf-8"?>
 <p:sld xmlns:a="http://schemas.openxmlformats.org/drawingml/2006/main" xmlns:r="http://schemas.openxmlformats.org/officeDocument/2006/relationships" xmlns:p="http://schemas.openxmlformats.org/presentationml/2006/main">
   <p:cSld>
     <p:spTree>
@@ -9029,7 +10465,7 @@
 </p:sld>
 </file>
 
-<file path=ppt/slides/slide14.xml><?xml version="1.0" encoding="utf-8"?>
+<file path=ppt/slides/slide15.xml><?xml version="1.0" encoding="utf-8"?>
 <p:sld xmlns:a="http://schemas.openxmlformats.org/drawingml/2006/main" xmlns:r="http://schemas.openxmlformats.org/officeDocument/2006/relationships" xmlns:p="http://schemas.openxmlformats.org/presentationml/2006/main">
   <p:cSld>
     <p:spTree>
@@ -10344,7 +11780,7 @@
 </p:sld>
 </file>
 
-<file path=ppt/slides/slide15.xml><?xml version="1.0" encoding="utf-8"?>
+<file path=ppt/slides/slide16.xml><?xml version="1.0" encoding="utf-8"?>
 <p:sld xmlns:a="http://schemas.openxmlformats.org/drawingml/2006/main" xmlns:r="http://schemas.openxmlformats.org/officeDocument/2006/relationships" xmlns:p="http://schemas.openxmlformats.org/presentationml/2006/main">
   <p:cSld>
     <p:spTree>
@@ -10381,6 +11817,7 @@
           <a:prstGeom prst="rect">
             <a:avLst/>
           </a:prstGeom>
+          <a:ln w="28575"/>
         </p:spPr>
         <p:style>
           <a:lnRef idx="2">
@@ -10442,6 +11879,7 @@
           <a:prstGeom prst="rect">
             <a:avLst/>
           </a:prstGeom>
+          <a:ln w="28575"/>
         </p:spPr>
         <p:style>
           <a:lnRef idx="2">
@@ -10500,7 +11938,7 @@
           <a:prstGeom prst="straightConnector1">
             <a:avLst/>
           </a:prstGeom>
-          <a:ln>
+          <a:ln w="28575">
             <a:tailEnd type="triangle"/>
           </a:ln>
         </p:spPr>
@@ -10539,6 +11977,7 @@
           <a:prstGeom prst="rect">
             <a:avLst/>
           </a:prstGeom>
+          <a:ln w="28575"/>
         </p:spPr>
         <p:style>
           <a:lnRef idx="2">
@@ -10600,6 +12039,7 @@
           <a:prstGeom prst="rect">
             <a:avLst/>
           </a:prstGeom>
+          <a:ln w="28575"/>
         </p:spPr>
         <p:style>
           <a:lnRef idx="2">
@@ -10651,7 +12091,7 @@
           <a:prstGeom prst="straightConnector1">
             <a:avLst/>
           </a:prstGeom>
-          <a:ln>
+          <a:ln w="28575">
             <a:tailEnd type="triangle"/>
           </a:ln>
         </p:spPr>
@@ -10693,7 +12133,7 @@
           <a:prstGeom prst="straightConnector1">
             <a:avLst/>
           </a:prstGeom>
-          <a:ln>
+          <a:ln w="28575">
             <a:tailEnd type="triangle"/>
           </a:ln>
         </p:spPr>
@@ -10732,6 +12172,7 @@
           <a:prstGeom prst="ellipse">
             <a:avLst/>
           </a:prstGeom>
+          <a:ln w="28575"/>
         </p:spPr>
         <p:style>
           <a:lnRef idx="2">
@@ -10779,6 +12220,7 @@
           <a:prstGeom prst="line">
             <a:avLst/>
           </a:prstGeom>
+          <a:ln w="28575"/>
         </p:spPr>
         <p:style>
           <a:lnRef idx="2">
@@ -10818,6 +12260,7 @@
           <a:prstGeom prst="line">
             <a:avLst/>
           </a:prstGeom>
+          <a:ln w="28575"/>
         </p:spPr>
         <p:style>
           <a:lnRef idx="2">
@@ -10858,7 +12301,7 @@
           <a:prstGeom prst="straightConnector1">
             <a:avLst/>
           </a:prstGeom>
-          <a:ln>
+          <a:ln w="28575">
             <a:tailEnd type="triangle"/>
           </a:ln>
         </p:spPr>
@@ -10901,7 +12344,10 @@
           <a:prstGeom prst="straightConnector1">
             <a:avLst/>
           </a:prstGeom>
-          <a:ln>
+          <a:ln w="28575">
+            <a:solidFill>
+              <a:schemeClr val="tx1"/>
+            </a:solidFill>
             <a:tailEnd type="triangle"/>
           </a:ln>
         </p:spPr>
@@ -11010,6 +12456,7 @@
           <a:prstGeom prst="rect">
             <a:avLst/>
           </a:prstGeom>
+          <a:ln w="28575"/>
         </p:spPr>
         <p:style>
           <a:lnRef idx="2">
@@ -11073,7 +12520,7 @@
           <a:prstGeom prst="straightConnector1">
             <a:avLst/>
           </a:prstGeom>
-          <a:ln>
+          <a:ln w="28575">
             <a:tailEnd type="triangle"/>
           </a:ln>
         </p:spPr>
@@ -11114,6 +12561,7 @@
           <a:prstGeom prst="line">
             <a:avLst/>
           </a:prstGeom>
+          <a:ln w="28575"/>
         </p:spPr>
         <p:style>
           <a:lnRef idx="1">
@@ -11153,7 +12601,7 @@
           <a:prstGeom prst="straightConnector1">
             <a:avLst/>
           </a:prstGeom>
-          <a:ln>
+          <a:ln w="28575">
             <a:tailEnd type="triangle"/>
           </a:ln>
         </p:spPr>
@@ -11194,6 +12642,7 @@
           <a:prstGeom prst="line">
             <a:avLst/>
           </a:prstGeom>
+          <a:ln w="28575"/>
         </p:spPr>
         <p:style>
           <a:lnRef idx="1">
@@ -11224,8 +12673,8 @@
         </p:nvSpPr>
         <p:spPr>
           <a:xfrm>
-            <a:off x="2550073" y="1113769"/>
-            <a:ext cx="606256" cy="369332"/>
+            <a:off x="2787922" y="742505"/>
+            <a:ext cx="386837" cy="707886"/>
           </a:xfrm>
           <a:prstGeom prst="rect">
             <a:avLst/>
@@ -11239,7 +12688,7 @@
           <a:lstStyle/>
           <a:p>
             <a:r>
-              <a:rPr lang="en-GB" dirty="0">
+              <a:rPr lang="en-GB" sz="2000" dirty="0">
                 <a:solidFill>
                   <a:srgbClr val="002060"/>
                 </a:solidFill>
@@ -11247,23 +12696,25 @@
               <a:t>x</a:t>
             </a:r>
             <a:r>
-              <a:rPr lang="en-GB" baseline="-25000" dirty="0">
+              <a:rPr lang="en-GB" sz="2000" baseline="-25000" dirty="0">
                 <a:solidFill>
                   <a:srgbClr val="002060"/>
                 </a:solidFill>
               </a:rPr>
               <a:t>d</a:t>
             </a:r>
-            <a:r>
-              <a:rPr lang="en-GB" dirty="0">
+          </a:p>
+          <a:p>
+            <a:r>
+              <a:rPr lang="en-GB" sz="2000" dirty="0">
                 <a:solidFill>
                   <a:srgbClr val="002060"/>
                 </a:solidFill>
               </a:rPr>
-              <a:t>,y</a:t>
-            </a:r>
-            <a:r>
-              <a:rPr lang="en-GB" baseline="-25000" dirty="0">
+              <a:t>y</a:t>
+            </a:r>
+            <a:r>
+              <a:rPr lang="en-GB" sz="2000" baseline="-25000" dirty="0">
                 <a:solidFill>
                   <a:srgbClr val="002060"/>
                 </a:solidFill>
@@ -11287,8 +12738,8 @@
         </p:nvSpPr>
         <p:spPr>
           <a:xfrm>
-            <a:off x="4511407" y="1130252"/>
-            <a:ext cx="806631" cy="369332"/>
+            <a:off x="4669217" y="779799"/>
+            <a:ext cx="497252" cy="707886"/>
           </a:xfrm>
           <a:prstGeom prst="rect">
             <a:avLst/>
@@ -11302,7 +12753,7 @@
           <a:lstStyle/>
           <a:p>
             <a:r>
-              <a:rPr lang="el-GR" dirty="0">
+              <a:rPr lang="el-GR" sz="2000" dirty="0">
                 <a:solidFill>
                   <a:srgbClr val="002060"/>
                 </a:solidFill>
@@ -11310,23 +12761,17 @@
               <a:t>θ</a:t>
             </a:r>
             <a:r>
-              <a:rPr lang="en-GB" baseline="-25000" dirty="0">
+              <a:rPr lang="en-GB" sz="2000" baseline="-25000" dirty="0">
                 <a:solidFill>
                   <a:srgbClr val="002060"/>
                 </a:solidFill>
               </a:rPr>
               <a:t>0d</a:t>
             </a:r>
-            <a:r>
-              <a:rPr lang="en-GB" dirty="0">
-                <a:solidFill>
-                  <a:srgbClr val="002060"/>
-                </a:solidFill>
-              </a:rPr>
-              <a:t>,</a:t>
-            </a:r>
-            <a:r>
-              <a:rPr lang="el-GR" dirty="0">
+          </a:p>
+          <a:p>
+            <a:r>
+              <a:rPr lang="el-GR" sz="2000" dirty="0">
                 <a:solidFill>
                   <a:srgbClr val="002060"/>
                 </a:solidFill>
@@ -11334,7 +12779,7 @@
               <a:t>θ</a:t>
             </a:r>
             <a:r>
-              <a:rPr lang="en-GB" baseline="-25000" dirty="0">
+              <a:rPr lang="en-GB" sz="2000" baseline="-25000" dirty="0">
                 <a:solidFill>
                   <a:srgbClr val="002060"/>
                 </a:solidFill>
@@ -11358,8 +12803,8 @@
         </p:nvSpPr>
         <p:spPr>
           <a:xfrm>
-            <a:off x="6040694" y="2588712"/>
-            <a:ext cx="827021" cy="369332"/>
+            <a:off x="5638737" y="1833374"/>
+            <a:ext cx="506870" cy="707886"/>
           </a:xfrm>
           <a:prstGeom prst="rect">
             <a:avLst/>
@@ -11373,7 +12818,7 @@
           <a:lstStyle/>
           <a:p>
             <a:r>
-              <a:rPr lang="el-GR" dirty="0">
+              <a:rPr lang="el-GR" sz="2000" dirty="0">
                 <a:solidFill>
                   <a:srgbClr val="002060"/>
                 </a:solidFill>
@@ -11381,23 +12826,17 @@
               <a:t>θ</a:t>
             </a:r>
             <a:r>
-              <a:rPr lang="en-GB" baseline="-25000" dirty="0">
+              <a:rPr lang="en-GB" sz="2000" baseline="-25000" dirty="0">
                 <a:solidFill>
                   <a:srgbClr val="002060"/>
                 </a:solidFill>
               </a:rPr>
               <a:t>0A</a:t>
             </a:r>
-            <a:r>
-              <a:rPr lang="en-GB" dirty="0">
-                <a:solidFill>
-                  <a:srgbClr val="002060"/>
-                </a:solidFill>
-              </a:rPr>
-              <a:t>,</a:t>
-            </a:r>
-            <a:r>
-              <a:rPr lang="el-GR" dirty="0">
+          </a:p>
+          <a:p>
+            <a:r>
+              <a:rPr lang="el-GR" sz="2000" dirty="0">
                 <a:solidFill>
                   <a:srgbClr val="002060"/>
                 </a:solidFill>
@@ -11405,7 +12844,7 @@
               <a:t>θ</a:t>
             </a:r>
             <a:r>
-              <a:rPr lang="en-GB" baseline="-25000" dirty="0">
+              <a:rPr lang="en-GB" sz="2000" baseline="-25000" dirty="0">
                 <a:solidFill>
                   <a:srgbClr val="002060"/>
                 </a:solidFill>
@@ -11429,8 +12868,8 @@
         </p:nvSpPr>
         <p:spPr>
           <a:xfrm>
-            <a:off x="5841999" y="1146901"/>
-            <a:ext cx="827021" cy="369332"/>
+            <a:off x="6014931" y="785387"/>
+            <a:ext cx="492443" cy="707886"/>
           </a:xfrm>
           <a:prstGeom prst="rect">
             <a:avLst/>
@@ -11444,7 +12883,7 @@
           <a:lstStyle/>
           <a:p>
             <a:r>
-              <a:rPr lang="el-GR" dirty="0">
+              <a:rPr lang="el-GR" sz="2000" dirty="0">
                 <a:solidFill>
                   <a:srgbClr val="002060"/>
                 </a:solidFill>
@@ -11452,23 +12891,17 @@
               <a:t>θ</a:t>
             </a:r>
             <a:r>
-              <a:rPr lang="en-GB" baseline="-25000" dirty="0">
+              <a:rPr lang="en-GB" sz="2000" baseline="-25000" dirty="0">
                 <a:solidFill>
                   <a:srgbClr val="002060"/>
                 </a:solidFill>
               </a:rPr>
               <a:t>0e</a:t>
             </a:r>
-            <a:r>
-              <a:rPr lang="en-GB" dirty="0">
-                <a:solidFill>
-                  <a:srgbClr val="002060"/>
-                </a:solidFill>
-              </a:rPr>
-              <a:t>,</a:t>
-            </a:r>
-            <a:r>
-              <a:rPr lang="el-GR" dirty="0">
+          </a:p>
+          <a:p>
+            <a:r>
+              <a:rPr lang="el-GR" sz="2000" dirty="0">
                 <a:solidFill>
                   <a:srgbClr val="002060"/>
                 </a:solidFill>
@@ -11476,7 +12909,7 @@
               <a:t>θ</a:t>
             </a:r>
             <a:r>
-              <a:rPr lang="en-GB" baseline="-25000" dirty="0">
+              <a:rPr lang="en-GB" sz="2000" baseline="-25000" dirty="0">
                 <a:solidFill>
                   <a:srgbClr val="002060"/>
                 </a:solidFill>
@@ -11500,8 +12933,8 @@
         </p:nvSpPr>
         <p:spPr>
           <a:xfrm>
-            <a:off x="7961960" y="1130252"/>
-            <a:ext cx="643125" cy="369332"/>
+            <a:off x="8090760" y="785387"/>
+            <a:ext cx="405880" cy="707886"/>
           </a:xfrm>
           <a:prstGeom prst="rect">
             <a:avLst/>
@@ -11515,7 +12948,7 @@
           <a:lstStyle/>
           <a:p>
             <a:r>
-              <a:rPr lang="en-GB" dirty="0">
+              <a:rPr lang="en-GB" sz="2000" dirty="0">
                 <a:solidFill>
                   <a:srgbClr val="002060"/>
                 </a:solidFill>
@@ -11523,23 +12956,25 @@
               <a:t>u</a:t>
             </a:r>
             <a:r>
-              <a:rPr lang="en-GB" baseline="-25000" dirty="0">
+              <a:rPr lang="en-GB" sz="2000" baseline="-25000" dirty="0">
                 <a:solidFill>
                   <a:srgbClr val="002060"/>
                 </a:solidFill>
               </a:rPr>
               <a:t>0</a:t>
             </a:r>
-            <a:r>
-              <a:rPr lang="en-GB" dirty="0">
+          </a:p>
+          <a:p>
+            <a:r>
+              <a:rPr lang="en-GB" sz="2000" dirty="0">
                 <a:solidFill>
                   <a:srgbClr val="002060"/>
                 </a:solidFill>
               </a:rPr>
-              <a:t>,u</a:t>
-            </a:r>
-            <a:r>
-              <a:rPr lang="en-GB" baseline="-25000" dirty="0">
+              <a:t>u</a:t>
+            </a:r>
+            <a:r>
+              <a:rPr lang="en-GB" sz="2000" baseline="-25000" dirty="0">
                 <a:solidFill>
                   <a:srgbClr val="002060"/>
                 </a:solidFill>
@@ -11563,8 +12998,8 @@
         </p:nvSpPr>
         <p:spPr>
           <a:xfrm>
-            <a:off x="10018647" y="823735"/>
-            <a:ext cx="1528239" cy="646331"/>
+            <a:off x="9952155" y="823735"/>
+            <a:ext cx="1661224" cy="646331"/>
           </a:xfrm>
           <a:prstGeom prst="rect">
             <a:avLst/>
@@ -11595,7 +13030,7 @@
                   <a:srgbClr val="002060"/>
                 </a:solidFill>
               </a:rPr>
-              <a:t>Positions (rad)</a:t>
+              <a:t>Position Output</a:t>
             </a:r>
             <a:endParaRPr lang="en-GB" baseline="-25000" dirty="0">
               <a:solidFill>
@@ -11625,6 +13060,7 @@
           <a:prstGeom prst="ellipse">
             <a:avLst/>
           </a:prstGeom>
+          <a:ln w="28575"/>
         </p:spPr>
         <p:style>
           <a:lnRef idx="2">
@@ -11672,6 +13108,7 @@
           <a:prstGeom prst="line">
             <a:avLst/>
           </a:prstGeom>
+          <a:ln w="28575"/>
         </p:spPr>
         <p:style>
           <a:lnRef idx="2">
@@ -11711,6 +13148,7 @@
           <a:prstGeom prst="line">
             <a:avLst/>
           </a:prstGeom>
+          <a:ln w="28575"/>
         </p:spPr>
         <p:style>
           <a:lnRef idx="2">
@@ -11741,7 +13179,7 @@
         </p:nvSpPr>
         <p:spPr>
           <a:xfrm>
-            <a:off x="2018891" y="1285400"/>
+            <a:off x="2037941" y="1294925"/>
             <a:ext cx="300082" cy="369332"/>
           </a:xfrm>
           <a:prstGeom prst="rect">
@@ -11785,7 +13223,7 @@
           <a:prstGeom prst="straightConnector1">
             <a:avLst/>
           </a:prstGeom>
-          <a:ln>
+          <a:ln w="28575">
             <a:tailEnd type="triangle"/>
           </a:ln>
         </p:spPr>
@@ -11818,7 +13256,7 @@
         </p:nvSpPr>
         <p:spPr>
           <a:xfrm>
-            <a:off x="2209076" y="1493791"/>
+            <a:off x="2218601" y="1455691"/>
             <a:ext cx="300082" cy="369332"/>
           </a:xfrm>
           <a:prstGeom prst="rect">
@@ -11859,6 +13297,7 @@
           <a:prstGeom prst="rect">
             <a:avLst/>
           </a:prstGeom>
+          <a:ln w="28575"/>
         </p:spPr>
         <p:style>
           <a:lnRef idx="2">
@@ -11909,7 +13348,7 @@
           <a:prstGeom prst="straightConnector1">
             <a:avLst/>
           </a:prstGeom>
-          <a:ln>
+          <a:ln w="28575">
             <a:tailEnd type="triangle"/>
           </a:ln>
         </p:spPr>
@@ -11948,6 +13387,7 @@
           <a:prstGeom prst="rect">
             <a:avLst/>
           </a:prstGeom>
+          <a:ln w="28575"/>
         </p:spPr>
         <p:style>
           <a:lnRef idx="2">
@@ -11990,7 +13430,7 @@
         <p:spPr>
           <a:xfrm>
             <a:off x="8296275" y="3141921"/>
-            <a:ext cx="827021" cy="369332"/>
+            <a:ext cx="952184" cy="400110"/>
           </a:xfrm>
           <a:prstGeom prst="rect">
             <a:avLst/>
@@ -12004,7 +13444,7 @@
           <a:lstStyle/>
           <a:p>
             <a:r>
-              <a:rPr lang="el-GR" dirty="0">
+              <a:rPr lang="el-GR" sz="2000" dirty="0">
                 <a:solidFill>
                   <a:srgbClr val="002060"/>
                 </a:solidFill>
@@ -12012,7 +13452,7 @@
               <a:t>θ</a:t>
             </a:r>
             <a:r>
-              <a:rPr lang="en-GB" baseline="-25000" dirty="0">
+              <a:rPr lang="en-GB" sz="2000" baseline="-25000" dirty="0">
                 <a:solidFill>
                   <a:srgbClr val="002060"/>
                 </a:solidFill>
@@ -12020,15 +13460,15 @@
               <a:t>0A</a:t>
             </a:r>
             <a:r>
-              <a:rPr lang="en-GB" dirty="0">
+              <a:rPr lang="en-GB" sz="2000" dirty="0">
                 <a:solidFill>
                   <a:srgbClr val="002060"/>
                 </a:solidFill>
               </a:rPr>
-              <a:t>,</a:t>
-            </a:r>
-            <a:r>
-              <a:rPr lang="el-GR" dirty="0">
+              <a:t>, </a:t>
+            </a:r>
+            <a:r>
+              <a:rPr lang="el-GR" sz="2000" dirty="0">
                 <a:solidFill>
                   <a:srgbClr val="002060"/>
                 </a:solidFill>
@@ -12036,7 +13476,7 @@
               <a:t>θ</a:t>
             </a:r>
             <a:r>
-              <a:rPr lang="en-GB" baseline="-25000" dirty="0">
+              <a:rPr lang="en-GB" sz="2000" baseline="-25000" dirty="0">
                 <a:solidFill>
                   <a:srgbClr val="002060"/>
                 </a:solidFill>
@@ -12069,7 +13509,7 @@
           <a:prstGeom prst="straightConnector1">
             <a:avLst/>
           </a:prstGeom>
-          <a:ln>
+          <a:ln w="28575">
             <a:tailEnd type="triangle"/>
           </a:ln>
         </p:spPr>
@@ -12102,8 +13542,8 @@
         </p:nvSpPr>
         <p:spPr>
           <a:xfrm>
-            <a:off x="8303316" y="4686863"/>
-            <a:ext cx="626646" cy="369332"/>
+            <a:off x="8302399" y="4666936"/>
+            <a:ext cx="713337" cy="400110"/>
           </a:xfrm>
           <a:prstGeom prst="rect">
             <a:avLst/>
@@ -12117,7 +13557,7 @@
           <a:lstStyle/>
           <a:p>
             <a:r>
-              <a:rPr lang="en-GB" dirty="0">
+              <a:rPr lang="en-GB" sz="2000" dirty="0">
                 <a:solidFill>
                   <a:srgbClr val="002060"/>
                 </a:solidFill>
@@ -12125,7 +13565,7 @@
               <a:t>x</a:t>
             </a:r>
             <a:r>
-              <a:rPr lang="en-GB" baseline="-25000" dirty="0">
+              <a:rPr lang="en-GB" sz="2000" baseline="-25000" dirty="0">
                 <a:solidFill>
                   <a:srgbClr val="002060"/>
                 </a:solidFill>
@@ -12133,15 +13573,31 @@
               <a:t>A</a:t>
             </a:r>
             <a:r>
-              <a:rPr lang="en-GB" dirty="0">
+              <a:rPr lang="en-GB" sz="2000" dirty="0">
                 <a:solidFill>
                   <a:srgbClr val="002060"/>
                 </a:solidFill>
               </a:rPr>
-              <a:t>,y</a:t>
-            </a:r>
-            <a:r>
-              <a:rPr lang="en-GB" baseline="-25000" dirty="0">
+              <a:t>,</a:t>
+            </a:r>
+            <a:r>
+              <a:rPr lang="en-GB" sz="2000" baseline="-25000" dirty="0">
+                <a:solidFill>
+                  <a:srgbClr val="002060"/>
+                </a:solidFill>
+              </a:rPr>
+              <a:t> </a:t>
+            </a:r>
+            <a:r>
+              <a:rPr lang="en-GB" sz="2000" dirty="0">
+                <a:solidFill>
+                  <a:srgbClr val="002060"/>
+                </a:solidFill>
+              </a:rPr>
+              <a:t>y</a:t>
+            </a:r>
+            <a:r>
+              <a:rPr lang="en-GB" sz="2000" baseline="-25000" dirty="0">
                 <a:solidFill>
                   <a:srgbClr val="002060"/>
                 </a:solidFill>
@@ -12174,7 +13630,7 @@
           <a:prstGeom prst="straightConnector1">
             <a:avLst/>
           </a:prstGeom>
-          <a:ln>
+          <a:ln w="28575">
             <a:tailEnd type="triangle"/>
           </a:ln>
         </p:spPr>
@@ -12215,6 +13671,7 @@
           <a:prstGeom prst="line">
             <a:avLst/>
           </a:prstGeom>
+          <a:ln w="28575"/>
         </p:spPr>
         <p:style>
           <a:lnRef idx="1">
@@ -12251,6 +13708,7 @@
           <a:prstGeom prst="line">
             <a:avLst/>
           </a:prstGeom>
+          <a:ln w="28575"/>
         </p:spPr>
         <p:style>
           <a:lnRef idx="1">
@@ -12287,7 +13745,7 @@
           <a:prstGeom prst="straightConnector1">
             <a:avLst/>
           </a:prstGeom>
-          <a:ln>
+          <a:ln w="28575">
             <a:tailEnd type="triangle"/>
           </a:ln>
         </p:spPr>
@@ -12371,6 +13829,7 @@
           <a:prstGeom prst="line">
             <a:avLst/>
           </a:prstGeom>
+          <a:ln w="28575"/>
         </p:spPr>
         <p:style>
           <a:lnRef idx="1">
@@ -12409,6 +13868,7 @@
               <a:prstGeom prst="rect">
                 <a:avLst/>
               </a:prstGeom>
+              <a:ln w="28575"/>
             </p:spPr>
             <p:style>
               <a:lnRef idx="2">
@@ -12544,9 +14004,10 @@
               <a:blipFill>
                 <a:blip r:embed="rId2"/>
                 <a:stretch>
-                  <a:fillRect t="-1316"/>
+                  <a:fillRect t="-645"/>
                 </a:stretch>
               </a:blipFill>
+              <a:ln w="28575"/>
             </p:spPr>
             <p:txBody>
               <a:bodyPr/>
@@ -12586,7 +14047,7 @@
           <a:prstGeom prst="straightConnector1">
             <a:avLst/>
           </a:prstGeom>
-          <a:ln>
+          <a:ln w="28575">
             <a:tailEnd type="triangle"/>
           </a:ln>
         </p:spPr>
@@ -12628,7 +14089,7 @@
           <a:prstGeom prst="straightConnector1">
             <a:avLst/>
           </a:prstGeom>
-          <a:ln>
+          <a:ln w="28575">
             <a:tailEnd type="triangle"/>
           </a:ln>
         </p:spPr>
@@ -12661,8 +14122,8 @@
         </p:nvSpPr>
         <p:spPr>
           <a:xfrm>
-            <a:off x="1562358" y="1093335"/>
-            <a:ext cx="626646" cy="369332"/>
+            <a:off x="1642795" y="780812"/>
+            <a:ext cx="389850" cy="707886"/>
           </a:xfrm>
           <a:prstGeom prst="rect">
             <a:avLst/>
@@ -12676,7 +14137,7 @@
           <a:lstStyle/>
           <a:p>
             <a:r>
-              <a:rPr lang="en-GB" dirty="0">
+              <a:rPr lang="en-GB" sz="2000" dirty="0">
                 <a:solidFill>
                   <a:srgbClr val="002060"/>
                 </a:solidFill>
@@ -12684,23 +14145,25 @@
               <a:t>x</a:t>
             </a:r>
             <a:r>
-              <a:rPr lang="en-GB" baseline="-25000" dirty="0">
+              <a:rPr lang="en-GB" sz="2000" baseline="-25000" dirty="0">
                 <a:solidFill>
                   <a:srgbClr val="002060"/>
                 </a:solidFill>
               </a:rPr>
               <a:t>p</a:t>
             </a:r>
-            <a:r>
-              <a:rPr lang="en-GB" dirty="0">
+          </a:p>
+          <a:p>
+            <a:r>
+              <a:rPr lang="en-GB" sz="2000" dirty="0">
                 <a:solidFill>
                   <a:srgbClr val="002060"/>
                 </a:solidFill>
               </a:rPr>
-              <a:t>,y</a:t>
-            </a:r>
-            <a:r>
-              <a:rPr lang="en-GB" baseline="-25000" dirty="0">
+              <a:t>y</a:t>
+            </a:r>
+            <a:r>
+              <a:rPr lang="en-GB" sz="2000" baseline="-25000" dirty="0">
                 <a:solidFill>
                   <a:srgbClr val="002060"/>
                 </a:solidFill>
@@ -12724,8 +14187,73 @@
         </p:nvSpPr>
         <p:spPr>
           <a:xfrm>
-            <a:off x="4914722" y="5245895"/>
-            <a:ext cx="598112" cy="369332"/>
+            <a:off x="5024642" y="4929307"/>
+            <a:ext cx="380232" cy="707886"/>
+          </a:xfrm>
+          <a:prstGeom prst="rect">
+            <a:avLst/>
+          </a:prstGeom>
+          <a:noFill/>
+        </p:spPr>
+        <p:txBody>
+          <a:bodyPr wrap="square" rtlCol="0">
+            <a:spAutoFit/>
+          </a:bodyPr>
+          <a:lstStyle/>
+          <a:p>
+            <a:r>
+              <a:rPr lang="en-GB" sz="2000" dirty="0">
+                <a:solidFill>
+                  <a:srgbClr val="002060"/>
+                </a:solidFill>
+              </a:rPr>
+              <a:t>F</a:t>
+            </a:r>
+            <a:r>
+              <a:rPr lang="en-GB" sz="2000" baseline="-25000" dirty="0">
+                <a:solidFill>
+                  <a:srgbClr val="002060"/>
+                </a:solidFill>
+              </a:rPr>
+              <a:t>x</a:t>
+            </a:r>
+          </a:p>
+          <a:p>
+            <a:r>
+              <a:rPr lang="en-GB" sz="2000" dirty="0">
+                <a:solidFill>
+                  <a:srgbClr val="002060"/>
+                </a:solidFill>
+              </a:rPr>
+              <a:t>F</a:t>
+            </a:r>
+            <a:r>
+              <a:rPr lang="en-GB" sz="2000" baseline="-25000" dirty="0">
+                <a:solidFill>
+                  <a:srgbClr val="002060"/>
+                </a:solidFill>
+              </a:rPr>
+              <a:t>y</a:t>
+            </a:r>
+          </a:p>
+        </p:txBody>
+      </p:sp>
+      <p:sp>
+        <p:nvSpPr>
+          <p:cNvPr id="121" name="TextBox 120">
+            <a:extLst>
+              <a:ext uri="{FF2B5EF4-FFF2-40B4-BE49-F238E27FC236}">
+                <a16:creationId xmlns:a16="http://schemas.microsoft.com/office/drawing/2014/main" id="{2988F0F9-DCAB-475B-B0A6-5C822386F614}"/>
+              </a:ext>
+            </a:extLst>
+          </p:cNvPr>
+          <p:cNvSpPr txBox="1"/>
+          <p:nvPr/>
+        </p:nvSpPr>
+        <p:spPr>
+          <a:xfrm>
+            <a:off x="2409603" y="3164496"/>
+            <a:ext cx="338554" cy="707886"/>
           </a:xfrm>
           <a:prstGeom prst="rect">
             <a:avLst/>
@@ -12739,15 +14267,7 @@
           <a:lstStyle/>
           <a:p>
             <a:r>
-              <a:rPr lang="en-GB" dirty="0">
-                <a:solidFill>
-                  <a:srgbClr val="002060"/>
-                </a:solidFill>
-              </a:rPr>
-              <a:t>F</a:t>
-            </a:r>
-            <a:r>
-              <a:rPr lang="en-GB" baseline="-25000" dirty="0">
+              <a:rPr lang="en-GB" sz="2000" dirty="0">
                 <a:solidFill>
                   <a:srgbClr val="002060"/>
                 </a:solidFill>
@@ -12755,78 +14275,25 @@
               <a:t>x</a:t>
             </a:r>
             <a:r>
-              <a:rPr lang="en-GB" dirty="0">
+              <a:rPr lang="en-GB" sz="2000" baseline="-25000" dirty="0">
                 <a:solidFill>
                   <a:srgbClr val="002060"/>
                 </a:solidFill>
               </a:rPr>
-              <a:t>,F</a:t>
-            </a:r>
-            <a:r>
-              <a:rPr lang="en-GB" baseline="-25000" dirty="0">
+              <a:t>i</a:t>
+            </a:r>
+          </a:p>
+          <a:p>
+            <a:r>
+              <a:rPr lang="en-GB" sz="2000" dirty="0">
                 <a:solidFill>
                   <a:srgbClr val="002060"/>
                 </a:solidFill>
               </a:rPr>
               <a:t>y</a:t>
             </a:r>
-          </a:p>
-        </p:txBody>
-      </p:sp>
-      <p:sp>
-        <p:nvSpPr>
-          <p:cNvPr id="121" name="TextBox 120">
-            <a:extLst>
-              <a:ext uri="{FF2B5EF4-FFF2-40B4-BE49-F238E27FC236}">
-                <a16:creationId xmlns:a16="http://schemas.microsoft.com/office/drawing/2014/main" id="{2988F0F9-DCAB-475B-B0A6-5C822386F614}"/>
-              </a:ext>
-            </a:extLst>
-          </p:cNvPr>
-          <p:cNvSpPr txBox="1"/>
-          <p:nvPr/>
-        </p:nvSpPr>
-        <p:spPr>
-          <a:xfrm>
-            <a:off x="2439220" y="3579171"/>
-            <a:ext cx="516488" cy="369332"/>
-          </a:xfrm>
-          <a:prstGeom prst="rect">
-            <a:avLst/>
-          </a:prstGeom>
-          <a:noFill/>
-        </p:spPr>
-        <p:txBody>
-          <a:bodyPr wrap="none" rtlCol="0">
-            <a:spAutoFit/>
-          </a:bodyPr>
-          <a:lstStyle/>
-          <a:p>
-            <a:r>
-              <a:rPr lang="en-GB" dirty="0">
-                <a:solidFill>
-                  <a:srgbClr val="002060"/>
-                </a:solidFill>
-              </a:rPr>
-              <a:t>x</a:t>
-            </a:r>
-            <a:r>
-              <a:rPr lang="en-GB" baseline="-25000" dirty="0">
-                <a:solidFill>
-                  <a:srgbClr val="002060"/>
-                </a:solidFill>
-              </a:rPr>
-              <a:t>i</a:t>
-            </a:r>
-            <a:r>
-              <a:rPr lang="en-GB" dirty="0">
-                <a:solidFill>
-                  <a:srgbClr val="002060"/>
-                </a:solidFill>
-              </a:rPr>
-              <a:t>,y</a:t>
-            </a:r>
-            <a:r>
-              <a:rPr lang="en-GB" baseline="-25000" dirty="0">
+            <a:r>
+              <a:rPr lang="en-GB" sz="2000" baseline="-25000" dirty="0">
                 <a:solidFill>
                   <a:srgbClr val="002060"/>
                 </a:solidFill>
@@ -12849,7 +14316,7 @@
 </p:sld>
 </file>
 
-<file path=ppt/slides/slide16.xml><?xml version="1.0" encoding="utf-8"?>
+<file path=ppt/slides/slide17.xml><?xml version="1.0" encoding="utf-8"?>
 <p:sld xmlns:a="http://schemas.openxmlformats.org/drawingml/2006/main" xmlns:r="http://schemas.openxmlformats.org/officeDocument/2006/relationships" xmlns:p="http://schemas.openxmlformats.org/presentationml/2006/main">
   <p:cSld>
     <p:spTree>
@@ -13339,6 +14806,998 @@
     <p:extLst>
       <p:ext uri="{BB962C8B-B14F-4D97-AF65-F5344CB8AC3E}">
         <p14:creationId xmlns:p14="http://schemas.microsoft.com/office/powerpoint/2010/main" val="3496875756"/>
+      </p:ext>
+    </p:extLst>
+  </p:cSld>
+  <p:clrMapOvr>
+    <a:masterClrMapping/>
+  </p:clrMapOvr>
+</p:sld>
+</file>
+
+<file path=ppt/slides/slide18.xml><?xml version="1.0" encoding="utf-8"?>
+<p:sld xmlns:a="http://schemas.openxmlformats.org/drawingml/2006/main" xmlns:r="http://schemas.openxmlformats.org/officeDocument/2006/relationships" xmlns:p="http://schemas.openxmlformats.org/presentationml/2006/main">
+  <p:cSld>
+    <p:spTree>
+      <p:nvGrpSpPr>
+        <p:cNvPr id="1" name=""/>
+        <p:cNvGrpSpPr/>
+        <p:nvPr/>
+      </p:nvGrpSpPr>
+      <p:grpSpPr>
+        <a:xfrm>
+          <a:off x="0" y="0"/>
+          <a:ext cx="0" cy="0"/>
+          <a:chOff x="0" y="0"/>
+          <a:chExt cx="0" cy="0"/>
+        </a:xfrm>
+      </p:grpSpPr>
+      <p:pic>
+        <p:nvPicPr>
+          <p:cNvPr id="6" name="Picture 5">
+            <a:extLst>
+              <a:ext uri="{FF2B5EF4-FFF2-40B4-BE49-F238E27FC236}">
+                <a16:creationId xmlns:a16="http://schemas.microsoft.com/office/drawing/2014/main" id="{E0D192C8-E129-4901-BB12-25A5D8AE8503}"/>
+              </a:ext>
+            </a:extLst>
+          </p:cNvPr>
+          <p:cNvPicPr>
+            <a:picLocks noChangeAspect="1"/>
+          </p:cNvPicPr>
+          <p:nvPr/>
+        </p:nvPicPr>
+        <p:blipFill>
+          <a:blip r:embed="rId2"/>
+          <a:stretch>
+            <a:fillRect/>
+          </a:stretch>
+        </p:blipFill>
+        <p:spPr>
+          <a:xfrm>
+            <a:off x="954632" y="255398"/>
+            <a:ext cx="6701761" cy="4768099"/>
+          </a:xfrm>
+          <a:prstGeom prst="rect">
+            <a:avLst/>
+          </a:prstGeom>
+        </p:spPr>
+      </p:pic>
+      <p:sp>
+        <p:nvSpPr>
+          <p:cNvPr id="8" name="TextBox 7">
+            <a:extLst>
+              <a:ext uri="{FF2B5EF4-FFF2-40B4-BE49-F238E27FC236}">
+                <a16:creationId xmlns:a16="http://schemas.microsoft.com/office/drawing/2014/main" id="{6C091A05-DB1C-42B7-8D6F-6B0989F0616D}"/>
+              </a:ext>
+            </a:extLst>
+          </p:cNvPr>
+          <p:cNvSpPr txBox="1"/>
+          <p:nvPr/>
+        </p:nvSpPr>
+        <p:spPr>
+          <a:xfrm>
+            <a:off x="3715446" y="4953037"/>
+            <a:ext cx="1180131" cy="461665"/>
+          </a:xfrm>
+          <a:prstGeom prst="rect">
+            <a:avLst/>
+          </a:prstGeom>
+          <a:noFill/>
+        </p:spPr>
+        <p:txBody>
+          <a:bodyPr wrap="none" rtlCol="0">
+            <a:spAutoFit/>
+          </a:bodyPr>
+          <a:lstStyle/>
+          <a:p>
+            <a:r>
+              <a:rPr lang="en-GB" sz="2400" dirty="0"/>
+              <a:t>Time (s)</a:t>
+            </a:r>
+          </a:p>
+        </p:txBody>
+      </p:sp>
+      <p:sp>
+        <p:nvSpPr>
+          <p:cNvPr id="9" name="TextBox 8">
+            <a:extLst>
+              <a:ext uri="{FF2B5EF4-FFF2-40B4-BE49-F238E27FC236}">
+                <a16:creationId xmlns:a16="http://schemas.microsoft.com/office/drawing/2014/main" id="{DF978990-99CA-4665-B278-151073AAFED3}"/>
+              </a:ext>
+            </a:extLst>
+          </p:cNvPr>
+          <p:cNvSpPr txBox="1"/>
+          <p:nvPr/>
+        </p:nvSpPr>
+        <p:spPr>
+          <a:xfrm>
+            <a:off x="449033" y="1429159"/>
+            <a:ext cx="553998" cy="2296783"/>
+          </a:xfrm>
+          <a:prstGeom prst="rect">
+            <a:avLst/>
+          </a:prstGeom>
+          <a:noFill/>
+        </p:spPr>
+        <p:txBody>
+          <a:bodyPr vert="vert270" wrap="none" rtlCol="0">
+            <a:spAutoFit/>
+          </a:bodyPr>
+          <a:lstStyle/>
+          <a:p>
+            <a:r>
+              <a:rPr lang="en-GB" sz="2400" dirty="0"/>
+              <a:t>Displacement (m)</a:t>
+            </a:r>
+          </a:p>
+        </p:txBody>
+      </p:sp>
+      <p:sp>
+        <p:nvSpPr>
+          <p:cNvPr id="10" name="Rectangle 9">
+            <a:extLst>
+              <a:ext uri="{FF2B5EF4-FFF2-40B4-BE49-F238E27FC236}">
+                <a16:creationId xmlns:a16="http://schemas.microsoft.com/office/drawing/2014/main" id="{38B15F01-EB01-4F87-A1DA-9DD09B263EA0}"/>
+              </a:ext>
+            </a:extLst>
+          </p:cNvPr>
+          <p:cNvSpPr/>
+          <p:nvPr/>
+        </p:nvSpPr>
+        <p:spPr>
+          <a:xfrm>
+            <a:off x="497431" y="83573"/>
+            <a:ext cx="7309087" cy="5309255"/>
+          </a:xfrm>
+          <a:prstGeom prst="rect">
+            <a:avLst/>
+          </a:prstGeom>
+          <a:noFill/>
+          <a:ln w="38100"/>
+        </p:spPr>
+        <p:style>
+          <a:lnRef idx="2">
+            <a:schemeClr val="dk1"/>
+          </a:lnRef>
+          <a:fillRef idx="1">
+            <a:schemeClr val="lt1"/>
+          </a:fillRef>
+          <a:effectRef idx="0">
+            <a:schemeClr val="dk1"/>
+          </a:effectRef>
+          <a:fontRef idx="minor">
+            <a:schemeClr val="dk1"/>
+          </a:fontRef>
+        </p:style>
+        <p:txBody>
+          <a:bodyPr rtlCol="0" anchor="ctr"/>
+          <a:lstStyle/>
+          <a:p>
+            <a:pPr algn="ctr"/>
+            <a:endParaRPr lang="en-GB"/>
+          </a:p>
+        </p:txBody>
+      </p:sp>
+      <p:grpSp>
+        <p:nvGrpSpPr>
+          <p:cNvPr id="16" name="Group 15">
+            <a:extLst>
+              <a:ext uri="{FF2B5EF4-FFF2-40B4-BE49-F238E27FC236}">
+                <a16:creationId xmlns:a16="http://schemas.microsoft.com/office/drawing/2014/main" id="{2FC36A8F-FD5B-4C00-8DA6-88598EF8D5CD}"/>
+              </a:ext>
+            </a:extLst>
+          </p:cNvPr>
+          <p:cNvGrpSpPr/>
+          <p:nvPr/>
+        </p:nvGrpSpPr>
+        <p:grpSpPr>
+          <a:xfrm>
+            <a:off x="3691719" y="3643762"/>
+            <a:ext cx="3623481" cy="818038"/>
+            <a:chOff x="8263718" y="4941317"/>
+            <a:chExt cx="3623481" cy="818038"/>
+          </a:xfrm>
+        </p:grpSpPr>
+        <p:sp>
+          <p:nvSpPr>
+            <p:cNvPr id="14" name="Rectangle 13">
+              <a:extLst>
+                <a:ext uri="{FF2B5EF4-FFF2-40B4-BE49-F238E27FC236}">
+                  <a16:creationId xmlns:a16="http://schemas.microsoft.com/office/drawing/2014/main" id="{4BD6675C-113A-4E62-8DB8-C276BCA8ED74}"/>
+                </a:ext>
+              </a:extLst>
+            </p:cNvPr>
+            <p:cNvSpPr/>
+            <p:nvPr/>
+          </p:nvSpPr>
+          <p:spPr>
+            <a:xfrm>
+              <a:off x="8263718" y="4941317"/>
+              <a:ext cx="3623481" cy="818038"/>
+            </a:xfrm>
+            <a:prstGeom prst="rect">
+              <a:avLst/>
+            </a:prstGeom>
+            <a:solidFill>
+              <a:schemeClr val="tx1"/>
+            </a:solidFill>
+            <a:ln w="28575">
+              <a:solidFill>
+                <a:schemeClr val="bg1"/>
+              </a:solidFill>
+            </a:ln>
+          </p:spPr>
+          <p:style>
+            <a:lnRef idx="2">
+              <a:schemeClr val="accent1">
+                <a:shade val="50000"/>
+              </a:schemeClr>
+            </a:lnRef>
+            <a:fillRef idx="1">
+              <a:schemeClr val="accent1"/>
+            </a:fillRef>
+            <a:effectRef idx="0">
+              <a:schemeClr val="accent1"/>
+            </a:effectRef>
+            <a:fontRef idx="minor">
+              <a:schemeClr val="lt1"/>
+            </a:fontRef>
+          </p:style>
+          <p:txBody>
+            <a:bodyPr rtlCol="0" anchor="ctr"/>
+            <a:lstStyle/>
+            <a:p>
+              <a:pPr algn="ctr"/>
+              <a:endParaRPr lang="en-GB"/>
+            </a:p>
+          </p:txBody>
+        </p:sp>
+        <p:grpSp>
+          <p:nvGrpSpPr>
+            <p:cNvPr id="15" name="Group 14">
+              <a:extLst>
+                <a:ext uri="{FF2B5EF4-FFF2-40B4-BE49-F238E27FC236}">
+                  <a16:creationId xmlns:a16="http://schemas.microsoft.com/office/drawing/2014/main" id="{F18A4C9D-9C62-4CA8-A744-221FA85EA169}"/>
+                </a:ext>
+              </a:extLst>
+            </p:cNvPr>
+            <p:cNvGrpSpPr/>
+            <p:nvPr/>
+          </p:nvGrpSpPr>
+          <p:grpSpPr>
+            <a:xfrm>
+              <a:off x="8278969" y="5023497"/>
+              <a:ext cx="3512696" cy="627796"/>
+              <a:chOff x="8278969" y="5023497"/>
+              <a:chExt cx="3512696" cy="627796"/>
+            </a:xfrm>
+          </p:grpSpPr>
+          <p:pic>
+            <p:nvPicPr>
+              <p:cNvPr id="7" name="Picture 6">
+                <a:extLst>
+                  <a:ext uri="{FF2B5EF4-FFF2-40B4-BE49-F238E27FC236}">
+                    <a16:creationId xmlns:a16="http://schemas.microsoft.com/office/drawing/2014/main" id="{37C8C8CF-6369-4B55-BB5A-1B7664BDA173}"/>
+                  </a:ext>
+                </a:extLst>
+              </p:cNvPr>
+              <p:cNvPicPr>
+                <a:picLocks noChangeAspect="1"/>
+              </p:cNvPicPr>
+              <p:nvPr/>
+            </p:nvPicPr>
+            <p:blipFill rotWithShape="1">
+              <a:blip r:embed="rId3"/>
+              <a:srcRect l="3256" t="15392" r="69320" b="20224"/>
+              <a:stretch/>
+            </p:blipFill>
+            <p:spPr>
+              <a:xfrm>
+                <a:off x="8278969" y="5084059"/>
+                <a:ext cx="933269" cy="506672"/>
+              </a:xfrm>
+              <a:prstGeom prst="rect">
+                <a:avLst/>
+              </a:prstGeom>
+            </p:spPr>
+          </p:pic>
+          <p:grpSp>
+            <p:nvGrpSpPr>
+              <p:cNvPr id="13" name="Group 12">
+                <a:extLst>
+                  <a:ext uri="{FF2B5EF4-FFF2-40B4-BE49-F238E27FC236}">
+                    <a16:creationId xmlns:a16="http://schemas.microsoft.com/office/drawing/2014/main" id="{39FD1DCC-B711-4EBA-959F-14E1643A95E6}"/>
+                  </a:ext>
+                </a:extLst>
+              </p:cNvPr>
+              <p:cNvGrpSpPr/>
+              <p:nvPr/>
+            </p:nvGrpSpPr>
+            <p:grpSpPr>
+              <a:xfrm>
+                <a:off x="9212238" y="5023497"/>
+                <a:ext cx="2579427" cy="627796"/>
+                <a:chOff x="8379725" y="1569493"/>
+                <a:chExt cx="2579427" cy="627796"/>
+              </a:xfrm>
+            </p:grpSpPr>
+            <p:sp>
+              <p:nvSpPr>
+                <p:cNvPr id="11" name="Rectangle 10">
+                  <a:extLst>
+                    <a:ext uri="{FF2B5EF4-FFF2-40B4-BE49-F238E27FC236}">
+                      <a16:creationId xmlns:a16="http://schemas.microsoft.com/office/drawing/2014/main" id="{446D3D12-7961-471E-B06F-49C329892D70}"/>
+                    </a:ext>
+                  </a:extLst>
+                </p:cNvPr>
+                <p:cNvSpPr/>
+                <p:nvPr/>
+              </p:nvSpPr>
+              <p:spPr>
+                <a:xfrm>
+                  <a:off x="8379725" y="1569493"/>
+                  <a:ext cx="2579427" cy="313898"/>
+                </a:xfrm>
+                <a:prstGeom prst="rect">
+                  <a:avLst/>
+                </a:prstGeom>
+                <a:solidFill>
+                  <a:schemeClr val="tx1"/>
+                </a:solidFill>
+                <a:ln>
+                  <a:solidFill>
+                    <a:schemeClr val="tx1"/>
+                  </a:solidFill>
+                </a:ln>
+              </p:spPr>
+              <p:style>
+                <a:lnRef idx="2">
+                  <a:schemeClr val="accent1">
+                    <a:shade val="50000"/>
+                  </a:schemeClr>
+                </a:lnRef>
+                <a:fillRef idx="1">
+                  <a:schemeClr val="accent1"/>
+                </a:fillRef>
+                <a:effectRef idx="0">
+                  <a:schemeClr val="accent1"/>
+                </a:effectRef>
+                <a:fontRef idx="minor">
+                  <a:schemeClr val="lt1"/>
+                </a:fontRef>
+              </p:style>
+              <p:txBody>
+                <a:bodyPr rtlCol="0" anchor="ctr"/>
+                <a:lstStyle/>
+                <a:p>
+                  <a:pPr algn="ctr"/>
+                  <a:r>
+                    <a:rPr lang="en-GB" dirty="0"/>
+                    <a:t>k = 10 N/m, c = 1 Ns/m</a:t>
+                  </a:r>
+                </a:p>
+              </p:txBody>
+            </p:sp>
+            <p:sp>
+              <p:nvSpPr>
+                <p:cNvPr id="12" name="Rectangle 11">
+                  <a:extLst>
+                    <a:ext uri="{FF2B5EF4-FFF2-40B4-BE49-F238E27FC236}">
+                      <a16:creationId xmlns:a16="http://schemas.microsoft.com/office/drawing/2014/main" id="{584E3F29-56D9-4717-989F-AC2E8CA88C83}"/>
+                    </a:ext>
+                  </a:extLst>
+                </p:cNvPr>
+                <p:cNvSpPr/>
+                <p:nvPr/>
+              </p:nvSpPr>
+              <p:spPr>
+                <a:xfrm>
+                  <a:off x="8379725" y="1883391"/>
+                  <a:ext cx="2579427" cy="313898"/>
+                </a:xfrm>
+                <a:prstGeom prst="rect">
+                  <a:avLst/>
+                </a:prstGeom>
+                <a:solidFill>
+                  <a:schemeClr val="tx1"/>
+                </a:solidFill>
+                <a:ln>
+                  <a:solidFill>
+                    <a:schemeClr val="tx1"/>
+                  </a:solidFill>
+                </a:ln>
+              </p:spPr>
+              <p:style>
+                <a:lnRef idx="2">
+                  <a:schemeClr val="accent1">
+                    <a:shade val="50000"/>
+                  </a:schemeClr>
+                </a:lnRef>
+                <a:fillRef idx="1">
+                  <a:schemeClr val="accent1"/>
+                </a:fillRef>
+                <a:effectRef idx="0">
+                  <a:schemeClr val="accent1"/>
+                </a:effectRef>
+                <a:fontRef idx="minor">
+                  <a:schemeClr val="lt1"/>
+                </a:fontRef>
+              </p:style>
+              <p:txBody>
+                <a:bodyPr rtlCol="0" anchor="ctr"/>
+                <a:lstStyle/>
+                <a:p>
+                  <a:pPr algn="ctr"/>
+                  <a:r>
+                    <a:rPr lang="en-GB" dirty="0"/>
+                    <a:t>k = 10 N/m, c = 10 Ns/m</a:t>
+                  </a:r>
+                </a:p>
+              </p:txBody>
+            </p:sp>
+          </p:grpSp>
+        </p:grpSp>
+      </p:grpSp>
+    </p:spTree>
+    <p:extLst>
+      <p:ext uri="{BB962C8B-B14F-4D97-AF65-F5344CB8AC3E}">
+        <p14:creationId xmlns:p14="http://schemas.microsoft.com/office/powerpoint/2010/main" val="2182149176"/>
+      </p:ext>
+    </p:extLst>
+  </p:cSld>
+  <p:clrMapOvr>
+    <a:masterClrMapping/>
+  </p:clrMapOvr>
+</p:sld>
+</file>
+
+<file path=ppt/slides/slide19.xml><?xml version="1.0" encoding="utf-8"?>
+<p:sld xmlns:a="http://schemas.openxmlformats.org/drawingml/2006/main" xmlns:r="http://schemas.openxmlformats.org/officeDocument/2006/relationships" xmlns:p="http://schemas.openxmlformats.org/presentationml/2006/main">
+  <p:cSld>
+    <p:spTree>
+      <p:nvGrpSpPr>
+        <p:cNvPr id="1" name=""/>
+        <p:cNvGrpSpPr/>
+        <p:nvPr/>
+      </p:nvGrpSpPr>
+      <p:grpSpPr>
+        <a:xfrm>
+          <a:off x="0" y="0"/>
+          <a:ext cx="0" cy="0"/>
+          <a:chOff x="0" y="0"/>
+          <a:chExt cx="0" cy="0"/>
+        </a:xfrm>
+      </p:grpSpPr>
+      <p:sp>
+        <p:nvSpPr>
+          <p:cNvPr id="8" name="TextBox 7">
+            <a:extLst>
+              <a:ext uri="{FF2B5EF4-FFF2-40B4-BE49-F238E27FC236}">
+                <a16:creationId xmlns:a16="http://schemas.microsoft.com/office/drawing/2014/main" id="{6C091A05-DB1C-42B7-8D6F-6B0989F0616D}"/>
+              </a:ext>
+            </a:extLst>
+          </p:cNvPr>
+          <p:cNvSpPr txBox="1"/>
+          <p:nvPr/>
+        </p:nvSpPr>
+        <p:spPr>
+          <a:xfrm>
+            <a:off x="3715446" y="4953037"/>
+            <a:ext cx="1180131" cy="461665"/>
+          </a:xfrm>
+          <a:prstGeom prst="rect">
+            <a:avLst/>
+          </a:prstGeom>
+          <a:noFill/>
+        </p:spPr>
+        <p:txBody>
+          <a:bodyPr wrap="none" rtlCol="0">
+            <a:spAutoFit/>
+          </a:bodyPr>
+          <a:lstStyle/>
+          <a:p>
+            <a:r>
+              <a:rPr lang="en-GB" sz="2400" dirty="0"/>
+              <a:t>Time (s)</a:t>
+            </a:r>
+          </a:p>
+        </p:txBody>
+      </p:sp>
+      <p:sp>
+        <p:nvSpPr>
+          <p:cNvPr id="9" name="TextBox 8">
+            <a:extLst>
+              <a:ext uri="{FF2B5EF4-FFF2-40B4-BE49-F238E27FC236}">
+                <a16:creationId xmlns:a16="http://schemas.microsoft.com/office/drawing/2014/main" id="{DF978990-99CA-4665-B278-151073AAFED3}"/>
+              </a:ext>
+            </a:extLst>
+          </p:cNvPr>
+          <p:cNvSpPr txBox="1"/>
+          <p:nvPr/>
+        </p:nvSpPr>
+        <p:spPr>
+          <a:xfrm>
+            <a:off x="449033" y="1429159"/>
+            <a:ext cx="553998" cy="2296783"/>
+          </a:xfrm>
+          <a:prstGeom prst="rect">
+            <a:avLst/>
+          </a:prstGeom>
+          <a:noFill/>
+        </p:spPr>
+        <p:txBody>
+          <a:bodyPr vert="vert270" wrap="none" rtlCol="0">
+            <a:spAutoFit/>
+          </a:bodyPr>
+          <a:lstStyle/>
+          <a:p>
+            <a:r>
+              <a:rPr lang="en-GB" sz="2400" dirty="0"/>
+              <a:t>Displacement (m)</a:t>
+            </a:r>
+          </a:p>
+        </p:txBody>
+      </p:sp>
+      <p:sp>
+        <p:nvSpPr>
+          <p:cNvPr id="10" name="Rectangle 9">
+            <a:extLst>
+              <a:ext uri="{FF2B5EF4-FFF2-40B4-BE49-F238E27FC236}">
+                <a16:creationId xmlns:a16="http://schemas.microsoft.com/office/drawing/2014/main" id="{38B15F01-EB01-4F87-A1DA-9DD09B263EA0}"/>
+              </a:ext>
+            </a:extLst>
+          </p:cNvPr>
+          <p:cNvSpPr/>
+          <p:nvPr/>
+        </p:nvSpPr>
+        <p:spPr>
+          <a:xfrm>
+            <a:off x="497431" y="83573"/>
+            <a:ext cx="7309087" cy="5309255"/>
+          </a:xfrm>
+          <a:prstGeom prst="rect">
+            <a:avLst/>
+          </a:prstGeom>
+          <a:noFill/>
+          <a:ln w="38100"/>
+        </p:spPr>
+        <p:style>
+          <a:lnRef idx="2">
+            <a:schemeClr val="dk1"/>
+          </a:lnRef>
+          <a:fillRef idx="1">
+            <a:schemeClr val="lt1"/>
+          </a:fillRef>
+          <a:effectRef idx="0">
+            <a:schemeClr val="dk1"/>
+          </a:effectRef>
+          <a:fontRef idx="minor">
+            <a:schemeClr val="dk1"/>
+          </a:fontRef>
+        </p:style>
+        <p:txBody>
+          <a:bodyPr rtlCol="0" anchor="ctr"/>
+          <a:lstStyle/>
+          <a:p>
+            <a:pPr algn="ctr"/>
+            <a:endParaRPr lang="en-GB"/>
+          </a:p>
+        </p:txBody>
+      </p:sp>
+      <p:pic>
+        <p:nvPicPr>
+          <p:cNvPr id="2" name="Picture 1">
+            <a:extLst>
+              <a:ext uri="{FF2B5EF4-FFF2-40B4-BE49-F238E27FC236}">
+                <a16:creationId xmlns:a16="http://schemas.microsoft.com/office/drawing/2014/main" id="{0DD8CDCC-3849-41C1-A40A-364A52BBC785}"/>
+              </a:ext>
+            </a:extLst>
+          </p:cNvPr>
+          <p:cNvPicPr>
+            <a:picLocks noChangeAspect="1"/>
+          </p:cNvPicPr>
+          <p:nvPr/>
+        </p:nvPicPr>
+        <p:blipFill>
+          <a:blip r:embed="rId2"/>
+          <a:stretch>
+            <a:fillRect/>
+          </a:stretch>
+        </p:blipFill>
+        <p:spPr>
+          <a:xfrm>
+            <a:off x="1003030" y="216419"/>
+            <a:ext cx="6674325" cy="4736618"/>
+          </a:xfrm>
+          <a:prstGeom prst="rect">
+            <a:avLst/>
+          </a:prstGeom>
+        </p:spPr>
+      </p:pic>
+      <p:sp>
+        <p:nvSpPr>
+          <p:cNvPr id="3" name="Rectangle 2">
+            <a:extLst>
+              <a:ext uri="{FF2B5EF4-FFF2-40B4-BE49-F238E27FC236}">
+                <a16:creationId xmlns:a16="http://schemas.microsoft.com/office/drawing/2014/main" id="{9F06D88A-5A75-4456-B8D5-F5994163B97E}"/>
+              </a:ext>
+            </a:extLst>
+          </p:cNvPr>
+          <p:cNvSpPr/>
+          <p:nvPr/>
+        </p:nvSpPr>
+        <p:spPr>
+          <a:xfrm>
+            <a:off x="3924300" y="216419"/>
+            <a:ext cx="857250" cy="221731"/>
+          </a:xfrm>
+          <a:prstGeom prst="rect">
+            <a:avLst/>
+          </a:prstGeom>
+          <a:solidFill>
+            <a:schemeClr val="tx1">
+              <a:lumMod val="85000"/>
+              <a:lumOff val="15000"/>
+            </a:schemeClr>
+          </a:solidFill>
+          <a:ln>
+            <a:solidFill>
+              <a:schemeClr val="tx1">
+                <a:lumMod val="85000"/>
+                <a:lumOff val="15000"/>
+              </a:schemeClr>
+            </a:solidFill>
+          </a:ln>
+        </p:spPr>
+        <p:style>
+          <a:lnRef idx="2">
+            <a:schemeClr val="accent1">
+              <a:shade val="50000"/>
+            </a:schemeClr>
+          </a:lnRef>
+          <a:fillRef idx="1">
+            <a:schemeClr val="accent1"/>
+          </a:fillRef>
+          <a:effectRef idx="0">
+            <a:schemeClr val="accent1"/>
+          </a:effectRef>
+          <a:fontRef idx="minor">
+            <a:schemeClr val="lt1"/>
+          </a:fontRef>
+        </p:style>
+        <p:txBody>
+          <a:bodyPr rtlCol="0" anchor="ctr"/>
+          <a:lstStyle/>
+          <a:p>
+            <a:pPr algn="ctr"/>
+            <a:endParaRPr lang="en-GB"/>
+          </a:p>
+        </p:txBody>
+      </p:sp>
+      <p:sp>
+        <p:nvSpPr>
+          <p:cNvPr id="4" name="Rectangle 3">
+            <a:extLst>
+              <a:ext uri="{FF2B5EF4-FFF2-40B4-BE49-F238E27FC236}">
+                <a16:creationId xmlns:a16="http://schemas.microsoft.com/office/drawing/2014/main" id="{3D85915F-6C89-4599-9682-2B7C7235BE04}"/>
+              </a:ext>
+            </a:extLst>
+          </p:cNvPr>
+          <p:cNvSpPr/>
+          <p:nvPr/>
+        </p:nvSpPr>
+        <p:spPr>
+          <a:xfrm>
+            <a:off x="7372350" y="216418"/>
+            <a:ext cx="295480" cy="145531"/>
+          </a:xfrm>
+          <a:prstGeom prst="rect">
+            <a:avLst/>
+          </a:prstGeom>
+          <a:solidFill>
+            <a:schemeClr val="tx1">
+              <a:lumMod val="85000"/>
+              <a:lumOff val="15000"/>
+            </a:schemeClr>
+          </a:solidFill>
+          <a:ln>
+            <a:solidFill>
+              <a:schemeClr val="tx1">
+                <a:lumMod val="85000"/>
+                <a:lumOff val="15000"/>
+              </a:schemeClr>
+            </a:solidFill>
+          </a:ln>
+        </p:spPr>
+        <p:style>
+          <a:lnRef idx="2">
+            <a:schemeClr val="accent1">
+              <a:shade val="50000"/>
+            </a:schemeClr>
+          </a:lnRef>
+          <a:fillRef idx="1">
+            <a:schemeClr val="accent1"/>
+          </a:fillRef>
+          <a:effectRef idx="0">
+            <a:schemeClr val="accent1"/>
+          </a:effectRef>
+          <a:fontRef idx="minor">
+            <a:schemeClr val="lt1"/>
+          </a:fontRef>
+        </p:style>
+        <p:txBody>
+          <a:bodyPr rtlCol="0" anchor="ctr"/>
+          <a:lstStyle/>
+          <a:p>
+            <a:pPr algn="ctr"/>
+            <a:endParaRPr lang="en-GB"/>
+          </a:p>
+        </p:txBody>
+      </p:sp>
+      <p:grpSp>
+        <p:nvGrpSpPr>
+          <p:cNvPr id="16" name="Group 15">
+            <a:extLst>
+              <a:ext uri="{FF2B5EF4-FFF2-40B4-BE49-F238E27FC236}">
+                <a16:creationId xmlns:a16="http://schemas.microsoft.com/office/drawing/2014/main" id="{2FC36A8F-FD5B-4C00-8DA6-88598EF8D5CD}"/>
+              </a:ext>
+            </a:extLst>
+          </p:cNvPr>
+          <p:cNvGrpSpPr/>
+          <p:nvPr/>
+        </p:nvGrpSpPr>
+        <p:grpSpPr>
+          <a:xfrm>
+            <a:off x="3748869" y="3659557"/>
+            <a:ext cx="3623481" cy="818038"/>
+            <a:chOff x="8263718" y="4941317"/>
+            <a:chExt cx="3623481" cy="818038"/>
+          </a:xfrm>
+        </p:grpSpPr>
+        <p:sp>
+          <p:nvSpPr>
+            <p:cNvPr id="14" name="Rectangle 13">
+              <a:extLst>
+                <a:ext uri="{FF2B5EF4-FFF2-40B4-BE49-F238E27FC236}">
+                  <a16:creationId xmlns:a16="http://schemas.microsoft.com/office/drawing/2014/main" id="{4BD6675C-113A-4E62-8DB8-C276BCA8ED74}"/>
+                </a:ext>
+              </a:extLst>
+            </p:cNvPr>
+            <p:cNvSpPr/>
+            <p:nvPr/>
+          </p:nvSpPr>
+          <p:spPr>
+            <a:xfrm>
+              <a:off x="8263718" y="4941317"/>
+              <a:ext cx="3623481" cy="818038"/>
+            </a:xfrm>
+            <a:prstGeom prst="rect">
+              <a:avLst/>
+            </a:prstGeom>
+            <a:solidFill>
+              <a:schemeClr val="tx1"/>
+            </a:solidFill>
+            <a:ln w="28575">
+              <a:solidFill>
+                <a:schemeClr val="bg1"/>
+              </a:solidFill>
+            </a:ln>
+          </p:spPr>
+          <p:style>
+            <a:lnRef idx="2">
+              <a:schemeClr val="accent1">
+                <a:shade val="50000"/>
+              </a:schemeClr>
+            </a:lnRef>
+            <a:fillRef idx="1">
+              <a:schemeClr val="accent1"/>
+            </a:fillRef>
+            <a:effectRef idx="0">
+              <a:schemeClr val="accent1"/>
+            </a:effectRef>
+            <a:fontRef idx="minor">
+              <a:schemeClr val="lt1"/>
+            </a:fontRef>
+          </p:style>
+          <p:txBody>
+            <a:bodyPr rtlCol="0" anchor="ctr"/>
+            <a:lstStyle/>
+            <a:p>
+              <a:pPr algn="ctr"/>
+              <a:endParaRPr lang="en-GB"/>
+            </a:p>
+          </p:txBody>
+        </p:sp>
+        <p:grpSp>
+          <p:nvGrpSpPr>
+            <p:cNvPr id="15" name="Group 14">
+              <a:extLst>
+                <a:ext uri="{FF2B5EF4-FFF2-40B4-BE49-F238E27FC236}">
+                  <a16:creationId xmlns:a16="http://schemas.microsoft.com/office/drawing/2014/main" id="{F18A4C9D-9C62-4CA8-A744-221FA85EA169}"/>
+                </a:ext>
+              </a:extLst>
+            </p:cNvPr>
+            <p:cNvGrpSpPr/>
+            <p:nvPr/>
+          </p:nvGrpSpPr>
+          <p:grpSpPr>
+            <a:xfrm>
+              <a:off x="8278969" y="5023497"/>
+              <a:ext cx="3512696" cy="627796"/>
+              <a:chOff x="8278969" y="5023497"/>
+              <a:chExt cx="3512696" cy="627796"/>
+            </a:xfrm>
+          </p:grpSpPr>
+          <p:pic>
+            <p:nvPicPr>
+              <p:cNvPr id="7" name="Picture 6">
+                <a:extLst>
+                  <a:ext uri="{FF2B5EF4-FFF2-40B4-BE49-F238E27FC236}">
+                    <a16:creationId xmlns:a16="http://schemas.microsoft.com/office/drawing/2014/main" id="{37C8C8CF-6369-4B55-BB5A-1B7664BDA173}"/>
+                  </a:ext>
+                </a:extLst>
+              </p:cNvPr>
+              <p:cNvPicPr>
+                <a:picLocks noChangeAspect="1"/>
+              </p:cNvPicPr>
+              <p:nvPr/>
+            </p:nvPicPr>
+            <p:blipFill rotWithShape="1">
+              <a:blip r:embed="rId3"/>
+              <a:srcRect l="3256" t="15392" r="69320" b="20224"/>
+              <a:stretch/>
+            </p:blipFill>
+            <p:spPr>
+              <a:xfrm>
+                <a:off x="8278969" y="5084059"/>
+                <a:ext cx="933269" cy="506672"/>
+              </a:xfrm>
+              <a:prstGeom prst="rect">
+                <a:avLst/>
+              </a:prstGeom>
+            </p:spPr>
+          </p:pic>
+          <p:grpSp>
+            <p:nvGrpSpPr>
+              <p:cNvPr id="13" name="Group 12">
+                <a:extLst>
+                  <a:ext uri="{FF2B5EF4-FFF2-40B4-BE49-F238E27FC236}">
+                    <a16:creationId xmlns:a16="http://schemas.microsoft.com/office/drawing/2014/main" id="{39FD1DCC-B711-4EBA-959F-14E1643A95E6}"/>
+                  </a:ext>
+                </a:extLst>
+              </p:cNvPr>
+              <p:cNvGrpSpPr/>
+              <p:nvPr/>
+            </p:nvGrpSpPr>
+            <p:grpSpPr>
+              <a:xfrm>
+                <a:off x="9212238" y="5023497"/>
+                <a:ext cx="2579427" cy="627796"/>
+                <a:chOff x="8379725" y="1569493"/>
+                <a:chExt cx="2579427" cy="627796"/>
+              </a:xfrm>
+            </p:grpSpPr>
+            <p:sp>
+              <p:nvSpPr>
+                <p:cNvPr id="11" name="Rectangle 10">
+                  <a:extLst>
+                    <a:ext uri="{FF2B5EF4-FFF2-40B4-BE49-F238E27FC236}">
+                      <a16:creationId xmlns:a16="http://schemas.microsoft.com/office/drawing/2014/main" id="{446D3D12-7961-471E-B06F-49C329892D70}"/>
+                    </a:ext>
+                  </a:extLst>
+                </p:cNvPr>
+                <p:cNvSpPr/>
+                <p:nvPr/>
+              </p:nvSpPr>
+              <p:spPr>
+                <a:xfrm>
+                  <a:off x="8379725" y="1569493"/>
+                  <a:ext cx="2579427" cy="313898"/>
+                </a:xfrm>
+                <a:prstGeom prst="rect">
+                  <a:avLst/>
+                </a:prstGeom>
+                <a:solidFill>
+                  <a:schemeClr val="tx1"/>
+                </a:solidFill>
+                <a:ln>
+                  <a:solidFill>
+                    <a:schemeClr val="tx1"/>
+                  </a:solidFill>
+                </a:ln>
+              </p:spPr>
+              <p:style>
+                <a:lnRef idx="2">
+                  <a:schemeClr val="accent1">
+                    <a:shade val="50000"/>
+                  </a:schemeClr>
+                </a:lnRef>
+                <a:fillRef idx="1">
+                  <a:schemeClr val="accent1"/>
+                </a:fillRef>
+                <a:effectRef idx="0">
+                  <a:schemeClr val="accent1"/>
+                </a:effectRef>
+                <a:fontRef idx="minor">
+                  <a:schemeClr val="lt1"/>
+                </a:fontRef>
+              </p:style>
+              <p:txBody>
+                <a:bodyPr rtlCol="0" anchor="ctr"/>
+                <a:lstStyle/>
+                <a:p>
+                  <a:pPr algn="ctr"/>
+                  <a:r>
+                    <a:rPr lang="en-GB" dirty="0"/>
+                    <a:t>k = 7 N/m, c = 10 Ns/m</a:t>
+                  </a:r>
+                </a:p>
+              </p:txBody>
+            </p:sp>
+            <p:sp>
+              <p:nvSpPr>
+                <p:cNvPr id="12" name="Rectangle 11">
+                  <a:extLst>
+                    <a:ext uri="{FF2B5EF4-FFF2-40B4-BE49-F238E27FC236}">
+                      <a16:creationId xmlns:a16="http://schemas.microsoft.com/office/drawing/2014/main" id="{584E3F29-56D9-4717-989F-AC2E8CA88C83}"/>
+                    </a:ext>
+                  </a:extLst>
+                </p:cNvPr>
+                <p:cNvSpPr/>
+                <p:nvPr/>
+              </p:nvSpPr>
+              <p:spPr>
+                <a:xfrm>
+                  <a:off x="8379725" y="1883391"/>
+                  <a:ext cx="2579427" cy="313898"/>
+                </a:xfrm>
+                <a:prstGeom prst="rect">
+                  <a:avLst/>
+                </a:prstGeom>
+                <a:solidFill>
+                  <a:schemeClr val="tx1"/>
+                </a:solidFill>
+                <a:ln>
+                  <a:solidFill>
+                    <a:schemeClr val="tx1"/>
+                  </a:solidFill>
+                </a:ln>
+              </p:spPr>
+              <p:style>
+                <a:lnRef idx="2">
+                  <a:schemeClr val="accent1">
+                    <a:shade val="50000"/>
+                  </a:schemeClr>
+                </a:lnRef>
+                <a:fillRef idx="1">
+                  <a:schemeClr val="accent1"/>
+                </a:fillRef>
+                <a:effectRef idx="0">
+                  <a:schemeClr val="accent1"/>
+                </a:effectRef>
+                <a:fontRef idx="minor">
+                  <a:schemeClr val="lt1"/>
+                </a:fontRef>
+              </p:style>
+              <p:txBody>
+                <a:bodyPr rtlCol="0" anchor="ctr"/>
+                <a:lstStyle/>
+                <a:p>
+                  <a:pPr algn="ctr"/>
+                  <a:r>
+                    <a:rPr lang="en-GB" dirty="0"/>
+                    <a:t>k = 10 N/m, c = 10 Ns/m</a:t>
+                  </a:r>
+                </a:p>
+              </p:txBody>
+            </p:sp>
+          </p:grpSp>
+        </p:grpSp>
+      </p:grpSp>
+    </p:spTree>
+    <p:extLst>
+      <p:ext uri="{BB962C8B-B14F-4D97-AF65-F5344CB8AC3E}">
+        <p14:creationId xmlns:p14="http://schemas.microsoft.com/office/powerpoint/2010/main" val="2369704444"/>
       </p:ext>
     </p:extLst>
   </p:cSld>
@@ -13631,8 +16090,8 @@
         </p:nvSpPr>
         <p:spPr>
           <a:xfrm>
-            <a:off x="4187687" y="2983218"/>
-            <a:ext cx="906890" cy="2397165"/>
+            <a:off x="4063207" y="2975238"/>
+            <a:ext cx="1031370" cy="2405146"/>
           </a:xfrm>
           <a:prstGeom prst="arc">
             <a:avLst>
@@ -13956,7 +16415,7 @@
         </p:nvSpPr>
         <p:spPr>
           <a:xfrm>
-            <a:off x="4628062" y="2332851"/>
+            <a:off x="4489431" y="2374428"/>
             <a:ext cx="349776" cy="461665"/>
           </a:xfrm>
           <a:prstGeom prst="rect">
@@ -14164,6 +16623,160 @@
                 </a:solidFill>
               </a:rPr>
               <a:t>0</a:t>
+            </a:r>
+          </a:p>
+        </p:txBody>
+      </p:sp>
+      <p:cxnSp>
+        <p:nvCxnSpPr>
+          <p:cNvPr id="24" name="Straight Arrow Connector 23">
+            <a:extLst>
+              <a:ext uri="{FF2B5EF4-FFF2-40B4-BE49-F238E27FC236}">
+                <a16:creationId xmlns:a16="http://schemas.microsoft.com/office/drawing/2014/main" id="{AF8496F8-30EE-4BB8-9A44-D434DA04F17D}"/>
+              </a:ext>
+            </a:extLst>
+          </p:cNvPr>
+          <p:cNvCxnSpPr/>
+          <p:nvPr/>
+        </p:nvCxnSpPr>
+        <p:spPr>
+          <a:xfrm>
+            <a:off x="3162006" y="4491013"/>
+            <a:ext cx="4744278" cy="0"/>
+          </a:xfrm>
+          <a:prstGeom prst="straightConnector1">
+            <a:avLst/>
+          </a:prstGeom>
+          <a:ln w="28575">
+            <a:solidFill>
+              <a:schemeClr val="tx1"/>
+            </a:solidFill>
+            <a:tailEnd type="triangle"/>
+          </a:ln>
+        </p:spPr>
+        <p:style>
+          <a:lnRef idx="1">
+            <a:schemeClr val="accent1"/>
+          </a:lnRef>
+          <a:fillRef idx="0">
+            <a:schemeClr val="accent1"/>
+          </a:fillRef>
+          <a:effectRef idx="0">
+            <a:schemeClr val="accent1"/>
+          </a:effectRef>
+          <a:fontRef idx="minor">
+            <a:schemeClr val="tx1"/>
+          </a:fontRef>
+        </p:style>
+      </p:cxnSp>
+      <p:cxnSp>
+        <p:nvCxnSpPr>
+          <p:cNvPr id="25" name="Straight Arrow Connector 24">
+            <a:extLst>
+              <a:ext uri="{FF2B5EF4-FFF2-40B4-BE49-F238E27FC236}">
+                <a16:creationId xmlns:a16="http://schemas.microsoft.com/office/drawing/2014/main" id="{844107F1-F96D-4A9F-A165-6E2E3CB6D3B0}"/>
+              </a:ext>
+            </a:extLst>
+          </p:cNvPr>
+          <p:cNvCxnSpPr/>
+          <p:nvPr/>
+        </p:nvCxnSpPr>
+        <p:spPr>
+          <a:xfrm flipV="1">
+            <a:off x="3149964" y="909685"/>
+            <a:ext cx="0" cy="3538330"/>
+          </a:xfrm>
+          <a:prstGeom prst="straightConnector1">
+            <a:avLst/>
+          </a:prstGeom>
+          <a:ln w="28575">
+            <a:solidFill>
+              <a:schemeClr val="tx1"/>
+            </a:solidFill>
+            <a:tailEnd type="triangle"/>
+          </a:ln>
+        </p:spPr>
+        <p:style>
+          <a:lnRef idx="1">
+            <a:schemeClr val="accent1"/>
+          </a:lnRef>
+          <a:fillRef idx="0">
+            <a:schemeClr val="accent1"/>
+          </a:fillRef>
+          <a:effectRef idx="0">
+            <a:schemeClr val="accent1"/>
+          </a:effectRef>
+          <a:fontRef idx="minor">
+            <a:schemeClr val="tx1"/>
+          </a:fontRef>
+        </p:style>
+      </p:cxnSp>
+      <p:sp>
+        <p:nvSpPr>
+          <p:cNvPr id="26" name="TextBox 25">
+            <a:extLst>
+              <a:ext uri="{FF2B5EF4-FFF2-40B4-BE49-F238E27FC236}">
+                <a16:creationId xmlns:a16="http://schemas.microsoft.com/office/drawing/2014/main" id="{00F5D93B-E93F-499E-8731-F6DC121C00AD}"/>
+              </a:ext>
+            </a:extLst>
+          </p:cNvPr>
+          <p:cNvSpPr txBox="1"/>
+          <p:nvPr/>
+        </p:nvSpPr>
+        <p:spPr>
+          <a:xfrm>
+            <a:off x="2857060" y="810105"/>
+            <a:ext cx="288862" cy="369332"/>
+          </a:xfrm>
+          <a:prstGeom prst="rect">
+            <a:avLst/>
+          </a:prstGeom>
+          <a:noFill/>
+        </p:spPr>
+        <p:txBody>
+          <a:bodyPr wrap="none" rtlCol="0">
+            <a:spAutoFit/>
+          </a:bodyPr>
+          <a:lstStyle/>
+          <a:p>
+            <a:r>
+              <a:rPr lang="en-GB" dirty="0"/>
+              <a:t>y</a:t>
+            </a:r>
+          </a:p>
+        </p:txBody>
+      </p:sp>
+      <p:sp>
+        <p:nvSpPr>
+          <p:cNvPr id="27" name="TextBox 26">
+            <a:extLst>
+              <a:ext uri="{FF2B5EF4-FFF2-40B4-BE49-F238E27FC236}">
+                <a16:creationId xmlns:a16="http://schemas.microsoft.com/office/drawing/2014/main" id="{7A6D2DCC-39FE-4838-B7BA-58B9D7917899}"/>
+              </a:ext>
+            </a:extLst>
+          </p:cNvPr>
+          <p:cNvSpPr txBox="1"/>
+          <p:nvPr/>
+        </p:nvSpPr>
+        <p:spPr>
+          <a:xfrm>
+            <a:off x="7699990" y="4439477"/>
+            <a:ext cx="284052" cy="369332"/>
+          </a:xfrm>
+          <a:prstGeom prst="rect">
+            <a:avLst/>
+          </a:prstGeom>
+          <a:noFill/>
+        </p:spPr>
+        <p:txBody>
+          <a:bodyPr wrap="none" rtlCol="0">
+            <a:spAutoFit/>
+          </a:bodyPr>
+          <a:lstStyle/>
+          <a:p>
+            <a:r>
+              <a:rPr lang="en-GB" dirty="0"/>
+              <a:t>x</a:t>
             </a:r>
           </a:p>
         </p:txBody>
@@ -23433,7 +26046,7 @@
           <a:lstStyle/>
           <a:p>
             <a:r>
-              <a:rPr lang="en-GB" dirty="0">
+              <a:rPr lang="en-GB" dirty="0" err="1">
                 <a:solidFill>
                   <a:srgbClr val="002060"/>
                 </a:solidFill>
@@ -23441,7 +26054,7 @@
               <a:t>x</a:t>
             </a:r>
             <a:r>
-              <a:rPr lang="en-GB" baseline="-25000" dirty="0">
+              <a:rPr lang="en-GB" baseline="-25000" dirty="0" err="1">
                 <a:solidFill>
                   <a:srgbClr val="002060"/>
                 </a:solidFill>
@@ -23449,7 +26062,7 @@
               <a:t>d</a:t>
             </a:r>
             <a:r>
-              <a:rPr lang="en-GB" dirty="0">
+              <a:rPr lang="en-GB" dirty="0" err="1">
                 <a:solidFill>
                   <a:srgbClr val="002060"/>
                 </a:solidFill>
@@ -23457,13 +26070,18 @@
               <a:t>,y</a:t>
             </a:r>
             <a:r>
-              <a:rPr lang="en-GB" baseline="-25000" dirty="0">
+              <a:rPr lang="en-GB" baseline="-25000" dirty="0" err="1">
                 <a:solidFill>
                   <a:srgbClr val="002060"/>
                 </a:solidFill>
               </a:rPr>
               <a:t>d</a:t>
             </a:r>
+            <a:endParaRPr lang="en-GB" baseline="-25000" dirty="0">
+              <a:solidFill>
+                <a:srgbClr val="002060"/>
+              </a:solidFill>
+            </a:endParaRPr>
           </a:p>
         </p:txBody>
       </p:sp>

--- a/Modelling/MyPAM Modelling.pptx
+++ b/Modelling/MyPAM Modelling.pptx
@@ -24,6 +24,10 @@
     <p:sldId id="271" r:id="rId18"/>
     <p:sldId id="274" r:id="rId19"/>
     <p:sldId id="275" r:id="rId20"/>
+    <p:sldId id="276" r:id="rId21"/>
+    <p:sldId id="277" r:id="rId22"/>
+    <p:sldId id="278" r:id="rId23"/>
+    <p:sldId id="279" r:id="rId24"/>
   </p:sldIdLst>
   <p:sldSz cx="12192000" cy="6858000"/>
   <p:notesSz cx="6858000" cy="9144000"/>
@@ -279,7 +283,7 @@
           <a:p>
             <a:fld id="{4DCC3765-A771-4BBA-8135-6F2E689117A7}" type="datetimeFigureOut">
               <a:rPr lang="en-GB" smtClean="0"/>
-              <a:t>22/05/2019</a:t>
+              <a:t>23/05/2019</a:t>
             </a:fld>
             <a:endParaRPr lang="en-GB"/>
           </a:p>
@@ -479,7 +483,7 @@
           <a:p>
             <a:fld id="{4DCC3765-A771-4BBA-8135-6F2E689117A7}" type="datetimeFigureOut">
               <a:rPr lang="en-GB" smtClean="0"/>
-              <a:t>22/05/2019</a:t>
+              <a:t>23/05/2019</a:t>
             </a:fld>
             <a:endParaRPr lang="en-GB"/>
           </a:p>
@@ -689,7 +693,7 @@
           <a:p>
             <a:fld id="{4DCC3765-A771-4BBA-8135-6F2E689117A7}" type="datetimeFigureOut">
               <a:rPr lang="en-GB" smtClean="0"/>
-              <a:t>22/05/2019</a:t>
+              <a:t>23/05/2019</a:t>
             </a:fld>
             <a:endParaRPr lang="en-GB"/>
           </a:p>
@@ -889,7 +893,7 @@
           <a:p>
             <a:fld id="{4DCC3765-A771-4BBA-8135-6F2E689117A7}" type="datetimeFigureOut">
               <a:rPr lang="en-GB" smtClean="0"/>
-              <a:t>22/05/2019</a:t>
+              <a:t>23/05/2019</a:t>
             </a:fld>
             <a:endParaRPr lang="en-GB"/>
           </a:p>
@@ -1165,7 +1169,7 @@
           <a:p>
             <a:fld id="{4DCC3765-A771-4BBA-8135-6F2E689117A7}" type="datetimeFigureOut">
               <a:rPr lang="en-GB" smtClean="0"/>
-              <a:t>22/05/2019</a:t>
+              <a:t>23/05/2019</a:t>
             </a:fld>
             <a:endParaRPr lang="en-GB"/>
           </a:p>
@@ -1433,7 +1437,7 @@
           <a:p>
             <a:fld id="{4DCC3765-A771-4BBA-8135-6F2E689117A7}" type="datetimeFigureOut">
               <a:rPr lang="en-GB" smtClean="0"/>
-              <a:t>22/05/2019</a:t>
+              <a:t>23/05/2019</a:t>
             </a:fld>
             <a:endParaRPr lang="en-GB"/>
           </a:p>
@@ -1848,7 +1852,7 @@
           <a:p>
             <a:fld id="{4DCC3765-A771-4BBA-8135-6F2E689117A7}" type="datetimeFigureOut">
               <a:rPr lang="en-GB" smtClean="0"/>
-              <a:t>22/05/2019</a:t>
+              <a:t>23/05/2019</a:t>
             </a:fld>
             <a:endParaRPr lang="en-GB"/>
           </a:p>
@@ -1990,7 +1994,7 @@
           <a:p>
             <a:fld id="{4DCC3765-A771-4BBA-8135-6F2E689117A7}" type="datetimeFigureOut">
               <a:rPr lang="en-GB" smtClean="0"/>
-              <a:t>22/05/2019</a:t>
+              <a:t>23/05/2019</a:t>
             </a:fld>
             <a:endParaRPr lang="en-GB"/>
           </a:p>
@@ -2103,7 +2107,7 @@
           <a:p>
             <a:fld id="{4DCC3765-A771-4BBA-8135-6F2E689117A7}" type="datetimeFigureOut">
               <a:rPr lang="en-GB" smtClean="0"/>
-              <a:t>22/05/2019</a:t>
+              <a:t>23/05/2019</a:t>
             </a:fld>
             <a:endParaRPr lang="en-GB"/>
           </a:p>
@@ -2416,7 +2420,7 @@
           <a:p>
             <a:fld id="{4DCC3765-A771-4BBA-8135-6F2E689117A7}" type="datetimeFigureOut">
               <a:rPr lang="en-GB" smtClean="0"/>
-              <a:t>22/05/2019</a:t>
+              <a:t>23/05/2019</a:t>
             </a:fld>
             <a:endParaRPr lang="en-GB"/>
           </a:p>
@@ -2705,7 +2709,7 @@
           <a:p>
             <a:fld id="{4DCC3765-A771-4BBA-8135-6F2E689117A7}" type="datetimeFigureOut">
               <a:rPr lang="en-GB" smtClean="0"/>
-              <a:t>22/05/2019</a:t>
+              <a:t>23/05/2019</a:t>
             </a:fld>
             <a:endParaRPr lang="en-GB"/>
           </a:p>
@@ -2948,7 +2952,7 @@
           <a:p>
             <a:fld id="{4DCC3765-A771-4BBA-8135-6F2E689117A7}" type="datetimeFigureOut">
               <a:rPr lang="en-GB" smtClean="0"/>
-              <a:t>22/05/2019</a:t>
+              <a:t>23/05/2019</a:t>
             </a:fld>
             <a:endParaRPr lang="en-GB"/>
           </a:p>
@@ -16785,6 +16789,6066 @@
     <p:extLst>
       <p:ext uri="{BB962C8B-B14F-4D97-AF65-F5344CB8AC3E}">
         <p14:creationId xmlns:p14="http://schemas.microsoft.com/office/powerpoint/2010/main" val="755492241"/>
+      </p:ext>
+    </p:extLst>
+  </p:cSld>
+  <p:clrMapOvr>
+    <a:masterClrMapping/>
+  </p:clrMapOvr>
+</p:sld>
+</file>
+
+<file path=ppt/slides/slide20.xml><?xml version="1.0" encoding="utf-8"?>
+<p:sld xmlns:a="http://schemas.openxmlformats.org/drawingml/2006/main" xmlns:r="http://schemas.openxmlformats.org/officeDocument/2006/relationships" xmlns:p="http://schemas.openxmlformats.org/presentationml/2006/main">
+  <p:cSld>
+    <p:spTree>
+      <p:nvGrpSpPr>
+        <p:cNvPr id="1" name=""/>
+        <p:cNvGrpSpPr/>
+        <p:nvPr/>
+      </p:nvGrpSpPr>
+      <p:grpSpPr>
+        <a:xfrm>
+          <a:off x="0" y="0"/>
+          <a:ext cx="0" cy="0"/>
+          <a:chOff x="0" y="0"/>
+          <a:chExt cx="0" cy="0"/>
+        </a:xfrm>
+      </p:grpSpPr>
+      <p:sp>
+        <p:nvSpPr>
+          <p:cNvPr id="4" name="Rectangle 3">
+            <a:extLst>
+              <a:ext uri="{FF2B5EF4-FFF2-40B4-BE49-F238E27FC236}">
+                <a16:creationId xmlns:a16="http://schemas.microsoft.com/office/drawing/2014/main" id="{4438F76C-3C49-4622-9AA6-8CBB72A709C2}"/>
+              </a:ext>
+            </a:extLst>
+          </p:cNvPr>
+          <p:cNvSpPr/>
+          <p:nvPr/>
+        </p:nvSpPr>
+        <p:spPr>
+          <a:xfrm>
+            <a:off x="2875722" y="1895060"/>
+            <a:ext cx="1961321" cy="384313"/>
+          </a:xfrm>
+          <a:prstGeom prst="rect">
+            <a:avLst/>
+          </a:prstGeom>
+          <a:solidFill>
+            <a:schemeClr val="tx2">
+              <a:lumMod val="40000"/>
+              <a:lumOff val="60000"/>
+            </a:schemeClr>
+          </a:solidFill>
+          <a:ln w="28575">
+            <a:solidFill>
+              <a:schemeClr val="tx1"/>
+            </a:solidFill>
+          </a:ln>
+        </p:spPr>
+        <p:style>
+          <a:lnRef idx="2">
+            <a:schemeClr val="accent1">
+              <a:shade val="50000"/>
+            </a:schemeClr>
+          </a:lnRef>
+          <a:fillRef idx="1">
+            <a:schemeClr val="accent1"/>
+          </a:fillRef>
+          <a:effectRef idx="0">
+            <a:schemeClr val="accent1"/>
+          </a:effectRef>
+          <a:fontRef idx="minor">
+            <a:schemeClr val="lt1"/>
+          </a:fontRef>
+        </p:style>
+        <p:txBody>
+          <a:bodyPr rtlCol="0" anchor="ctr"/>
+          <a:lstStyle/>
+          <a:p>
+            <a:pPr algn="ctr"/>
+            <a:r>
+              <a:rPr lang="en-GB" sz="2400" dirty="0">
+                <a:solidFill>
+                  <a:schemeClr val="tx1"/>
+                </a:solidFill>
+              </a:rPr>
+              <a:t>10 bits</a:t>
+            </a:r>
+          </a:p>
+        </p:txBody>
+      </p:sp>
+      <p:sp>
+        <p:nvSpPr>
+          <p:cNvPr id="5" name="Rectangle 4">
+            <a:extLst>
+              <a:ext uri="{FF2B5EF4-FFF2-40B4-BE49-F238E27FC236}">
+                <a16:creationId xmlns:a16="http://schemas.microsoft.com/office/drawing/2014/main" id="{DD309718-223A-40FB-8CDB-A953A6D26B1D}"/>
+              </a:ext>
+            </a:extLst>
+          </p:cNvPr>
+          <p:cNvSpPr/>
+          <p:nvPr/>
+        </p:nvSpPr>
+        <p:spPr>
+          <a:xfrm>
+            <a:off x="4837043" y="1895060"/>
+            <a:ext cx="1961321" cy="384313"/>
+          </a:xfrm>
+          <a:prstGeom prst="rect">
+            <a:avLst/>
+          </a:prstGeom>
+          <a:solidFill>
+            <a:schemeClr val="tx2">
+              <a:lumMod val="40000"/>
+              <a:lumOff val="60000"/>
+            </a:schemeClr>
+          </a:solidFill>
+          <a:ln w="28575">
+            <a:solidFill>
+              <a:schemeClr val="tx1"/>
+            </a:solidFill>
+          </a:ln>
+        </p:spPr>
+        <p:style>
+          <a:lnRef idx="2">
+            <a:schemeClr val="accent1">
+              <a:shade val="50000"/>
+            </a:schemeClr>
+          </a:lnRef>
+          <a:fillRef idx="1">
+            <a:schemeClr val="accent1"/>
+          </a:fillRef>
+          <a:effectRef idx="0">
+            <a:schemeClr val="accent1"/>
+          </a:effectRef>
+          <a:fontRef idx="minor">
+            <a:schemeClr val="lt1"/>
+          </a:fontRef>
+        </p:style>
+        <p:txBody>
+          <a:bodyPr rtlCol="0" anchor="ctr"/>
+          <a:lstStyle/>
+          <a:p>
+            <a:pPr algn="ctr"/>
+            <a:r>
+              <a:rPr lang="en-GB" sz="2400" dirty="0">
+                <a:solidFill>
+                  <a:schemeClr val="tx1"/>
+                </a:solidFill>
+              </a:rPr>
+              <a:t>10 bits</a:t>
+            </a:r>
+          </a:p>
+        </p:txBody>
+      </p:sp>
+      <p:sp>
+        <p:nvSpPr>
+          <p:cNvPr id="6" name="Rectangle 5">
+            <a:extLst>
+              <a:ext uri="{FF2B5EF4-FFF2-40B4-BE49-F238E27FC236}">
+                <a16:creationId xmlns:a16="http://schemas.microsoft.com/office/drawing/2014/main" id="{45A0E885-FA14-4F48-8D03-FFA21B71DA30}"/>
+              </a:ext>
+            </a:extLst>
+          </p:cNvPr>
+          <p:cNvSpPr/>
+          <p:nvPr/>
+        </p:nvSpPr>
+        <p:spPr>
+          <a:xfrm>
+            <a:off x="6798364" y="1895060"/>
+            <a:ext cx="1961321" cy="384313"/>
+          </a:xfrm>
+          <a:prstGeom prst="rect">
+            <a:avLst/>
+          </a:prstGeom>
+          <a:solidFill>
+            <a:schemeClr val="tx2">
+              <a:lumMod val="40000"/>
+              <a:lumOff val="60000"/>
+            </a:schemeClr>
+          </a:solidFill>
+          <a:ln w="28575">
+            <a:solidFill>
+              <a:schemeClr val="tx1"/>
+            </a:solidFill>
+          </a:ln>
+        </p:spPr>
+        <p:style>
+          <a:lnRef idx="2">
+            <a:schemeClr val="accent1">
+              <a:shade val="50000"/>
+            </a:schemeClr>
+          </a:lnRef>
+          <a:fillRef idx="1">
+            <a:schemeClr val="accent1"/>
+          </a:fillRef>
+          <a:effectRef idx="0">
+            <a:schemeClr val="accent1"/>
+          </a:effectRef>
+          <a:fontRef idx="minor">
+            <a:schemeClr val="lt1"/>
+          </a:fontRef>
+        </p:style>
+        <p:txBody>
+          <a:bodyPr rtlCol="0" anchor="ctr"/>
+          <a:lstStyle/>
+          <a:p>
+            <a:pPr algn="ctr"/>
+            <a:r>
+              <a:rPr lang="en-GB" sz="2400" dirty="0">
+                <a:solidFill>
+                  <a:schemeClr val="tx1"/>
+                </a:solidFill>
+              </a:rPr>
+              <a:t>10 bits</a:t>
+            </a:r>
+          </a:p>
+        </p:txBody>
+      </p:sp>
+      <p:sp>
+        <p:nvSpPr>
+          <p:cNvPr id="7" name="Rectangle 6">
+            <a:extLst>
+              <a:ext uri="{FF2B5EF4-FFF2-40B4-BE49-F238E27FC236}">
+                <a16:creationId xmlns:a16="http://schemas.microsoft.com/office/drawing/2014/main" id="{8B9314E3-B8C2-461D-B48B-0FFDFBAEFA15}"/>
+              </a:ext>
+            </a:extLst>
+          </p:cNvPr>
+          <p:cNvSpPr/>
+          <p:nvPr/>
+        </p:nvSpPr>
+        <p:spPr>
+          <a:xfrm>
+            <a:off x="8759685" y="1895060"/>
+            <a:ext cx="1961321" cy="384313"/>
+          </a:xfrm>
+          <a:prstGeom prst="rect">
+            <a:avLst/>
+          </a:prstGeom>
+          <a:solidFill>
+            <a:schemeClr val="tx2">
+              <a:lumMod val="40000"/>
+              <a:lumOff val="60000"/>
+            </a:schemeClr>
+          </a:solidFill>
+          <a:ln w="28575">
+            <a:solidFill>
+              <a:schemeClr val="tx1"/>
+            </a:solidFill>
+          </a:ln>
+        </p:spPr>
+        <p:style>
+          <a:lnRef idx="2">
+            <a:schemeClr val="accent1">
+              <a:shade val="50000"/>
+            </a:schemeClr>
+          </a:lnRef>
+          <a:fillRef idx="1">
+            <a:schemeClr val="accent1"/>
+          </a:fillRef>
+          <a:effectRef idx="0">
+            <a:schemeClr val="accent1"/>
+          </a:effectRef>
+          <a:fontRef idx="minor">
+            <a:schemeClr val="lt1"/>
+          </a:fontRef>
+        </p:style>
+        <p:txBody>
+          <a:bodyPr rtlCol="0" anchor="ctr"/>
+          <a:lstStyle/>
+          <a:p>
+            <a:pPr algn="ctr"/>
+            <a:r>
+              <a:rPr lang="en-GB" sz="2400" dirty="0">
+                <a:solidFill>
+                  <a:schemeClr val="tx1"/>
+                </a:solidFill>
+              </a:rPr>
+              <a:t>10 bits</a:t>
+            </a:r>
+          </a:p>
+        </p:txBody>
+      </p:sp>
+      <p:sp>
+        <p:nvSpPr>
+          <p:cNvPr id="8" name="Rectangle 7">
+            <a:extLst>
+              <a:ext uri="{FF2B5EF4-FFF2-40B4-BE49-F238E27FC236}">
+                <a16:creationId xmlns:a16="http://schemas.microsoft.com/office/drawing/2014/main" id="{37DCAE4B-A8A4-4B9E-94DC-214307679D50}"/>
+              </a:ext>
+            </a:extLst>
+          </p:cNvPr>
+          <p:cNvSpPr/>
+          <p:nvPr/>
+        </p:nvSpPr>
+        <p:spPr>
+          <a:xfrm>
+            <a:off x="1709530" y="1895060"/>
+            <a:ext cx="1166192" cy="384313"/>
+          </a:xfrm>
+          <a:prstGeom prst="rect">
+            <a:avLst/>
+          </a:prstGeom>
+          <a:solidFill>
+            <a:schemeClr val="accent3">
+              <a:lumMod val="20000"/>
+              <a:lumOff val="80000"/>
+            </a:schemeClr>
+          </a:solidFill>
+          <a:ln w="28575">
+            <a:solidFill>
+              <a:schemeClr val="tx1"/>
+            </a:solidFill>
+          </a:ln>
+        </p:spPr>
+        <p:style>
+          <a:lnRef idx="2">
+            <a:schemeClr val="accent1">
+              <a:shade val="50000"/>
+            </a:schemeClr>
+          </a:lnRef>
+          <a:fillRef idx="1">
+            <a:schemeClr val="accent1"/>
+          </a:fillRef>
+          <a:effectRef idx="0">
+            <a:schemeClr val="accent1"/>
+          </a:effectRef>
+          <a:fontRef idx="minor">
+            <a:schemeClr val="lt1"/>
+          </a:fontRef>
+        </p:style>
+        <p:txBody>
+          <a:bodyPr rtlCol="0" anchor="ctr"/>
+          <a:lstStyle/>
+          <a:p>
+            <a:pPr algn="ctr"/>
+            <a:r>
+              <a:rPr lang="en-GB" sz="2400" dirty="0">
+                <a:solidFill>
+                  <a:schemeClr val="tx1"/>
+                </a:solidFill>
+              </a:rPr>
+              <a:t>6 bits</a:t>
+            </a:r>
+          </a:p>
+        </p:txBody>
+      </p:sp>
+      <p:sp>
+        <p:nvSpPr>
+          <p:cNvPr id="10" name="TextBox 9">
+            <a:extLst>
+              <a:ext uri="{FF2B5EF4-FFF2-40B4-BE49-F238E27FC236}">
+                <a16:creationId xmlns:a16="http://schemas.microsoft.com/office/drawing/2014/main" id="{B1123412-4E9B-418C-BD07-91DCB883654E}"/>
+              </a:ext>
+            </a:extLst>
+          </p:cNvPr>
+          <p:cNvSpPr txBox="1"/>
+          <p:nvPr/>
+        </p:nvSpPr>
+        <p:spPr>
+          <a:xfrm>
+            <a:off x="1709530" y="2372139"/>
+            <a:ext cx="1166192" cy="830997"/>
+          </a:xfrm>
+          <a:prstGeom prst="rect">
+            <a:avLst/>
+          </a:prstGeom>
+          <a:noFill/>
+        </p:spPr>
+        <p:txBody>
+          <a:bodyPr wrap="square" rtlCol="0">
+            <a:spAutoFit/>
+          </a:bodyPr>
+          <a:lstStyle/>
+          <a:p>
+            <a:pPr algn="ctr"/>
+            <a:r>
+              <a:rPr lang="en-GB" sz="2400" i="1" dirty="0">
+                <a:solidFill>
+                  <a:srgbClr val="002060"/>
+                </a:solidFill>
+              </a:rPr>
+              <a:t>Start Frame</a:t>
+            </a:r>
+          </a:p>
+        </p:txBody>
+      </p:sp>
+      <p:sp>
+        <p:nvSpPr>
+          <p:cNvPr id="11" name="TextBox 10">
+            <a:extLst>
+              <a:ext uri="{FF2B5EF4-FFF2-40B4-BE49-F238E27FC236}">
+                <a16:creationId xmlns:a16="http://schemas.microsoft.com/office/drawing/2014/main" id="{6953A490-A62D-4420-95B9-973301AEDF28}"/>
+              </a:ext>
+            </a:extLst>
+          </p:cNvPr>
+          <p:cNvSpPr txBox="1"/>
+          <p:nvPr/>
+        </p:nvSpPr>
+        <p:spPr>
+          <a:xfrm>
+            <a:off x="3008243" y="2372140"/>
+            <a:ext cx="1696278" cy="830997"/>
+          </a:xfrm>
+          <a:prstGeom prst="rect">
+            <a:avLst/>
+          </a:prstGeom>
+          <a:noFill/>
+        </p:spPr>
+        <p:txBody>
+          <a:bodyPr wrap="square" rtlCol="0">
+            <a:spAutoFit/>
+          </a:bodyPr>
+          <a:lstStyle/>
+          <a:p>
+            <a:pPr algn="ctr"/>
+            <a:r>
+              <a:rPr lang="en-GB" sz="2400" i="1" dirty="0">
+                <a:solidFill>
+                  <a:srgbClr val="002060"/>
+                </a:solidFill>
+              </a:rPr>
+              <a:t>Sensor 1 Data</a:t>
+            </a:r>
+          </a:p>
+        </p:txBody>
+      </p:sp>
+      <p:sp>
+        <p:nvSpPr>
+          <p:cNvPr id="12" name="TextBox 11">
+            <a:extLst>
+              <a:ext uri="{FF2B5EF4-FFF2-40B4-BE49-F238E27FC236}">
+                <a16:creationId xmlns:a16="http://schemas.microsoft.com/office/drawing/2014/main" id="{336720CA-B93B-4D93-8F02-5886FD7FCFE0}"/>
+              </a:ext>
+            </a:extLst>
+          </p:cNvPr>
+          <p:cNvSpPr txBox="1"/>
+          <p:nvPr/>
+        </p:nvSpPr>
+        <p:spPr>
+          <a:xfrm>
+            <a:off x="5029198" y="2372140"/>
+            <a:ext cx="1577009" cy="830997"/>
+          </a:xfrm>
+          <a:prstGeom prst="rect">
+            <a:avLst/>
+          </a:prstGeom>
+          <a:noFill/>
+        </p:spPr>
+        <p:txBody>
+          <a:bodyPr wrap="square" rtlCol="0">
+            <a:spAutoFit/>
+          </a:bodyPr>
+          <a:lstStyle/>
+          <a:p>
+            <a:pPr algn="ctr"/>
+            <a:r>
+              <a:rPr lang="en-GB" sz="2400" i="1" dirty="0">
+                <a:solidFill>
+                  <a:srgbClr val="002060"/>
+                </a:solidFill>
+              </a:rPr>
+              <a:t>Sensor 2 Data</a:t>
+            </a:r>
+          </a:p>
+        </p:txBody>
+      </p:sp>
+      <p:sp>
+        <p:nvSpPr>
+          <p:cNvPr id="13" name="TextBox 12">
+            <a:extLst>
+              <a:ext uri="{FF2B5EF4-FFF2-40B4-BE49-F238E27FC236}">
+                <a16:creationId xmlns:a16="http://schemas.microsoft.com/office/drawing/2014/main" id="{CA352AF6-D925-4311-BEFF-1D345F68B67F}"/>
+              </a:ext>
+            </a:extLst>
+          </p:cNvPr>
+          <p:cNvSpPr txBox="1"/>
+          <p:nvPr/>
+        </p:nvSpPr>
+        <p:spPr>
+          <a:xfrm>
+            <a:off x="7195929" y="2372140"/>
+            <a:ext cx="1166189" cy="830997"/>
+          </a:xfrm>
+          <a:prstGeom prst="rect">
+            <a:avLst/>
+          </a:prstGeom>
+          <a:noFill/>
+        </p:spPr>
+        <p:txBody>
+          <a:bodyPr wrap="square" rtlCol="0">
+            <a:spAutoFit/>
+          </a:bodyPr>
+          <a:lstStyle/>
+          <a:p>
+            <a:pPr algn="ctr"/>
+            <a:r>
+              <a:rPr lang="en-GB" sz="2400" i="1" dirty="0">
+                <a:solidFill>
+                  <a:srgbClr val="002060"/>
+                </a:solidFill>
+              </a:rPr>
+              <a:t>Sensor 3 Data</a:t>
+            </a:r>
+          </a:p>
+        </p:txBody>
+      </p:sp>
+      <p:sp>
+        <p:nvSpPr>
+          <p:cNvPr id="14" name="TextBox 13">
+            <a:extLst>
+              <a:ext uri="{FF2B5EF4-FFF2-40B4-BE49-F238E27FC236}">
+                <a16:creationId xmlns:a16="http://schemas.microsoft.com/office/drawing/2014/main" id="{F1216031-A6A7-4E1D-AE40-60E6F204F502}"/>
+              </a:ext>
+            </a:extLst>
+          </p:cNvPr>
+          <p:cNvSpPr txBox="1"/>
+          <p:nvPr/>
+        </p:nvSpPr>
+        <p:spPr>
+          <a:xfrm>
+            <a:off x="9157249" y="2372137"/>
+            <a:ext cx="1166192" cy="830997"/>
+          </a:xfrm>
+          <a:prstGeom prst="rect">
+            <a:avLst/>
+          </a:prstGeom>
+          <a:noFill/>
+        </p:spPr>
+        <p:txBody>
+          <a:bodyPr wrap="square" rtlCol="0">
+            <a:spAutoFit/>
+          </a:bodyPr>
+          <a:lstStyle/>
+          <a:p>
+            <a:pPr algn="ctr"/>
+            <a:r>
+              <a:rPr lang="en-GB" sz="2400" i="1" dirty="0">
+                <a:solidFill>
+                  <a:srgbClr val="002060"/>
+                </a:solidFill>
+              </a:rPr>
+              <a:t>Sensor 4 Data</a:t>
+            </a:r>
+          </a:p>
+        </p:txBody>
+      </p:sp>
+    </p:spTree>
+    <p:extLst>
+      <p:ext uri="{BB962C8B-B14F-4D97-AF65-F5344CB8AC3E}">
+        <p14:creationId xmlns:p14="http://schemas.microsoft.com/office/powerpoint/2010/main" val="859948592"/>
+      </p:ext>
+    </p:extLst>
+  </p:cSld>
+  <p:clrMapOvr>
+    <a:masterClrMapping/>
+  </p:clrMapOvr>
+</p:sld>
+</file>
+
+<file path=ppt/slides/slide21.xml><?xml version="1.0" encoding="utf-8"?>
+<p:sld xmlns:a="http://schemas.openxmlformats.org/drawingml/2006/main" xmlns:r="http://schemas.openxmlformats.org/officeDocument/2006/relationships" xmlns:p="http://schemas.openxmlformats.org/presentationml/2006/main">
+  <p:cSld>
+    <p:spTree>
+      <p:nvGrpSpPr>
+        <p:cNvPr id="1" name=""/>
+        <p:cNvGrpSpPr/>
+        <p:nvPr/>
+      </p:nvGrpSpPr>
+      <p:grpSpPr>
+        <a:xfrm>
+          <a:off x="0" y="0"/>
+          <a:ext cx="0" cy="0"/>
+          <a:chOff x="0" y="0"/>
+          <a:chExt cx="0" cy="0"/>
+        </a:xfrm>
+      </p:grpSpPr>
+      <p:sp>
+        <p:nvSpPr>
+          <p:cNvPr id="4" name="Rectangle 3">
+            <a:extLst>
+              <a:ext uri="{FF2B5EF4-FFF2-40B4-BE49-F238E27FC236}">
+                <a16:creationId xmlns:a16="http://schemas.microsoft.com/office/drawing/2014/main" id="{4C8F418E-D037-4F71-934F-B1C2AD2DA887}"/>
+              </a:ext>
+            </a:extLst>
+          </p:cNvPr>
+          <p:cNvSpPr/>
+          <p:nvPr/>
+        </p:nvSpPr>
+        <p:spPr>
+          <a:xfrm>
+            <a:off x="887896" y="2347775"/>
+            <a:ext cx="2266122" cy="596348"/>
+          </a:xfrm>
+          <a:prstGeom prst="rect">
+            <a:avLst/>
+          </a:prstGeom>
+          <a:solidFill>
+            <a:schemeClr val="tx2">
+              <a:lumMod val="40000"/>
+              <a:lumOff val="60000"/>
+            </a:schemeClr>
+          </a:solidFill>
+          <a:ln w="28575">
+            <a:solidFill>
+              <a:schemeClr val="tx1"/>
+            </a:solidFill>
+          </a:ln>
+        </p:spPr>
+        <p:style>
+          <a:lnRef idx="2">
+            <a:schemeClr val="accent1">
+              <a:shade val="50000"/>
+            </a:schemeClr>
+          </a:lnRef>
+          <a:fillRef idx="1">
+            <a:schemeClr val="accent1"/>
+          </a:fillRef>
+          <a:effectRef idx="0">
+            <a:schemeClr val="accent1"/>
+          </a:effectRef>
+          <a:fontRef idx="minor">
+            <a:schemeClr val="lt1"/>
+          </a:fontRef>
+        </p:style>
+        <p:txBody>
+          <a:bodyPr rtlCol="0" anchor="ctr"/>
+          <a:lstStyle/>
+          <a:p>
+            <a:pPr algn="ctr"/>
+            <a:r>
+              <a:rPr lang="en-GB" sz="2000" dirty="0">
+                <a:solidFill>
+                  <a:schemeClr val="tx1"/>
+                </a:solidFill>
+              </a:rPr>
+              <a:t>myRIO</a:t>
+            </a:r>
+          </a:p>
+        </p:txBody>
+      </p:sp>
+      <p:sp>
+        <p:nvSpPr>
+          <p:cNvPr id="5" name="Rectangle 4">
+            <a:extLst>
+              <a:ext uri="{FF2B5EF4-FFF2-40B4-BE49-F238E27FC236}">
+                <a16:creationId xmlns:a16="http://schemas.microsoft.com/office/drawing/2014/main" id="{0BEDB97D-A724-4220-B8A9-3296BAC8E502}"/>
+              </a:ext>
+            </a:extLst>
+          </p:cNvPr>
+          <p:cNvSpPr/>
+          <p:nvPr/>
+        </p:nvSpPr>
+        <p:spPr>
+          <a:xfrm>
+            <a:off x="4558748" y="2347296"/>
+            <a:ext cx="2266122" cy="596348"/>
+          </a:xfrm>
+          <a:prstGeom prst="rect">
+            <a:avLst/>
+          </a:prstGeom>
+          <a:solidFill>
+            <a:schemeClr val="tx2">
+              <a:lumMod val="40000"/>
+              <a:lumOff val="60000"/>
+            </a:schemeClr>
+          </a:solidFill>
+          <a:ln w="28575">
+            <a:solidFill>
+              <a:schemeClr val="tx1"/>
+            </a:solidFill>
+          </a:ln>
+        </p:spPr>
+        <p:style>
+          <a:lnRef idx="2">
+            <a:schemeClr val="accent1">
+              <a:shade val="50000"/>
+            </a:schemeClr>
+          </a:lnRef>
+          <a:fillRef idx="1">
+            <a:schemeClr val="accent1"/>
+          </a:fillRef>
+          <a:effectRef idx="0">
+            <a:schemeClr val="accent1"/>
+          </a:effectRef>
+          <a:fontRef idx="minor">
+            <a:schemeClr val="lt1"/>
+          </a:fontRef>
+        </p:style>
+        <p:txBody>
+          <a:bodyPr rtlCol="0" anchor="ctr"/>
+          <a:lstStyle/>
+          <a:p>
+            <a:pPr algn="ctr"/>
+            <a:r>
+              <a:rPr lang="en-GB" sz="2000" dirty="0">
+                <a:solidFill>
+                  <a:schemeClr val="tx1"/>
+                </a:solidFill>
+              </a:rPr>
+              <a:t>Arduino</a:t>
+            </a:r>
+          </a:p>
+        </p:txBody>
+      </p:sp>
+      <p:sp>
+        <p:nvSpPr>
+          <p:cNvPr id="6" name="Rectangle 5">
+            <a:extLst>
+              <a:ext uri="{FF2B5EF4-FFF2-40B4-BE49-F238E27FC236}">
+                <a16:creationId xmlns:a16="http://schemas.microsoft.com/office/drawing/2014/main" id="{A8B1D54F-FF82-4211-8764-CDE49F3A5958}"/>
+              </a:ext>
+            </a:extLst>
+          </p:cNvPr>
+          <p:cNvSpPr/>
+          <p:nvPr/>
+        </p:nvSpPr>
+        <p:spPr>
+          <a:xfrm>
+            <a:off x="887896" y="2941988"/>
+            <a:ext cx="2266122" cy="2146847"/>
+          </a:xfrm>
+          <a:prstGeom prst="rect">
+            <a:avLst/>
+          </a:prstGeom>
+          <a:solidFill>
+            <a:schemeClr val="bg2"/>
+          </a:solidFill>
+          <a:ln w="28575">
+            <a:solidFill>
+              <a:schemeClr val="tx1"/>
+            </a:solidFill>
+          </a:ln>
+        </p:spPr>
+        <p:style>
+          <a:lnRef idx="2">
+            <a:schemeClr val="accent1">
+              <a:shade val="50000"/>
+            </a:schemeClr>
+          </a:lnRef>
+          <a:fillRef idx="1">
+            <a:schemeClr val="accent1"/>
+          </a:fillRef>
+          <a:effectRef idx="0">
+            <a:schemeClr val="accent1"/>
+          </a:effectRef>
+          <a:fontRef idx="minor">
+            <a:schemeClr val="lt1"/>
+          </a:fontRef>
+        </p:style>
+        <p:txBody>
+          <a:bodyPr rtlCol="0" anchor="ctr"/>
+          <a:lstStyle/>
+          <a:p>
+            <a:pPr algn="ctr"/>
+            <a:r>
+              <a:rPr lang="en-GB" sz="2000" dirty="0">
+                <a:solidFill>
+                  <a:schemeClr val="tx1"/>
+                </a:solidFill>
+              </a:rPr>
+              <a:t>serialTxRx()</a:t>
+            </a:r>
+          </a:p>
+          <a:p>
+            <a:pPr algn="ctr"/>
+            <a:r>
+              <a:rPr lang="en-GB" sz="2000" dirty="0">
+                <a:solidFill>
+                  <a:schemeClr val="tx1"/>
+                </a:solidFill>
+              </a:rPr>
+              <a:t>checkFrame()</a:t>
+            </a:r>
+          </a:p>
+          <a:p>
+            <a:pPr algn="ctr"/>
+            <a:r>
+              <a:rPr lang="en-GB" sz="2000" dirty="0">
+                <a:solidFill>
+                  <a:schemeClr val="tx1"/>
+                </a:solidFill>
+              </a:rPr>
+              <a:t>disassembleFrame()</a:t>
+            </a:r>
+          </a:p>
+          <a:p>
+            <a:pPr algn="ctr"/>
+            <a:r>
+              <a:rPr lang="en-GB" sz="2000" dirty="0">
+                <a:solidFill>
+                  <a:schemeClr val="tx1"/>
+                </a:solidFill>
+              </a:rPr>
+              <a:t>checkData()</a:t>
+            </a:r>
+          </a:p>
+          <a:p>
+            <a:pPr algn="ctr"/>
+            <a:r>
+              <a:rPr lang="en-GB" sz="2000" dirty="0">
+                <a:solidFill>
+                  <a:schemeClr val="tx1"/>
+                </a:solidFill>
+              </a:rPr>
+              <a:t>fwdNN()</a:t>
+            </a:r>
+          </a:p>
+        </p:txBody>
+      </p:sp>
+      <p:sp>
+        <p:nvSpPr>
+          <p:cNvPr id="7" name="Rectangle 6">
+            <a:extLst>
+              <a:ext uri="{FF2B5EF4-FFF2-40B4-BE49-F238E27FC236}">
+                <a16:creationId xmlns:a16="http://schemas.microsoft.com/office/drawing/2014/main" id="{B9873AF0-11C9-4168-89B5-CD65DC613BE7}"/>
+              </a:ext>
+            </a:extLst>
+          </p:cNvPr>
+          <p:cNvSpPr/>
+          <p:nvPr/>
+        </p:nvSpPr>
+        <p:spPr>
+          <a:xfrm>
+            <a:off x="4558748" y="2941988"/>
+            <a:ext cx="2266122" cy="2146847"/>
+          </a:xfrm>
+          <a:prstGeom prst="rect">
+            <a:avLst/>
+          </a:prstGeom>
+          <a:solidFill>
+            <a:schemeClr val="bg2"/>
+          </a:solidFill>
+          <a:ln w="28575">
+            <a:solidFill>
+              <a:schemeClr val="tx1"/>
+            </a:solidFill>
+          </a:ln>
+        </p:spPr>
+        <p:style>
+          <a:lnRef idx="2">
+            <a:schemeClr val="accent1">
+              <a:shade val="50000"/>
+            </a:schemeClr>
+          </a:lnRef>
+          <a:fillRef idx="1">
+            <a:schemeClr val="accent1"/>
+          </a:fillRef>
+          <a:effectRef idx="0">
+            <a:schemeClr val="accent1"/>
+          </a:effectRef>
+          <a:fontRef idx="minor">
+            <a:schemeClr val="lt1"/>
+          </a:fontRef>
+        </p:style>
+        <p:txBody>
+          <a:bodyPr rtlCol="0" anchor="ctr"/>
+          <a:lstStyle/>
+          <a:p>
+            <a:pPr algn="ctr"/>
+            <a:r>
+              <a:rPr lang="en-GB" sz="2000" dirty="0">
+                <a:solidFill>
+                  <a:schemeClr val="tx1"/>
+                </a:solidFill>
+              </a:rPr>
+              <a:t>readSensors()</a:t>
+            </a:r>
+          </a:p>
+          <a:p>
+            <a:pPr algn="ctr"/>
+            <a:r>
+              <a:rPr lang="en-GB" sz="2000" dirty="0">
+                <a:solidFill>
+                  <a:schemeClr val="tx1"/>
+                </a:solidFill>
+              </a:rPr>
+              <a:t>filter()</a:t>
+            </a:r>
+          </a:p>
+          <a:p>
+            <a:pPr algn="ctr"/>
+            <a:r>
+              <a:rPr lang="en-GB" sz="2000" dirty="0">
+                <a:solidFill>
+                  <a:schemeClr val="tx1"/>
+                </a:solidFill>
+              </a:rPr>
+              <a:t>buildFrame()</a:t>
+            </a:r>
+          </a:p>
+          <a:p>
+            <a:pPr algn="ctr"/>
+            <a:r>
+              <a:rPr lang="en-GB" sz="2000" dirty="0">
+                <a:solidFill>
+                  <a:schemeClr val="tx1"/>
+                </a:solidFill>
+              </a:rPr>
+              <a:t>serialRxTx()</a:t>
+            </a:r>
+          </a:p>
+          <a:p>
+            <a:pPr algn="ctr"/>
+            <a:endParaRPr lang="en-GB" sz="2000" dirty="0">
+              <a:solidFill>
+                <a:schemeClr val="tx1"/>
+              </a:solidFill>
+            </a:endParaRPr>
+          </a:p>
+        </p:txBody>
+      </p:sp>
+      <p:sp>
+        <p:nvSpPr>
+          <p:cNvPr id="8" name="Rectangle 7">
+            <a:extLst>
+              <a:ext uri="{FF2B5EF4-FFF2-40B4-BE49-F238E27FC236}">
+                <a16:creationId xmlns:a16="http://schemas.microsoft.com/office/drawing/2014/main" id="{056EB392-223A-4F4D-801E-F4D719505897}"/>
+              </a:ext>
+            </a:extLst>
+          </p:cNvPr>
+          <p:cNvSpPr/>
+          <p:nvPr/>
+        </p:nvSpPr>
+        <p:spPr>
+          <a:xfrm>
+            <a:off x="8229600" y="2650431"/>
+            <a:ext cx="2385391" cy="596348"/>
+          </a:xfrm>
+          <a:prstGeom prst="rect">
+            <a:avLst/>
+          </a:prstGeom>
+          <a:solidFill>
+            <a:schemeClr val="tx2">
+              <a:lumMod val="40000"/>
+              <a:lumOff val="60000"/>
+            </a:schemeClr>
+          </a:solidFill>
+          <a:ln w="28575">
+            <a:solidFill>
+              <a:schemeClr val="tx1"/>
+            </a:solidFill>
+          </a:ln>
+        </p:spPr>
+        <p:style>
+          <a:lnRef idx="2">
+            <a:schemeClr val="accent1">
+              <a:shade val="50000"/>
+            </a:schemeClr>
+          </a:lnRef>
+          <a:fillRef idx="1">
+            <a:schemeClr val="accent1"/>
+          </a:fillRef>
+          <a:effectRef idx="0">
+            <a:schemeClr val="accent1"/>
+          </a:effectRef>
+          <a:fontRef idx="minor">
+            <a:schemeClr val="lt1"/>
+          </a:fontRef>
+        </p:style>
+        <p:txBody>
+          <a:bodyPr rtlCol="0" anchor="ctr"/>
+          <a:lstStyle/>
+          <a:p>
+            <a:pPr algn="ctr"/>
+            <a:r>
+              <a:rPr lang="en-GB" sz="2000" dirty="0">
+                <a:solidFill>
+                  <a:schemeClr val="tx1"/>
+                </a:solidFill>
+              </a:rPr>
+              <a:t>Hall Effects Sensor 1</a:t>
+            </a:r>
+          </a:p>
+        </p:txBody>
+      </p:sp>
+      <p:sp>
+        <p:nvSpPr>
+          <p:cNvPr id="9" name="Rectangle 8">
+            <a:extLst>
+              <a:ext uri="{FF2B5EF4-FFF2-40B4-BE49-F238E27FC236}">
+                <a16:creationId xmlns:a16="http://schemas.microsoft.com/office/drawing/2014/main" id="{E2DE0BC4-3C98-4F46-A3DF-2AAE38CDAD83}"/>
+              </a:ext>
+            </a:extLst>
+          </p:cNvPr>
+          <p:cNvSpPr/>
+          <p:nvPr/>
+        </p:nvSpPr>
+        <p:spPr>
+          <a:xfrm>
+            <a:off x="8229599" y="3331814"/>
+            <a:ext cx="2385391" cy="596348"/>
+          </a:xfrm>
+          <a:prstGeom prst="rect">
+            <a:avLst/>
+          </a:prstGeom>
+          <a:solidFill>
+            <a:schemeClr val="tx2">
+              <a:lumMod val="40000"/>
+              <a:lumOff val="60000"/>
+            </a:schemeClr>
+          </a:solidFill>
+          <a:ln w="28575">
+            <a:solidFill>
+              <a:schemeClr val="tx1"/>
+            </a:solidFill>
+          </a:ln>
+        </p:spPr>
+        <p:style>
+          <a:lnRef idx="2">
+            <a:schemeClr val="accent1">
+              <a:shade val="50000"/>
+            </a:schemeClr>
+          </a:lnRef>
+          <a:fillRef idx="1">
+            <a:schemeClr val="accent1"/>
+          </a:fillRef>
+          <a:effectRef idx="0">
+            <a:schemeClr val="accent1"/>
+          </a:effectRef>
+          <a:fontRef idx="minor">
+            <a:schemeClr val="lt1"/>
+          </a:fontRef>
+        </p:style>
+        <p:txBody>
+          <a:bodyPr rtlCol="0" anchor="ctr"/>
+          <a:lstStyle/>
+          <a:p>
+            <a:pPr algn="ctr"/>
+            <a:r>
+              <a:rPr lang="en-GB" sz="2000" dirty="0">
+                <a:solidFill>
+                  <a:schemeClr val="tx1"/>
+                </a:solidFill>
+              </a:rPr>
+              <a:t>Hall Effects Sensor 2</a:t>
+            </a:r>
+          </a:p>
+        </p:txBody>
+      </p:sp>
+      <p:sp>
+        <p:nvSpPr>
+          <p:cNvPr id="10" name="Rectangle 9">
+            <a:extLst>
+              <a:ext uri="{FF2B5EF4-FFF2-40B4-BE49-F238E27FC236}">
+                <a16:creationId xmlns:a16="http://schemas.microsoft.com/office/drawing/2014/main" id="{8673A850-D126-4894-B75C-3420F7FA12A9}"/>
+              </a:ext>
+            </a:extLst>
+          </p:cNvPr>
+          <p:cNvSpPr/>
+          <p:nvPr/>
+        </p:nvSpPr>
+        <p:spPr>
+          <a:xfrm>
+            <a:off x="8229598" y="4013197"/>
+            <a:ext cx="2385391" cy="596348"/>
+          </a:xfrm>
+          <a:prstGeom prst="rect">
+            <a:avLst/>
+          </a:prstGeom>
+          <a:solidFill>
+            <a:schemeClr val="tx2">
+              <a:lumMod val="40000"/>
+              <a:lumOff val="60000"/>
+            </a:schemeClr>
+          </a:solidFill>
+          <a:ln w="28575">
+            <a:solidFill>
+              <a:schemeClr val="tx1"/>
+            </a:solidFill>
+          </a:ln>
+        </p:spPr>
+        <p:style>
+          <a:lnRef idx="2">
+            <a:schemeClr val="accent1">
+              <a:shade val="50000"/>
+            </a:schemeClr>
+          </a:lnRef>
+          <a:fillRef idx="1">
+            <a:schemeClr val="accent1"/>
+          </a:fillRef>
+          <a:effectRef idx="0">
+            <a:schemeClr val="accent1"/>
+          </a:effectRef>
+          <a:fontRef idx="minor">
+            <a:schemeClr val="lt1"/>
+          </a:fontRef>
+        </p:style>
+        <p:txBody>
+          <a:bodyPr rtlCol="0" anchor="ctr"/>
+          <a:lstStyle/>
+          <a:p>
+            <a:pPr algn="ctr"/>
+            <a:r>
+              <a:rPr lang="en-GB" sz="2000" dirty="0">
+                <a:solidFill>
+                  <a:schemeClr val="tx1"/>
+                </a:solidFill>
+              </a:rPr>
+              <a:t>Hall Effects Sensor 3</a:t>
+            </a:r>
+          </a:p>
+        </p:txBody>
+      </p:sp>
+      <p:sp>
+        <p:nvSpPr>
+          <p:cNvPr id="11" name="Rectangle 10">
+            <a:extLst>
+              <a:ext uri="{FF2B5EF4-FFF2-40B4-BE49-F238E27FC236}">
+                <a16:creationId xmlns:a16="http://schemas.microsoft.com/office/drawing/2014/main" id="{93D2A051-324C-414D-BB02-B4F719A0E9B8}"/>
+              </a:ext>
+            </a:extLst>
+          </p:cNvPr>
+          <p:cNvSpPr/>
+          <p:nvPr/>
+        </p:nvSpPr>
+        <p:spPr>
+          <a:xfrm>
+            <a:off x="8229598" y="4694580"/>
+            <a:ext cx="2385391" cy="596348"/>
+          </a:xfrm>
+          <a:prstGeom prst="rect">
+            <a:avLst/>
+          </a:prstGeom>
+          <a:solidFill>
+            <a:schemeClr val="tx2">
+              <a:lumMod val="40000"/>
+              <a:lumOff val="60000"/>
+            </a:schemeClr>
+          </a:solidFill>
+          <a:ln w="28575">
+            <a:solidFill>
+              <a:schemeClr val="tx1"/>
+            </a:solidFill>
+          </a:ln>
+        </p:spPr>
+        <p:style>
+          <a:lnRef idx="2">
+            <a:schemeClr val="accent1">
+              <a:shade val="50000"/>
+            </a:schemeClr>
+          </a:lnRef>
+          <a:fillRef idx="1">
+            <a:schemeClr val="accent1"/>
+          </a:fillRef>
+          <a:effectRef idx="0">
+            <a:schemeClr val="accent1"/>
+          </a:effectRef>
+          <a:fontRef idx="minor">
+            <a:schemeClr val="lt1"/>
+          </a:fontRef>
+        </p:style>
+        <p:txBody>
+          <a:bodyPr rtlCol="0" anchor="ctr"/>
+          <a:lstStyle/>
+          <a:p>
+            <a:pPr algn="ctr"/>
+            <a:r>
+              <a:rPr lang="en-GB" sz="2000" dirty="0">
+                <a:solidFill>
+                  <a:schemeClr val="tx1"/>
+                </a:solidFill>
+              </a:rPr>
+              <a:t>Hall Effects Sensor 4</a:t>
+            </a:r>
+          </a:p>
+        </p:txBody>
+      </p:sp>
+      <p:cxnSp>
+        <p:nvCxnSpPr>
+          <p:cNvPr id="13" name="Straight Arrow Connector 12">
+            <a:extLst>
+              <a:ext uri="{FF2B5EF4-FFF2-40B4-BE49-F238E27FC236}">
+                <a16:creationId xmlns:a16="http://schemas.microsoft.com/office/drawing/2014/main" id="{D789D67F-D2A8-4B78-B5F1-FBD92CBB0F79}"/>
+              </a:ext>
+            </a:extLst>
+          </p:cNvPr>
+          <p:cNvCxnSpPr>
+            <a:stCxn id="8" idx="1"/>
+          </p:cNvCxnSpPr>
+          <p:nvPr/>
+        </p:nvCxnSpPr>
+        <p:spPr>
+          <a:xfrm flipH="1">
+            <a:off x="6824870" y="2948605"/>
+            <a:ext cx="1404730" cy="0"/>
+          </a:xfrm>
+          <a:prstGeom prst="straightConnector1">
+            <a:avLst/>
+          </a:prstGeom>
+          <a:ln w="38100">
+            <a:solidFill>
+              <a:schemeClr val="tx1"/>
+            </a:solidFill>
+            <a:tailEnd type="triangle"/>
+          </a:ln>
+        </p:spPr>
+        <p:style>
+          <a:lnRef idx="1">
+            <a:schemeClr val="accent1"/>
+          </a:lnRef>
+          <a:fillRef idx="0">
+            <a:schemeClr val="accent1"/>
+          </a:fillRef>
+          <a:effectRef idx="0">
+            <a:schemeClr val="accent1"/>
+          </a:effectRef>
+          <a:fontRef idx="minor">
+            <a:schemeClr val="tx1"/>
+          </a:fontRef>
+        </p:style>
+      </p:cxnSp>
+      <p:cxnSp>
+        <p:nvCxnSpPr>
+          <p:cNvPr id="15" name="Straight Arrow Connector 14">
+            <a:extLst>
+              <a:ext uri="{FF2B5EF4-FFF2-40B4-BE49-F238E27FC236}">
+                <a16:creationId xmlns:a16="http://schemas.microsoft.com/office/drawing/2014/main" id="{124CA209-2B2C-4028-9814-1122A3F3732F}"/>
+              </a:ext>
+            </a:extLst>
+          </p:cNvPr>
+          <p:cNvCxnSpPr>
+            <a:cxnSpLocks/>
+            <a:stCxn id="9" idx="1"/>
+          </p:cNvCxnSpPr>
+          <p:nvPr/>
+        </p:nvCxnSpPr>
+        <p:spPr>
+          <a:xfrm flipH="1">
+            <a:off x="6824870" y="3629988"/>
+            <a:ext cx="1404729" cy="0"/>
+          </a:xfrm>
+          <a:prstGeom prst="straightConnector1">
+            <a:avLst/>
+          </a:prstGeom>
+          <a:ln w="38100">
+            <a:solidFill>
+              <a:schemeClr val="tx1"/>
+            </a:solidFill>
+            <a:tailEnd type="triangle"/>
+          </a:ln>
+        </p:spPr>
+        <p:style>
+          <a:lnRef idx="1">
+            <a:schemeClr val="accent1"/>
+          </a:lnRef>
+          <a:fillRef idx="0">
+            <a:schemeClr val="accent1"/>
+          </a:fillRef>
+          <a:effectRef idx="0">
+            <a:schemeClr val="accent1"/>
+          </a:effectRef>
+          <a:fontRef idx="minor">
+            <a:schemeClr val="tx1"/>
+          </a:fontRef>
+        </p:style>
+      </p:cxnSp>
+      <p:cxnSp>
+        <p:nvCxnSpPr>
+          <p:cNvPr id="19" name="Straight Arrow Connector 18">
+            <a:extLst>
+              <a:ext uri="{FF2B5EF4-FFF2-40B4-BE49-F238E27FC236}">
+                <a16:creationId xmlns:a16="http://schemas.microsoft.com/office/drawing/2014/main" id="{DE465F5C-0E59-4A5F-A3EE-32E12460DBE6}"/>
+              </a:ext>
+            </a:extLst>
+          </p:cNvPr>
+          <p:cNvCxnSpPr>
+            <a:cxnSpLocks/>
+            <a:stCxn id="10" idx="1"/>
+          </p:cNvCxnSpPr>
+          <p:nvPr/>
+        </p:nvCxnSpPr>
+        <p:spPr>
+          <a:xfrm flipH="1">
+            <a:off x="6824870" y="4311371"/>
+            <a:ext cx="1404728" cy="0"/>
+          </a:xfrm>
+          <a:prstGeom prst="straightConnector1">
+            <a:avLst/>
+          </a:prstGeom>
+          <a:ln w="38100">
+            <a:solidFill>
+              <a:schemeClr val="tx1"/>
+            </a:solidFill>
+            <a:tailEnd type="triangle"/>
+          </a:ln>
+        </p:spPr>
+        <p:style>
+          <a:lnRef idx="1">
+            <a:schemeClr val="accent1"/>
+          </a:lnRef>
+          <a:fillRef idx="0">
+            <a:schemeClr val="accent1"/>
+          </a:fillRef>
+          <a:effectRef idx="0">
+            <a:schemeClr val="accent1"/>
+          </a:effectRef>
+          <a:fontRef idx="minor">
+            <a:schemeClr val="tx1"/>
+          </a:fontRef>
+        </p:style>
+      </p:cxnSp>
+      <p:cxnSp>
+        <p:nvCxnSpPr>
+          <p:cNvPr id="21" name="Straight Arrow Connector 20">
+            <a:extLst>
+              <a:ext uri="{FF2B5EF4-FFF2-40B4-BE49-F238E27FC236}">
+                <a16:creationId xmlns:a16="http://schemas.microsoft.com/office/drawing/2014/main" id="{2A86B2B6-A6AD-4F0A-9587-FA7312B0DA3D}"/>
+              </a:ext>
+            </a:extLst>
+          </p:cNvPr>
+          <p:cNvCxnSpPr>
+            <a:stCxn id="11" idx="1"/>
+          </p:cNvCxnSpPr>
+          <p:nvPr/>
+        </p:nvCxnSpPr>
+        <p:spPr>
+          <a:xfrm flipH="1">
+            <a:off x="6824870" y="4992754"/>
+            <a:ext cx="1404728" cy="0"/>
+          </a:xfrm>
+          <a:prstGeom prst="straightConnector1">
+            <a:avLst/>
+          </a:prstGeom>
+          <a:ln w="38100">
+            <a:solidFill>
+              <a:schemeClr val="tx1"/>
+            </a:solidFill>
+            <a:tailEnd type="triangle"/>
+          </a:ln>
+        </p:spPr>
+        <p:style>
+          <a:lnRef idx="1">
+            <a:schemeClr val="accent1"/>
+          </a:lnRef>
+          <a:fillRef idx="0">
+            <a:schemeClr val="accent1"/>
+          </a:fillRef>
+          <a:effectRef idx="0">
+            <a:schemeClr val="accent1"/>
+          </a:effectRef>
+          <a:fontRef idx="minor">
+            <a:schemeClr val="tx1"/>
+          </a:fontRef>
+        </p:style>
+      </p:cxnSp>
+      <p:cxnSp>
+        <p:nvCxnSpPr>
+          <p:cNvPr id="23" name="Straight Arrow Connector 22">
+            <a:extLst>
+              <a:ext uri="{FF2B5EF4-FFF2-40B4-BE49-F238E27FC236}">
+                <a16:creationId xmlns:a16="http://schemas.microsoft.com/office/drawing/2014/main" id="{D9930B36-511A-4900-85F1-109B31C762CC}"/>
+              </a:ext>
+            </a:extLst>
+          </p:cNvPr>
+          <p:cNvCxnSpPr>
+            <a:cxnSpLocks/>
+            <a:stCxn id="7" idx="1"/>
+            <a:endCxn id="6" idx="3"/>
+          </p:cNvCxnSpPr>
+          <p:nvPr/>
+        </p:nvCxnSpPr>
+        <p:spPr>
+          <a:xfrm flipH="1">
+            <a:off x="3154018" y="4015412"/>
+            <a:ext cx="1404730" cy="0"/>
+          </a:xfrm>
+          <a:prstGeom prst="straightConnector1">
+            <a:avLst/>
+          </a:prstGeom>
+          <a:ln w="38100">
+            <a:solidFill>
+              <a:schemeClr val="tx1"/>
+            </a:solidFill>
+            <a:tailEnd type="triangle"/>
+          </a:ln>
+        </p:spPr>
+        <p:style>
+          <a:lnRef idx="1">
+            <a:schemeClr val="accent1"/>
+          </a:lnRef>
+          <a:fillRef idx="0">
+            <a:schemeClr val="accent1"/>
+          </a:fillRef>
+          <a:effectRef idx="0">
+            <a:schemeClr val="accent1"/>
+          </a:effectRef>
+          <a:fontRef idx="minor">
+            <a:schemeClr val="tx1"/>
+          </a:fontRef>
+        </p:style>
+      </p:cxnSp>
+      <p:cxnSp>
+        <p:nvCxnSpPr>
+          <p:cNvPr id="25" name="Straight Arrow Connector 24">
+            <a:extLst>
+              <a:ext uri="{FF2B5EF4-FFF2-40B4-BE49-F238E27FC236}">
+                <a16:creationId xmlns:a16="http://schemas.microsoft.com/office/drawing/2014/main" id="{314A3E44-B803-4CFB-B475-9CA983DD19AB}"/>
+              </a:ext>
+            </a:extLst>
+          </p:cNvPr>
+          <p:cNvCxnSpPr>
+            <a:cxnSpLocks/>
+            <a:stCxn id="6" idx="3"/>
+            <a:endCxn id="7" idx="1"/>
+          </p:cNvCxnSpPr>
+          <p:nvPr/>
+        </p:nvCxnSpPr>
+        <p:spPr>
+          <a:xfrm>
+            <a:off x="3154018" y="4015412"/>
+            <a:ext cx="1404730" cy="0"/>
+          </a:xfrm>
+          <a:prstGeom prst="straightConnector1">
+            <a:avLst/>
+          </a:prstGeom>
+          <a:ln w="38100">
+            <a:solidFill>
+              <a:schemeClr val="tx1"/>
+            </a:solidFill>
+            <a:tailEnd type="triangle"/>
+          </a:ln>
+        </p:spPr>
+        <p:style>
+          <a:lnRef idx="1">
+            <a:schemeClr val="accent1"/>
+          </a:lnRef>
+          <a:fillRef idx="0">
+            <a:schemeClr val="accent1"/>
+          </a:fillRef>
+          <a:effectRef idx="0">
+            <a:schemeClr val="accent1"/>
+          </a:effectRef>
+          <a:fontRef idx="minor">
+            <a:schemeClr val="tx1"/>
+          </a:fontRef>
+        </p:style>
+      </p:cxnSp>
+      <p:sp>
+        <p:nvSpPr>
+          <p:cNvPr id="28" name="TextBox 27">
+            <a:extLst>
+              <a:ext uri="{FF2B5EF4-FFF2-40B4-BE49-F238E27FC236}">
+                <a16:creationId xmlns:a16="http://schemas.microsoft.com/office/drawing/2014/main" id="{4781D752-8CBC-46D2-9DA2-F0CF193D1F31}"/>
+              </a:ext>
+            </a:extLst>
+          </p:cNvPr>
+          <p:cNvSpPr txBox="1"/>
+          <p:nvPr/>
+        </p:nvSpPr>
+        <p:spPr>
+          <a:xfrm>
+            <a:off x="3458746" y="3593068"/>
+            <a:ext cx="763351" cy="400110"/>
+          </a:xfrm>
+          <a:prstGeom prst="rect">
+            <a:avLst/>
+          </a:prstGeom>
+          <a:noFill/>
+        </p:spPr>
+        <p:txBody>
+          <a:bodyPr wrap="none" rtlCol="0">
+            <a:spAutoFit/>
+          </a:bodyPr>
+          <a:lstStyle/>
+          <a:p>
+            <a:r>
+              <a:rPr lang="en-GB" sz="2000" dirty="0"/>
+              <a:t>Serial</a:t>
+            </a:r>
+          </a:p>
+        </p:txBody>
+      </p:sp>
+    </p:spTree>
+    <p:extLst>
+      <p:ext uri="{BB962C8B-B14F-4D97-AF65-F5344CB8AC3E}">
+        <p14:creationId xmlns:p14="http://schemas.microsoft.com/office/powerpoint/2010/main" val="4087059230"/>
+      </p:ext>
+    </p:extLst>
+  </p:cSld>
+  <p:clrMapOvr>
+    <a:masterClrMapping/>
+  </p:clrMapOvr>
+</p:sld>
+</file>
+
+<file path=ppt/slides/slide22.xml><?xml version="1.0" encoding="utf-8"?>
+<p:sld xmlns:a="http://schemas.openxmlformats.org/drawingml/2006/main" xmlns:r="http://schemas.openxmlformats.org/officeDocument/2006/relationships" xmlns:p="http://schemas.openxmlformats.org/presentationml/2006/main">
+  <p:cSld>
+    <p:spTree>
+      <p:nvGrpSpPr>
+        <p:cNvPr id="1" name=""/>
+        <p:cNvGrpSpPr/>
+        <p:nvPr/>
+      </p:nvGrpSpPr>
+      <p:grpSpPr>
+        <a:xfrm>
+          <a:off x="0" y="0"/>
+          <a:ext cx="0" cy="0"/>
+          <a:chOff x="0" y="0"/>
+          <a:chExt cx="0" cy="0"/>
+        </a:xfrm>
+      </p:grpSpPr>
+      <p:sp>
+        <p:nvSpPr>
+          <p:cNvPr id="4" name="Rectangle 3">
+            <a:extLst>
+              <a:ext uri="{FF2B5EF4-FFF2-40B4-BE49-F238E27FC236}">
+                <a16:creationId xmlns:a16="http://schemas.microsoft.com/office/drawing/2014/main" id="{DA942312-6BB6-431A-AD5C-86109A963B1C}"/>
+              </a:ext>
+            </a:extLst>
+          </p:cNvPr>
+          <p:cNvSpPr/>
+          <p:nvPr/>
+        </p:nvSpPr>
+        <p:spPr>
+          <a:xfrm>
+            <a:off x="3405808" y="2425148"/>
+            <a:ext cx="4916556" cy="424069"/>
+          </a:xfrm>
+          <a:prstGeom prst="rect">
+            <a:avLst/>
+          </a:prstGeom>
+          <a:solidFill>
+            <a:schemeClr val="bg2"/>
+          </a:solidFill>
+          <a:ln w="28575">
+            <a:solidFill>
+              <a:schemeClr val="tx1"/>
+            </a:solidFill>
+          </a:ln>
+        </p:spPr>
+        <p:style>
+          <a:lnRef idx="2">
+            <a:schemeClr val="accent1">
+              <a:shade val="50000"/>
+            </a:schemeClr>
+          </a:lnRef>
+          <a:fillRef idx="1">
+            <a:schemeClr val="accent1"/>
+          </a:fillRef>
+          <a:effectRef idx="0">
+            <a:schemeClr val="accent1"/>
+          </a:effectRef>
+          <a:fontRef idx="minor">
+            <a:schemeClr val="lt1"/>
+          </a:fontRef>
+        </p:style>
+        <p:txBody>
+          <a:bodyPr rtlCol="0" anchor="ctr"/>
+          <a:lstStyle/>
+          <a:p>
+            <a:pPr algn="ctr"/>
+            <a:endParaRPr lang="en-GB" sz="2000"/>
+          </a:p>
+        </p:txBody>
+      </p:sp>
+      <p:sp>
+        <p:nvSpPr>
+          <p:cNvPr id="7" name="Rectangle 6">
+            <a:extLst>
+              <a:ext uri="{FF2B5EF4-FFF2-40B4-BE49-F238E27FC236}">
+                <a16:creationId xmlns:a16="http://schemas.microsoft.com/office/drawing/2014/main" id="{136CA251-01A9-4E44-A4F7-FA01A10AD02E}"/>
+              </a:ext>
+            </a:extLst>
+          </p:cNvPr>
+          <p:cNvSpPr/>
+          <p:nvPr/>
+        </p:nvSpPr>
+        <p:spPr>
+          <a:xfrm>
+            <a:off x="3710609" y="1457740"/>
+            <a:ext cx="410817" cy="967408"/>
+          </a:xfrm>
+          <a:prstGeom prst="rect">
+            <a:avLst/>
+          </a:prstGeom>
+          <a:solidFill>
+            <a:schemeClr val="accent5"/>
+          </a:solidFill>
+          <a:ln w="28575">
+            <a:solidFill>
+              <a:schemeClr val="tx1"/>
+            </a:solidFill>
+          </a:ln>
+        </p:spPr>
+        <p:style>
+          <a:lnRef idx="2">
+            <a:schemeClr val="accent1">
+              <a:shade val="50000"/>
+            </a:schemeClr>
+          </a:lnRef>
+          <a:fillRef idx="1">
+            <a:schemeClr val="accent1"/>
+          </a:fillRef>
+          <a:effectRef idx="0">
+            <a:schemeClr val="accent1"/>
+          </a:effectRef>
+          <a:fontRef idx="minor">
+            <a:schemeClr val="lt1"/>
+          </a:fontRef>
+        </p:style>
+        <p:txBody>
+          <a:bodyPr rtlCol="0" anchor="ctr"/>
+          <a:lstStyle/>
+          <a:p>
+            <a:pPr algn="ctr"/>
+            <a:endParaRPr lang="en-GB" sz="2000"/>
+          </a:p>
+        </p:txBody>
+      </p:sp>
+      <p:sp>
+        <p:nvSpPr>
+          <p:cNvPr id="9" name="Rectangle 8">
+            <a:extLst>
+              <a:ext uri="{FF2B5EF4-FFF2-40B4-BE49-F238E27FC236}">
+                <a16:creationId xmlns:a16="http://schemas.microsoft.com/office/drawing/2014/main" id="{7DCF5CB3-587E-478F-AB59-E3B287FE2F08}"/>
+              </a:ext>
+            </a:extLst>
+          </p:cNvPr>
+          <p:cNvSpPr/>
+          <p:nvPr/>
+        </p:nvSpPr>
+        <p:spPr>
+          <a:xfrm>
+            <a:off x="7513983" y="1457740"/>
+            <a:ext cx="238539" cy="967408"/>
+          </a:xfrm>
+          <a:prstGeom prst="rect">
+            <a:avLst/>
+          </a:prstGeom>
+          <a:solidFill>
+            <a:schemeClr val="accent3"/>
+          </a:solidFill>
+          <a:ln w="28575">
+            <a:solidFill>
+              <a:schemeClr val="tx1"/>
+            </a:solidFill>
+          </a:ln>
+        </p:spPr>
+        <p:style>
+          <a:lnRef idx="2">
+            <a:schemeClr val="accent1">
+              <a:shade val="50000"/>
+            </a:schemeClr>
+          </a:lnRef>
+          <a:fillRef idx="1">
+            <a:schemeClr val="accent1"/>
+          </a:fillRef>
+          <a:effectRef idx="0">
+            <a:schemeClr val="accent1"/>
+          </a:effectRef>
+          <a:fontRef idx="minor">
+            <a:schemeClr val="lt1"/>
+          </a:fontRef>
+        </p:style>
+        <p:txBody>
+          <a:bodyPr rtlCol="0" anchor="ctr"/>
+          <a:lstStyle/>
+          <a:p>
+            <a:pPr algn="ctr"/>
+            <a:endParaRPr lang="en-GB" sz="2000"/>
+          </a:p>
+        </p:txBody>
+      </p:sp>
+      <p:sp>
+        <p:nvSpPr>
+          <p:cNvPr id="10" name="Rectangle 9">
+            <a:extLst>
+              <a:ext uri="{FF2B5EF4-FFF2-40B4-BE49-F238E27FC236}">
+                <a16:creationId xmlns:a16="http://schemas.microsoft.com/office/drawing/2014/main" id="{67FF6933-0570-49A9-91B0-5A08723910D5}"/>
+              </a:ext>
+            </a:extLst>
+          </p:cNvPr>
+          <p:cNvSpPr/>
+          <p:nvPr/>
+        </p:nvSpPr>
+        <p:spPr>
+          <a:xfrm>
+            <a:off x="5022574" y="1802297"/>
+            <a:ext cx="1590261" cy="278295"/>
+          </a:xfrm>
+          <a:prstGeom prst="rect">
+            <a:avLst/>
+          </a:prstGeom>
+          <a:solidFill>
+            <a:schemeClr val="accent2"/>
+          </a:solidFill>
+          <a:ln w="28575">
+            <a:solidFill>
+              <a:schemeClr val="tx1"/>
+            </a:solidFill>
+          </a:ln>
+        </p:spPr>
+        <p:style>
+          <a:lnRef idx="2">
+            <a:schemeClr val="accent1">
+              <a:shade val="50000"/>
+            </a:schemeClr>
+          </a:lnRef>
+          <a:fillRef idx="1">
+            <a:schemeClr val="accent1"/>
+          </a:fillRef>
+          <a:effectRef idx="0">
+            <a:schemeClr val="accent1"/>
+          </a:effectRef>
+          <a:fontRef idx="minor">
+            <a:schemeClr val="lt1"/>
+          </a:fontRef>
+        </p:style>
+        <p:txBody>
+          <a:bodyPr rtlCol="0" anchor="ctr"/>
+          <a:lstStyle/>
+          <a:p>
+            <a:pPr algn="ctr"/>
+            <a:endParaRPr lang="en-GB" sz="2000"/>
+          </a:p>
+        </p:txBody>
+      </p:sp>
+      <p:cxnSp>
+        <p:nvCxnSpPr>
+          <p:cNvPr id="12" name="Straight Connector 11">
+            <a:extLst>
+              <a:ext uri="{FF2B5EF4-FFF2-40B4-BE49-F238E27FC236}">
+                <a16:creationId xmlns:a16="http://schemas.microsoft.com/office/drawing/2014/main" id="{F9FCF4D4-8380-4C58-A494-201DF0F70403}"/>
+              </a:ext>
+            </a:extLst>
+          </p:cNvPr>
+          <p:cNvCxnSpPr>
+            <a:stCxn id="10" idx="3"/>
+          </p:cNvCxnSpPr>
+          <p:nvPr/>
+        </p:nvCxnSpPr>
+        <p:spPr>
+          <a:xfrm flipV="1">
+            <a:off x="6612835" y="1941444"/>
+            <a:ext cx="1139687" cy="1"/>
+          </a:xfrm>
+          <a:prstGeom prst="line">
+            <a:avLst/>
+          </a:prstGeom>
+          <a:ln w="28575">
+            <a:solidFill>
+              <a:schemeClr val="tx1"/>
+            </a:solidFill>
+          </a:ln>
+        </p:spPr>
+        <p:style>
+          <a:lnRef idx="1">
+            <a:schemeClr val="accent1"/>
+          </a:lnRef>
+          <a:fillRef idx="0">
+            <a:schemeClr val="accent1"/>
+          </a:fillRef>
+          <a:effectRef idx="0">
+            <a:schemeClr val="accent1"/>
+          </a:effectRef>
+          <a:fontRef idx="minor">
+            <a:schemeClr val="tx1"/>
+          </a:fontRef>
+        </p:style>
+      </p:cxnSp>
+      <p:cxnSp>
+        <p:nvCxnSpPr>
+          <p:cNvPr id="14" name="Straight Connector 13">
+            <a:extLst>
+              <a:ext uri="{FF2B5EF4-FFF2-40B4-BE49-F238E27FC236}">
+                <a16:creationId xmlns:a16="http://schemas.microsoft.com/office/drawing/2014/main" id="{F0A9AB95-C334-418A-B73A-703872E90765}"/>
+              </a:ext>
+            </a:extLst>
+          </p:cNvPr>
+          <p:cNvCxnSpPr>
+            <a:stCxn id="10" idx="1"/>
+            <a:endCxn id="7" idx="1"/>
+          </p:cNvCxnSpPr>
+          <p:nvPr/>
+        </p:nvCxnSpPr>
+        <p:spPr>
+          <a:xfrm flipH="1" flipV="1">
+            <a:off x="3710609" y="1941444"/>
+            <a:ext cx="1311965" cy="1"/>
+          </a:xfrm>
+          <a:prstGeom prst="line">
+            <a:avLst/>
+          </a:prstGeom>
+          <a:ln w="28575">
+            <a:solidFill>
+              <a:schemeClr val="tx1"/>
+            </a:solidFill>
+          </a:ln>
+        </p:spPr>
+        <p:style>
+          <a:lnRef idx="1">
+            <a:schemeClr val="accent1"/>
+          </a:lnRef>
+          <a:fillRef idx="0">
+            <a:schemeClr val="accent1"/>
+          </a:fillRef>
+          <a:effectRef idx="0">
+            <a:schemeClr val="accent1"/>
+          </a:effectRef>
+          <a:fontRef idx="minor">
+            <a:schemeClr val="tx1"/>
+          </a:fontRef>
+        </p:style>
+      </p:cxnSp>
+      <p:sp>
+        <p:nvSpPr>
+          <p:cNvPr id="15" name="Rectangle 14">
+            <a:extLst>
+              <a:ext uri="{FF2B5EF4-FFF2-40B4-BE49-F238E27FC236}">
+                <a16:creationId xmlns:a16="http://schemas.microsoft.com/office/drawing/2014/main" id="{CA71D6CC-F802-47A5-8839-C5FB4D717D2A}"/>
+              </a:ext>
+            </a:extLst>
+          </p:cNvPr>
+          <p:cNvSpPr/>
+          <p:nvPr/>
+        </p:nvSpPr>
+        <p:spPr>
+          <a:xfrm>
+            <a:off x="3405808" y="5406890"/>
+            <a:ext cx="4916556" cy="324677"/>
+          </a:xfrm>
+          <a:prstGeom prst="rect">
+            <a:avLst/>
+          </a:prstGeom>
+          <a:solidFill>
+            <a:schemeClr val="bg2"/>
+          </a:solidFill>
+          <a:ln w="28575">
+            <a:solidFill>
+              <a:schemeClr val="tx1"/>
+            </a:solidFill>
+          </a:ln>
+        </p:spPr>
+        <p:style>
+          <a:lnRef idx="2">
+            <a:schemeClr val="accent1">
+              <a:shade val="50000"/>
+            </a:schemeClr>
+          </a:lnRef>
+          <a:fillRef idx="1">
+            <a:schemeClr val="accent1"/>
+          </a:fillRef>
+          <a:effectRef idx="0">
+            <a:schemeClr val="accent1"/>
+          </a:effectRef>
+          <a:fontRef idx="minor">
+            <a:schemeClr val="lt1"/>
+          </a:fontRef>
+        </p:style>
+        <p:txBody>
+          <a:bodyPr rtlCol="0" anchor="ctr"/>
+          <a:lstStyle/>
+          <a:p>
+            <a:pPr algn="ctr"/>
+            <a:endParaRPr lang="en-GB" sz="2000"/>
+          </a:p>
+        </p:txBody>
+      </p:sp>
+      <p:sp>
+        <p:nvSpPr>
+          <p:cNvPr id="16" name="Rectangle 15">
+            <a:extLst>
+              <a:ext uri="{FF2B5EF4-FFF2-40B4-BE49-F238E27FC236}">
+                <a16:creationId xmlns:a16="http://schemas.microsoft.com/office/drawing/2014/main" id="{EF9B7D5A-BA50-4B8F-A6D9-365CC646191F}"/>
+              </a:ext>
+            </a:extLst>
+          </p:cNvPr>
+          <p:cNvSpPr/>
+          <p:nvPr/>
+        </p:nvSpPr>
+        <p:spPr>
+          <a:xfrm>
+            <a:off x="3405808" y="4883429"/>
+            <a:ext cx="980662" cy="523459"/>
+          </a:xfrm>
+          <a:prstGeom prst="rect">
+            <a:avLst/>
+          </a:prstGeom>
+          <a:solidFill>
+            <a:schemeClr val="bg2"/>
+          </a:solidFill>
+          <a:ln w="28575">
+            <a:solidFill>
+              <a:schemeClr val="tx1"/>
+            </a:solidFill>
+          </a:ln>
+        </p:spPr>
+        <p:style>
+          <a:lnRef idx="2">
+            <a:schemeClr val="accent1">
+              <a:shade val="50000"/>
+            </a:schemeClr>
+          </a:lnRef>
+          <a:fillRef idx="1">
+            <a:schemeClr val="accent1"/>
+          </a:fillRef>
+          <a:effectRef idx="0">
+            <a:schemeClr val="accent1"/>
+          </a:effectRef>
+          <a:fontRef idx="minor">
+            <a:schemeClr val="lt1"/>
+          </a:fontRef>
+        </p:style>
+        <p:txBody>
+          <a:bodyPr rtlCol="0" anchor="ctr"/>
+          <a:lstStyle/>
+          <a:p>
+            <a:pPr algn="ctr"/>
+            <a:endParaRPr lang="en-GB" sz="2000"/>
+          </a:p>
+        </p:txBody>
+      </p:sp>
+      <p:sp>
+        <p:nvSpPr>
+          <p:cNvPr id="17" name="Rectangle 16">
+            <a:extLst>
+              <a:ext uri="{FF2B5EF4-FFF2-40B4-BE49-F238E27FC236}">
+                <a16:creationId xmlns:a16="http://schemas.microsoft.com/office/drawing/2014/main" id="{795B55B6-18B5-4677-A718-981A696557F2}"/>
+              </a:ext>
+            </a:extLst>
+          </p:cNvPr>
+          <p:cNvSpPr/>
+          <p:nvPr/>
+        </p:nvSpPr>
+        <p:spPr>
+          <a:xfrm>
+            <a:off x="7142921" y="4883428"/>
+            <a:ext cx="980662" cy="523459"/>
+          </a:xfrm>
+          <a:prstGeom prst="rect">
+            <a:avLst/>
+          </a:prstGeom>
+          <a:solidFill>
+            <a:schemeClr val="bg2"/>
+          </a:solidFill>
+          <a:ln w="28575">
+            <a:solidFill>
+              <a:schemeClr val="tx1"/>
+            </a:solidFill>
+          </a:ln>
+        </p:spPr>
+        <p:style>
+          <a:lnRef idx="2">
+            <a:schemeClr val="accent1">
+              <a:shade val="50000"/>
+            </a:schemeClr>
+          </a:lnRef>
+          <a:fillRef idx="1">
+            <a:schemeClr val="accent1"/>
+          </a:fillRef>
+          <a:effectRef idx="0">
+            <a:schemeClr val="accent1"/>
+          </a:effectRef>
+          <a:fontRef idx="minor">
+            <a:schemeClr val="lt1"/>
+          </a:fontRef>
+        </p:style>
+        <p:txBody>
+          <a:bodyPr rtlCol="0" anchor="ctr"/>
+          <a:lstStyle/>
+          <a:p>
+            <a:pPr algn="ctr"/>
+            <a:endParaRPr lang="en-GB" sz="2000"/>
+          </a:p>
+        </p:txBody>
+      </p:sp>
+      <p:sp>
+        <p:nvSpPr>
+          <p:cNvPr id="18" name="Oval 17">
+            <a:extLst>
+              <a:ext uri="{FF2B5EF4-FFF2-40B4-BE49-F238E27FC236}">
+                <a16:creationId xmlns:a16="http://schemas.microsoft.com/office/drawing/2014/main" id="{F0C8C398-731F-47D7-8F1A-F1E8A6E3B8D3}"/>
+              </a:ext>
+            </a:extLst>
+          </p:cNvPr>
+          <p:cNvSpPr/>
+          <p:nvPr/>
+        </p:nvSpPr>
+        <p:spPr>
+          <a:xfrm>
+            <a:off x="7606748" y="4976195"/>
+            <a:ext cx="291548" cy="304800"/>
+          </a:xfrm>
+          <a:prstGeom prst="ellipse">
+            <a:avLst/>
+          </a:prstGeom>
+          <a:solidFill>
+            <a:schemeClr val="accent3"/>
+          </a:solidFill>
+          <a:ln w="28575">
+            <a:solidFill>
+              <a:schemeClr val="tx1"/>
+            </a:solidFill>
+          </a:ln>
+        </p:spPr>
+        <p:style>
+          <a:lnRef idx="2">
+            <a:schemeClr val="accent1">
+              <a:shade val="50000"/>
+            </a:schemeClr>
+          </a:lnRef>
+          <a:fillRef idx="1">
+            <a:schemeClr val="accent1"/>
+          </a:fillRef>
+          <a:effectRef idx="0">
+            <a:schemeClr val="accent1"/>
+          </a:effectRef>
+          <a:fontRef idx="minor">
+            <a:schemeClr val="lt1"/>
+          </a:fontRef>
+        </p:style>
+        <p:txBody>
+          <a:bodyPr rtlCol="0" anchor="ctr"/>
+          <a:lstStyle/>
+          <a:p>
+            <a:pPr algn="ctr"/>
+            <a:endParaRPr lang="en-GB" sz="2000"/>
+          </a:p>
+        </p:txBody>
+      </p:sp>
+      <p:sp>
+        <p:nvSpPr>
+          <p:cNvPr id="19" name="Oval 18">
+            <a:extLst>
+              <a:ext uri="{FF2B5EF4-FFF2-40B4-BE49-F238E27FC236}">
+                <a16:creationId xmlns:a16="http://schemas.microsoft.com/office/drawing/2014/main" id="{C747814A-991D-498C-81CD-7FBBBE2C3F6B}"/>
+              </a:ext>
+            </a:extLst>
+          </p:cNvPr>
+          <p:cNvSpPr/>
+          <p:nvPr/>
+        </p:nvSpPr>
+        <p:spPr>
+          <a:xfrm>
+            <a:off x="3737112" y="4981993"/>
+            <a:ext cx="357810" cy="319707"/>
+          </a:xfrm>
+          <a:prstGeom prst="ellipse">
+            <a:avLst/>
+          </a:prstGeom>
+          <a:solidFill>
+            <a:schemeClr val="accent5"/>
+          </a:solidFill>
+          <a:ln w="28575">
+            <a:solidFill>
+              <a:schemeClr val="tx1"/>
+            </a:solidFill>
+          </a:ln>
+        </p:spPr>
+        <p:style>
+          <a:lnRef idx="2">
+            <a:schemeClr val="accent1">
+              <a:shade val="50000"/>
+            </a:schemeClr>
+          </a:lnRef>
+          <a:fillRef idx="1">
+            <a:schemeClr val="accent1"/>
+          </a:fillRef>
+          <a:effectRef idx="0">
+            <a:schemeClr val="accent1"/>
+          </a:effectRef>
+          <a:fontRef idx="minor">
+            <a:schemeClr val="lt1"/>
+          </a:fontRef>
+        </p:style>
+        <p:txBody>
+          <a:bodyPr rtlCol="0" anchor="ctr"/>
+          <a:lstStyle/>
+          <a:p>
+            <a:pPr algn="ctr"/>
+            <a:endParaRPr lang="en-GB" sz="2000"/>
+          </a:p>
+        </p:txBody>
+      </p:sp>
+      <p:cxnSp>
+        <p:nvCxnSpPr>
+          <p:cNvPr id="31" name="Straight Connector 30">
+            <a:extLst>
+              <a:ext uri="{FF2B5EF4-FFF2-40B4-BE49-F238E27FC236}">
+                <a16:creationId xmlns:a16="http://schemas.microsoft.com/office/drawing/2014/main" id="{27181C89-2864-4CF0-83E2-092C7432CEBD}"/>
+              </a:ext>
+            </a:extLst>
+          </p:cNvPr>
+          <p:cNvCxnSpPr>
+            <a:cxnSpLocks/>
+          </p:cNvCxnSpPr>
+          <p:nvPr/>
+        </p:nvCxnSpPr>
+        <p:spPr>
+          <a:xfrm>
+            <a:off x="6400800" y="5141846"/>
+            <a:ext cx="1205948" cy="0"/>
+          </a:xfrm>
+          <a:prstGeom prst="line">
+            <a:avLst/>
+          </a:prstGeom>
+          <a:ln w="28575">
+            <a:solidFill>
+              <a:schemeClr val="tx1"/>
+            </a:solidFill>
+          </a:ln>
+        </p:spPr>
+        <p:style>
+          <a:lnRef idx="1">
+            <a:schemeClr val="accent1"/>
+          </a:lnRef>
+          <a:fillRef idx="0">
+            <a:schemeClr val="accent1"/>
+          </a:fillRef>
+          <a:effectRef idx="0">
+            <a:schemeClr val="accent1"/>
+          </a:effectRef>
+          <a:fontRef idx="minor">
+            <a:schemeClr val="tx1"/>
+          </a:fontRef>
+        </p:style>
+      </p:cxnSp>
+      <p:sp>
+        <p:nvSpPr>
+          <p:cNvPr id="21" name="Rectangle 20">
+            <a:extLst>
+              <a:ext uri="{FF2B5EF4-FFF2-40B4-BE49-F238E27FC236}">
+                <a16:creationId xmlns:a16="http://schemas.microsoft.com/office/drawing/2014/main" id="{C2ED0AA6-3494-4B62-8E3D-5E1D5E195EBE}"/>
+              </a:ext>
+            </a:extLst>
+          </p:cNvPr>
+          <p:cNvSpPr/>
+          <p:nvPr/>
+        </p:nvSpPr>
+        <p:spPr>
+          <a:xfrm>
+            <a:off x="5022574" y="5002701"/>
+            <a:ext cx="1590261" cy="278295"/>
+          </a:xfrm>
+          <a:prstGeom prst="rect">
+            <a:avLst/>
+          </a:prstGeom>
+          <a:solidFill>
+            <a:schemeClr val="accent2"/>
+          </a:solidFill>
+          <a:ln w="28575">
+            <a:solidFill>
+              <a:schemeClr val="tx1"/>
+            </a:solidFill>
+          </a:ln>
+        </p:spPr>
+        <p:style>
+          <a:lnRef idx="2">
+            <a:schemeClr val="accent1">
+              <a:shade val="50000"/>
+            </a:schemeClr>
+          </a:lnRef>
+          <a:fillRef idx="1">
+            <a:schemeClr val="accent1"/>
+          </a:fillRef>
+          <a:effectRef idx="0">
+            <a:schemeClr val="accent1"/>
+          </a:effectRef>
+          <a:fontRef idx="minor">
+            <a:schemeClr val="lt1"/>
+          </a:fontRef>
+        </p:style>
+        <p:txBody>
+          <a:bodyPr rtlCol="0" anchor="ctr"/>
+          <a:lstStyle/>
+          <a:p>
+            <a:pPr algn="ctr"/>
+            <a:endParaRPr lang="en-GB" sz="2000"/>
+          </a:p>
+        </p:txBody>
+      </p:sp>
+      <p:cxnSp>
+        <p:nvCxnSpPr>
+          <p:cNvPr id="33" name="Straight Connector 32">
+            <a:extLst>
+              <a:ext uri="{FF2B5EF4-FFF2-40B4-BE49-F238E27FC236}">
+                <a16:creationId xmlns:a16="http://schemas.microsoft.com/office/drawing/2014/main" id="{006B21D8-0E05-4183-AA3B-75A77ABD1669}"/>
+              </a:ext>
+            </a:extLst>
+          </p:cNvPr>
+          <p:cNvCxnSpPr>
+            <a:cxnSpLocks/>
+          </p:cNvCxnSpPr>
+          <p:nvPr/>
+        </p:nvCxnSpPr>
+        <p:spPr>
+          <a:xfrm flipV="1">
+            <a:off x="3939392" y="4398005"/>
+            <a:ext cx="1076556" cy="741358"/>
+          </a:xfrm>
+          <a:prstGeom prst="line">
+            <a:avLst/>
+          </a:prstGeom>
+          <a:ln w="28575">
+            <a:solidFill>
+              <a:srgbClr val="FF0000"/>
+            </a:solidFill>
+            <a:prstDash val="dash"/>
+          </a:ln>
+        </p:spPr>
+        <p:style>
+          <a:lnRef idx="1">
+            <a:schemeClr val="accent1"/>
+          </a:lnRef>
+          <a:fillRef idx="0">
+            <a:schemeClr val="accent1"/>
+          </a:fillRef>
+          <a:effectRef idx="0">
+            <a:schemeClr val="accent1"/>
+          </a:effectRef>
+          <a:fontRef idx="minor">
+            <a:schemeClr val="tx1"/>
+          </a:fontRef>
+        </p:style>
+      </p:cxnSp>
+      <p:sp>
+        <p:nvSpPr>
+          <p:cNvPr id="39" name="TextBox 38">
+            <a:extLst>
+              <a:ext uri="{FF2B5EF4-FFF2-40B4-BE49-F238E27FC236}">
+                <a16:creationId xmlns:a16="http://schemas.microsoft.com/office/drawing/2014/main" id="{1BF4C560-EDE2-4460-A928-30D2E8904AB5}"/>
+              </a:ext>
+            </a:extLst>
+          </p:cNvPr>
+          <p:cNvSpPr txBox="1"/>
+          <p:nvPr/>
+        </p:nvSpPr>
+        <p:spPr>
+          <a:xfrm>
+            <a:off x="7997824" y="840460"/>
+            <a:ext cx="3053849" cy="400110"/>
+          </a:xfrm>
+          <a:prstGeom prst="rect">
+            <a:avLst/>
+          </a:prstGeom>
+          <a:noFill/>
+        </p:spPr>
+        <p:txBody>
+          <a:bodyPr wrap="none" rtlCol="0">
+            <a:spAutoFit/>
+          </a:bodyPr>
+          <a:lstStyle/>
+          <a:p>
+            <a:r>
+              <a:rPr lang="en-GB" sz="2000" dirty="0"/>
+              <a:t>Spring Balance Force Meter</a:t>
+            </a:r>
+          </a:p>
+        </p:txBody>
+      </p:sp>
+      <p:sp>
+        <p:nvSpPr>
+          <p:cNvPr id="40" name="TextBox 39">
+            <a:extLst>
+              <a:ext uri="{FF2B5EF4-FFF2-40B4-BE49-F238E27FC236}">
+                <a16:creationId xmlns:a16="http://schemas.microsoft.com/office/drawing/2014/main" id="{E946A4DA-BAA7-4BEE-9177-AC855B60BC17}"/>
+              </a:ext>
+            </a:extLst>
+          </p:cNvPr>
+          <p:cNvSpPr txBox="1"/>
+          <p:nvPr/>
+        </p:nvSpPr>
+        <p:spPr>
+          <a:xfrm>
+            <a:off x="1894772" y="5986523"/>
+            <a:ext cx="1545936" cy="400110"/>
+          </a:xfrm>
+          <a:prstGeom prst="rect">
+            <a:avLst/>
+          </a:prstGeom>
+          <a:noFill/>
+        </p:spPr>
+        <p:txBody>
+          <a:bodyPr wrap="none" rtlCol="0">
+            <a:spAutoFit/>
+          </a:bodyPr>
+          <a:lstStyle/>
+          <a:p>
+            <a:r>
+              <a:rPr lang="en-GB" sz="2000" dirty="0"/>
+              <a:t>Rexroth Base</a:t>
+            </a:r>
+          </a:p>
+        </p:txBody>
+      </p:sp>
+      <p:sp>
+        <p:nvSpPr>
+          <p:cNvPr id="41" name="TextBox 40">
+            <a:extLst>
+              <a:ext uri="{FF2B5EF4-FFF2-40B4-BE49-F238E27FC236}">
+                <a16:creationId xmlns:a16="http://schemas.microsoft.com/office/drawing/2014/main" id="{EB11741C-5F22-4FDF-B77B-FD3AAE06E141}"/>
+              </a:ext>
+            </a:extLst>
+          </p:cNvPr>
+          <p:cNvSpPr txBox="1"/>
+          <p:nvPr/>
+        </p:nvSpPr>
+        <p:spPr>
+          <a:xfrm>
+            <a:off x="1802298" y="1470883"/>
+            <a:ext cx="1215397" cy="400110"/>
+          </a:xfrm>
+          <a:prstGeom prst="rect">
+            <a:avLst/>
+          </a:prstGeom>
+          <a:noFill/>
+        </p:spPr>
+        <p:txBody>
+          <a:bodyPr wrap="none" rtlCol="0">
+            <a:spAutoFit/>
+          </a:bodyPr>
+          <a:lstStyle/>
+          <a:p>
+            <a:r>
+              <a:rPr lang="en-GB" sz="2000" dirty="0"/>
+              <a:t>Test Piece</a:t>
+            </a:r>
+          </a:p>
+        </p:txBody>
+      </p:sp>
+      <p:sp>
+        <p:nvSpPr>
+          <p:cNvPr id="42" name="TextBox 41">
+            <a:extLst>
+              <a:ext uri="{FF2B5EF4-FFF2-40B4-BE49-F238E27FC236}">
+                <a16:creationId xmlns:a16="http://schemas.microsoft.com/office/drawing/2014/main" id="{E335D7C6-6A63-4810-B3E5-DEDC039BF536}"/>
+              </a:ext>
+            </a:extLst>
+          </p:cNvPr>
+          <p:cNvSpPr txBox="1"/>
+          <p:nvPr/>
+        </p:nvSpPr>
+        <p:spPr>
+          <a:xfrm>
+            <a:off x="8123583" y="5857461"/>
+            <a:ext cx="1604157" cy="400110"/>
+          </a:xfrm>
+          <a:prstGeom prst="rect">
+            <a:avLst/>
+          </a:prstGeom>
+          <a:noFill/>
+        </p:spPr>
+        <p:txBody>
+          <a:bodyPr wrap="none" rtlCol="0">
+            <a:spAutoFit/>
+          </a:bodyPr>
+          <a:lstStyle/>
+          <a:p>
+            <a:r>
+              <a:rPr lang="en-GB" sz="2000" dirty="0"/>
+              <a:t>Loading point</a:t>
+            </a:r>
+          </a:p>
+        </p:txBody>
+      </p:sp>
+      <p:cxnSp>
+        <p:nvCxnSpPr>
+          <p:cNvPr id="50" name="Straight Arrow Connector 49">
+            <a:extLst>
+              <a:ext uri="{FF2B5EF4-FFF2-40B4-BE49-F238E27FC236}">
+                <a16:creationId xmlns:a16="http://schemas.microsoft.com/office/drawing/2014/main" id="{995A1B2D-E693-4242-AD65-BB7FD2D6E8D4}"/>
+              </a:ext>
+            </a:extLst>
+          </p:cNvPr>
+          <p:cNvCxnSpPr>
+            <a:cxnSpLocks/>
+          </p:cNvCxnSpPr>
+          <p:nvPr/>
+        </p:nvCxnSpPr>
+        <p:spPr>
+          <a:xfrm flipV="1">
+            <a:off x="3034962" y="5731567"/>
+            <a:ext cx="370846" cy="352046"/>
+          </a:xfrm>
+          <a:prstGeom prst="straightConnector1">
+            <a:avLst/>
+          </a:prstGeom>
+          <a:ln w="28575">
+            <a:solidFill>
+              <a:srgbClr val="002060"/>
+            </a:solidFill>
+            <a:tailEnd type="triangle"/>
+          </a:ln>
+        </p:spPr>
+        <p:style>
+          <a:lnRef idx="1">
+            <a:schemeClr val="accent1"/>
+          </a:lnRef>
+          <a:fillRef idx="0">
+            <a:schemeClr val="accent1"/>
+          </a:fillRef>
+          <a:effectRef idx="0">
+            <a:schemeClr val="accent1"/>
+          </a:effectRef>
+          <a:fontRef idx="minor">
+            <a:schemeClr val="tx1"/>
+          </a:fontRef>
+        </p:style>
+      </p:cxnSp>
+      <p:sp>
+        <p:nvSpPr>
+          <p:cNvPr id="54" name="TextBox 53">
+            <a:extLst>
+              <a:ext uri="{FF2B5EF4-FFF2-40B4-BE49-F238E27FC236}">
+                <a16:creationId xmlns:a16="http://schemas.microsoft.com/office/drawing/2014/main" id="{FA0BC327-F83A-4FF4-9478-CE87B2E868C3}"/>
+              </a:ext>
+            </a:extLst>
+          </p:cNvPr>
+          <p:cNvSpPr txBox="1"/>
+          <p:nvPr/>
+        </p:nvSpPr>
+        <p:spPr>
+          <a:xfrm>
+            <a:off x="1894772" y="3050325"/>
+            <a:ext cx="1545936" cy="400110"/>
+          </a:xfrm>
+          <a:prstGeom prst="rect">
+            <a:avLst/>
+          </a:prstGeom>
+          <a:noFill/>
+        </p:spPr>
+        <p:txBody>
+          <a:bodyPr wrap="none" rtlCol="0">
+            <a:spAutoFit/>
+          </a:bodyPr>
+          <a:lstStyle/>
+          <a:p>
+            <a:r>
+              <a:rPr lang="en-GB" sz="2000" dirty="0"/>
+              <a:t>Rexroth Base</a:t>
+            </a:r>
+          </a:p>
+        </p:txBody>
+      </p:sp>
+      <p:cxnSp>
+        <p:nvCxnSpPr>
+          <p:cNvPr id="55" name="Straight Arrow Connector 54">
+            <a:extLst>
+              <a:ext uri="{FF2B5EF4-FFF2-40B4-BE49-F238E27FC236}">
+                <a16:creationId xmlns:a16="http://schemas.microsoft.com/office/drawing/2014/main" id="{2C9C5455-7167-42A1-9E80-110B3CA344D2}"/>
+              </a:ext>
+            </a:extLst>
+          </p:cNvPr>
+          <p:cNvCxnSpPr>
+            <a:cxnSpLocks/>
+          </p:cNvCxnSpPr>
+          <p:nvPr/>
+        </p:nvCxnSpPr>
+        <p:spPr>
+          <a:xfrm flipV="1">
+            <a:off x="3220385" y="2849217"/>
+            <a:ext cx="185423" cy="254956"/>
+          </a:xfrm>
+          <a:prstGeom prst="straightConnector1">
+            <a:avLst/>
+          </a:prstGeom>
+          <a:ln w="28575">
+            <a:solidFill>
+              <a:srgbClr val="002060"/>
+            </a:solidFill>
+            <a:tailEnd type="triangle"/>
+          </a:ln>
+        </p:spPr>
+        <p:style>
+          <a:lnRef idx="1">
+            <a:schemeClr val="accent1"/>
+          </a:lnRef>
+          <a:fillRef idx="0">
+            <a:schemeClr val="accent1"/>
+          </a:fillRef>
+          <a:effectRef idx="0">
+            <a:schemeClr val="accent1"/>
+          </a:effectRef>
+          <a:fontRef idx="minor">
+            <a:schemeClr val="tx1"/>
+          </a:fontRef>
+        </p:style>
+      </p:cxnSp>
+      <p:cxnSp>
+        <p:nvCxnSpPr>
+          <p:cNvPr id="56" name="Straight Arrow Connector 55">
+            <a:extLst>
+              <a:ext uri="{FF2B5EF4-FFF2-40B4-BE49-F238E27FC236}">
+                <a16:creationId xmlns:a16="http://schemas.microsoft.com/office/drawing/2014/main" id="{1F22DDD0-E8C8-4AA2-AAFC-687480AD5E94}"/>
+              </a:ext>
+            </a:extLst>
+          </p:cNvPr>
+          <p:cNvCxnSpPr>
+            <a:cxnSpLocks/>
+          </p:cNvCxnSpPr>
+          <p:nvPr/>
+        </p:nvCxnSpPr>
+        <p:spPr>
+          <a:xfrm>
+            <a:off x="2990478" y="1653063"/>
+            <a:ext cx="720131" cy="0"/>
+          </a:xfrm>
+          <a:prstGeom prst="straightConnector1">
+            <a:avLst/>
+          </a:prstGeom>
+          <a:ln w="28575">
+            <a:solidFill>
+              <a:srgbClr val="002060"/>
+            </a:solidFill>
+            <a:tailEnd type="triangle"/>
+          </a:ln>
+        </p:spPr>
+        <p:style>
+          <a:lnRef idx="1">
+            <a:schemeClr val="accent1"/>
+          </a:lnRef>
+          <a:fillRef idx="0">
+            <a:schemeClr val="accent1"/>
+          </a:fillRef>
+          <a:effectRef idx="0">
+            <a:schemeClr val="accent1"/>
+          </a:effectRef>
+          <a:fontRef idx="minor">
+            <a:schemeClr val="tx1"/>
+          </a:fontRef>
+        </p:style>
+      </p:cxnSp>
+      <p:sp>
+        <p:nvSpPr>
+          <p:cNvPr id="58" name="TextBox 57">
+            <a:extLst>
+              <a:ext uri="{FF2B5EF4-FFF2-40B4-BE49-F238E27FC236}">
+                <a16:creationId xmlns:a16="http://schemas.microsoft.com/office/drawing/2014/main" id="{382F4BB2-B30E-460F-BAA2-BCD709EE5315}"/>
+              </a:ext>
+            </a:extLst>
+          </p:cNvPr>
+          <p:cNvSpPr txBox="1"/>
+          <p:nvPr/>
+        </p:nvSpPr>
+        <p:spPr>
+          <a:xfrm>
+            <a:off x="1854567" y="4928539"/>
+            <a:ext cx="1215397" cy="400110"/>
+          </a:xfrm>
+          <a:prstGeom prst="rect">
+            <a:avLst/>
+          </a:prstGeom>
+          <a:noFill/>
+        </p:spPr>
+        <p:txBody>
+          <a:bodyPr wrap="none" rtlCol="0">
+            <a:spAutoFit/>
+          </a:bodyPr>
+          <a:lstStyle/>
+          <a:p>
+            <a:r>
+              <a:rPr lang="en-GB" sz="2000" dirty="0"/>
+              <a:t>Test Piece</a:t>
+            </a:r>
+          </a:p>
+        </p:txBody>
+      </p:sp>
+      <p:cxnSp>
+        <p:nvCxnSpPr>
+          <p:cNvPr id="59" name="Straight Arrow Connector 58">
+            <a:extLst>
+              <a:ext uri="{FF2B5EF4-FFF2-40B4-BE49-F238E27FC236}">
+                <a16:creationId xmlns:a16="http://schemas.microsoft.com/office/drawing/2014/main" id="{216BF1BB-42D8-4BB3-8574-ED3CDF2AA78D}"/>
+              </a:ext>
+            </a:extLst>
+          </p:cNvPr>
+          <p:cNvCxnSpPr>
+            <a:cxnSpLocks/>
+          </p:cNvCxnSpPr>
+          <p:nvPr/>
+        </p:nvCxnSpPr>
+        <p:spPr>
+          <a:xfrm>
+            <a:off x="3032348" y="5128595"/>
+            <a:ext cx="720131" cy="0"/>
+          </a:xfrm>
+          <a:prstGeom prst="straightConnector1">
+            <a:avLst/>
+          </a:prstGeom>
+          <a:ln w="28575">
+            <a:solidFill>
+              <a:srgbClr val="002060"/>
+            </a:solidFill>
+            <a:tailEnd type="triangle"/>
+          </a:ln>
+        </p:spPr>
+        <p:style>
+          <a:lnRef idx="1">
+            <a:schemeClr val="accent1"/>
+          </a:lnRef>
+          <a:fillRef idx="0">
+            <a:schemeClr val="accent1"/>
+          </a:fillRef>
+          <a:effectRef idx="0">
+            <a:schemeClr val="accent1"/>
+          </a:effectRef>
+          <a:fontRef idx="minor">
+            <a:schemeClr val="tx1"/>
+          </a:fontRef>
+        </p:style>
+      </p:cxnSp>
+      <p:cxnSp>
+        <p:nvCxnSpPr>
+          <p:cNvPr id="66" name="Straight Arrow Connector 65">
+            <a:extLst>
+              <a:ext uri="{FF2B5EF4-FFF2-40B4-BE49-F238E27FC236}">
+                <a16:creationId xmlns:a16="http://schemas.microsoft.com/office/drawing/2014/main" id="{00EE9249-9F1B-44FF-BEB8-C5597F16E8DE}"/>
+              </a:ext>
+            </a:extLst>
+          </p:cNvPr>
+          <p:cNvCxnSpPr>
+            <a:cxnSpLocks/>
+          </p:cNvCxnSpPr>
+          <p:nvPr/>
+        </p:nvCxnSpPr>
+        <p:spPr>
+          <a:xfrm>
+            <a:off x="7752522" y="1761438"/>
+            <a:ext cx="1298713" cy="0"/>
+          </a:xfrm>
+          <a:prstGeom prst="straightConnector1">
+            <a:avLst/>
+          </a:prstGeom>
+          <a:ln w="38100">
+            <a:solidFill>
+              <a:srgbClr val="FF0000"/>
+            </a:solidFill>
+            <a:headEnd type="triangle" w="med" len="med"/>
+            <a:tailEnd type="triangle" w="med" len="med"/>
+          </a:ln>
+        </p:spPr>
+        <p:style>
+          <a:lnRef idx="1">
+            <a:schemeClr val="accent1"/>
+          </a:lnRef>
+          <a:fillRef idx="0">
+            <a:schemeClr val="accent1"/>
+          </a:fillRef>
+          <a:effectRef idx="0">
+            <a:schemeClr val="accent1"/>
+          </a:effectRef>
+          <a:fontRef idx="minor">
+            <a:schemeClr val="tx1"/>
+          </a:fontRef>
+        </p:style>
+      </p:cxnSp>
+      <p:sp>
+        <p:nvSpPr>
+          <p:cNvPr id="68" name="TextBox 67">
+            <a:extLst>
+              <a:ext uri="{FF2B5EF4-FFF2-40B4-BE49-F238E27FC236}">
+                <a16:creationId xmlns:a16="http://schemas.microsoft.com/office/drawing/2014/main" id="{2F9D8C23-DF65-49FA-AB15-C9862EE491B4}"/>
+              </a:ext>
+            </a:extLst>
+          </p:cNvPr>
+          <p:cNvSpPr txBox="1"/>
+          <p:nvPr/>
+        </p:nvSpPr>
+        <p:spPr>
+          <a:xfrm>
+            <a:off x="9028808" y="1407495"/>
+            <a:ext cx="1661865" cy="707886"/>
+          </a:xfrm>
+          <a:prstGeom prst="rect">
+            <a:avLst/>
+          </a:prstGeom>
+          <a:noFill/>
+        </p:spPr>
+        <p:txBody>
+          <a:bodyPr wrap="none" rtlCol="0">
+            <a:spAutoFit/>
+          </a:bodyPr>
+          <a:lstStyle/>
+          <a:p>
+            <a:r>
+              <a:rPr lang="en-GB" sz="2000" dirty="0"/>
+              <a:t>Loading point </a:t>
+            </a:r>
+          </a:p>
+          <a:p>
+            <a:r>
+              <a:rPr lang="en-GB" sz="2000" dirty="0"/>
+              <a:t>movement</a:t>
+            </a:r>
+          </a:p>
+        </p:txBody>
+      </p:sp>
+      <p:cxnSp>
+        <p:nvCxnSpPr>
+          <p:cNvPr id="71" name="Straight Arrow Connector 70">
+            <a:extLst>
+              <a:ext uri="{FF2B5EF4-FFF2-40B4-BE49-F238E27FC236}">
+                <a16:creationId xmlns:a16="http://schemas.microsoft.com/office/drawing/2014/main" id="{7073CD10-5FAC-4858-B9C4-023705AB2FB1}"/>
+              </a:ext>
+            </a:extLst>
+          </p:cNvPr>
+          <p:cNvCxnSpPr>
+            <a:cxnSpLocks/>
+          </p:cNvCxnSpPr>
+          <p:nvPr/>
+        </p:nvCxnSpPr>
+        <p:spPr>
+          <a:xfrm>
+            <a:off x="7876090" y="5132606"/>
+            <a:ext cx="1298713" cy="0"/>
+          </a:xfrm>
+          <a:prstGeom prst="straightConnector1">
+            <a:avLst/>
+          </a:prstGeom>
+          <a:ln w="38100">
+            <a:solidFill>
+              <a:srgbClr val="FF0000"/>
+            </a:solidFill>
+            <a:headEnd type="triangle" w="med" len="med"/>
+            <a:tailEnd type="triangle" w="med" len="med"/>
+          </a:ln>
+        </p:spPr>
+        <p:style>
+          <a:lnRef idx="1">
+            <a:schemeClr val="accent1"/>
+          </a:lnRef>
+          <a:fillRef idx="0">
+            <a:schemeClr val="accent1"/>
+          </a:fillRef>
+          <a:effectRef idx="0">
+            <a:schemeClr val="accent1"/>
+          </a:effectRef>
+          <a:fontRef idx="minor">
+            <a:schemeClr val="tx1"/>
+          </a:fontRef>
+        </p:style>
+      </p:cxnSp>
+      <p:sp>
+        <p:nvSpPr>
+          <p:cNvPr id="72" name="TextBox 71">
+            <a:extLst>
+              <a:ext uri="{FF2B5EF4-FFF2-40B4-BE49-F238E27FC236}">
+                <a16:creationId xmlns:a16="http://schemas.microsoft.com/office/drawing/2014/main" id="{1B1890B7-5CB5-4AD7-A704-650F9B1697E9}"/>
+              </a:ext>
+            </a:extLst>
+          </p:cNvPr>
+          <p:cNvSpPr txBox="1"/>
+          <p:nvPr/>
+        </p:nvSpPr>
+        <p:spPr>
+          <a:xfrm>
+            <a:off x="9133543" y="4794247"/>
+            <a:ext cx="1661865" cy="707886"/>
+          </a:xfrm>
+          <a:prstGeom prst="rect">
+            <a:avLst/>
+          </a:prstGeom>
+          <a:noFill/>
+        </p:spPr>
+        <p:txBody>
+          <a:bodyPr wrap="none" rtlCol="0">
+            <a:spAutoFit/>
+          </a:bodyPr>
+          <a:lstStyle/>
+          <a:p>
+            <a:r>
+              <a:rPr lang="en-GB" sz="2000" dirty="0"/>
+              <a:t>Loading point </a:t>
+            </a:r>
+          </a:p>
+          <a:p>
+            <a:r>
+              <a:rPr lang="en-GB" sz="2000" dirty="0"/>
+              <a:t>movement</a:t>
+            </a:r>
+          </a:p>
+        </p:txBody>
+      </p:sp>
+      <p:cxnSp>
+        <p:nvCxnSpPr>
+          <p:cNvPr id="84" name="Straight Arrow Connector 83">
+            <a:extLst>
+              <a:ext uri="{FF2B5EF4-FFF2-40B4-BE49-F238E27FC236}">
+                <a16:creationId xmlns:a16="http://schemas.microsoft.com/office/drawing/2014/main" id="{39D4CF13-EB14-44A4-8D54-1612277D91E2}"/>
+              </a:ext>
+            </a:extLst>
+          </p:cNvPr>
+          <p:cNvCxnSpPr>
+            <a:cxnSpLocks/>
+            <a:endCxn id="18" idx="5"/>
+          </p:cNvCxnSpPr>
+          <p:nvPr/>
+        </p:nvCxnSpPr>
+        <p:spPr>
+          <a:xfrm flipH="1" flipV="1">
+            <a:off x="7855600" y="5236358"/>
+            <a:ext cx="319548" cy="762736"/>
+          </a:xfrm>
+          <a:prstGeom prst="straightConnector1">
+            <a:avLst/>
+          </a:prstGeom>
+          <a:ln w="28575">
+            <a:solidFill>
+              <a:srgbClr val="002060"/>
+            </a:solidFill>
+            <a:tailEnd type="triangle"/>
+          </a:ln>
+        </p:spPr>
+        <p:style>
+          <a:lnRef idx="1">
+            <a:schemeClr val="accent1"/>
+          </a:lnRef>
+          <a:fillRef idx="0">
+            <a:schemeClr val="accent1"/>
+          </a:fillRef>
+          <a:effectRef idx="0">
+            <a:schemeClr val="accent1"/>
+          </a:effectRef>
+          <a:fontRef idx="minor">
+            <a:schemeClr val="tx1"/>
+          </a:fontRef>
+        </p:style>
+      </p:cxnSp>
+      <p:sp>
+        <p:nvSpPr>
+          <p:cNvPr id="88" name="TextBox 87">
+            <a:extLst>
+              <a:ext uri="{FF2B5EF4-FFF2-40B4-BE49-F238E27FC236}">
+                <a16:creationId xmlns:a16="http://schemas.microsoft.com/office/drawing/2014/main" id="{22148E88-2C4F-4CBB-8E29-1A41D2F9F922}"/>
+              </a:ext>
+            </a:extLst>
+          </p:cNvPr>
+          <p:cNvSpPr txBox="1"/>
+          <p:nvPr/>
+        </p:nvSpPr>
+        <p:spPr>
+          <a:xfrm>
+            <a:off x="7997824" y="4055101"/>
+            <a:ext cx="3053849" cy="400110"/>
+          </a:xfrm>
+          <a:prstGeom prst="rect">
+            <a:avLst/>
+          </a:prstGeom>
+          <a:noFill/>
+        </p:spPr>
+        <p:txBody>
+          <a:bodyPr wrap="none" rtlCol="0">
+            <a:spAutoFit/>
+          </a:bodyPr>
+          <a:lstStyle/>
+          <a:p>
+            <a:r>
+              <a:rPr lang="en-GB" sz="2000" dirty="0"/>
+              <a:t>Spring Balance Force Meter</a:t>
+            </a:r>
+          </a:p>
+        </p:txBody>
+      </p:sp>
+      <p:cxnSp>
+        <p:nvCxnSpPr>
+          <p:cNvPr id="89" name="Straight Arrow Connector 88">
+            <a:extLst>
+              <a:ext uri="{FF2B5EF4-FFF2-40B4-BE49-F238E27FC236}">
+                <a16:creationId xmlns:a16="http://schemas.microsoft.com/office/drawing/2014/main" id="{99C42DCE-68A8-40AF-8F3D-B3AD9229E306}"/>
+              </a:ext>
+            </a:extLst>
+          </p:cNvPr>
+          <p:cNvCxnSpPr>
+            <a:cxnSpLocks/>
+          </p:cNvCxnSpPr>
+          <p:nvPr/>
+        </p:nvCxnSpPr>
+        <p:spPr>
+          <a:xfrm flipH="1">
+            <a:off x="6619462" y="4287500"/>
+            <a:ext cx="1378362" cy="723992"/>
+          </a:xfrm>
+          <a:prstGeom prst="straightConnector1">
+            <a:avLst/>
+          </a:prstGeom>
+          <a:ln w="28575">
+            <a:solidFill>
+              <a:srgbClr val="002060"/>
+            </a:solidFill>
+            <a:tailEnd type="triangle"/>
+          </a:ln>
+        </p:spPr>
+        <p:style>
+          <a:lnRef idx="1">
+            <a:schemeClr val="accent1"/>
+          </a:lnRef>
+          <a:fillRef idx="0">
+            <a:schemeClr val="accent1"/>
+          </a:fillRef>
+          <a:effectRef idx="0">
+            <a:schemeClr val="accent1"/>
+          </a:effectRef>
+          <a:fontRef idx="minor">
+            <a:schemeClr val="tx1"/>
+          </a:fontRef>
+        </p:style>
+      </p:cxnSp>
+      <p:sp>
+        <p:nvSpPr>
+          <p:cNvPr id="92" name="TextBox 91">
+            <a:extLst>
+              <a:ext uri="{FF2B5EF4-FFF2-40B4-BE49-F238E27FC236}">
+                <a16:creationId xmlns:a16="http://schemas.microsoft.com/office/drawing/2014/main" id="{11A49E2C-40D6-46F5-A865-6ABA6D68CA15}"/>
+              </a:ext>
+            </a:extLst>
+          </p:cNvPr>
+          <p:cNvSpPr txBox="1"/>
+          <p:nvPr/>
+        </p:nvSpPr>
+        <p:spPr>
+          <a:xfrm>
+            <a:off x="8927667" y="2199896"/>
+            <a:ext cx="1604157" cy="400110"/>
+          </a:xfrm>
+          <a:prstGeom prst="rect">
+            <a:avLst/>
+          </a:prstGeom>
+          <a:noFill/>
+        </p:spPr>
+        <p:txBody>
+          <a:bodyPr wrap="none" rtlCol="0">
+            <a:spAutoFit/>
+          </a:bodyPr>
+          <a:lstStyle/>
+          <a:p>
+            <a:r>
+              <a:rPr lang="en-GB" sz="2000" dirty="0"/>
+              <a:t>Loading point</a:t>
+            </a:r>
+          </a:p>
+        </p:txBody>
+      </p:sp>
+      <p:cxnSp>
+        <p:nvCxnSpPr>
+          <p:cNvPr id="93" name="Straight Arrow Connector 92">
+            <a:extLst>
+              <a:ext uri="{FF2B5EF4-FFF2-40B4-BE49-F238E27FC236}">
+                <a16:creationId xmlns:a16="http://schemas.microsoft.com/office/drawing/2014/main" id="{A421CAB4-F317-4D84-84DF-B518AFC1076C}"/>
+              </a:ext>
+            </a:extLst>
+          </p:cNvPr>
+          <p:cNvCxnSpPr>
+            <a:cxnSpLocks/>
+            <a:stCxn id="92" idx="1"/>
+          </p:cNvCxnSpPr>
+          <p:nvPr/>
+        </p:nvCxnSpPr>
+        <p:spPr>
+          <a:xfrm flipH="1" flipV="1">
+            <a:off x="7752523" y="2167142"/>
+            <a:ext cx="1175144" cy="232809"/>
+          </a:xfrm>
+          <a:prstGeom prst="straightConnector1">
+            <a:avLst/>
+          </a:prstGeom>
+          <a:ln w="28575">
+            <a:solidFill>
+              <a:srgbClr val="002060"/>
+            </a:solidFill>
+            <a:tailEnd type="triangle"/>
+          </a:ln>
+        </p:spPr>
+        <p:style>
+          <a:lnRef idx="1">
+            <a:schemeClr val="accent1"/>
+          </a:lnRef>
+          <a:fillRef idx="0">
+            <a:schemeClr val="accent1"/>
+          </a:fillRef>
+          <a:effectRef idx="0">
+            <a:schemeClr val="accent1"/>
+          </a:effectRef>
+          <a:fontRef idx="minor">
+            <a:schemeClr val="tx1"/>
+          </a:fontRef>
+        </p:style>
+      </p:cxnSp>
+      <p:cxnSp>
+        <p:nvCxnSpPr>
+          <p:cNvPr id="98" name="Straight Arrow Connector 97">
+            <a:extLst>
+              <a:ext uri="{FF2B5EF4-FFF2-40B4-BE49-F238E27FC236}">
+                <a16:creationId xmlns:a16="http://schemas.microsoft.com/office/drawing/2014/main" id="{DC200ADC-A71E-43AC-B4EB-A8A9C519C844}"/>
+              </a:ext>
+            </a:extLst>
+          </p:cNvPr>
+          <p:cNvCxnSpPr>
+            <a:cxnSpLocks/>
+          </p:cNvCxnSpPr>
+          <p:nvPr/>
+        </p:nvCxnSpPr>
+        <p:spPr>
+          <a:xfrm flipH="1">
+            <a:off x="6612836" y="1088989"/>
+            <a:ext cx="1457740" cy="685189"/>
+          </a:xfrm>
+          <a:prstGeom prst="straightConnector1">
+            <a:avLst/>
+          </a:prstGeom>
+          <a:ln w="28575">
+            <a:solidFill>
+              <a:srgbClr val="002060"/>
+            </a:solidFill>
+            <a:tailEnd type="triangle"/>
+          </a:ln>
+        </p:spPr>
+        <p:style>
+          <a:lnRef idx="1">
+            <a:schemeClr val="accent1"/>
+          </a:lnRef>
+          <a:fillRef idx="0">
+            <a:schemeClr val="accent1"/>
+          </a:fillRef>
+          <a:effectRef idx="0">
+            <a:schemeClr val="accent1"/>
+          </a:effectRef>
+          <a:fontRef idx="minor">
+            <a:schemeClr val="tx1"/>
+          </a:fontRef>
+        </p:style>
+      </p:cxnSp>
+      <p:sp>
+        <p:nvSpPr>
+          <p:cNvPr id="103" name="Arc 102">
+            <a:extLst>
+              <a:ext uri="{FF2B5EF4-FFF2-40B4-BE49-F238E27FC236}">
+                <a16:creationId xmlns:a16="http://schemas.microsoft.com/office/drawing/2014/main" id="{FC077D01-2A96-4558-804C-862CEAF291F0}"/>
+              </a:ext>
+            </a:extLst>
+          </p:cNvPr>
+          <p:cNvSpPr/>
+          <p:nvPr/>
+        </p:nvSpPr>
+        <p:spPr>
+          <a:xfrm rot="17348241" flipV="1">
+            <a:off x="4313075" y="4258240"/>
+            <a:ext cx="1057643" cy="1318499"/>
+          </a:xfrm>
+          <a:prstGeom prst="arc">
+            <a:avLst/>
+          </a:prstGeom>
+          <a:ln w="38100">
+            <a:solidFill>
+              <a:srgbClr val="FF0000"/>
+            </a:solidFill>
+            <a:headEnd type="none" w="med" len="med"/>
+            <a:tailEnd type="arrow" w="med" len="med"/>
+          </a:ln>
+        </p:spPr>
+        <p:style>
+          <a:lnRef idx="1">
+            <a:schemeClr val="accent1"/>
+          </a:lnRef>
+          <a:fillRef idx="0">
+            <a:schemeClr val="accent1"/>
+          </a:fillRef>
+          <a:effectRef idx="0">
+            <a:schemeClr val="accent1"/>
+          </a:effectRef>
+          <a:fontRef idx="minor">
+            <a:schemeClr val="tx1"/>
+          </a:fontRef>
+        </p:style>
+        <p:txBody>
+          <a:bodyPr rtlCol="0" anchor="ctr"/>
+          <a:lstStyle/>
+          <a:p>
+            <a:pPr algn="ctr"/>
+            <a:endParaRPr lang="en-GB" sz="2000"/>
+          </a:p>
+        </p:txBody>
+      </p:sp>
+      <p:cxnSp>
+        <p:nvCxnSpPr>
+          <p:cNvPr id="104" name="Straight Connector 103">
+            <a:extLst>
+              <a:ext uri="{FF2B5EF4-FFF2-40B4-BE49-F238E27FC236}">
+                <a16:creationId xmlns:a16="http://schemas.microsoft.com/office/drawing/2014/main" id="{513BD2CF-5DF3-4402-8EB2-33EE21099350}"/>
+              </a:ext>
+            </a:extLst>
+          </p:cNvPr>
+          <p:cNvCxnSpPr>
+            <a:cxnSpLocks/>
+          </p:cNvCxnSpPr>
+          <p:nvPr/>
+        </p:nvCxnSpPr>
+        <p:spPr>
+          <a:xfrm>
+            <a:off x="3939392" y="5128594"/>
+            <a:ext cx="1378226" cy="10769"/>
+          </a:xfrm>
+          <a:prstGeom prst="line">
+            <a:avLst/>
+          </a:prstGeom>
+          <a:ln w="28575">
+            <a:solidFill>
+              <a:srgbClr val="FF0000"/>
+            </a:solidFill>
+            <a:prstDash val="dash"/>
+          </a:ln>
+        </p:spPr>
+        <p:style>
+          <a:lnRef idx="1">
+            <a:schemeClr val="accent1"/>
+          </a:lnRef>
+          <a:fillRef idx="0">
+            <a:schemeClr val="accent1"/>
+          </a:fillRef>
+          <a:effectRef idx="0">
+            <a:schemeClr val="accent1"/>
+          </a:effectRef>
+          <a:fontRef idx="minor">
+            <a:schemeClr val="tx1"/>
+          </a:fontRef>
+        </p:style>
+      </p:cxnSp>
+      <p:sp>
+        <p:nvSpPr>
+          <p:cNvPr id="108" name="TextBox 107">
+            <a:extLst>
+              <a:ext uri="{FF2B5EF4-FFF2-40B4-BE49-F238E27FC236}">
+                <a16:creationId xmlns:a16="http://schemas.microsoft.com/office/drawing/2014/main" id="{A55B2CC2-8BAD-47DD-9AAF-99C95D3B9596}"/>
+              </a:ext>
+            </a:extLst>
+          </p:cNvPr>
+          <p:cNvSpPr txBox="1"/>
+          <p:nvPr/>
+        </p:nvSpPr>
+        <p:spPr>
+          <a:xfrm>
+            <a:off x="3906261" y="4099832"/>
+            <a:ext cx="2785186" cy="400110"/>
+          </a:xfrm>
+          <a:prstGeom prst="rect">
+            <a:avLst/>
+          </a:prstGeom>
+          <a:noFill/>
+        </p:spPr>
+        <p:txBody>
+          <a:bodyPr wrap="none" rtlCol="0">
+            <a:spAutoFit/>
+          </a:bodyPr>
+          <a:lstStyle/>
+          <a:p>
+            <a:r>
+              <a:rPr lang="en-GB" sz="2000" dirty="0"/>
+              <a:t>Test Piece Rotation angle</a:t>
+            </a:r>
+          </a:p>
+        </p:txBody>
+      </p:sp>
+      <p:sp>
+        <p:nvSpPr>
+          <p:cNvPr id="110" name="TextBox 109">
+            <a:extLst>
+              <a:ext uri="{FF2B5EF4-FFF2-40B4-BE49-F238E27FC236}">
+                <a16:creationId xmlns:a16="http://schemas.microsoft.com/office/drawing/2014/main" id="{A89F4FF0-B951-4245-8EA6-C4ECB0CE4DB4}"/>
+              </a:ext>
+            </a:extLst>
+          </p:cNvPr>
+          <p:cNvSpPr txBox="1"/>
+          <p:nvPr/>
+        </p:nvSpPr>
+        <p:spPr>
+          <a:xfrm>
+            <a:off x="1936642" y="512777"/>
+            <a:ext cx="1598386" cy="523220"/>
+          </a:xfrm>
+          <a:prstGeom prst="rect">
+            <a:avLst/>
+          </a:prstGeom>
+          <a:noFill/>
+        </p:spPr>
+        <p:txBody>
+          <a:bodyPr wrap="none" rtlCol="0">
+            <a:spAutoFit/>
+          </a:bodyPr>
+          <a:lstStyle/>
+          <a:p>
+            <a:r>
+              <a:rPr lang="en-GB" sz="2800" u="sng" dirty="0"/>
+              <a:t>Side View</a:t>
+            </a:r>
+          </a:p>
+        </p:txBody>
+      </p:sp>
+      <p:sp>
+        <p:nvSpPr>
+          <p:cNvPr id="111" name="TextBox 110">
+            <a:extLst>
+              <a:ext uri="{FF2B5EF4-FFF2-40B4-BE49-F238E27FC236}">
+                <a16:creationId xmlns:a16="http://schemas.microsoft.com/office/drawing/2014/main" id="{5C294007-78AB-4CD8-909D-BC796DC5ADFE}"/>
+              </a:ext>
+            </a:extLst>
+          </p:cNvPr>
+          <p:cNvSpPr txBox="1"/>
+          <p:nvPr/>
+        </p:nvSpPr>
+        <p:spPr>
+          <a:xfrm>
+            <a:off x="1896992" y="3641484"/>
+            <a:ext cx="1696298" cy="584775"/>
+          </a:xfrm>
+          <a:prstGeom prst="rect">
+            <a:avLst/>
+          </a:prstGeom>
+          <a:noFill/>
+        </p:spPr>
+        <p:txBody>
+          <a:bodyPr wrap="none" rtlCol="0">
+            <a:spAutoFit/>
+          </a:bodyPr>
+          <a:lstStyle/>
+          <a:p>
+            <a:r>
+              <a:rPr lang="en-GB" sz="3200" u="sng" dirty="0"/>
+              <a:t>Top View</a:t>
+            </a:r>
+          </a:p>
+        </p:txBody>
+      </p:sp>
+      <p:sp>
+        <p:nvSpPr>
+          <p:cNvPr id="115" name="Rectangle 114">
+            <a:extLst>
+              <a:ext uri="{FF2B5EF4-FFF2-40B4-BE49-F238E27FC236}">
+                <a16:creationId xmlns:a16="http://schemas.microsoft.com/office/drawing/2014/main" id="{0EE3196F-B83F-40C9-8E10-E3C17DB126FB}"/>
+              </a:ext>
+            </a:extLst>
+          </p:cNvPr>
+          <p:cNvSpPr/>
+          <p:nvPr/>
+        </p:nvSpPr>
+        <p:spPr>
+          <a:xfrm>
+            <a:off x="1431235" y="344557"/>
+            <a:ext cx="9859617" cy="6149008"/>
+          </a:xfrm>
+          <a:prstGeom prst="rect">
+            <a:avLst/>
+          </a:prstGeom>
+          <a:noFill/>
+          <a:ln w="28575">
+            <a:solidFill>
+              <a:schemeClr val="tx1"/>
+            </a:solidFill>
+          </a:ln>
+        </p:spPr>
+        <p:style>
+          <a:lnRef idx="2">
+            <a:schemeClr val="accent1">
+              <a:shade val="50000"/>
+            </a:schemeClr>
+          </a:lnRef>
+          <a:fillRef idx="1">
+            <a:schemeClr val="accent1"/>
+          </a:fillRef>
+          <a:effectRef idx="0">
+            <a:schemeClr val="accent1"/>
+          </a:effectRef>
+          <a:fontRef idx="minor">
+            <a:schemeClr val="lt1"/>
+          </a:fontRef>
+        </p:style>
+        <p:txBody>
+          <a:bodyPr rtlCol="0" anchor="ctr"/>
+          <a:lstStyle/>
+          <a:p>
+            <a:pPr algn="ctr"/>
+            <a:endParaRPr lang="en-GB"/>
+          </a:p>
+        </p:txBody>
+      </p:sp>
+      <p:sp>
+        <p:nvSpPr>
+          <p:cNvPr id="116" name="Rectangle 115">
+            <a:extLst>
+              <a:ext uri="{FF2B5EF4-FFF2-40B4-BE49-F238E27FC236}">
+                <a16:creationId xmlns:a16="http://schemas.microsoft.com/office/drawing/2014/main" id="{C5A95255-81FA-4EFC-AF80-E3870BDD8271}"/>
+              </a:ext>
+            </a:extLst>
+          </p:cNvPr>
+          <p:cNvSpPr/>
+          <p:nvPr/>
+        </p:nvSpPr>
+        <p:spPr>
+          <a:xfrm>
+            <a:off x="1431235" y="341963"/>
+            <a:ext cx="9859617" cy="3186543"/>
+          </a:xfrm>
+          <a:prstGeom prst="rect">
+            <a:avLst/>
+          </a:prstGeom>
+          <a:noFill/>
+          <a:ln w="28575">
+            <a:solidFill>
+              <a:schemeClr val="tx1"/>
+            </a:solidFill>
+          </a:ln>
+        </p:spPr>
+        <p:style>
+          <a:lnRef idx="2">
+            <a:schemeClr val="accent1">
+              <a:shade val="50000"/>
+            </a:schemeClr>
+          </a:lnRef>
+          <a:fillRef idx="1">
+            <a:schemeClr val="accent1"/>
+          </a:fillRef>
+          <a:effectRef idx="0">
+            <a:schemeClr val="accent1"/>
+          </a:effectRef>
+          <a:fontRef idx="minor">
+            <a:schemeClr val="lt1"/>
+          </a:fontRef>
+        </p:style>
+        <p:txBody>
+          <a:bodyPr rtlCol="0" anchor="ctr"/>
+          <a:lstStyle/>
+          <a:p>
+            <a:pPr algn="ctr"/>
+            <a:endParaRPr lang="en-GB"/>
+          </a:p>
+        </p:txBody>
+      </p:sp>
+    </p:spTree>
+    <p:extLst>
+      <p:ext uri="{BB962C8B-B14F-4D97-AF65-F5344CB8AC3E}">
+        <p14:creationId xmlns:p14="http://schemas.microsoft.com/office/powerpoint/2010/main" val="913032321"/>
+      </p:ext>
+    </p:extLst>
+  </p:cSld>
+  <p:clrMapOvr>
+    <a:masterClrMapping/>
+  </p:clrMapOvr>
+</p:sld>
+</file>
+
+<file path=ppt/slides/slide23.xml><?xml version="1.0" encoding="utf-8"?>
+<p:sld xmlns:a="http://schemas.openxmlformats.org/drawingml/2006/main" xmlns:r="http://schemas.openxmlformats.org/officeDocument/2006/relationships" xmlns:p="http://schemas.openxmlformats.org/presentationml/2006/main">
+  <p:cSld>
+    <p:spTree>
+      <p:nvGrpSpPr>
+        <p:cNvPr id="1" name=""/>
+        <p:cNvGrpSpPr/>
+        <p:nvPr/>
+      </p:nvGrpSpPr>
+      <p:grpSpPr>
+        <a:xfrm>
+          <a:off x="0" y="0"/>
+          <a:ext cx="0" cy="0"/>
+          <a:chOff x="0" y="0"/>
+          <a:chExt cx="0" cy="0"/>
+        </a:xfrm>
+      </p:grpSpPr>
+      <p:sp>
+        <p:nvSpPr>
+          <p:cNvPr id="4" name="Oval 3">
+            <a:extLst>
+              <a:ext uri="{FF2B5EF4-FFF2-40B4-BE49-F238E27FC236}">
+                <a16:creationId xmlns:a16="http://schemas.microsoft.com/office/drawing/2014/main" id="{ED2F2973-7A2F-4AA9-A9F7-862FDB56BE30}"/>
+              </a:ext>
+            </a:extLst>
+          </p:cNvPr>
+          <p:cNvSpPr/>
+          <p:nvPr/>
+        </p:nvSpPr>
+        <p:spPr>
+          <a:xfrm>
+            <a:off x="2531164" y="1417983"/>
+            <a:ext cx="318053" cy="304800"/>
+          </a:xfrm>
+          <a:prstGeom prst="ellipse">
+            <a:avLst/>
+          </a:prstGeom>
+          <a:solidFill>
+            <a:schemeClr val="tx1">
+              <a:lumMod val="50000"/>
+              <a:lumOff val="50000"/>
+            </a:schemeClr>
+          </a:solidFill>
+          <a:ln w="28575">
+            <a:solidFill>
+              <a:schemeClr val="tx1"/>
+            </a:solidFill>
+          </a:ln>
+        </p:spPr>
+        <p:style>
+          <a:lnRef idx="2">
+            <a:schemeClr val="accent1">
+              <a:shade val="50000"/>
+            </a:schemeClr>
+          </a:lnRef>
+          <a:fillRef idx="1">
+            <a:schemeClr val="accent1"/>
+          </a:fillRef>
+          <a:effectRef idx="0">
+            <a:schemeClr val="accent1"/>
+          </a:effectRef>
+          <a:fontRef idx="minor">
+            <a:schemeClr val="lt1"/>
+          </a:fontRef>
+        </p:style>
+        <p:txBody>
+          <a:bodyPr rtlCol="0" anchor="ctr"/>
+          <a:lstStyle/>
+          <a:p>
+            <a:pPr algn="ctr"/>
+            <a:endParaRPr lang="en-GB"/>
+          </a:p>
+        </p:txBody>
+      </p:sp>
+      <p:sp>
+        <p:nvSpPr>
+          <p:cNvPr id="6" name="Oval 5">
+            <a:extLst>
+              <a:ext uri="{FF2B5EF4-FFF2-40B4-BE49-F238E27FC236}">
+                <a16:creationId xmlns:a16="http://schemas.microsoft.com/office/drawing/2014/main" id="{0143CA8F-5B43-44AA-B5FA-323FFDE815E9}"/>
+              </a:ext>
+            </a:extLst>
+          </p:cNvPr>
+          <p:cNvSpPr/>
+          <p:nvPr/>
+        </p:nvSpPr>
+        <p:spPr>
+          <a:xfrm>
+            <a:off x="2531164" y="2401957"/>
+            <a:ext cx="318053" cy="304800"/>
+          </a:xfrm>
+          <a:prstGeom prst="ellipse">
+            <a:avLst/>
+          </a:prstGeom>
+          <a:solidFill>
+            <a:schemeClr val="tx1">
+              <a:lumMod val="50000"/>
+              <a:lumOff val="50000"/>
+            </a:schemeClr>
+          </a:solidFill>
+          <a:ln w="28575">
+            <a:solidFill>
+              <a:schemeClr val="tx1"/>
+            </a:solidFill>
+          </a:ln>
+        </p:spPr>
+        <p:style>
+          <a:lnRef idx="2">
+            <a:schemeClr val="accent1">
+              <a:shade val="50000"/>
+            </a:schemeClr>
+          </a:lnRef>
+          <a:fillRef idx="1">
+            <a:schemeClr val="accent1"/>
+          </a:fillRef>
+          <a:effectRef idx="0">
+            <a:schemeClr val="accent1"/>
+          </a:effectRef>
+          <a:fontRef idx="minor">
+            <a:schemeClr val="lt1"/>
+          </a:fontRef>
+        </p:style>
+        <p:txBody>
+          <a:bodyPr rtlCol="0" anchor="ctr"/>
+          <a:lstStyle/>
+          <a:p>
+            <a:pPr algn="ctr"/>
+            <a:endParaRPr lang="en-GB"/>
+          </a:p>
+        </p:txBody>
+      </p:sp>
+      <p:sp>
+        <p:nvSpPr>
+          <p:cNvPr id="7" name="Oval 6">
+            <a:extLst>
+              <a:ext uri="{FF2B5EF4-FFF2-40B4-BE49-F238E27FC236}">
+                <a16:creationId xmlns:a16="http://schemas.microsoft.com/office/drawing/2014/main" id="{A79E0202-B0CD-40D1-B6FB-3AB90C0894E3}"/>
+              </a:ext>
+            </a:extLst>
+          </p:cNvPr>
+          <p:cNvSpPr/>
+          <p:nvPr/>
+        </p:nvSpPr>
+        <p:spPr>
+          <a:xfrm>
+            <a:off x="2531164" y="3385931"/>
+            <a:ext cx="318053" cy="304800"/>
+          </a:xfrm>
+          <a:prstGeom prst="ellipse">
+            <a:avLst/>
+          </a:prstGeom>
+          <a:solidFill>
+            <a:schemeClr val="tx1">
+              <a:lumMod val="50000"/>
+              <a:lumOff val="50000"/>
+            </a:schemeClr>
+          </a:solidFill>
+          <a:ln w="28575">
+            <a:solidFill>
+              <a:schemeClr val="tx1"/>
+            </a:solidFill>
+          </a:ln>
+        </p:spPr>
+        <p:style>
+          <a:lnRef idx="2">
+            <a:schemeClr val="accent1">
+              <a:shade val="50000"/>
+            </a:schemeClr>
+          </a:lnRef>
+          <a:fillRef idx="1">
+            <a:schemeClr val="accent1"/>
+          </a:fillRef>
+          <a:effectRef idx="0">
+            <a:schemeClr val="accent1"/>
+          </a:effectRef>
+          <a:fontRef idx="minor">
+            <a:schemeClr val="lt1"/>
+          </a:fontRef>
+        </p:style>
+        <p:txBody>
+          <a:bodyPr rtlCol="0" anchor="ctr"/>
+          <a:lstStyle/>
+          <a:p>
+            <a:pPr algn="ctr"/>
+            <a:endParaRPr lang="en-GB"/>
+          </a:p>
+        </p:txBody>
+      </p:sp>
+      <p:sp>
+        <p:nvSpPr>
+          <p:cNvPr id="8" name="Oval 7">
+            <a:extLst>
+              <a:ext uri="{FF2B5EF4-FFF2-40B4-BE49-F238E27FC236}">
+                <a16:creationId xmlns:a16="http://schemas.microsoft.com/office/drawing/2014/main" id="{A5D92EDF-0E94-4F5D-BA2F-0F8E98257578}"/>
+              </a:ext>
+            </a:extLst>
+          </p:cNvPr>
+          <p:cNvSpPr/>
+          <p:nvPr/>
+        </p:nvSpPr>
+        <p:spPr>
+          <a:xfrm>
+            <a:off x="2531163" y="4369904"/>
+            <a:ext cx="318053" cy="304800"/>
+          </a:xfrm>
+          <a:prstGeom prst="ellipse">
+            <a:avLst/>
+          </a:prstGeom>
+          <a:solidFill>
+            <a:schemeClr val="tx1">
+              <a:lumMod val="50000"/>
+              <a:lumOff val="50000"/>
+            </a:schemeClr>
+          </a:solidFill>
+          <a:ln w="28575">
+            <a:solidFill>
+              <a:schemeClr val="tx1"/>
+            </a:solidFill>
+          </a:ln>
+        </p:spPr>
+        <p:style>
+          <a:lnRef idx="2">
+            <a:schemeClr val="accent1">
+              <a:shade val="50000"/>
+            </a:schemeClr>
+          </a:lnRef>
+          <a:fillRef idx="1">
+            <a:schemeClr val="accent1"/>
+          </a:fillRef>
+          <a:effectRef idx="0">
+            <a:schemeClr val="accent1"/>
+          </a:effectRef>
+          <a:fontRef idx="minor">
+            <a:schemeClr val="lt1"/>
+          </a:fontRef>
+        </p:style>
+        <p:txBody>
+          <a:bodyPr rtlCol="0" anchor="ctr"/>
+          <a:lstStyle/>
+          <a:p>
+            <a:pPr algn="ctr"/>
+            <a:endParaRPr lang="en-GB"/>
+          </a:p>
+        </p:txBody>
+      </p:sp>
+      <p:sp>
+        <p:nvSpPr>
+          <p:cNvPr id="9" name="Oval 8">
+            <a:extLst>
+              <a:ext uri="{FF2B5EF4-FFF2-40B4-BE49-F238E27FC236}">
+                <a16:creationId xmlns:a16="http://schemas.microsoft.com/office/drawing/2014/main" id="{0381BFAA-691D-43F2-97AD-FCD2E7B4B7DF}"/>
+              </a:ext>
+            </a:extLst>
+          </p:cNvPr>
+          <p:cNvSpPr/>
+          <p:nvPr/>
+        </p:nvSpPr>
+        <p:spPr>
+          <a:xfrm>
+            <a:off x="4465981" y="1417983"/>
+            <a:ext cx="318053" cy="304800"/>
+          </a:xfrm>
+          <a:prstGeom prst="ellipse">
+            <a:avLst/>
+          </a:prstGeom>
+          <a:solidFill>
+            <a:schemeClr val="tx1">
+              <a:lumMod val="50000"/>
+              <a:lumOff val="50000"/>
+            </a:schemeClr>
+          </a:solidFill>
+          <a:ln w="28575">
+            <a:solidFill>
+              <a:schemeClr val="tx1"/>
+            </a:solidFill>
+          </a:ln>
+        </p:spPr>
+        <p:style>
+          <a:lnRef idx="2">
+            <a:schemeClr val="accent1">
+              <a:shade val="50000"/>
+            </a:schemeClr>
+          </a:lnRef>
+          <a:fillRef idx="1">
+            <a:schemeClr val="accent1"/>
+          </a:fillRef>
+          <a:effectRef idx="0">
+            <a:schemeClr val="accent1"/>
+          </a:effectRef>
+          <a:fontRef idx="minor">
+            <a:schemeClr val="lt1"/>
+          </a:fontRef>
+        </p:style>
+        <p:txBody>
+          <a:bodyPr rtlCol="0" anchor="ctr"/>
+          <a:lstStyle/>
+          <a:p>
+            <a:pPr algn="ctr"/>
+            <a:endParaRPr lang="en-GB"/>
+          </a:p>
+        </p:txBody>
+      </p:sp>
+      <p:sp>
+        <p:nvSpPr>
+          <p:cNvPr id="10" name="Oval 9">
+            <a:extLst>
+              <a:ext uri="{FF2B5EF4-FFF2-40B4-BE49-F238E27FC236}">
+                <a16:creationId xmlns:a16="http://schemas.microsoft.com/office/drawing/2014/main" id="{8BEB4AE6-8F1A-4045-89F8-0DE1F5188DA0}"/>
+              </a:ext>
+            </a:extLst>
+          </p:cNvPr>
+          <p:cNvSpPr/>
+          <p:nvPr/>
+        </p:nvSpPr>
+        <p:spPr>
+          <a:xfrm>
+            <a:off x="4465980" y="4369904"/>
+            <a:ext cx="318053" cy="304800"/>
+          </a:xfrm>
+          <a:prstGeom prst="ellipse">
+            <a:avLst/>
+          </a:prstGeom>
+          <a:solidFill>
+            <a:schemeClr val="tx1">
+              <a:lumMod val="50000"/>
+              <a:lumOff val="50000"/>
+            </a:schemeClr>
+          </a:solidFill>
+          <a:ln w="28575">
+            <a:solidFill>
+              <a:schemeClr val="tx1"/>
+            </a:solidFill>
+          </a:ln>
+        </p:spPr>
+        <p:style>
+          <a:lnRef idx="2">
+            <a:schemeClr val="accent1">
+              <a:shade val="50000"/>
+            </a:schemeClr>
+          </a:lnRef>
+          <a:fillRef idx="1">
+            <a:schemeClr val="accent1"/>
+          </a:fillRef>
+          <a:effectRef idx="0">
+            <a:schemeClr val="accent1"/>
+          </a:effectRef>
+          <a:fontRef idx="minor">
+            <a:schemeClr val="lt1"/>
+          </a:fontRef>
+        </p:style>
+        <p:txBody>
+          <a:bodyPr rtlCol="0" anchor="ctr"/>
+          <a:lstStyle/>
+          <a:p>
+            <a:pPr algn="ctr"/>
+            <a:endParaRPr lang="en-GB"/>
+          </a:p>
+        </p:txBody>
+      </p:sp>
+      <p:sp>
+        <p:nvSpPr>
+          <p:cNvPr id="11" name="Oval 10">
+            <a:extLst>
+              <a:ext uri="{FF2B5EF4-FFF2-40B4-BE49-F238E27FC236}">
+                <a16:creationId xmlns:a16="http://schemas.microsoft.com/office/drawing/2014/main" id="{C5E555D9-1145-4624-AF47-A1E39D45587A}"/>
+              </a:ext>
+            </a:extLst>
+          </p:cNvPr>
+          <p:cNvSpPr/>
+          <p:nvPr/>
+        </p:nvSpPr>
+        <p:spPr>
+          <a:xfrm>
+            <a:off x="4465980" y="2123661"/>
+            <a:ext cx="318053" cy="304800"/>
+          </a:xfrm>
+          <a:prstGeom prst="ellipse">
+            <a:avLst/>
+          </a:prstGeom>
+          <a:solidFill>
+            <a:schemeClr val="tx1">
+              <a:lumMod val="50000"/>
+              <a:lumOff val="50000"/>
+            </a:schemeClr>
+          </a:solidFill>
+          <a:ln w="28575">
+            <a:solidFill>
+              <a:schemeClr val="tx1"/>
+            </a:solidFill>
+          </a:ln>
+        </p:spPr>
+        <p:style>
+          <a:lnRef idx="2">
+            <a:schemeClr val="accent1">
+              <a:shade val="50000"/>
+            </a:schemeClr>
+          </a:lnRef>
+          <a:fillRef idx="1">
+            <a:schemeClr val="accent1"/>
+          </a:fillRef>
+          <a:effectRef idx="0">
+            <a:schemeClr val="accent1"/>
+          </a:effectRef>
+          <a:fontRef idx="minor">
+            <a:schemeClr val="lt1"/>
+          </a:fontRef>
+        </p:style>
+        <p:txBody>
+          <a:bodyPr rtlCol="0" anchor="ctr"/>
+          <a:lstStyle/>
+          <a:p>
+            <a:pPr algn="ctr"/>
+            <a:endParaRPr lang="en-GB"/>
+          </a:p>
+        </p:txBody>
+      </p:sp>
+      <p:sp>
+        <p:nvSpPr>
+          <p:cNvPr id="12" name="TextBox 11">
+            <a:extLst>
+              <a:ext uri="{FF2B5EF4-FFF2-40B4-BE49-F238E27FC236}">
+                <a16:creationId xmlns:a16="http://schemas.microsoft.com/office/drawing/2014/main" id="{49C4C34E-49CE-453D-AD7A-E60039DB0DF5}"/>
+              </a:ext>
+            </a:extLst>
+          </p:cNvPr>
+          <p:cNvSpPr txBox="1"/>
+          <p:nvPr/>
+        </p:nvSpPr>
+        <p:spPr>
+          <a:xfrm>
+            <a:off x="4465980" y="2276061"/>
+            <a:ext cx="821635" cy="1938992"/>
+          </a:xfrm>
+          <a:prstGeom prst="rect">
+            <a:avLst/>
+          </a:prstGeom>
+          <a:noFill/>
+          <a:ln w="28575">
+            <a:noFill/>
+          </a:ln>
+        </p:spPr>
+        <p:txBody>
+          <a:bodyPr wrap="square" rtlCol="0">
+            <a:spAutoFit/>
+          </a:bodyPr>
+          <a:lstStyle/>
+          <a:p>
+            <a:r>
+              <a:rPr lang="en-GB" sz="4000" dirty="0"/>
+              <a:t>.</a:t>
+            </a:r>
+          </a:p>
+          <a:p>
+            <a:r>
+              <a:rPr lang="en-GB" sz="4000" dirty="0"/>
+              <a:t>.</a:t>
+            </a:r>
+          </a:p>
+          <a:p>
+            <a:r>
+              <a:rPr lang="en-GB" sz="4000" dirty="0"/>
+              <a:t>.</a:t>
+            </a:r>
+            <a:endParaRPr lang="en-GB" dirty="0"/>
+          </a:p>
+        </p:txBody>
+      </p:sp>
+      <p:cxnSp>
+        <p:nvCxnSpPr>
+          <p:cNvPr id="14" name="Straight Arrow Connector 13">
+            <a:extLst>
+              <a:ext uri="{FF2B5EF4-FFF2-40B4-BE49-F238E27FC236}">
+                <a16:creationId xmlns:a16="http://schemas.microsoft.com/office/drawing/2014/main" id="{2272C4E4-BB7F-4691-B765-166CD59FE8EC}"/>
+              </a:ext>
+            </a:extLst>
+          </p:cNvPr>
+          <p:cNvCxnSpPr>
+            <a:stCxn id="4" idx="6"/>
+            <a:endCxn id="9" idx="2"/>
+          </p:cNvCxnSpPr>
+          <p:nvPr/>
+        </p:nvCxnSpPr>
+        <p:spPr>
+          <a:xfrm>
+            <a:off x="2849217" y="1570383"/>
+            <a:ext cx="1616764" cy="0"/>
+          </a:xfrm>
+          <a:prstGeom prst="straightConnector1">
+            <a:avLst/>
+          </a:prstGeom>
+          <a:ln w="28575">
+            <a:tailEnd type="triangle"/>
+          </a:ln>
+        </p:spPr>
+        <p:style>
+          <a:lnRef idx="1">
+            <a:schemeClr val="accent1"/>
+          </a:lnRef>
+          <a:fillRef idx="0">
+            <a:schemeClr val="accent1"/>
+          </a:fillRef>
+          <a:effectRef idx="0">
+            <a:schemeClr val="accent1"/>
+          </a:effectRef>
+          <a:fontRef idx="minor">
+            <a:schemeClr val="tx1"/>
+          </a:fontRef>
+        </p:style>
+      </p:cxnSp>
+      <p:cxnSp>
+        <p:nvCxnSpPr>
+          <p:cNvPr id="16" name="Straight Arrow Connector 15">
+            <a:extLst>
+              <a:ext uri="{FF2B5EF4-FFF2-40B4-BE49-F238E27FC236}">
+                <a16:creationId xmlns:a16="http://schemas.microsoft.com/office/drawing/2014/main" id="{5F4760BF-D9EB-4D81-996F-2AC2CE521550}"/>
+              </a:ext>
+            </a:extLst>
+          </p:cNvPr>
+          <p:cNvCxnSpPr>
+            <a:stCxn id="4" idx="6"/>
+          </p:cNvCxnSpPr>
+          <p:nvPr/>
+        </p:nvCxnSpPr>
+        <p:spPr>
+          <a:xfrm>
+            <a:off x="2849217" y="1570383"/>
+            <a:ext cx="1616763" cy="705678"/>
+          </a:xfrm>
+          <a:prstGeom prst="straightConnector1">
+            <a:avLst/>
+          </a:prstGeom>
+          <a:ln w="28575">
+            <a:tailEnd type="triangle"/>
+          </a:ln>
+        </p:spPr>
+        <p:style>
+          <a:lnRef idx="1">
+            <a:schemeClr val="accent1"/>
+          </a:lnRef>
+          <a:fillRef idx="0">
+            <a:schemeClr val="accent1"/>
+          </a:fillRef>
+          <a:effectRef idx="0">
+            <a:schemeClr val="accent1"/>
+          </a:effectRef>
+          <a:fontRef idx="minor">
+            <a:schemeClr val="tx1"/>
+          </a:fontRef>
+        </p:style>
+      </p:cxnSp>
+      <p:cxnSp>
+        <p:nvCxnSpPr>
+          <p:cNvPr id="18" name="Straight Arrow Connector 17">
+            <a:extLst>
+              <a:ext uri="{FF2B5EF4-FFF2-40B4-BE49-F238E27FC236}">
+                <a16:creationId xmlns:a16="http://schemas.microsoft.com/office/drawing/2014/main" id="{3F70E260-6702-415C-A0B5-95266A7E64F1}"/>
+              </a:ext>
+            </a:extLst>
+          </p:cNvPr>
+          <p:cNvCxnSpPr>
+            <a:cxnSpLocks/>
+            <a:stCxn id="4" idx="6"/>
+            <a:endCxn id="10" idx="2"/>
+          </p:cNvCxnSpPr>
+          <p:nvPr/>
+        </p:nvCxnSpPr>
+        <p:spPr>
+          <a:xfrm>
+            <a:off x="2849217" y="1570383"/>
+            <a:ext cx="1616763" cy="2951921"/>
+          </a:xfrm>
+          <a:prstGeom prst="straightConnector1">
+            <a:avLst/>
+          </a:prstGeom>
+          <a:ln w="28575">
+            <a:tailEnd type="triangle"/>
+          </a:ln>
+        </p:spPr>
+        <p:style>
+          <a:lnRef idx="1">
+            <a:schemeClr val="accent1"/>
+          </a:lnRef>
+          <a:fillRef idx="0">
+            <a:schemeClr val="accent1"/>
+          </a:fillRef>
+          <a:effectRef idx="0">
+            <a:schemeClr val="accent1"/>
+          </a:effectRef>
+          <a:fontRef idx="minor">
+            <a:schemeClr val="tx1"/>
+          </a:fontRef>
+        </p:style>
+      </p:cxnSp>
+      <p:cxnSp>
+        <p:nvCxnSpPr>
+          <p:cNvPr id="26" name="Straight Arrow Connector 25">
+            <a:extLst>
+              <a:ext uri="{FF2B5EF4-FFF2-40B4-BE49-F238E27FC236}">
+                <a16:creationId xmlns:a16="http://schemas.microsoft.com/office/drawing/2014/main" id="{4F3B0B49-BB3C-4B4B-B76A-3018D35515A6}"/>
+              </a:ext>
+            </a:extLst>
+          </p:cNvPr>
+          <p:cNvCxnSpPr>
+            <a:stCxn id="6" idx="6"/>
+            <a:endCxn id="9" idx="2"/>
+          </p:cNvCxnSpPr>
+          <p:nvPr/>
+        </p:nvCxnSpPr>
+        <p:spPr>
+          <a:xfrm flipV="1">
+            <a:off x="2849217" y="1570383"/>
+            <a:ext cx="1616764" cy="983974"/>
+          </a:xfrm>
+          <a:prstGeom prst="straightConnector1">
+            <a:avLst/>
+          </a:prstGeom>
+          <a:ln w="28575">
+            <a:tailEnd type="triangle"/>
+          </a:ln>
+        </p:spPr>
+        <p:style>
+          <a:lnRef idx="1">
+            <a:schemeClr val="accent1"/>
+          </a:lnRef>
+          <a:fillRef idx="0">
+            <a:schemeClr val="accent1"/>
+          </a:fillRef>
+          <a:effectRef idx="0">
+            <a:schemeClr val="accent1"/>
+          </a:effectRef>
+          <a:fontRef idx="minor">
+            <a:schemeClr val="tx1"/>
+          </a:fontRef>
+        </p:style>
+      </p:cxnSp>
+      <p:cxnSp>
+        <p:nvCxnSpPr>
+          <p:cNvPr id="28" name="Straight Arrow Connector 27">
+            <a:extLst>
+              <a:ext uri="{FF2B5EF4-FFF2-40B4-BE49-F238E27FC236}">
+                <a16:creationId xmlns:a16="http://schemas.microsoft.com/office/drawing/2014/main" id="{016AF184-5631-4501-8FDE-21B5C65573BA}"/>
+              </a:ext>
+            </a:extLst>
+          </p:cNvPr>
+          <p:cNvCxnSpPr>
+            <a:stCxn id="7" idx="6"/>
+            <a:endCxn id="9" idx="2"/>
+          </p:cNvCxnSpPr>
+          <p:nvPr/>
+        </p:nvCxnSpPr>
+        <p:spPr>
+          <a:xfrm flipV="1">
+            <a:off x="2849217" y="1570383"/>
+            <a:ext cx="1616764" cy="1967948"/>
+          </a:xfrm>
+          <a:prstGeom prst="straightConnector1">
+            <a:avLst/>
+          </a:prstGeom>
+          <a:ln w="28575">
+            <a:tailEnd type="triangle"/>
+          </a:ln>
+        </p:spPr>
+        <p:style>
+          <a:lnRef idx="1">
+            <a:schemeClr val="accent1"/>
+          </a:lnRef>
+          <a:fillRef idx="0">
+            <a:schemeClr val="accent1"/>
+          </a:fillRef>
+          <a:effectRef idx="0">
+            <a:schemeClr val="accent1"/>
+          </a:effectRef>
+          <a:fontRef idx="minor">
+            <a:schemeClr val="tx1"/>
+          </a:fontRef>
+        </p:style>
+      </p:cxnSp>
+      <p:cxnSp>
+        <p:nvCxnSpPr>
+          <p:cNvPr id="30" name="Straight Arrow Connector 29">
+            <a:extLst>
+              <a:ext uri="{FF2B5EF4-FFF2-40B4-BE49-F238E27FC236}">
+                <a16:creationId xmlns:a16="http://schemas.microsoft.com/office/drawing/2014/main" id="{19908740-DEB9-46A4-9EA9-3D3C1D5FCECD}"/>
+              </a:ext>
+            </a:extLst>
+          </p:cNvPr>
+          <p:cNvCxnSpPr>
+            <a:stCxn id="8" idx="6"/>
+            <a:endCxn id="9" idx="2"/>
+          </p:cNvCxnSpPr>
+          <p:nvPr/>
+        </p:nvCxnSpPr>
+        <p:spPr>
+          <a:xfrm flipV="1">
+            <a:off x="2849216" y="1570383"/>
+            <a:ext cx="1616765" cy="2951921"/>
+          </a:xfrm>
+          <a:prstGeom prst="straightConnector1">
+            <a:avLst/>
+          </a:prstGeom>
+          <a:ln w="28575">
+            <a:tailEnd type="triangle"/>
+          </a:ln>
+        </p:spPr>
+        <p:style>
+          <a:lnRef idx="1">
+            <a:schemeClr val="accent1"/>
+          </a:lnRef>
+          <a:fillRef idx="0">
+            <a:schemeClr val="accent1"/>
+          </a:fillRef>
+          <a:effectRef idx="0">
+            <a:schemeClr val="accent1"/>
+          </a:effectRef>
+          <a:fontRef idx="minor">
+            <a:schemeClr val="tx1"/>
+          </a:fontRef>
+        </p:style>
+      </p:cxnSp>
+      <p:cxnSp>
+        <p:nvCxnSpPr>
+          <p:cNvPr id="33" name="Straight Arrow Connector 32">
+            <a:extLst>
+              <a:ext uri="{FF2B5EF4-FFF2-40B4-BE49-F238E27FC236}">
+                <a16:creationId xmlns:a16="http://schemas.microsoft.com/office/drawing/2014/main" id="{78714189-A099-4DEB-A51D-E0162C8B7BDF}"/>
+              </a:ext>
+            </a:extLst>
+          </p:cNvPr>
+          <p:cNvCxnSpPr>
+            <a:stCxn id="6" idx="6"/>
+            <a:endCxn id="11" idx="2"/>
+          </p:cNvCxnSpPr>
+          <p:nvPr/>
+        </p:nvCxnSpPr>
+        <p:spPr>
+          <a:xfrm flipV="1">
+            <a:off x="2849217" y="2276061"/>
+            <a:ext cx="1616763" cy="278296"/>
+          </a:xfrm>
+          <a:prstGeom prst="straightConnector1">
+            <a:avLst/>
+          </a:prstGeom>
+          <a:ln w="28575">
+            <a:tailEnd type="triangle"/>
+          </a:ln>
+        </p:spPr>
+        <p:style>
+          <a:lnRef idx="1">
+            <a:schemeClr val="accent1"/>
+          </a:lnRef>
+          <a:fillRef idx="0">
+            <a:schemeClr val="accent1"/>
+          </a:fillRef>
+          <a:effectRef idx="0">
+            <a:schemeClr val="accent1"/>
+          </a:effectRef>
+          <a:fontRef idx="minor">
+            <a:schemeClr val="tx1"/>
+          </a:fontRef>
+        </p:style>
+      </p:cxnSp>
+      <p:cxnSp>
+        <p:nvCxnSpPr>
+          <p:cNvPr id="35" name="Straight Arrow Connector 34">
+            <a:extLst>
+              <a:ext uri="{FF2B5EF4-FFF2-40B4-BE49-F238E27FC236}">
+                <a16:creationId xmlns:a16="http://schemas.microsoft.com/office/drawing/2014/main" id="{557C3A35-E61A-43CD-8F3B-D6AAF1B39C44}"/>
+              </a:ext>
+            </a:extLst>
+          </p:cNvPr>
+          <p:cNvCxnSpPr>
+            <a:stCxn id="6" idx="6"/>
+            <a:endCxn id="10" idx="2"/>
+          </p:cNvCxnSpPr>
+          <p:nvPr/>
+        </p:nvCxnSpPr>
+        <p:spPr>
+          <a:xfrm>
+            <a:off x="2849217" y="2554357"/>
+            <a:ext cx="1616763" cy="1967947"/>
+          </a:xfrm>
+          <a:prstGeom prst="straightConnector1">
+            <a:avLst/>
+          </a:prstGeom>
+          <a:ln w="28575">
+            <a:tailEnd type="triangle"/>
+          </a:ln>
+        </p:spPr>
+        <p:style>
+          <a:lnRef idx="1">
+            <a:schemeClr val="accent1"/>
+          </a:lnRef>
+          <a:fillRef idx="0">
+            <a:schemeClr val="accent1"/>
+          </a:fillRef>
+          <a:effectRef idx="0">
+            <a:schemeClr val="accent1"/>
+          </a:effectRef>
+          <a:fontRef idx="minor">
+            <a:schemeClr val="tx1"/>
+          </a:fontRef>
+        </p:style>
+      </p:cxnSp>
+      <p:cxnSp>
+        <p:nvCxnSpPr>
+          <p:cNvPr id="37" name="Straight Arrow Connector 36">
+            <a:extLst>
+              <a:ext uri="{FF2B5EF4-FFF2-40B4-BE49-F238E27FC236}">
+                <a16:creationId xmlns:a16="http://schemas.microsoft.com/office/drawing/2014/main" id="{B60448CF-2062-4FC5-A7BA-A17C9CAC5D2F}"/>
+              </a:ext>
+            </a:extLst>
+          </p:cNvPr>
+          <p:cNvCxnSpPr>
+            <a:stCxn id="7" idx="6"/>
+          </p:cNvCxnSpPr>
+          <p:nvPr/>
+        </p:nvCxnSpPr>
+        <p:spPr>
+          <a:xfrm flipV="1">
+            <a:off x="2849217" y="2249557"/>
+            <a:ext cx="1616763" cy="1288774"/>
+          </a:xfrm>
+          <a:prstGeom prst="straightConnector1">
+            <a:avLst/>
+          </a:prstGeom>
+          <a:ln w="28575">
+            <a:tailEnd type="triangle"/>
+          </a:ln>
+        </p:spPr>
+        <p:style>
+          <a:lnRef idx="1">
+            <a:schemeClr val="accent1"/>
+          </a:lnRef>
+          <a:fillRef idx="0">
+            <a:schemeClr val="accent1"/>
+          </a:fillRef>
+          <a:effectRef idx="0">
+            <a:schemeClr val="accent1"/>
+          </a:effectRef>
+          <a:fontRef idx="minor">
+            <a:schemeClr val="tx1"/>
+          </a:fontRef>
+        </p:style>
+      </p:cxnSp>
+      <p:cxnSp>
+        <p:nvCxnSpPr>
+          <p:cNvPr id="39" name="Straight Arrow Connector 38">
+            <a:extLst>
+              <a:ext uri="{FF2B5EF4-FFF2-40B4-BE49-F238E27FC236}">
+                <a16:creationId xmlns:a16="http://schemas.microsoft.com/office/drawing/2014/main" id="{8708E32D-414B-4E8D-AE2C-80F7F7FF86DE}"/>
+              </a:ext>
+            </a:extLst>
+          </p:cNvPr>
+          <p:cNvCxnSpPr>
+            <a:stCxn id="7" idx="6"/>
+            <a:endCxn id="10" idx="2"/>
+          </p:cNvCxnSpPr>
+          <p:nvPr/>
+        </p:nvCxnSpPr>
+        <p:spPr>
+          <a:xfrm>
+            <a:off x="2849217" y="3538331"/>
+            <a:ext cx="1616763" cy="983973"/>
+          </a:xfrm>
+          <a:prstGeom prst="straightConnector1">
+            <a:avLst/>
+          </a:prstGeom>
+          <a:ln w="28575">
+            <a:tailEnd type="triangle"/>
+          </a:ln>
+        </p:spPr>
+        <p:style>
+          <a:lnRef idx="1">
+            <a:schemeClr val="accent1"/>
+          </a:lnRef>
+          <a:fillRef idx="0">
+            <a:schemeClr val="accent1"/>
+          </a:fillRef>
+          <a:effectRef idx="0">
+            <a:schemeClr val="accent1"/>
+          </a:effectRef>
+          <a:fontRef idx="minor">
+            <a:schemeClr val="tx1"/>
+          </a:fontRef>
+        </p:style>
+      </p:cxnSp>
+      <p:cxnSp>
+        <p:nvCxnSpPr>
+          <p:cNvPr id="41" name="Straight Arrow Connector 40">
+            <a:extLst>
+              <a:ext uri="{FF2B5EF4-FFF2-40B4-BE49-F238E27FC236}">
+                <a16:creationId xmlns:a16="http://schemas.microsoft.com/office/drawing/2014/main" id="{6568E051-297A-417E-B512-D778972358B9}"/>
+              </a:ext>
+            </a:extLst>
+          </p:cNvPr>
+          <p:cNvCxnSpPr>
+            <a:cxnSpLocks/>
+            <a:stCxn id="8" idx="6"/>
+          </p:cNvCxnSpPr>
+          <p:nvPr/>
+        </p:nvCxnSpPr>
+        <p:spPr>
+          <a:xfrm flipV="1">
+            <a:off x="2849216" y="2302565"/>
+            <a:ext cx="1616764" cy="2219739"/>
+          </a:xfrm>
+          <a:prstGeom prst="straightConnector1">
+            <a:avLst/>
+          </a:prstGeom>
+          <a:ln w="28575">
+            <a:tailEnd type="triangle"/>
+          </a:ln>
+        </p:spPr>
+        <p:style>
+          <a:lnRef idx="1">
+            <a:schemeClr val="accent1"/>
+          </a:lnRef>
+          <a:fillRef idx="0">
+            <a:schemeClr val="accent1"/>
+          </a:fillRef>
+          <a:effectRef idx="0">
+            <a:schemeClr val="accent1"/>
+          </a:effectRef>
+          <a:fontRef idx="minor">
+            <a:schemeClr val="tx1"/>
+          </a:fontRef>
+        </p:style>
+      </p:cxnSp>
+      <p:cxnSp>
+        <p:nvCxnSpPr>
+          <p:cNvPr id="44" name="Straight Arrow Connector 43">
+            <a:extLst>
+              <a:ext uri="{FF2B5EF4-FFF2-40B4-BE49-F238E27FC236}">
+                <a16:creationId xmlns:a16="http://schemas.microsoft.com/office/drawing/2014/main" id="{9F285613-47F3-4CEA-8288-8013DBEB47C8}"/>
+              </a:ext>
+            </a:extLst>
+          </p:cNvPr>
+          <p:cNvCxnSpPr>
+            <a:stCxn id="8" idx="6"/>
+            <a:endCxn id="10" idx="2"/>
+          </p:cNvCxnSpPr>
+          <p:nvPr/>
+        </p:nvCxnSpPr>
+        <p:spPr>
+          <a:xfrm>
+            <a:off x="2849216" y="4522304"/>
+            <a:ext cx="1616764" cy="0"/>
+          </a:xfrm>
+          <a:prstGeom prst="straightConnector1">
+            <a:avLst/>
+          </a:prstGeom>
+          <a:ln w="28575">
+            <a:tailEnd type="triangle"/>
+          </a:ln>
+        </p:spPr>
+        <p:style>
+          <a:lnRef idx="1">
+            <a:schemeClr val="accent1"/>
+          </a:lnRef>
+          <a:fillRef idx="0">
+            <a:schemeClr val="accent1"/>
+          </a:fillRef>
+          <a:effectRef idx="0">
+            <a:schemeClr val="accent1"/>
+          </a:effectRef>
+          <a:fontRef idx="minor">
+            <a:schemeClr val="tx1"/>
+          </a:fontRef>
+        </p:style>
+      </p:cxnSp>
+      <p:cxnSp>
+        <p:nvCxnSpPr>
+          <p:cNvPr id="46" name="Straight Arrow Connector 45">
+            <a:extLst>
+              <a:ext uri="{FF2B5EF4-FFF2-40B4-BE49-F238E27FC236}">
+                <a16:creationId xmlns:a16="http://schemas.microsoft.com/office/drawing/2014/main" id="{5F6CC47D-E378-40E1-9B40-C06C723F0156}"/>
+              </a:ext>
+            </a:extLst>
+          </p:cNvPr>
+          <p:cNvCxnSpPr>
+            <a:endCxn id="4" idx="2"/>
+          </p:cNvCxnSpPr>
+          <p:nvPr/>
+        </p:nvCxnSpPr>
+        <p:spPr>
+          <a:xfrm>
+            <a:off x="1736035" y="1570383"/>
+            <a:ext cx="795129" cy="0"/>
+          </a:xfrm>
+          <a:prstGeom prst="straightConnector1">
+            <a:avLst/>
+          </a:prstGeom>
+          <a:ln w="28575">
+            <a:tailEnd type="triangle"/>
+          </a:ln>
+        </p:spPr>
+        <p:style>
+          <a:lnRef idx="1">
+            <a:schemeClr val="accent1"/>
+          </a:lnRef>
+          <a:fillRef idx="0">
+            <a:schemeClr val="accent1"/>
+          </a:fillRef>
+          <a:effectRef idx="0">
+            <a:schemeClr val="accent1"/>
+          </a:effectRef>
+          <a:fontRef idx="minor">
+            <a:schemeClr val="tx1"/>
+          </a:fontRef>
+        </p:style>
+      </p:cxnSp>
+      <p:cxnSp>
+        <p:nvCxnSpPr>
+          <p:cNvPr id="47" name="Straight Arrow Connector 46">
+            <a:extLst>
+              <a:ext uri="{FF2B5EF4-FFF2-40B4-BE49-F238E27FC236}">
+                <a16:creationId xmlns:a16="http://schemas.microsoft.com/office/drawing/2014/main" id="{87C9ED20-2C76-4597-AF37-8B8E7F73101E}"/>
+              </a:ext>
+            </a:extLst>
+          </p:cNvPr>
+          <p:cNvCxnSpPr/>
+          <p:nvPr/>
+        </p:nvCxnSpPr>
+        <p:spPr>
+          <a:xfrm>
+            <a:off x="1736034" y="2554357"/>
+            <a:ext cx="795129" cy="0"/>
+          </a:xfrm>
+          <a:prstGeom prst="straightConnector1">
+            <a:avLst/>
+          </a:prstGeom>
+          <a:ln w="28575">
+            <a:tailEnd type="triangle"/>
+          </a:ln>
+        </p:spPr>
+        <p:style>
+          <a:lnRef idx="1">
+            <a:schemeClr val="accent1"/>
+          </a:lnRef>
+          <a:fillRef idx="0">
+            <a:schemeClr val="accent1"/>
+          </a:fillRef>
+          <a:effectRef idx="0">
+            <a:schemeClr val="accent1"/>
+          </a:effectRef>
+          <a:fontRef idx="minor">
+            <a:schemeClr val="tx1"/>
+          </a:fontRef>
+        </p:style>
+      </p:cxnSp>
+      <p:cxnSp>
+        <p:nvCxnSpPr>
+          <p:cNvPr id="48" name="Straight Arrow Connector 47">
+            <a:extLst>
+              <a:ext uri="{FF2B5EF4-FFF2-40B4-BE49-F238E27FC236}">
+                <a16:creationId xmlns:a16="http://schemas.microsoft.com/office/drawing/2014/main" id="{3FB8F4A4-33FB-4D39-85B5-01AAE0D7059B}"/>
+              </a:ext>
+            </a:extLst>
+          </p:cNvPr>
+          <p:cNvCxnSpPr/>
+          <p:nvPr/>
+        </p:nvCxnSpPr>
+        <p:spPr>
+          <a:xfrm>
+            <a:off x="1736034" y="3538330"/>
+            <a:ext cx="795129" cy="0"/>
+          </a:xfrm>
+          <a:prstGeom prst="straightConnector1">
+            <a:avLst/>
+          </a:prstGeom>
+          <a:ln w="28575">
+            <a:tailEnd type="triangle"/>
+          </a:ln>
+        </p:spPr>
+        <p:style>
+          <a:lnRef idx="1">
+            <a:schemeClr val="accent1"/>
+          </a:lnRef>
+          <a:fillRef idx="0">
+            <a:schemeClr val="accent1"/>
+          </a:fillRef>
+          <a:effectRef idx="0">
+            <a:schemeClr val="accent1"/>
+          </a:effectRef>
+          <a:fontRef idx="minor">
+            <a:schemeClr val="tx1"/>
+          </a:fontRef>
+        </p:style>
+      </p:cxnSp>
+      <p:cxnSp>
+        <p:nvCxnSpPr>
+          <p:cNvPr id="49" name="Straight Arrow Connector 48">
+            <a:extLst>
+              <a:ext uri="{FF2B5EF4-FFF2-40B4-BE49-F238E27FC236}">
+                <a16:creationId xmlns:a16="http://schemas.microsoft.com/office/drawing/2014/main" id="{DFED5AC5-496F-4359-8727-51D27959AAD1}"/>
+              </a:ext>
+            </a:extLst>
+          </p:cNvPr>
+          <p:cNvCxnSpPr/>
+          <p:nvPr/>
+        </p:nvCxnSpPr>
+        <p:spPr>
+          <a:xfrm>
+            <a:off x="1736033" y="4522304"/>
+            <a:ext cx="795129" cy="0"/>
+          </a:xfrm>
+          <a:prstGeom prst="straightConnector1">
+            <a:avLst/>
+          </a:prstGeom>
+          <a:ln w="28575">
+            <a:tailEnd type="triangle"/>
+          </a:ln>
+        </p:spPr>
+        <p:style>
+          <a:lnRef idx="1">
+            <a:schemeClr val="accent1"/>
+          </a:lnRef>
+          <a:fillRef idx="0">
+            <a:schemeClr val="accent1"/>
+          </a:fillRef>
+          <a:effectRef idx="0">
+            <a:schemeClr val="accent1"/>
+          </a:effectRef>
+          <a:fontRef idx="minor">
+            <a:schemeClr val="tx1"/>
+          </a:fontRef>
+        </p:style>
+      </p:cxnSp>
+      <p:sp>
+        <p:nvSpPr>
+          <p:cNvPr id="59" name="Oval 58">
+            <a:extLst>
+              <a:ext uri="{FF2B5EF4-FFF2-40B4-BE49-F238E27FC236}">
+                <a16:creationId xmlns:a16="http://schemas.microsoft.com/office/drawing/2014/main" id="{34B37E84-7C74-45F6-A610-77DE554F3338}"/>
+              </a:ext>
+            </a:extLst>
+          </p:cNvPr>
+          <p:cNvSpPr/>
+          <p:nvPr/>
+        </p:nvSpPr>
+        <p:spPr>
+          <a:xfrm>
+            <a:off x="5936974" y="1417983"/>
+            <a:ext cx="318053" cy="304800"/>
+          </a:xfrm>
+          <a:prstGeom prst="ellipse">
+            <a:avLst/>
+          </a:prstGeom>
+          <a:solidFill>
+            <a:schemeClr val="tx1">
+              <a:lumMod val="50000"/>
+              <a:lumOff val="50000"/>
+            </a:schemeClr>
+          </a:solidFill>
+          <a:ln w="28575">
+            <a:solidFill>
+              <a:schemeClr val="tx1"/>
+            </a:solidFill>
+          </a:ln>
+        </p:spPr>
+        <p:style>
+          <a:lnRef idx="2">
+            <a:schemeClr val="accent1">
+              <a:shade val="50000"/>
+            </a:schemeClr>
+          </a:lnRef>
+          <a:fillRef idx="1">
+            <a:schemeClr val="accent1"/>
+          </a:fillRef>
+          <a:effectRef idx="0">
+            <a:schemeClr val="accent1"/>
+          </a:effectRef>
+          <a:fontRef idx="minor">
+            <a:schemeClr val="lt1"/>
+          </a:fontRef>
+        </p:style>
+        <p:txBody>
+          <a:bodyPr rtlCol="0" anchor="ctr"/>
+          <a:lstStyle/>
+          <a:p>
+            <a:pPr algn="ctr"/>
+            <a:endParaRPr lang="en-GB"/>
+          </a:p>
+        </p:txBody>
+      </p:sp>
+      <p:sp>
+        <p:nvSpPr>
+          <p:cNvPr id="60" name="Oval 59">
+            <a:extLst>
+              <a:ext uri="{FF2B5EF4-FFF2-40B4-BE49-F238E27FC236}">
+                <a16:creationId xmlns:a16="http://schemas.microsoft.com/office/drawing/2014/main" id="{4C298393-4C1F-492F-85F4-7ACE82757B20}"/>
+              </a:ext>
+            </a:extLst>
+          </p:cNvPr>
+          <p:cNvSpPr/>
+          <p:nvPr/>
+        </p:nvSpPr>
+        <p:spPr>
+          <a:xfrm>
+            <a:off x="5936973" y="4369904"/>
+            <a:ext cx="318053" cy="304800"/>
+          </a:xfrm>
+          <a:prstGeom prst="ellipse">
+            <a:avLst/>
+          </a:prstGeom>
+          <a:solidFill>
+            <a:schemeClr val="tx1">
+              <a:lumMod val="50000"/>
+              <a:lumOff val="50000"/>
+            </a:schemeClr>
+          </a:solidFill>
+          <a:ln w="28575">
+            <a:solidFill>
+              <a:schemeClr val="tx1"/>
+            </a:solidFill>
+          </a:ln>
+        </p:spPr>
+        <p:style>
+          <a:lnRef idx="2">
+            <a:schemeClr val="accent1">
+              <a:shade val="50000"/>
+            </a:schemeClr>
+          </a:lnRef>
+          <a:fillRef idx="1">
+            <a:schemeClr val="accent1"/>
+          </a:fillRef>
+          <a:effectRef idx="0">
+            <a:schemeClr val="accent1"/>
+          </a:effectRef>
+          <a:fontRef idx="minor">
+            <a:schemeClr val="lt1"/>
+          </a:fontRef>
+        </p:style>
+        <p:txBody>
+          <a:bodyPr rtlCol="0" anchor="ctr"/>
+          <a:lstStyle/>
+          <a:p>
+            <a:pPr algn="ctr"/>
+            <a:endParaRPr lang="en-GB"/>
+          </a:p>
+        </p:txBody>
+      </p:sp>
+      <p:sp>
+        <p:nvSpPr>
+          <p:cNvPr id="61" name="Oval 60">
+            <a:extLst>
+              <a:ext uri="{FF2B5EF4-FFF2-40B4-BE49-F238E27FC236}">
+                <a16:creationId xmlns:a16="http://schemas.microsoft.com/office/drawing/2014/main" id="{C130B5B6-1324-4174-8C05-1F854073102F}"/>
+              </a:ext>
+            </a:extLst>
+          </p:cNvPr>
+          <p:cNvSpPr/>
+          <p:nvPr/>
+        </p:nvSpPr>
+        <p:spPr>
+          <a:xfrm>
+            <a:off x="5936973" y="2123661"/>
+            <a:ext cx="318053" cy="304800"/>
+          </a:xfrm>
+          <a:prstGeom prst="ellipse">
+            <a:avLst/>
+          </a:prstGeom>
+          <a:solidFill>
+            <a:schemeClr val="tx1">
+              <a:lumMod val="50000"/>
+              <a:lumOff val="50000"/>
+            </a:schemeClr>
+          </a:solidFill>
+          <a:ln w="28575">
+            <a:solidFill>
+              <a:schemeClr val="tx1"/>
+            </a:solidFill>
+          </a:ln>
+        </p:spPr>
+        <p:style>
+          <a:lnRef idx="2">
+            <a:schemeClr val="accent1">
+              <a:shade val="50000"/>
+            </a:schemeClr>
+          </a:lnRef>
+          <a:fillRef idx="1">
+            <a:schemeClr val="accent1"/>
+          </a:fillRef>
+          <a:effectRef idx="0">
+            <a:schemeClr val="accent1"/>
+          </a:effectRef>
+          <a:fontRef idx="minor">
+            <a:schemeClr val="lt1"/>
+          </a:fontRef>
+        </p:style>
+        <p:txBody>
+          <a:bodyPr rtlCol="0" anchor="ctr"/>
+          <a:lstStyle/>
+          <a:p>
+            <a:pPr algn="ctr"/>
+            <a:endParaRPr lang="en-GB"/>
+          </a:p>
+        </p:txBody>
+      </p:sp>
+      <p:sp>
+        <p:nvSpPr>
+          <p:cNvPr id="62" name="TextBox 61">
+            <a:extLst>
+              <a:ext uri="{FF2B5EF4-FFF2-40B4-BE49-F238E27FC236}">
+                <a16:creationId xmlns:a16="http://schemas.microsoft.com/office/drawing/2014/main" id="{F3208BB0-48BB-40DF-A7D5-4C0ADFC69F63}"/>
+              </a:ext>
+            </a:extLst>
+          </p:cNvPr>
+          <p:cNvSpPr txBox="1"/>
+          <p:nvPr/>
+        </p:nvSpPr>
+        <p:spPr>
+          <a:xfrm>
+            <a:off x="5936973" y="2276061"/>
+            <a:ext cx="821635" cy="1938992"/>
+          </a:xfrm>
+          <a:prstGeom prst="rect">
+            <a:avLst/>
+          </a:prstGeom>
+          <a:noFill/>
+          <a:ln w="28575">
+            <a:noFill/>
+          </a:ln>
+        </p:spPr>
+        <p:txBody>
+          <a:bodyPr wrap="square" rtlCol="0">
+            <a:spAutoFit/>
+          </a:bodyPr>
+          <a:lstStyle/>
+          <a:p>
+            <a:r>
+              <a:rPr lang="en-GB" sz="4000" dirty="0"/>
+              <a:t>.</a:t>
+            </a:r>
+          </a:p>
+          <a:p>
+            <a:r>
+              <a:rPr lang="en-GB" sz="4000" dirty="0"/>
+              <a:t>.</a:t>
+            </a:r>
+          </a:p>
+          <a:p>
+            <a:r>
+              <a:rPr lang="en-GB" sz="4000" dirty="0"/>
+              <a:t>.</a:t>
+            </a:r>
+            <a:endParaRPr lang="en-GB" dirty="0"/>
+          </a:p>
+        </p:txBody>
+      </p:sp>
+      <p:cxnSp>
+        <p:nvCxnSpPr>
+          <p:cNvPr id="64" name="Straight Arrow Connector 63">
+            <a:extLst>
+              <a:ext uri="{FF2B5EF4-FFF2-40B4-BE49-F238E27FC236}">
+                <a16:creationId xmlns:a16="http://schemas.microsoft.com/office/drawing/2014/main" id="{6CEB923A-F368-4ECE-85EF-AC40FB06AB15}"/>
+              </a:ext>
+            </a:extLst>
+          </p:cNvPr>
+          <p:cNvCxnSpPr>
+            <a:stCxn id="9" idx="6"/>
+            <a:endCxn id="59" idx="2"/>
+          </p:cNvCxnSpPr>
+          <p:nvPr/>
+        </p:nvCxnSpPr>
+        <p:spPr>
+          <a:xfrm>
+            <a:off x="4784034" y="1570383"/>
+            <a:ext cx="1152940" cy="0"/>
+          </a:xfrm>
+          <a:prstGeom prst="straightConnector1">
+            <a:avLst/>
+          </a:prstGeom>
+          <a:ln w="28575">
+            <a:tailEnd type="triangle"/>
+          </a:ln>
+        </p:spPr>
+        <p:style>
+          <a:lnRef idx="1">
+            <a:schemeClr val="accent1"/>
+          </a:lnRef>
+          <a:fillRef idx="0">
+            <a:schemeClr val="accent1"/>
+          </a:fillRef>
+          <a:effectRef idx="0">
+            <a:schemeClr val="accent1"/>
+          </a:effectRef>
+          <a:fontRef idx="minor">
+            <a:schemeClr val="tx1"/>
+          </a:fontRef>
+        </p:style>
+      </p:cxnSp>
+      <p:cxnSp>
+        <p:nvCxnSpPr>
+          <p:cNvPr id="66" name="Straight Arrow Connector 65">
+            <a:extLst>
+              <a:ext uri="{FF2B5EF4-FFF2-40B4-BE49-F238E27FC236}">
+                <a16:creationId xmlns:a16="http://schemas.microsoft.com/office/drawing/2014/main" id="{187DCEB0-84B9-46E4-ACCD-6A48FE5F0E2B}"/>
+              </a:ext>
+            </a:extLst>
+          </p:cNvPr>
+          <p:cNvCxnSpPr>
+            <a:stCxn id="9" idx="6"/>
+          </p:cNvCxnSpPr>
+          <p:nvPr/>
+        </p:nvCxnSpPr>
+        <p:spPr>
+          <a:xfrm>
+            <a:off x="4784034" y="1570383"/>
+            <a:ext cx="1152939" cy="705678"/>
+          </a:xfrm>
+          <a:prstGeom prst="straightConnector1">
+            <a:avLst/>
+          </a:prstGeom>
+          <a:ln w="28575">
+            <a:tailEnd type="triangle"/>
+          </a:ln>
+        </p:spPr>
+        <p:style>
+          <a:lnRef idx="1">
+            <a:schemeClr val="accent1"/>
+          </a:lnRef>
+          <a:fillRef idx="0">
+            <a:schemeClr val="accent1"/>
+          </a:fillRef>
+          <a:effectRef idx="0">
+            <a:schemeClr val="accent1"/>
+          </a:effectRef>
+          <a:fontRef idx="minor">
+            <a:schemeClr val="tx1"/>
+          </a:fontRef>
+        </p:style>
+      </p:cxnSp>
+      <p:cxnSp>
+        <p:nvCxnSpPr>
+          <p:cNvPr id="68" name="Straight Arrow Connector 67">
+            <a:extLst>
+              <a:ext uri="{FF2B5EF4-FFF2-40B4-BE49-F238E27FC236}">
+                <a16:creationId xmlns:a16="http://schemas.microsoft.com/office/drawing/2014/main" id="{69B0BD25-2B17-4DF4-9C56-448706B3F10E}"/>
+              </a:ext>
+            </a:extLst>
+          </p:cNvPr>
+          <p:cNvCxnSpPr>
+            <a:stCxn id="9" idx="6"/>
+            <a:endCxn id="60" idx="2"/>
+          </p:cNvCxnSpPr>
+          <p:nvPr/>
+        </p:nvCxnSpPr>
+        <p:spPr>
+          <a:xfrm>
+            <a:off x="4784034" y="1570383"/>
+            <a:ext cx="1152939" cy="2951921"/>
+          </a:xfrm>
+          <a:prstGeom prst="straightConnector1">
+            <a:avLst/>
+          </a:prstGeom>
+          <a:ln w="28575">
+            <a:tailEnd type="triangle"/>
+          </a:ln>
+        </p:spPr>
+        <p:style>
+          <a:lnRef idx="1">
+            <a:schemeClr val="accent1"/>
+          </a:lnRef>
+          <a:fillRef idx="0">
+            <a:schemeClr val="accent1"/>
+          </a:fillRef>
+          <a:effectRef idx="0">
+            <a:schemeClr val="accent1"/>
+          </a:effectRef>
+          <a:fontRef idx="minor">
+            <a:schemeClr val="tx1"/>
+          </a:fontRef>
+        </p:style>
+      </p:cxnSp>
+      <p:cxnSp>
+        <p:nvCxnSpPr>
+          <p:cNvPr id="70" name="Straight Arrow Connector 69">
+            <a:extLst>
+              <a:ext uri="{FF2B5EF4-FFF2-40B4-BE49-F238E27FC236}">
+                <a16:creationId xmlns:a16="http://schemas.microsoft.com/office/drawing/2014/main" id="{914782A3-D3B5-481F-967D-B17F19A75253}"/>
+              </a:ext>
+            </a:extLst>
+          </p:cNvPr>
+          <p:cNvCxnSpPr>
+            <a:stCxn id="11" idx="6"/>
+            <a:endCxn id="59" idx="2"/>
+          </p:cNvCxnSpPr>
+          <p:nvPr/>
+        </p:nvCxnSpPr>
+        <p:spPr>
+          <a:xfrm flipV="1">
+            <a:off x="4784033" y="1570383"/>
+            <a:ext cx="1152941" cy="705678"/>
+          </a:xfrm>
+          <a:prstGeom prst="straightConnector1">
+            <a:avLst/>
+          </a:prstGeom>
+          <a:ln w="28575">
+            <a:tailEnd type="triangle"/>
+          </a:ln>
+        </p:spPr>
+        <p:style>
+          <a:lnRef idx="1">
+            <a:schemeClr val="accent1"/>
+          </a:lnRef>
+          <a:fillRef idx="0">
+            <a:schemeClr val="accent1"/>
+          </a:fillRef>
+          <a:effectRef idx="0">
+            <a:schemeClr val="accent1"/>
+          </a:effectRef>
+          <a:fontRef idx="minor">
+            <a:schemeClr val="tx1"/>
+          </a:fontRef>
+        </p:style>
+      </p:cxnSp>
+      <p:cxnSp>
+        <p:nvCxnSpPr>
+          <p:cNvPr id="72" name="Straight Arrow Connector 71">
+            <a:extLst>
+              <a:ext uri="{FF2B5EF4-FFF2-40B4-BE49-F238E27FC236}">
+                <a16:creationId xmlns:a16="http://schemas.microsoft.com/office/drawing/2014/main" id="{DD4541BE-F6C7-421B-9DBC-88BABEAA0064}"/>
+              </a:ext>
+            </a:extLst>
+          </p:cNvPr>
+          <p:cNvCxnSpPr>
+            <a:cxnSpLocks/>
+          </p:cNvCxnSpPr>
+          <p:nvPr/>
+        </p:nvCxnSpPr>
+        <p:spPr>
+          <a:xfrm flipV="1">
+            <a:off x="4757528" y="2249557"/>
+            <a:ext cx="1172819" cy="53007"/>
+          </a:xfrm>
+          <a:prstGeom prst="straightConnector1">
+            <a:avLst/>
+          </a:prstGeom>
+          <a:ln w="28575">
+            <a:tailEnd type="triangle"/>
+          </a:ln>
+        </p:spPr>
+        <p:style>
+          <a:lnRef idx="1">
+            <a:schemeClr val="accent1"/>
+          </a:lnRef>
+          <a:fillRef idx="0">
+            <a:schemeClr val="accent1"/>
+          </a:fillRef>
+          <a:effectRef idx="0">
+            <a:schemeClr val="accent1"/>
+          </a:effectRef>
+          <a:fontRef idx="minor">
+            <a:schemeClr val="tx1"/>
+          </a:fontRef>
+        </p:style>
+      </p:cxnSp>
+      <p:cxnSp>
+        <p:nvCxnSpPr>
+          <p:cNvPr id="74" name="Straight Arrow Connector 73">
+            <a:extLst>
+              <a:ext uri="{FF2B5EF4-FFF2-40B4-BE49-F238E27FC236}">
+                <a16:creationId xmlns:a16="http://schemas.microsoft.com/office/drawing/2014/main" id="{7BAFA8D7-F277-4CB0-B1DB-039946A07C1D}"/>
+              </a:ext>
+            </a:extLst>
+          </p:cNvPr>
+          <p:cNvCxnSpPr>
+            <a:cxnSpLocks/>
+            <a:endCxn id="60" idx="2"/>
+          </p:cNvCxnSpPr>
+          <p:nvPr/>
+        </p:nvCxnSpPr>
+        <p:spPr>
+          <a:xfrm>
+            <a:off x="4757528" y="2302565"/>
+            <a:ext cx="1179445" cy="2219739"/>
+          </a:xfrm>
+          <a:prstGeom prst="straightConnector1">
+            <a:avLst/>
+          </a:prstGeom>
+          <a:ln w="28575">
+            <a:tailEnd type="triangle"/>
+          </a:ln>
+        </p:spPr>
+        <p:style>
+          <a:lnRef idx="1">
+            <a:schemeClr val="accent1"/>
+          </a:lnRef>
+          <a:fillRef idx="0">
+            <a:schemeClr val="accent1"/>
+          </a:fillRef>
+          <a:effectRef idx="0">
+            <a:schemeClr val="accent1"/>
+          </a:effectRef>
+          <a:fontRef idx="minor">
+            <a:schemeClr val="tx1"/>
+          </a:fontRef>
+        </p:style>
+      </p:cxnSp>
+      <p:cxnSp>
+        <p:nvCxnSpPr>
+          <p:cNvPr id="76" name="Straight Arrow Connector 75">
+            <a:extLst>
+              <a:ext uri="{FF2B5EF4-FFF2-40B4-BE49-F238E27FC236}">
+                <a16:creationId xmlns:a16="http://schemas.microsoft.com/office/drawing/2014/main" id="{2F726A07-D568-4FA2-BA2C-314582864BED}"/>
+              </a:ext>
+            </a:extLst>
+          </p:cNvPr>
+          <p:cNvCxnSpPr>
+            <a:stCxn id="10" idx="6"/>
+            <a:endCxn id="59" idx="2"/>
+          </p:cNvCxnSpPr>
+          <p:nvPr/>
+        </p:nvCxnSpPr>
+        <p:spPr>
+          <a:xfrm flipV="1">
+            <a:off x="4784033" y="1570383"/>
+            <a:ext cx="1152941" cy="2951921"/>
+          </a:xfrm>
+          <a:prstGeom prst="straightConnector1">
+            <a:avLst/>
+          </a:prstGeom>
+          <a:ln w="28575">
+            <a:tailEnd type="triangle"/>
+          </a:ln>
+        </p:spPr>
+        <p:style>
+          <a:lnRef idx="1">
+            <a:schemeClr val="accent1"/>
+          </a:lnRef>
+          <a:fillRef idx="0">
+            <a:schemeClr val="accent1"/>
+          </a:fillRef>
+          <a:effectRef idx="0">
+            <a:schemeClr val="accent1"/>
+          </a:effectRef>
+          <a:fontRef idx="minor">
+            <a:schemeClr val="tx1"/>
+          </a:fontRef>
+        </p:style>
+      </p:cxnSp>
+      <p:cxnSp>
+        <p:nvCxnSpPr>
+          <p:cNvPr id="81" name="Straight Arrow Connector 80">
+            <a:extLst>
+              <a:ext uri="{FF2B5EF4-FFF2-40B4-BE49-F238E27FC236}">
+                <a16:creationId xmlns:a16="http://schemas.microsoft.com/office/drawing/2014/main" id="{D1DD932C-8C8D-43DA-8701-A6A9F71F9290}"/>
+              </a:ext>
+            </a:extLst>
+          </p:cNvPr>
+          <p:cNvCxnSpPr>
+            <a:stCxn id="10" idx="6"/>
+          </p:cNvCxnSpPr>
+          <p:nvPr/>
+        </p:nvCxnSpPr>
+        <p:spPr>
+          <a:xfrm flipV="1">
+            <a:off x="4784033" y="2276061"/>
+            <a:ext cx="1146314" cy="2246243"/>
+          </a:xfrm>
+          <a:prstGeom prst="straightConnector1">
+            <a:avLst/>
+          </a:prstGeom>
+          <a:ln w="28575">
+            <a:tailEnd type="triangle"/>
+          </a:ln>
+        </p:spPr>
+        <p:style>
+          <a:lnRef idx="1">
+            <a:schemeClr val="accent1"/>
+          </a:lnRef>
+          <a:fillRef idx="0">
+            <a:schemeClr val="accent1"/>
+          </a:fillRef>
+          <a:effectRef idx="0">
+            <a:schemeClr val="accent1"/>
+          </a:effectRef>
+          <a:fontRef idx="minor">
+            <a:schemeClr val="tx1"/>
+          </a:fontRef>
+        </p:style>
+      </p:cxnSp>
+      <p:cxnSp>
+        <p:nvCxnSpPr>
+          <p:cNvPr id="83" name="Straight Arrow Connector 82">
+            <a:extLst>
+              <a:ext uri="{FF2B5EF4-FFF2-40B4-BE49-F238E27FC236}">
+                <a16:creationId xmlns:a16="http://schemas.microsoft.com/office/drawing/2014/main" id="{0DEE3CEA-6CF5-4FC6-9DE1-BC8FB4AE408D}"/>
+              </a:ext>
+            </a:extLst>
+          </p:cNvPr>
+          <p:cNvCxnSpPr>
+            <a:stCxn id="10" idx="6"/>
+            <a:endCxn id="60" idx="2"/>
+          </p:cNvCxnSpPr>
+          <p:nvPr/>
+        </p:nvCxnSpPr>
+        <p:spPr>
+          <a:xfrm>
+            <a:off x="4784033" y="4522304"/>
+            <a:ext cx="1152940" cy="0"/>
+          </a:xfrm>
+          <a:prstGeom prst="straightConnector1">
+            <a:avLst/>
+          </a:prstGeom>
+          <a:ln w="28575">
+            <a:tailEnd type="triangle"/>
+          </a:ln>
+        </p:spPr>
+        <p:style>
+          <a:lnRef idx="1">
+            <a:schemeClr val="accent1"/>
+          </a:lnRef>
+          <a:fillRef idx="0">
+            <a:schemeClr val="accent1"/>
+          </a:fillRef>
+          <a:effectRef idx="0">
+            <a:schemeClr val="accent1"/>
+          </a:effectRef>
+          <a:fontRef idx="minor">
+            <a:schemeClr val="tx1"/>
+          </a:fontRef>
+        </p:style>
+      </p:cxnSp>
+      <p:sp>
+        <p:nvSpPr>
+          <p:cNvPr id="87" name="Oval 86">
+            <a:extLst>
+              <a:ext uri="{FF2B5EF4-FFF2-40B4-BE49-F238E27FC236}">
+                <a16:creationId xmlns:a16="http://schemas.microsoft.com/office/drawing/2014/main" id="{A3DA6615-75FE-4E7D-BD4A-06FA74E339AF}"/>
+              </a:ext>
+            </a:extLst>
+          </p:cNvPr>
+          <p:cNvSpPr/>
+          <p:nvPr/>
+        </p:nvSpPr>
+        <p:spPr>
+          <a:xfrm>
+            <a:off x="7288696" y="2527852"/>
+            <a:ext cx="318053" cy="304800"/>
+          </a:xfrm>
+          <a:prstGeom prst="ellipse">
+            <a:avLst/>
+          </a:prstGeom>
+          <a:solidFill>
+            <a:schemeClr val="tx1">
+              <a:lumMod val="50000"/>
+              <a:lumOff val="50000"/>
+            </a:schemeClr>
+          </a:solidFill>
+          <a:ln w="28575">
+            <a:solidFill>
+              <a:schemeClr val="tx1"/>
+            </a:solidFill>
+          </a:ln>
+        </p:spPr>
+        <p:style>
+          <a:lnRef idx="2">
+            <a:schemeClr val="accent1">
+              <a:shade val="50000"/>
+            </a:schemeClr>
+          </a:lnRef>
+          <a:fillRef idx="1">
+            <a:schemeClr val="accent1"/>
+          </a:fillRef>
+          <a:effectRef idx="0">
+            <a:schemeClr val="accent1"/>
+          </a:effectRef>
+          <a:fontRef idx="minor">
+            <a:schemeClr val="lt1"/>
+          </a:fontRef>
+        </p:style>
+        <p:txBody>
+          <a:bodyPr rtlCol="0" anchor="ctr"/>
+          <a:lstStyle/>
+          <a:p>
+            <a:pPr algn="ctr"/>
+            <a:endParaRPr lang="en-GB"/>
+          </a:p>
+        </p:txBody>
+      </p:sp>
+      <p:sp>
+        <p:nvSpPr>
+          <p:cNvPr id="88" name="Oval 87">
+            <a:extLst>
+              <a:ext uri="{FF2B5EF4-FFF2-40B4-BE49-F238E27FC236}">
+                <a16:creationId xmlns:a16="http://schemas.microsoft.com/office/drawing/2014/main" id="{C3D9F2D7-89C9-4DF6-94C5-75EAA8099D7C}"/>
+              </a:ext>
+            </a:extLst>
+          </p:cNvPr>
+          <p:cNvSpPr/>
+          <p:nvPr/>
+        </p:nvSpPr>
+        <p:spPr>
+          <a:xfrm>
+            <a:off x="7288695" y="3233530"/>
+            <a:ext cx="318053" cy="304800"/>
+          </a:xfrm>
+          <a:prstGeom prst="ellipse">
+            <a:avLst/>
+          </a:prstGeom>
+          <a:solidFill>
+            <a:schemeClr val="tx1">
+              <a:lumMod val="50000"/>
+              <a:lumOff val="50000"/>
+            </a:schemeClr>
+          </a:solidFill>
+          <a:ln w="28575">
+            <a:solidFill>
+              <a:schemeClr val="tx1"/>
+            </a:solidFill>
+          </a:ln>
+        </p:spPr>
+        <p:style>
+          <a:lnRef idx="2">
+            <a:schemeClr val="accent1">
+              <a:shade val="50000"/>
+            </a:schemeClr>
+          </a:lnRef>
+          <a:fillRef idx="1">
+            <a:schemeClr val="accent1"/>
+          </a:fillRef>
+          <a:effectRef idx="0">
+            <a:schemeClr val="accent1"/>
+          </a:effectRef>
+          <a:fontRef idx="minor">
+            <a:schemeClr val="lt1"/>
+          </a:fontRef>
+        </p:style>
+        <p:txBody>
+          <a:bodyPr rtlCol="0" anchor="ctr"/>
+          <a:lstStyle/>
+          <a:p>
+            <a:pPr algn="ctr"/>
+            <a:endParaRPr lang="en-GB"/>
+          </a:p>
+        </p:txBody>
+      </p:sp>
+      <p:cxnSp>
+        <p:nvCxnSpPr>
+          <p:cNvPr id="90" name="Straight Arrow Connector 89">
+            <a:extLst>
+              <a:ext uri="{FF2B5EF4-FFF2-40B4-BE49-F238E27FC236}">
+                <a16:creationId xmlns:a16="http://schemas.microsoft.com/office/drawing/2014/main" id="{DDFE91F2-D888-41AB-B5A2-E56BA1E759F8}"/>
+              </a:ext>
+            </a:extLst>
+          </p:cNvPr>
+          <p:cNvCxnSpPr>
+            <a:stCxn id="59" idx="6"/>
+            <a:endCxn id="87" idx="2"/>
+          </p:cNvCxnSpPr>
+          <p:nvPr/>
+        </p:nvCxnSpPr>
+        <p:spPr>
+          <a:xfrm>
+            <a:off x="6255027" y="1570383"/>
+            <a:ext cx="1033669" cy="1109869"/>
+          </a:xfrm>
+          <a:prstGeom prst="straightConnector1">
+            <a:avLst/>
+          </a:prstGeom>
+          <a:ln w="28575">
+            <a:tailEnd type="triangle"/>
+          </a:ln>
+        </p:spPr>
+        <p:style>
+          <a:lnRef idx="1">
+            <a:schemeClr val="accent1"/>
+          </a:lnRef>
+          <a:fillRef idx="0">
+            <a:schemeClr val="accent1"/>
+          </a:fillRef>
+          <a:effectRef idx="0">
+            <a:schemeClr val="accent1"/>
+          </a:effectRef>
+          <a:fontRef idx="minor">
+            <a:schemeClr val="tx1"/>
+          </a:fontRef>
+        </p:style>
+      </p:cxnSp>
+      <p:cxnSp>
+        <p:nvCxnSpPr>
+          <p:cNvPr id="92" name="Straight Arrow Connector 91">
+            <a:extLst>
+              <a:ext uri="{FF2B5EF4-FFF2-40B4-BE49-F238E27FC236}">
+                <a16:creationId xmlns:a16="http://schemas.microsoft.com/office/drawing/2014/main" id="{0DF51AA7-39DE-44B7-B80B-B5B1EB873530}"/>
+              </a:ext>
+            </a:extLst>
+          </p:cNvPr>
+          <p:cNvCxnSpPr>
+            <a:stCxn id="61" idx="6"/>
+            <a:endCxn id="87" idx="2"/>
+          </p:cNvCxnSpPr>
+          <p:nvPr/>
+        </p:nvCxnSpPr>
+        <p:spPr>
+          <a:xfrm>
+            <a:off x="6255026" y="2276061"/>
+            <a:ext cx="1033670" cy="404191"/>
+          </a:xfrm>
+          <a:prstGeom prst="straightConnector1">
+            <a:avLst/>
+          </a:prstGeom>
+          <a:ln w="28575">
+            <a:tailEnd type="triangle"/>
+          </a:ln>
+        </p:spPr>
+        <p:style>
+          <a:lnRef idx="1">
+            <a:schemeClr val="accent1"/>
+          </a:lnRef>
+          <a:fillRef idx="0">
+            <a:schemeClr val="accent1"/>
+          </a:fillRef>
+          <a:effectRef idx="0">
+            <a:schemeClr val="accent1"/>
+          </a:effectRef>
+          <a:fontRef idx="minor">
+            <a:schemeClr val="tx1"/>
+          </a:fontRef>
+        </p:style>
+      </p:cxnSp>
+      <p:cxnSp>
+        <p:nvCxnSpPr>
+          <p:cNvPr id="94" name="Straight Arrow Connector 93">
+            <a:extLst>
+              <a:ext uri="{FF2B5EF4-FFF2-40B4-BE49-F238E27FC236}">
+                <a16:creationId xmlns:a16="http://schemas.microsoft.com/office/drawing/2014/main" id="{5EC0FB2B-34F4-451D-B551-D7065280D0CA}"/>
+              </a:ext>
+            </a:extLst>
+          </p:cNvPr>
+          <p:cNvCxnSpPr>
+            <a:stCxn id="60" idx="6"/>
+            <a:endCxn id="87" idx="2"/>
+          </p:cNvCxnSpPr>
+          <p:nvPr/>
+        </p:nvCxnSpPr>
+        <p:spPr>
+          <a:xfrm flipV="1">
+            <a:off x="6255026" y="2680252"/>
+            <a:ext cx="1033670" cy="1842052"/>
+          </a:xfrm>
+          <a:prstGeom prst="straightConnector1">
+            <a:avLst/>
+          </a:prstGeom>
+          <a:ln w="28575">
+            <a:tailEnd type="triangle"/>
+          </a:ln>
+        </p:spPr>
+        <p:style>
+          <a:lnRef idx="1">
+            <a:schemeClr val="accent1"/>
+          </a:lnRef>
+          <a:fillRef idx="0">
+            <a:schemeClr val="accent1"/>
+          </a:fillRef>
+          <a:effectRef idx="0">
+            <a:schemeClr val="accent1"/>
+          </a:effectRef>
+          <a:fontRef idx="minor">
+            <a:schemeClr val="tx1"/>
+          </a:fontRef>
+        </p:style>
+      </p:cxnSp>
+      <p:cxnSp>
+        <p:nvCxnSpPr>
+          <p:cNvPr id="96" name="Straight Arrow Connector 95">
+            <a:extLst>
+              <a:ext uri="{FF2B5EF4-FFF2-40B4-BE49-F238E27FC236}">
+                <a16:creationId xmlns:a16="http://schemas.microsoft.com/office/drawing/2014/main" id="{66EFF218-239D-4C43-8EFC-571F277E60D3}"/>
+              </a:ext>
+            </a:extLst>
+          </p:cNvPr>
+          <p:cNvCxnSpPr>
+            <a:stCxn id="59" idx="6"/>
+            <a:endCxn id="88" idx="2"/>
+          </p:cNvCxnSpPr>
+          <p:nvPr/>
+        </p:nvCxnSpPr>
+        <p:spPr>
+          <a:xfrm>
+            <a:off x="6255027" y="1570383"/>
+            <a:ext cx="1033668" cy="1815547"/>
+          </a:xfrm>
+          <a:prstGeom prst="straightConnector1">
+            <a:avLst/>
+          </a:prstGeom>
+          <a:ln w="28575">
+            <a:tailEnd type="triangle"/>
+          </a:ln>
+        </p:spPr>
+        <p:style>
+          <a:lnRef idx="1">
+            <a:schemeClr val="accent1"/>
+          </a:lnRef>
+          <a:fillRef idx="0">
+            <a:schemeClr val="accent1"/>
+          </a:fillRef>
+          <a:effectRef idx="0">
+            <a:schemeClr val="accent1"/>
+          </a:effectRef>
+          <a:fontRef idx="minor">
+            <a:schemeClr val="tx1"/>
+          </a:fontRef>
+        </p:style>
+      </p:cxnSp>
+      <p:cxnSp>
+        <p:nvCxnSpPr>
+          <p:cNvPr id="98" name="Straight Arrow Connector 97">
+            <a:extLst>
+              <a:ext uri="{FF2B5EF4-FFF2-40B4-BE49-F238E27FC236}">
+                <a16:creationId xmlns:a16="http://schemas.microsoft.com/office/drawing/2014/main" id="{ED8EE72A-C3FB-44F2-A30D-F031BD60DF05}"/>
+              </a:ext>
+            </a:extLst>
+          </p:cNvPr>
+          <p:cNvCxnSpPr>
+            <a:cxnSpLocks/>
+            <a:stCxn id="61" idx="6"/>
+            <a:endCxn id="88" idx="2"/>
+          </p:cNvCxnSpPr>
+          <p:nvPr/>
+        </p:nvCxnSpPr>
+        <p:spPr>
+          <a:xfrm>
+            <a:off x="6255026" y="2276061"/>
+            <a:ext cx="1033669" cy="1109869"/>
+          </a:xfrm>
+          <a:prstGeom prst="straightConnector1">
+            <a:avLst/>
+          </a:prstGeom>
+          <a:ln w="28575">
+            <a:tailEnd type="triangle"/>
+          </a:ln>
+        </p:spPr>
+        <p:style>
+          <a:lnRef idx="1">
+            <a:schemeClr val="accent1"/>
+          </a:lnRef>
+          <a:fillRef idx="0">
+            <a:schemeClr val="accent1"/>
+          </a:fillRef>
+          <a:effectRef idx="0">
+            <a:schemeClr val="accent1"/>
+          </a:effectRef>
+          <a:fontRef idx="minor">
+            <a:schemeClr val="tx1"/>
+          </a:fontRef>
+        </p:style>
+      </p:cxnSp>
+      <p:cxnSp>
+        <p:nvCxnSpPr>
+          <p:cNvPr id="101" name="Straight Arrow Connector 100">
+            <a:extLst>
+              <a:ext uri="{FF2B5EF4-FFF2-40B4-BE49-F238E27FC236}">
+                <a16:creationId xmlns:a16="http://schemas.microsoft.com/office/drawing/2014/main" id="{40B0ACCD-BA5C-488A-B71E-243A08628C11}"/>
+              </a:ext>
+            </a:extLst>
+          </p:cNvPr>
+          <p:cNvCxnSpPr>
+            <a:stCxn id="60" idx="6"/>
+            <a:endCxn id="88" idx="2"/>
+          </p:cNvCxnSpPr>
+          <p:nvPr/>
+        </p:nvCxnSpPr>
+        <p:spPr>
+          <a:xfrm flipV="1">
+            <a:off x="6255026" y="3385930"/>
+            <a:ext cx="1033669" cy="1136374"/>
+          </a:xfrm>
+          <a:prstGeom prst="straightConnector1">
+            <a:avLst/>
+          </a:prstGeom>
+          <a:ln w="28575">
+            <a:tailEnd type="triangle"/>
+          </a:ln>
+        </p:spPr>
+        <p:style>
+          <a:lnRef idx="1">
+            <a:schemeClr val="accent1"/>
+          </a:lnRef>
+          <a:fillRef idx="0">
+            <a:schemeClr val="accent1"/>
+          </a:fillRef>
+          <a:effectRef idx="0">
+            <a:schemeClr val="accent1"/>
+          </a:effectRef>
+          <a:fontRef idx="minor">
+            <a:schemeClr val="tx1"/>
+          </a:fontRef>
+        </p:style>
+      </p:cxnSp>
+      <p:cxnSp>
+        <p:nvCxnSpPr>
+          <p:cNvPr id="103" name="Straight Arrow Connector 102">
+            <a:extLst>
+              <a:ext uri="{FF2B5EF4-FFF2-40B4-BE49-F238E27FC236}">
+                <a16:creationId xmlns:a16="http://schemas.microsoft.com/office/drawing/2014/main" id="{7214031F-1D71-4C78-8495-A6954441CE64}"/>
+              </a:ext>
+            </a:extLst>
+          </p:cNvPr>
+          <p:cNvCxnSpPr>
+            <a:stCxn id="87" idx="6"/>
+          </p:cNvCxnSpPr>
+          <p:nvPr/>
+        </p:nvCxnSpPr>
+        <p:spPr>
+          <a:xfrm>
+            <a:off x="7606749" y="2680252"/>
+            <a:ext cx="887894" cy="0"/>
+          </a:xfrm>
+          <a:prstGeom prst="straightConnector1">
+            <a:avLst/>
+          </a:prstGeom>
+          <a:ln w="28575">
+            <a:tailEnd type="triangle"/>
+          </a:ln>
+        </p:spPr>
+        <p:style>
+          <a:lnRef idx="1">
+            <a:schemeClr val="accent1"/>
+          </a:lnRef>
+          <a:fillRef idx="0">
+            <a:schemeClr val="accent1"/>
+          </a:fillRef>
+          <a:effectRef idx="0">
+            <a:schemeClr val="accent1"/>
+          </a:effectRef>
+          <a:fontRef idx="minor">
+            <a:schemeClr val="tx1"/>
+          </a:fontRef>
+        </p:style>
+      </p:cxnSp>
+      <p:cxnSp>
+        <p:nvCxnSpPr>
+          <p:cNvPr id="105" name="Straight Arrow Connector 104">
+            <a:extLst>
+              <a:ext uri="{FF2B5EF4-FFF2-40B4-BE49-F238E27FC236}">
+                <a16:creationId xmlns:a16="http://schemas.microsoft.com/office/drawing/2014/main" id="{3211DD1C-E9F5-4BAE-A763-79A78ED4586A}"/>
+              </a:ext>
+            </a:extLst>
+          </p:cNvPr>
+          <p:cNvCxnSpPr>
+            <a:stCxn id="88" idx="6"/>
+          </p:cNvCxnSpPr>
+          <p:nvPr/>
+        </p:nvCxnSpPr>
+        <p:spPr>
+          <a:xfrm>
+            <a:off x="7606748" y="3385930"/>
+            <a:ext cx="887895" cy="0"/>
+          </a:xfrm>
+          <a:prstGeom prst="straightConnector1">
+            <a:avLst/>
+          </a:prstGeom>
+          <a:ln w="28575">
+            <a:tailEnd type="triangle"/>
+          </a:ln>
+        </p:spPr>
+        <p:style>
+          <a:lnRef idx="1">
+            <a:schemeClr val="accent1"/>
+          </a:lnRef>
+          <a:fillRef idx="0">
+            <a:schemeClr val="accent1"/>
+          </a:fillRef>
+          <a:effectRef idx="0">
+            <a:schemeClr val="accent1"/>
+          </a:effectRef>
+          <a:fontRef idx="minor">
+            <a:schemeClr val="tx1"/>
+          </a:fontRef>
+        </p:style>
+      </p:cxnSp>
+      <p:sp>
+        <p:nvSpPr>
+          <p:cNvPr id="106" name="TextBox 105">
+            <a:extLst>
+              <a:ext uri="{FF2B5EF4-FFF2-40B4-BE49-F238E27FC236}">
+                <a16:creationId xmlns:a16="http://schemas.microsoft.com/office/drawing/2014/main" id="{361DF2F4-C226-4CD5-98A6-B3B1CACA387B}"/>
+              </a:ext>
+            </a:extLst>
+          </p:cNvPr>
+          <p:cNvSpPr txBox="1"/>
+          <p:nvPr/>
+        </p:nvSpPr>
+        <p:spPr>
+          <a:xfrm>
+            <a:off x="854965" y="1352155"/>
+            <a:ext cx="940770" cy="461665"/>
+          </a:xfrm>
+          <a:prstGeom prst="rect">
+            <a:avLst/>
+          </a:prstGeom>
+          <a:noFill/>
+        </p:spPr>
+        <p:txBody>
+          <a:bodyPr wrap="none" rtlCol="0">
+            <a:spAutoFit/>
+          </a:bodyPr>
+          <a:lstStyle/>
+          <a:p>
+            <a:r>
+              <a:rPr lang="en-GB" sz="2400" dirty="0"/>
+              <a:t>Raw 1</a:t>
+            </a:r>
+          </a:p>
+        </p:txBody>
+      </p:sp>
+      <p:sp>
+        <p:nvSpPr>
+          <p:cNvPr id="107" name="TextBox 106">
+            <a:extLst>
+              <a:ext uri="{FF2B5EF4-FFF2-40B4-BE49-F238E27FC236}">
+                <a16:creationId xmlns:a16="http://schemas.microsoft.com/office/drawing/2014/main" id="{F3232D5A-BC2D-493A-B3A8-DEE6DF531A88}"/>
+              </a:ext>
+            </a:extLst>
+          </p:cNvPr>
+          <p:cNvSpPr txBox="1"/>
+          <p:nvPr/>
+        </p:nvSpPr>
+        <p:spPr>
+          <a:xfrm>
+            <a:off x="841712" y="2303863"/>
+            <a:ext cx="940770" cy="461665"/>
+          </a:xfrm>
+          <a:prstGeom prst="rect">
+            <a:avLst/>
+          </a:prstGeom>
+          <a:noFill/>
+        </p:spPr>
+        <p:txBody>
+          <a:bodyPr wrap="none" rtlCol="0">
+            <a:spAutoFit/>
+          </a:bodyPr>
+          <a:lstStyle/>
+          <a:p>
+            <a:r>
+              <a:rPr lang="en-GB" sz="2400" dirty="0"/>
+              <a:t>Raw 2</a:t>
+            </a:r>
+          </a:p>
+        </p:txBody>
+      </p:sp>
+      <p:sp>
+        <p:nvSpPr>
+          <p:cNvPr id="108" name="TextBox 107">
+            <a:extLst>
+              <a:ext uri="{FF2B5EF4-FFF2-40B4-BE49-F238E27FC236}">
+                <a16:creationId xmlns:a16="http://schemas.microsoft.com/office/drawing/2014/main" id="{6858E54A-B086-4D76-9FF8-9052B3818657}"/>
+              </a:ext>
+            </a:extLst>
+          </p:cNvPr>
+          <p:cNvSpPr txBox="1"/>
+          <p:nvPr/>
+        </p:nvSpPr>
+        <p:spPr>
+          <a:xfrm>
+            <a:off x="854965" y="3255571"/>
+            <a:ext cx="940770" cy="461665"/>
+          </a:xfrm>
+          <a:prstGeom prst="rect">
+            <a:avLst/>
+          </a:prstGeom>
+          <a:noFill/>
+        </p:spPr>
+        <p:txBody>
+          <a:bodyPr wrap="none" rtlCol="0">
+            <a:spAutoFit/>
+          </a:bodyPr>
+          <a:lstStyle/>
+          <a:p>
+            <a:r>
+              <a:rPr lang="en-GB" sz="2400" dirty="0"/>
+              <a:t>Raw 3</a:t>
+            </a:r>
+          </a:p>
+        </p:txBody>
+      </p:sp>
+      <p:sp>
+        <p:nvSpPr>
+          <p:cNvPr id="109" name="TextBox 108">
+            <a:extLst>
+              <a:ext uri="{FF2B5EF4-FFF2-40B4-BE49-F238E27FC236}">
+                <a16:creationId xmlns:a16="http://schemas.microsoft.com/office/drawing/2014/main" id="{3C1C24A0-B8B7-4FB5-BC19-666AA1AD30C7}"/>
+              </a:ext>
+            </a:extLst>
+          </p:cNvPr>
+          <p:cNvSpPr txBox="1"/>
+          <p:nvPr/>
+        </p:nvSpPr>
+        <p:spPr>
+          <a:xfrm>
+            <a:off x="841712" y="4239544"/>
+            <a:ext cx="940770" cy="461665"/>
+          </a:xfrm>
+          <a:prstGeom prst="rect">
+            <a:avLst/>
+          </a:prstGeom>
+          <a:noFill/>
+        </p:spPr>
+        <p:txBody>
+          <a:bodyPr wrap="none" rtlCol="0">
+            <a:spAutoFit/>
+          </a:bodyPr>
+          <a:lstStyle/>
+          <a:p>
+            <a:r>
+              <a:rPr lang="en-GB" sz="2400" dirty="0"/>
+              <a:t>Raw 4</a:t>
+            </a:r>
+          </a:p>
+        </p:txBody>
+      </p:sp>
+      <p:sp>
+        <p:nvSpPr>
+          <p:cNvPr id="110" name="TextBox 109">
+            <a:extLst>
+              <a:ext uri="{FF2B5EF4-FFF2-40B4-BE49-F238E27FC236}">
+                <a16:creationId xmlns:a16="http://schemas.microsoft.com/office/drawing/2014/main" id="{D35DBE6F-A636-471C-BB30-1A1C58C2F360}"/>
+              </a:ext>
+            </a:extLst>
+          </p:cNvPr>
+          <p:cNvSpPr txBox="1"/>
+          <p:nvPr/>
+        </p:nvSpPr>
+        <p:spPr>
+          <a:xfrm>
+            <a:off x="8488083" y="2401957"/>
+            <a:ext cx="458780" cy="461665"/>
+          </a:xfrm>
+          <a:prstGeom prst="rect">
+            <a:avLst/>
+          </a:prstGeom>
+          <a:noFill/>
+        </p:spPr>
+        <p:txBody>
+          <a:bodyPr wrap="none" rtlCol="0">
+            <a:spAutoFit/>
+          </a:bodyPr>
+          <a:lstStyle/>
+          <a:p>
+            <a:r>
+              <a:rPr lang="en-GB" sz="2400" dirty="0"/>
+              <a:t>Fx</a:t>
+            </a:r>
+          </a:p>
+        </p:txBody>
+      </p:sp>
+      <p:sp>
+        <p:nvSpPr>
+          <p:cNvPr id="111" name="TextBox 110">
+            <a:extLst>
+              <a:ext uri="{FF2B5EF4-FFF2-40B4-BE49-F238E27FC236}">
+                <a16:creationId xmlns:a16="http://schemas.microsoft.com/office/drawing/2014/main" id="{2A41B3DE-742D-4B38-AA60-45BE16D4C124}"/>
+              </a:ext>
+            </a:extLst>
+          </p:cNvPr>
+          <p:cNvSpPr txBox="1"/>
+          <p:nvPr/>
+        </p:nvSpPr>
+        <p:spPr>
+          <a:xfrm>
+            <a:off x="8494643" y="3125352"/>
+            <a:ext cx="465192" cy="461665"/>
+          </a:xfrm>
+          <a:prstGeom prst="rect">
+            <a:avLst/>
+          </a:prstGeom>
+          <a:noFill/>
+        </p:spPr>
+        <p:txBody>
+          <a:bodyPr wrap="none" rtlCol="0">
+            <a:spAutoFit/>
+          </a:bodyPr>
+          <a:lstStyle/>
+          <a:p>
+            <a:r>
+              <a:rPr lang="en-GB" sz="2400" dirty="0"/>
+              <a:t>Fy</a:t>
+            </a:r>
+          </a:p>
+        </p:txBody>
+      </p:sp>
+      <p:sp>
+        <p:nvSpPr>
+          <p:cNvPr id="112" name="TextBox 111">
+            <a:extLst>
+              <a:ext uri="{FF2B5EF4-FFF2-40B4-BE49-F238E27FC236}">
+                <a16:creationId xmlns:a16="http://schemas.microsoft.com/office/drawing/2014/main" id="{4CE6C33E-1B8B-4294-B783-4BDC18A7F902}"/>
+              </a:ext>
+            </a:extLst>
+          </p:cNvPr>
+          <p:cNvSpPr txBox="1"/>
+          <p:nvPr/>
+        </p:nvSpPr>
+        <p:spPr>
+          <a:xfrm>
+            <a:off x="2093262" y="554144"/>
+            <a:ext cx="1303562" cy="400110"/>
+          </a:xfrm>
+          <a:prstGeom prst="rect">
+            <a:avLst/>
+          </a:prstGeom>
+          <a:noFill/>
+        </p:spPr>
+        <p:txBody>
+          <a:bodyPr wrap="none" rtlCol="0">
+            <a:spAutoFit/>
+          </a:bodyPr>
+          <a:lstStyle/>
+          <a:p>
+            <a:pPr algn="ctr"/>
+            <a:r>
+              <a:rPr lang="en-GB" sz="2000" i="1" dirty="0">
+                <a:solidFill>
+                  <a:srgbClr val="002060"/>
+                </a:solidFill>
+              </a:rPr>
+              <a:t>Input layer</a:t>
+            </a:r>
+          </a:p>
+        </p:txBody>
+      </p:sp>
+      <p:sp>
+        <p:nvSpPr>
+          <p:cNvPr id="113" name="TextBox 112">
+            <a:extLst>
+              <a:ext uri="{FF2B5EF4-FFF2-40B4-BE49-F238E27FC236}">
+                <a16:creationId xmlns:a16="http://schemas.microsoft.com/office/drawing/2014/main" id="{86766B23-CE25-4AFD-B7C9-8166A3ED7FBD}"/>
+              </a:ext>
+            </a:extLst>
+          </p:cNvPr>
+          <p:cNvSpPr txBox="1"/>
+          <p:nvPr/>
+        </p:nvSpPr>
+        <p:spPr>
+          <a:xfrm>
+            <a:off x="4135929" y="558559"/>
+            <a:ext cx="978153" cy="707886"/>
+          </a:xfrm>
+          <a:prstGeom prst="rect">
+            <a:avLst/>
+          </a:prstGeom>
+          <a:noFill/>
+        </p:spPr>
+        <p:txBody>
+          <a:bodyPr wrap="none" rtlCol="0">
+            <a:spAutoFit/>
+          </a:bodyPr>
+          <a:lstStyle/>
+          <a:p>
+            <a:pPr algn="ctr"/>
+            <a:r>
+              <a:rPr lang="en-GB" sz="2000" i="1" dirty="0">
+                <a:solidFill>
+                  <a:srgbClr val="002060"/>
+                </a:solidFill>
+              </a:rPr>
+              <a:t>Hidden </a:t>
+            </a:r>
+          </a:p>
+          <a:p>
+            <a:pPr algn="ctr"/>
+            <a:r>
+              <a:rPr lang="en-GB" sz="2000" i="1" dirty="0">
+                <a:solidFill>
+                  <a:srgbClr val="002060"/>
+                </a:solidFill>
+              </a:rPr>
+              <a:t>Layer 1</a:t>
+            </a:r>
+          </a:p>
+        </p:txBody>
+      </p:sp>
+      <p:sp>
+        <p:nvSpPr>
+          <p:cNvPr id="114" name="TextBox 113">
+            <a:extLst>
+              <a:ext uri="{FF2B5EF4-FFF2-40B4-BE49-F238E27FC236}">
+                <a16:creationId xmlns:a16="http://schemas.microsoft.com/office/drawing/2014/main" id="{BF5C9C80-2307-4EAC-908E-2D22E47E2CAD}"/>
+              </a:ext>
+            </a:extLst>
+          </p:cNvPr>
+          <p:cNvSpPr txBox="1"/>
+          <p:nvPr/>
+        </p:nvSpPr>
+        <p:spPr>
+          <a:xfrm>
+            <a:off x="5606922" y="556472"/>
+            <a:ext cx="978153" cy="707886"/>
+          </a:xfrm>
+          <a:prstGeom prst="rect">
+            <a:avLst/>
+          </a:prstGeom>
+          <a:noFill/>
+        </p:spPr>
+        <p:txBody>
+          <a:bodyPr wrap="none" rtlCol="0">
+            <a:spAutoFit/>
+          </a:bodyPr>
+          <a:lstStyle/>
+          <a:p>
+            <a:pPr algn="ctr"/>
+            <a:r>
+              <a:rPr lang="en-GB" sz="2000" i="1" dirty="0">
+                <a:solidFill>
+                  <a:srgbClr val="002060"/>
+                </a:solidFill>
+              </a:rPr>
+              <a:t>Hidden </a:t>
+            </a:r>
+          </a:p>
+          <a:p>
+            <a:pPr algn="ctr"/>
+            <a:r>
+              <a:rPr lang="en-GB" sz="2000" i="1" dirty="0">
+                <a:solidFill>
+                  <a:srgbClr val="002060"/>
+                </a:solidFill>
+              </a:rPr>
+              <a:t>Layer 2</a:t>
+            </a:r>
+          </a:p>
+        </p:txBody>
+      </p:sp>
+      <p:sp>
+        <p:nvSpPr>
+          <p:cNvPr id="115" name="TextBox 114">
+            <a:extLst>
+              <a:ext uri="{FF2B5EF4-FFF2-40B4-BE49-F238E27FC236}">
+                <a16:creationId xmlns:a16="http://schemas.microsoft.com/office/drawing/2014/main" id="{CC6BC459-8A02-4A46-8005-7CCAE9FE4F32}"/>
+              </a:ext>
+            </a:extLst>
+          </p:cNvPr>
+          <p:cNvSpPr txBox="1"/>
+          <p:nvPr/>
+        </p:nvSpPr>
+        <p:spPr>
+          <a:xfrm>
+            <a:off x="6958644" y="540773"/>
+            <a:ext cx="978153" cy="707886"/>
+          </a:xfrm>
+          <a:prstGeom prst="rect">
+            <a:avLst/>
+          </a:prstGeom>
+          <a:noFill/>
+        </p:spPr>
+        <p:txBody>
+          <a:bodyPr wrap="none" rtlCol="0">
+            <a:spAutoFit/>
+          </a:bodyPr>
+          <a:lstStyle/>
+          <a:p>
+            <a:pPr algn="ctr"/>
+            <a:r>
+              <a:rPr lang="en-GB" sz="2000" i="1" dirty="0">
+                <a:solidFill>
+                  <a:srgbClr val="002060"/>
+                </a:solidFill>
+              </a:rPr>
+              <a:t>Output </a:t>
+            </a:r>
+          </a:p>
+          <a:p>
+            <a:pPr algn="ctr"/>
+            <a:r>
+              <a:rPr lang="en-GB" sz="2000" i="1" dirty="0">
+                <a:solidFill>
+                  <a:srgbClr val="002060"/>
+                </a:solidFill>
+              </a:rPr>
+              <a:t>Layer</a:t>
+            </a:r>
+          </a:p>
+        </p:txBody>
+      </p:sp>
+      <p:sp>
+        <p:nvSpPr>
+          <p:cNvPr id="116" name="TextBox 115">
+            <a:extLst>
+              <a:ext uri="{FF2B5EF4-FFF2-40B4-BE49-F238E27FC236}">
+                <a16:creationId xmlns:a16="http://schemas.microsoft.com/office/drawing/2014/main" id="{DCF9C8A0-D5A9-4130-8455-DC2F0BF369CA}"/>
+              </a:ext>
+            </a:extLst>
+          </p:cNvPr>
+          <p:cNvSpPr txBox="1"/>
+          <p:nvPr/>
+        </p:nvSpPr>
+        <p:spPr>
+          <a:xfrm>
+            <a:off x="2407098" y="4995206"/>
+            <a:ext cx="607859" cy="400110"/>
+          </a:xfrm>
+          <a:prstGeom prst="rect">
+            <a:avLst/>
+          </a:prstGeom>
+          <a:noFill/>
+        </p:spPr>
+        <p:txBody>
+          <a:bodyPr wrap="none" rtlCol="0">
+            <a:spAutoFit/>
+          </a:bodyPr>
+          <a:lstStyle/>
+          <a:p>
+            <a:r>
+              <a:rPr lang="en-GB" sz="2000" dirty="0"/>
+              <a:t>N=4</a:t>
+            </a:r>
+          </a:p>
+        </p:txBody>
+      </p:sp>
+      <p:sp>
+        <p:nvSpPr>
+          <p:cNvPr id="117" name="TextBox 116">
+            <a:extLst>
+              <a:ext uri="{FF2B5EF4-FFF2-40B4-BE49-F238E27FC236}">
+                <a16:creationId xmlns:a16="http://schemas.microsoft.com/office/drawing/2014/main" id="{5EAE4853-8F2C-44CB-ADA0-302E80DE03F3}"/>
+              </a:ext>
+            </a:extLst>
+          </p:cNvPr>
+          <p:cNvSpPr txBox="1"/>
+          <p:nvPr/>
+        </p:nvSpPr>
+        <p:spPr>
+          <a:xfrm>
+            <a:off x="4341914" y="4995206"/>
+            <a:ext cx="737702" cy="400110"/>
+          </a:xfrm>
+          <a:prstGeom prst="rect">
+            <a:avLst/>
+          </a:prstGeom>
+          <a:noFill/>
+        </p:spPr>
+        <p:txBody>
+          <a:bodyPr wrap="none" rtlCol="0">
+            <a:spAutoFit/>
+          </a:bodyPr>
+          <a:lstStyle/>
+          <a:p>
+            <a:r>
+              <a:rPr lang="en-GB" sz="2000" dirty="0"/>
+              <a:t>N=20</a:t>
+            </a:r>
+          </a:p>
+        </p:txBody>
+      </p:sp>
+      <p:sp>
+        <p:nvSpPr>
+          <p:cNvPr id="118" name="TextBox 117">
+            <a:extLst>
+              <a:ext uri="{FF2B5EF4-FFF2-40B4-BE49-F238E27FC236}">
+                <a16:creationId xmlns:a16="http://schemas.microsoft.com/office/drawing/2014/main" id="{BB0C43E4-DB61-4F9B-9F97-74917C916328}"/>
+              </a:ext>
+            </a:extLst>
+          </p:cNvPr>
+          <p:cNvSpPr txBox="1"/>
+          <p:nvPr/>
+        </p:nvSpPr>
+        <p:spPr>
+          <a:xfrm>
+            <a:off x="5754398" y="4995206"/>
+            <a:ext cx="737702" cy="400110"/>
+          </a:xfrm>
+          <a:prstGeom prst="rect">
+            <a:avLst/>
+          </a:prstGeom>
+          <a:noFill/>
+        </p:spPr>
+        <p:txBody>
+          <a:bodyPr wrap="none" rtlCol="0">
+            <a:spAutoFit/>
+          </a:bodyPr>
+          <a:lstStyle/>
+          <a:p>
+            <a:r>
+              <a:rPr lang="en-GB" sz="2000" dirty="0"/>
+              <a:t>N=10</a:t>
+            </a:r>
+          </a:p>
+        </p:txBody>
+      </p:sp>
+      <p:sp>
+        <p:nvSpPr>
+          <p:cNvPr id="119" name="TextBox 118">
+            <a:extLst>
+              <a:ext uri="{FF2B5EF4-FFF2-40B4-BE49-F238E27FC236}">
+                <a16:creationId xmlns:a16="http://schemas.microsoft.com/office/drawing/2014/main" id="{6699997C-9D6A-4FB0-AF02-C6A0D04754AF}"/>
+              </a:ext>
+            </a:extLst>
+          </p:cNvPr>
+          <p:cNvSpPr txBox="1"/>
+          <p:nvPr/>
+        </p:nvSpPr>
+        <p:spPr>
+          <a:xfrm>
+            <a:off x="7106120" y="4995206"/>
+            <a:ext cx="607859" cy="400110"/>
+          </a:xfrm>
+          <a:prstGeom prst="rect">
+            <a:avLst/>
+          </a:prstGeom>
+          <a:noFill/>
+        </p:spPr>
+        <p:txBody>
+          <a:bodyPr wrap="none" rtlCol="0">
+            <a:spAutoFit/>
+          </a:bodyPr>
+          <a:lstStyle/>
+          <a:p>
+            <a:r>
+              <a:rPr lang="en-GB" sz="2000" dirty="0"/>
+              <a:t>N=2</a:t>
+            </a:r>
+          </a:p>
+        </p:txBody>
+      </p:sp>
+    </p:spTree>
+    <p:extLst>
+      <p:ext uri="{BB962C8B-B14F-4D97-AF65-F5344CB8AC3E}">
+        <p14:creationId xmlns:p14="http://schemas.microsoft.com/office/powerpoint/2010/main" val="1540638146"/>
       </p:ext>
     </p:extLst>
   </p:cSld>

--- a/Modelling/MyPAM Modelling.pptx
+++ b/Modelling/MyPAM Modelling.pptx
@@ -283,7 +283,7 @@
           <a:p>
             <a:fld id="{4DCC3765-A771-4BBA-8135-6F2E689117A7}" type="datetimeFigureOut">
               <a:rPr lang="en-GB" smtClean="0"/>
-              <a:t>23/05/2019</a:t>
+              <a:t>28/05/2019</a:t>
             </a:fld>
             <a:endParaRPr lang="en-GB"/>
           </a:p>
@@ -483,7 +483,7 @@
           <a:p>
             <a:fld id="{4DCC3765-A771-4BBA-8135-6F2E689117A7}" type="datetimeFigureOut">
               <a:rPr lang="en-GB" smtClean="0"/>
-              <a:t>23/05/2019</a:t>
+              <a:t>28/05/2019</a:t>
             </a:fld>
             <a:endParaRPr lang="en-GB"/>
           </a:p>
@@ -693,7 +693,7 @@
           <a:p>
             <a:fld id="{4DCC3765-A771-4BBA-8135-6F2E689117A7}" type="datetimeFigureOut">
               <a:rPr lang="en-GB" smtClean="0"/>
-              <a:t>23/05/2019</a:t>
+              <a:t>28/05/2019</a:t>
             </a:fld>
             <a:endParaRPr lang="en-GB"/>
           </a:p>
@@ -893,7 +893,7 @@
           <a:p>
             <a:fld id="{4DCC3765-A771-4BBA-8135-6F2E689117A7}" type="datetimeFigureOut">
               <a:rPr lang="en-GB" smtClean="0"/>
-              <a:t>23/05/2019</a:t>
+              <a:t>28/05/2019</a:t>
             </a:fld>
             <a:endParaRPr lang="en-GB"/>
           </a:p>
@@ -1169,7 +1169,7 @@
           <a:p>
             <a:fld id="{4DCC3765-A771-4BBA-8135-6F2E689117A7}" type="datetimeFigureOut">
               <a:rPr lang="en-GB" smtClean="0"/>
-              <a:t>23/05/2019</a:t>
+              <a:t>28/05/2019</a:t>
             </a:fld>
             <a:endParaRPr lang="en-GB"/>
           </a:p>
@@ -1437,7 +1437,7 @@
           <a:p>
             <a:fld id="{4DCC3765-A771-4BBA-8135-6F2E689117A7}" type="datetimeFigureOut">
               <a:rPr lang="en-GB" smtClean="0"/>
-              <a:t>23/05/2019</a:t>
+              <a:t>28/05/2019</a:t>
             </a:fld>
             <a:endParaRPr lang="en-GB"/>
           </a:p>
@@ -1852,7 +1852,7 @@
           <a:p>
             <a:fld id="{4DCC3765-A771-4BBA-8135-6F2E689117A7}" type="datetimeFigureOut">
               <a:rPr lang="en-GB" smtClean="0"/>
-              <a:t>23/05/2019</a:t>
+              <a:t>28/05/2019</a:t>
             </a:fld>
             <a:endParaRPr lang="en-GB"/>
           </a:p>
@@ -1994,7 +1994,7 @@
           <a:p>
             <a:fld id="{4DCC3765-A771-4BBA-8135-6F2E689117A7}" type="datetimeFigureOut">
               <a:rPr lang="en-GB" smtClean="0"/>
-              <a:t>23/05/2019</a:t>
+              <a:t>28/05/2019</a:t>
             </a:fld>
             <a:endParaRPr lang="en-GB"/>
           </a:p>
@@ -2107,7 +2107,7 @@
           <a:p>
             <a:fld id="{4DCC3765-A771-4BBA-8135-6F2E689117A7}" type="datetimeFigureOut">
               <a:rPr lang="en-GB" smtClean="0"/>
-              <a:t>23/05/2019</a:t>
+              <a:t>28/05/2019</a:t>
             </a:fld>
             <a:endParaRPr lang="en-GB"/>
           </a:p>
@@ -2420,7 +2420,7 @@
           <a:p>
             <a:fld id="{4DCC3765-A771-4BBA-8135-6F2E689117A7}" type="datetimeFigureOut">
               <a:rPr lang="en-GB" smtClean="0"/>
-              <a:t>23/05/2019</a:t>
+              <a:t>28/05/2019</a:t>
             </a:fld>
             <a:endParaRPr lang="en-GB"/>
           </a:p>
@@ -2709,7 +2709,7 @@
           <a:p>
             <a:fld id="{4DCC3765-A771-4BBA-8135-6F2E689117A7}" type="datetimeFigureOut">
               <a:rPr lang="en-GB" smtClean="0"/>
-              <a:t>23/05/2019</a:t>
+              <a:t>28/05/2019</a:t>
             </a:fld>
             <a:endParaRPr lang="en-GB"/>
           </a:p>
@@ -2952,7 +2952,7 @@
           <a:p>
             <a:fld id="{4DCC3765-A771-4BBA-8135-6F2E689117A7}" type="datetimeFigureOut">
               <a:rPr lang="en-GB" smtClean="0"/>
-              <a:t>23/05/2019</a:t>
+              <a:t>28/05/2019</a:t>
             </a:fld>
             <a:endParaRPr lang="en-GB"/>
           </a:p>
@@ -23626,6 +23626,312 @@
                 <a:srgbClr val="FF0000"/>
               </a:solidFill>
             </a:endParaRPr>
+          </a:p>
+        </p:txBody>
+      </p:sp>
+      <p:sp>
+        <p:nvSpPr>
+          <p:cNvPr id="22" name="Oval 21">
+            <a:extLst>
+              <a:ext uri="{FF2B5EF4-FFF2-40B4-BE49-F238E27FC236}">
+                <a16:creationId xmlns:a16="http://schemas.microsoft.com/office/drawing/2014/main" id="{06D9B30E-7655-4F22-AB2B-8A78F850864E}"/>
+              </a:ext>
+            </a:extLst>
+          </p:cNvPr>
+          <p:cNvSpPr/>
+          <p:nvPr/>
+        </p:nvSpPr>
+        <p:spPr>
+          <a:xfrm>
+            <a:off x="3094384" y="4366596"/>
+            <a:ext cx="145771" cy="145763"/>
+          </a:xfrm>
+          <a:prstGeom prst="ellipse">
+            <a:avLst/>
+          </a:prstGeom>
+          <a:solidFill>
+            <a:schemeClr val="tx1"/>
+          </a:solidFill>
+          <a:ln>
+            <a:solidFill>
+              <a:schemeClr val="tx1"/>
+            </a:solidFill>
+          </a:ln>
+        </p:spPr>
+        <p:style>
+          <a:lnRef idx="2">
+            <a:schemeClr val="accent1">
+              <a:shade val="50000"/>
+            </a:schemeClr>
+          </a:lnRef>
+          <a:fillRef idx="1">
+            <a:schemeClr val="accent1"/>
+          </a:fillRef>
+          <a:effectRef idx="0">
+            <a:schemeClr val="accent1"/>
+          </a:effectRef>
+          <a:fontRef idx="minor">
+            <a:schemeClr val="lt1"/>
+          </a:fontRef>
+        </p:style>
+        <p:txBody>
+          <a:bodyPr rtlCol="0" anchor="ctr"/>
+          <a:lstStyle/>
+          <a:p>
+            <a:pPr algn="ctr"/>
+            <a:endParaRPr lang="en-GB"/>
+          </a:p>
+        </p:txBody>
+      </p:sp>
+      <p:cxnSp>
+        <p:nvCxnSpPr>
+          <p:cNvPr id="23" name="Straight Arrow Connector 22">
+            <a:extLst>
+              <a:ext uri="{FF2B5EF4-FFF2-40B4-BE49-F238E27FC236}">
+                <a16:creationId xmlns:a16="http://schemas.microsoft.com/office/drawing/2014/main" id="{A592BB29-BE4D-48F1-A692-3EEC31B642F9}"/>
+              </a:ext>
+            </a:extLst>
+          </p:cNvPr>
+          <p:cNvCxnSpPr/>
+          <p:nvPr/>
+        </p:nvCxnSpPr>
+        <p:spPr>
+          <a:xfrm flipV="1">
+            <a:off x="3149964" y="909685"/>
+            <a:ext cx="0" cy="3538330"/>
+          </a:xfrm>
+          <a:prstGeom prst="straightConnector1">
+            <a:avLst/>
+          </a:prstGeom>
+          <a:ln w="28575">
+            <a:solidFill>
+              <a:schemeClr val="tx1"/>
+            </a:solidFill>
+            <a:tailEnd type="triangle"/>
+          </a:ln>
+        </p:spPr>
+        <p:style>
+          <a:lnRef idx="1">
+            <a:schemeClr val="accent1"/>
+          </a:lnRef>
+          <a:fillRef idx="0">
+            <a:schemeClr val="accent1"/>
+          </a:fillRef>
+          <a:effectRef idx="0">
+            <a:schemeClr val="accent1"/>
+          </a:effectRef>
+          <a:fontRef idx="minor">
+            <a:schemeClr val="tx1"/>
+          </a:fontRef>
+        </p:style>
+      </p:cxnSp>
+      <p:sp>
+        <p:nvSpPr>
+          <p:cNvPr id="26" name="TextBox 25">
+            <a:extLst>
+              <a:ext uri="{FF2B5EF4-FFF2-40B4-BE49-F238E27FC236}">
+                <a16:creationId xmlns:a16="http://schemas.microsoft.com/office/drawing/2014/main" id="{5438ACEE-EF04-415B-843A-3E6260C9CED4}"/>
+              </a:ext>
+            </a:extLst>
+          </p:cNvPr>
+          <p:cNvSpPr txBox="1"/>
+          <p:nvPr/>
+        </p:nvSpPr>
+        <p:spPr>
+          <a:xfrm>
+            <a:off x="2857060" y="810105"/>
+            <a:ext cx="288862" cy="369332"/>
+          </a:xfrm>
+          <a:prstGeom prst="rect">
+            <a:avLst/>
+          </a:prstGeom>
+          <a:noFill/>
+        </p:spPr>
+        <p:txBody>
+          <a:bodyPr wrap="none" rtlCol="0">
+            <a:spAutoFit/>
+          </a:bodyPr>
+          <a:lstStyle/>
+          <a:p>
+            <a:r>
+              <a:rPr lang="en-GB" dirty="0"/>
+              <a:t>y</a:t>
+            </a:r>
+          </a:p>
+        </p:txBody>
+      </p:sp>
+      <p:sp>
+        <p:nvSpPr>
+          <p:cNvPr id="27" name="Oval 26">
+            <a:extLst>
+              <a:ext uri="{FF2B5EF4-FFF2-40B4-BE49-F238E27FC236}">
+                <a16:creationId xmlns:a16="http://schemas.microsoft.com/office/drawing/2014/main" id="{1A899E16-519C-4D0A-8BBB-68F5208319D7}"/>
+              </a:ext>
+            </a:extLst>
+          </p:cNvPr>
+          <p:cNvSpPr/>
+          <p:nvPr/>
+        </p:nvSpPr>
+        <p:spPr>
+          <a:xfrm>
+            <a:off x="3094384" y="4366596"/>
+            <a:ext cx="145771" cy="145763"/>
+          </a:xfrm>
+          <a:prstGeom prst="ellipse">
+            <a:avLst/>
+          </a:prstGeom>
+          <a:solidFill>
+            <a:schemeClr val="tx1"/>
+          </a:solidFill>
+          <a:ln>
+            <a:solidFill>
+              <a:schemeClr val="tx1"/>
+            </a:solidFill>
+          </a:ln>
+        </p:spPr>
+        <p:style>
+          <a:lnRef idx="2">
+            <a:schemeClr val="accent1">
+              <a:shade val="50000"/>
+            </a:schemeClr>
+          </a:lnRef>
+          <a:fillRef idx="1">
+            <a:schemeClr val="accent1"/>
+          </a:fillRef>
+          <a:effectRef idx="0">
+            <a:schemeClr val="accent1"/>
+          </a:effectRef>
+          <a:fontRef idx="minor">
+            <a:schemeClr val="lt1"/>
+          </a:fontRef>
+        </p:style>
+        <p:txBody>
+          <a:bodyPr rtlCol="0" anchor="ctr"/>
+          <a:lstStyle/>
+          <a:p>
+            <a:pPr algn="ctr"/>
+            <a:endParaRPr lang="en-GB"/>
+          </a:p>
+        </p:txBody>
+      </p:sp>
+      <p:cxnSp>
+        <p:nvCxnSpPr>
+          <p:cNvPr id="28" name="Straight Connector 27">
+            <a:extLst>
+              <a:ext uri="{FF2B5EF4-FFF2-40B4-BE49-F238E27FC236}">
+                <a16:creationId xmlns:a16="http://schemas.microsoft.com/office/drawing/2014/main" id="{D96215F6-630B-4F5A-873A-56466C82C0F9}"/>
+              </a:ext>
+            </a:extLst>
+          </p:cNvPr>
+          <p:cNvCxnSpPr>
+            <a:cxnSpLocks/>
+          </p:cNvCxnSpPr>
+          <p:nvPr/>
+        </p:nvCxnSpPr>
+        <p:spPr>
+          <a:xfrm>
+            <a:off x="3167269" y="4491013"/>
+            <a:ext cx="3268077" cy="0"/>
+          </a:xfrm>
+          <a:prstGeom prst="line">
+            <a:avLst/>
+          </a:prstGeom>
+          <a:ln>
+            <a:solidFill>
+              <a:srgbClr val="FF0000"/>
+            </a:solidFill>
+            <a:prstDash val="lgDash"/>
+          </a:ln>
+        </p:spPr>
+        <p:style>
+          <a:lnRef idx="1">
+            <a:schemeClr val="accent1"/>
+          </a:lnRef>
+          <a:fillRef idx="0">
+            <a:schemeClr val="accent1"/>
+          </a:fillRef>
+          <a:effectRef idx="0">
+            <a:schemeClr val="accent1"/>
+          </a:effectRef>
+          <a:fontRef idx="minor">
+            <a:schemeClr val="tx1"/>
+          </a:fontRef>
+        </p:style>
+      </p:cxnSp>
+      <p:cxnSp>
+        <p:nvCxnSpPr>
+          <p:cNvPr id="29" name="Straight Arrow Connector 28">
+            <a:extLst>
+              <a:ext uri="{FF2B5EF4-FFF2-40B4-BE49-F238E27FC236}">
+                <a16:creationId xmlns:a16="http://schemas.microsoft.com/office/drawing/2014/main" id="{D4B81A2A-1F41-4556-80CB-3634BB46582C}"/>
+              </a:ext>
+            </a:extLst>
+          </p:cNvPr>
+          <p:cNvCxnSpPr/>
+          <p:nvPr/>
+        </p:nvCxnSpPr>
+        <p:spPr>
+          <a:xfrm>
+            <a:off x="3162006" y="4491013"/>
+            <a:ext cx="4744278" cy="0"/>
+          </a:xfrm>
+          <a:prstGeom prst="straightConnector1">
+            <a:avLst/>
+          </a:prstGeom>
+          <a:ln w="28575">
+            <a:solidFill>
+              <a:schemeClr val="tx1"/>
+            </a:solidFill>
+            <a:tailEnd type="triangle"/>
+          </a:ln>
+        </p:spPr>
+        <p:style>
+          <a:lnRef idx="1">
+            <a:schemeClr val="accent1"/>
+          </a:lnRef>
+          <a:fillRef idx="0">
+            <a:schemeClr val="accent1"/>
+          </a:fillRef>
+          <a:effectRef idx="0">
+            <a:schemeClr val="accent1"/>
+          </a:effectRef>
+          <a:fontRef idx="minor">
+            <a:schemeClr val="tx1"/>
+          </a:fontRef>
+        </p:style>
+      </p:cxnSp>
+      <p:sp>
+        <p:nvSpPr>
+          <p:cNvPr id="30" name="TextBox 29">
+            <a:extLst>
+              <a:ext uri="{FF2B5EF4-FFF2-40B4-BE49-F238E27FC236}">
+                <a16:creationId xmlns:a16="http://schemas.microsoft.com/office/drawing/2014/main" id="{818FE786-DA0F-47F5-A3D3-5A2D65D2CEB6}"/>
+              </a:ext>
+            </a:extLst>
+          </p:cNvPr>
+          <p:cNvSpPr txBox="1"/>
+          <p:nvPr/>
+        </p:nvSpPr>
+        <p:spPr>
+          <a:xfrm>
+            <a:off x="7699990" y="4439477"/>
+            <a:ext cx="284052" cy="369332"/>
+          </a:xfrm>
+          <a:prstGeom prst="rect">
+            <a:avLst/>
+          </a:prstGeom>
+          <a:noFill/>
+        </p:spPr>
+        <p:txBody>
+          <a:bodyPr wrap="none" rtlCol="0">
+            <a:spAutoFit/>
+          </a:bodyPr>
+          <a:lstStyle/>
+          <a:p>
+            <a:r>
+              <a:rPr lang="en-GB" dirty="0"/>
+              <a:t>x</a:t>
+            </a:r>
           </a:p>
         </p:txBody>
       </p:sp>

--- a/Modelling/MyPAM Modelling.pptx
+++ b/Modelling/MyPAM Modelling.pptx
@@ -283,7 +283,7 @@
           <a:p>
             <a:fld id="{4DCC3765-A771-4BBA-8135-6F2E689117A7}" type="datetimeFigureOut">
               <a:rPr lang="en-GB" smtClean="0"/>
-              <a:t>28/05/2019</a:t>
+              <a:t>01/07/2019</a:t>
             </a:fld>
             <a:endParaRPr lang="en-GB"/>
           </a:p>
@@ -483,7 +483,7 @@
           <a:p>
             <a:fld id="{4DCC3765-A771-4BBA-8135-6F2E689117A7}" type="datetimeFigureOut">
               <a:rPr lang="en-GB" smtClean="0"/>
-              <a:t>28/05/2019</a:t>
+              <a:t>01/07/2019</a:t>
             </a:fld>
             <a:endParaRPr lang="en-GB"/>
           </a:p>
@@ -693,7 +693,7 @@
           <a:p>
             <a:fld id="{4DCC3765-A771-4BBA-8135-6F2E689117A7}" type="datetimeFigureOut">
               <a:rPr lang="en-GB" smtClean="0"/>
-              <a:t>28/05/2019</a:t>
+              <a:t>01/07/2019</a:t>
             </a:fld>
             <a:endParaRPr lang="en-GB"/>
           </a:p>
@@ -893,7 +893,7 @@
           <a:p>
             <a:fld id="{4DCC3765-A771-4BBA-8135-6F2E689117A7}" type="datetimeFigureOut">
               <a:rPr lang="en-GB" smtClean="0"/>
-              <a:t>28/05/2019</a:t>
+              <a:t>01/07/2019</a:t>
             </a:fld>
             <a:endParaRPr lang="en-GB"/>
           </a:p>
@@ -1169,7 +1169,7 @@
           <a:p>
             <a:fld id="{4DCC3765-A771-4BBA-8135-6F2E689117A7}" type="datetimeFigureOut">
               <a:rPr lang="en-GB" smtClean="0"/>
-              <a:t>28/05/2019</a:t>
+              <a:t>01/07/2019</a:t>
             </a:fld>
             <a:endParaRPr lang="en-GB"/>
           </a:p>
@@ -1437,7 +1437,7 @@
           <a:p>
             <a:fld id="{4DCC3765-A771-4BBA-8135-6F2E689117A7}" type="datetimeFigureOut">
               <a:rPr lang="en-GB" smtClean="0"/>
-              <a:t>28/05/2019</a:t>
+              <a:t>01/07/2019</a:t>
             </a:fld>
             <a:endParaRPr lang="en-GB"/>
           </a:p>
@@ -1852,7 +1852,7 @@
           <a:p>
             <a:fld id="{4DCC3765-A771-4BBA-8135-6F2E689117A7}" type="datetimeFigureOut">
               <a:rPr lang="en-GB" smtClean="0"/>
-              <a:t>28/05/2019</a:t>
+              <a:t>01/07/2019</a:t>
             </a:fld>
             <a:endParaRPr lang="en-GB"/>
           </a:p>
@@ -1994,7 +1994,7 @@
           <a:p>
             <a:fld id="{4DCC3765-A771-4BBA-8135-6F2E689117A7}" type="datetimeFigureOut">
               <a:rPr lang="en-GB" smtClean="0"/>
-              <a:t>28/05/2019</a:t>
+              <a:t>01/07/2019</a:t>
             </a:fld>
             <a:endParaRPr lang="en-GB"/>
           </a:p>
@@ -2107,7 +2107,7 @@
           <a:p>
             <a:fld id="{4DCC3765-A771-4BBA-8135-6F2E689117A7}" type="datetimeFigureOut">
               <a:rPr lang="en-GB" smtClean="0"/>
-              <a:t>28/05/2019</a:t>
+              <a:t>01/07/2019</a:t>
             </a:fld>
             <a:endParaRPr lang="en-GB"/>
           </a:p>
@@ -2420,7 +2420,7 @@
           <a:p>
             <a:fld id="{4DCC3765-A771-4BBA-8135-6F2E689117A7}" type="datetimeFigureOut">
               <a:rPr lang="en-GB" smtClean="0"/>
-              <a:t>28/05/2019</a:t>
+              <a:t>01/07/2019</a:t>
             </a:fld>
             <a:endParaRPr lang="en-GB"/>
           </a:p>
@@ -2709,7 +2709,7 @@
           <a:p>
             <a:fld id="{4DCC3765-A771-4BBA-8135-6F2E689117A7}" type="datetimeFigureOut">
               <a:rPr lang="en-GB" smtClean="0"/>
-              <a:t>28/05/2019</a:t>
+              <a:t>01/07/2019</a:t>
             </a:fld>
             <a:endParaRPr lang="en-GB"/>
           </a:p>
@@ -2952,7 +2952,7 @@
           <a:p>
             <a:fld id="{4DCC3765-A771-4BBA-8135-6F2E689117A7}" type="datetimeFigureOut">
               <a:rPr lang="en-GB" smtClean="0"/>
-              <a:t>28/05/2019</a:t>
+              <a:t>01/07/2019</a:t>
             </a:fld>
             <a:endParaRPr lang="en-GB"/>
           </a:p>
@@ -7084,348 +7084,12 @@
           <a:chExt cx="0" cy="0"/>
         </a:xfrm>
       </p:grpSpPr>
-      <p:sp>
-        <p:nvSpPr>
-          <p:cNvPr id="6" name="Oval 5">
-            <a:extLst>
-              <a:ext uri="{FF2B5EF4-FFF2-40B4-BE49-F238E27FC236}">
-                <a16:creationId xmlns:a16="http://schemas.microsoft.com/office/drawing/2014/main" id="{314EF023-421C-48F6-B5BB-312BEDC84247}"/>
-              </a:ext>
-            </a:extLst>
-          </p:cNvPr>
-          <p:cNvSpPr/>
-          <p:nvPr/>
-        </p:nvSpPr>
-        <p:spPr>
-          <a:xfrm>
-            <a:off x="3683663" y="3461235"/>
-            <a:ext cx="569843" cy="596347"/>
-          </a:xfrm>
-          <a:prstGeom prst="ellipse">
-            <a:avLst/>
-          </a:prstGeom>
-          <a:ln w="28575"/>
-        </p:spPr>
-        <p:style>
-          <a:lnRef idx="2">
-            <a:schemeClr val="dk1"/>
-          </a:lnRef>
-          <a:fillRef idx="1">
-            <a:schemeClr val="lt1"/>
-          </a:fillRef>
-          <a:effectRef idx="0">
-            <a:schemeClr val="dk1"/>
-          </a:effectRef>
-          <a:fontRef idx="minor">
-            <a:schemeClr val="dk1"/>
-          </a:fontRef>
-        </p:style>
-        <p:txBody>
-          <a:bodyPr rtlCol="0" anchor="ctr"/>
-          <a:lstStyle/>
-          <a:p>
-            <a:pPr algn="ctr"/>
-            <a:endParaRPr lang="en-GB"/>
-          </a:p>
-        </p:txBody>
-      </p:sp>
-      <p:cxnSp>
-        <p:nvCxnSpPr>
-          <p:cNvPr id="7" name="Straight Connector 6">
-            <a:extLst>
-              <a:ext uri="{FF2B5EF4-FFF2-40B4-BE49-F238E27FC236}">
-                <a16:creationId xmlns:a16="http://schemas.microsoft.com/office/drawing/2014/main" id="{16441A50-B1C5-42ED-BEE9-5C6C524C02E3}"/>
-              </a:ext>
-            </a:extLst>
-          </p:cNvPr>
-          <p:cNvCxnSpPr>
-            <a:stCxn id="6" idx="1"/>
-            <a:endCxn id="6" idx="5"/>
-          </p:cNvCxnSpPr>
-          <p:nvPr/>
-        </p:nvCxnSpPr>
-        <p:spPr>
-          <a:xfrm>
-            <a:off x="3767115" y="3548568"/>
-            <a:ext cx="402939" cy="421681"/>
-          </a:xfrm>
-          <a:prstGeom prst="line">
-            <a:avLst/>
-          </a:prstGeom>
-          <a:ln w="28575"/>
-        </p:spPr>
-        <p:style>
-          <a:lnRef idx="2">
-            <a:schemeClr val="dk1"/>
-          </a:lnRef>
-          <a:fillRef idx="1">
-            <a:schemeClr val="lt1"/>
-          </a:fillRef>
-          <a:effectRef idx="0">
-            <a:schemeClr val="dk1"/>
-          </a:effectRef>
-          <a:fontRef idx="minor">
-            <a:schemeClr val="dk1"/>
-          </a:fontRef>
-        </p:style>
-      </p:cxnSp>
-      <p:cxnSp>
-        <p:nvCxnSpPr>
-          <p:cNvPr id="8" name="Straight Connector 7">
-            <a:extLst>
-              <a:ext uri="{FF2B5EF4-FFF2-40B4-BE49-F238E27FC236}">
-                <a16:creationId xmlns:a16="http://schemas.microsoft.com/office/drawing/2014/main" id="{C2787C54-85A0-48A1-81AD-358DB2FEFC2D}"/>
-              </a:ext>
-            </a:extLst>
-          </p:cNvPr>
-          <p:cNvCxnSpPr>
-            <a:stCxn id="6" idx="3"/>
-            <a:endCxn id="6" idx="7"/>
-          </p:cNvCxnSpPr>
-          <p:nvPr/>
-        </p:nvCxnSpPr>
-        <p:spPr>
-          <a:xfrm flipV="1">
-            <a:off x="3767115" y="3548568"/>
-            <a:ext cx="402939" cy="421681"/>
-          </a:xfrm>
-          <a:prstGeom prst="line">
-            <a:avLst/>
-          </a:prstGeom>
-          <a:ln w="28575">
-            <a:solidFill>
-              <a:schemeClr val="tx1"/>
-            </a:solidFill>
-          </a:ln>
-        </p:spPr>
-        <p:style>
-          <a:lnRef idx="2">
-            <a:schemeClr val="dk1"/>
-          </a:lnRef>
-          <a:fillRef idx="1">
-            <a:schemeClr val="lt1"/>
-          </a:fillRef>
-          <a:effectRef idx="0">
-            <a:schemeClr val="dk1"/>
-          </a:effectRef>
-          <a:fontRef idx="minor">
-            <a:schemeClr val="dk1"/>
-          </a:fontRef>
-        </p:style>
-      </p:cxnSp>
-      <p:sp>
-        <p:nvSpPr>
-          <p:cNvPr id="9" name="TextBox 8">
-            <a:extLst>
-              <a:ext uri="{FF2B5EF4-FFF2-40B4-BE49-F238E27FC236}">
-                <a16:creationId xmlns:a16="http://schemas.microsoft.com/office/drawing/2014/main" id="{9F729720-F4AF-42DF-B42D-9AA04A2B592D}"/>
-              </a:ext>
-            </a:extLst>
-          </p:cNvPr>
-          <p:cNvSpPr txBox="1"/>
-          <p:nvPr/>
-        </p:nvSpPr>
-        <p:spPr>
-          <a:xfrm>
-            <a:off x="3824220" y="3396765"/>
-            <a:ext cx="300082" cy="369332"/>
-          </a:xfrm>
-          <a:prstGeom prst="rect">
-            <a:avLst/>
-          </a:prstGeom>
-          <a:noFill/>
-        </p:spPr>
-        <p:txBody>
-          <a:bodyPr wrap="none" rtlCol="0">
-            <a:spAutoFit/>
-          </a:bodyPr>
-          <a:lstStyle/>
-          <a:p>
-            <a:r>
-              <a:rPr lang="en-GB" dirty="0"/>
-              <a:t>+</a:t>
-            </a:r>
-          </a:p>
-        </p:txBody>
-      </p:sp>
-      <p:sp>
-        <p:nvSpPr>
-          <p:cNvPr id="10" name="TextBox 9">
-            <a:extLst>
-              <a:ext uri="{FF2B5EF4-FFF2-40B4-BE49-F238E27FC236}">
-                <a16:creationId xmlns:a16="http://schemas.microsoft.com/office/drawing/2014/main" id="{D7B05199-F7B9-41FE-9A58-538D37ACC53D}"/>
-              </a:ext>
-            </a:extLst>
-          </p:cNvPr>
-          <p:cNvSpPr txBox="1"/>
-          <p:nvPr/>
-        </p:nvSpPr>
-        <p:spPr>
-          <a:xfrm>
-            <a:off x="3636585" y="3568774"/>
-            <a:ext cx="300082" cy="369332"/>
-          </a:xfrm>
-          <a:prstGeom prst="rect">
-            <a:avLst/>
-          </a:prstGeom>
-          <a:noFill/>
-        </p:spPr>
-        <p:txBody>
-          <a:bodyPr wrap="none" rtlCol="0">
-            <a:spAutoFit/>
-          </a:bodyPr>
-          <a:lstStyle/>
-          <a:p>
-            <a:r>
-              <a:rPr lang="en-GB" dirty="0"/>
-              <a:t>+</a:t>
-            </a:r>
-          </a:p>
-        </p:txBody>
-      </p:sp>
-      <p:sp>
-        <p:nvSpPr>
-          <p:cNvPr id="11" name="TextBox 10">
-            <a:extLst>
-              <a:ext uri="{FF2B5EF4-FFF2-40B4-BE49-F238E27FC236}">
-                <a16:creationId xmlns:a16="http://schemas.microsoft.com/office/drawing/2014/main" id="{6853982D-E87A-4B72-BEEC-189B45C6BAAF}"/>
-              </a:ext>
-            </a:extLst>
-          </p:cNvPr>
-          <p:cNvSpPr txBox="1"/>
-          <p:nvPr/>
-        </p:nvSpPr>
-        <p:spPr>
-          <a:xfrm>
-            <a:off x="3854203" y="3747988"/>
-            <a:ext cx="255198" cy="369332"/>
-          </a:xfrm>
-          <a:prstGeom prst="rect">
-            <a:avLst/>
-          </a:prstGeom>
-          <a:noFill/>
-        </p:spPr>
-        <p:txBody>
-          <a:bodyPr wrap="none" rtlCol="0">
-            <a:spAutoFit/>
-          </a:bodyPr>
-          <a:lstStyle/>
-          <a:p>
-            <a:r>
-              <a:rPr lang="en-GB" dirty="0"/>
-              <a:t>-</a:t>
-            </a:r>
-          </a:p>
-        </p:txBody>
-      </p:sp>
-      <p:cxnSp>
-        <p:nvCxnSpPr>
-          <p:cNvPr id="13" name="Straight Arrow Connector 12">
-            <a:extLst>
-              <a:ext uri="{FF2B5EF4-FFF2-40B4-BE49-F238E27FC236}">
-                <a16:creationId xmlns:a16="http://schemas.microsoft.com/office/drawing/2014/main" id="{82741775-B704-4602-B122-0E3F3AC61C75}"/>
-              </a:ext>
-            </a:extLst>
-          </p:cNvPr>
-          <p:cNvCxnSpPr>
-            <a:cxnSpLocks/>
-          </p:cNvCxnSpPr>
-          <p:nvPr/>
-        </p:nvCxnSpPr>
-        <p:spPr>
-          <a:xfrm>
-            <a:off x="3052298" y="3753440"/>
-            <a:ext cx="631365" cy="0"/>
-          </a:xfrm>
-          <a:prstGeom prst="straightConnector1">
-            <a:avLst/>
-          </a:prstGeom>
-          <a:ln w="38100">
-            <a:solidFill>
-              <a:schemeClr val="tx1"/>
-            </a:solidFill>
-            <a:tailEnd type="triangle"/>
-          </a:ln>
-        </p:spPr>
-        <p:style>
-          <a:lnRef idx="1">
-            <a:schemeClr val="accent1"/>
-          </a:lnRef>
-          <a:fillRef idx="0">
-            <a:schemeClr val="accent1"/>
-          </a:fillRef>
-          <a:effectRef idx="0">
-            <a:schemeClr val="accent1"/>
-          </a:effectRef>
-          <a:fontRef idx="minor">
-            <a:schemeClr val="tx1"/>
-          </a:fontRef>
-        </p:style>
-      </p:cxnSp>
-      <p:sp>
-        <p:nvSpPr>
-          <p:cNvPr id="17" name="TextBox 16">
-            <a:extLst>
-              <a:ext uri="{FF2B5EF4-FFF2-40B4-BE49-F238E27FC236}">
-                <a16:creationId xmlns:a16="http://schemas.microsoft.com/office/drawing/2014/main" id="{E685E3E1-A3FE-4125-8B34-EE4413B9C7C9}"/>
-              </a:ext>
-            </a:extLst>
-          </p:cNvPr>
-          <p:cNvSpPr txBox="1"/>
-          <p:nvPr/>
-        </p:nvSpPr>
-        <p:spPr>
-          <a:xfrm>
-            <a:off x="2162147" y="3286323"/>
-            <a:ext cx="899798" cy="923330"/>
-          </a:xfrm>
-          <a:prstGeom prst="rect">
-            <a:avLst/>
-          </a:prstGeom>
-          <a:noFill/>
-        </p:spPr>
-        <p:txBody>
-          <a:bodyPr wrap="none" rtlCol="0">
-            <a:spAutoFit/>
-          </a:bodyPr>
-          <a:lstStyle/>
-          <a:p>
-            <a:pPr algn="ctr"/>
-            <a:r>
-              <a:rPr lang="en-GB" dirty="0"/>
-              <a:t>Desired</a:t>
-            </a:r>
-          </a:p>
-          <a:p>
-            <a:pPr algn="ctr"/>
-            <a:r>
-              <a:rPr lang="en-GB" dirty="0"/>
-              <a:t>Force</a:t>
-            </a:r>
-          </a:p>
-          <a:p>
-            <a:pPr algn="ctr"/>
-            <a:r>
-              <a:rPr lang="en-GB" dirty="0"/>
-              <a:t>(F</a:t>
-            </a:r>
-            <a:r>
-              <a:rPr lang="en-GB" baseline="-25000" dirty="0"/>
-              <a:t>T</a:t>
-            </a:r>
-            <a:r>
-              <a:rPr lang="en-GB" dirty="0"/>
-              <a:t>)</a:t>
-            </a:r>
-          </a:p>
-        </p:txBody>
-      </p:sp>
       <p:grpSp>
         <p:nvGrpSpPr>
-          <p:cNvPr id="18" name="Group 17">
-            <a:extLst>
-              <a:ext uri="{FF2B5EF4-FFF2-40B4-BE49-F238E27FC236}">
-                <a16:creationId xmlns:a16="http://schemas.microsoft.com/office/drawing/2014/main" id="{8F5D31DD-9008-4486-9627-A3079E28C140}"/>
+          <p:cNvPr id="2" name="Group 1">
+            <a:extLst>
+              <a:ext uri="{FF2B5EF4-FFF2-40B4-BE49-F238E27FC236}">
+                <a16:creationId xmlns:a16="http://schemas.microsoft.com/office/drawing/2014/main" id="{A6B590DB-3A43-49A5-8952-3DC84A0D9A20}"/>
               </a:ext>
             </a:extLst>
           </p:cNvPr>
@@ -7434,48 +7098,284 @@
         </p:nvGrpSpPr>
         <p:grpSpPr>
           <a:xfrm>
-            <a:off x="4261543" y="3296240"/>
-            <a:ext cx="2899996" cy="914400"/>
-            <a:chOff x="3202359" y="795131"/>
-            <a:chExt cx="2899996" cy="914400"/>
+            <a:off x="2162147" y="1385206"/>
+            <a:ext cx="7611566" cy="3736731"/>
+            <a:chOff x="2162147" y="1385206"/>
+            <a:chExt cx="7611566" cy="3736731"/>
           </a:xfrm>
         </p:grpSpPr>
+        <p:sp>
+          <p:nvSpPr>
+            <p:cNvPr id="6" name="Oval 5">
+              <a:extLst>
+                <a:ext uri="{FF2B5EF4-FFF2-40B4-BE49-F238E27FC236}">
+                  <a16:creationId xmlns:a16="http://schemas.microsoft.com/office/drawing/2014/main" id="{314EF023-421C-48F6-B5BB-312BEDC84247}"/>
+                </a:ext>
+              </a:extLst>
+            </p:cNvPr>
+            <p:cNvSpPr/>
+            <p:nvPr/>
+          </p:nvSpPr>
+          <p:spPr>
+            <a:xfrm>
+              <a:off x="3683663" y="3461235"/>
+              <a:ext cx="569843" cy="596347"/>
+            </a:xfrm>
+            <a:prstGeom prst="ellipse">
+              <a:avLst/>
+            </a:prstGeom>
+            <a:ln w="28575"/>
+          </p:spPr>
+          <p:style>
+            <a:lnRef idx="2">
+              <a:schemeClr val="dk1"/>
+            </a:lnRef>
+            <a:fillRef idx="1">
+              <a:schemeClr val="lt1"/>
+            </a:fillRef>
+            <a:effectRef idx="0">
+              <a:schemeClr val="dk1"/>
+            </a:effectRef>
+            <a:fontRef idx="minor">
+              <a:schemeClr val="dk1"/>
+            </a:fontRef>
+          </p:style>
+          <p:txBody>
+            <a:bodyPr rtlCol="0" anchor="ctr"/>
+            <a:lstStyle/>
+            <a:p>
+              <a:pPr algn="ctr"/>
+              <a:endParaRPr lang="en-GB"/>
+            </a:p>
+          </p:txBody>
+        </p:sp>
         <p:cxnSp>
           <p:nvCxnSpPr>
-            <p:cNvPr id="21" name="Straight Arrow Connector 20">
+            <p:cNvPr id="7" name="Straight Connector 6">
               <a:extLst>
                 <a:ext uri="{FF2B5EF4-FFF2-40B4-BE49-F238E27FC236}">
-                  <a16:creationId xmlns:a16="http://schemas.microsoft.com/office/drawing/2014/main" id="{6289796E-F51C-40C5-863B-2624A342E94E}"/>
+                  <a16:creationId xmlns:a16="http://schemas.microsoft.com/office/drawing/2014/main" id="{16441A50-B1C5-42ED-BEE9-5C6C524C02E3}"/>
+                </a:ext>
+              </a:extLst>
+            </p:cNvPr>
+            <p:cNvCxnSpPr>
+              <a:stCxn id="6" idx="1"/>
+              <a:endCxn id="6" idx="5"/>
+            </p:cNvCxnSpPr>
+            <p:nvPr/>
+          </p:nvCxnSpPr>
+          <p:spPr>
+            <a:xfrm>
+              <a:off x="3767115" y="3548568"/>
+              <a:ext cx="402939" cy="421681"/>
+            </a:xfrm>
+            <a:prstGeom prst="line">
+              <a:avLst/>
+            </a:prstGeom>
+            <a:ln w="28575"/>
+          </p:spPr>
+          <p:style>
+            <a:lnRef idx="2">
+              <a:schemeClr val="dk1"/>
+            </a:lnRef>
+            <a:fillRef idx="1">
+              <a:schemeClr val="lt1"/>
+            </a:fillRef>
+            <a:effectRef idx="0">
+              <a:schemeClr val="dk1"/>
+            </a:effectRef>
+            <a:fontRef idx="minor">
+              <a:schemeClr val="dk1"/>
+            </a:fontRef>
+          </p:style>
+        </p:cxnSp>
+        <p:cxnSp>
+          <p:nvCxnSpPr>
+            <p:cNvPr id="8" name="Straight Connector 7">
+              <a:extLst>
+                <a:ext uri="{FF2B5EF4-FFF2-40B4-BE49-F238E27FC236}">
+                  <a16:creationId xmlns:a16="http://schemas.microsoft.com/office/drawing/2014/main" id="{C2787C54-85A0-48A1-81AD-358DB2FEFC2D}"/>
+                </a:ext>
+              </a:extLst>
+            </p:cNvPr>
+            <p:cNvCxnSpPr>
+              <a:stCxn id="6" idx="3"/>
+              <a:endCxn id="6" idx="7"/>
+            </p:cNvCxnSpPr>
+            <p:nvPr/>
+          </p:nvCxnSpPr>
+          <p:spPr>
+            <a:xfrm flipV="1">
+              <a:off x="3767115" y="3548568"/>
+              <a:ext cx="402939" cy="421681"/>
+            </a:xfrm>
+            <a:prstGeom prst="line">
+              <a:avLst/>
+            </a:prstGeom>
+            <a:ln w="28575">
+              <a:solidFill>
+                <a:schemeClr val="tx1"/>
+              </a:solidFill>
+            </a:ln>
+          </p:spPr>
+          <p:style>
+            <a:lnRef idx="2">
+              <a:schemeClr val="dk1"/>
+            </a:lnRef>
+            <a:fillRef idx="1">
+              <a:schemeClr val="lt1"/>
+            </a:fillRef>
+            <a:effectRef idx="0">
+              <a:schemeClr val="dk1"/>
+            </a:effectRef>
+            <a:fontRef idx="minor">
+              <a:schemeClr val="dk1"/>
+            </a:fontRef>
+          </p:style>
+        </p:cxnSp>
+        <p:sp>
+          <p:nvSpPr>
+            <p:cNvPr id="9" name="TextBox 8">
+              <a:extLst>
+                <a:ext uri="{FF2B5EF4-FFF2-40B4-BE49-F238E27FC236}">
+                  <a16:creationId xmlns:a16="http://schemas.microsoft.com/office/drawing/2014/main" id="{9F729720-F4AF-42DF-B42D-9AA04A2B592D}"/>
+                </a:ext>
+              </a:extLst>
+            </p:cNvPr>
+            <p:cNvSpPr txBox="1"/>
+            <p:nvPr/>
+          </p:nvSpPr>
+          <p:spPr>
+            <a:xfrm>
+              <a:off x="3824220" y="3396765"/>
+              <a:ext cx="300082" cy="369332"/>
+            </a:xfrm>
+            <a:prstGeom prst="rect">
+              <a:avLst/>
+            </a:prstGeom>
+            <a:noFill/>
+          </p:spPr>
+          <p:txBody>
+            <a:bodyPr wrap="none" rtlCol="0">
+              <a:spAutoFit/>
+            </a:bodyPr>
+            <a:lstStyle/>
+            <a:p>
+              <a:r>
+                <a:rPr lang="en-GB" dirty="0"/>
+                <a:t>+</a:t>
+              </a:r>
+            </a:p>
+          </p:txBody>
+        </p:sp>
+        <p:sp>
+          <p:nvSpPr>
+            <p:cNvPr id="10" name="TextBox 9">
+              <a:extLst>
+                <a:ext uri="{FF2B5EF4-FFF2-40B4-BE49-F238E27FC236}">
+                  <a16:creationId xmlns:a16="http://schemas.microsoft.com/office/drawing/2014/main" id="{D7B05199-F7B9-41FE-9A58-538D37ACC53D}"/>
+                </a:ext>
+              </a:extLst>
+            </p:cNvPr>
+            <p:cNvSpPr txBox="1"/>
+            <p:nvPr/>
+          </p:nvSpPr>
+          <p:spPr>
+            <a:xfrm>
+              <a:off x="3636585" y="3568774"/>
+              <a:ext cx="300082" cy="369332"/>
+            </a:xfrm>
+            <a:prstGeom prst="rect">
+              <a:avLst/>
+            </a:prstGeom>
+            <a:noFill/>
+          </p:spPr>
+          <p:txBody>
+            <a:bodyPr wrap="none" rtlCol="0">
+              <a:spAutoFit/>
+            </a:bodyPr>
+            <a:lstStyle/>
+            <a:p>
+              <a:r>
+                <a:rPr lang="en-GB" dirty="0"/>
+                <a:t>+</a:t>
+              </a:r>
+            </a:p>
+          </p:txBody>
+        </p:sp>
+        <p:sp>
+          <p:nvSpPr>
+            <p:cNvPr id="11" name="TextBox 10">
+              <a:extLst>
+                <a:ext uri="{FF2B5EF4-FFF2-40B4-BE49-F238E27FC236}">
+                  <a16:creationId xmlns:a16="http://schemas.microsoft.com/office/drawing/2014/main" id="{6853982D-E87A-4B72-BEEC-189B45C6BAAF}"/>
+                </a:ext>
+              </a:extLst>
+            </p:cNvPr>
+            <p:cNvSpPr txBox="1"/>
+            <p:nvPr/>
+          </p:nvSpPr>
+          <p:spPr>
+            <a:xfrm>
+              <a:off x="3854203" y="3747988"/>
+              <a:ext cx="255198" cy="369332"/>
+            </a:xfrm>
+            <a:prstGeom prst="rect">
+              <a:avLst/>
+            </a:prstGeom>
+            <a:noFill/>
+          </p:spPr>
+          <p:txBody>
+            <a:bodyPr wrap="none" rtlCol="0">
+              <a:spAutoFit/>
+            </a:bodyPr>
+            <a:lstStyle/>
+            <a:p>
+              <a:r>
+                <a:rPr lang="en-GB" dirty="0"/>
+                <a:t>-</a:t>
+              </a:r>
+            </a:p>
+          </p:txBody>
+        </p:sp>
+        <p:cxnSp>
+          <p:nvCxnSpPr>
+            <p:cNvPr id="13" name="Straight Arrow Connector 12">
+              <a:extLst>
+                <a:ext uri="{FF2B5EF4-FFF2-40B4-BE49-F238E27FC236}">
+                  <a16:creationId xmlns:a16="http://schemas.microsoft.com/office/drawing/2014/main" id="{82741775-B704-4602-B122-0E3F3AC61C75}"/>
                 </a:ext>
               </a:extLst>
             </p:cNvPr>
             <p:cNvCxnSpPr>
               <a:cxnSpLocks/>
-              <a:endCxn id="19" idx="1"/>
             </p:cNvCxnSpPr>
             <p:nvPr/>
           </p:nvCxnSpPr>
           <p:spPr>
             <a:xfrm>
-              <a:off x="3202359" y="1246879"/>
-              <a:ext cx="1276878" cy="5452"/>
+              <a:off x="3052298" y="3753440"/>
+              <a:ext cx="631365" cy="0"/>
             </a:xfrm>
             <a:prstGeom prst="straightConnector1">
               <a:avLst/>
             </a:prstGeom>
             <a:ln w="38100">
+              <a:solidFill>
+                <a:schemeClr val="tx1"/>
+              </a:solidFill>
               <a:tailEnd type="triangle"/>
             </a:ln>
           </p:spPr>
           <p:style>
             <a:lnRef idx="1">
-              <a:schemeClr val="dk1"/>
+              <a:schemeClr val="accent1"/>
             </a:lnRef>
             <a:fillRef idx="0">
-              <a:schemeClr val="dk1"/>
+              <a:schemeClr val="accent1"/>
             </a:fillRef>
             <a:effectRef idx="0">
-              <a:schemeClr val="dk1"/>
+              <a:schemeClr val="accent1"/>
             </a:effectRef>
             <a:fontRef idx="minor">
               <a:schemeClr val="tx1"/>
@@ -7484,10 +7384,229 @@
         </p:cxnSp>
         <p:sp>
           <p:nvSpPr>
-            <p:cNvPr id="19" name="Rectangle 18">
+            <p:cNvPr id="17" name="TextBox 16">
               <a:extLst>
                 <a:ext uri="{FF2B5EF4-FFF2-40B4-BE49-F238E27FC236}">
-                  <a16:creationId xmlns:a16="http://schemas.microsoft.com/office/drawing/2014/main" id="{E7BDDB64-C960-47AF-BF55-5B9BFCC4F8E2}"/>
+                  <a16:creationId xmlns:a16="http://schemas.microsoft.com/office/drawing/2014/main" id="{E685E3E1-A3FE-4125-8B34-EE4413B9C7C9}"/>
+                </a:ext>
+              </a:extLst>
+            </p:cNvPr>
+            <p:cNvSpPr txBox="1"/>
+            <p:nvPr/>
+          </p:nvSpPr>
+          <p:spPr>
+            <a:xfrm>
+              <a:off x="2162147" y="3286323"/>
+              <a:ext cx="899798" cy="923330"/>
+            </a:xfrm>
+            <a:prstGeom prst="rect">
+              <a:avLst/>
+            </a:prstGeom>
+            <a:noFill/>
+          </p:spPr>
+          <p:txBody>
+            <a:bodyPr wrap="none" rtlCol="0">
+              <a:spAutoFit/>
+            </a:bodyPr>
+            <a:lstStyle/>
+            <a:p>
+              <a:pPr algn="ctr"/>
+              <a:r>
+                <a:rPr lang="en-GB" dirty="0"/>
+                <a:t>Desired</a:t>
+              </a:r>
+            </a:p>
+            <a:p>
+              <a:pPr algn="ctr"/>
+              <a:r>
+                <a:rPr lang="en-GB" dirty="0"/>
+                <a:t>Force</a:t>
+              </a:r>
+            </a:p>
+            <a:p>
+              <a:pPr algn="ctr"/>
+              <a:r>
+                <a:rPr lang="en-GB" dirty="0"/>
+                <a:t>(F</a:t>
+              </a:r>
+              <a:r>
+                <a:rPr lang="en-GB" baseline="-25000" dirty="0"/>
+                <a:t>T</a:t>
+              </a:r>
+              <a:r>
+                <a:rPr lang="en-GB" dirty="0"/>
+                <a:t>)</a:t>
+              </a:r>
+            </a:p>
+          </p:txBody>
+        </p:sp>
+        <p:grpSp>
+          <p:nvGrpSpPr>
+            <p:cNvPr id="18" name="Group 17">
+              <a:extLst>
+                <a:ext uri="{FF2B5EF4-FFF2-40B4-BE49-F238E27FC236}">
+                  <a16:creationId xmlns:a16="http://schemas.microsoft.com/office/drawing/2014/main" id="{8F5D31DD-9008-4486-9627-A3079E28C140}"/>
+                </a:ext>
+              </a:extLst>
+            </p:cNvPr>
+            <p:cNvGrpSpPr/>
+            <p:nvPr/>
+          </p:nvGrpSpPr>
+          <p:grpSpPr>
+            <a:xfrm>
+              <a:off x="4261543" y="3296240"/>
+              <a:ext cx="2899996" cy="914400"/>
+              <a:chOff x="3202359" y="795131"/>
+              <a:chExt cx="2899996" cy="914400"/>
+            </a:xfrm>
+          </p:grpSpPr>
+          <p:cxnSp>
+            <p:nvCxnSpPr>
+              <p:cNvPr id="21" name="Straight Arrow Connector 20">
+                <a:extLst>
+                  <a:ext uri="{FF2B5EF4-FFF2-40B4-BE49-F238E27FC236}">
+                    <a16:creationId xmlns:a16="http://schemas.microsoft.com/office/drawing/2014/main" id="{6289796E-F51C-40C5-863B-2624A342E94E}"/>
+                  </a:ext>
+                </a:extLst>
+              </p:cNvPr>
+              <p:cNvCxnSpPr>
+                <a:cxnSpLocks/>
+                <a:endCxn id="19" idx="1"/>
+              </p:cNvCxnSpPr>
+              <p:nvPr/>
+            </p:nvCxnSpPr>
+            <p:spPr>
+              <a:xfrm>
+                <a:off x="3202359" y="1246879"/>
+                <a:ext cx="1276878" cy="5452"/>
+              </a:xfrm>
+              <a:prstGeom prst="straightConnector1">
+                <a:avLst/>
+              </a:prstGeom>
+              <a:ln w="38100">
+                <a:tailEnd type="triangle"/>
+              </a:ln>
+            </p:spPr>
+            <p:style>
+              <a:lnRef idx="1">
+                <a:schemeClr val="dk1"/>
+              </a:lnRef>
+              <a:fillRef idx="0">
+                <a:schemeClr val="dk1"/>
+              </a:fillRef>
+              <a:effectRef idx="0">
+                <a:schemeClr val="dk1"/>
+              </a:effectRef>
+              <a:fontRef idx="minor">
+                <a:schemeClr val="tx1"/>
+              </a:fontRef>
+            </p:style>
+          </p:cxnSp>
+          <p:sp>
+            <p:nvSpPr>
+              <p:cNvPr id="19" name="Rectangle 18">
+                <a:extLst>
+                  <a:ext uri="{FF2B5EF4-FFF2-40B4-BE49-F238E27FC236}">
+                    <a16:creationId xmlns:a16="http://schemas.microsoft.com/office/drawing/2014/main" id="{E7BDDB64-C960-47AF-BF55-5B9BFCC4F8E2}"/>
+                  </a:ext>
+                </a:extLst>
+              </p:cNvPr>
+              <p:cNvSpPr/>
+              <p:nvPr/>
+            </p:nvSpPr>
+            <p:spPr>
+              <a:xfrm>
+                <a:off x="4479237" y="795131"/>
+                <a:ext cx="1232453" cy="914400"/>
+              </a:xfrm>
+              <a:prstGeom prst="rect">
+                <a:avLst/>
+              </a:prstGeom>
+              <a:ln w="28575"/>
+            </p:spPr>
+            <p:style>
+              <a:lnRef idx="2">
+                <a:schemeClr val="dk1"/>
+              </a:lnRef>
+              <a:fillRef idx="1">
+                <a:schemeClr val="lt1"/>
+              </a:fillRef>
+              <a:effectRef idx="0">
+                <a:schemeClr val="dk1"/>
+              </a:effectRef>
+              <a:fontRef idx="minor">
+                <a:schemeClr val="dk1"/>
+              </a:fontRef>
+            </p:style>
+            <p:txBody>
+              <a:bodyPr rtlCol="0" anchor="ctr"/>
+              <a:lstStyle/>
+              <a:p>
+                <a:pPr algn="ctr"/>
+                <a:r>
+                  <a:rPr lang="en-GB" dirty="0"/>
+                  <a:t>Force</a:t>
+                </a:r>
+              </a:p>
+              <a:p>
+                <a:pPr algn="ctr"/>
+                <a:r>
+                  <a:rPr lang="en-GB" dirty="0"/>
+                  <a:t>Controller</a:t>
+                </a:r>
+              </a:p>
+            </p:txBody>
+          </p:sp>
+          <p:cxnSp>
+            <p:nvCxnSpPr>
+              <p:cNvPr id="20" name="Straight Arrow Connector 19">
+                <a:extLst>
+                  <a:ext uri="{FF2B5EF4-FFF2-40B4-BE49-F238E27FC236}">
+                    <a16:creationId xmlns:a16="http://schemas.microsoft.com/office/drawing/2014/main" id="{B9C8A729-7B7B-4D52-BD69-5834778D2FDE}"/>
+                  </a:ext>
+                </a:extLst>
+              </p:cNvPr>
+              <p:cNvCxnSpPr>
+                <a:cxnSpLocks/>
+                <a:stCxn id="19" idx="3"/>
+                <a:endCxn id="25" idx="1"/>
+              </p:cNvCxnSpPr>
+              <p:nvPr/>
+            </p:nvCxnSpPr>
+            <p:spPr>
+              <a:xfrm>
+                <a:off x="5711690" y="1252331"/>
+                <a:ext cx="390665" cy="4177"/>
+              </a:xfrm>
+              <a:prstGeom prst="straightConnector1">
+                <a:avLst/>
+              </a:prstGeom>
+              <a:ln w="38100">
+                <a:tailEnd type="triangle"/>
+              </a:ln>
+            </p:spPr>
+            <p:style>
+              <a:lnRef idx="3">
+                <a:schemeClr val="dk1"/>
+              </a:lnRef>
+              <a:fillRef idx="0">
+                <a:schemeClr val="dk1"/>
+              </a:fillRef>
+              <a:effectRef idx="2">
+                <a:schemeClr val="dk1"/>
+              </a:effectRef>
+              <a:fontRef idx="minor">
+                <a:schemeClr val="tx1"/>
+              </a:fontRef>
+            </p:style>
+          </p:cxnSp>
+        </p:grpSp>
+        <p:sp>
+          <p:nvSpPr>
+            <p:cNvPr id="25" name="Rectangle 24">
+              <a:extLst>
+                <a:ext uri="{FF2B5EF4-FFF2-40B4-BE49-F238E27FC236}">
+                  <a16:creationId xmlns:a16="http://schemas.microsoft.com/office/drawing/2014/main" id="{E252D558-31A8-4C8A-B437-96C371EDAD3F}"/>
                 </a:ext>
               </a:extLst>
             </p:cNvPr>
@@ -7496,7 +7615,7 @@
           </p:nvSpPr>
           <p:spPr>
             <a:xfrm>
-              <a:off x="4479237" y="795131"/>
+              <a:off x="7161539" y="3300417"/>
               <a:ext cx="1232453" cy="914400"/>
             </a:xfrm>
             <a:prstGeom prst="rect">
@@ -7525,6 +7644,503 @@
               <a:pPr algn="ctr"/>
               <a:r>
                 <a:rPr lang="en-GB" dirty="0"/>
+                <a:t>Plant</a:t>
+              </a:r>
+            </a:p>
+          </p:txBody>
+        </p:sp>
+        <mc:AlternateContent xmlns:mc="http://schemas.openxmlformats.org/markup-compatibility/2006">
+          <mc:Choice xmlns:a14="http://schemas.microsoft.com/office/drawing/2010/main" Requires="a14">
+            <p:sp>
+              <p:nvSpPr>
+                <p:cNvPr id="28" name="Rectangle 27">
+                  <a:extLst>
+                    <a:ext uri="{FF2B5EF4-FFF2-40B4-BE49-F238E27FC236}">
+                      <a16:creationId xmlns:a16="http://schemas.microsoft.com/office/drawing/2014/main" id="{769F75B1-58AB-43B4-8C02-C96C12F4877E}"/>
+                    </a:ext>
+                  </a:extLst>
+                </p:cNvPr>
+                <p:cNvSpPr/>
+                <p:nvPr/>
+              </p:nvSpPr>
+              <p:spPr>
+                <a:xfrm>
+                  <a:off x="6096000" y="1721962"/>
+                  <a:ext cx="1776779" cy="914400"/>
+                </a:xfrm>
+                <a:prstGeom prst="rect">
+                  <a:avLst/>
+                </a:prstGeom>
+                <a:ln w="28575">
+                  <a:solidFill>
+                    <a:schemeClr val="tx1"/>
+                  </a:solidFill>
+                </a:ln>
+              </p:spPr>
+              <p:style>
+                <a:lnRef idx="2">
+                  <a:schemeClr val="dk1"/>
+                </a:lnRef>
+                <a:fillRef idx="1">
+                  <a:schemeClr val="lt1"/>
+                </a:fillRef>
+                <a:effectRef idx="0">
+                  <a:schemeClr val="dk1"/>
+                </a:effectRef>
+                <a:fontRef idx="minor">
+                  <a:schemeClr val="dk1"/>
+                </a:fontRef>
+              </p:style>
+              <p:txBody>
+                <a:bodyPr rtlCol="0" anchor="ctr"/>
+                <a:lstStyle/>
+                <a:p>
+                  <a:pPr algn="ctr"/>
+                  <a14:m>
+                    <m:oMathPara xmlns:m="http://schemas.openxmlformats.org/officeDocument/2006/math">
+                      <m:oMathParaPr>
+                        <m:jc m:val="centerGroup"/>
+                      </m:oMathParaPr>
+                      <m:oMath xmlns:m="http://schemas.openxmlformats.org/officeDocument/2006/math">
+                        <m:sSup>
+                          <m:sSupPr>
+                            <m:ctrlPr>
+                              <a:rPr lang="en-GB" i="1" dirty="0">
+                                <a:latin typeface="Cambria Math" panose="02040503050406030204" pitchFamily="18" charset="0"/>
+                              </a:rPr>
+                            </m:ctrlPr>
+                          </m:sSupPr>
+                          <m:e>
+                            <m:r>
+                              <a:rPr lang="en-GB" i="1" dirty="0">
+                                <a:latin typeface="Cambria Math" panose="02040503050406030204" pitchFamily="18" charset="0"/>
+                              </a:rPr>
+                              <m:t>𝑚𝑠</m:t>
+                            </m:r>
+                          </m:e>
+                          <m:sup>
+                            <m:r>
+                              <a:rPr lang="en-GB" i="1" dirty="0">
+                                <a:latin typeface="Cambria Math" panose="02040503050406030204" pitchFamily="18" charset="0"/>
+                              </a:rPr>
+                              <m:t>2</m:t>
+                            </m:r>
+                          </m:sup>
+                        </m:sSup>
+                        <m:r>
+                          <a:rPr lang="en-GB" i="1" dirty="0">
+                            <a:latin typeface="Cambria Math" panose="02040503050406030204" pitchFamily="18" charset="0"/>
+                          </a:rPr>
+                          <m:t>+</m:t>
+                        </m:r>
+                        <m:r>
+                          <a:rPr lang="en-GB" i="1" dirty="0">
+                            <a:latin typeface="Cambria Math" panose="02040503050406030204" pitchFamily="18" charset="0"/>
+                          </a:rPr>
+                          <m:t>𝑐𝑠</m:t>
+                        </m:r>
+                        <m:r>
+                          <a:rPr lang="en-GB" i="1" dirty="0">
+                            <a:latin typeface="Cambria Math" panose="02040503050406030204" pitchFamily="18" charset="0"/>
+                          </a:rPr>
+                          <m:t>+</m:t>
+                        </m:r>
+                        <m:r>
+                          <m:rPr>
+                            <m:sty m:val="p"/>
+                          </m:rPr>
+                          <a:rPr lang="en-GB" dirty="0">
+                            <a:latin typeface="Cambria Math" panose="02040503050406030204" pitchFamily="18" charset="0"/>
+                          </a:rPr>
+                          <m:t>k</m:t>
+                        </m:r>
+                      </m:oMath>
+                    </m:oMathPara>
+                  </a14:m>
+                  <a:endParaRPr lang="en-GB" dirty="0"/>
+                </a:p>
+              </p:txBody>
+            </p:sp>
+          </mc:Choice>
+          <mc:Fallback>
+            <p:sp>
+              <p:nvSpPr>
+                <p:cNvPr id="28" name="Rectangle 27">
+                  <a:extLst>
+                    <a:ext uri="{FF2B5EF4-FFF2-40B4-BE49-F238E27FC236}">
+                      <a16:creationId xmlns:a16="http://schemas.microsoft.com/office/drawing/2014/main" id="{769F75B1-58AB-43B4-8C02-C96C12F4877E}"/>
+                    </a:ext>
+                  </a:extLst>
+                </p:cNvPr>
+                <p:cNvSpPr>
+                  <a:spLocks noRot="1" noChangeAspect="1" noMove="1" noResize="1" noEditPoints="1" noAdjustHandles="1" noChangeArrowheads="1" noChangeShapeType="1" noTextEdit="1"/>
+                </p:cNvSpPr>
+                <p:nvPr/>
+              </p:nvSpPr>
+              <p:spPr>
+                <a:xfrm>
+                  <a:off x="6096000" y="1721962"/>
+                  <a:ext cx="1776779" cy="914400"/>
+                </a:xfrm>
+                <a:prstGeom prst="rect">
+                  <a:avLst/>
+                </a:prstGeom>
+                <a:blipFill>
+                  <a:blip r:embed="rId2"/>
+                  <a:stretch>
+                    <a:fillRect/>
+                  </a:stretch>
+                </a:blipFill>
+                <a:ln w="28575">
+                  <a:solidFill>
+                    <a:schemeClr val="tx1"/>
+                  </a:solidFill>
+                </a:ln>
+              </p:spPr>
+              <p:txBody>
+                <a:bodyPr/>
+                <a:lstStyle/>
+                <a:p>
+                  <a:r>
+                    <a:rPr lang="en-GB">
+                      <a:noFill/>
+                    </a:rPr>
+                    <a:t> </a:t>
+                  </a:r>
+                </a:p>
+              </p:txBody>
+            </p:sp>
+          </mc:Fallback>
+        </mc:AlternateContent>
+        <p:cxnSp>
+          <p:nvCxnSpPr>
+            <p:cNvPr id="30" name="Straight Arrow Connector 29">
+              <a:extLst>
+                <a:ext uri="{FF2B5EF4-FFF2-40B4-BE49-F238E27FC236}">
+                  <a16:creationId xmlns:a16="http://schemas.microsoft.com/office/drawing/2014/main" id="{7311DE7D-687D-481A-BDA5-5BF4E82D1A09}"/>
+                </a:ext>
+              </a:extLst>
+            </p:cNvPr>
+            <p:cNvCxnSpPr>
+              <a:cxnSpLocks/>
+              <a:endCxn id="28" idx="3"/>
+            </p:cNvCxnSpPr>
+            <p:nvPr/>
+          </p:nvCxnSpPr>
+          <p:spPr>
+            <a:xfrm flipH="1">
+              <a:off x="7872779" y="2179162"/>
+              <a:ext cx="1443500" cy="0"/>
+            </a:xfrm>
+            <a:prstGeom prst="straightConnector1">
+              <a:avLst/>
+            </a:prstGeom>
+            <a:ln w="38100">
+              <a:solidFill>
+                <a:schemeClr val="tx1"/>
+              </a:solidFill>
+              <a:tailEnd type="triangle"/>
+            </a:ln>
+          </p:spPr>
+          <p:style>
+            <a:lnRef idx="1">
+              <a:schemeClr val="accent1"/>
+            </a:lnRef>
+            <a:fillRef idx="0">
+              <a:schemeClr val="accent1"/>
+            </a:fillRef>
+            <a:effectRef idx="0">
+              <a:schemeClr val="accent1"/>
+            </a:effectRef>
+            <a:fontRef idx="minor">
+              <a:schemeClr val="tx1"/>
+            </a:fontRef>
+          </p:style>
+        </p:cxnSp>
+        <p:sp>
+          <p:nvSpPr>
+            <p:cNvPr id="32" name="TextBox 31">
+              <a:extLst>
+                <a:ext uri="{FF2B5EF4-FFF2-40B4-BE49-F238E27FC236}">
+                  <a16:creationId xmlns:a16="http://schemas.microsoft.com/office/drawing/2014/main" id="{DDD782F4-8EBC-457E-8BC0-9721A1892FCF}"/>
+                </a:ext>
+              </a:extLst>
+            </p:cNvPr>
+            <p:cNvSpPr txBox="1"/>
+            <p:nvPr/>
+          </p:nvSpPr>
+          <p:spPr>
+            <a:xfrm>
+              <a:off x="9281334" y="2686744"/>
+              <a:ext cx="492379" cy="369332"/>
+            </a:xfrm>
+            <a:prstGeom prst="rect">
+              <a:avLst/>
+            </a:prstGeom>
+            <a:noFill/>
+            <a:ln>
+              <a:noFill/>
+            </a:ln>
+          </p:spPr>
+          <p:txBody>
+            <a:bodyPr wrap="none" rtlCol="0">
+              <a:spAutoFit/>
+            </a:bodyPr>
+            <a:lstStyle/>
+            <a:p>
+              <a:r>
+                <a:rPr lang="en-GB" dirty="0"/>
+                <a:t>P</a:t>
+              </a:r>
+              <a:r>
+                <a:rPr lang="en-GB" baseline="-25000" dirty="0"/>
+                <a:t>ext</a:t>
+              </a:r>
+            </a:p>
+          </p:txBody>
+        </p:sp>
+        <p:cxnSp>
+          <p:nvCxnSpPr>
+            <p:cNvPr id="38" name="Straight Arrow Connector 37">
+              <a:extLst>
+                <a:ext uri="{FF2B5EF4-FFF2-40B4-BE49-F238E27FC236}">
+                  <a16:creationId xmlns:a16="http://schemas.microsoft.com/office/drawing/2014/main" id="{42951A53-C17F-40A7-AEB2-E771101FBD44}"/>
+                </a:ext>
+              </a:extLst>
+            </p:cNvPr>
+            <p:cNvCxnSpPr>
+              <a:cxnSpLocks/>
+            </p:cNvCxnSpPr>
+            <p:nvPr/>
+          </p:nvCxnSpPr>
+          <p:spPr>
+            <a:xfrm>
+              <a:off x="3963523" y="2179161"/>
+              <a:ext cx="5835" cy="1278504"/>
+            </a:xfrm>
+            <a:prstGeom prst="straightConnector1">
+              <a:avLst/>
+            </a:prstGeom>
+            <a:ln w="38100">
+              <a:solidFill>
+                <a:schemeClr val="tx1"/>
+              </a:solidFill>
+              <a:tailEnd type="triangle"/>
+            </a:ln>
+          </p:spPr>
+          <p:style>
+            <a:lnRef idx="1">
+              <a:schemeClr val="accent1"/>
+            </a:lnRef>
+            <a:fillRef idx="0">
+              <a:schemeClr val="accent1"/>
+            </a:fillRef>
+            <a:effectRef idx="0">
+              <a:schemeClr val="accent1"/>
+            </a:effectRef>
+            <a:fontRef idx="minor">
+              <a:schemeClr val="tx1"/>
+            </a:fontRef>
+          </p:style>
+        </p:cxnSp>
+        <p:sp>
+          <p:nvSpPr>
+            <p:cNvPr id="43" name="TextBox 42">
+              <a:extLst>
+                <a:ext uri="{FF2B5EF4-FFF2-40B4-BE49-F238E27FC236}">
+                  <a16:creationId xmlns:a16="http://schemas.microsoft.com/office/drawing/2014/main" id="{28CA8CA2-462B-4B62-96C3-62B5F3B58994}"/>
+                </a:ext>
+              </a:extLst>
+            </p:cNvPr>
+            <p:cNvSpPr txBox="1"/>
+            <p:nvPr/>
+          </p:nvSpPr>
+          <p:spPr>
+            <a:xfrm>
+              <a:off x="6103320" y="1385206"/>
+              <a:ext cx="1730667" cy="369332"/>
+            </a:xfrm>
+            <a:prstGeom prst="rect">
+              <a:avLst/>
+            </a:prstGeom>
+            <a:noFill/>
+          </p:spPr>
+          <p:txBody>
+            <a:bodyPr wrap="none" rtlCol="0">
+              <a:spAutoFit/>
+            </a:bodyPr>
+            <a:lstStyle/>
+            <a:p>
+              <a:r>
+                <a:rPr lang="en-GB" dirty="0"/>
+                <a:t>Impedance filter</a:t>
+              </a:r>
+            </a:p>
+          </p:txBody>
+        </p:sp>
+        <p:cxnSp>
+          <p:nvCxnSpPr>
+            <p:cNvPr id="45" name="Straight Arrow Connector 44">
+              <a:extLst>
+                <a:ext uri="{FF2B5EF4-FFF2-40B4-BE49-F238E27FC236}">
+                  <a16:creationId xmlns:a16="http://schemas.microsoft.com/office/drawing/2014/main" id="{B89021DF-5DAD-4B21-9E98-3288E0EFE358}"/>
+                </a:ext>
+              </a:extLst>
+            </p:cNvPr>
+            <p:cNvCxnSpPr>
+              <a:stCxn id="25" idx="3"/>
+            </p:cNvCxnSpPr>
+            <p:nvPr/>
+          </p:nvCxnSpPr>
+          <p:spPr>
+            <a:xfrm>
+              <a:off x="8393992" y="3757617"/>
+              <a:ext cx="1247238" cy="0"/>
+            </a:xfrm>
+            <a:prstGeom prst="straightConnector1">
+              <a:avLst/>
+            </a:prstGeom>
+            <a:ln w="38100">
+              <a:solidFill>
+                <a:schemeClr val="tx1"/>
+              </a:solidFill>
+              <a:tailEnd type="triangle"/>
+            </a:ln>
+          </p:spPr>
+          <p:style>
+            <a:lnRef idx="1">
+              <a:schemeClr val="accent1"/>
+            </a:lnRef>
+            <a:fillRef idx="0">
+              <a:schemeClr val="accent1"/>
+            </a:fillRef>
+            <a:effectRef idx="0">
+              <a:schemeClr val="accent1"/>
+            </a:effectRef>
+            <a:fontRef idx="minor">
+              <a:schemeClr val="tx1"/>
+            </a:fontRef>
+          </p:style>
+        </p:cxnSp>
+        <p:sp>
+          <p:nvSpPr>
+            <p:cNvPr id="46" name="TextBox 45">
+              <a:extLst>
+                <a:ext uri="{FF2B5EF4-FFF2-40B4-BE49-F238E27FC236}">
+                  <a16:creationId xmlns:a16="http://schemas.microsoft.com/office/drawing/2014/main" id="{C1077C81-17EC-471D-8EE6-004678B2073D}"/>
+                </a:ext>
+              </a:extLst>
+            </p:cNvPr>
+            <p:cNvSpPr txBox="1"/>
+            <p:nvPr/>
+          </p:nvSpPr>
+          <p:spPr>
+            <a:xfrm>
+              <a:off x="5974818" y="4752605"/>
+              <a:ext cx="1721690" cy="369332"/>
+            </a:xfrm>
+            <a:prstGeom prst="rect">
+              <a:avLst/>
+            </a:prstGeom>
+            <a:noFill/>
+          </p:spPr>
+          <p:txBody>
+            <a:bodyPr wrap="none" rtlCol="0">
+              <a:spAutoFit/>
+            </a:bodyPr>
+            <a:lstStyle/>
+            <a:p>
+              <a:r>
+                <a:rPr lang="en-GB" dirty="0"/>
+                <a:t>Actual Force (F</a:t>
+              </a:r>
+              <a:r>
+                <a:rPr lang="en-GB" baseline="-25000" dirty="0"/>
+                <a:t>A</a:t>
+              </a:r>
+              <a:r>
+                <a:rPr lang="en-GB" dirty="0"/>
+                <a:t>)</a:t>
+              </a:r>
+            </a:p>
+          </p:txBody>
+        </p:sp>
+        <p:cxnSp>
+          <p:nvCxnSpPr>
+            <p:cNvPr id="52" name="Straight Arrow Connector 51">
+              <a:extLst>
+                <a:ext uri="{FF2B5EF4-FFF2-40B4-BE49-F238E27FC236}">
+                  <a16:creationId xmlns:a16="http://schemas.microsoft.com/office/drawing/2014/main" id="{429D0E40-6DE7-4726-A352-102088660B06}"/>
+                </a:ext>
+              </a:extLst>
+            </p:cNvPr>
+            <p:cNvCxnSpPr>
+              <a:cxnSpLocks/>
+              <a:endCxn id="6" idx="4"/>
+            </p:cNvCxnSpPr>
+            <p:nvPr/>
+          </p:nvCxnSpPr>
+          <p:spPr>
+            <a:xfrm flipV="1">
+              <a:off x="3968584" y="4057582"/>
+              <a:ext cx="1" cy="633688"/>
+            </a:xfrm>
+            <a:prstGeom prst="straightConnector1">
+              <a:avLst/>
+            </a:prstGeom>
+            <a:ln w="38100">
+              <a:solidFill>
+                <a:schemeClr val="tx1"/>
+              </a:solidFill>
+              <a:tailEnd type="triangle"/>
+            </a:ln>
+          </p:spPr>
+          <p:style>
+            <a:lnRef idx="1">
+              <a:schemeClr val="accent1"/>
+            </a:lnRef>
+            <a:fillRef idx="0">
+              <a:schemeClr val="accent1"/>
+            </a:fillRef>
+            <a:effectRef idx="0">
+              <a:schemeClr val="accent1"/>
+            </a:effectRef>
+            <a:fontRef idx="minor">
+              <a:schemeClr val="tx1"/>
+            </a:fontRef>
+          </p:style>
+        </p:cxnSp>
+        <p:sp>
+          <p:nvSpPr>
+            <p:cNvPr id="57" name="TextBox 56">
+              <a:extLst>
+                <a:ext uri="{FF2B5EF4-FFF2-40B4-BE49-F238E27FC236}">
+                  <a16:creationId xmlns:a16="http://schemas.microsoft.com/office/drawing/2014/main" id="{9971061F-C17A-422C-A3DF-95B4AD6286BB}"/>
+                </a:ext>
+              </a:extLst>
+            </p:cNvPr>
+            <p:cNvSpPr txBox="1"/>
+            <p:nvPr/>
+          </p:nvSpPr>
+          <p:spPr>
+            <a:xfrm>
+              <a:off x="4392544" y="2832198"/>
+              <a:ext cx="981359" cy="923330"/>
+            </a:xfrm>
+            <a:prstGeom prst="rect">
+              <a:avLst/>
+            </a:prstGeom>
+            <a:noFill/>
+          </p:spPr>
+          <p:txBody>
+            <a:bodyPr wrap="none" rtlCol="0">
+              <a:spAutoFit/>
+            </a:bodyPr>
+            <a:lstStyle/>
+            <a:p>
+              <a:pPr algn="ctr"/>
+              <a:r>
+                <a:rPr lang="en-GB" dirty="0"/>
                 <a:t>Force</a:t>
               </a:r>
             </a:p>
@@ -7532,48 +8148,232 @@
               <a:pPr algn="ctr"/>
               <a:r>
                 <a:rPr lang="en-GB" dirty="0"/>
-                <a:t>Controller</a:t>
+                <a:t>Demand</a:t>
+              </a:r>
+            </a:p>
+            <a:p>
+              <a:pPr algn="ctr"/>
+              <a:r>
+                <a:rPr lang="en-GB" dirty="0"/>
+                <a:t>(F</a:t>
+              </a:r>
+              <a:r>
+                <a:rPr lang="en-GB" baseline="-25000" dirty="0"/>
+                <a:t>D</a:t>
+              </a:r>
+              <a:r>
+                <a:rPr lang="en-GB" dirty="0"/>
+                <a:t>)</a:t>
               </a:r>
             </a:p>
           </p:txBody>
         </p:sp>
         <p:cxnSp>
           <p:nvCxnSpPr>
-            <p:cNvPr id="20" name="Straight Arrow Connector 19">
+            <p:cNvPr id="36" name="Straight Connector 35">
               <a:extLst>
                 <a:ext uri="{FF2B5EF4-FFF2-40B4-BE49-F238E27FC236}">
-                  <a16:creationId xmlns:a16="http://schemas.microsoft.com/office/drawing/2014/main" id="{B9C8A729-7B7B-4D52-BD69-5834778D2FDE}"/>
+                  <a16:creationId xmlns:a16="http://schemas.microsoft.com/office/drawing/2014/main" id="{DBC7FE70-9F9B-4AA8-B566-51C3223ACB08}"/>
                 </a:ext>
               </a:extLst>
             </p:cNvPr>
             <p:cNvCxnSpPr>
               <a:cxnSpLocks/>
-              <a:stCxn id="19" idx="3"/>
-              <a:endCxn id="25" idx="1"/>
             </p:cNvCxnSpPr>
             <p:nvPr/>
           </p:nvCxnSpPr>
           <p:spPr>
             <a:xfrm>
-              <a:off x="5711690" y="1252331"/>
-              <a:ext cx="390665" cy="4177"/>
+              <a:off x="9316279" y="2179161"/>
+              <a:ext cx="0" cy="1369407"/>
             </a:xfrm>
-            <a:prstGeom prst="straightConnector1">
+            <a:prstGeom prst="line">
               <a:avLst/>
             </a:prstGeom>
             <a:ln w="38100">
-              <a:tailEnd type="triangle"/>
+              <a:solidFill>
+                <a:schemeClr val="tx1"/>
+              </a:solidFill>
             </a:ln>
           </p:spPr>
           <p:style>
-            <a:lnRef idx="3">
-              <a:schemeClr val="dk1"/>
+            <a:lnRef idx="1">
+              <a:schemeClr val="accent1"/>
             </a:lnRef>
             <a:fillRef idx="0">
-              <a:schemeClr val="dk1"/>
+              <a:schemeClr val="accent1"/>
             </a:fillRef>
-            <a:effectRef idx="2">
-              <a:schemeClr val="dk1"/>
+            <a:effectRef idx="0">
+              <a:schemeClr val="accent1"/>
+            </a:effectRef>
+            <a:fontRef idx="minor">
+              <a:schemeClr val="tx1"/>
+            </a:fontRef>
+          </p:style>
+        </p:cxnSp>
+        <p:cxnSp>
+          <p:nvCxnSpPr>
+            <p:cNvPr id="40" name="Straight Connector 39">
+              <a:extLst>
+                <a:ext uri="{FF2B5EF4-FFF2-40B4-BE49-F238E27FC236}">
+                  <a16:creationId xmlns:a16="http://schemas.microsoft.com/office/drawing/2014/main" id="{0860DC1A-21C9-4D38-88FC-FD4DAE9358D4}"/>
+                </a:ext>
+              </a:extLst>
+            </p:cNvPr>
+            <p:cNvCxnSpPr/>
+            <p:nvPr/>
+          </p:nvCxnSpPr>
+          <p:spPr>
+            <a:xfrm flipH="1">
+              <a:off x="8393992" y="3548568"/>
+              <a:ext cx="922287" cy="0"/>
+            </a:xfrm>
+            <a:prstGeom prst="line">
+              <a:avLst/>
+            </a:prstGeom>
+            <a:ln w="38100">
+              <a:solidFill>
+                <a:schemeClr val="tx1"/>
+              </a:solidFill>
+            </a:ln>
+          </p:spPr>
+          <p:style>
+            <a:lnRef idx="1">
+              <a:schemeClr val="accent1"/>
+            </a:lnRef>
+            <a:fillRef idx="0">
+              <a:schemeClr val="accent1"/>
+            </a:fillRef>
+            <a:effectRef idx="0">
+              <a:schemeClr val="accent1"/>
+            </a:effectRef>
+            <a:fontRef idx="minor">
+              <a:schemeClr val="tx1"/>
+            </a:fontRef>
+          </p:style>
+        </p:cxnSp>
+        <p:cxnSp>
+          <p:nvCxnSpPr>
+            <p:cNvPr id="47" name="Straight Connector 46">
+              <a:extLst>
+                <a:ext uri="{FF2B5EF4-FFF2-40B4-BE49-F238E27FC236}">
+                  <a16:creationId xmlns:a16="http://schemas.microsoft.com/office/drawing/2014/main" id="{ECA3E01D-2BD3-4D6D-966C-0488668C9D39}"/>
+                </a:ext>
+              </a:extLst>
+            </p:cNvPr>
+            <p:cNvCxnSpPr>
+              <a:cxnSpLocks/>
+            </p:cNvCxnSpPr>
+            <p:nvPr/>
+          </p:nvCxnSpPr>
+          <p:spPr>
+            <a:xfrm>
+              <a:off x="3969980" y="4691270"/>
+              <a:ext cx="5346299" cy="0"/>
+            </a:xfrm>
+            <a:prstGeom prst="line">
+              <a:avLst/>
+            </a:prstGeom>
+            <a:ln w="38100">
+              <a:solidFill>
+                <a:schemeClr val="tx1"/>
+              </a:solidFill>
+            </a:ln>
+          </p:spPr>
+          <p:style>
+            <a:lnRef idx="1">
+              <a:schemeClr val="accent1"/>
+            </a:lnRef>
+            <a:fillRef idx="0">
+              <a:schemeClr val="accent1"/>
+            </a:fillRef>
+            <a:effectRef idx="0">
+              <a:schemeClr val="accent1"/>
+            </a:effectRef>
+            <a:fontRef idx="minor">
+              <a:schemeClr val="tx1"/>
+            </a:fontRef>
+          </p:style>
+        </p:cxnSp>
+        <p:cxnSp>
+          <p:nvCxnSpPr>
+            <p:cNvPr id="50" name="Straight Connector 49">
+              <a:extLst>
+                <a:ext uri="{FF2B5EF4-FFF2-40B4-BE49-F238E27FC236}">
+                  <a16:creationId xmlns:a16="http://schemas.microsoft.com/office/drawing/2014/main" id="{E1D87BEC-48FB-4599-85F8-4014752CC3F0}"/>
+                </a:ext>
+              </a:extLst>
+            </p:cNvPr>
+            <p:cNvCxnSpPr/>
+            <p:nvPr/>
+          </p:nvCxnSpPr>
+          <p:spPr>
+            <a:xfrm flipV="1">
+              <a:off x="9321090" y="3766097"/>
+              <a:ext cx="0" cy="925173"/>
+            </a:xfrm>
+            <a:prstGeom prst="line">
+              <a:avLst/>
+            </a:prstGeom>
+            <a:ln w="38100">
+              <a:solidFill>
+                <a:schemeClr val="tx1"/>
+              </a:solidFill>
+            </a:ln>
+          </p:spPr>
+          <p:style>
+            <a:lnRef idx="1">
+              <a:schemeClr val="accent1"/>
+            </a:lnRef>
+            <a:fillRef idx="0">
+              <a:schemeClr val="accent1"/>
+            </a:fillRef>
+            <a:effectRef idx="0">
+              <a:schemeClr val="accent1"/>
+            </a:effectRef>
+            <a:fontRef idx="minor">
+              <a:schemeClr val="tx1"/>
+            </a:fontRef>
+          </p:style>
+        </p:cxnSp>
+        <p:cxnSp>
+          <p:nvCxnSpPr>
+            <p:cNvPr id="54" name="Straight Connector 53">
+              <a:extLst>
+                <a:ext uri="{FF2B5EF4-FFF2-40B4-BE49-F238E27FC236}">
+                  <a16:creationId xmlns:a16="http://schemas.microsoft.com/office/drawing/2014/main" id="{2097F77C-B8C7-485C-AA47-BF8AC3DE7CBE}"/>
+                </a:ext>
+              </a:extLst>
+            </p:cNvPr>
+            <p:cNvCxnSpPr>
+              <a:cxnSpLocks/>
+              <a:stCxn id="28" idx="1"/>
+            </p:cNvCxnSpPr>
+            <p:nvPr/>
+          </p:nvCxnSpPr>
+          <p:spPr>
+            <a:xfrm flipH="1" flipV="1">
+              <a:off x="3963522" y="2179161"/>
+              <a:ext cx="2132478" cy="1"/>
+            </a:xfrm>
+            <a:prstGeom prst="line">
+              <a:avLst/>
+            </a:prstGeom>
+            <a:ln w="38100">
+              <a:solidFill>
+                <a:schemeClr val="tx1"/>
+              </a:solidFill>
+            </a:ln>
+          </p:spPr>
+          <p:style>
+            <a:lnRef idx="1">
+              <a:schemeClr val="accent1"/>
+            </a:lnRef>
+            <a:fillRef idx="0">
+              <a:schemeClr val="accent1"/>
+            </a:fillRef>
+            <a:effectRef idx="0">
+              <a:schemeClr val="accent1"/>
             </a:effectRef>
             <a:fontRef idx="minor">
               <a:schemeClr val="tx1"/>
@@ -7581,785 +8381,6 @@
           </p:style>
         </p:cxnSp>
       </p:grpSp>
-      <p:sp>
-        <p:nvSpPr>
-          <p:cNvPr id="25" name="Rectangle 24">
-            <a:extLst>
-              <a:ext uri="{FF2B5EF4-FFF2-40B4-BE49-F238E27FC236}">
-                <a16:creationId xmlns:a16="http://schemas.microsoft.com/office/drawing/2014/main" id="{E252D558-31A8-4C8A-B437-96C371EDAD3F}"/>
-              </a:ext>
-            </a:extLst>
-          </p:cNvPr>
-          <p:cNvSpPr/>
-          <p:nvPr/>
-        </p:nvSpPr>
-        <p:spPr>
-          <a:xfrm>
-            <a:off x="7161539" y="3300417"/>
-            <a:ext cx="1232453" cy="914400"/>
-          </a:xfrm>
-          <a:prstGeom prst="rect">
-            <a:avLst/>
-          </a:prstGeom>
-          <a:ln w="28575"/>
-        </p:spPr>
-        <p:style>
-          <a:lnRef idx="2">
-            <a:schemeClr val="dk1"/>
-          </a:lnRef>
-          <a:fillRef idx="1">
-            <a:schemeClr val="lt1"/>
-          </a:fillRef>
-          <a:effectRef idx="0">
-            <a:schemeClr val="dk1"/>
-          </a:effectRef>
-          <a:fontRef idx="minor">
-            <a:schemeClr val="dk1"/>
-          </a:fontRef>
-        </p:style>
-        <p:txBody>
-          <a:bodyPr rtlCol="0" anchor="ctr"/>
-          <a:lstStyle/>
-          <a:p>
-            <a:pPr algn="ctr"/>
-            <a:r>
-              <a:rPr lang="en-GB" dirty="0"/>
-              <a:t>Plant</a:t>
-            </a:r>
-          </a:p>
-        </p:txBody>
-      </p:sp>
-      <mc:AlternateContent xmlns:mc="http://schemas.openxmlformats.org/markup-compatibility/2006" xmlns:a14="http://schemas.microsoft.com/office/drawing/2010/main">
-        <mc:Choice Requires="a14">
-          <p:sp>
-            <p:nvSpPr>
-              <p:cNvPr id="28" name="Rectangle 27">
-                <a:extLst>
-                  <a:ext uri="{FF2B5EF4-FFF2-40B4-BE49-F238E27FC236}">
-                    <a16:creationId xmlns:a16="http://schemas.microsoft.com/office/drawing/2014/main" id="{769F75B1-58AB-43B4-8C02-C96C12F4877E}"/>
-                  </a:ext>
-                </a:extLst>
-              </p:cNvPr>
-              <p:cNvSpPr/>
-              <p:nvPr/>
-            </p:nvSpPr>
-            <p:spPr>
-              <a:xfrm>
-                <a:off x="6096000" y="1721962"/>
-                <a:ext cx="1776779" cy="914400"/>
-              </a:xfrm>
-              <a:prstGeom prst="rect">
-                <a:avLst/>
-              </a:prstGeom>
-              <a:ln w="28575">
-                <a:solidFill>
-                  <a:schemeClr val="tx1"/>
-                </a:solidFill>
-              </a:ln>
-            </p:spPr>
-            <p:style>
-              <a:lnRef idx="2">
-                <a:schemeClr val="dk1"/>
-              </a:lnRef>
-              <a:fillRef idx="1">
-                <a:schemeClr val="lt1"/>
-              </a:fillRef>
-              <a:effectRef idx="0">
-                <a:schemeClr val="dk1"/>
-              </a:effectRef>
-              <a:fontRef idx="minor">
-                <a:schemeClr val="dk1"/>
-              </a:fontRef>
-            </p:style>
-            <p:txBody>
-              <a:bodyPr rtlCol="0" anchor="ctr"/>
-              <a:lstStyle/>
-              <a:p>
-                <a:pPr algn="ctr"/>
-                <a14:m>
-                  <m:oMathPara xmlns:m="http://schemas.openxmlformats.org/officeDocument/2006/math">
-                    <m:oMathParaPr>
-                      <m:jc m:val="centerGroup"/>
-                    </m:oMathParaPr>
-                    <m:oMath xmlns:m="http://schemas.openxmlformats.org/officeDocument/2006/math">
-                      <m:sSup>
-                        <m:sSupPr>
-                          <m:ctrlPr>
-                            <a:rPr lang="en-GB" i="1" dirty="0">
-                              <a:latin typeface="Cambria Math" panose="02040503050406030204" pitchFamily="18" charset="0"/>
-                            </a:rPr>
-                          </m:ctrlPr>
-                        </m:sSupPr>
-                        <m:e>
-                          <m:r>
-                            <a:rPr lang="en-GB" i="1" dirty="0">
-                              <a:latin typeface="Cambria Math" panose="02040503050406030204" pitchFamily="18" charset="0"/>
-                            </a:rPr>
-                            <m:t>𝑚𝑠</m:t>
-                          </m:r>
-                        </m:e>
-                        <m:sup>
-                          <m:r>
-                            <a:rPr lang="en-GB" i="1" dirty="0">
-                              <a:latin typeface="Cambria Math" panose="02040503050406030204" pitchFamily="18" charset="0"/>
-                            </a:rPr>
-                            <m:t>2</m:t>
-                          </m:r>
-                        </m:sup>
-                      </m:sSup>
-                      <m:r>
-                        <a:rPr lang="en-GB" i="1" dirty="0">
-                          <a:latin typeface="Cambria Math" panose="02040503050406030204" pitchFamily="18" charset="0"/>
-                        </a:rPr>
-                        <m:t>+</m:t>
-                      </m:r>
-                      <m:r>
-                        <a:rPr lang="en-GB" i="1" dirty="0">
-                          <a:latin typeface="Cambria Math" panose="02040503050406030204" pitchFamily="18" charset="0"/>
-                        </a:rPr>
-                        <m:t>𝑐𝑠</m:t>
-                      </m:r>
-                      <m:r>
-                        <a:rPr lang="en-GB" i="1" dirty="0">
-                          <a:latin typeface="Cambria Math" panose="02040503050406030204" pitchFamily="18" charset="0"/>
-                        </a:rPr>
-                        <m:t>+</m:t>
-                      </m:r>
-                      <m:r>
-                        <m:rPr>
-                          <m:sty m:val="p"/>
-                        </m:rPr>
-                        <a:rPr lang="en-GB" dirty="0">
-                          <a:latin typeface="Cambria Math" panose="02040503050406030204" pitchFamily="18" charset="0"/>
-                        </a:rPr>
-                        <m:t>k</m:t>
-                      </m:r>
-                    </m:oMath>
-                  </m:oMathPara>
-                </a14:m>
-                <a:endParaRPr lang="en-GB" dirty="0"/>
-              </a:p>
-            </p:txBody>
-          </p:sp>
-        </mc:Choice>
-        <mc:Fallback xmlns="">
-          <p:sp>
-            <p:nvSpPr>
-              <p:cNvPr id="28" name="Rectangle 27">
-                <a:extLst>
-                  <a:ext uri="{FF2B5EF4-FFF2-40B4-BE49-F238E27FC236}">
-                    <a16:creationId xmlns:a16="http://schemas.microsoft.com/office/drawing/2014/main" id="{769F75B1-58AB-43B4-8C02-C96C12F4877E}"/>
-                  </a:ext>
-                </a:extLst>
-              </p:cNvPr>
-              <p:cNvSpPr>
-                <a:spLocks noRot="1" noChangeAspect="1" noMove="1" noResize="1" noEditPoints="1" noAdjustHandles="1" noChangeArrowheads="1" noChangeShapeType="1" noTextEdit="1"/>
-              </p:cNvSpPr>
-              <p:nvPr/>
-            </p:nvSpPr>
-            <p:spPr>
-              <a:xfrm>
-                <a:off x="6096000" y="1721962"/>
-                <a:ext cx="1776779" cy="914400"/>
-              </a:xfrm>
-              <a:prstGeom prst="rect">
-                <a:avLst/>
-              </a:prstGeom>
-              <a:blipFill>
-                <a:blip r:embed="rId2"/>
-                <a:stretch>
-                  <a:fillRect/>
-                </a:stretch>
-              </a:blipFill>
-              <a:ln w="28575">
-                <a:solidFill>
-                  <a:schemeClr val="tx1"/>
-                </a:solidFill>
-              </a:ln>
-            </p:spPr>
-            <p:txBody>
-              <a:bodyPr/>
-              <a:lstStyle/>
-              <a:p>
-                <a:r>
-                  <a:rPr lang="en-GB">
-                    <a:noFill/>
-                  </a:rPr>
-                  <a:t> </a:t>
-                </a:r>
-              </a:p>
-            </p:txBody>
-          </p:sp>
-        </mc:Fallback>
-      </mc:AlternateContent>
-      <p:cxnSp>
-        <p:nvCxnSpPr>
-          <p:cNvPr id="30" name="Straight Arrow Connector 29">
-            <a:extLst>
-              <a:ext uri="{FF2B5EF4-FFF2-40B4-BE49-F238E27FC236}">
-                <a16:creationId xmlns:a16="http://schemas.microsoft.com/office/drawing/2014/main" id="{7311DE7D-687D-481A-BDA5-5BF4E82D1A09}"/>
-              </a:ext>
-            </a:extLst>
-          </p:cNvPr>
-          <p:cNvCxnSpPr>
-            <a:cxnSpLocks/>
-            <a:endCxn id="28" idx="3"/>
-          </p:cNvCxnSpPr>
-          <p:nvPr/>
-        </p:nvCxnSpPr>
-        <p:spPr>
-          <a:xfrm flipH="1">
-            <a:off x="7872779" y="2179162"/>
-            <a:ext cx="1443500" cy="0"/>
-          </a:xfrm>
-          <a:prstGeom prst="straightConnector1">
-            <a:avLst/>
-          </a:prstGeom>
-          <a:ln w="38100">
-            <a:solidFill>
-              <a:schemeClr val="tx1"/>
-            </a:solidFill>
-            <a:tailEnd type="triangle"/>
-          </a:ln>
-        </p:spPr>
-        <p:style>
-          <a:lnRef idx="1">
-            <a:schemeClr val="accent1"/>
-          </a:lnRef>
-          <a:fillRef idx="0">
-            <a:schemeClr val="accent1"/>
-          </a:fillRef>
-          <a:effectRef idx="0">
-            <a:schemeClr val="accent1"/>
-          </a:effectRef>
-          <a:fontRef idx="minor">
-            <a:schemeClr val="tx1"/>
-          </a:fontRef>
-        </p:style>
-      </p:cxnSp>
-      <p:sp>
-        <p:nvSpPr>
-          <p:cNvPr id="32" name="TextBox 31">
-            <a:extLst>
-              <a:ext uri="{FF2B5EF4-FFF2-40B4-BE49-F238E27FC236}">
-                <a16:creationId xmlns:a16="http://schemas.microsoft.com/office/drawing/2014/main" id="{DDD782F4-8EBC-457E-8BC0-9721A1892FCF}"/>
-              </a:ext>
-            </a:extLst>
-          </p:cNvPr>
-          <p:cNvSpPr txBox="1"/>
-          <p:nvPr/>
-        </p:nvSpPr>
-        <p:spPr>
-          <a:xfrm>
-            <a:off x="9281334" y="2686744"/>
-            <a:ext cx="492379" cy="369332"/>
-          </a:xfrm>
-          <a:prstGeom prst="rect">
-            <a:avLst/>
-          </a:prstGeom>
-          <a:noFill/>
-          <a:ln>
-            <a:noFill/>
-          </a:ln>
-        </p:spPr>
-        <p:txBody>
-          <a:bodyPr wrap="none" rtlCol="0">
-            <a:spAutoFit/>
-          </a:bodyPr>
-          <a:lstStyle/>
-          <a:p>
-            <a:r>
-              <a:rPr lang="en-GB" dirty="0"/>
-              <a:t>P</a:t>
-            </a:r>
-            <a:r>
-              <a:rPr lang="en-GB" baseline="-25000" dirty="0"/>
-              <a:t>ext</a:t>
-            </a:r>
-          </a:p>
-        </p:txBody>
-      </p:sp>
-      <p:cxnSp>
-        <p:nvCxnSpPr>
-          <p:cNvPr id="38" name="Straight Arrow Connector 37">
-            <a:extLst>
-              <a:ext uri="{FF2B5EF4-FFF2-40B4-BE49-F238E27FC236}">
-                <a16:creationId xmlns:a16="http://schemas.microsoft.com/office/drawing/2014/main" id="{42951A53-C17F-40A7-AEB2-E771101FBD44}"/>
-              </a:ext>
-            </a:extLst>
-          </p:cNvPr>
-          <p:cNvCxnSpPr>
-            <a:cxnSpLocks/>
-          </p:cNvCxnSpPr>
-          <p:nvPr/>
-        </p:nvCxnSpPr>
-        <p:spPr>
-          <a:xfrm>
-            <a:off x="3963523" y="2179161"/>
-            <a:ext cx="5835" cy="1278504"/>
-          </a:xfrm>
-          <a:prstGeom prst="straightConnector1">
-            <a:avLst/>
-          </a:prstGeom>
-          <a:ln w="38100">
-            <a:solidFill>
-              <a:schemeClr val="tx1"/>
-            </a:solidFill>
-            <a:tailEnd type="triangle"/>
-          </a:ln>
-        </p:spPr>
-        <p:style>
-          <a:lnRef idx="1">
-            <a:schemeClr val="accent1"/>
-          </a:lnRef>
-          <a:fillRef idx="0">
-            <a:schemeClr val="accent1"/>
-          </a:fillRef>
-          <a:effectRef idx="0">
-            <a:schemeClr val="accent1"/>
-          </a:effectRef>
-          <a:fontRef idx="minor">
-            <a:schemeClr val="tx1"/>
-          </a:fontRef>
-        </p:style>
-      </p:cxnSp>
-      <p:sp>
-        <p:nvSpPr>
-          <p:cNvPr id="43" name="TextBox 42">
-            <a:extLst>
-              <a:ext uri="{FF2B5EF4-FFF2-40B4-BE49-F238E27FC236}">
-                <a16:creationId xmlns:a16="http://schemas.microsoft.com/office/drawing/2014/main" id="{28CA8CA2-462B-4B62-96C3-62B5F3B58994}"/>
-              </a:ext>
-            </a:extLst>
-          </p:cNvPr>
-          <p:cNvSpPr txBox="1"/>
-          <p:nvPr/>
-        </p:nvSpPr>
-        <p:spPr>
-          <a:xfrm>
-            <a:off x="6103320" y="1385206"/>
-            <a:ext cx="1730667" cy="369332"/>
-          </a:xfrm>
-          <a:prstGeom prst="rect">
-            <a:avLst/>
-          </a:prstGeom>
-          <a:noFill/>
-        </p:spPr>
-        <p:txBody>
-          <a:bodyPr wrap="none" rtlCol="0">
-            <a:spAutoFit/>
-          </a:bodyPr>
-          <a:lstStyle/>
-          <a:p>
-            <a:r>
-              <a:rPr lang="en-GB" dirty="0"/>
-              <a:t>Impedance filter</a:t>
-            </a:r>
-          </a:p>
-        </p:txBody>
-      </p:sp>
-      <p:cxnSp>
-        <p:nvCxnSpPr>
-          <p:cNvPr id="45" name="Straight Arrow Connector 44">
-            <a:extLst>
-              <a:ext uri="{FF2B5EF4-FFF2-40B4-BE49-F238E27FC236}">
-                <a16:creationId xmlns:a16="http://schemas.microsoft.com/office/drawing/2014/main" id="{B89021DF-5DAD-4B21-9E98-3288E0EFE358}"/>
-              </a:ext>
-            </a:extLst>
-          </p:cNvPr>
-          <p:cNvCxnSpPr>
-            <a:stCxn id="25" idx="3"/>
-          </p:cNvCxnSpPr>
-          <p:nvPr/>
-        </p:nvCxnSpPr>
-        <p:spPr>
-          <a:xfrm>
-            <a:off x="8393992" y="3757617"/>
-            <a:ext cx="1247238" cy="0"/>
-          </a:xfrm>
-          <a:prstGeom prst="straightConnector1">
-            <a:avLst/>
-          </a:prstGeom>
-          <a:ln w="38100">
-            <a:solidFill>
-              <a:schemeClr val="tx1"/>
-            </a:solidFill>
-            <a:tailEnd type="triangle"/>
-          </a:ln>
-        </p:spPr>
-        <p:style>
-          <a:lnRef idx="1">
-            <a:schemeClr val="accent1"/>
-          </a:lnRef>
-          <a:fillRef idx="0">
-            <a:schemeClr val="accent1"/>
-          </a:fillRef>
-          <a:effectRef idx="0">
-            <a:schemeClr val="accent1"/>
-          </a:effectRef>
-          <a:fontRef idx="minor">
-            <a:schemeClr val="tx1"/>
-          </a:fontRef>
-        </p:style>
-      </p:cxnSp>
-      <p:sp>
-        <p:nvSpPr>
-          <p:cNvPr id="46" name="TextBox 45">
-            <a:extLst>
-              <a:ext uri="{FF2B5EF4-FFF2-40B4-BE49-F238E27FC236}">
-                <a16:creationId xmlns:a16="http://schemas.microsoft.com/office/drawing/2014/main" id="{C1077C81-17EC-471D-8EE6-004678B2073D}"/>
-              </a:ext>
-            </a:extLst>
-          </p:cNvPr>
-          <p:cNvSpPr txBox="1"/>
-          <p:nvPr/>
-        </p:nvSpPr>
-        <p:spPr>
-          <a:xfrm>
-            <a:off x="5974818" y="4752605"/>
-            <a:ext cx="1721690" cy="369332"/>
-          </a:xfrm>
-          <a:prstGeom prst="rect">
-            <a:avLst/>
-          </a:prstGeom>
-          <a:noFill/>
-        </p:spPr>
-        <p:txBody>
-          <a:bodyPr wrap="none" rtlCol="0">
-            <a:spAutoFit/>
-          </a:bodyPr>
-          <a:lstStyle/>
-          <a:p>
-            <a:r>
-              <a:rPr lang="en-GB" dirty="0"/>
-              <a:t>Actual Force (F</a:t>
-            </a:r>
-            <a:r>
-              <a:rPr lang="en-GB" baseline="-25000" dirty="0"/>
-              <a:t>A</a:t>
-            </a:r>
-            <a:r>
-              <a:rPr lang="en-GB" dirty="0"/>
-              <a:t>)</a:t>
-            </a:r>
-          </a:p>
-        </p:txBody>
-      </p:sp>
-      <p:cxnSp>
-        <p:nvCxnSpPr>
-          <p:cNvPr id="52" name="Straight Arrow Connector 51">
-            <a:extLst>
-              <a:ext uri="{FF2B5EF4-FFF2-40B4-BE49-F238E27FC236}">
-                <a16:creationId xmlns:a16="http://schemas.microsoft.com/office/drawing/2014/main" id="{429D0E40-6DE7-4726-A352-102088660B06}"/>
-              </a:ext>
-            </a:extLst>
-          </p:cNvPr>
-          <p:cNvCxnSpPr>
-            <a:cxnSpLocks/>
-            <a:endCxn id="6" idx="4"/>
-          </p:cNvCxnSpPr>
-          <p:nvPr/>
-        </p:nvCxnSpPr>
-        <p:spPr>
-          <a:xfrm flipV="1">
-            <a:off x="3968584" y="4057582"/>
-            <a:ext cx="1" cy="633688"/>
-          </a:xfrm>
-          <a:prstGeom prst="straightConnector1">
-            <a:avLst/>
-          </a:prstGeom>
-          <a:ln w="38100">
-            <a:solidFill>
-              <a:schemeClr val="tx1"/>
-            </a:solidFill>
-            <a:tailEnd type="triangle"/>
-          </a:ln>
-        </p:spPr>
-        <p:style>
-          <a:lnRef idx="1">
-            <a:schemeClr val="accent1"/>
-          </a:lnRef>
-          <a:fillRef idx="0">
-            <a:schemeClr val="accent1"/>
-          </a:fillRef>
-          <a:effectRef idx="0">
-            <a:schemeClr val="accent1"/>
-          </a:effectRef>
-          <a:fontRef idx="minor">
-            <a:schemeClr val="tx1"/>
-          </a:fontRef>
-        </p:style>
-      </p:cxnSp>
-      <p:sp>
-        <p:nvSpPr>
-          <p:cNvPr id="57" name="TextBox 56">
-            <a:extLst>
-              <a:ext uri="{FF2B5EF4-FFF2-40B4-BE49-F238E27FC236}">
-                <a16:creationId xmlns:a16="http://schemas.microsoft.com/office/drawing/2014/main" id="{9971061F-C17A-422C-A3DF-95B4AD6286BB}"/>
-              </a:ext>
-            </a:extLst>
-          </p:cNvPr>
-          <p:cNvSpPr txBox="1"/>
-          <p:nvPr/>
-        </p:nvSpPr>
-        <p:spPr>
-          <a:xfrm>
-            <a:off x="4392544" y="2832198"/>
-            <a:ext cx="981359" cy="923330"/>
-          </a:xfrm>
-          <a:prstGeom prst="rect">
-            <a:avLst/>
-          </a:prstGeom>
-          <a:noFill/>
-        </p:spPr>
-        <p:txBody>
-          <a:bodyPr wrap="none" rtlCol="0">
-            <a:spAutoFit/>
-          </a:bodyPr>
-          <a:lstStyle/>
-          <a:p>
-            <a:pPr algn="ctr"/>
-            <a:r>
-              <a:rPr lang="en-GB" dirty="0"/>
-              <a:t>Force</a:t>
-            </a:r>
-          </a:p>
-          <a:p>
-            <a:pPr algn="ctr"/>
-            <a:r>
-              <a:rPr lang="en-GB" dirty="0"/>
-              <a:t>Demand</a:t>
-            </a:r>
-          </a:p>
-          <a:p>
-            <a:pPr algn="ctr"/>
-            <a:r>
-              <a:rPr lang="en-GB" dirty="0"/>
-              <a:t>(F</a:t>
-            </a:r>
-            <a:r>
-              <a:rPr lang="en-GB" baseline="-25000" dirty="0"/>
-              <a:t>D</a:t>
-            </a:r>
-            <a:r>
-              <a:rPr lang="en-GB" dirty="0"/>
-              <a:t>)</a:t>
-            </a:r>
-          </a:p>
-        </p:txBody>
-      </p:sp>
-      <p:cxnSp>
-        <p:nvCxnSpPr>
-          <p:cNvPr id="36" name="Straight Connector 35">
-            <a:extLst>
-              <a:ext uri="{FF2B5EF4-FFF2-40B4-BE49-F238E27FC236}">
-                <a16:creationId xmlns:a16="http://schemas.microsoft.com/office/drawing/2014/main" id="{DBC7FE70-9F9B-4AA8-B566-51C3223ACB08}"/>
-              </a:ext>
-            </a:extLst>
-          </p:cNvPr>
-          <p:cNvCxnSpPr>
-            <a:cxnSpLocks/>
-          </p:cNvCxnSpPr>
-          <p:nvPr/>
-        </p:nvCxnSpPr>
-        <p:spPr>
-          <a:xfrm>
-            <a:off x="9316279" y="2179161"/>
-            <a:ext cx="0" cy="1369407"/>
-          </a:xfrm>
-          <a:prstGeom prst="line">
-            <a:avLst/>
-          </a:prstGeom>
-          <a:ln w="38100">
-            <a:solidFill>
-              <a:schemeClr val="tx1"/>
-            </a:solidFill>
-          </a:ln>
-        </p:spPr>
-        <p:style>
-          <a:lnRef idx="1">
-            <a:schemeClr val="accent1"/>
-          </a:lnRef>
-          <a:fillRef idx="0">
-            <a:schemeClr val="accent1"/>
-          </a:fillRef>
-          <a:effectRef idx="0">
-            <a:schemeClr val="accent1"/>
-          </a:effectRef>
-          <a:fontRef idx="minor">
-            <a:schemeClr val="tx1"/>
-          </a:fontRef>
-        </p:style>
-      </p:cxnSp>
-      <p:cxnSp>
-        <p:nvCxnSpPr>
-          <p:cNvPr id="40" name="Straight Connector 39">
-            <a:extLst>
-              <a:ext uri="{FF2B5EF4-FFF2-40B4-BE49-F238E27FC236}">
-                <a16:creationId xmlns:a16="http://schemas.microsoft.com/office/drawing/2014/main" id="{0860DC1A-21C9-4D38-88FC-FD4DAE9358D4}"/>
-              </a:ext>
-            </a:extLst>
-          </p:cNvPr>
-          <p:cNvCxnSpPr/>
-          <p:nvPr/>
-        </p:nvCxnSpPr>
-        <p:spPr>
-          <a:xfrm flipH="1">
-            <a:off x="8393992" y="3548568"/>
-            <a:ext cx="922287" cy="0"/>
-          </a:xfrm>
-          <a:prstGeom prst="line">
-            <a:avLst/>
-          </a:prstGeom>
-          <a:ln w="38100">
-            <a:solidFill>
-              <a:schemeClr val="tx1"/>
-            </a:solidFill>
-          </a:ln>
-        </p:spPr>
-        <p:style>
-          <a:lnRef idx="1">
-            <a:schemeClr val="accent1"/>
-          </a:lnRef>
-          <a:fillRef idx="0">
-            <a:schemeClr val="accent1"/>
-          </a:fillRef>
-          <a:effectRef idx="0">
-            <a:schemeClr val="accent1"/>
-          </a:effectRef>
-          <a:fontRef idx="minor">
-            <a:schemeClr val="tx1"/>
-          </a:fontRef>
-        </p:style>
-      </p:cxnSp>
-      <p:cxnSp>
-        <p:nvCxnSpPr>
-          <p:cNvPr id="47" name="Straight Connector 46">
-            <a:extLst>
-              <a:ext uri="{FF2B5EF4-FFF2-40B4-BE49-F238E27FC236}">
-                <a16:creationId xmlns:a16="http://schemas.microsoft.com/office/drawing/2014/main" id="{ECA3E01D-2BD3-4D6D-966C-0488668C9D39}"/>
-              </a:ext>
-            </a:extLst>
-          </p:cNvPr>
-          <p:cNvCxnSpPr>
-            <a:cxnSpLocks/>
-          </p:cNvCxnSpPr>
-          <p:nvPr/>
-        </p:nvCxnSpPr>
-        <p:spPr>
-          <a:xfrm>
-            <a:off x="3969980" y="4691270"/>
-            <a:ext cx="5346299" cy="0"/>
-          </a:xfrm>
-          <a:prstGeom prst="line">
-            <a:avLst/>
-          </a:prstGeom>
-          <a:ln w="38100">
-            <a:solidFill>
-              <a:schemeClr val="tx1"/>
-            </a:solidFill>
-          </a:ln>
-        </p:spPr>
-        <p:style>
-          <a:lnRef idx="1">
-            <a:schemeClr val="accent1"/>
-          </a:lnRef>
-          <a:fillRef idx="0">
-            <a:schemeClr val="accent1"/>
-          </a:fillRef>
-          <a:effectRef idx="0">
-            <a:schemeClr val="accent1"/>
-          </a:effectRef>
-          <a:fontRef idx="minor">
-            <a:schemeClr val="tx1"/>
-          </a:fontRef>
-        </p:style>
-      </p:cxnSp>
-      <p:cxnSp>
-        <p:nvCxnSpPr>
-          <p:cNvPr id="50" name="Straight Connector 49">
-            <a:extLst>
-              <a:ext uri="{FF2B5EF4-FFF2-40B4-BE49-F238E27FC236}">
-                <a16:creationId xmlns:a16="http://schemas.microsoft.com/office/drawing/2014/main" id="{E1D87BEC-48FB-4599-85F8-4014752CC3F0}"/>
-              </a:ext>
-            </a:extLst>
-          </p:cNvPr>
-          <p:cNvCxnSpPr/>
-          <p:nvPr/>
-        </p:nvCxnSpPr>
-        <p:spPr>
-          <a:xfrm flipV="1">
-            <a:off x="9321090" y="3766097"/>
-            <a:ext cx="0" cy="925173"/>
-          </a:xfrm>
-          <a:prstGeom prst="line">
-            <a:avLst/>
-          </a:prstGeom>
-          <a:ln w="38100">
-            <a:solidFill>
-              <a:schemeClr val="tx1"/>
-            </a:solidFill>
-          </a:ln>
-        </p:spPr>
-        <p:style>
-          <a:lnRef idx="1">
-            <a:schemeClr val="accent1"/>
-          </a:lnRef>
-          <a:fillRef idx="0">
-            <a:schemeClr val="accent1"/>
-          </a:fillRef>
-          <a:effectRef idx="0">
-            <a:schemeClr val="accent1"/>
-          </a:effectRef>
-          <a:fontRef idx="minor">
-            <a:schemeClr val="tx1"/>
-          </a:fontRef>
-        </p:style>
-      </p:cxnSp>
-      <p:cxnSp>
-        <p:nvCxnSpPr>
-          <p:cNvPr id="54" name="Straight Connector 53">
-            <a:extLst>
-              <a:ext uri="{FF2B5EF4-FFF2-40B4-BE49-F238E27FC236}">
-                <a16:creationId xmlns:a16="http://schemas.microsoft.com/office/drawing/2014/main" id="{2097F77C-B8C7-485C-AA47-BF8AC3DE7CBE}"/>
-              </a:ext>
-            </a:extLst>
-          </p:cNvPr>
-          <p:cNvCxnSpPr>
-            <a:cxnSpLocks/>
-            <a:stCxn id="28" idx="1"/>
-          </p:cNvCxnSpPr>
-          <p:nvPr/>
-        </p:nvCxnSpPr>
-        <p:spPr>
-          <a:xfrm flipH="1" flipV="1">
-            <a:off x="3963522" y="2179161"/>
-            <a:ext cx="2132478" cy="1"/>
-          </a:xfrm>
-          <a:prstGeom prst="line">
-            <a:avLst/>
-          </a:prstGeom>
-          <a:ln w="38100">
-            <a:solidFill>
-              <a:schemeClr val="tx1"/>
-            </a:solidFill>
-          </a:ln>
-        </p:spPr>
-        <p:style>
-          <a:lnRef idx="1">
-            <a:schemeClr val="accent1"/>
-          </a:lnRef>
-          <a:fillRef idx="0">
-            <a:schemeClr val="accent1"/>
-          </a:fillRef>
-          <a:effectRef idx="0">
-            <a:schemeClr val="accent1"/>
-          </a:effectRef>
-          <a:fontRef idx="minor">
-            <a:schemeClr val="tx1"/>
-          </a:fontRef>
-        </p:style>
-      </p:cxnSp>
     </p:spTree>
     <p:extLst>
       <p:ext uri="{BB962C8B-B14F-4D97-AF65-F5344CB8AC3E}">
